--- a/slide/master.pptx
+++ b/slide/master.pptx
@@ -9,10 +9,10 @@
   </p:notesMasterIdLst>
   <p:sldIdLst>
     <p:sldId id="256" r:id="rId2"/>
-    <p:sldId id="374" r:id="rId3"/>
-    <p:sldId id="375" r:id="rId4"/>
-    <p:sldId id="376" r:id="rId5"/>
-    <p:sldId id="385" r:id="rId6"/>
+    <p:sldId id="376" r:id="rId3"/>
+    <p:sldId id="385" r:id="rId4"/>
+    <p:sldId id="374" r:id="rId5"/>
+    <p:sldId id="375" r:id="rId6"/>
     <p:sldId id="377" r:id="rId7"/>
     <p:sldId id="384" r:id="rId8"/>
     <p:sldId id="378" r:id="rId9"/>
@@ -130,10 +130,10 @@
         <p14:section name="既定のセクション" id="{D8207650-0B4C-844A-843D-04C8499C0848}">
           <p14:sldIdLst>
             <p14:sldId id="256"/>
+            <p14:sldId id="376"/>
+            <p14:sldId id="385"/>
             <p14:sldId id="374"/>
             <p14:sldId id="375"/>
-            <p14:sldId id="376"/>
-            <p14:sldId id="385"/>
             <p14:sldId id="377"/>
             <p14:sldId id="384"/>
             <p14:sldId id="378"/>
@@ -251,7 +251,7 @@
           <a:p>
             <a:fld id="{4009ACC2-15F4-9549-B7EC-0A2B034E938B}" type="datetimeFigureOut">
               <a:rPr kumimoji="1" lang="ja-JP" altLang="en-US" smtClean="0"/>
-              <a:t>2021/1/31</a:t>
+              <a:t>2021/2/1</a:t>
             </a:fld>
             <a:endParaRPr kumimoji="1" lang="ja-JP" altLang="en-US"/>
           </a:p>
@@ -615,6 +615,264 @@
           <a:p>
             <a:fld id="{BAC2704F-7F34-5D4A-A451-26A3081CB5EA}" type="slidenum">
               <a:rPr kumimoji="1" lang="ja-JP" altLang="en-US" smtClean="0"/>
+              <a:t>3</a:t>
+            </a:fld>
+            <a:endParaRPr kumimoji="1" lang="ja-JP" altLang="en-US"/>
+          </a:p>
+        </p:txBody>
+      </p:sp>
+    </p:spTree>
+    <p:extLst>
+      <p:ext uri="{BB962C8B-B14F-4D97-AF65-F5344CB8AC3E}">
+        <p14:creationId xmlns:p14="http://schemas.microsoft.com/office/powerpoint/2010/main" val="3822006667"/>
+      </p:ext>
+    </p:extLst>
+  </p:cSld>
+  <p:clrMapOvr>
+    <a:masterClrMapping/>
+  </p:clrMapOvr>
+</p:notes>
+</file>
+
+<file path=ppt/notesSlides/notesSlide2.xml><?xml version="1.0" encoding="utf-8"?>
+<p:notes xmlns:a="http://schemas.openxmlformats.org/drawingml/2006/main" xmlns:r="http://schemas.openxmlformats.org/officeDocument/2006/relationships" xmlns:p="http://schemas.openxmlformats.org/presentationml/2006/main">
+  <p:cSld>
+    <p:spTree>
+      <p:nvGrpSpPr>
+        <p:cNvPr id="1" name=""/>
+        <p:cNvGrpSpPr/>
+        <p:nvPr/>
+      </p:nvGrpSpPr>
+      <p:grpSpPr>
+        <a:xfrm>
+          <a:off x="0" y="0"/>
+          <a:ext cx="0" cy="0"/>
+          <a:chOff x="0" y="0"/>
+          <a:chExt cx="0" cy="0"/>
+        </a:xfrm>
+      </p:grpSpPr>
+      <p:sp>
+        <p:nvSpPr>
+          <p:cNvPr id="2" name="スライド イメージ プレースホルダー 1"/>
+          <p:cNvSpPr>
+            <a:spLocks noGrp="1" noRot="1" noChangeAspect="1"/>
+          </p:cNvSpPr>
+          <p:nvPr>
+            <p:ph type="sldImg"/>
+          </p:nvPr>
+        </p:nvSpPr>
+        <p:spPr/>
+      </p:sp>
+      <p:sp>
+        <p:nvSpPr>
+          <p:cNvPr id="3" name="ノート プレースホルダー 2"/>
+          <p:cNvSpPr>
+            <a:spLocks noGrp="1"/>
+          </p:cNvSpPr>
+          <p:nvPr>
+            <p:ph type="body" idx="1"/>
+          </p:nvPr>
+        </p:nvSpPr>
+        <p:spPr/>
+        <p:txBody>
+          <a:bodyPr/>
+          <a:lstStyle/>
+          <a:p>
+            <a:r>
+              <a:rPr kumimoji="1" lang="ja-JP" altLang="en-US"/>
+              <a:t>もうちょっとうまく書けん？</a:t>
+            </a:r>
+          </a:p>
+        </p:txBody>
+      </p:sp>
+      <p:sp>
+        <p:nvSpPr>
+          <p:cNvPr id="4" name="スライド番号プレースホルダー 3"/>
+          <p:cNvSpPr>
+            <a:spLocks noGrp="1"/>
+          </p:cNvSpPr>
+          <p:nvPr>
+            <p:ph type="sldNum" sz="quarter" idx="5"/>
+          </p:nvPr>
+        </p:nvSpPr>
+        <p:spPr/>
+        <p:txBody>
+          <a:bodyPr/>
+          <a:lstStyle/>
+          <a:p>
+            <a:fld id="{BAC2704F-7F34-5D4A-A451-26A3081CB5EA}" type="slidenum">
+              <a:rPr kumimoji="1" lang="ja-JP" altLang="en-US" smtClean="0"/>
+              <a:t>5</a:t>
+            </a:fld>
+            <a:endParaRPr kumimoji="1" lang="ja-JP" altLang="en-US"/>
+          </a:p>
+        </p:txBody>
+      </p:sp>
+    </p:spTree>
+    <p:extLst>
+      <p:ext uri="{BB962C8B-B14F-4D97-AF65-F5344CB8AC3E}">
+        <p14:creationId xmlns:p14="http://schemas.microsoft.com/office/powerpoint/2010/main" val="3814194553"/>
+      </p:ext>
+    </p:extLst>
+  </p:cSld>
+  <p:clrMapOvr>
+    <a:masterClrMapping/>
+  </p:clrMapOvr>
+</p:notes>
+</file>
+
+<file path=ppt/notesSlides/notesSlide3.xml><?xml version="1.0" encoding="utf-8"?>
+<p:notes xmlns:a="http://schemas.openxmlformats.org/drawingml/2006/main" xmlns:r="http://schemas.openxmlformats.org/officeDocument/2006/relationships" xmlns:p="http://schemas.openxmlformats.org/presentationml/2006/main">
+  <p:cSld>
+    <p:spTree>
+      <p:nvGrpSpPr>
+        <p:cNvPr id="1" name=""/>
+        <p:cNvGrpSpPr/>
+        <p:nvPr/>
+      </p:nvGrpSpPr>
+      <p:grpSpPr>
+        <a:xfrm>
+          <a:off x="0" y="0"/>
+          <a:ext cx="0" cy="0"/>
+          <a:chOff x="0" y="0"/>
+          <a:chExt cx="0" cy="0"/>
+        </a:xfrm>
+      </p:grpSpPr>
+      <p:sp>
+        <p:nvSpPr>
+          <p:cNvPr id="2" name="スライド イメージ プレースホルダー 1"/>
+          <p:cNvSpPr>
+            <a:spLocks noGrp="1" noRot="1" noChangeAspect="1"/>
+          </p:cNvSpPr>
+          <p:nvPr>
+            <p:ph type="sldImg"/>
+          </p:nvPr>
+        </p:nvSpPr>
+        <p:spPr/>
+      </p:sp>
+      <p:sp>
+        <p:nvSpPr>
+          <p:cNvPr id="3" name="ノート プレースホルダー 2"/>
+          <p:cNvSpPr>
+            <a:spLocks noGrp="1"/>
+          </p:cNvSpPr>
+          <p:nvPr>
+            <p:ph type="body" idx="1"/>
+          </p:nvPr>
+        </p:nvSpPr>
+        <p:spPr/>
+        <p:txBody>
+          <a:bodyPr/>
+          <a:lstStyle/>
+          <a:p>
+            <a:r>
+              <a:rPr kumimoji="1" lang="ja-JP" altLang="en-US"/>
+              <a:t>文字の説明</a:t>
+            </a:r>
+          </a:p>
+        </p:txBody>
+      </p:sp>
+      <p:sp>
+        <p:nvSpPr>
+          <p:cNvPr id="4" name="スライド番号プレースホルダー 3"/>
+          <p:cNvSpPr>
+            <a:spLocks noGrp="1"/>
+          </p:cNvSpPr>
+          <p:nvPr>
+            <p:ph type="sldNum" sz="quarter" idx="5"/>
+          </p:nvPr>
+        </p:nvSpPr>
+        <p:spPr/>
+        <p:txBody>
+          <a:bodyPr/>
+          <a:lstStyle/>
+          <a:p>
+            <a:fld id="{BAC2704F-7F34-5D4A-A451-26A3081CB5EA}" type="slidenum">
+              <a:rPr kumimoji="1" lang="ja-JP" altLang="en-US" smtClean="0"/>
+              <a:t>6</a:t>
+            </a:fld>
+            <a:endParaRPr kumimoji="1" lang="ja-JP" altLang="en-US"/>
+          </a:p>
+        </p:txBody>
+      </p:sp>
+    </p:spTree>
+    <p:extLst>
+      <p:ext uri="{BB962C8B-B14F-4D97-AF65-F5344CB8AC3E}">
+        <p14:creationId xmlns:p14="http://schemas.microsoft.com/office/powerpoint/2010/main" val="3958422911"/>
+      </p:ext>
+    </p:extLst>
+  </p:cSld>
+  <p:clrMapOvr>
+    <a:masterClrMapping/>
+  </p:clrMapOvr>
+</p:notes>
+</file>
+
+<file path=ppt/notesSlides/notesSlide4.xml><?xml version="1.0" encoding="utf-8"?>
+<p:notes xmlns:a="http://schemas.openxmlformats.org/drawingml/2006/main" xmlns:r="http://schemas.openxmlformats.org/officeDocument/2006/relationships" xmlns:p="http://schemas.openxmlformats.org/presentationml/2006/main">
+  <p:cSld>
+    <p:spTree>
+      <p:nvGrpSpPr>
+        <p:cNvPr id="1" name=""/>
+        <p:cNvGrpSpPr/>
+        <p:nvPr/>
+      </p:nvGrpSpPr>
+      <p:grpSpPr>
+        <a:xfrm>
+          <a:off x="0" y="0"/>
+          <a:ext cx="0" cy="0"/>
+          <a:chOff x="0" y="0"/>
+          <a:chExt cx="0" cy="0"/>
+        </a:xfrm>
+      </p:grpSpPr>
+      <p:sp>
+        <p:nvSpPr>
+          <p:cNvPr id="2" name="スライド イメージ プレースホルダー 1"/>
+          <p:cNvSpPr>
+            <a:spLocks noGrp="1" noRot="1" noChangeAspect="1"/>
+          </p:cNvSpPr>
+          <p:nvPr>
+            <p:ph type="sldImg"/>
+          </p:nvPr>
+        </p:nvSpPr>
+        <p:spPr/>
+      </p:sp>
+      <p:sp>
+        <p:nvSpPr>
+          <p:cNvPr id="3" name="ノート プレースホルダー 2"/>
+          <p:cNvSpPr>
+            <a:spLocks noGrp="1"/>
+          </p:cNvSpPr>
+          <p:nvPr>
+            <p:ph type="body" idx="1"/>
+          </p:nvPr>
+        </p:nvSpPr>
+        <p:spPr/>
+        <p:txBody>
+          <a:bodyPr/>
+          <a:lstStyle/>
+          <a:p>
+            <a:endParaRPr kumimoji="1" lang="ja-JP" altLang="en-US"/>
+          </a:p>
+        </p:txBody>
+      </p:sp>
+      <p:sp>
+        <p:nvSpPr>
+          <p:cNvPr id="4" name="スライド番号プレースホルダー 3"/>
+          <p:cNvSpPr>
+            <a:spLocks noGrp="1"/>
+          </p:cNvSpPr>
+          <p:nvPr>
+            <p:ph type="sldNum" sz="quarter" idx="5"/>
+          </p:nvPr>
+        </p:nvSpPr>
+        <p:spPr/>
+        <p:txBody>
+          <a:bodyPr/>
+          <a:lstStyle/>
+          <a:p>
+            <a:fld id="{BAC2704F-7F34-5D4A-A451-26A3081CB5EA}" type="slidenum">
+              <a:rPr kumimoji="1" lang="ja-JP" altLang="en-US" smtClean="0"/>
               <a:t>8</a:t>
             </a:fld>
             <a:endParaRPr kumimoji="1" lang="ja-JP" altLang="en-US"/>
@@ -692,14 +950,14 @@
           </a:ln>
           <a:extLst>
             <a:ext uri="{909E8E84-426E-40dd-AFC4-6F175D3DCCD1}">
-              <a14:hiddenFill xmlns="" xmlns:a14="http://schemas.microsoft.com/office/drawing/2010/main">
+              <a14:hiddenFill xmlns:a14="http://schemas.microsoft.com/office/drawing/2010/main" xmlns="">
                 <a:solidFill>
                   <a:srgbClr val="FFFFFF"/>
                 </a:solidFill>
               </a14:hiddenFill>
             </a:ext>
             <a:ext uri="{91240B29-F687-4f45-9708-019B960494DF}">
-              <a14:hiddenLine xmlns="" xmlns:a14="http://schemas.microsoft.com/office/drawing/2010/main" w="9525">
+              <a14:hiddenLine xmlns:a14="http://schemas.microsoft.com/office/drawing/2010/main" xmlns="" w="9525">
                 <a:solidFill>
                   <a:srgbClr val="000000"/>
                 </a:solidFill>
@@ -1373,14 +1631,14 @@
           </a:ln>
           <a:extLst>
             <a:ext uri="{909E8E84-426E-40dd-AFC4-6F175D3DCCD1}">
-              <a14:hiddenFill xmlns="" xmlns:a14="http://schemas.microsoft.com/office/drawing/2010/main">
+              <a14:hiddenFill xmlns:a14="http://schemas.microsoft.com/office/drawing/2010/main" xmlns="">
                 <a:solidFill>
                   <a:srgbClr val="FFFFFF"/>
                 </a:solidFill>
               </a14:hiddenFill>
             </a:ext>
             <a:ext uri="{91240B29-F687-4f45-9708-019B960494DF}">
-              <a14:hiddenLine xmlns="" xmlns:a14="http://schemas.microsoft.com/office/drawing/2010/main" w="9525">
+              <a14:hiddenLine xmlns:a14="http://schemas.microsoft.com/office/drawing/2010/main" xmlns="" w="9525">
                 <a:solidFill>
                   <a:srgbClr val="000000"/>
                 </a:solidFill>
@@ -4166,8 +4424,8 @@
           <a:chExt cx="0" cy="0"/>
         </a:xfrm>
       </p:grpSpPr>
-      <mc:AlternateContent xmlns:mc="http://schemas.openxmlformats.org/markup-compatibility/2006">
-        <mc:Choice xmlns:a14="http://schemas.microsoft.com/office/drawing/2010/main" Requires="a14">
+      <mc:AlternateContent xmlns:mc="http://schemas.openxmlformats.org/markup-compatibility/2006" xmlns:a14="http://schemas.microsoft.com/office/drawing/2010/main">
+        <mc:Choice Requires="a14">
           <p:sp>
             <p:nvSpPr>
               <p:cNvPr id="2" name="コンテンツ プレースホルダー 1">
@@ -4564,7 +4822,7 @@
             </p:txBody>
           </p:sp>
         </mc:Choice>
-        <mc:Fallback>
+        <mc:Fallback xmlns="">
           <p:sp>
             <p:nvSpPr>
               <p:cNvPr id="2" name="コンテンツ プレースホルダー 1">
@@ -4604,8 +4862,8 @@
           </p:sp>
         </mc:Fallback>
       </mc:AlternateContent>
-      <mc:AlternateContent xmlns:mc="http://schemas.openxmlformats.org/markup-compatibility/2006">
-        <mc:Choice xmlns:a14="http://schemas.microsoft.com/office/drawing/2010/main" Requires="a14">
+      <mc:AlternateContent xmlns:mc="http://schemas.openxmlformats.org/markup-compatibility/2006" xmlns:a14="http://schemas.microsoft.com/office/drawing/2010/main">
+        <mc:Choice Requires="a14">
           <p:sp>
             <p:nvSpPr>
               <p:cNvPr id="3" name="タイトル 2">
@@ -4649,7 +4907,7 @@
             </p:txBody>
           </p:sp>
         </mc:Choice>
-        <mc:Fallback>
+        <mc:Fallback xmlns="">
           <p:sp>
             <p:nvSpPr>
               <p:cNvPr id="3" name="タイトル 2">
@@ -4751,8 +5009,8 @@
           </a:p>
         </p:txBody>
       </p:sp>
-      <mc:AlternateContent xmlns:mc="http://schemas.openxmlformats.org/markup-compatibility/2006">
-        <mc:Choice xmlns:a14="http://schemas.microsoft.com/office/drawing/2010/main" Requires="a14">
+      <mc:AlternateContent xmlns:mc="http://schemas.openxmlformats.org/markup-compatibility/2006" xmlns:a14="http://schemas.microsoft.com/office/drawing/2010/main">
+        <mc:Choice Requires="a14">
           <p:sp>
             <p:nvSpPr>
               <p:cNvPr id="7" name="テキスト ボックス 6">
@@ -5229,7 +5487,7 @@
             </p:txBody>
           </p:sp>
         </mc:Choice>
-        <mc:Fallback>
+        <mc:Fallback xmlns="">
           <p:sp>
             <p:nvSpPr>
               <p:cNvPr id="7" name="テキスト ボックス 6">
@@ -5320,8 +5578,8 @@
           </a:fontRef>
         </p:style>
       </p:cxnSp>
-      <mc:AlternateContent xmlns:mc="http://schemas.openxmlformats.org/markup-compatibility/2006">
-        <mc:Choice xmlns:a14="http://schemas.microsoft.com/office/drawing/2010/main" Requires="a14">
+      <mc:AlternateContent xmlns:mc="http://schemas.openxmlformats.org/markup-compatibility/2006" xmlns:a14="http://schemas.microsoft.com/office/drawing/2010/main">
+        <mc:Choice Requires="a14">
           <p:sp>
             <p:nvSpPr>
               <p:cNvPr id="9" name="テキスト ボックス 8">
@@ -5459,7 +5717,7 @@
             </p:txBody>
           </p:sp>
         </mc:Choice>
-        <mc:Fallback>
+        <mc:Fallback xmlns="">
           <p:sp>
             <p:nvSpPr>
               <p:cNvPr id="9" name="テキスト ボックス 8">
@@ -5504,8 +5762,8 @@
           </p:sp>
         </mc:Fallback>
       </mc:AlternateContent>
-      <mc:AlternateContent xmlns:mc="http://schemas.openxmlformats.org/markup-compatibility/2006">
-        <mc:Choice xmlns:a14="http://schemas.microsoft.com/office/drawing/2010/main" Requires="a14">
+      <mc:AlternateContent xmlns:mc="http://schemas.openxmlformats.org/markup-compatibility/2006" xmlns:a14="http://schemas.microsoft.com/office/drawing/2010/main">
+        <mc:Choice Requires="a14">
           <p:sp>
             <p:nvSpPr>
               <p:cNvPr id="10" name="テキスト ボックス 9">
@@ -6197,7 +6455,7 @@
             </p:txBody>
           </p:sp>
         </mc:Choice>
-        <mc:Fallback>
+        <mc:Fallback xmlns="">
           <p:sp>
             <p:nvSpPr>
               <p:cNvPr id="10" name="テキスト ボックス 9">
@@ -6272,112 +6530,317 @@
           <a:chExt cx="0" cy="0"/>
         </a:xfrm>
       </p:grpSpPr>
-      <p:sp>
-        <p:nvSpPr>
-          <p:cNvPr id="2" name="コンテンツ プレースホルダー 1">
-            <a:extLst>
-              <a:ext uri="{FF2B5EF4-FFF2-40B4-BE49-F238E27FC236}">
-                <a16:creationId xmlns:a16="http://schemas.microsoft.com/office/drawing/2014/main" id="{60061DAC-69A3-944A-AD86-BFA012085C22}"/>
-              </a:ext>
-            </a:extLst>
-          </p:cNvPr>
-          <p:cNvSpPr>
-            <a:spLocks noGrp="1"/>
-          </p:cNvSpPr>
-          <p:nvPr>
-            <p:ph idx="1"/>
-          </p:nvPr>
-        </p:nvSpPr>
-        <p:spPr/>
-        <p:txBody>
-          <a:bodyPr/>
-          <a:lstStyle/>
-          <a:p>
-            <a:r>
-              <a:rPr kumimoji="1" lang="ja-JP" altLang="en-US"/>
-              <a:t>制御対象</a:t>
-            </a:r>
-            <a:endParaRPr kumimoji="1" lang="en-US" altLang="ja-JP" dirty="0"/>
-          </a:p>
-          <a:p>
-            <a:endParaRPr lang="en-US" altLang="ja-JP" dirty="0"/>
-          </a:p>
-          <a:p>
-            <a:endParaRPr kumimoji="1" lang="en-US" altLang="ja-JP" dirty="0"/>
-          </a:p>
-          <a:p>
-            <a:r>
-              <a:rPr lang="ja-JP" altLang="en-US"/>
-              <a:t>初期方策</a:t>
-            </a:r>
-            <a:endParaRPr lang="en-US" altLang="ja-JP" dirty="0"/>
-          </a:p>
-          <a:p>
-            <a:pPr lvl="1"/>
-            <a:r>
-              <a:rPr lang="ja-JP" altLang="en-US"/>
-              <a:t>素朴に設計した方策</a:t>
-            </a:r>
-            <a:endParaRPr lang="en-US" altLang="ja-JP" dirty="0"/>
-          </a:p>
-          <a:p>
-            <a:pPr lvl="1"/>
-            <a:endParaRPr lang="en-US" altLang="ja-JP" dirty="0"/>
-          </a:p>
-          <a:p>
-            <a:pPr lvl="1"/>
-            <a:endParaRPr lang="en-US" altLang="ja-JP" dirty="0"/>
-          </a:p>
-          <a:p>
-            <a:pPr lvl="1"/>
-            <a:endParaRPr lang="en-US" altLang="ja-JP" dirty="0"/>
-          </a:p>
-          <a:p>
-            <a:pPr lvl="1"/>
-            <a:r>
-              <a:rPr lang="ja-JP" altLang="en-US"/>
-              <a:t>後ろの</a:t>
-            </a:r>
-            <a:r>
-              <a:rPr lang="en-US" altLang="ja-JP" dirty="0"/>
-              <a:t>2</a:t>
-            </a:r>
-            <a:r>
-              <a:rPr lang="ja-JP" altLang="en-US"/>
-              <a:t>つの項は</a:t>
-            </a:r>
-            <a:r>
-              <a:rPr lang="en-US" altLang="ja-JP" dirty="0"/>
-              <a:t>, </a:t>
-            </a:r>
-            <a:r>
-              <a:rPr lang="ja-JP" altLang="en-US"/>
-              <a:t>連続的に最適制御した際の制御コスト</a:t>
-            </a:r>
-            <a:endParaRPr lang="en-US" altLang="ja-JP" dirty="0"/>
-          </a:p>
-          <a:p>
-            <a:pPr lvl="1"/>
-            <a:r>
-              <a:rPr lang="ja-JP" altLang="en-US">
-                <a:solidFill>
-                  <a:schemeClr val="accent1"/>
-                </a:solidFill>
-              </a:rPr>
-              <a:t>次ステップで高い制御コストを必要とする状態に行かないようにしたい</a:t>
-            </a:r>
-            <a:endParaRPr lang="en-US" altLang="ja-JP" dirty="0"/>
-          </a:p>
-          <a:p>
-            <a:pPr lvl="1"/>
-            <a:endParaRPr lang="en-US" altLang="ja-JP" dirty="0"/>
-          </a:p>
-          <a:p>
-            <a:pPr lvl="1"/>
-            <a:endParaRPr lang="en-US" altLang="ja-JP" dirty="0"/>
-          </a:p>
-        </p:txBody>
-      </p:sp>
+      <mc:AlternateContent xmlns:mc="http://schemas.openxmlformats.org/markup-compatibility/2006" xmlns:a14="http://schemas.microsoft.com/office/drawing/2010/main">
+        <mc:Choice Requires="a14">
+          <p:sp>
+            <p:nvSpPr>
+              <p:cNvPr id="2" name="コンテンツ プレースホルダー 1">
+                <a:extLst>
+                  <a:ext uri="{FF2B5EF4-FFF2-40B4-BE49-F238E27FC236}">
+                    <a16:creationId xmlns:a16="http://schemas.microsoft.com/office/drawing/2014/main" id="{60061DAC-69A3-944A-AD86-BFA012085C22}"/>
+                  </a:ext>
+                </a:extLst>
+              </p:cNvPr>
+              <p:cNvSpPr>
+                <a:spLocks noGrp="1"/>
+              </p:cNvSpPr>
+              <p:nvPr>
+                <p:ph idx="1"/>
+              </p:nvPr>
+            </p:nvSpPr>
+            <p:spPr/>
+            <p:txBody>
+              <a:bodyPr/>
+              <a:lstStyle/>
+              <a:p>
+                <a:r>
+                  <a:rPr kumimoji="1" lang="ja-JP" altLang="en-US"/>
+                  <a:t>制御対象</a:t>
+                </a:r>
+                <a:endParaRPr kumimoji="1" lang="en-US" altLang="ja-JP" dirty="0"/>
+              </a:p>
+              <a:p>
+                <a:endParaRPr lang="en-US" altLang="ja-JP" dirty="0"/>
+              </a:p>
+              <a:p>
+                <a:endParaRPr kumimoji="1" lang="en-US" altLang="ja-JP" dirty="0"/>
+              </a:p>
+              <a:p>
+                <a:r>
+                  <a:rPr lang="ja-JP" altLang="en-US"/>
+                  <a:t>初期方策</a:t>
+                </a:r>
+                <a:endParaRPr lang="en-US" altLang="ja-JP" dirty="0"/>
+              </a:p>
+              <a:p>
+                <a:pPr lvl="1"/>
+                <a:r>
+                  <a:rPr lang="ja-JP" altLang="en-US"/>
+                  <a:t>素朴に設計した方策</a:t>
+                </a:r>
+                <a:endParaRPr lang="en-US" altLang="ja-JP" dirty="0"/>
+              </a:p>
+              <a:p>
+                <a:pPr lvl="1"/>
+                <a:endParaRPr lang="en-US" altLang="ja-JP" dirty="0"/>
+              </a:p>
+              <a:p>
+                <a:pPr lvl="1"/>
+                <a:endParaRPr lang="en-US" altLang="ja-JP" dirty="0"/>
+              </a:p>
+              <a:p>
+                <a:pPr lvl="1"/>
+                <a:endParaRPr lang="en-US" altLang="ja-JP" dirty="0"/>
+              </a:p>
+              <a:p>
+                <a:pPr lvl="1"/>
+                <a14:m>
+                  <m:oMath xmlns:m="http://schemas.openxmlformats.org/officeDocument/2006/math">
+                    <m:sSubSup>
+                      <m:sSubSupPr>
+                        <m:ctrlPr>
+                          <a:rPr lang="en-US" altLang="ja-JP" i="1">
+                            <a:solidFill>
+                              <a:schemeClr val="accent1"/>
+                            </a:solidFill>
+                            <a:latin typeface="Cambria Math" panose="02040503050406030204" pitchFamily="18" charset="0"/>
+                            <a:ea typeface="Cambria Math" panose="02040503050406030204" pitchFamily="18" charset="0"/>
+                          </a:rPr>
+                        </m:ctrlPr>
+                      </m:sSubSupPr>
+                      <m:e>
+                        <m:r>
+                          <a:rPr lang="en-US" altLang="ja-JP" i="1">
+                            <a:solidFill>
+                              <a:schemeClr val="accent1"/>
+                            </a:solidFill>
+                            <a:latin typeface="Cambria Math" panose="02040503050406030204" pitchFamily="18" charset="0"/>
+                            <a:ea typeface="Cambria Math" panose="02040503050406030204" pitchFamily="18" charset="0"/>
+                          </a:rPr>
+                          <m:t>𝑉</m:t>
+                        </m:r>
+                      </m:e>
+                      <m:sub>
+                        <m:r>
+                          <a:rPr lang="en-US" altLang="ja-JP" i="1">
+                            <a:solidFill>
+                              <a:schemeClr val="accent1"/>
+                            </a:solidFill>
+                            <a:latin typeface="Cambria Math" panose="02040503050406030204" pitchFamily="18" charset="0"/>
+                            <a:ea typeface="Cambria Math" panose="02040503050406030204" pitchFamily="18" charset="0"/>
+                          </a:rPr>
+                          <m:t>𝑐𝑜𝑛𝑡</m:t>
+                        </m:r>
+                      </m:sub>
+                      <m:sup>
+                        <m:r>
+                          <a:rPr lang="en-US" altLang="ja-JP" i="1">
+                            <a:solidFill>
+                              <a:schemeClr val="accent1"/>
+                            </a:solidFill>
+                            <a:latin typeface="Cambria Math" panose="02040503050406030204" pitchFamily="18" charset="0"/>
+                            <a:ea typeface="Cambria Math" panose="02040503050406030204" pitchFamily="18" charset="0"/>
+                          </a:rPr>
+                          <m:t>∗</m:t>
+                        </m:r>
+                      </m:sup>
+                    </m:sSubSup>
+                    <m:r>
+                      <a:rPr lang="en-US" altLang="ja-JP" i="1">
+                        <a:solidFill>
+                          <a:schemeClr val="accent1"/>
+                        </a:solidFill>
+                        <a:latin typeface="Cambria Math" panose="02040503050406030204" pitchFamily="18" charset="0"/>
+                        <a:ea typeface="Cambria Math" panose="02040503050406030204" pitchFamily="18" charset="0"/>
+                      </a:rPr>
+                      <m:t>(</m:t>
+                    </m:r>
+                    <m:sSubSup>
+                      <m:sSubSupPr>
+                        <m:ctrlPr>
+                          <a:rPr lang="en-US" altLang="ja-JP" i="1">
+                            <a:solidFill>
+                              <a:schemeClr val="accent1"/>
+                            </a:solidFill>
+                            <a:latin typeface="Cambria Math" panose="02040503050406030204" pitchFamily="18" charset="0"/>
+                            <a:ea typeface="Cambria Math" panose="02040503050406030204" pitchFamily="18" charset="0"/>
+                          </a:rPr>
+                        </m:ctrlPr>
+                      </m:sSubSupPr>
+                      <m:e>
+                        <m:r>
+                          <a:rPr lang="en-US" altLang="ja-JP" i="1">
+                            <a:solidFill>
+                              <a:schemeClr val="accent1"/>
+                            </a:solidFill>
+                            <a:latin typeface="Cambria Math" panose="02040503050406030204" pitchFamily="18" charset="0"/>
+                            <a:ea typeface="Cambria Math" panose="02040503050406030204" pitchFamily="18" charset="0"/>
+                          </a:rPr>
+                          <m:t>𝑠</m:t>
+                        </m:r>
+                      </m:e>
+                      <m:sub>
+                        <m:r>
+                          <a:rPr lang="en-US" altLang="ja-JP" i="1">
+                            <a:solidFill>
+                              <a:schemeClr val="accent1"/>
+                            </a:solidFill>
+                            <a:latin typeface="Cambria Math" panose="02040503050406030204" pitchFamily="18" charset="0"/>
+                            <a:ea typeface="Cambria Math" panose="02040503050406030204" pitchFamily="18" charset="0"/>
+                          </a:rPr>
+                          <m:t>𝑒</m:t>
+                        </m:r>
+                      </m:sub>
+                      <m:sup>
+                        <m:r>
+                          <a:rPr lang="en-US" altLang="ja-JP" i="1">
+                            <a:solidFill>
+                              <a:schemeClr val="accent1"/>
+                            </a:solidFill>
+                            <a:latin typeface="Cambria Math" panose="02040503050406030204" pitchFamily="18" charset="0"/>
+                            <a:ea typeface="Cambria Math" panose="02040503050406030204" pitchFamily="18" charset="0"/>
+                          </a:rPr>
+                          <m:t>′</m:t>
+                        </m:r>
+                      </m:sup>
+                    </m:sSubSup>
+                    <m:r>
+                      <a:rPr lang="en-US" altLang="ja-JP" i="1">
+                        <a:solidFill>
+                          <a:schemeClr val="accent1"/>
+                        </a:solidFill>
+                        <a:latin typeface="Cambria Math" panose="02040503050406030204" pitchFamily="18" charset="0"/>
+                        <a:ea typeface="Cambria Math" panose="02040503050406030204" pitchFamily="18" charset="0"/>
+                      </a:rPr>
+                      <m:t>,</m:t>
+                    </m:r>
+                    <m:r>
+                      <m:rPr>
+                        <m:sty m:val="p"/>
+                      </m:rPr>
+                      <a:rPr lang="el-GR" altLang="ja-JP" i="1">
+                        <a:solidFill>
+                          <a:schemeClr val="accent1"/>
+                        </a:solidFill>
+                        <a:latin typeface="Cambria Math" panose="02040503050406030204" pitchFamily="18" charset="0"/>
+                        <a:ea typeface="Cambria Math" panose="02040503050406030204" pitchFamily="18" charset="0"/>
+                      </a:rPr>
+                      <m:t>Σ</m:t>
+                    </m:r>
+                    <m:r>
+                      <a:rPr lang="en-US" altLang="ja-JP" i="1">
+                        <a:solidFill>
+                          <a:schemeClr val="accent1"/>
+                        </a:solidFill>
+                        <a:latin typeface="Cambria Math" panose="02040503050406030204" pitchFamily="18" charset="0"/>
+                        <a:ea typeface="Cambria Math" panose="02040503050406030204" pitchFamily="18" charset="0"/>
+                      </a:rPr>
+                      <m:t>)</m:t>
+                    </m:r>
+                  </m:oMath>
+                </a14:m>
+                <a:r>
+                  <a:rPr lang="ja-JP" altLang="en-US"/>
+                  <a:t>は</a:t>
+                </a:r>
+                <a:r>
+                  <a:rPr lang="en-US" altLang="ja-JP" dirty="0"/>
+                  <a:t>, </a:t>
+                </a:r>
+                <a:r>
+                  <a:rPr lang="ja-JP" altLang="en-US"/>
+                  <a:t>連続的に最適制御した際の制御コスト</a:t>
+                </a:r>
+                <a:r>
+                  <a:rPr lang="en-US" altLang="ja-JP" dirty="0">
+                    <a:solidFill>
+                      <a:schemeClr val="bg1">
+                        <a:lumMod val="50000"/>
+                      </a:schemeClr>
+                    </a:solidFill>
+                  </a:rPr>
+                  <a:t>(×</a:t>
+                </a:r>
+                <a:r>
+                  <a:rPr lang="ja-JP" altLang="en-US">
+                    <a:solidFill>
+                      <a:schemeClr val="bg1">
+                        <a:lumMod val="50000"/>
+                      </a:schemeClr>
+                    </a:solidFill>
+                  </a:rPr>
+                  <a:t>通信コスト</a:t>
+                </a:r>
+                <a:r>
+                  <a:rPr lang="en-US" altLang="ja-JP" dirty="0">
+                    <a:solidFill>
+                      <a:schemeClr val="bg1">
+                        <a:lumMod val="50000"/>
+                      </a:schemeClr>
+                    </a:solidFill>
+                  </a:rPr>
+                  <a:t>)</a:t>
+                </a:r>
+              </a:p>
+              <a:p>
+                <a:pPr lvl="1"/>
+                <a:r>
+                  <a:rPr lang="ja-JP" altLang="en-US"/>
+                  <a:t>次ステップで高い制御コストを必要とする状態に行かないようにしたい</a:t>
+                </a:r>
+                <a:endParaRPr lang="en-US" altLang="ja-JP" dirty="0"/>
+              </a:p>
+              <a:p>
+                <a:pPr lvl="1"/>
+                <a:endParaRPr lang="en-US" altLang="ja-JP" dirty="0"/>
+              </a:p>
+              <a:p>
+                <a:pPr lvl="1"/>
+                <a:endParaRPr lang="en-US" altLang="ja-JP" dirty="0"/>
+              </a:p>
+            </p:txBody>
+          </p:sp>
+        </mc:Choice>
+        <mc:Fallback xmlns="">
+          <p:sp>
+            <p:nvSpPr>
+              <p:cNvPr id="2" name="コンテンツ プレースホルダー 1">
+                <a:extLst>
+                  <a:ext uri="{FF2B5EF4-FFF2-40B4-BE49-F238E27FC236}">
+                    <a16:creationId xmlns:a16="http://schemas.microsoft.com/office/drawing/2014/main" id="{60061DAC-69A3-944A-AD86-BFA012085C22}"/>
+                  </a:ext>
+                </a:extLst>
+              </p:cNvPr>
+              <p:cNvSpPr>
+                <a:spLocks noGrp="1" noRot="1" noChangeAspect="1" noMove="1" noResize="1" noEditPoints="1" noAdjustHandles="1" noChangeArrowheads="1" noChangeShapeType="1" noTextEdit="1"/>
+              </p:cNvSpPr>
+              <p:nvPr>
+                <p:ph idx="1"/>
+              </p:nvPr>
+            </p:nvSpPr>
+            <p:spPr>
+              <a:blipFill>
+                <a:blip r:embed="rId2"/>
+                <a:stretch>
+                  <a:fillRect l="-598" t="-1266" r="-598"/>
+                </a:stretch>
+              </a:blipFill>
+            </p:spPr>
+            <p:txBody>
+              <a:bodyPr/>
+              <a:lstStyle/>
+              <a:p>
+                <a:r>
+                  <a:rPr lang="ja-JP" altLang="en-US">
+                    <a:noFill/>
+                  </a:rPr>
+                  <a:t> </a:t>
+                </a:r>
+              </a:p>
+            </p:txBody>
+          </p:sp>
+        </mc:Fallback>
+      </mc:AlternateContent>
       <p:sp>
         <p:nvSpPr>
           <p:cNvPr id="3" name="タイトル 2">
@@ -6465,7 +6928,7 @@
             <p:spPr>
               <a:xfrm>
                 <a:off x="1316871" y="3186626"/>
-                <a:ext cx="4204164" cy="565539"/>
+                <a:ext cx="4089068" cy="530082"/>
               </a:xfrm>
               <a:prstGeom prst="rect">
                 <a:avLst/>
@@ -6630,8 +7093,8 @@
                             </a:rPr>
                             <m:t>+</m:t>
                           </m:r>
-                          <m:sSup>
-                            <m:sSupPr>
+                          <m:sSubSup>
+                            <m:sSubSupPr>
                               <m:ctrlPr>
                                 <a:rPr kumimoji="1" lang="en-US" altLang="ja-JP" b="0" i="1" smtClean="0">
                                   <a:solidFill>
@@ -6641,58 +7104,31 @@
                                   <a:ea typeface="Cambria Math" panose="02040503050406030204" pitchFamily="18" charset="0"/>
                                 </a:rPr>
                               </m:ctrlPr>
-                            </m:sSupPr>
+                            </m:sSubSupPr>
                             <m:e>
-                              <m:sSubSup>
-                                <m:sSubSupPr>
-                                  <m:ctrlPr>
-                                    <a:rPr kumimoji="1" lang="en-US" altLang="ja-JP" i="1">
-                                      <a:solidFill>
-                                        <a:schemeClr val="accent1"/>
-                                      </a:solidFill>
-                                      <a:latin typeface="Cambria Math" panose="02040503050406030204" pitchFamily="18" charset="0"/>
-                                      <a:ea typeface="Cambria Math" panose="02040503050406030204" pitchFamily="18" charset="0"/>
-                                    </a:rPr>
-                                  </m:ctrlPr>
-                                </m:sSubSupPr>
-                                <m:e>
-                                  <m:r>
-                                    <a:rPr kumimoji="1" lang="en-US" altLang="ja-JP" i="1">
-                                      <a:solidFill>
-                                        <a:schemeClr val="accent1"/>
-                                      </a:solidFill>
-                                      <a:latin typeface="Cambria Math" panose="02040503050406030204" pitchFamily="18" charset="0"/>
-                                      <a:ea typeface="Cambria Math" panose="02040503050406030204" pitchFamily="18" charset="0"/>
-                                    </a:rPr>
-                                    <m:t>𝑠</m:t>
-                                  </m:r>
-                                </m:e>
-                                <m:sub>
-                                  <m:r>
-                                    <a:rPr kumimoji="1" lang="en-US" altLang="ja-JP" i="1">
-                                      <a:solidFill>
-                                        <a:schemeClr val="accent1"/>
-                                      </a:solidFill>
-                                      <a:latin typeface="Cambria Math" panose="02040503050406030204" pitchFamily="18" charset="0"/>
-                                      <a:ea typeface="Cambria Math" panose="02040503050406030204" pitchFamily="18" charset="0"/>
-                                    </a:rPr>
-                                    <m:t>𝑒</m:t>
-                                  </m:r>
-                                </m:sub>
-                                <m:sup>
-                                  <m:r>
-                                    <a:rPr kumimoji="1" lang="en-US" altLang="ja-JP" i="1">
-                                      <a:solidFill>
-                                        <a:schemeClr val="accent1"/>
-                                      </a:solidFill>
-                                      <a:latin typeface="Cambria Math" panose="02040503050406030204" pitchFamily="18" charset="0"/>
-                                      <a:ea typeface="Cambria Math" panose="02040503050406030204" pitchFamily="18" charset="0"/>
-                                    </a:rPr>
-                                    <m:t>′</m:t>
-                                  </m:r>
-                                </m:sup>
-                              </m:sSubSup>
+                              <m:r>
+                                <a:rPr kumimoji="1" lang="en-US" altLang="ja-JP" i="1">
+                                  <a:solidFill>
+                                    <a:schemeClr val="accent1"/>
+                                  </a:solidFill>
+                                  <a:latin typeface="Cambria Math" panose="02040503050406030204" pitchFamily="18" charset="0"/>
+                                  <a:ea typeface="Cambria Math" panose="02040503050406030204" pitchFamily="18" charset="0"/>
+                                </a:rPr>
+                                <m:t>𝑉</m:t>
+                              </m:r>
                             </m:e>
+                            <m:sub>
+                              <m:r>
+                                <a:rPr kumimoji="1" lang="en-US" altLang="ja-JP" b="0" i="1" smtClean="0">
+                                  <a:solidFill>
+                                    <a:schemeClr val="accent1"/>
+                                  </a:solidFill>
+                                  <a:latin typeface="Cambria Math" panose="02040503050406030204" pitchFamily="18" charset="0"/>
+                                  <a:ea typeface="Cambria Math" panose="02040503050406030204" pitchFamily="18" charset="0"/>
+                                </a:rPr>
+                                <m:t>𝑐𝑜𝑛𝑡</m:t>
+                              </m:r>
+                            </m:sub>
                             <m:sup>
                               <m:r>
                                 <a:rPr kumimoji="1" lang="en-US" altLang="ja-JP" b="0" i="1" smtClean="0">
@@ -6702,10 +7138,10 @@
                                   <a:latin typeface="Cambria Math" panose="02040503050406030204" pitchFamily="18" charset="0"/>
                                   <a:ea typeface="Cambria Math" panose="02040503050406030204" pitchFamily="18" charset="0"/>
                                 </a:rPr>
-                                <m:t>𝑇</m:t>
+                                <m:t>∗</m:t>
                               </m:r>
                             </m:sup>
-                          </m:sSup>
+                          </m:sSubSup>
                           <m:r>
                             <a:rPr kumimoji="1" lang="en-US" altLang="ja-JP" b="0" i="1" smtClean="0">
                               <a:solidFill>
@@ -6714,7 +7150,7 @@
                               <a:latin typeface="Cambria Math" panose="02040503050406030204" pitchFamily="18" charset="0"/>
                               <a:ea typeface="Cambria Math" panose="02040503050406030204" pitchFamily="18" charset="0"/>
                             </a:rPr>
-                            <m:t>𝑃</m:t>
+                            <m:t>(</m:t>
                           </m:r>
                           <m:sSubSup>
                             <m:sSubSupPr>
@@ -6773,17 +7209,7 @@
                               <a:latin typeface="Cambria Math" panose="02040503050406030204" pitchFamily="18" charset="0"/>
                               <a:ea typeface="Cambria Math" panose="02040503050406030204" pitchFamily="18" charset="0"/>
                             </a:rPr>
-                            <m:t>+</m:t>
-                          </m:r>
-                          <m:r>
-                            <a:rPr kumimoji="1" lang="en-US" altLang="ja-JP" b="0" i="1" smtClean="0">
-                              <a:solidFill>
-                                <a:schemeClr val="accent1"/>
-                              </a:solidFill>
-                              <a:latin typeface="Cambria Math" panose="02040503050406030204" pitchFamily="18" charset="0"/>
-                              <a:ea typeface="Cambria Math" panose="02040503050406030204" pitchFamily="18" charset="0"/>
-                            </a:rPr>
-                            <m:t>𝑃</m:t>
+                            <m:t>,</m:t>
                           </m:r>
                           <m:r>
                             <m:rPr>
@@ -6797,6 +7223,16 @@
                               <a:ea typeface="Cambria Math" panose="02040503050406030204" pitchFamily="18" charset="0"/>
                             </a:rPr>
                             <m:t>Σ</m:t>
+                          </m:r>
+                          <m:r>
+                            <a:rPr kumimoji="1" lang="en-US" altLang="ja-JP" b="0" i="1" smtClean="0">
+                              <a:solidFill>
+                                <a:schemeClr val="accent1"/>
+                              </a:solidFill>
+                              <a:latin typeface="Cambria Math" panose="02040503050406030204" pitchFamily="18" charset="0"/>
+                              <a:ea typeface="Cambria Math" panose="02040503050406030204" pitchFamily="18" charset="0"/>
+                            </a:rPr>
+                            <m:t>)</m:t>
                           </m:r>
                           <m:r>
                             <a:rPr kumimoji="1" lang="en-US" altLang="ja-JP" b="0" i="1" smtClean="0">
@@ -6834,13 +7270,13 @@
             <p:spPr>
               <a:xfrm>
                 <a:off x="1316871" y="3186626"/>
-                <a:ext cx="4204164" cy="565539"/>
+                <a:ext cx="4089068" cy="530082"/>
               </a:xfrm>
               <a:prstGeom prst="rect">
                 <a:avLst/>
               </a:prstGeom>
               <a:blipFill>
-                <a:blip r:embed="rId2"/>
+                <a:blip r:embed="rId3"/>
                 <a:stretch>
                   <a:fillRect/>
                 </a:stretch>
@@ -7185,7 +7621,7 @@
                 <a:avLst/>
               </a:prstGeom>
               <a:blipFill>
-                <a:blip r:embed="rId3"/>
+                <a:blip r:embed="rId4"/>
                 <a:stretch>
                   <a:fillRect/>
                 </a:stretch>
@@ -7298,7 +7734,7 @@
                 <a:avLst/>
               </a:prstGeom>
               <a:blipFill>
-                <a:blip r:embed="rId4"/>
+                <a:blip r:embed="rId5"/>
                 <a:stretch>
                   <a:fillRect t="-10000" r="-397" b="-26667"/>
                 </a:stretch>
@@ -7680,7 +8116,7 @@
                 <a:avLst/>
               </a:prstGeom>
               <a:blipFill>
-                <a:blip r:embed="rId5"/>
+                <a:blip r:embed="rId6"/>
                 <a:stretch>
                   <a:fillRect b="-9804"/>
                 </a:stretch>
@@ -10041,7 +10477,7 @@
           <a:p>
             <a:r>
               <a:rPr kumimoji="1" lang="ja-JP" altLang="en-US"/>
-              <a:t>定式化した問題の方策勾配型強化学習を用いた解き方の考察</a:t>
+              <a:t>定式化した問題の方策勾配型強化学習を用いた解き方の考案</a:t>
             </a:r>
             <a:endParaRPr kumimoji="1" lang="en-US" altLang="ja-JP" dirty="0"/>
           </a:p>
@@ -10737,1951 +11173,6 @@
           <a:chExt cx="0" cy="0"/>
         </a:xfrm>
       </p:grpSpPr>
-      <p:sp>
-        <p:nvSpPr>
-          <p:cNvPr id="2" name="コンテンツ プレースホルダー 1">
-            <a:extLst>
-              <a:ext uri="{FF2B5EF4-FFF2-40B4-BE49-F238E27FC236}">
-                <a16:creationId xmlns:a16="http://schemas.microsoft.com/office/drawing/2014/main" id="{76B2B223-CE8F-8846-848C-1BB78CBAC14F}"/>
-              </a:ext>
-            </a:extLst>
-          </p:cNvPr>
-          <p:cNvSpPr>
-            <a:spLocks noGrp="1"/>
-          </p:cNvSpPr>
-          <p:nvPr>
-            <p:ph idx="1"/>
-          </p:nvPr>
-        </p:nvSpPr>
-        <p:spPr/>
-        <p:txBody>
-          <a:bodyPr/>
-          <a:lstStyle/>
-          <a:p>
-            <a:r>
-              <a:rPr kumimoji="1" lang="ja-JP" altLang="en-US"/>
-              <a:t>サンプル値制御</a:t>
-            </a:r>
-            <a:endParaRPr kumimoji="1" lang="en-US" altLang="ja-JP" dirty="0"/>
-          </a:p>
-          <a:p>
-            <a:pPr lvl="1"/>
-            <a:r>
-              <a:rPr lang="ja-JP" altLang="en-US"/>
-              <a:t>連続時間システムを一定時間間隔で制御する手法</a:t>
-            </a:r>
-            <a:endParaRPr lang="en-US" altLang="ja-JP" dirty="0"/>
-          </a:p>
-          <a:p>
-            <a:pPr lvl="1"/>
-            <a:r>
-              <a:rPr kumimoji="1" lang="ja-JP" altLang="en-US"/>
-              <a:t>制御入力の変更が小さい場合は非効率な通信を行うことになる</a:t>
-            </a:r>
-            <a:endParaRPr kumimoji="1" lang="en-US" altLang="ja-JP" dirty="0"/>
-          </a:p>
-          <a:p>
-            <a:pPr lvl="1"/>
-            <a:endParaRPr lang="en-US" altLang="ja-JP" dirty="0"/>
-          </a:p>
-          <a:p>
-            <a:pPr lvl="1"/>
-            <a:endParaRPr lang="en-US" altLang="ja-JP" dirty="0"/>
-          </a:p>
-          <a:p>
-            <a:r>
-              <a:rPr kumimoji="1" lang="ja-JP" altLang="en-US"/>
-              <a:t>セルフトリガー制御</a:t>
-            </a:r>
-            <a:endParaRPr kumimoji="1" lang="en-US" altLang="ja-JP" dirty="0"/>
-          </a:p>
-          <a:p>
-            <a:pPr lvl="1"/>
-            <a:r>
-              <a:rPr lang="ja-JP" altLang="en-US"/>
-              <a:t>システムの状態などから</a:t>
-            </a:r>
-            <a:r>
-              <a:rPr lang="en-US" altLang="ja-JP" dirty="0"/>
-              <a:t>, </a:t>
-            </a:r>
-            <a:r>
-              <a:rPr lang="ja-JP" altLang="en-US"/>
-              <a:t>次の通信時刻を制御器が臨機応変に決定</a:t>
-            </a:r>
-            <a:endParaRPr lang="en-US" altLang="ja-JP" dirty="0"/>
-          </a:p>
-        </p:txBody>
-      </p:sp>
-      <p:sp>
-        <p:nvSpPr>
-          <p:cNvPr id="3" name="タイトル 2">
-            <a:extLst>
-              <a:ext uri="{FF2B5EF4-FFF2-40B4-BE49-F238E27FC236}">
-                <a16:creationId xmlns:a16="http://schemas.microsoft.com/office/drawing/2014/main" id="{549EDECA-2604-D043-9787-B4924C05939E}"/>
-              </a:ext>
-            </a:extLst>
-          </p:cNvPr>
-          <p:cNvSpPr>
-            <a:spLocks noGrp="1"/>
-          </p:cNvSpPr>
-          <p:nvPr>
-            <p:ph type="title"/>
-          </p:nvPr>
-        </p:nvSpPr>
-        <p:spPr/>
-        <p:txBody>
-          <a:bodyPr/>
-          <a:lstStyle/>
-          <a:p>
-            <a:r>
-              <a:rPr lang="ja-JP" altLang="en-US"/>
-              <a:t>サンプル値</a:t>
-            </a:r>
-            <a:r>
-              <a:rPr kumimoji="1" lang="ja-JP" altLang="en-US"/>
-              <a:t>制御</a:t>
-            </a:r>
-            <a:r>
-              <a:rPr kumimoji="1" lang="en-US" altLang="ja-JP" dirty="0"/>
-              <a:t> vs </a:t>
-            </a:r>
-            <a:r>
-              <a:rPr kumimoji="1" lang="ja-JP" altLang="en-US"/>
-              <a:t>セルフトリガー制御</a:t>
-            </a:r>
-          </a:p>
-        </p:txBody>
-      </p:sp>
-      <p:sp>
-        <p:nvSpPr>
-          <p:cNvPr id="4" name="日付プレースホルダー 3">
-            <a:extLst>
-              <a:ext uri="{FF2B5EF4-FFF2-40B4-BE49-F238E27FC236}">
-                <a16:creationId xmlns:a16="http://schemas.microsoft.com/office/drawing/2014/main" id="{8F81DB70-B961-3547-A182-D78CE2E9807E}"/>
-              </a:ext>
-            </a:extLst>
-          </p:cNvPr>
-          <p:cNvSpPr>
-            <a:spLocks noGrp="1"/>
-          </p:cNvSpPr>
-          <p:nvPr>
-            <p:ph type="dt" sz="half" idx="10"/>
-          </p:nvPr>
-        </p:nvSpPr>
-        <p:spPr/>
-        <p:txBody>
-          <a:bodyPr/>
-          <a:lstStyle/>
-          <a:p>
-            <a:r>
-              <a:rPr kumimoji="1" lang="en-US" altLang="ja-JP"/>
-              <a:t>2021/2/9</a:t>
-            </a:r>
-            <a:endParaRPr kumimoji="1" lang="ja-JP" altLang="en-US"/>
-          </a:p>
-        </p:txBody>
-      </p:sp>
-      <p:sp>
-        <p:nvSpPr>
-          <p:cNvPr id="5" name="スライド番号プレースホルダー 4">
-            <a:extLst>
-              <a:ext uri="{FF2B5EF4-FFF2-40B4-BE49-F238E27FC236}">
-                <a16:creationId xmlns:a16="http://schemas.microsoft.com/office/drawing/2014/main" id="{82E27B78-ACC0-1C48-9487-C8FC368090A3}"/>
-              </a:ext>
-            </a:extLst>
-          </p:cNvPr>
-          <p:cNvSpPr>
-            <a:spLocks noGrp="1"/>
-          </p:cNvSpPr>
-          <p:nvPr>
-            <p:ph type="sldNum" sz="quarter" idx="12"/>
-          </p:nvPr>
-        </p:nvSpPr>
-        <p:spPr/>
-        <p:txBody>
-          <a:bodyPr/>
-          <a:lstStyle/>
-          <a:p>
-            <a:fld id="{5D57FD6B-29A3-3249-A29F-ABF600A8FF13}" type="slidenum">
-              <a:rPr kumimoji="1" lang="ja-JP" altLang="en-US" smtClean="0"/>
-              <a:t>1</a:t>
-            </a:fld>
-            <a:r>
-              <a:rPr kumimoji="1" lang="en-US" altLang="ja-JP"/>
-              <a:t>/14</a:t>
-            </a:r>
-            <a:endParaRPr kumimoji="1" lang="en-US" altLang="ja-JP" dirty="0"/>
-          </a:p>
-        </p:txBody>
-      </p:sp>
-    </p:spTree>
-    <p:extLst>
-      <p:ext uri="{BB962C8B-B14F-4D97-AF65-F5344CB8AC3E}">
-        <p14:creationId xmlns:p14="http://schemas.microsoft.com/office/powerpoint/2010/main" val="2278964080"/>
-      </p:ext>
-    </p:extLst>
-  </p:cSld>
-  <p:clrMapOvr>
-    <a:masterClrMapping/>
-  </p:clrMapOvr>
-</p:sld>
-</file>
-
-<file path=ppt/slides/slide3.xml><?xml version="1.0" encoding="utf-8"?>
-<p:sld xmlns:a="http://schemas.openxmlformats.org/drawingml/2006/main" xmlns:r="http://schemas.openxmlformats.org/officeDocument/2006/relationships" xmlns:p="http://schemas.openxmlformats.org/presentationml/2006/main">
-  <p:cSld>
-    <p:spTree>
-      <p:nvGrpSpPr>
-        <p:cNvPr id="1" name=""/>
-        <p:cNvGrpSpPr/>
-        <p:nvPr/>
-      </p:nvGrpSpPr>
-      <p:grpSpPr>
-        <a:xfrm>
-          <a:off x="0" y="0"/>
-          <a:ext cx="0" cy="0"/>
-          <a:chOff x="0" y="0"/>
-          <a:chExt cx="0" cy="0"/>
-        </a:xfrm>
-      </p:grpSpPr>
-      <mc:AlternateContent xmlns:mc="http://schemas.openxmlformats.org/markup-compatibility/2006" xmlns:a14="http://schemas.microsoft.com/office/drawing/2010/main">
-        <mc:Choice Requires="a14">
-          <p:sp>
-            <p:nvSpPr>
-              <p:cNvPr id="2" name="コンテンツ プレースホルダー 1">
-                <a:extLst>
-                  <a:ext uri="{FF2B5EF4-FFF2-40B4-BE49-F238E27FC236}">
-                    <a16:creationId xmlns:a16="http://schemas.microsoft.com/office/drawing/2014/main" id="{A1C75527-8AF7-1542-9B47-F135390ECA1B}"/>
-                  </a:ext>
-                </a:extLst>
-              </p:cNvPr>
-              <p:cNvSpPr>
-                <a:spLocks noGrp="1"/>
-              </p:cNvSpPr>
-              <p:nvPr>
-                <p:ph idx="1"/>
-              </p:nvPr>
-            </p:nvSpPr>
-            <p:spPr>
-              <a:xfrm>
-                <a:off x="335572" y="1103023"/>
-                <a:ext cx="8701550" cy="5253328"/>
-              </a:xfrm>
-            </p:spPr>
-            <p:txBody>
-              <a:bodyPr>
-                <a:normAutofit/>
-              </a:bodyPr>
-              <a:lstStyle/>
-              <a:p>
-                <a:r>
-                  <a:rPr kumimoji="1" lang="en-US" altLang="ja-JP" dirty="0"/>
-                  <a:t>1</a:t>
-                </a:r>
-                <a:r>
-                  <a:rPr kumimoji="1" lang="ja-JP" altLang="en-US"/>
-                  <a:t>ステップの最適化による手法</a:t>
-                </a:r>
-                <a:endParaRPr kumimoji="1" lang="en-US" altLang="ja-JP" dirty="0"/>
-              </a:p>
-              <a:p>
-                <a:pPr lvl="1"/>
-                <a:r>
-                  <a:rPr lang="en-US" altLang="ja-JP" dirty="0"/>
-                  <a:t>[1]</a:t>
-                </a:r>
-                <a:r>
-                  <a:rPr lang="ja-JP" altLang="en-US"/>
-                  <a:t>は離散システムにおいて</a:t>
-                </a:r>
-                <a:r>
-                  <a:rPr lang="en-US" altLang="ja-JP" dirty="0"/>
-                  <a:t>, </a:t>
-                </a:r>
-                <a:r>
-                  <a:rPr lang="ja-JP" altLang="en-US"/>
-                  <a:t>あるコスト関数</a:t>
-                </a:r>
-                <a14:m>
-                  <m:oMath xmlns:m="http://schemas.openxmlformats.org/officeDocument/2006/math">
-                    <m:r>
-                      <a:rPr lang="en-US" altLang="ja-JP" b="0" i="1" smtClean="0">
-                        <a:latin typeface="Cambria Math" panose="02040503050406030204" pitchFamily="18" charset="0"/>
-                      </a:rPr>
-                      <m:t>𝑉</m:t>
-                    </m:r>
-                    <m:r>
-                      <a:rPr lang="en-US" altLang="ja-JP" b="0" i="1" smtClean="0">
-                        <a:latin typeface="Cambria Math" panose="02040503050406030204" pitchFamily="18" charset="0"/>
-                      </a:rPr>
-                      <m:t>(</m:t>
-                    </m:r>
-                    <m:r>
-                      <a:rPr lang="en-US" altLang="ja-JP" b="0" i="1" smtClean="0">
-                        <a:latin typeface="Cambria Math" panose="02040503050406030204" pitchFamily="18" charset="0"/>
-                      </a:rPr>
-                      <m:t>𝑠</m:t>
-                    </m:r>
-                    <m:r>
-                      <a:rPr lang="en-US" altLang="ja-JP" b="0" i="1" smtClean="0">
-                        <a:latin typeface="Cambria Math" panose="02040503050406030204" pitchFamily="18" charset="0"/>
-                      </a:rPr>
-                      <m:t>)</m:t>
-                    </m:r>
-                  </m:oMath>
-                </a14:m>
-                <a:r>
-                  <a:rPr lang="ja-JP" altLang="en-US"/>
-                  <a:t>に対して</a:t>
-                </a:r>
-                <a:endParaRPr lang="en-US" altLang="ja-JP" dirty="0"/>
-              </a:p>
-              <a:p>
-                <a:pPr lvl="1"/>
-                <a:endParaRPr kumimoji="1" lang="en-US" altLang="ja-JP" dirty="0"/>
-              </a:p>
-              <a:p>
-                <a:pPr lvl="1"/>
-                <a:endParaRPr lang="en-US" altLang="ja-JP" dirty="0"/>
-              </a:p>
-              <a:p>
-                <a:pPr lvl="1"/>
-                <a:endParaRPr kumimoji="1" lang="en-US" altLang="ja-JP" dirty="0"/>
-              </a:p>
-              <a:p>
-                <a:pPr marL="457200" lvl="1" indent="0">
-                  <a:buNone/>
-                </a:pPr>
-                <a:r>
-                  <a:rPr lang="en-US" altLang="ja-JP" dirty="0"/>
-                  <a:t>    </a:t>
-                </a:r>
-                <a:r>
-                  <a:rPr lang="ja-JP" altLang="en-US"/>
-                  <a:t>となる</a:t>
-                </a:r>
-                <a14:m>
-                  <m:oMath xmlns:m="http://schemas.openxmlformats.org/officeDocument/2006/math">
-                    <m:r>
-                      <a:rPr lang="en-US" altLang="ja-JP" b="0" i="1" smtClean="0">
-                        <a:latin typeface="Cambria Math" panose="02040503050406030204" pitchFamily="18" charset="0"/>
-                      </a:rPr>
-                      <m:t>𝑢</m:t>
-                    </m:r>
-                  </m:oMath>
-                </a14:m>
-                <a:r>
-                  <a:rPr lang="ja-JP" altLang="en-US"/>
-                  <a:t>が存在するような最大ステップ数</a:t>
-                </a:r>
-                <a14:m>
-                  <m:oMath xmlns:m="http://schemas.openxmlformats.org/officeDocument/2006/math">
-                    <m:r>
-                      <a:rPr lang="ja-JP" altLang="en-US" i="1" smtClean="0">
-                        <a:latin typeface="Cambria Math" panose="02040503050406030204" pitchFamily="18" charset="0"/>
-                      </a:rPr>
-                      <m:t>𝜂</m:t>
-                    </m:r>
-                  </m:oMath>
-                </a14:m>
-                <a:r>
-                  <a:rPr lang="ja-JP" altLang="en-US"/>
-                  <a:t>を選ぶ手法を提案した</a:t>
-                </a:r>
-                <a:endParaRPr lang="en-US" altLang="ja-JP" dirty="0"/>
-              </a:p>
-              <a:p>
-                <a:pPr lvl="4"/>
-                <a:endParaRPr kumimoji="1" lang="en-US" altLang="ja-JP" dirty="0"/>
-              </a:p>
-              <a:p>
-                <a:pPr lvl="1"/>
-                <a:r>
-                  <a:rPr lang="en-US" altLang="ja-JP" dirty="0"/>
-                  <a:t>[2]</a:t>
-                </a:r>
-                <a:r>
-                  <a:rPr lang="ja-JP" altLang="en-US"/>
-                  <a:t>は連続時間システムに対して</a:t>
-                </a:r>
-                <a:endParaRPr lang="en-US" altLang="ja-JP" dirty="0"/>
-              </a:p>
-              <a:p>
-                <a:pPr lvl="1"/>
-                <a:endParaRPr kumimoji="1" lang="en-US" altLang="ja-JP" dirty="0"/>
-              </a:p>
-              <a:p>
-                <a:pPr lvl="3"/>
-                <a:endParaRPr kumimoji="1" lang="en-US" altLang="ja-JP" dirty="0"/>
-              </a:p>
-              <a:p>
-                <a:pPr lvl="1"/>
-                <a:endParaRPr kumimoji="1" lang="en-US" altLang="ja-JP" dirty="0"/>
-              </a:p>
-              <a:p>
-                <a:pPr marL="457200" lvl="1" indent="0">
-                  <a:buNone/>
-                </a:pPr>
-                <a:r>
-                  <a:rPr lang="ja-JP" altLang="en-US"/>
-                  <a:t>　の解</a:t>
-                </a:r>
-                <a14:m>
-                  <m:oMath xmlns:m="http://schemas.openxmlformats.org/officeDocument/2006/math">
-                    <m:r>
-                      <a:rPr lang="en-US" altLang="ja-JP" i="1">
-                        <a:latin typeface="Cambria Math" panose="02040503050406030204" pitchFamily="18" charset="0"/>
-                      </a:rPr>
-                      <m:t>𝑢</m:t>
-                    </m:r>
-                  </m:oMath>
-                </a14:m>
-                <a:r>
-                  <a:rPr lang="ja-JP" altLang="en-US"/>
-                  <a:t>を加え続けたときに</a:t>
-                </a:r>
-                <a:r>
-                  <a:rPr lang="en-US" altLang="ja-JP" dirty="0"/>
-                  <a:t>, </a:t>
-                </a:r>
-                <a:r>
-                  <a:rPr lang="ja-JP" altLang="en-US"/>
-                  <a:t>次ステップでのリアプノフ関数</a:t>
-                </a:r>
-                <a14:m>
-                  <m:oMath xmlns:m="http://schemas.openxmlformats.org/officeDocument/2006/math">
-                    <m:r>
-                      <a:rPr lang="en-US" altLang="ja-JP" i="1">
-                        <a:latin typeface="Cambria Math" panose="02040503050406030204" pitchFamily="18" charset="0"/>
-                      </a:rPr>
-                      <m:t>𝑉</m:t>
-                    </m:r>
-                  </m:oMath>
-                </a14:m>
-                <a:endParaRPr lang="en-US" altLang="ja-JP" dirty="0"/>
-              </a:p>
-              <a:p>
-                <a:pPr marL="457200" lvl="1" indent="0">
-                  <a:buNone/>
-                </a:pPr>
-                <a:r>
-                  <a:rPr lang="ja-JP" altLang="en-US"/>
-                  <a:t>　の値が減少する最大の通信時間</a:t>
-                </a:r>
-                <a14:m>
-                  <m:oMath xmlns:m="http://schemas.openxmlformats.org/officeDocument/2006/math">
-                    <m:r>
-                      <a:rPr lang="ja-JP" altLang="en-US" i="1" smtClean="0">
-                        <a:latin typeface="Cambria Math" panose="02040503050406030204" pitchFamily="18" charset="0"/>
-                      </a:rPr>
-                      <m:t>𝜏</m:t>
-                    </m:r>
-                  </m:oMath>
-                </a14:m>
-                <a:r>
-                  <a:rPr lang="ja-JP" altLang="en-US"/>
-                  <a:t>を選択する手法を提案した</a:t>
-                </a:r>
-                <a:endParaRPr kumimoji="1" lang="en-US" altLang="ja-JP" dirty="0"/>
-              </a:p>
-              <a:p>
-                <a:pPr lvl="2"/>
-                <a:endParaRPr kumimoji="1" lang="en-US" altLang="ja-JP" dirty="0"/>
-              </a:p>
-              <a:p>
-                <a:r>
-                  <a:rPr lang="ja-JP" altLang="en-US"/>
-                  <a:t>どちらも長時間</a:t>
-                </a:r>
-                <a:r>
-                  <a:rPr kumimoji="1" lang="ja-JP" altLang="en-US"/>
-                  <a:t>制御全体の通信の最適性は考慮</a:t>
-                </a:r>
-                <a:r>
-                  <a:rPr lang="ja-JP" altLang="en-US"/>
-                  <a:t>し</a:t>
-                </a:r>
-                <a:r>
-                  <a:rPr kumimoji="1" lang="ja-JP" altLang="en-US"/>
-                  <a:t>ていない</a:t>
-                </a:r>
-              </a:p>
-            </p:txBody>
-          </p:sp>
-        </mc:Choice>
-        <mc:Fallback xmlns="">
-          <p:sp>
-            <p:nvSpPr>
-              <p:cNvPr id="2" name="コンテンツ プレースホルダー 1">
-                <a:extLst>
-                  <a:ext uri="{FF2B5EF4-FFF2-40B4-BE49-F238E27FC236}">
-                    <a16:creationId xmlns:a16="http://schemas.microsoft.com/office/drawing/2014/main" id="{A1C75527-8AF7-1542-9B47-F135390ECA1B}"/>
-                  </a:ext>
-                </a:extLst>
-              </p:cNvPr>
-              <p:cNvSpPr>
-                <a:spLocks noGrp="1" noRot="1" noChangeAspect="1" noMove="1" noResize="1" noEditPoints="1" noAdjustHandles="1" noChangeArrowheads="1" noChangeShapeType="1" noTextEdit="1"/>
-              </p:cNvSpPr>
-              <p:nvPr>
-                <p:ph idx="1"/>
-              </p:nvPr>
-            </p:nvSpPr>
-            <p:spPr>
-              <a:xfrm>
-                <a:off x="335572" y="1103023"/>
-                <a:ext cx="8701550" cy="5253328"/>
-              </a:xfrm>
-              <a:blipFill>
-                <a:blip r:embed="rId2"/>
-                <a:stretch>
-                  <a:fillRect l="-582" t="-1446"/>
-                </a:stretch>
-              </a:blipFill>
-            </p:spPr>
-            <p:txBody>
-              <a:bodyPr/>
-              <a:lstStyle/>
-              <a:p>
-                <a:r>
-                  <a:rPr lang="ja-JP" altLang="en-US">
-                    <a:noFill/>
-                  </a:rPr>
-                  <a:t> </a:t>
-                </a:r>
-              </a:p>
-            </p:txBody>
-          </p:sp>
-        </mc:Fallback>
-      </mc:AlternateContent>
-      <p:sp>
-        <p:nvSpPr>
-          <p:cNvPr id="3" name="タイトル 2">
-            <a:extLst>
-              <a:ext uri="{FF2B5EF4-FFF2-40B4-BE49-F238E27FC236}">
-                <a16:creationId xmlns:a16="http://schemas.microsoft.com/office/drawing/2014/main" id="{E00649B7-D315-084B-8AB2-7A3A4CC3CADD}"/>
-              </a:ext>
-            </a:extLst>
-          </p:cNvPr>
-          <p:cNvSpPr>
-            <a:spLocks noGrp="1"/>
-          </p:cNvSpPr>
-          <p:nvPr>
-            <p:ph type="title"/>
-          </p:nvPr>
-        </p:nvSpPr>
-        <p:spPr/>
-        <p:txBody>
-          <a:bodyPr/>
-          <a:lstStyle/>
-          <a:p>
-            <a:r>
-              <a:rPr kumimoji="1" lang="ja-JP" altLang="en-US"/>
-              <a:t>セルフトリガー制御における先行研究</a:t>
-            </a:r>
-          </a:p>
-        </p:txBody>
-      </p:sp>
-      <p:sp>
-        <p:nvSpPr>
-          <p:cNvPr id="4" name="日付プレースホルダー 3">
-            <a:extLst>
-              <a:ext uri="{FF2B5EF4-FFF2-40B4-BE49-F238E27FC236}">
-                <a16:creationId xmlns:a16="http://schemas.microsoft.com/office/drawing/2014/main" id="{7233A746-89B9-AA4C-AF18-89FD2B733C3E}"/>
-              </a:ext>
-            </a:extLst>
-          </p:cNvPr>
-          <p:cNvSpPr>
-            <a:spLocks noGrp="1"/>
-          </p:cNvSpPr>
-          <p:nvPr>
-            <p:ph type="dt" sz="half" idx="10"/>
-          </p:nvPr>
-        </p:nvSpPr>
-        <p:spPr/>
-        <p:txBody>
-          <a:bodyPr/>
-          <a:lstStyle/>
-          <a:p>
-            <a:r>
-              <a:rPr kumimoji="1" lang="en-US" altLang="ja-JP"/>
-              <a:t>2021/2/9</a:t>
-            </a:r>
-            <a:endParaRPr kumimoji="1" lang="ja-JP" altLang="en-US"/>
-          </a:p>
-        </p:txBody>
-      </p:sp>
-      <mc:AlternateContent xmlns:mc="http://schemas.openxmlformats.org/markup-compatibility/2006" xmlns:a14="http://schemas.microsoft.com/office/drawing/2010/main">
-        <mc:Choice Requires="a14">
-          <p:sp>
-            <p:nvSpPr>
-              <p:cNvPr id="7" name="テキスト ボックス 6">
-                <a:extLst>
-                  <a:ext uri="{FF2B5EF4-FFF2-40B4-BE49-F238E27FC236}">
-                    <a16:creationId xmlns:a16="http://schemas.microsoft.com/office/drawing/2014/main" id="{CEA7B964-C33F-5C46-AA15-7A66B7E6A7E5}"/>
-                  </a:ext>
-                </a:extLst>
-              </p:cNvPr>
-              <p:cNvSpPr txBox="1"/>
-              <p:nvPr/>
-            </p:nvSpPr>
-            <p:spPr>
-              <a:xfrm>
-                <a:off x="1859230" y="1864426"/>
-                <a:ext cx="4753609" cy="870751"/>
-              </a:xfrm>
-              <a:prstGeom prst="rect">
-                <a:avLst/>
-              </a:prstGeom>
-              <a:noFill/>
-            </p:spPr>
-            <p:txBody>
-              <a:bodyPr wrap="none" rtlCol="0">
-                <a:spAutoFit/>
-              </a:bodyPr>
-              <a:lstStyle/>
-              <a:p>
-                <a:pPr/>
-                <a14:m>
-                  <m:oMathPara xmlns:m="http://schemas.openxmlformats.org/officeDocument/2006/math">
-                    <m:oMathParaPr>
-                      <m:jc m:val="centerGroup"/>
-                    </m:oMathParaPr>
-                    <m:oMath xmlns:m="http://schemas.openxmlformats.org/officeDocument/2006/math">
-                      <m:d>
-                        <m:dPr>
-                          <m:begChr m:val="["/>
-                          <m:endChr m:val="]"/>
-                          <m:ctrlPr>
-                            <a:rPr kumimoji="1" lang="en-US" altLang="ja-JP" b="0" i="1" smtClean="0">
-                              <a:latin typeface="Cambria Math" panose="02040503050406030204" pitchFamily="18" charset="0"/>
-                            </a:rPr>
-                          </m:ctrlPr>
-                        </m:dPr>
-                        <m:e>
-                          <m:nary>
-                            <m:naryPr>
-                              <m:chr m:val="∑"/>
-                              <m:ctrlPr>
-                                <a:rPr kumimoji="1" lang="en-US" altLang="ja-JP" i="1">
-                                  <a:latin typeface="Cambria Math" panose="02040503050406030204" pitchFamily="18" charset="0"/>
-                                </a:rPr>
-                              </m:ctrlPr>
-                            </m:naryPr>
-                            <m:sub>
-                              <m:r>
-                                <m:rPr>
-                                  <m:brk m:alnAt="23"/>
-                                </m:rPr>
-                                <a:rPr kumimoji="1" lang="en-US" altLang="ja-JP" i="1">
-                                  <a:latin typeface="Cambria Math" panose="02040503050406030204" pitchFamily="18" charset="0"/>
-                                </a:rPr>
-                                <m:t>𝑖</m:t>
-                              </m:r>
-                              <m:r>
-                                <a:rPr kumimoji="1" lang="en-US" altLang="ja-JP" i="1">
-                                  <a:latin typeface="Cambria Math" panose="02040503050406030204" pitchFamily="18" charset="0"/>
-                                </a:rPr>
-                                <m:t>=0</m:t>
-                              </m:r>
-                            </m:sub>
-                            <m:sup>
-                              <m:r>
-                                <a:rPr kumimoji="1" lang="en-US" altLang="ja-JP" i="1">
-                                  <a:latin typeface="Cambria Math" panose="02040503050406030204" pitchFamily="18" charset="0"/>
-                                  <a:ea typeface="Cambria Math" panose="02040503050406030204" pitchFamily="18" charset="0"/>
-                                </a:rPr>
-                                <m:t>𝜂</m:t>
-                              </m:r>
-                              <m:r>
-                                <a:rPr kumimoji="1" lang="en-US" altLang="ja-JP" i="1">
-                                  <a:latin typeface="Cambria Math" panose="02040503050406030204" pitchFamily="18" charset="0"/>
-                                  <a:ea typeface="Cambria Math" panose="02040503050406030204" pitchFamily="18" charset="0"/>
-                                </a:rPr>
-                                <m:t>−1</m:t>
-                              </m:r>
-                            </m:sup>
-                            <m:e>
-                              <m:sSup>
-                                <m:sSupPr>
-                                  <m:ctrlPr>
-                                    <a:rPr kumimoji="1" lang="en-US" altLang="ja-JP" i="1">
-                                      <a:latin typeface="Cambria Math" panose="02040503050406030204" pitchFamily="18" charset="0"/>
-                                    </a:rPr>
-                                  </m:ctrlPr>
-                                </m:sSupPr>
-                                <m:e>
-                                  <m:r>
-                                    <a:rPr kumimoji="1" lang="en-US" altLang="ja-JP" i="1">
-                                      <a:latin typeface="Cambria Math" panose="02040503050406030204" pitchFamily="18" charset="0"/>
-                                      <a:ea typeface="Cambria Math" panose="02040503050406030204" pitchFamily="18" charset="0"/>
-                                    </a:rPr>
-                                    <m:t>𝛼</m:t>
-                                  </m:r>
-                                </m:e>
-                                <m:sup>
-                                  <m:r>
-                                    <a:rPr kumimoji="1" lang="en-US" altLang="ja-JP" i="1">
-                                      <a:latin typeface="Cambria Math" panose="02040503050406030204" pitchFamily="18" charset="0"/>
-                                    </a:rPr>
-                                    <m:t>𝑖</m:t>
-                                  </m:r>
-                                </m:sup>
-                              </m:sSup>
-                              <m:r>
-                                <a:rPr kumimoji="1" lang="en-US" altLang="ja-JP" i="1">
-                                  <a:latin typeface="Cambria Math" panose="02040503050406030204" pitchFamily="18" charset="0"/>
-                                </a:rPr>
-                                <m:t>(</m:t>
-                              </m:r>
-                              <m:sSubSup>
-                                <m:sSubSupPr>
-                                  <m:ctrlPr>
-                                    <a:rPr kumimoji="1" lang="en-US" altLang="ja-JP" i="1">
-                                      <a:latin typeface="Cambria Math" panose="02040503050406030204" pitchFamily="18" charset="0"/>
-                                    </a:rPr>
-                                  </m:ctrlPr>
-                                </m:sSubSupPr>
-                                <m:e>
-                                  <m:r>
-                                    <a:rPr kumimoji="1" lang="en-US" altLang="ja-JP" i="1">
-                                      <a:latin typeface="Cambria Math" panose="02040503050406030204" pitchFamily="18" charset="0"/>
-                                    </a:rPr>
-                                    <m:t>𝑠</m:t>
-                                  </m:r>
-                                </m:e>
-                                <m:sub>
-                                  <m:r>
-                                    <a:rPr kumimoji="1" lang="en-US" altLang="ja-JP" i="1">
-                                      <a:latin typeface="Cambria Math" panose="02040503050406030204" pitchFamily="18" charset="0"/>
-                                    </a:rPr>
-                                    <m:t>𝑖</m:t>
-                                  </m:r>
-                                </m:sub>
-                                <m:sup>
-                                  <m:r>
-                                    <a:rPr kumimoji="1" lang="en-US" altLang="ja-JP" i="1">
-                                      <a:latin typeface="Cambria Math" panose="02040503050406030204" pitchFamily="18" charset="0"/>
-                                    </a:rPr>
-                                    <m:t>𝑇</m:t>
-                                  </m:r>
-                                </m:sup>
-                              </m:sSubSup>
-                              <m:r>
-                                <a:rPr kumimoji="1" lang="en-US" altLang="ja-JP" i="1">
-                                  <a:latin typeface="Cambria Math" panose="02040503050406030204" pitchFamily="18" charset="0"/>
-                                </a:rPr>
-                                <m:t>𝐸</m:t>
-                              </m:r>
-                              <m:sSub>
-                                <m:sSubPr>
-                                  <m:ctrlPr>
-                                    <a:rPr kumimoji="1" lang="en-US" altLang="ja-JP" i="1">
-                                      <a:latin typeface="Cambria Math" panose="02040503050406030204" pitchFamily="18" charset="0"/>
-                                    </a:rPr>
-                                  </m:ctrlPr>
-                                </m:sSubPr>
-                                <m:e>
-                                  <m:r>
-                                    <a:rPr kumimoji="1" lang="en-US" altLang="ja-JP" i="1">
-                                      <a:latin typeface="Cambria Math" panose="02040503050406030204" pitchFamily="18" charset="0"/>
-                                    </a:rPr>
-                                    <m:t>𝑠</m:t>
-                                  </m:r>
-                                </m:e>
-                                <m:sub>
-                                  <m:r>
-                                    <a:rPr kumimoji="1" lang="en-US" altLang="ja-JP" i="1">
-                                      <a:latin typeface="Cambria Math" panose="02040503050406030204" pitchFamily="18" charset="0"/>
-                                    </a:rPr>
-                                    <m:t>𝑖</m:t>
-                                  </m:r>
-                                </m:sub>
-                              </m:sSub>
-                              <m:r>
-                                <a:rPr kumimoji="1" lang="en-US" altLang="ja-JP" i="1">
-                                  <a:latin typeface="Cambria Math" panose="02040503050406030204" pitchFamily="18" charset="0"/>
-                                </a:rPr>
-                                <m:t>+</m:t>
-                              </m:r>
-                              <m:sSup>
-                                <m:sSupPr>
-                                  <m:ctrlPr>
-                                    <a:rPr kumimoji="1" lang="en-US" altLang="ja-JP" i="1">
-                                      <a:latin typeface="Cambria Math" panose="02040503050406030204" pitchFamily="18" charset="0"/>
-                                    </a:rPr>
-                                  </m:ctrlPr>
-                                </m:sSupPr>
-                                <m:e>
-                                  <m:r>
-                                    <a:rPr kumimoji="1" lang="en-US" altLang="ja-JP" i="1">
-                                      <a:latin typeface="Cambria Math" panose="02040503050406030204" pitchFamily="18" charset="0"/>
-                                    </a:rPr>
-                                    <m:t>𝑢</m:t>
-                                  </m:r>
-                                </m:e>
-                                <m:sup>
-                                  <m:r>
-                                    <a:rPr kumimoji="1" lang="en-US" altLang="ja-JP" i="1">
-                                      <a:latin typeface="Cambria Math" panose="02040503050406030204" pitchFamily="18" charset="0"/>
-                                    </a:rPr>
-                                    <m:t>𝑇</m:t>
-                                  </m:r>
-                                </m:sup>
-                              </m:sSup>
-                              <m:r>
-                                <a:rPr kumimoji="1" lang="en-US" altLang="ja-JP" i="1">
-                                  <a:latin typeface="Cambria Math" panose="02040503050406030204" pitchFamily="18" charset="0"/>
-                                </a:rPr>
-                                <m:t>𝐹𝑢</m:t>
-                              </m:r>
-                              <m:r>
-                                <a:rPr kumimoji="1" lang="en-US" altLang="ja-JP" i="1">
-                                  <a:latin typeface="Cambria Math" panose="02040503050406030204" pitchFamily="18" charset="0"/>
-                                </a:rPr>
-                                <m:t>)</m:t>
-                              </m:r>
-                            </m:e>
-                          </m:nary>
-                          <m:r>
-                            <a:rPr kumimoji="1" lang="en-US" altLang="ja-JP" i="1">
-                              <a:latin typeface="Cambria Math" panose="02040503050406030204" pitchFamily="18" charset="0"/>
-                            </a:rPr>
-                            <m:t>+</m:t>
-                          </m:r>
-                          <m:sSup>
-                            <m:sSupPr>
-                              <m:ctrlPr>
-                                <a:rPr kumimoji="1" lang="en-US" altLang="ja-JP" i="1">
-                                  <a:latin typeface="Cambria Math" panose="02040503050406030204" pitchFamily="18" charset="0"/>
-                                </a:rPr>
-                              </m:ctrlPr>
-                            </m:sSupPr>
-                            <m:e>
-                              <m:r>
-                                <a:rPr kumimoji="1" lang="en-US" altLang="ja-JP" i="1">
-                                  <a:latin typeface="Cambria Math" panose="02040503050406030204" pitchFamily="18" charset="0"/>
-                                  <a:ea typeface="Cambria Math" panose="02040503050406030204" pitchFamily="18" charset="0"/>
-                                </a:rPr>
-                                <m:t>𝛼</m:t>
-                              </m:r>
-                            </m:e>
-                            <m:sup>
-                              <m:r>
-                                <a:rPr kumimoji="1" lang="en-US" altLang="ja-JP" i="1">
-                                  <a:latin typeface="Cambria Math" panose="02040503050406030204" pitchFamily="18" charset="0"/>
-                                  <a:ea typeface="Cambria Math" panose="02040503050406030204" pitchFamily="18" charset="0"/>
-                                </a:rPr>
-                                <m:t>𝜂</m:t>
-                              </m:r>
-                            </m:sup>
-                          </m:sSup>
-                          <m:sSup>
-                            <m:sSupPr>
-                              <m:ctrlPr>
-                                <a:rPr kumimoji="1" lang="en-US" altLang="ja-JP" i="1">
-                                  <a:latin typeface="Cambria Math" panose="02040503050406030204" pitchFamily="18" charset="0"/>
-                                </a:rPr>
-                              </m:ctrlPr>
-                            </m:sSupPr>
-                            <m:e>
-                              <m:r>
-                                <a:rPr kumimoji="1" lang="en-US" altLang="ja-JP" i="1">
-                                  <a:latin typeface="Cambria Math" panose="02040503050406030204" pitchFamily="18" charset="0"/>
-                                </a:rPr>
-                                <m:t>𝑉</m:t>
-                              </m:r>
-                            </m:e>
-                            <m:sup>
-                              <m:r>
-                                <a:rPr kumimoji="1" lang="en-US" altLang="ja-JP" i="1">
-                                  <a:latin typeface="Cambria Math" panose="02040503050406030204" pitchFamily="18" charset="0"/>
-                                  <a:ea typeface="Cambria Math" panose="02040503050406030204" pitchFamily="18" charset="0"/>
-                                </a:rPr>
-                                <m:t>𝜋</m:t>
-                              </m:r>
-                            </m:sup>
-                          </m:sSup>
-                          <m:r>
-                            <a:rPr kumimoji="1" lang="en-US" altLang="ja-JP" i="1">
-                              <a:latin typeface="Cambria Math" panose="02040503050406030204" pitchFamily="18" charset="0"/>
-                            </a:rPr>
-                            <m:t>(</m:t>
-                          </m:r>
-                          <m:sSub>
-                            <m:sSubPr>
-                              <m:ctrlPr>
-                                <a:rPr kumimoji="1" lang="en-US" altLang="ja-JP" i="1">
-                                  <a:latin typeface="Cambria Math" panose="02040503050406030204" pitchFamily="18" charset="0"/>
-                                </a:rPr>
-                              </m:ctrlPr>
-                            </m:sSubPr>
-                            <m:e>
-                              <m:r>
-                                <a:rPr kumimoji="1" lang="en-US" altLang="ja-JP" i="1">
-                                  <a:latin typeface="Cambria Math" panose="02040503050406030204" pitchFamily="18" charset="0"/>
-                                </a:rPr>
-                                <m:t>𝑠</m:t>
-                              </m:r>
-                            </m:e>
-                            <m:sub>
-                              <m:r>
-                                <a:rPr kumimoji="1" lang="en-US" altLang="ja-JP" i="1" smtClean="0">
-                                  <a:latin typeface="Cambria Math" panose="02040503050406030204" pitchFamily="18" charset="0"/>
-                                  <a:ea typeface="Cambria Math" panose="02040503050406030204" pitchFamily="18" charset="0"/>
-                                </a:rPr>
-                                <m:t>𝜂</m:t>
-                              </m:r>
-                            </m:sub>
-                          </m:sSub>
-                          <m:r>
-                            <a:rPr kumimoji="1" lang="en-US" altLang="ja-JP" i="1">
-                              <a:latin typeface="Cambria Math" panose="02040503050406030204" pitchFamily="18" charset="0"/>
-                            </a:rPr>
-                            <m:t>)</m:t>
-                          </m:r>
-                        </m:e>
-                      </m:d>
-                      <m:r>
-                        <a:rPr kumimoji="1" lang="en-US" altLang="ja-JP" b="0" i="1" smtClean="0">
-                          <a:latin typeface="Cambria Math" panose="02040503050406030204" pitchFamily="18" charset="0"/>
-                          <a:ea typeface="Cambria Math" panose="02040503050406030204" pitchFamily="18" charset="0"/>
-                        </a:rPr>
-                        <m:t>≤</m:t>
-                      </m:r>
-                      <m:sSup>
-                        <m:sSupPr>
-                          <m:ctrlPr>
-                            <a:rPr kumimoji="1" lang="en-US" altLang="ja-JP" i="1">
-                              <a:latin typeface="Cambria Math" panose="02040503050406030204" pitchFamily="18" charset="0"/>
-                            </a:rPr>
-                          </m:ctrlPr>
-                        </m:sSupPr>
-                        <m:e>
-                          <m:r>
-                            <a:rPr kumimoji="1" lang="en-US" altLang="ja-JP" i="1">
-                              <a:latin typeface="Cambria Math" panose="02040503050406030204" pitchFamily="18" charset="0"/>
-                            </a:rPr>
-                            <m:t>𝑉</m:t>
-                          </m:r>
-                        </m:e>
-                        <m:sup>
-                          <m:r>
-                            <a:rPr kumimoji="1" lang="en-US" altLang="ja-JP" i="1">
-                              <a:latin typeface="Cambria Math" panose="02040503050406030204" pitchFamily="18" charset="0"/>
-                              <a:ea typeface="Cambria Math" panose="02040503050406030204" pitchFamily="18" charset="0"/>
-                            </a:rPr>
-                            <m:t>𝜋</m:t>
-                          </m:r>
-                        </m:sup>
-                      </m:sSup>
-                      <m:r>
-                        <a:rPr kumimoji="1" lang="en-US" altLang="ja-JP" i="1">
-                          <a:latin typeface="Cambria Math" panose="02040503050406030204" pitchFamily="18" charset="0"/>
-                        </a:rPr>
-                        <m:t>(</m:t>
-                      </m:r>
-                      <m:r>
-                        <a:rPr kumimoji="1" lang="en-US" altLang="ja-JP" i="1">
-                          <a:latin typeface="Cambria Math" panose="02040503050406030204" pitchFamily="18" charset="0"/>
-                        </a:rPr>
-                        <m:t>𝑠</m:t>
-                      </m:r>
-                      <m:r>
-                        <a:rPr kumimoji="1" lang="en-US" altLang="ja-JP" i="1">
-                          <a:latin typeface="Cambria Math" panose="02040503050406030204" pitchFamily="18" charset="0"/>
-                        </a:rPr>
-                        <m:t>)</m:t>
-                      </m:r>
-                    </m:oMath>
-                  </m:oMathPara>
-                </a14:m>
-                <a:endParaRPr kumimoji="1" lang="ja-JP" altLang="en-US">
-                  <a:latin typeface="Cambria" panose="02040503050406030204" pitchFamily="18" charset="0"/>
-                </a:endParaRPr>
-              </a:p>
-            </p:txBody>
-          </p:sp>
-        </mc:Choice>
-        <mc:Fallback xmlns="">
-          <p:sp>
-            <p:nvSpPr>
-              <p:cNvPr id="7" name="テキスト ボックス 6">
-                <a:extLst>
-                  <a:ext uri="{FF2B5EF4-FFF2-40B4-BE49-F238E27FC236}">
-                    <a16:creationId xmlns:a16="http://schemas.microsoft.com/office/drawing/2014/main" id="{CEA7B964-C33F-5C46-AA15-7A66B7E6A7E5}"/>
-                  </a:ext>
-                </a:extLst>
-              </p:cNvPr>
-              <p:cNvSpPr txBox="1">
-                <a:spLocks noRot="1" noChangeAspect="1" noMove="1" noResize="1" noEditPoints="1" noAdjustHandles="1" noChangeArrowheads="1" noChangeShapeType="1" noTextEdit="1"/>
-              </p:cNvSpPr>
-              <p:nvPr/>
-            </p:nvSpPr>
-            <p:spPr>
-              <a:xfrm>
-                <a:off x="1859230" y="1864426"/>
-                <a:ext cx="4753609" cy="870751"/>
-              </a:xfrm>
-              <a:prstGeom prst="rect">
-                <a:avLst/>
-              </a:prstGeom>
-              <a:blipFill>
-                <a:blip r:embed="rId3"/>
-                <a:stretch>
-                  <a:fillRect l="-12234" t="-94203" b="-150725"/>
-                </a:stretch>
-              </a:blipFill>
-            </p:spPr>
-            <p:txBody>
-              <a:bodyPr/>
-              <a:lstStyle/>
-              <a:p>
-                <a:r>
-                  <a:rPr lang="ja-JP" altLang="en-US">
-                    <a:noFill/>
-                  </a:rPr>
-                  <a:t> </a:t>
-                </a:r>
-              </a:p>
-            </p:txBody>
-          </p:sp>
-        </mc:Fallback>
-      </mc:AlternateContent>
-      <mc:AlternateContent xmlns:mc="http://schemas.openxmlformats.org/markup-compatibility/2006" xmlns:a14="http://schemas.microsoft.com/office/drawing/2010/main">
-        <mc:Choice Requires="a14">
-          <p:sp>
-            <p:nvSpPr>
-              <p:cNvPr id="5" name="テキスト ボックス 4">
-                <a:extLst>
-                  <a:ext uri="{FF2B5EF4-FFF2-40B4-BE49-F238E27FC236}">
-                    <a16:creationId xmlns:a16="http://schemas.microsoft.com/office/drawing/2014/main" id="{587BB607-A16E-8943-BCEB-EC717471144E}"/>
-                  </a:ext>
-                </a:extLst>
-              </p:cNvPr>
-              <p:cNvSpPr txBox="1"/>
-              <p:nvPr/>
-            </p:nvSpPr>
-            <p:spPr>
-              <a:xfrm>
-                <a:off x="1657350" y="3824343"/>
-                <a:ext cx="1055738" cy="458587"/>
-              </a:xfrm>
-              <a:prstGeom prst="rect">
-                <a:avLst/>
-              </a:prstGeom>
-              <a:noFill/>
-            </p:spPr>
-            <p:txBody>
-              <a:bodyPr wrap="none" rtlCol="0">
-                <a:spAutoFit/>
-              </a:bodyPr>
-              <a:lstStyle/>
-              <a:p>
-                <a:pPr algn="l"/>
-                <a14:m>
-                  <m:oMathPara xmlns:m="http://schemas.openxmlformats.org/officeDocument/2006/math">
-                    <m:oMathParaPr>
-                      <m:jc m:val="centerGroup"/>
-                    </m:oMathParaPr>
-                    <m:oMath xmlns:m="http://schemas.openxmlformats.org/officeDocument/2006/math">
-                      <m:func>
-                        <m:funcPr>
-                          <m:ctrlPr>
-                            <a:rPr kumimoji="1" lang="en" altLang="ja-JP" i="1" smtClean="0">
-                              <a:latin typeface="Cambria Math" panose="02040503050406030204" pitchFamily="18" charset="0"/>
-                            </a:rPr>
-                          </m:ctrlPr>
-                        </m:funcPr>
-                        <m:fName>
-                          <m:limLow>
-                            <m:limLowPr>
-                              <m:ctrlPr>
-                                <a:rPr kumimoji="1" lang="en" altLang="ja-JP" i="1" smtClean="0">
-                                  <a:latin typeface="Cambria Math" panose="02040503050406030204" pitchFamily="18" charset="0"/>
-                                </a:rPr>
-                              </m:ctrlPr>
-                            </m:limLowPr>
-                            <m:e>
-                              <m:r>
-                                <m:rPr>
-                                  <m:sty m:val="p"/>
-                                </m:rPr>
-                                <a:rPr kumimoji="1" lang="en" altLang="ja-JP" i="0" smtClean="0">
-                                  <a:latin typeface="Cambria Math" panose="02040503050406030204" pitchFamily="18" charset="0"/>
-                                </a:rPr>
-                                <m:t>min</m:t>
-                              </m:r>
-                            </m:e>
-                            <m:lim>
-                              <m:r>
-                                <a:rPr kumimoji="1" lang="en-US" altLang="ja-JP" b="0" i="1" smtClean="0">
-                                  <a:latin typeface="Cambria Math" panose="02040503050406030204" pitchFamily="18" charset="0"/>
-                                </a:rPr>
-                                <m:t>𝑢</m:t>
-                              </m:r>
-                            </m:lim>
-                          </m:limLow>
-                        </m:fName>
-                        <m:e>
-                          <m:sSup>
-                            <m:sSupPr>
-                              <m:ctrlPr>
-                                <a:rPr kumimoji="1" lang="en" altLang="ja-JP" i="1" smtClean="0">
-                                  <a:latin typeface="Cambria Math" panose="02040503050406030204" pitchFamily="18" charset="0"/>
-                                </a:rPr>
-                              </m:ctrlPr>
-                            </m:sSupPr>
-                            <m:e>
-                              <m:r>
-                                <a:rPr kumimoji="1" lang="en-US" altLang="ja-JP" b="0" i="1" smtClean="0">
-                                  <a:latin typeface="Cambria Math" panose="02040503050406030204" pitchFamily="18" charset="0"/>
-                                </a:rPr>
-                                <m:t>𝑢</m:t>
-                              </m:r>
-                            </m:e>
-                            <m:sup>
-                              <m:r>
-                                <a:rPr kumimoji="1" lang="en-US" altLang="ja-JP" b="0" i="1" smtClean="0">
-                                  <a:latin typeface="Cambria Math" panose="02040503050406030204" pitchFamily="18" charset="0"/>
-                                </a:rPr>
-                                <m:t>𝑇</m:t>
-                              </m:r>
-                            </m:sup>
-                          </m:sSup>
-                          <m:r>
-                            <a:rPr kumimoji="1" lang="en-US" altLang="ja-JP" b="0" i="1" smtClean="0">
-                              <a:latin typeface="Cambria Math" panose="02040503050406030204" pitchFamily="18" charset="0"/>
-                            </a:rPr>
-                            <m:t>𝑢</m:t>
-                          </m:r>
-                        </m:e>
-                      </m:func>
-                    </m:oMath>
-                  </m:oMathPara>
-                </a14:m>
-                <a:endParaRPr kumimoji="1" lang="ja-JP" altLang="en-US">
-                  <a:latin typeface="Cambria" panose="02040503050406030204" pitchFamily="18" charset="0"/>
-                </a:endParaRPr>
-              </a:p>
-            </p:txBody>
-          </p:sp>
-        </mc:Choice>
-        <mc:Fallback xmlns="">
-          <p:sp>
-            <p:nvSpPr>
-              <p:cNvPr id="5" name="テキスト ボックス 4">
-                <a:extLst>
-                  <a:ext uri="{FF2B5EF4-FFF2-40B4-BE49-F238E27FC236}">
-                    <a16:creationId xmlns:a16="http://schemas.microsoft.com/office/drawing/2014/main" id="{587BB607-A16E-8943-BCEB-EC717471144E}"/>
-                  </a:ext>
-                </a:extLst>
-              </p:cNvPr>
-              <p:cNvSpPr txBox="1">
-                <a:spLocks noRot="1" noChangeAspect="1" noMove="1" noResize="1" noEditPoints="1" noAdjustHandles="1" noChangeArrowheads="1" noChangeShapeType="1" noTextEdit="1"/>
-              </p:cNvSpPr>
-              <p:nvPr/>
-            </p:nvSpPr>
-            <p:spPr>
-              <a:xfrm>
-                <a:off x="1657350" y="3824343"/>
-                <a:ext cx="1055738" cy="458587"/>
-              </a:xfrm>
-              <a:prstGeom prst="rect">
-                <a:avLst/>
-              </a:prstGeom>
-              <a:blipFill>
-                <a:blip r:embed="rId4"/>
-                <a:stretch>
-                  <a:fillRect/>
-                </a:stretch>
-              </a:blipFill>
-            </p:spPr>
-            <p:txBody>
-              <a:bodyPr/>
-              <a:lstStyle/>
-              <a:p>
-                <a:r>
-                  <a:rPr lang="ja-JP" altLang="en-US">
-                    <a:noFill/>
-                  </a:rPr>
-                  <a:t> </a:t>
-                </a:r>
-              </a:p>
-            </p:txBody>
-          </p:sp>
-        </mc:Fallback>
-      </mc:AlternateContent>
-      <mc:AlternateContent xmlns:mc="http://schemas.openxmlformats.org/markup-compatibility/2006" xmlns:a14="http://schemas.microsoft.com/office/drawing/2010/main">
-        <mc:Choice Requires="a14">
-          <p:sp>
-            <p:nvSpPr>
-              <p:cNvPr id="8" name="テキスト ボックス 7">
-                <a:extLst>
-                  <a:ext uri="{FF2B5EF4-FFF2-40B4-BE49-F238E27FC236}">
-                    <a16:creationId xmlns:a16="http://schemas.microsoft.com/office/drawing/2014/main" id="{587A6EF0-E3C3-C645-A309-8B7510275883}"/>
-                  </a:ext>
-                </a:extLst>
-              </p:cNvPr>
-              <p:cNvSpPr txBox="1"/>
-              <p:nvPr/>
-            </p:nvSpPr>
-            <p:spPr>
-              <a:xfrm>
-                <a:off x="1657350" y="4253733"/>
-                <a:ext cx="3812261" cy="403124"/>
-              </a:xfrm>
-              <a:prstGeom prst="rect">
-                <a:avLst/>
-              </a:prstGeom>
-              <a:noFill/>
-            </p:spPr>
-            <p:txBody>
-              <a:bodyPr wrap="none" rtlCol="0">
-                <a:spAutoFit/>
-              </a:bodyPr>
-              <a:lstStyle/>
-              <a:p>
-                <a:pPr/>
-                <a14:m>
-                  <m:oMathPara xmlns:m="http://schemas.openxmlformats.org/officeDocument/2006/math">
-                    <m:oMathParaPr>
-                      <m:jc m:val="centerGroup"/>
-                    </m:oMathParaPr>
-                    <m:oMath xmlns:m="http://schemas.openxmlformats.org/officeDocument/2006/math">
-                      <m:func>
-                        <m:funcPr>
-                          <m:ctrlPr>
-                            <a:rPr kumimoji="1" lang="en" altLang="ja-JP" i="1" smtClean="0">
-                              <a:latin typeface="Cambria Math" panose="02040503050406030204" pitchFamily="18" charset="0"/>
-                            </a:rPr>
-                          </m:ctrlPr>
-                        </m:funcPr>
-                        <m:fName>
-                          <m:r>
-                            <m:rPr>
-                              <m:sty m:val="p"/>
-                            </m:rPr>
-                            <a:rPr kumimoji="1" lang="en-US" altLang="ja-JP">
-                              <a:latin typeface="Cambria Math" panose="02040503050406030204" pitchFamily="18" charset="0"/>
-                            </a:rPr>
-                            <m:t>s</m:t>
-                          </m:r>
-                          <m:r>
-                            <a:rPr kumimoji="1" lang="en-US" altLang="ja-JP">
-                              <a:latin typeface="Cambria Math" panose="02040503050406030204" pitchFamily="18" charset="0"/>
-                            </a:rPr>
-                            <m:t>.</m:t>
-                          </m:r>
-                          <m:r>
-                            <m:rPr>
-                              <m:sty m:val="p"/>
-                            </m:rPr>
-                            <a:rPr kumimoji="1" lang="en-US" altLang="ja-JP">
-                              <a:latin typeface="Cambria Math" panose="02040503050406030204" pitchFamily="18" charset="0"/>
-                            </a:rPr>
-                            <m:t>t</m:t>
-                          </m:r>
-                          <m:r>
-                            <a:rPr kumimoji="1" lang="en-US" altLang="ja-JP">
-                              <a:latin typeface="Cambria Math" panose="02040503050406030204" pitchFamily="18" charset="0"/>
-                            </a:rPr>
-                            <m:t>.</m:t>
-                          </m:r>
-                        </m:fName>
-                        <m:e>
-                          <m:r>
-                            <a:rPr kumimoji="1" lang="ja-JP" altLang="en-US" b="0" i="1" smtClean="0">
-                              <a:latin typeface="Cambria Math" panose="02040503050406030204" pitchFamily="18" charset="0"/>
-                            </a:rPr>
-                            <m:t>　　　　　　　　　　　</m:t>
-                          </m:r>
-                          <m:r>
-                            <a:rPr kumimoji="1" lang="en-US" altLang="ja-JP" b="0" i="1" smtClean="0">
-                              <a:latin typeface="Cambria Math" panose="02040503050406030204" pitchFamily="18" charset="0"/>
-                            </a:rPr>
-                            <m:t>   </m:t>
-                          </m:r>
-                          <m:r>
-                            <a:rPr kumimoji="1" lang="ja-JP" altLang="en-US" b="0" i="1" smtClean="0">
-                              <a:latin typeface="Cambria Math" panose="02040503050406030204" pitchFamily="18" charset="0"/>
-                            </a:rPr>
-                            <m:t>≤</m:t>
-                          </m:r>
-                          <m:r>
-                            <a:rPr kumimoji="1" lang="en-US" altLang="ja-JP" b="0" i="1" smtClean="0">
-                              <a:latin typeface="Cambria Math" panose="02040503050406030204" pitchFamily="18" charset="0"/>
-                            </a:rPr>
-                            <m:t>0 </m:t>
-                          </m:r>
-                        </m:e>
-                      </m:func>
-                    </m:oMath>
-                  </m:oMathPara>
-                </a14:m>
-                <a:endParaRPr kumimoji="1" lang="ja-JP" altLang="en-US">
-                  <a:latin typeface="Cambria" panose="02040503050406030204" pitchFamily="18" charset="0"/>
-                </a:endParaRPr>
-              </a:p>
-            </p:txBody>
-          </p:sp>
-        </mc:Choice>
-        <mc:Fallback xmlns="">
-          <p:sp>
-            <p:nvSpPr>
-              <p:cNvPr id="8" name="テキスト ボックス 7">
-                <a:extLst>
-                  <a:ext uri="{FF2B5EF4-FFF2-40B4-BE49-F238E27FC236}">
-                    <a16:creationId xmlns:a16="http://schemas.microsoft.com/office/drawing/2014/main" id="{587A6EF0-E3C3-C645-A309-8B7510275883}"/>
-                  </a:ext>
-                </a:extLst>
-              </p:cNvPr>
-              <p:cNvSpPr txBox="1">
-                <a:spLocks noRot="1" noChangeAspect="1" noMove="1" noResize="1" noEditPoints="1" noAdjustHandles="1" noChangeArrowheads="1" noChangeShapeType="1" noTextEdit="1"/>
-              </p:cNvSpPr>
-              <p:nvPr/>
-            </p:nvSpPr>
-            <p:spPr>
-              <a:xfrm>
-                <a:off x="1657350" y="4253733"/>
-                <a:ext cx="3812261" cy="403124"/>
-              </a:xfrm>
-              <a:prstGeom prst="rect">
-                <a:avLst/>
-              </a:prstGeom>
-              <a:blipFill>
-                <a:blip r:embed="rId5"/>
-                <a:stretch>
-                  <a:fillRect b="-9091"/>
-                </a:stretch>
-              </a:blipFill>
-            </p:spPr>
-            <p:txBody>
-              <a:bodyPr/>
-              <a:lstStyle/>
-              <a:p>
-                <a:r>
-                  <a:rPr lang="ja-JP" altLang="en-US">
-                    <a:noFill/>
-                  </a:rPr>
-                  <a:t> </a:t>
-                </a:r>
-              </a:p>
-            </p:txBody>
-          </p:sp>
-        </mc:Fallback>
-      </mc:AlternateContent>
-      <p:pic>
-        <p:nvPicPr>
-          <p:cNvPr id="9" name="図 8">
-            <a:extLst>
-              <a:ext uri="{FF2B5EF4-FFF2-40B4-BE49-F238E27FC236}">
-                <a16:creationId xmlns:a16="http://schemas.microsoft.com/office/drawing/2014/main" id="{F0948D9F-4583-3345-8018-979ACF9E933E}"/>
-              </a:ext>
-            </a:extLst>
-          </p:cNvPr>
-          <p:cNvPicPr>
-            <a:picLocks noChangeAspect="1"/>
-          </p:cNvPicPr>
-          <p:nvPr/>
-        </p:nvPicPr>
-        <p:blipFill>
-          <a:blip r:embed="rId6"/>
-          <a:stretch>
-            <a:fillRect/>
-          </a:stretch>
-        </p:blipFill>
-        <p:spPr>
-          <a:xfrm>
-            <a:off x="2185219" y="4282930"/>
-            <a:ext cx="2640693" cy="392926"/>
-          </a:xfrm>
-          <a:prstGeom prst="rect">
-            <a:avLst/>
-          </a:prstGeom>
-        </p:spPr>
-      </p:pic>
-      <p:cxnSp>
-        <p:nvCxnSpPr>
-          <p:cNvPr id="11" name="直線矢印コネクタ 10">
-            <a:extLst>
-              <a:ext uri="{FF2B5EF4-FFF2-40B4-BE49-F238E27FC236}">
-                <a16:creationId xmlns:a16="http://schemas.microsoft.com/office/drawing/2014/main" id="{C082C4E8-9C34-4349-B5E9-B619B9F9DE99}"/>
-              </a:ext>
-            </a:extLst>
-          </p:cNvPr>
-          <p:cNvCxnSpPr>
-            <a:cxnSpLocks/>
-          </p:cNvCxnSpPr>
-          <p:nvPr/>
-        </p:nvCxnSpPr>
-        <p:spPr>
-          <a:xfrm>
-            <a:off x="7003537" y="4479393"/>
-            <a:ext cx="1567033" cy="0"/>
-          </a:xfrm>
-          <a:prstGeom prst="straightConnector1">
-            <a:avLst/>
-          </a:prstGeom>
-          <a:ln>
-            <a:solidFill>
-              <a:schemeClr val="tx1">
-                <a:lumMod val="95000"/>
-                <a:lumOff val="5000"/>
-              </a:schemeClr>
-            </a:solidFill>
-            <a:tailEnd type="triangle"/>
-          </a:ln>
-        </p:spPr>
-        <p:style>
-          <a:lnRef idx="1">
-            <a:schemeClr val="accent1"/>
-          </a:lnRef>
-          <a:fillRef idx="0">
-            <a:schemeClr val="accent1"/>
-          </a:fillRef>
-          <a:effectRef idx="0">
-            <a:schemeClr val="accent1"/>
-          </a:effectRef>
-          <a:fontRef idx="minor">
-            <a:schemeClr val="tx1"/>
-          </a:fontRef>
-        </p:style>
-      </p:cxnSp>
-      <p:sp>
-        <p:nvSpPr>
-          <p:cNvPr id="13" name="フリーフォーム 12">
-            <a:extLst>
-              <a:ext uri="{FF2B5EF4-FFF2-40B4-BE49-F238E27FC236}">
-                <a16:creationId xmlns:a16="http://schemas.microsoft.com/office/drawing/2014/main" id="{1DB46F8C-5BBE-3942-92A4-298D186EE1B3}"/>
-              </a:ext>
-            </a:extLst>
-          </p:cNvPr>
-          <p:cNvSpPr/>
-          <p:nvPr/>
-        </p:nvSpPr>
-        <p:spPr>
-          <a:xfrm>
-            <a:off x="7009715" y="3482190"/>
-            <a:ext cx="1365160" cy="800740"/>
-          </a:xfrm>
-          <a:custGeom>
-            <a:avLst/>
-            <a:gdLst>
-              <a:gd name="connsiteX0" fmla="*/ 0 w 1365160"/>
-              <a:gd name="connsiteY0" fmla="*/ 193183 h 800740"/>
-              <a:gd name="connsiteX1" fmla="*/ 412124 w 1365160"/>
-              <a:gd name="connsiteY1" fmla="*/ 798490 h 800740"/>
-              <a:gd name="connsiteX2" fmla="*/ 1365160 w 1365160"/>
-              <a:gd name="connsiteY2" fmla="*/ 0 h 800740"/>
-            </a:gdLst>
-            <a:ahLst/>
-            <a:cxnLst>
-              <a:cxn ang="0">
-                <a:pos x="connsiteX0" y="connsiteY0"/>
-              </a:cxn>
-              <a:cxn ang="0">
-                <a:pos x="connsiteX1" y="connsiteY1"/>
-              </a:cxn>
-              <a:cxn ang="0">
-                <a:pos x="connsiteX2" y="connsiteY2"/>
-              </a:cxn>
-            </a:cxnLst>
-            <a:rect l="l" t="t" r="r" b="b"/>
-            <a:pathLst>
-              <a:path w="1365160" h="800740">
-                <a:moveTo>
-                  <a:pt x="0" y="193183"/>
-                </a:moveTo>
-                <a:cubicBezTo>
-                  <a:pt x="92298" y="511935"/>
-                  <a:pt x="184597" y="830687"/>
-                  <a:pt x="412124" y="798490"/>
-                </a:cubicBezTo>
-                <a:cubicBezTo>
-                  <a:pt x="639651" y="766293"/>
-                  <a:pt x="1002405" y="383146"/>
-                  <a:pt x="1365160" y="0"/>
-                </a:cubicBezTo>
-              </a:path>
-            </a:pathLst>
-          </a:custGeom>
-          <a:noFill/>
-          <a:ln>
-            <a:solidFill>
-              <a:srgbClr val="FF0000"/>
-            </a:solidFill>
-          </a:ln>
-        </p:spPr>
-        <p:style>
-          <a:lnRef idx="2">
-            <a:schemeClr val="accent1">
-              <a:shade val="50000"/>
-            </a:schemeClr>
-          </a:lnRef>
-          <a:fillRef idx="1">
-            <a:schemeClr val="accent1"/>
-          </a:fillRef>
-          <a:effectRef idx="0">
-            <a:schemeClr val="accent1"/>
-          </a:effectRef>
-          <a:fontRef idx="minor">
-            <a:schemeClr val="lt1"/>
-          </a:fontRef>
-        </p:style>
-        <p:txBody>
-          <a:bodyPr rtlCol="0" anchor="ctr"/>
-          <a:lstStyle/>
-          <a:p>
-            <a:pPr algn="ctr"/>
-            <a:endParaRPr kumimoji="1" lang="ja-JP" altLang="en-US"/>
-          </a:p>
-        </p:txBody>
-      </p:sp>
-      <p:cxnSp>
-        <p:nvCxnSpPr>
-          <p:cNvPr id="19" name="直線コネクタ 18">
-            <a:extLst>
-              <a:ext uri="{FF2B5EF4-FFF2-40B4-BE49-F238E27FC236}">
-                <a16:creationId xmlns:a16="http://schemas.microsoft.com/office/drawing/2014/main" id="{D0BE987B-405D-2649-B5D8-50DE08667CC0}"/>
-              </a:ext>
-            </a:extLst>
-          </p:cNvPr>
-          <p:cNvCxnSpPr>
-            <a:cxnSpLocks/>
-          </p:cNvCxnSpPr>
-          <p:nvPr/>
-        </p:nvCxnSpPr>
-        <p:spPr>
-          <a:xfrm>
-            <a:off x="7003537" y="3262184"/>
-            <a:ext cx="0" cy="1217209"/>
-          </a:xfrm>
-          <a:prstGeom prst="line">
-            <a:avLst/>
-          </a:prstGeom>
-          <a:ln>
-            <a:solidFill>
-              <a:schemeClr val="bg1">
-                <a:lumMod val="50000"/>
-              </a:schemeClr>
-            </a:solidFill>
-            <a:prstDash val="dash"/>
-          </a:ln>
-        </p:spPr>
-        <p:style>
-          <a:lnRef idx="1">
-            <a:schemeClr val="accent1"/>
-          </a:lnRef>
-          <a:fillRef idx="0">
-            <a:schemeClr val="accent1"/>
-          </a:fillRef>
-          <a:effectRef idx="0">
-            <a:schemeClr val="accent1"/>
-          </a:effectRef>
-          <a:fontRef idx="minor">
-            <a:schemeClr val="tx1"/>
-          </a:fontRef>
-        </p:style>
-      </p:cxnSp>
-      <p:cxnSp>
-        <p:nvCxnSpPr>
-          <p:cNvPr id="23" name="直線コネクタ 22">
-            <a:extLst>
-              <a:ext uri="{FF2B5EF4-FFF2-40B4-BE49-F238E27FC236}">
-                <a16:creationId xmlns:a16="http://schemas.microsoft.com/office/drawing/2014/main" id="{ABFFE9C7-DB1E-7C4E-99C1-DD04AF9AABB6}"/>
-              </a:ext>
-            </a:extLst>
-          </p:cNvPr>
-          <p:cNvCxnSpPr>
-            <a:cxnSpLocks/>
-            <a:endCxn id="13" idx="0"/>
-          </p:cNvCxnSpPr>
-          <p:nvPr/>
-        </p:nvCxnSpPr>
-        <p:spPr>
-          <a:xfrm flipH="1">
-            <a:off x="7009715" y="3675373"/>
-            <a:ext cx="1527749" cy="0"/>
-          </a:xfrm>
-          <a:prstGeom prst="line">
-            <a:avLst/>
-          </a:prstGeom>
-          <a:ln>
-            <a:solidFill>
-              <a:schemeClr val="bg1">
-                <a:lumMod val="50000"/>
-              </a:schemeClr>
-            </a:solidFill>
-            <a:prstDash val="solid"/>
-          </a:ln>
-        </p:spPr>
-        <p:style>
-          <a:lnRef idx="1">
-            <a:schemeClr val="accent1"/>
-          </a:lnRef>
-          <a:fillRef idx="0">
-            <a:schemeClr val="accent1"/>
-          </a:fillRef>
-          <a:effectRef idx="0">
-            <a:schemeClr val="accent1"/>
-          </a:effectRef>
-          <a:fontRef idx="minor">
-            <a:schemeClr val="tx1"/>
-          </a:fontRef>
-        </p:style>
-      </p:cxnSp>
-      <p:cxnSp>
-        <p:nvCxnSpPr>
-          <p:cNvPr id="26" name="直線コネクタ 25">
-            <a:extLst>
-              <a:ext uri="{FF2B5EF4-FFF2-40B4-BE49-F238E27FC236}">
-                <a16:creationId xmlns:a16="http://schemas.microsoft.com/office/drawing/2014/main" id="{B29978FF-56A8-DD45-8957-31E0A3116611}"/>
-              </a:ext>
-            </a:extLst>
-          </p:cNvPr>
-          <p:cNvCxnSpPr>
-            <a:cxnSpLocks/>
-          </p:cNvCxnSpPr>
-          <p:nvPr/>
-        </p:nvCxnSpPr>
-        <p:spPr>
-          <a:xfrm>
-            <a:off x="8187726" y="3262184"/>
-            <a:ext cx="0" cy="1217209"/>
-          </a:xfrm>
-          <a:prstGeom prst="line">
-            <a:avLst/>
-          </a:prstGeom>
-          <a:ln>
-            <a:solidFill>
-              <a:schemeClr val="bg1">
-                <a:lumMod val="50000"/>
-              </a:schemeClr>
-            </a:solidFill>
-            <a:prstDash val="dash"/>
-          </a:ln>
-        </p:spPr>
-        <p:style>
-          <a:lnRef idx="1">
-            <a:schemeClr val="accent1"/>
-          </a:lnRef>
-          <a:fillRef idx="0">
-            <a:schemeClr val="accent1"/>
-          </a:fillRef>
-          <a:effectRef idx="0">
-            <a:schemeClr val="accent1"/>
-          </a:effectRef>
-          <a:fontRef idx="minor">
-            <a:schemeClr val="tx1"/>
-          </a:fontRef>
-        </p:style>
-      </p:cxnSp>
-      <mc:AlternateContent xmlns:mc="http://schemas.openxmlformats.org/markup-compatibility/2006" xmlns:a14="http://schemas.microsoft.com/office/drawing/2010/main">
-        <mc:Choice Requires="a14">
-          <p:sp>
-            <p:nvSpPr>
-              <p:cNvPr id="27" name="テキスト ボックス 26">
-                <a:extLst>
-                  <a:ext uri="{FF2B5EF4-FFF2-40B4-BE49-F238E27FC236}">
-                    <a16:creationId xmlns:a16="http://schemas.microsoft.com/office/drawing/2014/main" id="{F3868F80-DB20-B949-9FD8-86806904AB77}"/>
-                  </a:ext>
-                </a:extLst>
-              </p:cNvPr>
-              <p:cNvSpPr txBox="1"/>
-              <p:nvPr/>
-            </p:nvSpPr>
-            <p:spPr>
-              <a:xfrm>
-                <a:off x="8274678" y="3125582"/>
-                <a:ext cx="387542" cy="369332"/>
-              </a:xfrm>
-              <a:prstGeom prst="rect">
-                <a:avLst/>
-              </a:prstGeom>
-              <a:noFill/>
-            </p:spPr>
-            <p:txBody>
-              <a:bodyPr wrap="none" rtlCol="0">
-                <a:spAutoFit/>
-              </a:bodyPr>
-              <a:lstStyle/>
-              <a:p>
-                <a:pPr/>
-                <a14:m>
-                  <m:oMathPara xmlns:m="http://schemas.openxmlformats.org/officeDocument/2006/math">
-                    <m:oMathParaPr>
-                      <m:jc m:val="centerGroup"/>
-                    </m:oMathParaPr>
-                    <m:oMath xmlns:m="http://schemas.openxmlformats.org/officeDocument/2006/math">
-                      <m:r>
-                        <a:rPr lang="en-US" altLang="ja-JP" i="1">
-                          <a:latin typeface="Cambria Math" panose="02040503050406030204" pitchFamily="18" charset="0"/>
-                        </a:rPr>
-                        <m:t>𝑉</m:t>
-                      </m:r>
-                    </m:oMath>
-                  </m:oMathPara>
-                </a14:m>
-                <a:endParaRPr kumimoji="1" lang="ja-JP" altLang="en-US">
-                  <a:latin typeface="Cambria" panose="02040503050406030204" pitchFamily="18" charset="0"/>
-                </a:endParaRPr>
-              </a:p>
-            </p:txBody>
-          </p:sp>
-        </mc:Choice>
-        <mc:Fallback xmlns="">
-          <p:sp>
-            <p:nvSpPr>
-              <p:cNvPr id="27" name="テキスト ボックス 26">
-                <a:extLst>
-                  <a:ext uri="{FF2B5EF4-FFF2-40B4-BE49-F238E27FC236}">
-                    <a16:creationId xmlns:a16="http://schemas.microsoft.com/office/drawing/2014/main" id="{F3868F80-DB20-B949-9FD8-86806904AB77}"/>
-                  </a:ext>
-                </a:extLst>
-              </p:cNvPr>
-              <p:cNvSpPr txBox="1">
-                <a:spLocks noRot="1" noChangeAspect="1" noMove="1" noResize="1" noEditPoints="1" noAdjustHandles="1" noChangeArrowheads="1" noChangeShapeType="1" noTextEdit="1"/>
-              </p:cNvSpPr>
-              <p:nvPr/>
-            </p:nvSpPr>
-            <p:spPr>
-              <a:xfrm>
-                <a:off x="8274678" y="3125582"/>
-                <a:ext cx="387542" cy="369332"/>
-              </a:xfrm>
-              <a:prstGeom prst="rect">
-                <a:avLst/>
-              </a:prstGeom>
-              <a:blipFill>
-                <a:blip r:embed="rId7"/>
-                <a:stretch>
-                  <a:fillRect/>
-                </a:stretch>
-              </a:blipFill>
-            </p:spPr>
-            <p:txBody>
-              <a:bodyPr/>
-              <a:lstStyle/>
-              <a:p>
-                <a:r>
-                  <a:rPr lang="ja-JP" altLang="en-US">
-                    <a:noFill/>
-                  </a:rPr>
-                  <a:t> </a:t>
-                </a:r>
-              </a:p>
-            </p:txBody>
-          </p:sp>
-        </mc:Fallback>
-      </mc:AlternateContent>
-      <mc:AlternateContent xmlns:mc="http://schemas.openxmlformats.org/markup-compatibility/2006" xmlns:a14="http://schemas.microsoft.com/office/drawing/2010/main">
-        <mc:Choice Requires="a14">
-          <p:sp>
-            <p:nvSpPr>
-              <p:cNvPr id="28" name="テキスト ボックス 27">
-                <a:extLst>
-                  <a:ext uri="{FF2B5EF4-FFF2-40B4-BE49-F238E27FC236}">
-                    <a16:creationId xmlns:a16="http://schemas.microsoft.com/office/drawing/2014/main" id="{3B3EC63D-C0F5-C641-9B0D-9B1F3FFE2485}"/>
-                  </a:ext>
-                </a:extLst>
-              </p:cNvPr>
-              <p:cNvSpPr txBox="1"/>
-              <p:nvPr/>
-            </p:nvSpPr>
-            <p:spPr>
-              <a:xfrm>
-                <a:off x="8540894" y="4287525"/>
-                <a:ext cx="346698" cy="369332"/>
-              </a:xfrm>
-              <a:prstGeom prst="rect">
-                <a:avLst/>
-              </a:prstGeom>
-              <a:noFill/>
-            </p:spPr>
-            <p:txBody>
-              <a:bodyPr wrap="none" rtlCol="0">
-                <a:spAutoFit/>
-              </a:bodyPr>
-              <a:lstStyle/>
-              <a:p>
-                <a:pPr/>
-                <a14:m>
-                  <m:oMathPara xmlns:m="http://schemas.openxmlformats.org/officeDocument/2006/math">
-                    <m:oMathParaPr>
-                      <m:jc m:val="centerGroup"/>
-                    </m:oMathParaPr>
-                    <m:oMath xmlns:m="http://schemas.openxmlformats.org/officeDocument/2006/math">
-                      <m:r>
-                        <a:rPr lang="ja-JP" altLang="en-US" i="1">
-                          <a:latin typeface="Cambria Math" panose="02040503050406030204" pitchFamily="18" charset="0"/>
-                        </a:rPr>
-                        <m:t>𝜏</m:t>
-                      </m:r>
-                    </m:oMath>
-                  </m:oMathPara>
-                </a14:m>
-                <a:endParaRPr kumimoji="1" lang="ja-JP" altLang="en-US">
-                  <a:latin typeface="Cambria" panose="02040503050406030204" pitchFamily="18" charset="0"/>
-                </a:endParaRPr>
-              </a:p>
-            </p:txBody>
-          </p:sp>
-        </mc:Choice>
-        <mc:Fallback xmlns="">
-          <p:sp>
-            <p:nvSpPr>
-              <p:cNvPr id="28" name="テキスト ボックス 27">
-                <a:extLst>
-                  <a:ext uri="{FF2B5EF4-FFF2-40B4-BE49-F238E27FC236}">
-                    <a16:creationId xmlns:a16="http://schemas.microsoft.com/office/drawing/2014/main" id="{3B3EC63D-C0F5-C641-9B0D-9B1F3FFE2485}"/>
-                  </a:ext>
-                </a:extLst>
-              </p:cNvPr>
-              <p:cNvSpPr txBox="1">
-                <a:spLocks noRot="1" noChangeAspect="1" noMove="1" noResize="1" noEditPoints="1" noAdjustHandles="1" noChangeArrowheads="1" noChangeShapeType="1" noTextEdit="1"/>
-              </p:cNvSpPr>
-              <p:nvPr/>
-            </p:nvSpPr>
-            <p:spPr>
-              <a:xfrm>
-                <a:off x="8540894" y="4287525"/>
-                <a:ext cx="346698" cy="369332"/>
-              </a:xfrm>
-              <a:prstGeom prst="rect">
-                <a:avLst/>
-              </a:prstGeom>
-              <a:blipFill>
-                <a:blip r:embed="rId8"/>
-                <a:stretch>
-                  <a:fillRect/>
-                </a:stretch>
-              </a:blipFill>
-            </p:spPr>
-            <p:txBody>
-              <a:bodyPr/>
-              <a:lstStyle/>
-              <a:p>
-                <a:r>
-                  <a:rPr lang="ja-JP" altLang="en-US">
-                    <a:noFill/>
-                  </a:rPr>
-                  <a:t> </a:t>
-                </a:r>
-              </a:p>
-            </p:txBody>
-          </p:sp>
-        </mc:Fallback>
-      </mc:AlternateContent>
-      <p:sp>
-        <p:nvSpPr>
-          <p:cNvPr id="29" name="星 5 28">
-            <a:extLst>
-              <a:ext uri="{FF2B5EF4-FFF2-40B4-BE49-F238E27FC236}">
-                <a16:creationId xmlns:a16="http://schemas.microsoft.com/office/drawing/2014/main" id="{9A86D435-494B-564F-887E-CFDF0019805E}"/>
-              </a:ext>
-            </a:extLst>
-          </p:cNvPr>
-          <p:cNvSpPr/>
-          <p:nvPr/>
-        </p:nvSpPr>
-        <p:spPr>
-          <a:xfrm>
-            <a:off x="8096286" y="4403626"/>
-            <a:ext cx="182880" cy="182880"/>
-          </a:xfrm>
-          <a:prstGeom prst="star5">
-            <a:avLst/>
-          </a:prstGeom>
-        </p:spPr>
-        <p:style>
-          <a:lnRef idx="2">
-            <a:schemeClr val="accent1">
-              <a:shade val="50000"/>
-            </a:schemeClr>
-          </a:lnRef>
-          <a:fillRef idx="1">
-            <a:schemeClr val="accent1"/>
-          </a:fillRef>
-          <a:effectRef idx="0">
-            <a:schemeClr val="accent1"/>
-          </a:effectRef>
-          <a:fontRef idx="minor">
-            <a:schemeClr val="lt1"/>
-          </a:fontRef>
-        </p:style>
-        <p:txBody>
-          <a:bodyPr rtlCol="0" anchor="ctr"/>
-          <a:lstStyle/>
-          <a:p>
-            <a:pPr algn="ctr"/>
-            <a:endParaRPr kumimoji="1" lang="ja-JP" altLang="en-US"/>
-          </a:p>
-        </p:txBody>
-      </p:sp>
-      <p:sp>
-        <p:nvSpPr>
-          <p:cNvPr id="30" name="スライド番号プレースホルダー 29">
-            <a:extLst>
-              <a:ext uri="{FF2B5EF4-FFF2-40B4-BE49-F238E27FC236}">
-                <a16:creationId xmlns:a16="http://schemas.microsoft.com/office/drawing/2014/main" id="{AF494FDA-1CA3-774E-9035-F01B53391C42}"/>
-              </a:ext>
-            </a:extLst>
-          </p:cNvPr>
-          <p:cNvSpPr>
-            <a:spLocks noGrp="1"/>
-          </p:cNvSpPr>
-          <p:nvPr>
-            <p:ph type="sldNum" sz="quarter" idx="12"/>
-          </p:nvPr>
-        </p:nvSpPr>
-        <p:spPr/>
-        <p:txBody>
-          <a:bodyPr/>
-          <a:lstStyle/>
-          <a:p>
-            <a:fld id="{5D57FD6B-29A3-3249-A29F-ABF600A8FF13}" type="slidenum">
-              <a:rPr kumimoji="1" lang="ja-JP" altLang="en-US" smtClean="0"/>
-              <a:t>2</a:t>
-            </a:fld>
-            <a:r>
-              <a:rPr kumimoji="1" lang="en-US" altLang="ja-JP"/>
-              <a:t>/14</a:t>
-            </a:r>
-            <a:endParaRPr kumimoji="1" lang="en-US" altLang="ja-JP" dirty="0"/>
-          </a:p>
-        </p:txBody>
-      </p:sp>
-    </p:spTree>
-    <p:extLst>
-      <p:ext uri="{BB962C8B-B14F-4D97-AF65-F5344CB8AC3E}">
-        <p14:creationId xmlns:p14="http://schemas.microsoft.com/office/powerpoint/2010/main" val="4052052154"/>
-      </p:ext>
-    </p:extLst>
-  </p:cSld>
-  <p:clrMapOvr>
-    <a:masterClrMapping/>
-  </p:clrMapOvr>
-</p:sld>
-</file>
-
-<file path=ppt/slides/slide4.xml><?xml version="1.0" encoding="utf-8"?>
-<p:sld xmlns:a="http://schemas.openxmlformats.org/drawingml/2006/main" xmlns:r="http://schemas.openxmlformats.org/officeDocument/2006/relationships" xmlns:p="http://schemas.openxmlformats.org/presentationml/2006/main">
-  <p:cSld>
-    <p:spTree>
-      <p:nvGrpSpPr>
-        <p:cNvPr id="1" name=""/>
-        <p:cNvGrpSpPr/>
-        <p:nvPr/>
-      </p:nvGrpSpPr>
-      <p:grpSpPr>
-        <a:xfrm>
-          <a:off x="0" y="0"/>
-          <a:ext cx="0" cy="0"/>
-          <a:chOff x="0" y="0"/>
-          <a:chExt cx="0" cy="0"/>
-        </a:xfrm>
-      </p:grpSpPr>
       <mc:AlternateContent xmlns:mc="http://schemas.openxmlformats.org/markup-compatibility/2006" xmlns:a14="http://schemas.microsoft.com/office/drawing/2010/main">
         <mc:Choice Requires="a14">
           <p:sp>
@@ -12702,7 +11193,9 @@
             </p:nvSpPr>
             <p:spPr/>
             <p:txBody>
-              <a:bodyPr/>
+              <a:bodyPr>
+                <a:normAutofit/>
+              </a:bodyPr>
               <a:lstStyle/>
               <a:p>
                 <a:r>
@@ -12724,6 +11217,27 @@
                         <a:ea typeface="Cambria Math" panose="02040503050406030204" pitchFamily="18" charset="0"/>
                       </a:rPr>
                       <m:t>𝜋</m:t>
+                    </m:r>
+                    <m:r>
+                      <a:rPr kumimoji="1" lang="en-US" altLang="ja-JP" b="0" i="1" smtClean="0">
+                        <a:latin typeface="Cambria Math" panose="02040503050406030204" pitchFamily="18" charset="0"/>
+                        <a:ea typeface="Cambria Math" panose="02040503050406030204" pitchFamily="18" charset="0"/>
+                      </a:rPr>
+                      <m:t>(</m:t>
+                    </m:r>
+                    <m:r>
+                      <a:rPr kumimoji="1" lang="en-US" altLang="ja-JP" b="0" i="1" smtClean="0">
+                        <a:latin typeface="Cambria Math" panose="02040503050406030204" pitchFamily="18" charset="0"/>
+                        <a:ea typeface="Cambria Math" panose="02040503050406030204" pitchFamily="18" charset="0"/>
+                      </a:rPr>
+                      <m:t>𝑠</m:t>
+                    </m:r>
+                    <m:r>
+                      <a:rPr kumimoji="1" lang="en-US" altLang="ja-JP" b="0" i="1" smtClean="0">
+                        <a:latin typeface="Cambria Math" panose="02040503050406030204" pitchFamily="18" charset="0"/>
+                        <a:ea typeface="Cambria Math" panose="02040503050406030204" pitchFamily="18" charset="0"/>
+                      </a:rPr>
+                      <m:t>)</m:t>
                     </m:r>
                   </m:oMath>
                 </a14:m>
@@ -12857,11 +11371,11 @@
                 </a14:m>
                 <a:r>
                   <a:rPr kumimoji="1" lang="ja-JP" altLang="en-US" dirty="0"/>
-                  <a:t>で制御した</a:t>
+                  <a:t>で全ステップ制御した</a:t>
                 </a:r>
                 <a:r>
                   <a:rPr kumimoji="1" lang="ja-JP" altLang="en-US"/>
-                  <a:t>ときの割引付き期待累積コスト</a:t>
+                  <a:t>ときの累積コスト</a:t>
                 </a:r>
                 <a:endParaRPr kumimoji="1" lang="en-US" altLang="ja-JP" dirty="0"/>
               </a:p>
@@ -13343,7 +11857,7 @@
             <p:spPr>
               <a:xfrm>
                 <a:off x="2709800" y="1079273"/>
-                <a:ext cx="1963294" cy="452945"/>
+                <a:ext cx="2857321" cy="482761"/>
               </a:xfrm>
               <a:prstGeom prst="rect">
                 <a:avLst/>
@@ -13399,6 +11913,25 @@
                                 </a:rPr>
                                 <m:t>𝜋</m:t>
                               </m:r>
+                              <m:d>
+                                <m:dPr>
+                                  <m:ctrlPr>
+                                    <a:rPr kumimoji="1" lang="en" altLang="ja-JP" i="1" smtClean="0">
+                                      <a:latin typeface="Cambria Math" panose="02040503050406030204" pitchFamily="18" charset="0"/>
+                                      <a:ea typeface="Cambria Math" panose="02040503050406030204" pitchFamily="18" charset="0"/>
+                                    </a:rPr>
+                                  </m:ctrlPr>
+                                </m:dPr>
+                                <m:e>
+                                  <m:r>
+                                    <a:rPr kumimoji="1" lang="en" altLang="ja-JP" i="1" smtClean="0">
+                                      <a:latin typeface="Cambria Math" panose="02040503050406030204" pitchFamily="18" charset="0"/>
+                                      <a:ea typeface="Cambria Math" panose="02040503050406030204" pitchFamily="18" charset="0"/>
+                                    </a:rPr>
+                                    <m:t>∙</m:t>
+                                  </m:r>
+                                </m:e>
+                              </m:d>
                             </m:lim>
                           </m:limLow>
                         </m:fName>
@@ -13466,64 +11999,116 @@
                               </m:sSub>
                             </m:sub>
                           </m:sSub>
-                          <m:r>
-                            <a:rPr kumimoji="1" lang="en-US" altLang="ja-JP" b="0" i="1" smtClean="0">
-                              <a:latin typeface="Cambria Math" panose="02040503050406030204" pitchFamily="18" charset="0"/>
-                              <a:ea typeface="Cambria Math" panose="02040503050406030204" pitchFamily="18" charset="0"/>
-                            </a:rPr>
-                            <m:t>[</m:t>
-                          </m:r>
-                          <m:sSup>
-                            <m:sSupPr>
+                          <m:d>
+                            <m:dPr>
+                              <m:begChr m:val="["/>
+                              <m:endChr m:val="]"/>
                               <m:ctrlPr>
                                 <a:rPr kumimoji="1" lang="en-US" altLang="ja-JP" b="0" i="1" smtClean="0">
                                   <a:latin typeface="Cambria Math" panose="02040503050406030204" pitchFamily="18" charset="0"/>
                                   <a:ea typeface="Cambria Math" panose="02040503050406030204" pitchFamily="18" charset="0"/>
                                 </a:rPr>
                               </m:ctrlPr>
-                            </m:sSupPr>
+                            </m:dPr>
                             <m:e>
-                              <m:r>
-                                <a:rPr kumimoji="1" lang="en-US" altLang="ja-JP" b="0" i="1" smtClean="0">
-                                  <a:latin typeface="Cambria Math" panose="02040503050406030204" pitchFamily="18" charset="0"/>
-                                  <a:ea typeface="Cambria Math" panose="02040503050406030204" pitchFamily="18" charset="0"/>
-                                </a:rPr>
-                                <m:t>𝑉</m:t>
-                              </m:r>
+                              <m:sSup>
+                                <m:sSupPr>
+                                  <m:ctrlPr>
+                                    <a:rPr kumimoji="1" lang="en-US" altLang="ja-JP" b="0" i="1" smtClean="0">
+                                      <a:latin typeface="Cambria Math" panose="02040503050406030204" pitchFamily="18" charset="0"/>
+                                      <a:ea typeface="Cambria Math" panose="02040503050406030204" pitchFamily="18" charset="0"/>
+                                    </a:rPr>
+                                  </m:ctrlPr>
+                                </m:sSupPr>
+                                <m:e>
+                                  <m:r>
+                                    <a:rPr kumimoji="1" lang="en-US" altLang="ja-JP" b="0" i="1" smtClean="0">
+                                      <a:latin typeface="Cambria Math" panose="02040503050406030204" pitchFamily="18" charset="0"/>
+                                      <a:ea typeface="Cambria Math" panose="02040503050406030204" pitchFamily="18" charset="0"/>
+                                    </a:rPr>
+                                    <m:t>𝑉</m:t>
+                                  </m:r>
+                                </m:e>
+                                <m:sup>
+                                  <m:r>
+                                    <a:rPr kumimoji="1" lang="en-US" altLang="ja-JP" b="0" i="1" smtClean="0">
+                                      <a:latin typeface="Cambria Math" panose="02040503050406030204" pitchFamily="18" charset="0"/>
+                                      <a:ea typeface="Cambria Math" panose="02040503050406030204" pitchFamily="18" charset="0"/>
+                                    </a:rPr>
+                                    <m:t>𝜋</m:t>
+                                  </m:r>
+                                </m:sup>
+                              </m:sSup>
+                              <m:d>
+                                <m:dPr>
+                                  <m:ctrlPr>
+                                    <a:rPr kumimoji="1" lang="en-US" altLang="ja-JP" b="0" i="1" smtClean="0">
+                                      <a:latin typeface="Cambria Math" panose="02040503050406030204" pitchFamily="18" charset="0"/>
+                                      <a:ea typeface="Cambria Math" panose="02040503050406030204" pitchFamily="18" charset="0"/>
+                                    </a:rPr>
+                                  </m:ctrlPr>
+                                </m:dPr>
+                                <m:e>
+                                  <m:r>
+                                    <a:rPr kumimoji="1" lang="en-US" altLang="ja-JP" b="0" i="1" smtClean="0">
+                                      <a:latin typeface="Cambria Math" panose="02040503050406030204" pitchFamily="18" charset="0"/>
+                                      <a:ea typeface="Cambria Math" panose="02040503050406030204" pitchFamily="18" charset="0"/>
+                                    </a:rPr>
+                                    <m:t>𝑠</m:t>
+                                  </m:r>
+                                </m:e>
+                              </m:d>
                             </m:e>
-                            <m:sup>
-                              <m:r>
-                                <a:rPr kumimoji="1" lang="en-US" altLang="ja-JP" b="0" i="1" smtClean="0">
-                                  <a:latin typeface="Cambria Math" panose="02040503050406030204" pitchFamily="18" charset="0"/>
-                                  <a:ea typeface="Cambria Math" panose="02040503050406030204" pitchFamily="18" charset="0"/>
-                                </a:rPr>
-                                <m:t>𝜋</m:t>
-                              </m:r>
-                            </m:sup>
-                          </m:sSup>
+                          </m:d>
+                        </m:e>
+                      </m:func>
+                      <m:r>
+                        <a:rPr kumimoji="1" lang="en-US" altLang="ja-JP" b="0" i="1" smtClean="0">
+                          <a:latin typeface="Cambria Math" panose="02040503050406030204" pitchFamily="18" charset="0"/>
+                          <a:ea typeface="Cambria Math" panose="02040503050406030204" pitchFamily="18" charset="0"/>
+                        </a:rPr>
+                        <m:t>(</m:t>
+                      </m:r>
+                      <m:r>
+                        <a:rPr kumimoji="1" lang="en-US" altLang="ja-JP" i="1">
+                          <a:latin typeface="Cambria Math" panose="02040503050406030204" pitchFamily="18" charset="0"/>
+                          <a:ea typeface="Cambria Math" panose="02040503050406030204" pitchFamily="18" charset="0"/>
+                        </a:rPr>
+                        <m:t>=</m:t>
+                      </m:r>
+                      <m:r>
+                        <a:rPr kumimoji="1" lang="en-US" altLang="ja-JP" i="1">
+                          <a:latin typeface="Cambria Math" panose="02040503050406030204" pitchFamily="18" charset="0"/>
+                          <a:ea typeface="Cambria Math" panose="02040503050406030204" pitchFamily="18" charset="0"/>
+                        </a:rPr>
+                        <m:t>𝐽</m:t>
+                      </m:r>
+                      <m:d>
+                        <m:dPr>
+                          <m:ctrlPr>
+                            <a:rPr kumimoji="1" lang="en-US" altLang="ja-JP" i="1">
+                              <a:latin typeface="Cambria Math" panose="02040503050406030204" pitchFamily="18" charset="0"/>
+                              <a:ea typeface="Cambria Math" panose="02040503050406030204" pitchFamily="18" charset="0"/>
+                            </a:rPr>
+                          </m:ctrlPr>
+                        </m:dPr>
+                        <m:e>
                           <m:r>
-                            <a:rPr kumimoji="1" lang="en-US" altLang="ja-JP" b="0" i="1" smtClean="0">
+                            <a:rPr kumimoji="1" lang="en-US" altLang="ja-JP" i="1">
                               <a:latin typeface="Cambria Math" panose="02040503050406030204" pitchFamily="18" charset="0"/>
                               <a:ea typeface="Cambria Math" panose="02040503050406030204" pitchFamily="18" charset="0"/>
                             </a:rPr>
-                            <m:t>(</m:t>
-                          </m:r>
-                          <m:r>
-                            <a:rPr kumimoji="1" lang="en-US" altLang="ja-JP" b="0" i="1" smtClean="0">
-                              <a:latin typeface="Cambria Math" panose="02040503050406030204" pitchFamily="18" charset="0"/>
-                              <a:ea typeface="Cambria Math" panose="02040503050406030204" pitchFamily="18" charset="0"/>
-                            </a:rPr>
-                            <m:t>𝑠</m:t>
-                          </m:r>
-                          <m:r>
-                            <a:rPr kumimoji="1" lang="en-US" altLang="ja-JP" b="0" i="1" smtClean="0">
-                              <a:latin typeface="Cambria Math" panose="02040503050406030204" pitchFamily="18" charset="0"/>
-                              <a:ea typeface="Cambria Math" panose="02040503050406030204" pitchFamily="18" charset="0"/>
-                            </a:rPr>
-                            <m:t>)]</m:t>
+                            <m:t>𝜋</m:t>
                           </m:r>
                         </m:e>
-                      </m:func>
+                      </m:d>
+                      <m:r>
+                        <a:rPr kumimoji="1" lang="en-US" altLang="ja-JP" b="0" i="1" smtClean="0">
+                          <a:latin typeface="Cambria Math" panose="02040503050406030204" pitchFamily="18" charset="0"/>
+                          <a:ea typeface="Cambria Math" panose="02040503050406030204" pitchFamily="18" charset="0"/>
+                        </a:rPr>
+                        <m:t>)</m:t>
+                      </m:r>
                     </m:oMath>
                   </m:oMathPara>
                 </a14:m>
@@ -13552,7 +12137,7 @@
             <p:spPr>
               <a:xfrm>
                 <a:off x="2709800" y="1079273"/>
-                <a:ext cx="1963294" cy="452945"/>
+                <a:ext cx="2857321" cy="482761"/>
               </a:xfrm>
               <a:prstGeom prst="rect">
                 <a:avLst/>
@@ -14169,16 +12754,34 @@
                               </m:r>
                             </m:e>
                             <m:sub>
-                              <m:r>
-                                <a:rPr lang="en-US" altLang="ja-JP" i="1" smtClean="0">
-                                  <a:solidFill>
-                                    <a:srgbClr val="FF0000"/>
-                                  </a:solidFill>
-                                  <a:latin typeface="Cambria Math" panose="02040503050406030204" pitchFamily="18" charset="0"/>
-                                  <a:ea typeface="Cambria Math" panose="02040503050406030204" pitchFamily="18" charset="0"/>
-                                </a:rPr>
-                                <m:t>𝑤</m:t>
-                              </m:r>
+                              <m:sSup>
+                                <m:sSupPr>
+                                  <m:ctrlPr>
+                                    <a:rPr lang="en-US" altLang="ja-JP" i="1">
+                                      <a:latin typeface="Cambria Math" panose="02040503050406030204" pitchFamily="18" charset="0"/>
+                                      <a:ea typeface="Cambria Math" panose="02040503050406030204" pitchFamily="18" charset="0"/>
+                                    </a:rPr>
+                                  </m:ctrlPr>
+                                </m:sSupPr>
+                                <m:e>
+                                  <m:r>
+                                    <a:rPr lang="en-US" altLang="ja-JP" i="1">
+                                      <a:latin typeface="Cambria Math" panose="02040503050406030204" pitchFamily="18" charset="0"/>
+                                      <a:ea typeface="Cambria Math" panose="02040503050406030204" pitchFamily="18" charset="0"/>
+                                    </a:rPr>
+                                    <m:t>𝑠</m:t>
+                                  </m:r>
+                                </m:e>
+                                <m:sup>
+                                  <m:r>
+                                    <a:rPr lang="en-US" altLang="ja-JP" i="1">
+                                      <a:latin typeface="Cambria Math" panose="02040503050406030204" pitchFamily="18" charset="0"/>
+                                      <a:ea typeface="Cambria Math" panose="02040503050406030204" pitchFamily="18" charset="0"/>
+                                    </a:rPr>
+                                    <m:t>′</m:t>
+                                  </m:r>
+                                </m:sup>
+                              </m:sSup>
                             </m:sub>
                           </m:sSub>
                           <m:r>
@@ -14499,7 +13102,7 @@
           <a:p>
             <a:fld id="{5D57FD6B-29A3-3249-A29F-ABF600A8FF13}" type="slidenum">
               <a:rPr kumimoji="1" lang="ja-JP" altLang="en-US" smtClean="0"/>
-              <a:t>3</a:t>
+              <a:t>1</a:t>
             </a:fld>
             <a:r>
               <a:rPr kumimoji="1" lang="en-US" altLang="ja-JP"/>
@@ -14509,6 +13112,108 @@
           </a:p>
         </p:txBody>
       </p:sp>
+      <mc:AlternateContent xmlns:mc="http://schemas.openxmlformats.org/markup-compatibility/2006" xmlns:a14="http://schemas.microsoft.com/office/drawing/2010/main">
+        <mc:Choice Requires="a14">
+          <p:sp>
+            <p:nvSpPr>
+              <p:cNvPr id="10" name="テキスト ボックス 9">
+                <a:extLst>
+                  <a:ext uri="{FF2B5EF4-FFF2-40B4-BE49-F238E27FC236}">
+                    <a16:creationId xmlns:a16="http://schemas.microsoft.com/office/drawing/2014/main" id="{2AE80320-CF26-B541-8B56-210D07A5F724}"/>
+                  </a:ext>
+                </a:extLst>
+              </p:cNvPr>
+              <p:cNvSpPr txBox="1"/>
+              <p:nvPr/>
+            </p:nvSpPr>
+            <p:spPr>
+              <a:xfrm>
+                <a:off x="6324291" y="3173905"/>
+                <a:ext cx="1532086" cy="369332"/>
+              </a:xfrm>
+              <a:prstGeom prst="rect">
+                <a:avLst/>
+              </a:prstGeom>
+              <a:noFill/>
+            </p:spPr>
+            <p:txBody>
+              <a:bodyPr wrap="none" rtlCol="0">
+                <a:spAutoFit/>
+              </a:bodyPr>
+              <a:lstStyle/>
+              <a:p>
+                <a:pPr algn="l"/>
+                <a14:m>
+                  <m:oMath xmlns:m="http://schemas.openxmlformats.org/officeDocument/2006/math">
+                    <m:r>
+                      <a:rPr kumimoji="1" lang="en-US" altLang="ja-JP" b="0" i="1" smtClean="0">
+                        <a:latin typeface="Cambria Math" panose="02040503050406030204" pitchFamily="18" charset="0"/>
+                      </a:rPr>
+                      <m:t>𝑖</m:t>
+                    </m:r>
+                  </m:oMath>
+                </a14:m>
+                <a:r>
+                  <a:rPr kumimoji="1" lang="en-US" altLang="ja-JP" dirty="0">
+                    <a:latin typeface="Cambria" panose="02040503050406030204" pitchFamily="18" charset="0"/>
+                  </a:rPr>
+                  <a:t>: </a:t>
+                </a:r>
+                <a:r>
+                  <a:rPr kumimoji="1" lang="ja-JP" altLang="en-US">
+                    <a:latin typeface="Cambria" panose="02040503050406030204" pitchFamily="18" charset="0"/>
+                  </a:rPr>
+                  <a:t>ステップ数</a:t>
+                </a:r>
+              </a:p>
+            </p:txBody>
+          </p:sp>
+        </mc:Choice>
+        <mc:Fallback xmlns="">
+          <p:sp>
+            <p:nvSpPr>
+              <p:cNvPr id="10" name="テキスト ボックス 9">
+                <a:extLst>
+                  <a:ext uri="{FF2B5EF4-FFF2-40B4-BE49-F238E27FC236}">
+                    <a16:creationId xmlns:a16="http://schemas.microsoft.com/office/drawing/2014/main" id="{2AE80320-CF26-B541-8B56-210D07A5F724}"/>
+                  </a:ext>
+                </a:extLst>
+              </p:cNvPr>
+              <p:cNvSpPr txBox="1">
+                <a:spLocks noRot="1" noChangeAspect="1" noMove="1" noResize="1" noEditPoints="1" noAdjustHandles="1" noChangeArrowheads="1" noChangeShapeType="1" noTextEdit="1"/>
+              </p:cNvSpPr>
+              <p:nvPr/>
+            </p:nvSpPr>
+            <p:spPr>
+              <a:xfrm>
+                <a:off x="6324291" y="3173905"/>
+                <a:ext cx="1532086" cy="369332"/>
+              </a:xfrm>
+              <a:prstGeom prst="rect">
+                <a:avLst/>
+              </a:prstGeom>
+              <a:blipFill>
+                <a:blip r:embed="rId6"/>
+                <a:stretch>
+                  <a:fillRect t="-10000" r="-1639" b="-23333"/>
+                </a:stretch>
+              </a:blipFill>
+            </p:spPr>
+            <p:txBody>
+              <a:bodyPr/>
+              <a:lstStyle/>
+              <a:p>
+                <a:r>
+                  <a:rPr lang="ja-JP" altLang="en-US">
+                    <a:noFill/>
+                  </a:rPr>
+                  <a:t> </a:t>
+                </a:r>
+              </a:p>
+            </p:txBody>
+          </p:sp>
+        </mc:Fallback>
+      </mc:AlternateContent>
     </p:spTree>
     <p:extLst>
       <p:ext uri="{BB962C8B-B14F-4D97-AF65-F5344CB8AC3E}">
@@ -14522,7 +13227,7 @@
 </p:sld>
 </file>
 
-<file path=ppt/slides/slide5.xml><?xml version="1.0" encoding="utf-8"?>
+<file path=ppt/slides/slide3.xml><?xml version="1.0" encoding="utf-8"?>
 <p:sld xmlns:a="http://schemas.openxmlformats.org/drawingml/2006/main" xmlns:r="http://schemas.openxmlformats.org/officeDocument/2006/relationships" xmlns:p="http://schemas.openxmlformats.org/presentationml/2006/main">
   <p:cSld>
     <p:spTree>
@@ -14592,7 +13297,7 @@
                 </a14:m>
                 <a:r>
                   <a:rPr kumimoji="1" lang="ja-JP" altLang="en-US"/>
-                  <a:t>でパラメトライズ</a:t>
+                  <a:t>をもつニューラルネットワークで表現</a:t>
                 </a:r>
                 <a:endParaRPr kumimoji="1" lang="en-US" altLang="ja-JP" dirty="0"/>
               </a:p>
@@ -14602,7 +13307,60 @@
               <a:p>
                 <a:r>
                   <a:rPr kumimoji="1" lang="ja-JP" altLang="en-US"/>
-                  <a:t>評価関数の</a:t>
+                  <a:t>評価関数</a:t>
+                </a:r>
+                <a14:m>
+                  <m:oMath xmlns:m="http://schemas.openxmlformats.org/officeDocument/2006/math">
+                    <m:r>
+                      <a:rPr kumimoji="1" lang="en-US" altLang="ja-JP" b="0" i="1" smtClean="0">
+                        <a:latin typeface="Cambria Math" panose="02040503050406030204" pitchFamily="18" charset="0"/>
+                      </a:rPr>
+                      <m:t>𝐽</m:t>
+                    </m:r>
+                    <m:r>
+                      <a:rPr kumimoji="1" lang="en-US" altLang="ja-JP" b="0" i="1" smtClean="0">
+                        <a:latin typeface="Cambria Math" panose="02040503050406030204" pitchFamily="18" charset="0"/>
+                      </a:rPr>
+                      <m:t>(</m:t>
+                    </m:r>
+                    <m:sSub>
+                      <m:sSubPr>
+                        <m:ctrlPr>
+                          <a:rPr lang="en-US" altLang="ja-JP" i="1">
+                            <a:latin typeface="Cambria Math" panose="02040503050406030204" pitchFamily="18" charset="0"/>
+                          </a:rPr>
+                        </m:ctrlPr>
+                      </m:sSubPr>
+                      <m:e>
+                        <m:r>
+                          <a:rPr lang="en-US" altLang="ja-JP" i="1">
+                            <a:latin typeface="Cambria Math" panose="02040503050406030204" pitchFamily="18" charset="0"/>
+                            <a:ea typeface="Cambria Math" panose="02040503050406030204" pitchFamily="18" charset="0"/>
+                          </a:rPr>
+                          <m:t>𝜋</m:t>
+                        </m:r>
+                      </m:e>
+                      <m:sub>
+                        <m:r>
+                          <a:rPr lang="en-US" altLang="ja-JP" i="1">
+                            <a:latin typeface="Cambria Math" panose="02040503050406030204" pitchFamily="18" charset="0"/>
+                            <a:ea typeface="Cambria Math" panose="02040503050406030204" pitchFamily="18" charset="0"/>
+                          </a:rPr>
+                          <m:t>𝜃</m:t>
+                        </m:r>
+                      </m:sub>
+                    </m:sSub>
+                    <m:r>
+                      <a:rPr kumimoji="1" lang="en-US" altLang="ja-JP" b="0" i="1" smtClean="0">
+                        <a:latin typeface="Cambria Math" panose="02040503050406030204" pitchFamily="18" charset="0"/>
+                      </a:rPr>
+                      <m:t>)</m:t>
+                    </m:r>
+                  </m:oMath>
+                </a14:m>
+                <a:r>
+                  <a:rPr kumimoji="1" lang="ja-JP" altLang="en-US"/>
+                  <a:t>の</a:t>
                 </a:r>
                 <a14:m>
                   <m:oMath xmlns:m="http://schemas.openxmlformats.org/officeDocument/2006/math">
@@ -14637,35 +13395,43 @@
                 <a:pPr lvl="1"/>
                 <a:r>
                   <a:rPr kumimoji="1" lang="ja-JP" altLang="en-US"/>
-                  <a:t>方策が</a:t>
+                  <a:t>方策</a:t>
+                </a:r>
+                <a:r>
+                  <a:rPr lang="ja-JP" altLang="en-US"/>
+                  <a:t>が状態</a:t>
                 </a:r>
                 <a14:m>
                   <m:oMath xmlns:m="http://schemas.openxmlformats.org/officeDocument/2006/math">
                     <m:r>
-                      <a:rPr kumimoji="1" lang="en-US" altLang="ja-JP" b="0" i="1" smtClean="0">
+                      <a:rPr lang="en-US" altLang="ja-JP" b="0" i="1" smtClean="0">
                         <a:latin typeface="Cambria Math" panose="02040503050406030204" pitchFamily="18" charset="0"/>
                       </a:rPr>
-                      <m:t>𝑆</m:t>
-                    </m:r>
-                    <m:r>
-                      <a:rPr kumimoji="1" lang="en-US" altLang="ja-JP" b="0" i="1" smtClean="0">
-                        <a:latin typeface="Cambria Math" panose="02040503050406030204" pitchFamily="18" charset="0"/>
-                        <a:ea typeface="Cambria Math" panose="02040503050406030204" pitchFamily="18" charset="0"/>
-                      </a:rPr>
-                      <m:t>→</m:t>
-                    </m:r>
-                    <m:r>
-                      <a:rPr kumimoji="1" lang="en-US" altLang="ja-JP" b="0" i="1" smtClean="0">
-                        <a:latin typeface="Cambria Math" panose="02040503050406030204" pitchFamily="18" charset="0"/>
-                        <a:ea typeface="Cambria Math" panose="02040503050406030204" pitchFamily="18" charset="0"/>
-                      </a:rPr>
-                      <m:t>𝐴</m:t>
+                      <m:t>𝑠</m:t>
                     </m:r>
                   </m:oMath>
                 </a14:m>
                 <a:r>
+                  <a:rPr lang="ja-JP" altLang="en-US"/>
+                  <a:t>から行動</a:t>
+                </a:r>
+                <a14:m>
+                  <m:oMath xmlns:m="http://schemas.openxmlformats.org/officeDocument/2006/math">
+                    <m:r>
+                      <a:rPr lang="en-US" altLang="ja-JP" b="0" i="1" smtClean="0">
+                        <a:latin typeface="Cambria Math" panose="02040503050406030204" pitchFamily="18" charset="0"/>
+                      </a:rPr>
+                      <m:t>𝑎</m:t>
+                    </m:r>
+                  </m:oMath>
+                </a14:m>
+                <a:r>
+                  <a:rPr lang="ja-JP" altLang="en-US"/>
+                  <a:t>へ</a:t>
+                </a:r>
+                <a:r>
                   <a:rPr kumimoji="1" lang="ja-JP" altLang="en-US"/>
-                  <a:t>の関数として用いられている場合の勾配</a:t>
+                  <a:t>の関数の場合の勾配</a:t>
                 </a:r>
               </a:p>
             </p:txBody>
@@ -14742,7 +13508,23 @@
             </a:r>
             <a:r>
               <a:rPr kumimoji="1" lang="ja-JP" altLang="en-US"/>
-              <a:t>方策勾配型強化学習</a:t>
+              <a:t>方策勾配型</a:t>
+            </a:r>
+            <a:r>
+              <a:rPr kumimoji="1" lang="en-US" altLang="ja-JP" dirty="0"/>
+              <a:t>(</a:t>
+            </a:r>
+            <a:r>
+              <a:rPr kumimoji="1" lang="ja-JP" altLang="en-US"/>
+              <a:t>深層</a:t>
+            </a:r>
+            <a:r>
+              <a:rPr kumimoji="1" lang="en-US" altLang="ja-JP" dirty="0"/>
+              <a:t>)</a:t>
+            </a:r>
+            <a:r>
+              <a:rPr kumimoji="1" lang="ja-JP" altLang="en-US"/>
+              <a:t>強化学習</a:t>
             </a:r>
           </a:p>
         </p:txBody>
@@ -15825,7 +14607,7 @@
           <a:p>
             <a:fld id="{5D57FD6B-29A3-3249-A29F-ABF600A8FF13}" type="slidenum">
               <a:rPr kumimoji="1" lang="ja-JP" altLang="en-US" smtClean="0"/>
-              <a:t>4</a:t>
+              <a:t>2</a:t>
             </a:fld>
             <a:r>
               <a:rPr kumimoji="1" lang="en-US" altLang="ja-JP"/>
@@ -15839,6 +14621,2792 @@
     <p:extLst>
       <p:ext uri="{BB962C8B-B14F-4D97-AF65-F5344CB8AC3E}">
         <p14:creationId xmlns:p14="http://schemas.microsoft.com/office/powerpoint/2010/main" val="189076941"/>
+      </p:ext>
+    </p:extLst>
+  </p:cSld>
+  <p:clrMapOvr>
+    <a:masterClrMapping/>
+  </p:clrMapOvr>
+</p:sld>
+</file>
+
+<file path=ppt/slides/slide4.xml><?xml version="1.0" encoding="utf-8"?>
+<p:sld xmlns:a="http://schemas.openxmlformats.org/drawingml/2006/main" xmlns:r="http://schemas.openxmlformats.org/officeDocument/2006/relationships" xmlns:p="http://schemas.openxmlformats.org/presentationml/2006/main">
+  <p:cSld>
+    <p:spTree>
+      <p:nvGrpSpPr>
+        <p:cNvPr id="1" name=""/>
+        <p:cNvGrpSpPr/>
+        <p:nvPr/>
+      </p:nvGrpSpPr>
+      <p:grpSpPr>
+        <a:xfrm>
+          <a:off x="0" y="0"/>
+          <a:ext cx="0" cy="0"/>
+          <a:chOff x="0" y="0"/>
+          <a:chExt cx="0" cy="0"/>
+        </a:xfrm>
+      </p:grpSpPr>
+      <p:sp>
+        <p:nvSpPr>
+          <p:cNvPr id="2" name="コンテンツ プレースホルダー 1">
+            <a:extLst>
+              <a:ext uri="{FF2B5EF4-FFF2-40B4-BE49-F238E27FC236}">
+                <a16:creationId xmlns:a16="http://schemas.microsoft.com/office/drawing/2014/main" id="{76B2B223-CE8F-8846-848C-1BB78CBAC14F}"/>
+              </a:ext>
+            </a:extLst>
+          </p:cNvPr>
+          <p:cNvSpPr>
+            <a:spLocks noGrp="1"/>
+          </p:cNvSpPr>
+          <p:nvPr>
+            <p:ph idx="1"/>
+          </p:nvPr>
+        </p:nvSpPr>
+        <p:spPr/>
+        <p:txBody>
+          <a:bodyPr/>
+          <a:lstStyle/>
+          <a:p>
+            <a:r>
+              <a:rPr kumimoji="1" lang="ja-JP" altLang="en-US"/>
+              <a:t>サンプル値制御</a:t>
+            </a:r>
+            <a:endParaRPr kumimoji="1" lang="en-US" altLang="ja-JP" dirty="0"/>
+          </a:p>
+          <a:p>
+            <a:pPr lvl="1"/>
+            <a:r>
+              <a:rPr lang="ja-JP" altLang="en-US"/>
+              <a:t>連続時間システムを一定時間間隔で制御する手法</a:t>
+            </a:r>
+            <a:endParaRPr lang="en-US" altLang="ja-JP" dirty="0"/>
+          </a:p>
+          <a:p>
+            <a:pPr lvl="1"/>
+            <a:r>
+              <a:rPr lang="ja-JP" altLang="en-US"/>
+              <a:t>各通信の間は</a:t>
+            </a:r>
+            <a:r>
+              <a:rPr lang="en-US" altLang="ja-JP" dirty="0"/>
+              <a:t>, </a:t>
+            </a:r>
+            <a:r>
+              <a:rPr lang="ja-JP" altLang="en-US"/>
+              <a:t>同じ入力を加え続ける</a:t>
+            </a:r>
+            <a:endParaRPr lang="en-US" altLang="ja-JP" dirty="0"/>
+          </a:p>
+          <a:p>
+            <a:pPr lvl="1"/>
+            <a:r>
+              <a:rPr kumimoji="1" lang="ja-JP" altLang="en-US"/>
+              <a:t>制御入力の変更が小さい場合は非効率な通信を行うことになる</a:t>
+            </a:r>
+            <a:endParaRPr kumimoji="1" lang="en-US" altLang="ja-JP" dirty="0"/>
+          </a:p>
+          <a:p>
+            <a:pPr lvl="1"/>
+            <a:endParaRPr lang="en-US" altLang="ja-JP" dirty="0"/>
+          </a:p>
+          <a:p>
+            <a:pPr lvl="1"/>
+            <a:endParaRPr lang="en-US" altLang="ja-JP" dirty="0"/>
+          </a:p>
+          <a:p>
+            <a:r>
+              <a:rPr kumimoji="1" lang="ja-JP" altLang="en-US"/>
+              <a:t>セルフトリガー制御</a:t>
+            </a:r>
+            <a:endParaRPr kumimoji="1" lang="en-US" altLang="ja-JP" dirty="0"/>
+          </a:p>
+          <a:p>
+            <a:pPr lvl="1"/>
+            <a:r>
+              <a:rPr lang="ja-JP" altLang="en-US"/>
+              <a:t>システムの状態などから</a:t>
+            </a:r>
+            <a:r>
+              <a:rPr lang="en-US" altLang="ja-JP" dirty="0"/>
+              <a:t>, </a:t>
+            </a:r>
+            <a:r>
+              <a:rPr lang="ja-JP" altLang="en-US"/>
+              <a:t>次の通信時刻を制御器が臨機応変に決定</a:t>
+            </a:r>
+            <a:endParaRPr lang="en-US" altLang="ja-JP" dirty="0"/>
+          </a:p>
+        </p:txBody>
+      </p:sp>
+      <p:sp>
+        <p:nvSpPr>
+          <p:cNvPr id="3" name="タイトル 2">
+            <a:extLst>
+              <a:ext uri="{FF2B5EF4-FFF2-40B4-BE49-F238E27FC236}">
+                <a16:creationId xmlns:a16="http://schemas.microsoft.com/office/drawing/2014/main" id="{549EDECA-2604-D043-9787-B4924C05939E}"/>
+              </a:ext>
+            </a:extLst>
+          </p:cNvPr>
+          <p:cNvSpPr>
+            <a:spLocks noGrp="1"/>
+          </p:cNvSpPr>
+          <p:nvPr>
+            <p:ph type="title"/>
+          </p:nvPr>
+        </p:nvSpPr>
+        <p:spPr/>
+        <p:txBody>
+          <a:bodyPr/>
+          <a:lstStyle/>
+          <a:p>
+            <a:r>
+              <a:rPr lang="ja-JP" altLang="en-US"/>
+              <a:t>イントロダクション</a:t>
+            </a:r>
+            <a:endParaRPr kumimoji="1" lang="ja-JP" altLang="en-US"/>
+          </a:p>
+        </p:txBody>
+      </p:sp>
+      <p:sp>
+        <p:nvSpPr>
+          <p:cNvPr id="4" name="日付プレースホルダー 3">
+            <a:extLst>
+              <a:ext uri="{FF2B5EF4-FFF2-40B4-BE49-F238E27FC236}">
+                <a16:creationId xmlns:a16="http://schemas.microsoft.com/office/drawing/2014/main" id="{8F81DB70-B961-3547-A182-D78CE2E9807E}"/>
+              </a:ext>
+            </a:extLst>
+          </p:cNvPr>
+          <p:cNvSpPr>
+            <a:spLocks noGrp="1"/>
+          </p:cNvSpPr>
+          <p:nvPr>
+            <p:ph type="dt" sz="half" idx="10"/>
+          </p:nvPr>
+        </p:nvSpPr>
+        <p:spPr/>
+        <p:txBody>
+          <a:bodyPr/>
+          <a:lstStyle/>
+          <a:p>
+            <a:r>
+              <a:rPr kumimoji="1" lang="en-US" altLang="ja-JP"/>
+              <a:t>2021/2/9</a:t>
+            </a:r>
+            <a:endParaRPr kumimoji="1" lang="ja-JP" altLang="en-US"/>
+          </a:p>
+        </p:txBody>
+      </p:sp>
+      <p:sp>
+        <p:nvSpPr>
+          <p:cNvPr id="5" name="スライド番号プレースホルダー 4">
+            <a:extLst>
+              <a:ext uri="{FF2B5EF4-FFF2-40B4-BE49-F238E27FC236}">
+                <a16:creationId xmlns:a16="http://schemas.microsoft.com/office/drawing/2014/main" id="{82E27B78-ACC0-1C48-9487-C8FC368090A3}"/>
+              </a:ext>
+            </a:extLst>
+          </p:cNvPr>
+          <p:cNvSpPr>
+            <a:spLocks noGrp="1"/>
+          </p:cNvSpPr>
+          <p:nvPr>
+            <p:ph type="sldNum" sz="quarter" idx="12"/>
+          </p:nvPr>
+        </p:nvSpPr>
+        <p:spPr/>
+        <p:txBody>
+          <a:bodyPr/>
+          <a:lstStyle/>
+          <a:p>
+            <a:fld id="{5D57FD6B-29A3-3249-A29F-ABF600A8FF13}" type="slidenum">
+              <a:rPr kumimoji="1" lang="ja-JP" altLang="en-US" smtClean="0"/>
+              <a:t>3</a:t>
+            </a:fld>
+            <a:r>
+              <a:rPr kumimoji="1" lang="en-US" altLang="ja-JP"/>
+              <a:t>/14</a:t>
+            </a:r>
+            <a:endParaRPr kumimoji="1" lang="en-US" altLang="ja-JP" dirty="0"/>
+          </a:p>
+        </p:txBody>
+      </p:sp>
+      <p:cxnSp>
+        <p:nvCxnSpPr>
+          <p:cNvPr id="6" name="直線矢印コネクタ 5">
+            <a:extLst>
+              <a:ext uri="{FF2B5EF4-FFF2-40B4-BE49-F238E27FC236}">
+                <a16:creationId xmlns:a16="http://schemas.microsoft.com/office/drawing/2014/main" id="{CDC6B868-9510-A144-8307-CF7EF75ED112}"/>
+              </a:ext>
+            </a:extLst>
+          </p:cNvPr>
+          <p:cNvCxnSpPr>
+            <a:cxnSpLocks/>
+          </p:cNvCxnSpPr>
+          <p:nvPr/>
+        </p:nvCxnSpPr>
+        <p:spPr>
+          <a:xfrm>
+            <a:off x="2011680" y="5649218"/>
+            <a:ext cx="6811495" cy="0"/>
+          </a:xfrm>
+          <a:prstGeom prst="straightConnector1">
+            <a:avLst/>
+          </a:prstGeom>
+          <a:ln>
+            <a:tailEnd type="triangle"/>
+          </a:ln>
+        </p:spPr>
+        <p:style>
+          <a:lnRef idx="1">
+            <a:schemeClr val="dk1"/>
+          </a:lnRef>
+          <a:fillRef idx="0">
+            <a:schemeClr val="dk1"/>
+          </a:fillRef>
+          <a:effectRef idx="0">
+            <a:schemeClr val="dk1"/>
+          </a:effectRef>
+          <a:fontRef idx="minor">
+            <a:schemeClr val="tx1"/>
+          </a:fontRef>
+        </p:style>
+      </p:cxnSp>
+      <p:cxnSp>
+        <p:nvCxnSpPr>
+          <p:cNvPr id="9" name="直線矢印コネクタ 8">
+            <a:extLst>
+              <a:ext uri="{FF2B5EF4-FFF2-40B4-BE49-F238E27FC236}">
+                <a16:creationId xmlns:a16="http://schemas.microsoft.com/office/drawing/2014/main" id="{6989433F-6D4B-C842-BD64-FF9510EE5CDF}"/>
+              </a:ext>
+            </a:extLst>
+          </p:cNvPr>
+          <p:cNvCxnSpPr>
+            <a:cxnSpLocks/>
+          </p:cNvCxnSpPr>
+          <p:nvPr/>
+        </p:nvCxnSpPr>
+        <p:spPr>
+          <a:xfrm flipV="1">
+            <a:off x="2011680" y="4851592"/>
+            <a:ext cx="6811495" cy="4104"/>
+          </a:xfrm>
+          <a:prstGeom prst="straightConnector1">
+            <a:avLst/>
+          </a:prstGeom>
+          <a:ln>
+            <a:tailEnd type="triangle"/>
+          </a:ln>
+        </p:spPr>
+        <p:style>
+          <a:lnRef idx="1">
+            <a:schemeClr val="dk1"/>
+          </a:lnRef>
+          <a:fillRef idx="0">
+            <a:schemeClr val="dk1"/>
+          </a:fillRef>
+          <a:effectRef idx="0">
+            <a:schemeClr val="dk1"/>
+          </a:effectRef>
+          <a:fontRef idx="minor">
+            <a:schemeClr val="tx1"/>
+          </a:fontRef>
+        </p:style>
+      </p:cxnSp>
+      <p:sp>
+        <p:nvSpPr>
+          <p:cNvPr id="13" name="円/楕円 12">
+            <a:extLst>
+              <a:ext uri="{FF2B5EF4-FFF2-40B4-BE49-F238E27FC236}">
+                <a16:creationId xmlns:a16="http://schemas.microsoft.com/office/drawing/2014/main" id="{335F78D4-27F0-4E4D-A559-B09E7A7A952A}"/>
+              </a:ext>
+            </a:extLst>
+          </p:cNvPr>
+          <p:cNvSpPr/>
+          <p:nvPr/>
+        </p:nvSpPr>
+        <p:spPr>
+          <a:xfrm>
+            <a:off x="2164773" y="4811928"/>
+            <a:ext cx="91440" cy="91440"/>
+          </a:xfrm>
+          <a:prstGeom prst="ellipse">
+            <a:avLst/>
+          </a:prstGeom>
+        </p:spPr>
+        <p:style>
+          <a:lnRef idx="2">
+            <a:schemeClr val="accent1">
+              <a:shade val="50000"/>
+            </a:schemeClr>
+          </a:lnRef>
+          <a:fillRef idx="1">
+            <a:schemeClr val="accent1"/>
+          </a:fillRef>
+          <a:effectRef idx="0">
+            <a:schemeClr val="accent1"/>
+          </a:effectRef>
+          <a:fontRef idx="minor">
+            <a:schemeClr val="lt1"/>
+          </a:fontRef>
+        </p:style>
+        <p:txBody>
+          <a:bodyPr rtlCol="0" anchor="ctr"/>
+          <a:lstStyle/>
+          <a:p>
+            <a:pPr algn="ctr"/>
+            <a:endParaRPr kumimoji="1" lang="ja-JP" altLang="en-US"/>
+          </a:p>
+        </p:txBody>
+      </p:sp>
+      <p:sp>
+        <p:nvSpPr>
+          <p:cNvPr id="14" name="円/楕円 13">
+            <a:extLst>
+              <a:ext uri="{FF2B5EF4-FFF2-40B4-BE49-F238E27FC236}">
+                <a16:creationId xmlns:a16="http://schemas.microsoft.com/office/drawing/2014/main" id="{8EFD278E-9AE2-BA42-8D98-1DB75C360A45}"/>
+              </a:ext>
+            </a:extLst>
+          </p:cNvPr>
+          <p:cNvSpPr/>
+          <p:nvPr/>
+        </p:nvSpPr>
+        <p:spPr>
+          <a:xfrm>
+            <a:off x="2547748" y="4805872"/>
+            <a:ext cx="91440" cy="91440"/>
+          </a:xfrm>
+          <a:prstGeom prst="ellipse">
+            <a:avLst/>
+          </a:prstGeom>
+        </p:spPr>
+        <p:style>
+          <a:lnRef idx="2">
+            <a:schemeClr val="accent1">
+              <a:shade val="50000"/>
+            </a:schemeClr>
+          </a:lnRef>
+          <a:fillRef idx="1">
+            <a:schemeClr val="accent1"/>
+          </a:fillRef>
+          <a:effectRef idx="0">
+            <a:schemeClr val="accent1"/>
+          </a:effectRef>
+          <a:fontRef idx="minor">
+            <a:schemeClr val="lt1"/>
+          </a:fontRef>
+        </p:style>
+        <p:txBody>
+          <a:bodyPr rtlCol="0" anchor="ctr"/>
+          <a:lstStyle/>
+          <a:p>
+            <a:pPr algn="ctr"/>
+            <a:endParaRPr kumimoji="1" lang="ja-JP" altLang="en-US"/>
+          </a:p>
+        </p:txBody>
+      </p:sp>
+      <p:sp>
+        <p:nvSpPr>
+          <p:cNvPr id="15" name="円/楕円 14">
+            <a:extLst>
+              <a:ext uri="{FF2B5EF4-FFF2-40B4-BE49-F238E27FC236}">
+                <a16:creationId xmlns:a16="http://schemas.microsoft.com/office/drawing/2014/main" id="{E6FB6A2B-A7D5-B049-B6CF-DEF6361869F7}"/>
+              </a:ext>
+            </a:extLst>
+          </p:cNvPr>
+          <p:cNvSpPr/>
+          <p:nvPr/>
+        </p:nvSpPr>
+        <p:spPr>
+          <a:xfrm>
+            <a:off x="2930723" y="4805872"/>
+            <a:ext cx="91440" cy="91440"/>
+          </a:xfrm>
+          <a:prstGeom prst="ellipse">
+            <a:avLst/>
+          </a:prstGeom>
+        </p:spPr>
+        <p:style>
+          <a:lnRef idx="2">
+            <a:schemeClr val="accent1">
+              <a:shade val="50000"/>
+            </a:schemeClr>
+          </a:lnRef>
+          <a:fillRef idx="1">
+            <a:schemeClr val="accent1"/>
+          </a:fillRef>
+          <a:effectRef idx="0">
+            <a:schemeClr val="accent1"/>
+          </a:effectRef>
+          <a:fontRef idx="minor">
+            <a:schemeClr val="lt1"/>
+          </a:fontRef>
+        </p:style>
+        <p:txBody>
+          <a:bodyPr rtlCol="0" anchor="ctr"/>
+          <a:lstStyle/>
+          <a:p>
+            <a:pPr algn="ctr"/>
+            <a:endParaRPr kumimoji="1" lang="ja-JP" altLang="en-US"/>
+          </a:p>
+        </p:txBody>
+      </p:sp>
+      <p:sp>
+        <p:nvSpPr>
+          <p:cNvPr id="16" name="円/楕円 15">
+            <a:extLst>
+              <a:ext uri="{FF2B5EF4-FFF2-40B4-BE49-F238E27FC236}">
+                <a16:creationId xmlns:a16="http://schemas.microsoft.com/office/drawing/2014/main" id="{BA265419-2CA6-8544-8DF4-E1CB32A5528C}"/>
+              </a:ext>
+            </a:extLst>
+          </p:cNvPr>
+          <p:cNvSpPr/>
+          <p:nvPr/>
+        </p:nvSpPr>
+        <p:spPr>
+          <a:xfrm>
+            <a:off x="3313698" y="4805872"/>
+            <a:ext cx="91440" cy="91440"/>
+          </a:xfrm>
+          <a:prstGeom prst="ellipse">
+            <a:avLst/>
+          </a:prstGeom>
+        </p:spPr>
+        <p:style>
+          <a:lnRef idx="2">
+            <a:schemeClr val="accent1">
+              <a:shade val="50000"/>
+            </a:schemeClr>
+          </a:lnRef>
+          <a:fillRef idx="1">
+            <a:schemeClr val="accent1"/>
+          </a:fillRef>
+          <a:effectRef idx="0">
+            <a:schemeClr val="accent1"/>
+          </a:effectRef>
+          <a:fontRef idx="minor">
+            <a:schemeClr val="lt1"/>
+          </a:fontRef>
+        </p:style>
+        <p:txBody>
+          <a:bodyPr rtlCol="0" anchor="ctr"/>
+          <a:lstStyle/>
+          <a:p>
+            <a:pPr algn="ctr"/>
+            <a:endParaRPr kumimoji="1" lang="ja-JP" altLang="en-US"/>
+          </a:p>
+        </p:txBody>
+      </p:sp>
+      <p:sp>
+        <p:nvSpPr>
+          <p:cNvPr id="17" name="円/楕円 16">
+            <a:extLst>
+              <a:ext uri="{FF2B5EF4-FFF2-40B4-BE49-F238E27FC236}">
+                <a16:creationId xmlns:a16="http://schemas.microsoft.com/office/drawing/2014/main" id="{9A28677F-E10A-F640-B729-CBFB7E702827}"/>
+              </a:ext>
+            </a:extLst>
+          </p:cNvPr>
+          <p:cNvSpPr/>
+          <p:nvPr/>
+        </p:nvSpPr>
+        <p:spPr>
+          <a:xfrm>
+            <a:off x="3699556" y="4805872"/>
+            <a:ext cx="91440" cy="91440"/>
+          </a:xfrm>
+          <a:prstGeom prst="ellipse">
+            <a:avLst/>
+          </a:prstGeom>
+        </p:spPr>
+        <p:style>
+          <a:lnRef idx="2">
+            <a:schemeClr val="accent1">
+              <a:shade val="50000"/>
+            </a:schemeClr>
+          </a:lnRef>
+          <a:fillRef idx="1">
+            <a:schemeClr val="accent1"/>
+          </a:fillRef>
+          <a:effectRef idx="0">
+            <a:schemeClr val="accent1"/>
+          </a:effectRef>
+          <a:fontRef idx="minor">
+            <a:schemeClr val="lt1"/>
+          </a:fontRef>
+        </p:style>
+        <p:txBody>
+          <a:bodyPr rtlCol="0" anchor="ctr"/>
+          <a:lstStyle/>
+          <a:p>
+            <a:pPr algn="ctr"/>
+            <a:endParaRPr kumimoji="1" lang="ja-JP" altLang="en-US"/>
+          </a:p>
+        </p:txBody>
+      </p:sp>
+      <p:sp>
+        <p:nvSpPr>
+          <p:cNvPr id="18" name="円/楕円 17">
+            <a:extLst>
+              <a:ext uri="{FF2B5EF4-FFF2-40B4-BE49-F238E27FC236}">
+                <a16:creationId xmlns:a16="http://schemas.microsoft.com/office/drawing/2014/main" id="{2F25567E-42BE-1649-BD2A-E8C455BA08BC}"/>
+              </a:ext>
+            </a:extLst>
+          </p:cNvPr>
+          <p:cNvSpPr/>
+          <p:nvPr/>
+        </p:nvSpPr>
+        <p:spPr>
+          <a:xfrm>
+            <a:off x="4082531" y="4809976"/>
+            <a:ext cx="91440" cy="91440"/>
+          </a:xfrm>
+          <a:prstGeom prst="ellipse">
+            <a:avLst/>
+          </a:prstGeom>
+        </p:spPr>
+        <p:style>
+          <a:lnRef idx="2">
+            <a:schemeClr val="accent1">
+              <a:shade val="50000"/>
+            </a:schemeClr>
+          </a:lnRef>
+          <a:fillRef idx="1">
+            <a:schemeClr val="accent1"/>
+          </a:fillRef>
+          <a:effectRef idx="0">
+            <a:schemeClr val="accent1"/>
+          </a:effectRef>
+          <a:fontRef idx="minor">
+            <a:schemeClr val="lt1"/>
+          </a:fontRef>
+        </p:style>
+        <p:txBody>
+          <a:bodyPr rtlCol="0" anchor="ctr"/>
+          <a:lstStyle/>
+          <a:p>
+            <a:pPr algn="ctr"/>
+            <a:endParaRPr kumimoji="1" lang="ja-JP" altLang="en-US"/>
+          </a:p>
+        </p:txBody>
+      </p:sp>
+      <p:sp>
+        <p:nvSpPr>
+          <p:cNvPr id="19" name="円/楕円 18">
+            <a:extLst>
+              <a:ext uri="{FF2B5EF4-FFF2-40B4-BE49-F238E27FC236}">
+                <a16:creationId xmlns:a16="http://schemas.microsoft.com/office/drawing/2014/main" id="{5A71B911-2671-7848-8E6F-281360A794F2}"/>
+              </a:ext>
+            </a:extLst>
+          </p:cNvPr>
+          <p:cNvSpPr/>
+          <p:nvPr/>
+        </p:nvSpPr>
+        <p:spPr>
+          <a:xfrm>
+            <a:off x="4465506" y="4809413"/>
+            <a:ext cx="91440" cy="91440"/>
+          </a:xfrm>
+          <a:prstGeom prst="ellipse">
+            <a:avLst/>
+          </a:prstGeom>
+        </p:spPr>
+        <p:style>
+          <a:lnRef idx="2">
+            <a:schemeClr val="accent1">
+              <a:shade val="50000"/>
+            </a:schemeClr>
+          </a:lnRef>
+          <a:fillRef idx="1">
+            <a:schemeClr val="accent1"/>
+          </a:fillRef>
+          <a:effectRef idx="0">
+            <a:schemeClr val="accent1"/>
+          </a:effectRef>
+          <a:fontRef idx="minor">
+            <a:schemeClr val="lt1"/>
+          </a:fontRef>
+        </p:style>
+        <p:txBody>
+          <a:bodyPr rtlCol="0" anchor="ctr"/>
+          <a:lstStyle/>
+          <a:p>
+            <a:pPr algn="ctr"/>
+            <a:endParaRPr kumimoji="1" lang="ja-JP" altLang="en-US"/>
+          </a:p>
+        </p:txBody>
+      </p:sp>
+      <p:sp>
+        <p:nvSpPr>
+          <p:cNvPr id="20" name="円/楕円 19">
+            <a:extLst>
+              <a:ext uri="{FF2B5EF4-FFF2-40B4-BE49-F238E27FC236}">
+                <a16:creationId xmlns:a16="http://schemas.microsoft.com/office/drawing/2014/main" id="{22F92C43-70CE-7841-8883-9C77BBF83193}"/>
+              </a:ext>
+            </a:extLst>
+          </p:cNvPr>
+          <p:cNvSpPr/>
+          <p:nvPr/>
+        </p:nvSpPr>
+        <p:spPr>
+          <a:xfrm>
+            <a:off x="4848481" y="4809413"/>
+            <a:ext cx="91440" cy="91440"/>
+          </a:xfrm>
+          <a:prstGeom prst="ellipse">
+            <a:avLst/>
+          </a:prstGeom>
+        </p:spPr>
+        <p:style>
+          <a:lnRef idx="2">
+            <a:schemeClr val="accent1">
+              <a:shade val="50000"/>
+            </a:schemeClr>
+          </a:lnRef>
+          <a:fillRef idx="1">
+            <a:schemeClr val="accent1"/>
+          </a:fillRef>
+          <a:effectRef idx="0">
+            <a:schemeClr val="accent1"/>
+          </a:effectRef>
+          <a:fontRef idx="minor">
+            <a:schemeClr val="lt1"/>
+          </a:fontRef>
+        </p:style>
+        <p:txBody>
+          <a:bodyPr rtlCol="0" anchor="ctr"/>
+          <a:lstStyle/>
+          <a:p>
+            <a:pPr algn="ctr"/>
+            <a:endParaRPr kumimoji="1" lang="ja-JP" altLang="en-US"/>
+          </a:p>
+        </p:txBody>
+      </p:sp>
+      <p:sp>
+        <p:nvSpPr>
+          <p:cNvPr id="21" name="円/楕円 20">
+            <a:extLst>
+              <a:ext uri="{FF2B5EF4-FFF2-40B4-BE49-F238E27FC236}">
+                <a16:creationId xmlns:a16="http://schemas.microsoft.com/office/drawing/2014/main" id="{B30D02B3-A0EC-314C-AA9B-659F1BD08DA8}"/>
+              </a:ext>
+            </a:extLst>
+          </p:cNvPr>
+          <p:cNvSpPr/>
+          <p:nvPr/>
+        </p:nvSpPr>
+        <p:spPr>
+          <a:xfrm>
+            <a:off x="5234339" y="4809413"/>
+            <a:ext cx="91440" cy="91440"/>
+          </a:xfrm>
+          <a:prstGeom prst="ellipse">
+            <a:avLst/>
+          </a:prstGeom>
+        </p:spPr>
+        <p:style>
+          <a:lnRef idx="2">
+            <a:schemeClr val="accent1">
+              <a:shade val="50000"/>
+            </a:schemeClr>
+          </a:lnRef>
+          <a:fillRef idx="1">
+            <a:schemeClr val="accent1"/>
+          </a:fillRef>
+          <a:effectRef idx="0">
+            <a:schemeClr val="accent1"/>
+          </a:effectRef>
+          <a:fontRef idx="minor">
+            <a:schemeClr val="lt1"/>
+          </a:fontRef>
+        </p:style>
+        <p:txBody>
+          <a:bodyPr rtlCol="0" anchor="ctr"/>
+          <a:lstStyle/>
+          <a:p>
+            <a:pPr algn="ctr"/>
+            <a:endParaRPr kumimoji="1" lang="ja-JP" altLang="en-US"/>
+          </a:p>
+        </p:txBody>
+      </p:sp>
+      <p:sp>
+        <p:nvSpPr>
+          <p:cNvPr id="22" name="円/楕円 21">
+            <a:extLst>
+              <a:ext uri="{FF2B5EF4-FFF2-40B4-BE49-F238E27FC236}">
+                <a16:creationId xmlns:a16="http://schemas.microsoft.com/office/drawing/2014/main" id="{72075C14-5D87-4A48-A46C-A1A9908F70A6}"/>
+              </a:ext>
+            </a:extLst>
+          </p:cNvPr>
+          <p:cNvSpPr/>
+          <p:nvPr/>
+        </p:nvSpPr>
+        <p:spPr>
+          <a:xfrm>
+            <a:off x="5617314" y="4803357"/>
+            <a:ext cx="91440" cy="91440"/>
+          </a:xfrm>
+          <a:prstGeom prst="ellipse">
+            <a:avLst/>
+          </a:prstGeom>
+        </p:spPr>
+        <p:style>
+          <a:lnRef idx="2">
+            <a:schemeClr val="accent1">
+              <a:shade val="50000"/>
+            </a:schemeClr>
+          </a:lnRef>
+          <a:fillRef idx="1">
+            <a:schemeClr val="accent1"/>
+          </a:fillRef>
+          <a:effectRef idx="0">
+            <a:schemeClr val="accent1"/>
+          </a:effectRef>
+          <a:fontRef idx="minor">
+            <a:schemeClr val="lt1"/>
+          </a:fontRef>
+        </p:style>
+        <p:txBody>
+          <a:bodyPr rtlCol="0" anchor="ctr"/>
+          <a:lstStyle/>
+          <a:p>
+            <a:pPr algn="ctr"/>
+            <a:endParaRPr kumimoji="1" lang="ja-JP" altLang="en-US"/>
+          </a:p>
+        </p:txBody>
+      </p:sp>
+      <p:sp>
+        <p:nvSpPr>
+          <p:cNvPr id="23" name="円/楕円 22">
+            <a:extLst>
+              <a:ext uri="{FF2B5EF4-FFF2-40B4-BE49-F238E27FC236}">
+                <a16:creationId xmlns:a16="http://schemas.microsoft.com/office/drawing/2014/main" id="{59F6CD99-921E-7C48-8A92-4131D648F31D}"/>
+              </a:ext>
+            </a:extLst>
+          </p:cNvPr>
+          <p:cNvSpPr/>
+          <p:nvPr/>
+        </p:nvSpPr>
+        <p:spPr>
+          <a:xfrm>
+            <a:off x="6000289" y="4803357"/>
+            <a:ext cx="91440" cy="91440"/>
+          </a:xfrm>
+          <a:prstGeom prst="ellipse">
+            <a:avLst/>
+          </a:prstGeom>
+        </p:spPr>
+        <p:style>
+          <a:lnRef idx="2">
+            <a:schemeClr val="accent1">
+              <a:shade val="50000"/>
+            </a:schemeClr>
+          </a:lnRef>
+          <a:fillRef idx="1">
+            <a:schemeClr val="accent1"/>
+          </a:fillRef>
+          <a:effectRef idx="0">
+            <a:schemeClr val="accent1"/>
+          </a:effectRef>
+          <a:fontRef idx="minor">
+            <a:schemeClr val="lt1"/>
+          </a:fontRef>
+        </p:style>
+        <p:txBody>
+          <a:bodyPr rtlCol="0" anchor="ctr"/>
+          <a:lstStyle/>
+          <a:p>
+            <a:pPr algn="ctr"/>
+            <a:endParaRPr kumimoji="1" lang="ja-JP" altLang="en-US"/>
+          </a:p>
+        </p:txBody>
+      </p:sp>
+      <p:sp>
+        <p:nvSpPr>
+          <p:cNvPr id="24" name="円/楕円 23">
+            <a:extLst>
+              <a:ext uri="{FF2B5EF4-FFF2-40B4-BE49-F238E27FC236}">
+                <a16:creationId xmlns:a16="http://schemas.microsoft.com/office/drawing/2014/main" id="{C1A12ADE-7D6C-FB43-BC86-E5A4D58B9265}"/>
+              </a:ext>
+            </a:extLst>
+          </p:cNvPr>
+          <p:cNvSpPr/>
+          <p:nvPr/>
+        </p:nvSpPr>
+        <p:spPr>
+          <a:xfrm>
+            <a:off x="6383264" y="4803357"/>
+            <a:ext cx="91440" cy="91440"/>
+          </a:xfrm>
+          <a:prstGeom prst="ellipse">
+            <a:avLst/>
+          </a:prstGeom>
+        </p:spPr>
+        <p:style>
+          <a:lnRef idx="2">
+            <a:schemeClr val="accent1">
+              <a:shade val="50000"/>
+            </a:schemeClr>
+          </a:lnRef>
+          <a:fillRef idx="1">
+            <a:schemeClr val="accent1"/>
+          </a:fillRef>
+          <a:effectRef idx="0">
+            <a:schemeClr val="accent1"/>
+          </a:effectRef>
+          <a:fontRef idx="minor">
+            <a:schemeClr val="lt1"/>
+          </a:fontRef>
+        </p:style>
+        <p:txBody>
+          <a:bodyPr rtlCol="0" anchor="ctr"/>
+          <a:lstStyle/>
+          <a:p>
+            <a:pPr algn="ctr"/>
+            <a:endParaRPr kumimoji="1" lang="ja-JP" altLang="en-US"/>
+          </a:p>
+        </p:txBody>
+      </p:sp>
+      <p:sp>
+        <p:nvSpPr>
+          <p:cNvPr id="25" name="円/楕円 24">
+            <a:extLst>
+              <a:ext uri="{FF2B5EF4-FFF2-40B4-BE49-F238E27FC236}">
+                <a16:creationId xmlns:a16="http://schemas.microsoft.com/office/drawing/2014/main" id="{C65BF5F0-DFCC-114D-AF9D-88FD1EE401CB}"/>
+              </a:ext>
+            </a:extLst>
+          </p:cNvPr>
+          <p:cNvSpPr/>
+          <p:nvPr/>
+        </p:nvSpPr>
+        <p:spPr>
+          <a:xfrm>
+            <a:off x="6769122" y="4803357"/>
+            <a:ext cx="91440" cy="91440"/>
+          </a:xfrm>
+          <a:prstGeom prst="ellipse">
+            <a:avLst/>
+          </a:prstGeom>
+        </p:spPr>
+        <p:style>
+          <a:lnRef idx="2">
+            <a:schemeClr val="accent1">
+              <a:shade val="50000"/>
+            </a:schemeClr>
+          </a:lnRef>
+          <a:fillRef idx="1">
+            <a:schemeClr val="accent1"/>
+          </a:fillRef>
+          <a:effectRef idx="0">
+            <a:schemeClr val="accent1"/>
+          </a:effectRef>
+          <a:fontRef idx="minor">
+            <a:schemeClr val="lt1"/>
+          </a:fontRef>
+        </p:style>
+        <p:txBody>
+          <a:bodyPr rtlCol="0" anchor="ctr"/>
+          <a:lstStyle/>
+          <a:p>
+            <a:pPr algn="ctr"/>
+            <a:endParaRPr kumimoji="1" lang="ja-JP" altLang="en-US"/>
+          </a:p>
+        </p:txBody>
+      </p:sp>
+      <p:sp>
+        <p:nvSpPr>
+          <p:cNvPr id="26" name="円/楕円 25">
+            <a:extLst>
+              <a:ext uri="{FF2B5EF4-FFF2-40B4-BE49-F238E27FC236}">
+                <a16:creationId xmlns:a16="http://schemas.microsoft.com/office/drawing/2014/main" id="{AB9B80FB-ED1E-4443-AC20-14CEFE4943C9}"/>
+              </a:ext>
+            </a:extLst>
+          </p:cNvPr>
+          <p:cNvSpPr/>
+          <p:nvPr/>
+        </p:nvSpPr>
+        <p:spPr>
+          <a:xfrm>
+            <a:off x="7152097" y="4807461"/>
+            <a:ext cx="91440" cy="91440"/>
+          </a:xfrm>
+          <a:prstGeom prst="ellipse">
+            <a:avLst/>
+          </a:prstGeom>
+        </p:spPr>
+        <p:style>
+          <a:lnRef idx="2">
+            <a:schemeClr val="accent1">
+              <a:shade val="50000"/>
+            </a:schemeClr>
+          </a:lnRef>
+          <a:fillRef idx="1">
+            <a:schemeClr val="accent1"/>
+          </a:fillRef>
+          <a:effectRef idx="0">
+            <a:schemeClr val="accent1"/>
+          </a:effectRef>
+          <a:fontRef idx="minor">
+            <a:schemeClr val="lt1"/>
+          </a:fontRef>
+        </p:style>
+        <p:txBody>
+          <a:bodyPr rtlCol="0" anchor="ctr"/>
+          <a:lstStyle/>
+          <a:p>
+            <a:pPr algn="ctr"/>
+            <a:endParaRPr kumimoji="1" lang="ja-JP" altLang="en-US"/>
+          </a:p>
+        </p:txBody>
+      </p:sp>
+      <p:sp>
+        <p:nvSpPr>
+          <p:cNvPr id="27" name="円/楕円 26">
+            <a:extLst>
+              <a:ext uri="{FF2B5EF4-FFF2-40B4-BE49-F238E27FC236}">
+                <a16:creationId xmlns:a16="http://schemas.microsoft.com/office/drawing/2014/main" id="{9BCCEC81-BFAE-1C4C-A711-D25D2B48355D}"/>
+              </a:ext>
+            </a:extLst>
+          </p:cNvPr>
+          <p:cNvSpPr/>
+          <p:nvPr/>
+        </p:nvSpPr>
+        <p:spPr>
+          <a:xfrm>
+            <a:off x="7535072" y="4809976"/>
+            <a:ext cx="91440" cy="91440"/>
+          </a:xfrm>
+          <a:prstGeom prst="ellipse">
+            <a:avLst/>
+          </a:prstGeom>
+        </p:spPr>
+        <p:style>
+          <a:lnRef idx="2">
+            <a:schemeClr val="accent1">
+              <a:shade val="50000"/>
+            </a:schemeClr>
+          </a:lnRef>
+          <a:fillRef idx="1">
+            <a:schemeClr val="accent1"/>
+          </a:fillRef>
+          <a:effectRef idx="0">
+            <a:schemeClr val="accent1"/>
+          </a:effectRef>
+          <a:fontRef idx="minor">
+            <a:schemeClr val="lt1"/>
+          </a:fontRef>
+        </p:style>
+        <p:txBody>
+          <a:bodyPr rtlCol="0" anchor="ctr"/>
+          <a:lstStyle/>
+          <a:p>
+            <a:pPr algn="ctr"/>
+            <a:endParaRPr kumimoji="1" lang="ja-JP" altLang="en-US"/>
+          </a:p>
+        </p:txBody>
+      </p:sp>
+      <p:sp>
+        <p:nvSpPr>
+          <p:cNvPr id="28" name="円/楕円 27">
+            <a:extLst>
+              <a:ext uri="{FF2B5EF4-FFF2-40B4-BE49-F238E27FC236}">
+                <a16:creationId xmlns:a16="http://schemas.microsoft.com/office/drawing/2014/main" id="{76F2F3F4-D2AC-D045-8C7C-46BAB2CBE46F}"/>
+              </a:ext>
+            </a:extLst>
+          </p:cNvPr>
+          <p:cNvSpPr/>
+          <p:nvPr/>
+        </p:nvSpPr>
+        <p:spPr>
+          <a:xfrm>
+            <a:off x="7918047" y="4809976"/>
+            <a:ext cx="91440" cy="91440"/>
+          </a:xfrm>
+          <a:prstGeom prst="ellipse">
+            <a:avLst/>
+          </a:prstGeom>
+        </p:spPr>
+        <p:style>
+          <a:lnRef idx="2">
+            <a:schemeClr val="accent1">
+              <a:shade val="50000"/>
+            </a:schemeClr>
+          </a:lnRef>
+          <a:fillRef idx="1">
+            <a:schemeClr val="accent1"/>
+          </a:fillRef>
+          <a:effectRef idx="0">
+            <a:schemeClr val="accent1"/>
+          </a:effectRef>
+          <a:fontRef idx="minor">
+            <a:schemeClr val="lt1"/>
+          </a:fontRef>
+        </p:style>
+        <p:txBody>
+          <a:bodyPr rtlCol="0" anchor="ctr"/>
+          <a:lstStyle/>
+          <a:p>
+            <a:pPr algn="ctr"/>
+            <a:endParaRPr kumimoji="1" lang="ja-JP" altLang="en-US"/>
+          </a:p>
+        </p:txBody>
+      </p:sp>
+      <p:sp>
+        <p:nvSpPr>
+          <p:cNvPr id="29" name="円/楕円 28">
+            <a:extLst>
+              <a:ext uri="{FF2B5EF4-FFF2-40B4-BE49-F238E27FC236}">
+                <a16:creationId xmlns:a16="http://schemas.microsoft.com/office/drawing/2014/main" id="{D1057355-2496-CD4C-BB39-41922F4E5C57}"/>
+              </a:ext>
+            </a:extLst>
+          </p:cNvPr>
+          <p:cNvSpPr/>
+          <p:nvPr/>
+        </p:nvSpPr>
+        <p:spPr>
+          <a:xfrm>
+            <a:off x="8303905" y="4809976"/>
+            <a:ext cx="91440" cy="91440"/>
+          </a:xfrm>
+          <a:prstGeom prst="ellipse">
+            <a:avLst/>
+          </a:prstGeom>
+        </p:spPr>
+        <p:style>
+          <a:lnRef idx="2">
+            <a:schemeClr val="accent1">
+              <a:shade val="50000"/>
+            </a:schemeClr>
+          </a:lnRef>
+          <a:fillRef idx="1">
+            <a:schemeClr val="accent1"/>
+          </a:fillRef>
+          <a:effectRef idx="0">
+            <a:schemeClr val="accent1"/>
+          </a:effectRef>
+          <a:fontRef idx="minor">
+            <a:schemeClr val="lt1"/>
+          </a:fontRef>
+        </p:style>
+        <p:txBody>
+          <a:bodyPr rtlCol="0" anchor="ctr"/>
+          <a:lstStyle/>
+          <a:p>
+            <a:pPr algn="ctr"/>
+            <a:endParaRPr kumimoji="1" lang="ja-JP" altLang="en-US"/>
+          </a:p>
+        </p:txBody>
+      </p:sp>
+      <p:sp>
+        <p:nvSpPr>
+          <p:cNvPr id="31" name="円/楕円 30">
+            <a:extLst>
+              <a:ext uri="{FF2B5EF4-FFF2-40B4-BE49-F238E27FC236}">
+                <a16:creationId xmlns:a16="http://schemas.microsoft.com/office/drawing/2014/main" id="{6D5E6EA1-B135-7F45-A5A2-F0AC332C5E6C}"/>
+              </a:ext>
+            </a:extLst>
+          </p:cNvPr>
+          <p:cNvSpPr/>
+          <p:nvPr/>
+        </p:nvSpPr>
+        <p:spPr>
+          <a:xfrm>
+            <a:off x="2209880" y="5603498"/>
+            <a:ext cx="91440" cy="91440"/>
+          </a:xfrm>
+          <a:prstGeom prst="ellipse">
+            <a:avLst/>
+          </a:prstGeom>
+        </p:spPr>
+        <p:style>
+          <a:lnRef idx="2">
+            <a:schemeClr val="accent1">
+              <a:shade val="50000"/>
+            </a:schemeClr>
+          </a:lnRef>
+          <a:fillRef idx="1">
+            <a:schemeClr val="accent1"/>
+          </a:fillRef>
+          <a:effectRef idx="0">
+            <a:schemeClr val="accent1"/>
+          </a:effectRef>
+          <a:fontRef idx="minor">
+            <a:schemeClr val="lt1"/>
+          </a:fontRef>
+        </p:style>
+        <p:txBody>
+          <a:bodyPr rtlCol="0" anchor="ctr"/>
+          <a:lstStyle/>
+          <a:p>
+            <a:pPr algn="ctr"/>
+            <a:endParaRPr kumimoji="1" lang="ja-JP" altLang="en-US"/>
+          </a:p>
+        </p:txBody>
+      </p:sp>
+      <p:sp>
+        <p:nvSpPr>
+          <p:cNvPr id="32" name="円/楕円 31">
+            <a:extLst>
+              <a:ext uri="{FF2B5EF4-FFF2-40B4-BE49-F238E27FC236}">
+                <a16:creationId xmlns:a16="http://schemas.microsoft.com/office/drawing/2014/main" id="{CB17553A-3897-254A-B111-CCB7CF803A60}"/>
+              </a:ext>
+            </a:extLst>
+          </p:cNvPr>
+          <p:cNvSpPr/>
+          <p:nvPr/>
+        </p:nvSpPr>
+        <p:spPr>
+          <a:xfrm>
+            <a:off x="2930723" y="5603498"/>
+            <a:ext cx="91440" cy="91440"/>
+          </a:xfrm>
+          <a:prstGeom prst="ellipse">
+            <a:avLst/>
+          </a:prstGeom>
+        </p:spPr>
+        <p:style>
+          <a:lnRef idx="2">
+            <a:schemeClr val="accent1">
+              <a:shade val="50000"/>
+            </a:schemeClr>
+          </a:lnRef>
+          <a:fillRef idx="1">
+            <a:schemeClr val="accent1"/>
+          </a:fillRef>
+          <a:effectRef idx="0">
+            <a:schemeClr val="accent1"/>
+          </a:effectRef>
+          <a:fontRef idx="minor">
+            <a:schemeClr val="lt1"/>
+          </a:fontRef>
+        </p:style>
+        <p:txBody>
+          <a:bodyPr rtlCol="0" anchor="ctr"/>
+          <a:lstStyle/>
+          <a:p>
+            <a:pPr algn="ctr"/>
+            <a:endParaRPr kumimoji="1" lang="ja-JP" altLang="en-US"/>
+          </a:p>
+        </p:txBody>
+      </p:sp>
+      <p:sp>
+        <p:nvSpPr>
+          <p:cNvPr id="33" name="円/楕円 32">
+            <a:extLst>
+              <a:ext uri="{FF2B5EF4-FFF2-40B4-BE49-F238E27FC236}">
+                <a16:creationId xmlns:a16="http://schemas.microsoft.com/office/drawing/2014/main" id="{9F21050C-FAEE-CC42-9435-9970BB76DA11}"/>
+              </a:ext>
+            </a:extLst>
+          </p:cNvPr>
+          <p:cNvSpPr/>
+          <p:nvPr/>
+        </p:nvSpPr>
+        <p:spPr>
+          <a:xfrm>
+            <a:off x="3070153" y="5603498"/>
+            <a:ext cx="91440" cy="91440"/>
+          </a:xfrm>
+          <a:prstGeom prst="ellipse">
+            <a:avLst/>
+          </a:prstGeom>
+        </p:spPr>
+        <p:style>
+          <a:lnRef idx="2">
+            <a:schemeClr val="accent1">
+              <a:shade val="50000"/>
+            </a:schemeClr>
+          </a:lnRef>
+          <a:fillRef idx="1">
+            <a:schemeClr val="accent1"/>
+          </a:fillRef>
+          <a:effectRef idx="0">
+            <a:schemeClr val="accent1"/>
+          </a:effectRef>
+          <a:fontRef idx="minor">
+            <a:schemeClr val="lt1"/>
+          </a:fontRef>
+        </p:style>
+        <p:txBody>
+          <a:bodyPr rtlCol="0" anchor="ctr"/>
+          <a:lstStyle/>
+          <a:p>
+            <a:pPr algn="ctr"/>
+            <a:endParaRPr kumimoji="1" lang="ja-JP" altLang="en-US"/>
+          </a:p>
+        </p:txBody>
+      </p:sp>
+      <p:sp>
+        <p:nvSpPr>
+          <p:cNvPr id="34" name="円/楕円 33">
+            <a:extLst>
+              <a:ext uri="{FF2B5EF4-FFF2-40B4-BE49-F238E27FC236}">
+                <a16:creationId xmlns:a16="http://schemas.microsoft.com/office/drawing/2014/main" id="{B1A84496-4965-824E-BAAB-CFE37B0BE540}"/>
+              </a:ext>
+            </a:extLst>
+          </p:cNvPr>
+          <p:cNvSpPr/>
+          <p:nvPr/>
+        </p:nvSpPr>
+        <p:spPr>
+          <a:xfrm>
+            <a:off x="3206797" y="5603498"/>
+            <a:ext cx="91440" cy="91440"/>
+          </a:xfrm>
+          <a:prstGeom prst="ellipse">
+            <a:avLst/>
+          </a:prstGeom>
+        </p:spPr>
+        <p:style>
+          <a:lnRef idx="2">
+            <a:schemeClr val="accent1">
+              <a:shade val="50000"/>
+            </a:schemeClr>
+          </a:lnRef>
+          <a:fillRef idx="1">
+            <a:schemeClr val="accent1"/>
+          </a:fillRef>
+          <a:effectRef idx="0">
+            <a:schemeClr val="accent1"/>
+          </a:effectRef>
+          <a:fontRef idx="minor">
+            <a:schemeClr val="lt1"/>
+          </a:fontRef>
+        </p:style>
+        <p:txBody>
+          <a:bodyPr rtlCol="0" anchor="ctr"/>
+          <a:lstStyle/>
+          <a:p>
+            <a:pPr algn="ctr"/>
+            <a:endParaRPr kumimoji="1" lang="ja-JP" altLang="en-US"/>
+          </a:p>
+        </p:txBody>
+      </p:sp>
+      <p:sp>
+        <p:nvSpPr>
+          <p:cNvPr id="35" name="円/楕円 34">
+            <a:extLst>
+              <a:ext uri="{FF2B5EF4-FFF2-40B4-BE49-F238E27FC236}">
+                <a16:creationId xmlns:a16="http://schemas.microsoft.com/office/drawing/2014/main" id="{B2666AA0-F51E-7546-847B-A39767D246F0}"/>
+              </a:ext>
+            </a:extLst>
+          </p:cNvPr>
+          <p:cNvSpPr/>
+          <p:nvPr/>
+        </p:nvSpPr>
+        <p:spPr>
+          <a:xfrm>
+            <a:off x="4154698" y="5603498"/>
+            <a:ext cx="91440" cy="91440"/>
+          </a:xfrm>
+          <a:prstGeom prst="ellipse">
+            <a:avLst/>
+          </a:prstGeom>
+        </p:spPr>
+        <p:style>
+          <a:lnRef idx="2">
+            <a:schemeClr val="accent1">
+              <a:shade val="50000"/>
+            </a:schemeClr>
+          </a:lnRef>
+          <a:fillRef idx="1">
+            <a:schemeClr val="accent1"/>
+          </a:fillRef>
+          <a:effectRef idx="0">
+            <a:schemeClr val="accent1"/>
+          </a:effectRef>
+          <a:fontRef idx="minor">
+            <a:schemeClr val="lt1"/>
+          </a:fontRef>
+        </p:style>
+        <p:txBody>
+          <a:bodyPr rtlCol="0" anchor="ctr"/>
+          <a:lstStyle/>
+          <a:p>
+            <a:pPr algn="ctr"/>
+            <a:endParaRPr kumimoji="1" lang="ja-JP" altLang="en-US"/>
+          </a:p>
+        </p:txBody>
+      </p:sp>
+      <p:sp>
+        <p:nvSpPr>
+          <p:cNvPr id="36" name="円/楕円 35">
+            <a:extLst>
+              <a:ext uri="{FF2B5EF4-FFF2-40B4-BE49-F238E27FC236}">
+                <a16:creationId xmlns:a16="http://schemas.microsoft.com/office/drawing/2014/main" id="{4F879F94-4926-4C4C-8B43-07A53496C5D6}"/>
+              </a:ext>
+            </a:extLst>
+          </p:cNvPr>
+          <p:cNvSpPr/>
+          <p:nvPr/>
+        </p:nvSpPr>
+        <p:spPr>
+          <a:xfrm>
+            <a:off x="5845765" y="5603498"/>
+            <a:ext cx="91440" cy="91440"/>
+          </a:xfrm>
+          <a:prstGeom prst="ellipse">
+            <a:avLst/>
+          </a:prstGeom>
+        </p:spPr>
+        <p:style>
+          <a:lnRef idx="2">
+            <a:schemeClr val="accent1">
+              <a:shade val="50000"/>
+            </a:schemeClr>
+          </a:lnRef>
+          <a:fillRef idx="1">
+            <a:schemeClr val="accent1"/>
+          </a:fillRef>
+          <a:effectRef idx="0">
+            <a:schemeClr val="accent1"/>
+          </a:effectRef>
+          <a:fontRef idx="minor">
+            <a:schemeClr val="lt1"/>
+          </a:fontRef>
+        </p:style>
+        <p:txBody>
+          <a:bodyPr rtlCol="0" anchor="ctr"/>
+          <a:lstStyle/>
+          <a:p>
+            <a:pPr algn="ctr"/>
+            <a:endParaRPr kumimoji="1" lang="ja-JP" altLang="en-US"/>
+          </a:p>
+        </p:txBody>
+      </p:sp>
+      <p:sp>
+        <p:nvSpPr>
+          <p:cNvPr id="37" name="円/楕円 36">
+            <a:extLst>
+              <a:ext uri="{FF2B5EF4-FFF2-40B4-BE49-F238E27FC236}">
+                <a16:creationId xmlns:a16="http://schemas.microsoft.com/office/drawing/2014/main" id="{A6FDA090-53E9-B44C-A481-EA1689DCC3CD}"/>
+              </a:ext>
+            </a:extLst>
+          </p:cNvPr>
+          <p:cNvSpPr/>
+          <p:nvPr/>
+        </p:nvSpPr>
+        <p:spPr>
+          <a:xfrm>
+            <a:off x="6706038" y="5603498"/>
+            <a:ext cx="91440" cy="91440"/>
+          </a:xfrm>
+          <a:prstGeom prst="ellipse">
+            <a:avLst/>
+          </a:prstGeom>
+        </p:spPr>
+        <p:style>
+          <a:lnRef idx="2">
+            <a:schemeClr val="accent1">
+              <a:shade val="50000"/>
+            </a:schemeClr>
+          </a:lnRef>
+          <a:fillRef idx="1">
+            <a:schemeClr val="accent1"/>
+          </a:fillRef>
+          <a:effectRef idx="0">
+            <a:schemeClr val="accent1"/>
+          </a:effectRef>
+          <a:fontRef idx="minor">
+            <a:schemeClr val="lt1"/>
+          </a:fontRef>
+        </p:style>
+        <p:txBody>
+          <a:bodyPr rtlCol="0" anchor="ctr"/>
+          <a:lstStyle/>
+          <a:p>
+            <a:pPr algn="ctr"/>
+            <a:endParaRPr kumimoji="1" lang="ja-JP" altLang="en-US"/>
+          </a:p>
+        </p:txBody>
+      </p:sp>
+      <p:sp>
+        <p:nvSpPr>
+          <p:cNvPr id="38" name="円/楕円 37">
+            <a:extLst>
+              <a:ext uri="{FF2B5EF4-FFF2-40B4-BE49-F238E27FC236}">
+                <a16:creationId xmlns:a16="http://schemas.microsoft.com/office/drawing/2014/main" id="{98659429-35C7-5E40-B78A-AD21768B842F}"/>
+              </a:ext>
+            </a:extLst>
+          </p:cNvPr>
+          <p:cNvSpPr/>
+          <p:nvPr/>
+        </p:nvSpPr>
+        <p:spPr>
+          <a:xfrm>
+            <a:off x="8039595" y="5603498"/>
+            <a:ext cx="91440" cy="91440"/>
+          </a:xfrm>
+          <a:prstGeom prst="ellipse">
+            <a:avLst/>
+          </a:prstGeom>
+        </p:spPr>
+        <p:style>
+          <a:lnRef idx="2">
+            <a:schemeClr val="accent1">
+              <a:shade val="50000"/>
+            </a:schemeClr>
+          </a:lnRef>
+          <a:fillRef idx="1">
+            <a:schemeClr val="accent1"/>
+          </a:fillRef>
+          <a:effectRef idx="0">
+            <a:schemeClr val="accent1"/>
+          </a:effectRef>
+          <a:fontRef idx="minor">
+            <a:schemeClr val="lt1"/>
+          </a:fontRef>
+        </p:style>
+        <p:txBody>
+          <a:bodyPr rtlCol="0" anchor="ctr"/>
+          <a:lstStyle/>
+          <a:p>
+            <a:pPr algn="ctr"/>
+            <a:endParaRPr kumimoji="1" lang="ja-JP" altLang="en-US"/>
+          </a:p>
+        </p:txBody>
+      </p:sp>
+      <p:sp>
+        <p:nvSpPr>
+          <p:cNvPr id="39" name="テキスト ボックス 38">
+            <a:extLst>
+              <a:ext uri="{FF2B5EF4-FFF2-40B4-BE49-F238E27FC236}">
+                <a16:creationId xmlns:a16="http://schemas.microsoft.com/office/drawing/2014/main" id="{B47CDCF5-2600-DD41-983D-16BD84F74AF3}"/>
+              </a:ext>
+            </a:extLst>
+          </p:cNvPr>
+          <p:cNvSpPr txBox="1"/>
+          <p:nvPr/>
+        </p:nvSpPr>
+        <p:spPr>
+          <a:xfrm>
+            <a:off x="353304" y="4672290"/>
+            <a:ext cx="1338828" cy="369332"/>
+          </a:xfrm>
+          <a:prstGeom prst="rect">
+            <a:avLst/>
+          </a:prstGeom>
+          <a:noFill/>
+        </p:spPr>
+        <p:txBody>
+          <a:bodyPr wrap="none" rtlCol="0">
+            <a:spAutoFit/>
+          </a:bodyPr>
+          <a:lstStyle/>
+          <a:p>
+            <a:pPr algn="l"/>
+            <a:r>
+              <a:rPr kumimoji="1" lang="ja-JP" altLang="en-US">
+                <a:latin typeface="Cambria" panose="02040503050406030204" pitchFamily="18" charset="0"/>
+              </a:rPr>
+              <a:t>サンプル値</a:t>
+            </a:r>
+          </a:p>
+        </p:txBody>
+      </p:sp>
+      <p:sp>
+        <p:nvSpPr>
+          <p:cNvPr id="42" name="テキスト ボックス 41">
+            <a:extLst>
+              <a:ext uri="{FF2B5EF4-FFF2-40B4-BE49-F238E27FC236}">
+                <a16:creationId xmlns:a16="http://schemas.microsoft.com/office/drawing/2014/main" id="{18CD313B-849D-2140-AD76-28FEB37C729C}"/>
+              </a:ext>
+            </a:extLst>
+          </p:cNvPr>
+          <p:cNvSpPr txBox="1"/>
+          <p:nvPr/>
+        </p:nvSpPr>
+        <p:spPr>
+          <a:xfrm>
+            <a:off x="122471" y="5464552"/>
+            <a:ext cx="1800493" cy="369332"/>
+          </a:xfrm>
+          <a:prstGeom prst="rect">
+            <a:avLst/>
+          </a:prstGeom>
+          <a:noFill/>
+        </p:spPr>
+        <p:txBody>
+          <a:bodyPr wrap="none" rtlCol="0">
+            <a:spAutoFit/>
+          </a:bodyPr>
+          <a:lstStyle/>
+          <a:p>
+            <a:pPr algn="l"/>
+            <a:r>
+              <a:rPr kumimoji="1" lang="ja-JP" altLang="en-US">
+                <a:latin typeface="Cambria" panose="02040503050406030204" pitchFamily="18" charset="0"/>
+              </a:rPr>
+              <a:t>セルフトリガー</a:t>
+            </a:r>
+          </a:p>
+        </p:txBody>
+      </p:sp>
+    </p:spTree>
+    <p:extLst>
+      <p:ext uri="{BB962C8B-B14F-4D97-AF65-F5344CB8AC3E}">
+        <p14:creationId xmlns:p14="http://schemas.microsoft.com/office/powerpoint/2010/main" val="2278964080"/>
+      </p:ext>
+    </p:extLst>
+  </p:cSld>
+  <p:clrMapOvr>
+    <a:masterClrMapping/>
+  </p:clrMapOvr>
+</p:sld>
+</file>
+
+<file path=ppt/slides/slide5.xml><?xml version="1.0" encoding="utf-8"?>
+<p:sld xmlns:a="http://schemas.openxmlformats.org/drawingml/2006/main" xmlns:r="http://schemas.openxmlformats.org/officeDocument/2006/relationships" xmlns:p="http://schemas.openxmlformats.org/presentationml/2006/main">
+  <p:cSld>
+    <p:spTree>
+      <p:nvGrpSpPr>
+        <p:cNvPr id="1" name=""/>
+        <p:cNvGrpSpPr/>
+        <p:nvPr/>
+      </p:nvGrpSpPr>
+      <p:grpSpPr>
+        <a:xfrm>
+          <a:off x="0" y="0"/>
+          <a:ext cx="0" cy="0"/>
+          <a:chOff x="0" y="0"/>
+          <a:chExt cx="0" cy="0"/>
+        </a:xfrm>
+      </p:grpSpPr>
+      <mc:AlternateContent xmlns:mc="http://schemas.openxmlformats.org/markup-compatibility/2006" xmlns:a14="http://schemas.microsoft.com/office/drawing/2010/main">
+        <mc:Choice Requires="a14">
+          <p:sp>
+            <p:nvSpPr>
+              <p:cNvPr id="2" name="コンテンツ プレースホルダー 1">
+                <a:extLst>
+                  <a:ext uri="{FF2B5EF4-FFF2-40B4-BE49-F238E27FC236}">
+                    <a16:creationId xmlns:a16="http://schemas.microsoft.com/office/drawing/2014/main" id="{A1C75527-8AF7-1542-9B47-F135390ECA1B}"/>
+                  </a:ext>
+                </a:extLst>
+              </p:cNvPr>
+              <p:cNvSpPr>
+                <a:spLocks noGrp="1"/>
+              </p:cNvSpPr>
+              <p:nvPr>
+                <p:ph idx="1"/>
+              </p:nvPr>
+            </p:nvSpPr>
+            <p:spPr>
+              <a:xfrm>
+                <a:off x="335572" y="1103023"/>
+                <a:ext cx="8701550" cy="5253328"/>
+              </a:xfrm>
+            </p:spPr>
+            <p:txBody>
+              <a:bodyPr>
+                <a:normAutofit/>
+              </a:bodyPr>
+              <a:lstStyle/>
+              <a:p>
+                <a:r>
+                  <a:rPr kumimoji="1" lang="en-US" altLang="ja-JP" dirty="0"/>
+                  <a:t>1</a:t>
+                </a:r>
+                <a:r>
+                  <a:rPr kumimoji="1" lang="ja-JP" altLang="en-US"/>
+                  <a:t>ステップの最適化による手法</a:t>
+                </a:r>
+                <a:endParaRPr kumimoji="1" lang="en-US" altLang="ja-JP" dirty="0"/>
+              </a:p>
+              <a:p>
+                <a:pPr lvl="1"/>
+                <a:r>
+                  <a:rPr lang="en-US" altLang="ja-JP" dirty="0"/>
+                  <a:t>[2]</a:t>
+                </a:r>
+                <a:r>
+                  <a:rPr lang="ja-JP" altLang="en-US"/>
+                  <a:t>は連続時間システムに対して</a:t>
+                </a:r>
+                <a:endParaRPr lang="en-US" altLang="ja-JP" dirty="0"/>
+              </a:p>
+              <a:p>
+                <a:pPr lvl="1"/>
+                <a:endParaRPr kumimoji="1" lang="en-US" altLang="ja-JP" dirty="0"/>
+              </a:p>
+              <a:p>
+                <a:pPr lvl="3"/>
+                <a:endParaRPr kumimoji="1" lang="en-US" altLang="ja-JP" dirty="0"/>
+              </a:p>
+              <a:p>
+                <a:pPr lvl="1"/>
+                <a:endParaRPr kumimoji="1" lang="en-US" altLang="ja-JP" dirty="0"/>
+              </a:p>
+              <a:p>
+                <a:pPr marL="457200" lvl="1" indent="0">
+                  <a:buNone/>
+                </a:pPr>
+                <a:r>
+                  <a:rPr lang="ja-JP" altLang="en-US"/>
+                  <a:t>　の解</a:t>
+                </a:r>
+                <a14:m>
+                  <m:oMath xmlns:m="http://schemas.openxmlformats.org/officeDocument/2006/math">
+                    <m:r>
+                      <a:rPr lang="en-US" altLang="ja-JP" i="1">
+                        <a:latin typeface="Cambria Math" panose="02040503050406030204" pitchFamily="18" charset="0"/>
+                      </a:rPr>
+                      <m:t>𝑢</m:t>
+                    </m:r>
+                  </m:oMath>
+                </a14:m>
+                <a:r>
+                  <a:rPr lang="ja-JP" altLang="en-US"/>
+                  <a:t>を加え続けたときに</a:t>
+                </a:r>
+                <a:r>
+                  <a:rPr lang="en-US" altLang="ja-JP" dirty="0"/>
+                  <a:t>, </a:t>
+                </a:r>
+                <a:r>
+                  <a:rPr lang="ja-JP" altLang="en-US"/>
+                  <a:t>次ステップでのリアプノフ関数</a:t>
+                </a:r>
+                <a14:m>
+                  <m:oMath xmlns:m="http://schemas.openxmlformats.org/officeDocument/2006/math">
+                    <m:r>
+                      <a:rPr lang="en-US" altLang="ja-JP" i="1">
+                        <a:latin typeface="Cambria Math" panose="02040503050406030204" pitchFamily="18" charset="0"/>
+                      </a:rPr>
+                      <m:t>𝑉</m:t>
+                    </m:r>
+                  </m:oMath>
+                </a14:m>
+                <a:endParaRPr lang="en-US" altLang="ja-JP" dirty="0"/>
+              </a:p>
+              <a:p>
+                <a:pPr marL="457200" lvl="1" indent="0">
+                  <a:buNone/>
+                </a:pPr>
+                <a:r>
+                  <a:rPr lang="ja-JP" altLang="en-US"/>
+                  <a:t>　の値が減少する最大の通信時間</a:t>
+                </a:r>
+                <a14:m>
+                  <m:oMath xmlns:m="http://schemas.openxmlformats.org/officeDocument/2006/math">
+                    <m:r>
+                      <a:rPr lang="ja-JP" altLang="en-US" i="1" smtClean="0">
+                        <a:latin typeface="Cambria Math" panose="02040503050406030204" pitchFamily="18" charset="0"/>
+                      </a:rPr>
+                      <m:t>𝜏</m:t>
+                    </m:r>
+                  </m:oMath>
+                </a14:m>
+                <a:r>
+                  <a:rPr lang="ja-JP" altLang="en-US"/>
+                  <a:t>を選択する手法を提案した</a:t>
+                </a:r>
+                <a:endParaRPr kumimoji="1" lang="en-US" altLang="ja-JP" dirty="0"/>
+              </a:p>
+              <a:p>
+                <a:pPr marL="0" indent="0">
+                  <a:buNone/>
+                </a:pPr>
+                <a:endParaRPr lang="en-US" altLang="ja-JP" dirty="0"/>
+              </a:p>
+              <a:p>
+                <a:pPr marL="0" indent="0">
+                  <a:buNone/>
+                </a:pPr>
+                <a:endParaRPr lang="en-US" altLang="ja-JP" dirty="0"/>
+              </a:p>
+              <a:p>
+                <a:r>
+                  <a:rPr lang="ja-JP" altLang="en-US"/>
+                  <a:t>長時間の</a:t>
+                </a:r>
+                <a:r>
+                  <a:rPr kumimoji="1" lang="ja-JP" altLang="en-US"/>
+                  <a:t>制御全体における</a:t>
+                </a:r>
+                <a:r>
+                  <a:rPr kumimoji="1" lang="en-US" altLang="ja-JP" dirty="0"/>
+                  <a:t>, </a:t>
+                </a:r>
+                <a:r>
+                  <a:rPr kumimoji="1" lang="ja-JP" altLang="en-US"/>
+                  <a:t>通信</a:t>
+                </a:r>
+                <a:r>
+                  <a:rPr lang="ja-JP" altLang="en-US"/>
+                  <a:t>コストの</a:t>
+                </a:r>
+                <a:r>
+                  <a:rPr kumimoji="1" lang="ja-JP" altLang="en-US"/>
+                  <a:t>最適性は考慮</a:t>
+                </a:r>
+                <a:r>
+                  <a:rPr lang="ja-JP" altLang="en-US"/>
+                  <a:t>し</a:t>
+                </a:r>
+                <a:r>
+                  <a:rPr kumimoji="1" lang="ja-JP" altLang="en-US"/>
+                  <a:t>ていない</a:t>
+                </a:r>
+              </a:p>
+            </p:txBody>
+          </p:sp>
+        </mc:Choice>
+        <mc:Fallback xmlns="">
+          <p:sp>
+            <p:nvSpPr>
+              <p:cNvPr id="2" name="コンテンツ プレースホルダー 1">
+                <a:extLst>
+                  <a:ext uri="{FF2B5EF4-FFF2-40B4-BE49-F238E27FC236}">
+                    <a16:creationId xmlns:a16="http://schemas.microsoft.com/office/drawing/2014/main" id="{A1C75527-8AF7-1542-9B47-F135390ECA1B}"/>
+                  </a:ext>
+                </a:extLst>
+              </p:cNvPr>
+              <p:cNvSpPr>
+                <a:spLocks noGrp="1" noRot="1" noChangeAspect="1" noMove="1" noResize="1" noEditPoints="1" noAdjustHandles="1" noChangeArrowheads="1" noChangeShapeType="1" noTextEdit="1"/>
+              </p:cNvSpPr>
+              <p:nvPr>
+                <p:ph idx="1"/>
+              </p:nvPr>
+            </p:nvSpPr>
+            <p:spPr>
+              <a:xfrm>
+                <a:off x="335572" y="1103023"/>
+                <a:ext cx="8701550" cy="5253328"/>
+              </a:xfrm>
+              <a:blipFill>
+                <a:blip r:embed="rId2"/>
+                <a:stretch>
+                  <a:fillRect l="-582" t="-1446"/>
+                </a:stretch>
+              </a:blipFill>
+            </p:spPr>
+            <p:txBody>
+              <a:bodyPr/>
+              <a:lstStyle/>
+              <a:p>
+                <a:r>
+                  <a:rPr lang="ja-JP" altLang="en-US">
+                    <a:noFill/>
+                  </a:rPr>
+                  <a:t> </a:t>
+                </a:r>
+              </a:p>
+            </p:txBody>
+          </p:sp>
+        </mc:Fallback>
+      </mc:AlternateContent>
+      <p:sp>
+        <p:nvSpPr>
+          <p:cNvPr id="3" name="タイトル 2">
+            <a:extLst>
+              <a:ext uri="{FF2B5EF4-FFF2-40B4-BE49-F238E27FC236}">
+                <a16:creationId xmlns:a16="http://schemas.microsoft.com/office/drawing/2014/main" id="{E00649B7-D315-084B-8AB2-7A3A4CC3CADD}"/>
+              </a:ext>
+            </a:extLst>
+          </p:cNvPr>
+          <p:cNvSpPr>
+            <a:spLocks noGrp="1"/>
+          </p:cNvSpPr>
+          <p:nvPr>
+            <p:ph type="title"/>
+          </p:nvPr>
+        </p:nvSpPr>
+        <p:spPr/>
+        <p:txBody>
+          <a:bodyPr/>
+          <a:lstStyle/>
+          <a:p>
+            <a:r>
+              <a:rPr kumimoji="1" lang="ja-JP" altLang="en-US"/>
+              <a:t>セルフトリガー制御における先行研究</a:t>
+            </a:r>
+          </a:p>
+        </p:txBody>
+      </p:sp>
+      <p:sp>
+        <p:nvSpPr>
+          <p:cNvPr id="4" name="日付プレースホルダー 3">
+            <a:extLst>
+              <a:ext uri="{FF2B5EF4-FFF2-40B4-BE49-F238E27FC236}">
+                <a16:creationId xmlns:a16="http://schemas.microsoft.com/office/drawing/2014/main" id="{7233A746-89B9-AA4C-AF18-89FD2B733C3E}"/>
+              </a:ext>
+            </a:extLst>
+          </p:cNvPr>
+          <p:cNvSpPr>
+            <a:spLocks noGrp="1"/>
+          </p:cNvSpPr>
+          <p:nvPr>
+            <p:ph type="dt" sz="half" idx="10"/>
+          </p:nvPr>
+        </p:nvSpPr>
+        <p:spPr/>
+        <p:txBody>
+          <a:bodyPr/>
+          <a:lstStyle/>
+          <a:p>
+            <a:r>
+              <a:rPr kumimoji="1" lang="en-US" altLang="ja-JP"/>
+              <a:t>2021/2/9</a:t>
+            </a:r>
+            <a:endParaRPr kumimoji="1" lang="ja-JP" altLang="en-US"/>
+          </a:p>
+        </p:txBody>
+      </p:sp>
+      <mc:AlternateContent xmlns:mc="http://schemas.openxmlformats.org/markup-compatibility/2006" xmlns:a14="http://schemas.microsoft.com/office/drawing/2010/main">
+        <mc:Choice Requires="a14">
+          <p:sp>
+            <p:nvSpPr>
+              <p:cNvPr id="5" name="テキスト ボックス 4">
+                <a:extLst>
+                  <a:ext uri="{FF2B5EF4-FFF2-40B4-BE49-F238E27FC236}">
+                    <a16:creationId xmlns:a16="http://schemas.microsoft.com/office/drawing/2014/main" id="{587BB607-A16E-8943-BCEB-EC717471144E}"/>
+                  </a:ext>
+                </a:extLst>
+              </p:cNvPr>
+              <p:cNvSpPr txBox="1"/>
+              <p:nvPr/>
+            </p:nvSpPr>
+            <p:spPr>
+              <a:xfrm>
+                <a:off x="1630312" y="1824093"/>
+                <a:ext cx="1055738" cy="458587"/>
+              </a:xfrm>
+              <a:prstGeom prst="rect">
+                <a:avLst/>
+              </a:prstGeom>
+              <a:noFill/>
+            </p:spPr>
+            <p:txBody>
+              <a:bodyPr wrap="none" rtlCol="0">
+                <a:spAutoFit/>
+              </a:bodyPr>
+              <a:lstStyle/>
+              <a:p>
+                <a:pPr algn="l"/>
+                <a14:m>
+                  <m:oMathPara xmlns:m="http://schemas.openxmlformats.org/officeDocument/2006/math">
+                    <m:oMathParaPr>
+                      <m:jc m:val="centerGroup"/>
+                    </m:oMathParaPr>
+                    <m:oMath xmlns:m="http://schemas.openxmlformats.org/officeDocument/2006/math">
+                      <m:func>
+                        <m:funcPr>
+                          <m:ctrlPr>
+                            <a:rPr kumimoji="1" lang="en" altLang="ja-JP" i="1" smtClean="0">
+                              <a:latin typeface="Cambria Math" panose="02040503050406030204" pitchFamily="18" charset="0"/>
+                            </a:rPr>
+                          </m:ctrlPr>
+                        </m:funcPr>
+                        <m:fName>
+                          <m:limLow>
+                            <m:limLowPr>
+                              <m:ctrlPr>
+                                <a:rPr kumimoji="1" lang="en" altLang="ja-JP" i="1" smtClean="0">
+                                  <a:latin typeface="Cambria Math" panose="02040503050406030204" pitchFamily="18" charset="0"/>
+                                </a:rPr>
+                              </m:ctrlPr>
+                            </m:limLowPr>
+                            <m:e>
+                              <m:r>
+                                <m:rPr>
+                                  <m:sty m:val="p"/>
+                                </m:rPr>
+                                <a:rPr kumimoji="1" lang="en" altLang="ja-JP" i="0" smtClean="0">
+                                  <a:latin typeface="Cambria Math" panose="02040503050406030204" pitchFamily="18" charset="0"/>
+                                </a:rPr>
+                                <m:t>min</m:t>
+                              </m:r>
+                            </m:e>
+                            <m:lim>
+                              <m:r>
+                                <a:rPr kumimoji="1" lang="en-US" altLang="ja-JP" b="0" i="1" smtClean="0">
+                                  <a:latin typeface="Cambria Math" panose="02040503050406030204" pitchFamily="18" charset="0"/>
+                                </a:rPr>
+                                <m:t>𝑢</m:t>
+                              </m:r>
+                            </m:lim>
+                          </m:limLow>
+                        </m:fName>
+                        <m:e>
+                          <m:sSup>
+                            <m:sSupPr>
+                              <m:ctrlPr>
+                                <a:rPr kumimoji="1" lang="en" altLang="ja-JP" i="1" smtClean="0">
+                                  <a:latin typeface="Cambria Math" panose="02040503050406030204" pitchFamily="18" charset="0"/>
+                                </a:rPr>
+                              </m:ctrlPr>
+                            </m:sSupPr>
+                            <m:e>
+                              <m:r>
+                                <a:rPr kumimoji="1" lang="en-US" altLang="ja-JP" b="0" i="1" smtClean="0">
+                                  <a:latin typeface="Cambria Math" panose="02040503050406030204" pitchFamily="18" charset="0"/>
+                                </a:rPr>
+                                <m:t>𝑢</m:t>
+                              </m:r>
+                            </m:e>
+                            <m:sup>
+                              <m:r>
+                                <a:rPr kumimoji="1" lang="en-US" altLang="ja-JP" b="0" i="1" smtClean="0">
+                                  <a:latin typeface="Cambria Math" panose="02040503050406030204" pitchFamily="18" charset="0"/>
+                                </a:rPr>
+                                <m:t>𝑇</m:t>
+                              </m:r>
+                            </m:sup>
+                          </m:sSup>
+                          <m:r>
+                            <a:rPr kumimoji="1" lang="en-US" altLang="ja-JP" b="0" i="1" smtClean="0">
+                              <a:latin typeface="Cambria Math" panose="02040503050406030204" pitchFamily="18" charset="0"/>
+                            </a:rPr>
+                            <m:t>𝑢</m:t>
+                          </m:r>
+                        </m:e>
+                      </m:func>
+                    </m:oMath>
+                  </m:oMathPara>
+                </a14:m>
+                <a:endParaRPr kumimoji="1" lang="ja-JP" altLang="en-US">
+                  <a:latin typeface="Cambria" panose="02040503050406030204" pitchFamily="18" charset="0"/>
+                </a:endParaRPr>
+              </a:p>
+            </p:txBody>
+          </p:sp>
+        </mc:Choice>
+        <mc:Fallback xmlns="">
+          <p:sp>
+            <p:nvSpPr>
+              <p:cNvPr id="5" name="テキスト ボックス 4">
+                <a:extLst>
+                  <a:ext uri="{FF2B5EF4-FFF2-40B4-BE49-F238E27FC236}">
+                    <a16:creationId xmlns:a16="http://schemas.microsoft.com/office/drawing/2014/main" id="{587BB607-A16E-8943-BCEB-EC717471144E}"/>
+                  </a:ext>
+                </a:extLst>
+              </p:cNvPr>
+              <p:cNvSpPr txBox="1">
+                <a:spLocks noRot="1" noChangeAspect="1" noMove="1" noResize="1" noEditPoints="1" noAdjustHandles="1" noChangeArrowheads="1" noChangeShapeType="1" noTextEdit="1"/>
+              </p:cNvSpPr>
+              <p:nvPr/>
+            </p:nvSpPr>
+            <p:spPr>
+              <a:xfrm>
+                <a:off x="1630312" y="1824093"/>
+                <a:ext cx="1055738" cy="458587"/>
+              </a:xfrm>
+              <a:prstGeom prst="rect">
+                <a:avLst/>
+              </a:prstGeom>
+              <a:blipFill>
+                <a:blip r:embed="rId3"/>
+                <a:stretch>
+                  <a:fillRect/>
+                </a:stretch>
+              </a:blipFill>
+            </p:spPr>
+            <p:txBody>
+              <a:bodyPr/>
+              <a:lstStyle/>
+              <a:p>
+                <a:r>
+                  <a:rPr lang="ja-JP" altLang="en-US">
+                    <a:noFill/>
+                  </a:rPr>
+                  <a:t> </a:t>
+                </a:r>
+              </a:p>
+            </p:txBody>
+          </p:sp>
+        </mc:Fallback>
+      </mc:AlternateContent>
+      <mc:AlternateContent xmlns:mc="http://schemas.openxmlformats.org/markup-compatibility/2006" xmlns:a14="http://schemas.microsoft.com/office/drawing/2010/main">
+        <mc:Choice Requires="a14">
+          <p:sp>
+            <p:nvSpPr>
+              <p:cNvPr id="8" name="テキスト ボックス 7">
+                <a:extLst>
+                  <a:ext uri="{FF2B5EF4-FFF2-40B4-BE49-F238E27FC236}">
+                    <a16:creationId xmlns:a16="http://schemas.microsoft.com/office/drawing/2014/main" id="{587A6EF0-E3C3-C645-A309-8B7510275883}"/>
+                  </a:ext>
+                </a:extLst>
+              </p:cNvPr>
+              <p:cNvSpPr txBox="1"/>
+              <p:nvPr/>
+            </p:nvSpPr>
+            <p:spPr>
+              <a:xfrm>
+                <a:off x="1630312" y="2253483"/>
+                <a:ext cx="3812261" cy="403124"/>
+              </a:xfrm>
+              <a:prstGeom prst="rect">
+                <a:avLst/>
+              </a:prstGeom>
+              <a:noFill/>
+            </p:spPr>
+            <p:txBody>
+              <a:bodyPr wrap="none" rtlCol="0">
+                <a:spAutoFit/>
+              </a:bodyPr>
+              <a:lstStyle/>
+              <a:p>
+                <a:pPr/>
+                <a14:m>
+                  <m:oMathPara xmlns:m="http://schemas.openxmlformats.org/officeDocument/2006/math">
+                    <m:oMathParaPr>
+                      <m:jc m:val="centerGroup"/>
+                    </m:oMathParaPr>
+                    <m:oMath xmlns:m="http://schemas.openxmlformats.org/officeDocument/2006/math">
+                      <m:func>
+                        <m:funcPr>
+                          <m:ctrlPr>
+                            <a:rPr kumimoji="1" lang="en" altLang="ja-JP" i="1" smtClean="0">
+                              <a:latin typeface="Cambria Math" panose="02040503050406030204" pitchFamily="18" charset="0"/>
+                            </a:rPr>
+                          </m:ctrlPr>
+                        </m:funcPr>
+                        <m:fName>
+                          <m:r>
+                            <m:rPr>
+                              <m:sty m:val="p"/>
+                            </m:rPr>
+                            <a:rPr kumimoji="1" lang="en-US" altLang="ja-JP">
+                              <a:latin typeface="Cambria Math" panose="02040503050406030204" pitchFamily="18" charset="0"/>
+                            </a:rPr>
+                            <m:t>s</m:t>
+                          </m:r>
+                          <m:r>
+                            <a:rPr kumimoji="1" lang="en-US" altLang="ja-JP">
+                              <a:latin typeface="Cambria Math" panose="02040503050406030204" pitchFamily="18" charset="0"/>
+                            </a:rPr>
+                            <m:t>.</m:t>
+                          </m:r>
+                          <m:r>
+                            <m:rPr>
+                              <m:sty m:val="p"/>
+                            </m:rPr>
+                            <a:rPr kumimoji="1" lang="en-US" altLang="ja-JP">
+                              <a:latin typeface="Cambria Math" panose="02040503050406030204" pitchFamily="18" charset="0"/>
+                            </a:rPr>
+                            <m:t>t</m:t>
+                          </m:r>
+                          <m:r>
+                            <a:rPr kumimoji="1" lang="en-US" altLang="ja-JP">
+                              <a:latin typeface="Cambria Math" panose="02040503050406030204" pitchFamily="18" charset="0"/>
+                            </a:rPr>
+                            <m:t>.</m:t>
+                          </m:r>
+                        </m:fName>
+                        <m:e>
+                          <m:r>
+                            <a:rPr kumimoji="1" lang="ja-JP" altLang="en-US" b="0" i="1" smtClean="0">
+                              <a:latin typeface="Cambria Math" panose="02040503050406030204" pitchFamily="18" charset="0"/>
+                            </a:rPr>
+                            <m:t>　　　　　　　　　　　</m:t>
+                          </m:r>
+                          <m:r>
+                            <a:rPr kumimoji="1" lang="en-US" altLang="ja-JP" b="0" i="1" smtClean="0">
+                              <a:latin typeface="Cambria Math" panose="02040503050406030204" pitchFamily="18" charset="0"/>
+                            </a:rPr>
+                            <m:t>   </m:t>
+                          </m:r>
+                          <m:r>
+                            <a:rPr kumimoji="1" lang="ja-JP" altLang="en-US" b="0" i="1" smtClean="0">
+                              <a:latin typeface="Cambria Math" panose="02040503050406030204" pitchFamily="18" charset="0"/>
+                            </a:rPr>
+                            <m:t>≤</m:t>
+                          </m:r>
+                          <m:r>
+                            <a:rPr kumimoji="1" lang="en-US" altLang="ja-JP" b="0" i="1" smtClean="0">
+                              <a:latin typeface="Cambria Math" panose="02040503050406030204" pitchFamily="18" charset="0"/>
+                            </a:rPr>
+                            <m:t>0 </m:t>
+                          </m:r>
+                        </m:e>
+                      </m:func>
+                    </m:oMath>
+                  </m:oMathPara>
+                </a14:m>
+                <a:endParaRPr kumimoji="1" lang="ja-JP" altLang="en-US">
+                  <a:latin typeface="Cambria" panose="02040503050406030204" pitchFamily="18" charset="0"/>
+                </a:endParaRPr>
+              </a:p>
+            </p:txBody>
+          </p:sp>
+        </mc:Choice>
+        <mc:Fallback xmlns="">
+          <p:sp>
+            <p:nvSpPr>
+              <p:cNvPr id="8" name="テキスト ボックス 7">
+                <a:extLst>
+                  <a:ext uri="{FF2B5EF4-FFF2-40B4-BE49-F238E27FC236}">
+                    <a16:creationId xmlns:a16="http://schemas.microsoft.com/office/drawing/2014/main" id="{587A6EF0-E3C3-C645-A309-8B7510275883}"/>
+                  </a:ext>
+                </a:extLst>
+              </p:cNvPr>
+              <p:cNvSpPr txBox="1">
+                <a:spLocks noRot="1" noChangeAspect="1" noMove="1" noResize="1" noEditPoints="1" noAdjustHandles="1" noChangeArrowheads="1" noChangeShapeType="1" noTextEdit="1"/>
+              </p:cNvSpPr>
+              <p:nvPr/>
+            </p:nvSpPr>
+            <p:spPr>
+              <a:xfrm>
+                <a:off x="1630312" y="2253483"/>
+                <a:ext cx="3812261" cy="403124"/>
+              </a:xfrm>
+              <a:prstGeom prst="rect">
+                <a:avLst/>
+              </a:prstGeom>
+              <a:blipFill>
+                <a:blip r:embed="rId4"/>
+                <a:stretch>
+                  <a:fillRect b="-12121"/>
+                </a:stretch>
+              </a:blipFill>
+            </p:spPr>
+            <p:txBody>
+              <a:bodyPr/>
+              <a:lstStyle/>
+              <a:p>
+                <a:r>
+                  <a:rPr lang="ja-JP" altLang="en-US">
+                    <a:noFill/>
+                  </a:rPr>
+                  <a:t> </a:t>
+                </a:r>
+              </a:p>
+            </p:txBody>
+          </p:sp>
+        </mc:Fallback>
+      </mc:AlternateContent>
+      <p:pic>
+        <p:nvPicPr>
+          <p:cNvPr id="9" name="図 8">
+            <a:extLst>
+              <a:ext uri="{FF2B5EF4-FFF2-40B4-BE49-F238E27FC236}">
+                <a16:creationId xmlns:a16="http://schemas.microsoft.com/office/drawing/2014/main" id="{F0948D9F-4583-3345-8018-979ACF9E933E}"/>
+              </a:ext>
+            </a:extLst>
+          </p:cNvPr>
+          <p:cNvPicPr>
+            <a:picLocks noChangeAspect="1"/>
+          </p:cNvPicPr>
+          <p:nvPr/>
+        </p:nvPicPr>
+        <p:blipFill>
+          <a:blip r:embed="rId5"/>
+          <a:stretch>
+            <a:fillRect/>
+          </a:stretch>
+        </p:blipFill>
+        <p:spPr>
+          <a:xfrm>
+            <a:off x="2158181" y="2282680"/>
+            <a:ext cx="2640693" cy="392926"/>
+          </a:xfrm>
+          <a:prstGeom prst="rect">
+            <a:avLst/>
+          </a:prstGeom>
+        </p:spPr>
+      </p:pic>
+      <p:cxnSp>
+        <p:nvCxnSpPr>
+          <p:cNvPr id="11" name="直線矢印コネクタ 10">
+            <a:extLst>
+              <a:ext uri="{FF2B5EF4-FFF2-40B4-BE49-F238E27FC236}">
+                <a16:creationId xmlns:a16="http://schemas.microsoft.com/office/drawing/2014/main" id="{C082C4E8-9C34-4349-B5E9-B619B9F9DE99}"/>
+              </a:ext>
+            </a:extLst>
+          </p:cNvPr>
+          <p:cNvCxnSpPr>
+            <a:cxnSpLocks/>
+          </p:cNvCxnSpPr>
+          <p:nvPr/>
+        </p:nvCxnSpPr>
+        <p:spPr>
+          <a:xfrm>
+            <a:off x="6202302" y="2364843"/>
+            <a:ext cx="1567033" cy="0"/>
+          </a:xfrm>
+          <a:prstGeom prst="straightConnector1">
+            <a:avLst/>
+          </a:prstGeom>
+          <a:ln>
+            <a:solidFill>
+              <a:schemeClr val="tx1">
+                <a:lumMod val="95000"/>
+                <a:lumOff val="5000"/>
+              </a:schemeClr>
+            </a:solidFill>
+            <a:tailEnd type="triangle"/>
+          </a:ln>
+        </p:spPr>
+        <p:style>
+          <a:lnRef idx="1">
+            <a:schemeClr val="accent1"/>
+          </a:lnRef>
+          <a:fillRef idx="0">
+            <a:schemeClr val="accent1"/>
+          </a:fillRef>
+          <a:effectRef idx="0">
+            <a:schemeClr val="accent1"/>
+          </a:effectRef>
+          <a:fontRef idx="minor">
+            <a:schemeClr val="tx1"/>
+          </a:fontRef>
+        </p:style>
+      </p:cxnSp>
+      <p:sp>
+        <p:nvSpPr>
+          <p:cNvPr id="13" name="フリーフォーム 12">
+            <a:extLst>
+              <a:ext uri="{FF2B5EF4-FFF2-40B4-BE49-F238E27FC236}">
+                <a16:creationId xmlns:a16="http://schemas.microsoft.com/office/drawing/2014/main" id="{1DB46F8C-5BBE-3942-92A4-298D186EE1B3}"/>
+              </a:ext>
+            </a:extLst>
+          </p:cNvPr>
+          <p:cNvSpPr/>
+          <p:nvPr/>
+        </p:nvSpPr>
+        <p:spPr>
+          <a:xfrm>
+            <a:off x="6208480" y="1367640"/>
+            <a:ext cx="1365160" cy="800740"/>
+          </a:xfrm>
+          <a:custGeom>
+            <a:avLst/>
+            <a:gdLst>
+              <a:gd name="connsiteX0" fmla="*/ 0 w 1365160"/>
+              <a:gd name="connsiteY0" fmla="*/ 193183 h 800740"/>
+              <a:gd name="connsiteX1" fmla="*/ 412124 w 1365160"/>
+              <a:gd name="connsiteY1" fmla="*/ 798490 h 800740"/>
+              <a:gd name="connsiteX2" fmla="*/ 1365160 w 1365160"/>
+              <a:gd name="connsiteY2" fmla="*/ 0 h 800740"/>
+            </a:gdLst>
+            <a:ahLst/>
+            <a:cxnLst>
+              <a:cxn ang="0">
+                <a:pos x="connsiteX0" y="connsiteY0"/>
+              </a:cxn>
+              <a:cxn ang="0">
+                <a:pos x="connsiteX1" y="connsiteY1"/>
+              </a:cxn>
+              <a:cxn ang="0">
+                <a:pos x="connsiteX2" y="connsiteY2"/>
+              </a:cxn>
+            </a:cxnLst>
+            <a:rect l="l" t="t" r="r" b="b"/>
+            <a:pathLst>
+              <a:path w="1365160" h="800740">
+                <a:moveTo>
+                  <a:pt x="0" y="193183"/>
+                </a:moveTo>
+                <a:cubicBezTo>
+                  <a:pt x="92298" y="511935"/>
+                  <a:pt x="184597" y="830687"/>
+                  <a:pt x="412124" y="798490"/>
+                </a:cubicBezTo>
+                <a:cubicBezTo>
+                  <a:pt x="639651" y="766293"/>
+                  <a:pt x="1002405" y="383146"/>
+                  <a:pt x="1365160" y="0"/>
+                </a:cubicBezTo>
+              </a:path>
+            </a:pathLst>
+          </a:custGeom>
+          <a:noFill/>
+          <a:ln>
+            <a:solidFill>
+              <a:srgbClr val="FF0000"/>
+            </a:solidFill>
+          </a:ln>
+        </p:spPr>
+        <p:style>
+          <a:lnRef idx="2">
+            <a:schemeClr val="accent1">
+              <a:shade val="50000"/>
+            </a:schemeClr>
+          </a:lnRef>
+          <a:fillRef idx="1">
+            <a:schemeClr val="accent1"/>
+          </a:fillRef>
+          <a:effectRef idx="0">
+            <a:schemeClr val="accent1"/>
+          </a:effectRef>
+          <a:fontRef idx="minor">
+            <a:schemeClr val="lt1"/>
+          </a:fontRef>
+        </p:style>
+        <p:txBody>
+          <a:bodyPr rtlCol="0" anchor="ctr"/>
+          <a:lstStyle/>
+          <a:p>
+            <a:pPr algn="ctr"/>
+            <a:endParaRPr kumimoji="1" lang="ja-JP" altLang="en-US"/>
+          </a:p>
+        </p:txBody>
+      </p:sp>
+      <p:cxnSp>
+        <p:nvCxnSpPr>
+          <p:cNvPr id="19" name="直線コネクタ 18">
+            <a:extLst>
+              <a:ext uri="{FF2B5EF4-FFF2-40B4-BE49-F238E27FC236}">
+                <a16:creationId xmlns:a16="http://schemas.microsoft.com/office/drawing/2014/main" id="{D0BE987B-405D-2649-B5D8-50DE08667CC0}"/>
+              </a:ext>
+            </a:extLst>
+          </p:cNvPr>
+          <p:cNvCxnSpPr>
+            <a:cxnSpLocks/>
+          </p:cNvCxnSpPr>
+          <p:nvPr/>
+        </p:nvCxnSpPr>
+        <p:spPr>
+          <a:xfrm>
+            <a:off x="6202302" y="1147634"/>
+            <a:ext cx="0" cy="1217209"/>
+          </a:xfrm>
+          <a:prstGeom prst="line">
+            <a:avLst/>
+          </a:prstGeom>
+          <a:ln>
+            <a:solidFill>
+              <a:schemeClr val="bg1">
+                <a:lumMod val="50000"/>
+              </a:schemeClr>
+            </a:solidFill>
+            <a:prstDash val="dash"/>
+          </a:ln>
+        </p:spPr>
+        <p:style>
+          <a:lnRef idx="1">
+            <a:schemeClr val="accent1"/>
+          </a:lnRef>
+          <a:fillRef idx="0">
+            <a:schemeClr val="accent1"/>
+          </a:fillRef>
+          <a:effectRef idx="0">
+            <a:schemeClr val="accent1"/>
+          </a:effectRef>
+          <a:fontRef idx="minor">
+            <a:schemeClr val="tx1"/>
+          </a:fontRef>
+        </p:style>
+      </p:cxnSp>
+      <p:cxnSp>
+        <p:nvCxnSpPr>
+          <p:cNvPr id="23" name="直線コネクタ 22">
+            <a:extLst>
+              <a:ext uri="{FF2B5EF4-FFF2-40B4-BE49-F238E27FC236}">
+                <a16:creationId xmlns:a16="http://schemas.microsoft.com/office/drawing/2014/main" id="{ABFFE9C7-DB1E-7C4E-99C1-DD04AF9AABB6}"/>
+              </a:ext>
+            </a:extLst>
+          </p:cNvPr>
+          <p:cNvCxnSpPr>
+            <a:cxnSpLocks/>
+            <a:endCxn id="13" idx="0"/>
+          </p:cNvCxnSpPr>
+          <p:nvPr/>
+        </p:nvCxnSpPr>
+        <p:spPr>
+          <a:xfrm flipH="1">
+            <a:off x="6208480" y="1560823"/>
+            <a:ext cx="1527749" cy="0"/>
+          </a:xfrm>
+          <a:prstGeom prst="line">
+            <a:avLst/>
+          </a:prstGeom>
+          <a:ln>
+            <a:solidFill>
+              <a:schemeClr val="bg1">
+                <a:lumMod val="50000"/>
+              </a:schemeClr>
+            </a:solidFill>
+            <a:prstDash val="solid"/>
+          </a:ln>
+        </p:spPr>
+        <p:style>
+          <a:lnRef idx="1">
+            <a:schemeClr val="accent1"/>
+          </a:lnRef>
+          <a:fillRef idx="0">
+            <a:schemeClr val="accent1"/>
+          </a:fillRef>
+          <a:effectRef idx="0">
+            <a:schemeClr val="accent1"/>
+          </a:effectRef>
+          <a:fontRef idx="minor">
+            <a:schemeClr val="tx1"/>
+          </a:fontRef>
+        </p:style>
+      </p:cxnSp>
+      <p:cxnSp>
+        <p:nvCxnSpPr>
+          <p:cNvPr id="26" name="直線コネクタ 25">
+            <a:extLst>
+              <a:ext uri="{FF2B5EF4-FFF2-40B4-BE49-F238E27FC236}">
+                <a16:creationId xmlns:a16="http://schemas.microsoft.com/office/drawing/2014/main" id="{B29978FF-56A8-DD45-8957-31E0A3116611}"/>
+              </a:ext>
+            </a:extLst>
+          </p:cNvPr>
+          <p:cNvCxnSpPr>
+            <a:cxnSpLocks/>
+          </p:cNvCxnSpPr>
+          <p:nvPr/>
+        </p:nvCxnSpPr>
+        <p:spPr>
+          <a:xfrm>
+            <a:off x="7386491" y="1147634"/>
+            <a:ext cx="0" cy="1217209"/>
+          </a:xfrm>
+          <a:prstGeom prst="line">
+            <a:avLst/>
+          </a:prstGeom>
+          <a:ln>
+            <a:solidFill>
+              <a:schemeClr val="bg1">
+                <a:lumMod val="50000"/>
+              </a:schemeClr>
+            </a:solidFill>
+            <a:prstDash val="dash"/>
+          </a:ln>
+        </p:spPr>
+        <p:style>
+          <a:lnRef idx="1">
+            <a:schemeClr val="accent1"/>
+          </a:lnRef>
+          <a:fillRef idx="0">
+            <a:schemeClr val="accent1"/>
+          </a:fillRef>
+          <a:effectRef idx="0">
+            <a:schemeClr val="accent1"/>
+          </a:effectRef>
+          <a:fontRef idx="minor">
+            <a:schemeClr val="tx1"/>
+          </a:fontRef>
+        </p:style>
+      </p:cxnSp>
+      <mc:AlternateContent xmlns:mc="http://schemas.openxmlformats.org/markup-compatibility/2006" xmlns:a14="http://schemas.microsoft.com/office/drawing/2010/main">
+        <mc:Choice Requires="a14">
+          <p:sp>
+            <p:nvSpPr>
+              <p:cNvPr id="27" name="テキスト ボックス 26">
+                <a:extLst>
+                  <a:ext uri="{FF2B5EF4-FFF2-40B4-BE49-F238E27FC236}">
+                    <a16:creationId xmlns:a16="http://schemas.microsoft.com/office/drawing/2014/main" id="{F3868F80-DB20-B949-9FD8-86806904AB77}"/>
+                  </a:ext>
+                </a:extLst>
+              </p:cNvPr>
+              <p:cNvSpPr txBox="1"/>
+              <p:nvPr/>
+            </p:nvSpPr>
+            <p:spPr>
+              <a:xfrm>
+                <a:off x="7473443" y="1011032"/>
+                <a:ext cx="387542" cy="369332"/>
+              </a:xfrm>
+              <a:prstGeom prst="rect">
+                <a:avLst/>
+              </a:prstGeom>
+              <a:noFill/>
+            </p:spPr>
+            <p:txBody>
+              <a:bodyPr wrap="none" rtlCol="0">
+                <a:spAutoFit/>
+              </a:bodyPr>
+              <a:lstStyle/>
+              <a:p>
+                <a:pPr/>
+                <a14:m>
+                  <m:oMathPara xmlns:m="http://schemas.openxmlformats.org/officeDocument/2006/math">
+                    <m:oMathParaPr>
+                      <m:jc m:val="centerGroup"/>
+                    </m:oMathParaPr>
+                    <m:oMath xmlns:m="http://schemas.openxmlformats.org/officeDocument/2006/math">
+                      <m:r>
+                        <a:rPr lang="en-US" altLang="ja-JP" i="1">
+                          <a:latin typeface="Cambria Math" panose="02040503050406030204" pitchFamily="18" charset="0"/>
+                        </a:rPr>
+                        <m:t>𝑉</m:t>
+                      </m:r>
+                    </m:oMath>
+                  </m:oMathPara>
+                </a14:m>
+                <a:endParaRPr kumimoji="1" lang="ja-JP" altLang="en-US">
+                  <a:latin typeface="Cambria" panose="02040503050406030204" pitchFamily="18" charset="0"/>
+                </a:endParaRPr>
+              </a:p>
+            </p:txBody>
+          </p:sp>
+        </mc:Choice>
+        <mc:Fallback xmlns="">
+          <p:sp>
+            <p:nvSpPr>
+              <p:cNvPr id="27" name="テキスト ボックス 26">
+                <a:extLst>
+                  <a:ext uri="{FF2B5EF4-FFF2-40B4-BE49-F238E27FC236}">
+                    <a16:creationId xmlns:a16="http://schemas.microsoft.com/office/drawing/2014/main" id="{F3868F80-DB20-B949-9FD8-86806904AB77}"/>
+                  </a:ext>
+                </a:extLst>
+              </p:cNvPr>
+              <p:cNvSpPr txBox="1">
+                <a:spLocks noRot="1" noChangeAspect="1" noMove="1" noResize="1" noEditPoints="1" noAdjustHandles="1" noChangeArrowheads="1" noChangeShapeType="1" noTextEdit="1"/>
+              </p:cNvSpPr>
+              <p:nvPr/>
+            </p:nvSpPr>
+            <p:spPr>
+              <a:xfrm>
+                <a:off x="7473443" y="1011032"/>
+                <a:ext cx="387542" cy="369332"/>
+              </a:xfrm>
+              <a:prstGeom prst="rect">
+                <a:avLst/>
+              </a:prstGeom>
+              <a:blipFill>
+                <a:blip r:embed="rId6"/>
+                <a:stretch>
+                  <a:fillRect/>
+                </a:stretch>
+              </a:blipFill>
+            </p:spPr>
+            <p:txBody>
+              <a:bodyPr/>
+              <a:lstStyle/>
+              <a:p>
+                <a:r>
+                  <a:rPr lang="ja-JP" altLang="en-US">
+                    <a:noFill/>
+                  </a:rPr>
+                  <a:t> </a:t>
+                </a:r>
+              </a:p>
+            </p:txBody>
+          </p:sp>
+        </mc:Fallback>
+      </mc:AlternateContent>
+      <mc:AlternateContent xmlns:mc="http://schemas.openxmlformats.org/markup-compatibility/2006" xmlns:a14="http://schemas.microsoft.com/office/drawing/2010/main">
+        <mc:Choice Requires="a14">
+          <p:sp>
+            <p:nvSpPr>
+              <p:cNvPr id="28" name="テキスト ボックス 27">
+                <a:extLst>
+                  <a:ext uri="{FF2B5EF4-FFF2-40B4-BE49-F238E27FC236}">
+                    <a16:creationId xmlns:a16="http://schemas.microsoft.com/office/drawing/2014/main" id="{3B3EC63D-C0F5-C641-9B0D-9B1F3FFE2485}"/>
+                  </a:ext>
+                </a:extLst>
+              </p:cNvPr>
+              <p:cNvSpPr txBox="1"/>
+              <p:nvPr/>
+            </p:nvSpPr>
+            <p:spPr>
+              <a:xfrm>
+                <a:off x="7739659" y="2172975"/>
+                <a:ext cx="346698" cy="369332"/>
+              </a:xfrm>
+              <a:prstGeom prst="rect">
+                <a:avLst/>
+              </a:prstGeom>
+              <a:noFill/>
+            </p:spPr>
+            <p:txBody>
+              <a:bodyPr wrap="none" rtlCol="0">
+                <a:spAutoFit/>
+              </a:bodyPr>
+              <a:lstStyle/>
+              <a:p>
+                <a:pPr/>
+                <a14:m>
+                  <m:oMathPara xmlns:m="http://schemas.openxmlformats.org/officeDocument/2006/math">
+                    <m:oMathParaPr>
+                      <m:jc m:val="centerGroup"/>
+                    </m:oMathParaPr>
+                    <m:oMath xmlns:m="http://schemas.openxmlformats.org/officeDocument/2006/math">
+                      <m:r>
+                        <a:rPr lang="ja-JP" altLang="en-US" i="1">
+                          <a:latin typeface="Cambria Math" panose="02040503050406030204" pitchFamily="18" charset="0"/>
+                        </a:rPr>
+                        <m:t>𝜏</m:t>
+                      </m:r>
+                    </m:oMath>
+                  </m:oMathPara>
+                </a14:m>
+                <a:endParaRPr kumimoji="1" lang="ja-JP" altLang="en-US">
+                  <a:latin typeface="Cambria" panose="02040503050406030204" pitchFamily="18" charset="0"/>
+                </a:endParaRPr>
+              </a:p>
+            </p:txBody>
+          </p:sp>
+        </mc:Choice>
+        <mc:Fallback xmlns="">
+          <p:sp>
+            <p:nvSpPr>
+              <p:cNvPr id="28" name="テキスト ボックス 27">
+                <a:extLst>
+                  <a:ext uri="{FF2B5EF4-FFF2-40B4-BE49-F238E27FC236}">
+                    <a16:creationId xmlns:a16="http://schemas.microsoft.com/office/drawing/2014/main" id="{3B3EC63D-C0F5-C641-9B0D-9B1F3FFE2485}"/>
+                  </a:ext>
+                </a:extLst>
+              </p:cNvPr>
+              <p:cNvSpPr txBox="1">
+                <a:spLocks noRot="1" noChangeAspect="1" noMove="1" noResize="1" noEditPoints="1" noAdjustHandles="1" noChangeArrowheads="1" noChangeShapeType="1" noTextEdit="1"/>
+              </p:cNvSpPr>
+              <p:nvPr/>
+            </p:nvSpPr>
+            <p:spPr>
+              <a:xfrm>
+                <a:off x="7739659" y="2172975"/>
+                <a:ext cx="346698" cy="369332"/>
+              </a:xfrm>
+              <a:prstGeom prst="rect">
+                <a:avLst/>
+              </a:prstGeom>
+              <a:blipFill>
+                <a:blip r:embed="rId7"/>
+                <a:stretch>
+                  <a:fillRect/>
+                </a:stretch>
+              </a:blipFill>
+            </p:spPr>
+            <p:txBody>
+              <a:bodyPr/>
+              <a:lstStyle/>
+              <a:p>
+                <a:r>
+                  <a:rPr lang="ja-JP" altLang="en-US">
+                    <a:noFill/>
+                  </a:rPr>
+                  <a:t> </a:t>
+                </a:r>
+              </a:p>
+            </p:txBody>
+          </p:sp>
+        </mc:Fallback>
+      </mc:AlternateContent>
+      <p:sp>
+        <p:nvSpPr>
+          <p:cNvPr id="29" name="星 5 28">
+            <a:extLst>
+              <a:ext uri="{FF2B5EF4-FFF2-40B4-BE49-F238E27FC236}">
+                <a16:creationId xmlns:a16="http://schemas.microsoft.com/office/drawing/2014/main" id="{9A86D435-494B-564F-887E-CFDF0019805E}"/>
+              </a:ext>
+            </a:extLst>
+          </p:cNvPr>
+          <p:cNvSpPr/>
+          <p:nvPr/>
+        </p:nvSpPr>
+        <p:spPr>
+          <a:xfrm>
+            <a:off x="7295051" y="2289076"/>
+            <a:ext cx="182880" cy="182880"/>
+          </a:xfrm>
+          <a:prstGeom prst="star5">
+            <a:avLst/>
+          </a:prstGeom>
+        </p:spPr>
+        <p:style>
+          <a:lnRef idx="2">
+            <a:schemeClr val="accent1">
+              <a:shade val="50000"/>
+            </a:schemeClr>
+          </a:lnRef>
+          <a:fillRef idx="1">
+            <a:schemeClr val="accent1"/>
+          </a:fillRef>
+          <a:effectRef idx="0">
+            <a:schemeClr val="accent1"/>
+          </a:effectRef>
+          <a:fontRef idx="minor">
+            <a:schemeClr val="lt1"/>
+          </a:fontRef>
+        </p:style>
+        <p:txBody>
+          <a:bodyPr rtlCol="0" anchor="ctr"/>
+          <a:lstStyle/>
+          <a:p>
+            <a:pPr algn="ctr"/>
+            <a:endParaRPr kumimoji="1" lang="ja-JP" altLang="en-US"/>
+          </a:p>
+        </p:txBody>
+      </p:sp>
+      <p:sp>
+        <p:nvSpPr>
+          <p:cNvPr id="30" name="スライド番号プレースホルダー 29">
+            <a:extLst>
+              <a:ext uri="{FF2B5EF4-FFF2-40B4-BE49-F238E27FC236}">
+                <a16:creationId xmlns:a16="http://schemas.microsoft.com/office/drawing/2014/main" id="{AF494FDA-1CA3-774E-9035-F01B53391C42}"/>
+              </a:ext>
+            </a:extLst>
+          </p:cNvPr>
+          <p:cNvSpPr>
+            <a:spLocks noGrp="1"/>
+          </p:cNvSpPr>
+          <p:nvPr>
+            <p:ph type="sldNum" sz="quarter" idx="12"/>
+          </p:nvPr>
+        </p:nvSpPr>
+        <p:spPr/>
+        <p:txBody>
+          <a:bodyPr/>
+          <a:lstStyle/>
+          <a:p>
+            <a:fld id="{5D57FD6B-29A3-3249-A29F-ABF600A8FF13}" type="slidenum">
+              <a:rPr kumimoji="1" lang="ja-JP" altLang="en-US" smtClean="0"/>
+              <a:t>4</a:t>
+            </a:fld>
+            <a:r>
+              <a:rPr kumimoji="1" lang="en-US" altLang="ja-JP"/>
+              <a:t>/14</a:t>
+            </a:r>
+            <a:endParaRPr kumimoji="1" lang="en-US" altLang="ja-JP" dirty="0"/>
+          </a:p>
+        </p:txBody>
+      </p:sp>
+      <p:sp>
+        <p:nvSpPr>
+          <p:cNvPr id="17" name="正方形/長方形 16">
+            <a:extLst>
+              <a:ext uri="{FF2B5EF4-FFF2-40B4-BE49-F238E27FC236}">
+                <a16:creationId xmlns:a16="http://schemas.microsoft.com/office/drawing/2014/main" id="{A5ECAC78-C609-E645-9DE1-6CA51D1C6D52}"/>
+              </a:ext>
+            </a:extLst>
+          </p:cNvPr>
+          <p:cNvSpPr/>
+          <p:nvPr/>
+        </p:nvSpPr>
+        <p:spPr>
+          <a:xfrm>
+            <a:off x="335572" y="5955733"/>
+            <a:ext cx="7561519" cy="276999"/>
+          </a:xfrm>
+          <a:prstGeom prst="rect">
+            <a:avLst/>
+          </a:prstGeom>
+        </p:spPr>
+        <p:txBody>
+          <a:bodyPr wrap="square">
+            <a:spAutoFit/>
+          </a:bodyPr>
+          <a:lstStyle/>
+          <a:p>
+            <a:r>
+              <a:rPr kumimoji="1" lang="en-US" altLang="ja-JP" sz="1200" dirty="0">
+                <a:latin typeface="Cambria" panose="02040503050406030204" pitchFamily="18" charset="0"/>
+              </a:rPr>
+              <a:t>[2]: Silver et al., “Deterministic Policy Gradient Algorithms”, </a:t>
+            </a:r>
+            <a:r>
+              <a:rPr kumimoji="1" lang="en-US" altLang="ja-JP" sz="1200" i="1" dirty="0">
+                <a:latin typeface="Cambria" panose="02040503050406030204" pitchFamily="18" charset="0"/>
+              </a:rPr>
+              <a:t>ICML</a:t>
+            </a:r>
+            <a:r>
+              <a:rPr kumimoji="1" lang="en-US" altLang="ja-JP" sz="1200" dirty="0">
+                <a:latin typeface="Cambria" panose="02040503050406030204" pitchFamily="18" charset="0"/>
+              </a:rPr>
+              <a:t>, 2014</a:t>
+            </a:r>
+            <a:endParaRPr kumimoji="1" lang="ja-JP" altLang="en-US" sz="1200">
+              <a:latin typeface="Cambria" panose="02040503050406030204" pitchFamily="18" charset="0"/>
+            </a:endParaRPr>
+          </a:p>
+        </p:txBody>
+      </p:sp>
+    </p:spTree>
+    <p:extLst>
+      <p:ext uri="{BB962C8B-B14F-4D97-AF65-F5344CB8AC3E}">
+        <p14:creationId xmlns:p14="http://schemas.microsoft.com/office/powerpoint/2010/main" val="4052052154"/>
       </p:ext>
     </p:extLst>
   </p:cSld>
@@ -16043,6 +17611,135 @@
                 <a14:m>
                   <m:oMath xmlns:m="http://schemas.openxmlformats.org/officeDocument/2006/math">
                     <m:r>
+                      <a:rPr lang="en-US" altLang="ja-JP" i="1" smtClean="0">
+                        <a:latin typeface="Cambria Math" panose="02040503050406030204" pitchFamily="18" charset="0"/>
+                        <a:ea typeface="Cambria Math" panose="02040503050406030204" pitchFamily="18" charset="0"/>
+                      </a:rPr>
+                      <m:t>𝑢</m:t>
+                    </m:r>
+                    <m:d>
+                      <m:dPr>
+                        <m:ctrlPr>
+                          <a:rPr lang="en-US" altLang="ja-JP" i="1">
+                            <a:latin typeface="Cambria Math" panose="02040503050406030204" pitchFamily="18" charset="0"/>
+                            <a:ea typeface="Cambria Math" panose="02040503050406030204" pitchFamily="18" charset="0"/>
+                          </a:rPr>
+                        </m:ctrlPr>
+                      </m:dPr>
+                      <m:e>
+                        <m:r>
+                          <a:rPr lang="en-US" altLang="ja-JP" i="1">
+                            <a:latin typeface="Cambria Math" panose="02040503050406030204" pitchFamily="18" charset="0"/>
+                            <a:ea typeface="Cambria Math" panose="02040503050406030204" pitchFamily="18" charset="0"/>
+                          </a:rPr>
+                          <m:t>𝑡</m:t>
+                        </m:r>
+                      </m:e>
+                    </m:d>
+                  </m:oMath>
+                </a14:m>
+                <a:r>
+                  <a:rPr kumimoji="1" lang="en-US" altLang="ja-JP" dirty="0"/>
+                  <a:t>, </a:t>
+                </a:r>
+                <a14:m>
+                  <m:oMath xmlns:m="http://schemas.openxmlformats.org/officeDocument/2006/math">
+                    <m:r>
+                      <a:rPr lang="en-US" altLang="ja-JP" i="1">
+                        <a:latin typeface="Cambria Math" panose="02040503050406030204" pitchFamily="18" charset="0"/>
+                        <a:ea typeface="Cambria Math" panose="02040503050406030204" pitchFamily="18" charset="0"/>
+                      </a:rPr>
+                      <m:t>𝐶</m:t>
+                    </m:r>
+                    <m:r>
+                      <a:rPr lang="en-US" altLang="ja-JP" i="1">
+                        <a:latin typeface="Cambria Math" panose="02040503050406030204" pitchFamily="18" charset="0"/>
+                        <a:ea typeface="Cambria Math" panose="02040503050406030204" pitchFamily="18" charset="0"/>
+                      </a:rPr>
+                      <m:t>(</m:t>
+                    </m:r>
+                    <m:r>
+                      <a:rPr lang="en-US" altLang="ja-JP" i="1">
+                        <a:latin typeface="Cambria Math" panose="02040503050406030204" pitchFamily="18" charset="0"/>
+                        <a:ea typeface="Cambria Math" panose="02040503050406030204" pitchFamily="18" charset="0"/>
+                      </a:rPr>
+                      <m:t>𝑡</m:t>
+                    </m:r>
+                    <m:r>
+                      <a:rPr lang="en-US" altLang="ja-JP" i="1">
+                        <a:latin typeface="Cambria Math" panose="02040503050406030204" pitchFamily="18" charset="0"/>
+                        <a:ea typeface="Cambria Math" panose="02040503050406030204" pitchFamily="18" charset="0"/>
+                      </a:rPr>
+                      <m:t>)</m:t>
+                    </m:r>
+                  </m:oMath>
+                </a14:m>
+                <a:r>
+                  <a:rPr lang="ja-JP" altLang="en-US" dirty="0"/>
+                  <a:t>は方策</a:t>
+                </a:r>
+                <a14:m>
+                  <m:oMath xmlns:m="http://schemas.openxmlformats.org/officeDocument/2006/math">
+                    <m:sSub>
+                      <m:sSubPr>
+                        <m:ctrlPr>
+                          <a:rPr lang="en-US" altLang="ja-JP" i="1">
+                            <a:latin typeface="Cambria Math" panose="02040503050406030204" pitchFamily="18" charset="0"/>
+                            <a:ea typeface="Cambria Math" panose="02040503050406030204" pitchFamily="18" charset="0"/>
+                          </a:rPr>
+                        </m:ctrlPr>
+                      </m:sSubPr>
+                      <m:e>
+                        <m:r>
+                          <a:rPr lang="en-US" altLang="ja-JP" i="1">
+                            <a:latin typeface="Cambria Math" panose="02040503050406030204" pitchFamily="18" charset="0"/>
+                            <a:ea typeface="Cambria Math" panose="02040503050406030204" pitchFamily="18" charset="0"/>
+                          </a:rPr>
+                          <m:t>𝜋</m:t>
+                        </m:r>
+                      </m:e>
+                      <m:sub>
+                        <m:r>
+                          <a:rPr lang="en-US" altLang="ja-JP" i="1">
+                            <a:latin typeface="Cambria Math" panose="02040503050406030204" pitchFamily="18" charset="0"/>
+                            <a:ea typeface="Cambria Math" panose="02040503050406030204" pitchFamily="18" charset="0"/>
+                          </a:rPr>
+                          <m:t>𝜃</m:t>
+                        </m:r>
+                      </m:sub>
+                    </m:sSub>
+                    <m:d>
+                      <m:dPr>
+                        <m:ctrlPr>
+                          <a:rPr lang="en-US" altLang="ja-JP" b="0" i="1" smtClean="0">
+                            <a:latin typeface="Cambria Math" panose="02040503050406030204" pitchFamily="18" charset="0"/>
+                            <a:ea typeface="Cambria Math" panose="02040503050406030204" pitchFamily="18" charset="0"/>
+                          </a:rPr>
+                        </m:ctrlPr>
+                      </m:dPr>
+                      <m:e>
+                        <m:r>
+                          <a:rPr lang="en-US" altLang="ja-JP" b="0" i="1" smtClean="0">
+                            <a:latin typeface="Cambria Math" panose="02040503050406030204" pitchFamily="18" charset="0"/>
+                            <a:ea typeface="Cambria Math" panose="02040503050406030204" pitchFamily="18" charset="0"/>
+                          </a:rPr>
+                          <m:t>𝑠</m:t>
+                        </m:r>
+                      </m:e>
+                    </m:d>
+                  </m:oMath>
+                </a14:m>
+                <a:r>
+                  <a:rPr lang="ja-JP" altLang="en-US"/>
+                  <a:t>によって決定</a:t>
+                </a:r>
+                <a:endParaRPr lang="en-US" altLang="ja-JP" dirty="0"/>
+              </a:p>
+              <a:p>
+                <a:pPr lvl="1"/>
+                <a14:m>
+                  <m:oMath xmlns:m="http://schemas.openxmlformats.org/officeDocument/2006/math">
+                    <m:r>
                       <a:rPr lang="en-US" altLang="ja-JP" i="1">
                         <a:latin typeface="Cambria Math" panose="02040503050406030204" pitchFamily="18" charset="0"/>
                         <a:ea typeface="Cambria Math" panose="02040503050406030204" pitchFamily="18" charset="0"/>
@@ -16144,7 +17841,7 @@
             </p:nvSpPr>
             <p:spPr>
               <a:blipFill>
-                <a:blip r:embed="rId2"/>
+                <a:blip r:embed="rId3"/>
                 <a:stretch>
                   <a:fillRect l="-598" t="-1266"/>
                 </a:stretch>
@@ -16525,7 +18222,7 @@
                     <a:avLst/>
                   </a:prstGeom>
                   <a:blipFill>
-                    <a:blip r:embed="rId3"/>
+                    <a:blip r:embed="rId4"/>
                     <a:stretch>
                       <a:fillRect/>
                     </a:stretch>
@@ -16917,7 +18614,7 @@
                                   <m:d>
                                     <m:dPr>
                                       <m:ctrlPr>
-                                        <a:rPr kumimoji="1" lang="en-US" altLang="ja-JP" i="1">
+                                        <a:rPr kumimoji="1" lang="en-US" altLang="ja-JP" i="1" smtClean="0">
                                           <a:latin typeface="Cambria Math" panose="02040503050406030204" pitchFamily="18" charset="0"/>
                                           <a:ea typeface="Cambria Math" panose="02040503050406030204" pitchFamily="18" charset="0"/>
                                         </a:rPr>
@@ -16925,7 +18622,7 @@
                                     </m:dPr>
                                     <m:e>
                                       <m:r>
-                                        <a:rPr kumimoji="1" lang="en-US" altLang="ja-JP" i="1">
+                                        <a:rPr kumimoji="1" lang="en-US" altLang="ja-JP" i="1" smtClean="0">
                                           <a:latin typeface="Cambria Math" panose="02040503050406030204" pitchFamily="18" charset="0"/>
                                           <a:ea typeface="Cambria Math" panose="02040503050406030204" pitchFamily="18" charset="0"/>
                                         </a:rPr>
@@ -16951,7 +18648,7 @@
                                     </m:dPr>
                                     <m:e>
                                       <m:r>
-                                        <a:rPr kumimoji="1" lang="en-US" altLang="ja-JP" i="1">
+                                        <a:rPr kumimoji="1" lang="en-US" altLang="ja-JP" i="1" smtClean="0">
                                           <a:latin typeface="Cambria Math" panose="02040503050406030204" pitchFamily="18" charset="0"/>
                                           <a:ea typeface="Cambria Math" panose="02040503050406030204" pitchFamily="18" charset="0"/>
                                         </a:rPr>
@@ -17111,7 +18808,7 @@
                     <a:avLst/>
                   </a:prstGeom>
                   <a:blipFill>
-                    <a:blip r:embed="rId4"/>
+                    <a:blip r:embed="rId5"/>
                     <a:stretch>
                       <a:fillRect t="-158182" b="-238182"/>
                     </a:stretch>
@@ -17355,7 +19052,7 @@
                   <a:avLst/>
                 </a:prstGeom>
                 <a:blipFill>
-                  <a:blip r:embed="rId5"/>
+                  <a:blip r:embed="rId6"/>
                   <a:stretch>
                     <a:fillRect b="-13333"/>
                   </a:stretch>
@@ -17465,6 +19162,13 @@
               <a:p>
                 <a:r>
                   <a:rPr kumimoji="1" lang="ja-JP" altLang="en-US"/>
+                  <a:t>強化学習はステップ毎のコストの和に対する最適化問題</a:t>
+                </a:r>
+                <a:endParaRPr kumimoji="1" lang="en-US" altLang="ja-JP" dirty="0"/>
+              </a:p>
+              <a:p>
+                <a:r>
+                  <a:rPr kumimoji="1" lang="ja-JP" altLang="en-US"/>
                   <a:t>通信することを</a:t>
                 </a:r>
                 <a:r>
@@ -17472,8 +19176,12 @@
                   <a:t>1</a:t>
                 </a:r>
                 <a:r>
+                  <a:rPr lang="ja-JP" altLang="en-US"/>
+                  <a:t>つ</a:t>
+                </a:r>
+                <a:r>
                   <a:rPr kumimoji="1" lang="ja-JP" altLang="en-US"/>
-                  <a:t>とのステップとみなして</a:t>
+                  <a:t>のステップとみなして</a:t>
                 </a:r>
                 <a:r>
                   <a:rPr kumimoji="1" lang="en-US" altLang="ja-JP" dirty="0"/>
@@ -17574,9 +19282,9 @@
             </p:nvSpPr>
             <p:spPr>
               <a:blipFill>
-                <a:blip r:embed="rId2"/>
+                <a:blip r:embed="rId3"/>
                 <a:stretch>
-                  <a:fillRect l="-598" t="-1519"/>
+                  <a:fillRect l="-598" t="-1266" b="-506"/>
                 </a:stretch>
               </a:blipFill>
             </p:spPr>
@@ -17595,137 +19303,35 @@
           </p:sp>
         </mc:Fallback>
       </mc:AlternateContent>
-      <mc:AlternateContent xmlns:mc="http://schemas.openxmlformats.org/markup-compatibility/2006" xmlns:a14="http://schemas.microsoft.com/office/drawing/2010/main">
-        <mc:Choice Requires="a14">
-          <p:sp>
-            <p:nvSpPr>
-              <p:cNvPr id="3" name="タイトル 2">
-                <a:extLst>
-                  <a:ext uri="{FF2B5EF4-FFF2-40B4-BE49-F238E27FC236}">
-                    <a16:creationId xmlns:a16="http://schemas.microsoft.com/office/drawing/2014/main" id="{548BE8A1-A18A-3645-AE25-2D9FC3F36E90}"/>
-                  </a:ext>
-                </a:extLst>
-              </p:cNvPr>
-              <p:cNvSpPr>
-                <a:spLocks noGrp="1"/>
-              </p:cNvSpPr>
-              <p:nvPr>
-                <p:ph type="title"/>
-              </p:nvPr>
-            </p:nvSpPr>
-            <p:spPr/>
-            <p:txBody>
-              <a:bodyPr/>
-              <a:lstStyle/>
-              <a:p>
-                <a:r>
-                  <a:rPr lang="ja-JP" altLang="en-US"/>
-                  <a:t>コスト</a:t>
-                </a:r>
-                <a:r>
-                  <a:rPr kumimoji="1" lang="ja-JP" altLang="en-US"/>
-                  <a:t>関数</a:t>
-                </a:r>
-                <a14:m>
-                  <m:oMath xmlns:m="http://schemas.openxmlformats.org/officeDocument/2006/math">
-                    <m:r>
-                      <a:rPr kumimoji="1" lang="en-US" altLang="ja-JP" b="0" i="1" smtClean="0">
-                        <a:latin typeface="Cambria Math" panose="02040503050406030204" pitchFamily="18" charset="0"/>
-                      </a:rPr>
-                      <m:t>𝑟</m:t>
-                    </m:r>
-                    <m:d>
-                      <m:dPr>
-                        <m:ctrlPr>
-                          <a:rPr kumimoji="1" lang="en-US" altLang="ja-JP" b="0" i="1" smtClean="0">
-                            <a:latin typeface="Cambria Math" panose="02040503050406030204" pitchFamily="18" charset="0"/>
-                          </a:rPr>
-                        </m:ctrlPr>
-                      </m:dPr>
-                      <m:e>
-                        <m:r>
-                          <a:rPr kumimoji="1" lang="en-US" altLang="ja-JP" b="0" i="1" smtClean="0">
-                            <a:latin typeface="Cambria Math" panose="02040503050406030204" pitchFamily="18" charset="0"/>
-                          </a:rPr>
-                          <m:t>𝑠</m:t>
-                        </m:r>
-                        <m:r>
-                          <a:rPr kumimoji="1" lang="en-US" altLang="ja-JP" b="0" i="1" smtClean="0">
-                            <a:latin typeface="Cambria Math" panose="02040503050406030204" pitchFamily="18" charset="0"/>
-                          </a:rPr>
-                          <m:t>,</m:t>
-                        </m:r>
-                        <m:r>
-                          <a:rPr kumimoji="1" lang="en-US" altLang="ja-JP" b="0" i="1" smtClean="0">
-                            <a:latin typeface="Cambria Math" panose="02040503050406030204" pitchFamily="18" charset="0"/>
-                          </a:rPr>
-                          <m:t>𝑢</m:t>
-                        </m:r>
-                        <m:r>
-                          <a:rPr kumimoji="1" lang="en-US" altLang="ja-JP" b="0" i="1" smtClean="0">
-                            <a:latin typeface="Cambria Math" panose="02040503050406030204" pitchFamily="18" charset="0"/>
-                          </a:rPr>
-                          <m:t>,</m:t>
-                        </m:r>
-                        <m:r>
-                          <a:rPr kumimoji="1" lang="en-US" altLang="ja-JP" b="0" i="1" smtClean="0">
-                            <a:latin typeface="Cambria Math" panose="02040503050406030204" pitchFamily="18" charset="0"/>
-                            <a:ea typeface="Cambria Math" panose="02040503050406030204" pitchFamily="18" charset="0"/>
-                          </a:rPr>
-                          <m:t>𝜏</m:t>
-                        </m:r>
-                      </m:e>
-                    </m:d>
-                  </m:oMath>
-                </a14:m>
-                <a:r>
-                  <a:rPr kumimoji="1" lang="ja-JP" altLang="en-US"/>
-                  <a:t>の設計</a:t>
-                </a:r>
-              </a:p>
-            </p:txBody>
-          </p:sp>
-        </mc:Choice>
-        <mc:Fallback xmlns="">
-          <p:sp>
-            <p:nvSpPr>
-              <p:cNvPr id="3" name="タイトル 2">
-                <a:extLst>
-                  <a:ext uri="{FF2B5EF4-FFF2-40B4-BE49-F238E27FC236}">
-                    <a16:creationId xmlns:a16="http://schemas.microsoft.com/office/drawing/2014/main" id="{548BE8A1-A18A-3645-AE25-2D9FC3F36E90}"/>
-                  </a:ext>
-                </a:extLst>
-              </p:cNvPr>
-              <p:cNvSpPr>
-                <a:spLocks noGrp="1" noRot="1" noChangeAspect="1" noMove="1" noResize="1" noEditPoints="1" noAdjustHandles="1" noChangeArrowheads="1" noChangeShapeType="1" noTextEdit="1"/>
-              </p:cNvSpPr>
-              <p:nvPr>
-                <p:ph type="title"/>
-              </p:nvPr>
-            </p:nvSpPr>
-            <p:spPr>
-              <a:blipFill>
-                <a:blip r:embed="rId3"/>
-                <a:stretch>
-                  <a:fillRect l="-1345" t="-6383" b="-21277"/>
-                </a:stretch>
-              </a:blipFill>
-            </p:spPr>
-            <p:txBody>
-              <a:bodyPr/>
-              <a:lstStyle/>
-              <a:p>
-                <a:r>
-                  <a:rPr lang="ja-JP" altLang="en-US">
-                    <a:noFill/>
-                  </a:rPr>
-                  <a:t> </a:t>
-                </a:r>
-              </a:p>
-            </p:txBody>
-          </p:sp>
-        </mc:Fallback>
-      </mc:AlternateContent>
+      <p:sp>
+        <p:nvSpPr>
+          <p:cNvPr id="3" name="タイトル 2">
+            <a:extLst>
+              <a:ext uri="{FF2B5EF4-FFF2-40B4-BE49-F238E27FC236}">
+                <a16:creationId xmlns:a16="http://schemas.microsoft.com/office/drawing/2014/main" id="{548BE8A1-A18A-3645-AE25-2D9FC3F36E90}"/>
+              </a:ext>
+            </a:extLst>
+          </p:cNvPr>
+          <p:cNvSpPr>
+            <a:spLocks noGrp="1"/>
+          </p:cNvSpPr>
+          <p:nvPr>
+            <p:ph type="title"/>
+          </p:nvPr>
+        </p:nvSpPr>
+        <p:spPr/>
+        <p:txBody>
+          <a:bodyPr/>
+          <a:lstStyle/>
+          <a:p>
+            <a:r>
+              <a:rPr lang="ja-JP" altLang="en-US"/>
+              <a:t>強化学習問題としての定式化</a:t>
+            </a:r>
+            <a:endParaRPr kumimoji="1" lang="ja-JP" altLang="en-US"/>
+          </a:p>
+        </p:txBody>
+      </p:sp>
       <p:sp>
         <p:nvSpPr>
           <p:cNvPr id="4" name="日付プレースホルダー 3">
@@ -17771,7 +19377,7 @@
             </p:nvSpPr>
             <p:spPr>
               <a:xfrm>
-                <a:off x="878032" y="1591292"/>
+                <a:off x="878032" y="1979912"/>
                 <a:ext cx="7408503" cy="691664"/>
               </a:xfrm>
               <a:prstGeom prst="rect">
@@ -18250,7 +19856,7 @@
             </p:nvSpPr>
             <p:spPr>
               <a:xfrm>
-                <a:off x="878032" y="1591292"/>
+                <a:off x="878032" y="1979912"/>
                 <a:ext cx="7408503" cy="691664"/>
               </a:xfrm>
               <a:prstGeom prst="rect">
@@ -18259,7 +19865,7 @@
               <a:blipFill>
                 <a:blip r:embed="rId4"/>
                 <a:stretch>
-                  <a:fillRect t="-155357" b="-233929"/>
+                  <a:fillRect t="-162963" b="-242593"/>
                 </a:stretch>
               </a:blipFill>
             </p:spPr>
@@ -18294,7 +19900,7 @@
             </p:nvSpPr>
             <p:spPr>
               <a:xfrm>
-                <a:off x="1470205" y="2282956"/>
+                <a:off x="1470205" y="2671576"/>
                 <a:ext cx="6526082" cy="847861"/>
               </a:xfrm>
               <a:prstGeom prst="rect">
@@ -19006,7 +20612,7 @@
             </p:nvSpPr>
             <p:spPr>
               <a:xfrm>
-                <a:off x="1470205" y="2282956"/>
+                <a:off x="1470205" y="2671576"/>
                 <a:ext cx="6526082" cy="847861"/>
               </a:xfrm>
               <a:prstGeom prst="rect">
@@ -19015,7 +20621,7 @@
               <a:blipFill>
                 <a:blip r:embed="rId5"/>
                 <a:stretch>
-                  <a:fillRect l="-5825" t="-123881" b="-185075"/>
+                  <a:fillRect l="-5825" t="-119118" b="-183824"/>
                 </a:stretch>
               </a:blipFill>
             </p:spPr>
@@ -19050,7 +20656,7 @@
         </p:nvCxnSpPr>
         <p:spPr>
           <a:xfrm>
-            <a:off x="2828554" y="3023940"/>
+            <a:off x="2828554" y="3412560"/>
             <a:ext cx="4926033" cy="0"/>
           </a:xfrm>
           <a:prstGeom prst="line">
@@ -19096,7 +20702,7 @@
             </p:nvSpPr>
             <p:spPr>
               <a:xfrm>
-                <a:off x="5575208" y="3065031"/>
+                <a:off x="5540841" y="3475083"/>
                 <a:ext cx="2435026" cy="369332"/>
               </a:xfrm>
               <a:prstGeom prst="rect">
@@ -19316,7 +20922,7 @@
             </p:nvSpPr>
             <p:spPr>
               <a:xfrm>
-                <a:off x="5575208" y="3065031"/>
+                <a:off x="5540841" y="3475083"/>
                 <a:ext cx="2435026" cy="369332"/>
               </a:xfrm>
               <a:prstGeom prst="rect">
@@ -19325,7 +20931,7 @@
               <a:blipFill>
                 <a:blip r:embed="rId6"/>
                 <a:stretch>
-                  <a:fillRect l="-2073" t="-3333" b="-26667"/>
+                  <a:fillRect l="-1554" t="-6667" b="-23333"/>
                 </a:stretch>
               </a:blipFill>
             </p:spPr>
@@ -19360,7 +20966,7 @@
             </p:nvSpPr>
             <p:spPr>
               <a:xfrm>
-                <a:off x="878032" y="4259302"/>
+                <a:off x="878032" y="4647922"/>
                 <a:ext cx="6995698" cy="403765"/>
               </a:xfrm>
               <a:prstGeom prst="rect">
@@ -19837,7 +21443,7 @@
             </p:nvSpPr>
             <p:spPr>
               <a:xfrm>
-                <a:off x="878032" y="4259302"/>
+                <a:off x="878032" y="4647922"/>
                 <a:ext cx="6995698" cy="403765"/>
               </a:xfrm>
               <a:prstGeom prst="rect">
@@ -19846,7 +21452,7 @@
               <a:blipFill>
                 <a:blip r:embed="rId7"/>
                 <a:stretch>
-                  <a:fillRect b="-12121"/>
+                  <a:fillRect b="-9091"/>
                 </a:stretch>
               </a:blipFill>
             </p:spPr>
@@ -22393,8 +23999,8 @@
           <a:chExt cx="0" cy="0"/>
         </a:xfrm>
       </p:grpSpPr>
-      <mc:AlternateContent xmlns:mc="http://schemas.openxmlformats.org/markup-compatibility/2006">
-        <mc:Choice xmlns:a14="http://schemas.microsoft.com/office/drawing/2010/main" Requires="a14">
+      <mc:AlternateContent xmlns:mc="http://schemas.openxmlformats.org/markup-compatibility/2006" xmlns:a14="http://schemas.microsoft.com/office/drawing/2010/main">
+        <mc:Choice Requires="a14">
           <p:sp>
             <p:nvSpPr>
               <p:cNvPr id="2" name="コンテンツ プレースホルダー 1">
@@ -22429,6 +24035,24 @@
                 <a:r>
                   <a:rPr lang="ja-JP" altLang="en-US"/>
                   <a:t>少しづつ方策を更新</a:t>
+                </a:r>
+                <a:endParaRPr lang="en-US" altLang="ja-JP" dirty="0"/>
+              </a:p>
+              <a:p>
+                <a:pPr lvl="1"/>
+                <a14:m>
+                  <m:oMath xmlns:m="http://schemas.openxmlformats.org/officeDocument/2006/math">
+                    <m:r>
+                      <a:rPr lang="en-US" altLang="ja-JP" i="1">
+                        <a:latin typeface="Cambria Math" panose="02040503050406030204" pitchFamily="18" charset="0"/>
+                      </a:rPr>
+                      <m:t>𝑇</m:t>
+                    </m:r>
+                  </m:oMath>
+                </a14:m>
+                <a:r>
+                  <a:rPr lang="ja-JP" altLang="en-US"/>
+                  <a:t>秒の制御ごとに初期点を変えて制御</a:t>
                 </a:r>
                 <a:endParaRPr lang="en-US" altLang="ja-JP" dirty="0"/>
               </a:p>
@@ -22572,24 +24196,6 @@
               </a:p>
               <a:p>
                 <a:pPr lvl="1"/>
-                <a14:m>
-                  <m:oMath xmlns:m="http://schemas.openxmlformats.org/officeDocument/2006/math">
-                    <m:r>
-                      <a:rPr lang="en-US" altLang="ja-JP" i="1">
-                        <a:latin typeface="Cambria Math" panose="02040503050406030204" pitchFamily="18" charset="0"/>
-                      </a:rPr>
-                      <m:t>𝑇</m:t>
-                    </m:r>
-                  </m:oMath>
-                </a14:m>
-                <a:r>
-                  <a:rPr lang="ja-JP" altLang="en-US"/>
-                  <a:t>秒の制御ごとに初期点を変えて制御</a:t>
-                </a:r>
-                <a:endParaRPr lang="en-US" altLang="ja-JP" dirty="0"/>
-              </a:p>
-              <a:p>
-                <a:pPr lvl="1"/>
                 <a:r>
                   <a:rPr lang="ja-JP" altLang="en-US"/>
                   <a:t>方策更新が小さければ</a:t>
@@ -22726,7 +24332,7 @@
             </p:txBody>
           </p:sp>
         </mc:Choice>
-        <mc:Fallback>
+        <mc:Fallback xmlns="">
           <p:sp>
             <p:nvSpPr>
               <p:cNvPr id="2" name="コンテンツ プレースホルダー 1">
@@ -22856,8 +24462,8 @@
           </a:p>
         </p:txBody>
       </p:sp>
-      <mc:AlternateContent xmlns:mc="http://schemas.openxmlformats.org/markup-compatibility/2006">
-        <mc:Choice xmlns:a14="http://schemas.microsoft.com/office/drawing/2010/main" Requires="a14">
+      <mc:AlternateContent xmlns:mc="http://schemas.openxmlformats.org/markup-compatibility/2006" xmlns:a14="http://schemas.microsoft.com/office/drawing/2010/main">
+        <mc:Choice Requires="a14">
           <p:sp>
             <p:nvSpPr>
               <p:cNvPr id="15" name="テキスト ボックス 14">
@@ -23468,7 +25074,7 @@
             </p:txBody>
           </p:sp>
         </mc:Choice>
-        <mc:Fallback>
+        <mc:Fallback xmlns="">
           <p:sp>
             <p:nvSpPr>
               <p:cNvPr id="15" name="テキスト ボックス 14">

--- a/slide/master.pptx
+++ b/slide/master.pptx
@@ -21,14 +21,14 @@
     <p:sldId id="399" r:id="rId12"/>
     <p:sldId id="397" r:id="rId13"/>
     <p:sldId id="391" r:id="rId14"/>
-    <p:sldId id="380" r:id="rId15"/>
-    <p:sldId id="386" r:id="rId16"/>
-    <p:sldId id="381" r:id="rId17"/>
-    <p:sldId id="387" r:id="rId18"/>
-    <p:sldId id="373" r:id="rId19"/>
-    <p:sldId id="388" r:id="rId20"/>
-    <p:sldId id="389" r:id="rId21"/>
-    <p:sldId id="390" r:id="rId22"/>
+    <p:sldId id="381" r:id="rId15"/>
+    <p:sldId id="387" r:id="rId16"/>
+    <p:sldId id="373" r:id="rId17"/>
+    <p:sldId id="388" r:id="rId18"/>
+    <p:sldId id="389" r:id="rId19"/>
+    <p:sldId id="390" r:id="rId20"/>
+    <p:sldId id="380" r:id="rId21"/>
+    <p:sldId id="386" r:id="rId22"/>
   </p:sldIdLst>
   <p:sldSz cx="9144000" cy="6858000" type="screen4x3"/>
   <p:notesSz cx="6858000" cy="9144000"/>
@@ -145,14 +145,14 @@
             <p14:sldId id="399"/>
             <p14:sldId id="397"/>
             <p14:sldId id="391"/>
-            <p14:sldId id="380"/>
-            <p14:sldId id="386"/>
             <p14:sldId id="381"/>
             <p14:sldId id="387"/>
             <p14:sldId id="373"/>
             <p14:sldId id="388"/>
             <p14:sldId id="389"/>
             <p14:sldId id="390"/>
+            <p14:sldId id="380"/>
+            <p14:sldId id="386"/>
           </p14:sldIdLst>
         </p14:section>
       </p14:sectionLst>
@@ -257,7 +257,7 @@
           <a:p>
             <a:fld id="{4009ACC2-15F4-9549-B7EC-0A2B034E938B}" type="datetimeFigureOut">
               <a:rPr kumimoji="1" lang="ja-JP" altLang="en-US" smtClean="0"/>
-              <a:t>2021/2/3</a:t>
+              <a:t>2021/2/4</a:t>
             </a:fld>
             <a:endParaRPr kumimoji="1" lang="ja-JP" altLang="en-US"/>
           </a:p>
@@ -1137,7 +1137,7 @@
           <a:p>
             <a:fld id="{BAC2704F-7F34-5D4A-A451-26A3081CB5EA}" type="slidenum">
               <a:rPr kumimoji="1" lang="ja-JP" altLang="en-US" smtClean="0"/>
-              <a:t>14</a:t>
+              <a:t>20</a:t>
             </a:fld>
             <a:endParaRPr kumimoji="1" lang="ja-JP" altLang="en-US"/>
           </a:p>
@@ -2122,7 +2122,7 @@
             </a:fld>
             <a:r>
               <a:rPr kumimoji="1" lang="en-US" altLang="ja-JP" dirty="0"/>
-              <a:t>/14</a:t>
+              <a:t>/12</a:t>
             </a:r>
           </a:p>
         </p:txBody>
@@ -4731,7 +4731,7 @@
             </a:r>
             <a:r>
               <a:rPr lang="ja-JP" altLang="en-US"/>
-              <a:t>少しづつ方策を更新</a:t>
+              <a:t>各ステップで少しづつ方策を更新</a:t>
             </a:r>
             <a:endParaRPr lang="en-US" altLang="ja-JP" dirty="0"/>
           </a:p>
@@ -4894,10 +4894,10 @@
       </p:sp>
       <p:sp>
         <p:nvSpPr>
-          <p:cNvPr id="5" name="スライド番号プレースホルダー 4">
+          <p:cNvPr id="6" name="スライド番号プレースホルダー 5">
             <a:extLst>
               <a:ext uri="{FF2B5EF4-FFF2-40B4-BE49-F238E27FC236}">
-                <a16:creationId xmlns:a16="http://schemas.microsoft.com/office/drawing/2014/main" id="{1EFB8320-96E8-FB4A-BB1E-8FD93FDC3599}"/>
+                <a16:creationId xmlns:a16="http://schemas.microsoft.com/office/drawing/2014/main" id="{9FE80E88-A3FC-3147-B625-245043151D97}"/>
               </a:ext>
             </a:extLst>
           </p:cNvPr>
@@ -4913,15 +4913,10 @@
           <a:bodyPr/>
           <a:lstStyle/>
           <a:p>
-            <a:fld id="{5D57FD6B-29A3-3249-A29F-ABF600A8FF13}" type="slidenum">
-              <a:rPr kumimoji="1" lang="ja-JP" altLang="en-US" smtClean="0"/>
-              <a:t>9</a:t>
-            </a:fld>
-            <a:r>
-              <a:rPr kumimoji="1" lang="en-US" altLang="ja-JP"/>
-              <a:t>/14</a:t>
-            </a:r>
-            <a:endParaRPr kumimoji="1" lang="en-US" altLang="ja-JP" dirty="0"/>
+            <a:r>
+              <a:rPr kumimoji="1" lang="en-US" altLang="ja-JP" dirty="0"/>
+              <a:t>8/12</a:t>
+            </a:r>
           </a:p>
         </p:txBody>
       </p:sp>
@@ -5000,7 +4995,7 @@
                 </a:r>
                 <a:r>
                   <a:rPr lang="ja-JP" altLang="en-US"/>
-                  <a:t>少しづつ方策を更新</a:t>
+                  <a:t>各ステップで少しづつ方策を更新</a:t>
                 </a:r>
                 <a:endParaRPr lang="en-US" altLang="ja-JP" dirty="0"/>
               </a:p>
@@ -5833,10 +5828,10 @@
       </p:sp>
       <p:sp>
         <p:nvSpPr>
-          <p:cNvPr id="5" name="スライド番号プレースホルダー 4">
+          <p:cNvPr id="6" name="スライド番号プレースホルダー 5">
             <a:extLst>
               <a:ext uri="{FF2B5EF4-FFF2-40B4-BE49-F238E27FC236}">
-                <a16:creationId xmlns:a16="http://schemas.microsoft.com/office/drawing/2014/main" id="{1EFB8320-96E8-FB4A-BB1E-8FD93FDC3599}"/>
+                <a16:creationId xmlns:a16="http://schemas.microsoft.com/office/drawing/2014/main" id="{A9A79654-816E-064E-96E3-55B3865B7EDA}"/>
               </a:ext>
             </a:extLst>
           </p:cNvPr>
@@ -5852,15 +5847,10 @@
           <a:bodyPr/>
           <a:lstStyle/>
           <a:p>
-            <a:fld id="{5D57FD6B-29A3-3249-A29F-ABF600A8FF13}" type="slidenum">
-              <a:rPr kumimoji="1" lang="ja-JP" altLang="en-US" smtClean="0"/>
-              <a:t>10</a:t>
-            </a:fld>
-            <a:r>
-              <a:rPr kumimoji="1" lang="en-US" altLang="ja-JP"/>
-              <a:t>/14</a:t>
-            </a:r>
-            <a:endParaRPr kumimoji="1" lang="en-US" altLang="ja-JP" dirty="0"/>
+            <a:r>
+              <a:rPr kumimoji="1" lang="en-US" altLang="ja-JP" dirty="0"/>
+              <a:t>8/12</a:t>
+            </a:r>
           </a:p>
         </p:txBody>
       </p:sp>
@@ -5934,12 +5924,12 @@
                   <a:t>データ収集を行いながら</a:t>
                 </a:r>
                 <a:r>
-                  <a:rPr lang="en-US" altLang="ja-JP" dirty="0"/>
+                  <a:rPr lang="en-US" altLang="ja-JP"/>
                   <a:t>, </a:t>
                 </a:r>
                 <a:r>
                   <a:rPr lang="ja-JP" altLang="en-US"/>
-                  <a:t>少しづつ方策を更新</a:t>
+                  <a:t>各ステップで少しづつ方策を更新</a:t>
                 </a:r>
                 <a:endParaRPr lang="en-US" altLang="ja-JP" dirty="0"/>
               </a:p>
@@ -7276,41 +7266,8 @@
           </a:p>
         </p:txBody>
       </p:sp>
-      <p:sp>
-        <p:nvSpPr>
-          <p:cNvPr id="5" name="スライド番号プレースホルダー 4">
-            <a:extLst>
-              <a:ext uri="{FF2B5EF4-FFF2-40B4-BE49-F238E27FC236}">
-                <a16:creationId xmlns:a16="http://schemas.microsoft.com/office/drawing/2014/main" id="{1EFB8320-96E8-FB4A-BB1E-8FD93FDC3599}"/>
-              </a:ext>
-            </a:extLst>
-          </p:cNvPr>
-          <p:cNvSpPr>
-            <a:spLocks noGrp="1"/>
-          </p:cNvSpPr>
-          <p:nvPr>
-            <p:ph type="sldNum" sz="quarter" idx="12"/>
-          </p:nvPr>
-        </p:nvSpPr>
-        <p:spPr/>
-        <p:txBody>
-          <a:bodyPr/>
-          <a:lstStyle/>
-          <a:p>
-            <a:fld id="{5D57FD6B-29A3-3249-A29F-ABF600A8FF13}" type="slidenum">
-              <a:rPr kumimoji="1" lang="ja-JP" altLang="en-US" smtClean="0"/>
-              <a:t>11</a:t>
-            </a:fld>
-            <a:r>
-              <a:rPr kumimoji="1" lang="en-US" altLang="ja-JP"/>
-              <a:t>/14</a:t>
-            </a:r>
-            <a:endParaRPr kumimoji="1" lang="en-US" altLang="ja-JP" dirty="0"/>
-          </a:p>
-        </p:txBody>
-      </p:sp>
-      <mc:AlternateContent xmlns:mc="http://schemas.openxmlformats.org/markup-compatibility/2006">
-        <mc:Choice xmlns:a14="http://schemas.microsoft.com/office/drawing/2010/main" Requires="a14">
+      <mc:AlternateContent xmlns:mc="http://schemas.openxmlformats.org/markup-compatibility/2006" xmlns:a14="http://schemas.microsoft.com/office/drawing/2010/main">
+        <mc:Choice Requires="a14">
           <p:sp>
             <p:nvSpPr>
               <p:cNvPr id="6" name="テキスト ボックス 5">
@@ -7942,7 +7899,7 @@
             </p:txBody>
           </p:sp>
         </mc:Choice>
-        <mc:Fallback>
+        <mc:Fallback xmlns="">
           <p:sp>
             <p:nvSpPr>
               <p:cNvPr id="6" name="テキスト ボックス 5">
@@ -7987,6 +7944,34 @@
           </p:sp>
         </mc:Fallback>
       </mc:AlternateContent>
+      <p:sp>
+        <p:nvSpPr>
+          <p:cNvPr id="7" name="スライド番号プレースホルダー 6">
+            <a:extLst>
+              <a:ext uri="{FF2B5EF4-FFF2-40B4-BE49-F238E27FC236}">
+                <a16:creationId xmlns:a16="http://schemas.microsoft.com/office/drawing/2014/main" id="{7B2E4C64-4BCC-9641-AB4F-8D2A2C32ADFF}"/>
+              </a:ext>
+            </a:extLst>
+          </p:cNvPr>
+          <p:cNvSpPr>
+            <a:spLocks noGrp="1"/>
+          </p:cNvSpPr>
+          <p:nvPr>
+            <p:ph type="sldNum" sz="quarter" idx="12"/>
+          </p:nvPr>
+        </p:nvSpPr>
+        <p:spPr/>
+        <p:txBody>
+          <a:bodyPr/>
+          <a:lstStyle/>
+          <a:p>
+            <a:r>
+              <a:rPr kumimoji="1" lang="en-US" altLang="ja-JP" dirty="0"/>
+              <a:t>8/12</a:t>
+            </a:r>
+          </a:p>
+        </p:txBody>
+      </p:sp>
     </p:spTree>
     <p:extLst>
       <p:ext uri="{BB962C8B-B14F-4D97-AF65-F5344CB8AC3E}">
@@ -8566,39 +8551,6 @@
               <a:t>2021/2/9</a:t>
             </a:r>
             <a:endParaRPr kumimoji="1" lang="ja-JP" altLang="en-US"/>
-          </a:p>
-        </p:txBody>
-      </p:sp>
-      <p:sp>
-        <p:nvSpPr>
-          <p:cNvPr id="5" name="スライド番号プレースホルダー 4">
-            <a:extLst>
-              <a:ext uri="{FF2B5EF4-FFF2-40B4-BE49-F238E27FC236}">
-                <a16:creationId xmlns:a16="http://schemas.microsoft.com/office/drawing/2014/main" id="{97E543D5-86F6-6340-9066-9681C07877A7}"/>
-              </a:ext>
-            </a:extLst>
-          </p:cNvPr>
-          <p:cNvSpPr>
-            <a:spLocks noGrp="1"/>
-          </p:cNvSpPr>
-          <p:nvPr>
-            <p:ph type="sldNum" sz="quarter" idx="12"/>
-          </p:nvPr>
-        </p:nvSpPr>
-        <p:spPr/>
-        <p:txBody>
-          <a:bodyPr/>
-          <a:lstStyle/>
-          <a:p>
-            <a:fld id="{5D57FD6B-29A3-3249-A29F-ABF600A8FF13}" type="slidenum">
-              <a:rPr kumimoji="1" lang="ja-JP" altLang="en-US" smtClean="0"/>
-              <a:t>12</a:t>
-            </a:fld>
-            <a:r>
-              <a:rPr kumimoji="1" lang="en-US" altLang="ja-JP"/>
-              <a:t>/14</a:t>
-            </a:r>
-            <a:endParaRPr kumimoji="1" lang="en-US" altLang="ja-JP" dirty="0"/>
           </a:p>
         </p:txBody>
       </p:sp>
@@ -9171,8 +9123,8 @@
           </a:fontRef>
         </p:style>
       </p:cxnSp>
-      <mc:AlternateContent xmlns:mc="http://schemas.openxmlformats.org/markup-compatibility/2006">
-        <mc:Choice xmlns:a14="http://schemas.microsoft.com/office/drawing/2010/main" Requires="a14">
+      <mc:AlternateContent xmlns:mc="http://schemas.openxmlformats.org/markup-compatibility/2006" xmlns:a14="http://schemas.microsoft.com/office/drawing/2010/main">
+        <mc:Choice Requires="a14">
           <p:sp>
             <p:nvSpPr>
               <p:cNvPr id="9" name="テキスト ボックス 8">
@@ -9348,7 +9300,7 @@
             </p:txBody>
           </p:sp>
         </mc:Choice>
-        <mc:Fallback>
+        <mc:Fallback xmlns="">
           <p:sp>
             <p:nvSpPr>
               <p:cNvPr id="9" name="テキスト ボックス 8">
@@ -10258,1649 +10210,12 @@
           </a:p>
         </p:txBody>
       </p:sp>
-    </p:spTree>
-    <p:extLst>
-      <p:ext uri="{BB962C8B-B14F-4D97-AF65-F5344CB8AC3E}">
-        <p14:creationId xmlns:p14="http://schemas.microsoft.com/office/powerpoint/2010/main" val="2077225552"/>
-      </p:ext>
-    </p:extLst>
-  </p:cSld>
-  <p:clrMapOvr>
-    <a:masterClrMapping/>
-  </p:clrMapOvr>
-</p:sld>
-</file>
-
-<file path=ppt/slides/slide14.xml><?xml version="1.0" encoding="utf-8"?>
-<p:sld xmlns:a="http://schemas.openxmlformats.org/drawingml/2006/main" xmlns:r="http://schemas.openxmlformats.org/officeDocument/2006/relationships" xmlns:p="http://schemas.openxmlformats.org/presentationml/2006/main">
-  <p:cSld>
-    <p:spTree>
-      <p:nvGrpSpPr>
-        <p:cNvPr id="1" name=""/>
-        <p:cNvGrpSpPr/>
-        <p:nvPr/>
-      </p:nvGrpSpPr>
-      <p:grpSpPr>
-        <a:xfrm>
-          <a:off x="0" y="0"/>
-          <a:ext cx="0" cy="0"/>
-          <a:chOff x="0" y="0"/>
-          <a:chExt cx="0" cy="0"/>
-        </a:xfrm>
-      </p:grpSpPr>
-      <mc:AlternateContent xmlns:mc="http://schemas.openxmlformats.org/markup-compatibility/2006" xmlns:a14="http://schemas.microsoft.com/office/drawing/2010/main">
-        <mc:Choice Requires="a14">
-          <p:sp>
-            <p:nvSpPr>
-              <p:cNvPr id="2" name="コンテンツ プレースホルダー 1">
-                <a:extLst>
-                  <a:ext uri="{FF2B5EF4-FFF2-40B4-BE49-F238E27FC236}">
-                    <a16:creationId xmlns:a16="http://schemas.microsoft.com/office/drawing/2014/main" id="{60061DAC-69A3-944A-AD86-BFA012085C22}"/>
-                  </a:ext>
-                </a:extLst>
-              </p:cNvPr>
-              <p:cNvSpPr>
-                <a:spLocks noGrp="1"/>
-              </p:cNvSpPr>
-              <p:nvPr>
-                <p:ph idx="1"/>
-              </p:nvPr>
-            </p:nvSpPr>
-            <p:spPr/>
-            <p:txBody>
-              <a:bodyPr/>
-              <a:lstStyle/>
-              <a:p>
-                <a:r>
-                  <a:rPr kumimoji="1" lang="ja-JP" altLang="en-US"/>
-                  <a:t>制御対象</a:t>
-                </a:r>
-                <a:endParaRPr kumimoji="1" lang="en-US" altLang="ja-JP" dirty="0"/>
-              </a:p>
-              <a:p>
-                <a:endParaRPr lang="en-US" altLang="ja-JP" dirty="0"/>
-              </a:p>
-              <a:p>
-                <a:endParaRPr kumimoji="1" lang="en-US" altLang="ja-JP" dirty="0"/>
-              </a:p>
-              <a:p>
-                <a:r>
-                  <a:rPr lang="ja-JP" altLang="en-US"/>
-                  <a:t>初期方策</a:t>
-                </a:r>
-                <a:endParaRPr lang="en-US" altLang="ja-JP" dirty="0"/>
-              </a:p>
-              <a:p>
-                <a:pPr lvl="1"/>
-                <a:r>
-                  <a:rPr lang="ja-JP" altLang="en-US"/>
-                  <a:t>素朴に設計した方策</a:t>
-                </a:r>
-                <a:endParaRPr lang="en-US" altLang="ja-JP" dirty="0"/>
-              </a:p>
-              <a:p>
-                <a:pPr lvl="1"/>
-                <a:endParaRPr lang="en-US" altLang="ja-JP" dirty="0"/>
-              </a:p>
-              <a:p>
-                <a:pPr lvl="1"/>
-                <a:endParaRPr lang="en-US" altLang="ja-JP" dirty="0"/>
-              </a:p>
-              <a:p>
-                <a:pPr lvl="1"/>
-                <a:endParaRPr lang="en-US" altLang="ja-JP" dirty="0"/>
-              </a:p>
-              <a:p>
-                <a:pPr lvl="1"/>
-                <a14:m>
-                  <m:oMath xmlns:m="http://schemas.openxmlformats.org/officeDocument/2006/math">
-                    <m:sSubSup>
-                      <m:sSubSupPr>
-                        <m:ctrlPr>
-                          <a:rPr lang="en-US" altLang="ja-JP" i="1">
-                            <a:solidFill>
-                              <a:schemeClr val="accent1"/>
-                            </a:solidFill>
-                            <a:latin typeface="Cambria Math" panose="02040503050406030204" pitchFamily="18" charset="0"/>
-                            <a:ea typeface="Cambria Math" panose="02040503050406030204" pitchFamily="18" charset="0"/>
-                          </a:rPr>
-                        </m:ctrlPr>
-                      </m:sSubSupPr>
-                      <m:e>
-                        <m:r>
-                          <a:rPr lang="en-US" altLang="ja-JP" i="1">
-                            <a:solidFill>
-                              <a:schemeClr val="accent1"/>
-                            </a:solidFill>
-                            <a:latin typeface="Cambria Math" panose="02040503050406030204" pitchFamily="18" charset="0"/>
-                            <a:ea typeface="Cambria Math" panose="02040503050406030204" pitchFamily="18" charset="0"/>
-                          </a:rPr>
-                          <m:t>𝑉</m:t>
-                        </m:r>
-                      </m:e>
-                      <m:sub>
-                        <m:r>
-                          <a:rPr lang="en-US" altLang="ja-JP" i="1">
-                            <a:solidFill>
-                              <a:schemeClr val="accent1"/>
-                            </a:solidFill>
-                            <a:latin typeface="Cambria Math" panose="02040503050406030204" pitchFamily="18" charset="0"/>
-                            <a:ea typeface="Cambria Math" panose="02040503050406030204" pitchFamily="18" charset="0"/>
-                          </a:rPr>
-                          <m:t>𝑐𝑜𝑛𝑡</m:t>
-                        </m:r>
-                      </m:sub>
-                      <m:sup>
-                        <m:r>
-                          <a:rPr lang="en-US" altLang="ja-JP" i="1">
-                            <a:solidFill>
-                              <a:schemeClr val="accent1"/>
-                            </a:solidFill>
-                            <a:latin typeface="Cambria Math" panose="02040503050406030204" pitchFamily="18" charset="0"/>
-                            <a:ea typeface="Cambria Math" panose="02040503050406030204" pitchFamily="18" charset="0"/>
-                          </a:rPr>
-                          <m:t>∗</m:t>
-                        </m:r>
-                      </m:sup>
-                    </m:sSubSup>
-                    <m:r>
-                      <a:rPr lang="en-US" altLang="ja-JP" i="1">
-                        <a:solidFill>
-                          <a:schemeClr val="accent1"/>
-                        </a:solidFill>
-                        <a:latin typeface="Cambria Math" panose="02040503050406030204" pitchFamily="18" charset="0"/>
-                        <a:ea typeface="Cambria Math" panose="02040503050406030204" pitchFamily="18" charset="0"/>
-                      </a:rPr>
-                      <m:t>(</m:t>
-                    </m:r>
-                    <m:sSubSup>
-                      <m:sSubSupPr>
-                        <m:ctrlPr>
-                          <a:rPr lang="en-US" altLang="ja-JP" i="1">
-                            <a:solidFill>
-                              <a:schemeClr val="accent1"/>
-                            </a:solidFill>
-                            <a:latin typeface="Cambria Math" panose="02040503050406030204" pitchFamily="18" charset="0"/>
-                            <a:ea typeface="Cambria Math" panose="02040503050406030204" pitchFamily="18" charset="0"/>
-                          </a:rPr>
-                        </m:ctrlPr>
-                      </m:sSubSupPr>
-                      <m:e>
-                        <m:r>
-                          <a:rPr lang="en-US" altLang="ja-JP" i="1">
-                            <a:solidFill>
-                              <a:schemeClr val="accent1"/>
-                            </a:solidFill>
-                            <a:latin typeface="Cambria Math" panose="02040503050406030204" pitchFamily="18" charset="0"/>
-                            <a:ea typeface="Cambria Math" panose="02040503050406030204" pitchFamily="18" charset="0"/>
-                          </a:rPr>
-                          <m:t>𝑠</m:t>
-                        </m:r>
-                      </m:e>
-                      <m:sub>
-                        <m:r>
-                          <a:rPr lang="en-US" altLang="ja-JP" i="1">
-                            <a:solidFill>
-                              <a:schemeClr val="accent1"/>
-                            </a:solidFill>
-                            <a:latin typeface="Cambria Math" panose="02040503050406030204" pitchFamily="18" charset="0"/>
-                            <a:ea typeface="Cambria Math" panose="02040503050406030204" pitchFamily="18" charset="0"/>
-                          </a:rPr>
-                          <m:t>𝑒</m:t>
-                        </m:r>
-                      </m:sub>
-                      <m:sup>
-                        <m:r>
-                          <a:rPr lang="en-US" altLang="ja-JP" i="1">
-                            <a:solidFill>
-                              <a:schemeClr val="accent1"/>
-                            </a:solidFill>
-                            <a:latin typeface="Cambria Math" panose="02040503050406030204" pitchFamily="18" charset="0"/>
-                            <a:ea typeface="Cambria Math" panose="02040503050406030204" pitchFamily="18" charset="0"/>
-                          </a:rPr>
-                          <m:t>′</m:t>
-                        </m:r>
-                      </m:sup>
-                    </m:sSubSup>
-                    <m:r>
-                      <a:rPr lang="en-US" altLang="ja-JP" i="1">
-                        <a:solidFill>
-                          <a:schemeClr val="accent1"/>
-                        </a:solidFill>
-                        <a:latin typeface="Cambria Math" panose="02040503050406030204" pitchFamily="18" charset="0"/>
-                        <a:ea typeface="Cambria Math" panose="02040503050406030204" pitchFamily="18" charset="0"/>
-                      </a:rPr>
-                      <m:t>,</m:t>
-                    </m:r>
-                    <m:r>
-                      <m:rPr>
-                        <m:sty m:val="p"/>
-                      </m:rPr>
-                      <a:rPr lang="el-GR" altLang="ja-JP" i="1">
-                        <a:solidFill>
-                          <a:schemeClr val="accent1"/>
-                        </a:solidFill>
-                        <a:latin typeface="Cambria Math" panose="02040503050406030204" pitchFamily="18" charset="0"/>
-                        <a:ea typeface="Cambria Math" panose="02040503050406030204" pitchFamily="18" charset="0"/>
-                      </a:rPr>
-                      <m:t>Σ</m:t>
-                    </m:r>
-                    <m:r>
-                      <a:rPr lang="en-US" altLang="ja-JP" i="1">
-                        <a:solidFill>
-                          <a:schemeClr val="accent1"/>
-                        </a:solidFill>
-                        <a:latin typeface="Cambria Math" panose="02040503050406030204" pitchFamily="18" charset="0"/>
-                        <a:ea typeface="Cambria Math" panose="02040503050406030204" pitchFamily="18" charset="0"/>
-                      </a:rPr>
-                      <m:t>)</m:t>
-                    </m:r>
-                  </m:oMath>
-                </a14:m>
-                <a:r>
-                  <a:rPr lang="ja-JP" altLang="en-US"/>
-                  <a:t>は</a:t>
-                </a:r>
-                <a:r>
-                  <a:rPr lang="en-US" altLang="ja-JP" dirty="0"/>
-                  <a:t>, </a:t>
-                </a:r>
-                <a:r>
-                  <a:rPr lang="ja-JP" altLang="en-US"/>
-                  <a:t>連続的に最適制御した際の制御コスト</a:t>
-                </a:r>
-                <a:r>
-                  <a:rPr lang="en-US" altLang="ja-JP" dirty="0">
-                    <a:solidFill>
-                      <a:schemeClr val="bg1">
-                        <a:lumMod val="50000"/>
-                      </a:schemeClr>
-                    </a:solidFill>
-                  </a:rPr>
-                  <a:t>(×</a:t>
-                </a:r>
-                <a:r>
-                  <a:rPr lang="ja-JP" altLang="en-US">
-                    <a:solidFill>
-                      <a:schemeClr val="bg1">
-                        <a:lumMod val="50000"/>
-                      </a:schemeClr>
-                    </a:solidFill>
-                  </a:rPr>
-                  <a:t>通信コスト</a:t>
-                </a:r>
-                <a:r>
-                  <a:rPr lang="en-US" altLang="ja-JP" dirty="0">
-                    <a:solidFill>
-                      <a:schemeClr val="bg1">
-                        <a:lumMod val="50000"/>
-                      </a:schemeClr>
-                    </a:solidFill>
-                  </a:rPr>
-                  <a:t>)</a:t>
-                </a:r>
-              </a:p>
-              <a:p>
-                <a:pPr lvl="1"/>
-                <a:r>
-                  <a:rPr lang="ja-JP" altLang="en-US"/>
-                  <a:t>次ステップで高い制御コストを必要とする状態に行かないようにしたい</a:t>
-                </a:r>
-                <a:endParaRPr lang="en-US" altLang="ja-JP" dirty="0"/>
-              </a:p>
-              <a:p>
-                <a:pPr lvl="1"/>
-                <a:endParaRPr lang="en-US" altLang="ja-JP" dirty="0"/>
-              </a:p>
-              <a:p>
-                <a:pPr lvl="1"/>
-                <a:endParaRPr lang="en-US" altLang="ja-JP" dirty="0"/>
-              </a:p>
-            </p:txBody>
-          </p:sp>
-        </mc:Choice>
-        <mc:Fallback xmlns="">
-          <p:sp>
-            <p:nvSpPr>
-              <p:cNvPr id="2" name="コンテンツ プレースホルダー 1">
-                <a:extLst>
-                  <a:ext uri="{FF2B5EF4-FFF2-40B4-BE49-F238E27FC236}">
-                    <a16:creationId xmlns:a16="http://schemas.microsoft.com/office/drawing/2014/main" id="{60061DAC-69A3-944A-AD86-BFA012085C22}"/>
-                  </a:ext>
-                </a:extLst>
-              </p:cNvPr>
-              <p:cNvSpPr>
-                <a:spLocks noGrp="1" noRot="1" noChangeAspect="1" noMove="1" noResize="1" noEditPoints="1" noAdjustHandles="1" noChangeArrowheads="1" noChangeShapeType="1" noTextEdit="1"/>
-              </p:cNvSpPr>
-              <p:nvPr>
-                <p:ph idx="1"/>
-              </p:nvPr>
-            </p:nvSpPr>
-            <p:spPr>
-              <a:blipFill>
-                <a:blip r:embed="rId2"/>
-                <a:stretch>
-                  <a:fillRect l="-598" t="-1266" r="-598"/>
-                </a:stretch>
-              </a:blipFill>
-            </p:spPr>
-            <p:txBody>
-              <a:bodyPr/>
-              <a:lstStyle/>
-              <a:p>
-                <a:r>
-                  <a:rPr lang="ja-JP" altLang="en-US">
-                    <a:noFill/>
-                  </a:rPr>
-                  <a:t> </a:t>
-                </a:r>
-              </a:p>
-            </p:txBody>
-          </p:sp>
-        </mc:Fallback>
-      </mc:AlternateContent>
       <p:sp>
         <p:nvSpPr>
-          <p:cNvPr id="3" name="タイトル 2">
+          <p:cNvPr id="11" name="スライド番号プレースホルダー 10">
             <a:extLst>
               <a:ext uri="{FF2B5EF4-FFF2-40B4-BE49-F238E27FC236}">
-                <a16:creationId xmlns:a16="http://schemas.microsoft.com/office/drawing/2014/main" id="{AAFE7DBA-75BA-5A4E-BEA6-8A647CE8AD32}"/>
-              </a:ext>
-            </a:extLst>
-          </p:cNvPr>
-          <p:cNvSpPr>
-            <a:spLocks noGrp="1"/>
-          </p:cNvSpPr>
-          <p:nvPr>
-            <p:ph type="title"/>
-          </p:nvPr>
-        </p:nvSpPr>
-        <p:spPr/>
-        <p:txBody>
-          <a:bodyPr/>
-          <a:lstStyle/>
-          <a:p>
-            <a:r>
-              <a:rPr kumimoji="1" lang="ja-JP" altLang="en-US"/>
-              <a:t>数値実験</a:t>
-            </a:r>
-            <a:r>
-              <a:rPr kumimoji="1" lang="en-US" altLang="ja-JP" dirty="0"/>
-              <a:t> (</a:t>
-            </a:r>
-            <a:r>
-              <a:rPr kumimoji="1" lang="ja-JP" altLang="en-US"/>
-              <a:t>線形システム</a:t>
-            </a:r>
-            <a:r>
-              <a:rPr kumimoji="1" lang="en-US" altLang="ja-JP" dirty="0"/>
-              <a:t>)</a:t>
-            </a:r>
-            <a:endParaRPr kumimoji="1" lang="ja-JP" altLang="en-US"/>
-          </a:p>
-        </p:txBody>
-      </p:sp>
-      <p:sp>
-        <p:nvSpPr>
-          <p:cNvPr id="4" name="日付プレースホルダー 3">
-            <a:extLst>
-              <a:ext uri="{FF2B5EF4-FFF2-40B4-BE49-F238E27FC236}">
-                <a16:creationId xmlns:a16="http://schemas.microsoft.com/office/drawing/2014/main" id="{5028C70B-DDF6-784B-B47B-B349492102E2}"/>
-              </a:ext>
-            </a:extLst>
-          </p:cNvPr>
-          <p:cNvSpPr>
-            <a:spLocks noGrp="1"/>
-          </p:cNvSpPr>
-          <p:nvPr>
-            <p:ph type="dt" sz="half" idx="10"/>
-          </p:nvPr>
-        </p:nvSpPr>
-        <p:spPr/>
-        <p:txBody>
-          <a:bodyPr/>
-          <a:lstStyle/>
-          <a:p>
-            <a:r>
-              <a:rPr kumimoji="1" lang="en-US" altLang="ja-JP"/>
-              <a:t>2021/2/9</a:t>
-            </a:r>
-            <a:endParaRPr kumimoji="1" lang="ja-JP" altLang="en-US"/>
-          </a:p>
-        </p:txBody>
-      </p:sp>
-      <mc:AlternateContent xmlns:mc="http://schemas.openxmlformats.org/markup-compatibility/2006" xmlns:a14="http://schemas.microsoft.com/office/drawing/2010/main">
-        <mc:Choice Requires="a14">
-          <p:sp>
-            <p:nvSpPr>
-              <p:cNvPr id="6" name="テキスト ボックス 5">
-                <a:extLst>
-                  <a:ext uri="{FF2B5EF4-FFF2-40B4-BE49-F238E27FC236}">
-                    <a16:creationId xmlns:a16="http://schemas.microsoft.com/office/drawing/2014/main" id="{AC152196-49E5-AE4C-A761-3621CF759083}"/>
-                  </a:ext>
-                </a:extLst>
-              </p:cNvPr>
-              <p:cNvSpPr txBox="1"/>
-              <p:nvPr/>
-            </p:nvSpPr>
-            <p:spPr>
-              <a:xfrm>
-                <a:off x="1316871" y="3186626"/>
-                <a:ext cx="4089068" cy="530082"/>
-              </a:xfrm>
-              <a:prstGeom prst="rect">
-                <a:avLst/>
-              </a:prstGeom>
-              <a:noFill/>
-            </p:spPr>
-            <p:txBody>
-              <a:bodyPr wrap="none" rtlCol="0">
-                <a:spAutoFit/>
-              </a:bodyPr>
-              <a:lstStyle/>
-              <a:p>
-                <a:pPr/>
-                <a14:m>
-                  <m:oMathPara xmlns:m="http://schemas.openxmlformats.org/officeDocument/2006/math">
-                    <m:oMathParaPr>
-                      <m:jc m:val="centerGroup"/>
-                    </m:oMathParaPr>
-                    <m:oMath xmlns:m="http://schemas.openxmlformats.org/officeDocument/2006/math">
-                      <m:func>
-                        <m:funcPr>
-                          <m:ctrlPr>
-                            <a:rPr kumimoji="1" lang="en" altLang="ja-JP" i="1" smtClean="0">
-                              <a:latin typeface="Cambria Math" panose="02040503050406030204" pitchFamily="18" charset="0"/>
-                            </a:rPr>
-                          </m:ctrlPr>
-                        </m:funcPr>
-                        <m:fName>
-                          <m:r>
-                            <a:rPr kumimoji="1" lang="en" altLang="ja-JP" i="1" smtClean="0">
-                              <a:latin typeface="Cambria Math" panose="02040503050406030204" pitchFamily="18" charset="0"/>
-                              <a:ea typeface="Cambria Math" panose="02040503050406030204" pitchFamily="18" charset="0"/>
-                            </a:rPr>
-                            <m:t>𝜋</m:t>
-                          </m:r>
-                          <m:d>
-                            <m:dPr>
-                              <m:ctrlPr>
-                                <a:rPr kumimoji="1" lang="en" altLang="ja-JP" i="1" smtClean="0">
-                                  <a:latin typeface="Cambria Math" panose="02040503050406030204" pitchFamily="18" charset="0"/>
-                                  <a:ea typeface="Cambria Math" panose="02040503050406030204" pitchFamily="18" charset="0"/>
-                                </a:rPr>
-                              </m:ctrlPr>
-                            </m:dPr>
-                            <m:e>
-                              <m:r>
-                                <a:rPr kumimoji="1" lang="en-US" altLang="ja-JP" b="0" i="1" smtClean="0">
-                                  <a:latin typeface="Cambria Math" panose="02040503050406030204" pitchFamily="18" charset="0"/>
-                                  <a:ea typeface="Cambria Math" panose="02040503050406030204" pitchFamily="18" charset="0"/>
-                                </a:rPr>
-                                <m:t>𝑠</m:t>
-                              </m:r>
-                            </m:e>
-                          </m:d>
-                          <m:r>
-                            <a:rPr kumimoji="1" lang="en-US" altLang="ja-JP" b="0" i="1" smtClean="0">
-                              <a:latin typeface="Cambria Math" panose="02040503050406030204" pitchFamily="18" charset="0"/>
-                              <a:ea typeface="Cambria Math" panose="02040503050406030204" pitchFamily="18" charset="0"/>
-                            </a:rPr>
-                            <m:t>=</m:t>
-                          </m:r>
-                          <m:limLow>
-                            <m:limLowPr>
-                              <m:ctrlPr>
-                                <a:rPr kumimoji="1" lang="en" altLang="ja-JP" i="1" smtClean="0">
-                                  <a:latin typeface="Cambria Math" panose="02040503050406030204" pitchFamily="18" charset="0"/>
-                                </a:rPr>
-                              </m:ctrlPr>
-                            </m:limLowPr>
-                            <m:e>
-                              <m:r>
-                                <m:rPr>
-                                  <m:sty m:val="p"/>
-                                </m:rPr>
-                                <a:rPr kumimoji="1" lang="en" altLang="ja-JP" i="1" smtClean="0">
-                                  <a:latin typeface="Cambria Math" panose="02040503050406030204" pitchFamily="18" charset="0"/>
-                                </a:rPr>
-                                <m:t>arg</m:t>
-                              </m:r>
-                              <m:r>
-                                <m:rPr>
-                                  <m:sty m:val="p"/>
-                                </m:rPr>
-                                <a:rPr kumimoji="1" lang="en" altLang="ja-JP" i="0" smtClean="0">
-                                  <a:latin typeface="Cambria Math" panose="02040503050406030204" pitchFamily="18" charset="0"/>
-                                </a:rPr>
-                                <m:t>min</m:t>
-                              </m:r>
-                            </m:e>
-                            <m:lim>
-                              <m:r>
-                                <a:rPr kumimoji="1" lang="en-US" altLang="ja-JP" b="0" i="1" smtClean="0">
-                                  <a:latin typeface="Cambria Math" panose="02040503050406030204" pitchFamily="18" charset="0"/>
-                                </a:rPr>
-                                <m:t>𝑢</m:t>
-                              </m:r>
-                              <m:r>
-                                <a:rPr kumimoji="1" lang="en-US" altLang="ja-JP" b="0" i="1" smtClean="0">
-                                  <a:latin typeface="Cambria Math" panose="02040503050406030204" pitchFamily="18" charset="0"/>
-                                </a:rPr>
-                                <m:t>,</m:t>
-                              </m:r>
-                              <m:r>
-                                <a:rPr kumimoji="1" lang="en-US" altLang="ja-JP" b="0" i="1" smtClean="0">
-                                  <a:latin typeface="Cambria Math" panose="02040503050406030204" pitchFamily="18" charset="0"/>
-                                  <a:ea typeface="Cambria Math" panose="02040503050406030204" pitchFamily="18" charset="0"/>
-                                </a:rPr>
-                                <m:t>𝜏</m:t>
-                              </m:r>
-                            </m:lim>
-                          </m:limLow>
-                        </m:fName>
-                        <m:e>
-                          <m:r>
-                            <a:rPr kumimoji="1" lang="en-US" altLang="ja-JP" b="0" i="1" smtClean="0">
-                              <a:latin typeface="Cambria Math" panose="02040503050406030204" pitchFamily="18" charset="0"/>
-                            </a:rPr>
-                            <m:t> {</m:t>
-                          </m:r>
-                          <m:sSup>
-                            <m:sSupPr>
-                              <m:ctrlPr>
-                                <a:rPr kumimoji="1" lang="en-US" altLang="ja-JP" b="0" i="1" smtClean="0">
-                                  <a:latin typeface="Cambria Math" panose="02040503050406030204" pitchFamily="18" charset="0"/>
-                                </a:rPr>
-                              </m:ctrlPr>
-                            </m:sSupPr>
-                            <m:e>
-                              <m:r>
-                                <a:rPr kumimoji="1" lang="en-US" altLang="ja-JP" b="0" i="1" smtClean="0">
-                                  <a:latin typeface="Cambria Math" panose="02040503050406030204" pitchFamily="18" charset="0"/>
-                                </a:rPr>
-                                <m:t>𝑢</m:t>
-                              </m:r>
-                            </m:e>
-                            <m:sup>
-                              <m:r>
-                                <a:rPr kumimoji="1" lang="en-US" altLang="ja-JP" b="0" i="1" smtClean="0">
-                                  <a:latin typeface="Cambria Math" panose="02040503050406030204" pitchFamily="18" charset="0"/>
-                                </a:rPr>
-                                <m:t>2</m:t>
-                              </m:r>
-                            </m:sup>
-                          </m:sSup>
-                          <m:r>
-                            <a:rPr kumimoji="1" lang="en-US" altLang="ja-JP" b="0" i="1" smtClean="0">
-                              <a:latin typeface="Cambria Math" panose="02040503050406030204" pitchFamily="18" charset="0"/>
-                            </a:rPr>
-                            <m:t>−</m:t>
-                          </m:r>
-                          <m:r>
-                            <a:rPr kumimoji="1" lang="en-US" altLang="ja-JP" b="0" i="1" smtClean="0">
-                              <a:latin typeface="Cambria Math" panose="02040503050406030204" pitchFamily="18" charset="0"/>
-                              <a:ea typeface="Cambria Math" panose="02040503050406030204" pitchFamily="18" charset="0"/>
-                            </a:rPr>
-                            <m:t>𝜆𝜏</m:t>
-                          </m:r>
-                          <m:r>
-                            <a:rPr kumimoji="1" lang="en-US" altLang="ja-JP" b="0" i="1" smtClean="0">
-                              <a:latin typeface="Cambria Math" panose="02040503050406030204" pitchFamily="18" charset="0"/>
-                              <a:ea typeface="Cambria Math" panose="02040503050406030204" pitchFamily="18" charset="0"/>
-                            </a:rPr>
-                            <m:t>+</m:t>
-                          </m:r>
-                          <m:sSubSup>
-                            <m:sSubSupPr>
-                              <m:ctrlPr>
-                                <a:rPr kumimoji="1" lang="en-US" altLang="ja-JP" b="0" i="1" smtClean="0">
-                                  <a:solidFill>
-                                    <a:schemeClr val="accent1"/>
-                                  </a:solidFill>
-                                  <a:latin typeface="Cambria Math" panose="02040503050406030204" pitchFamily="18" charset="0"/>
-                                  <a:ea typeface="Cambria Math" panose="02040503050406030204" pitchFamily="18" charset="0"/>
-                                </a:rPr>
-                              </m:ctrlPr>
-                            </m:sSubSupPr>
-                            <m:e>
-                              <m:r>
-                                <a:rPr kumimoji="1" lang="en-US" altLang="ja-JP" i="1">
-                                  <a:solidFill>
-                                    <a:schemeClr val="accent1"/>
-                                  </a:solidFill>
-                                  <a:latin typeface="Cambria Math" panose="02040503050406030204" pitchFamily="18" charset="0"/>
-                                  <a:ea typeface="Cambria Math" panose="02040503050406030204" pitchFamily="18" charset="0"/>
-                                </a:rPr>
-                                <m:t>𝑉</m:t>
-                              </m:r>
-                            </m:e>
-                            <m:sub>
-                              <m:r>
-                                <a:rPr kumimoji="1" lang="en-US" altLang="ja-JP" b="0" i="1" smtClean="0">
-                                  <a:solidFill>
-                                    <a:schemeClr val="accent1"/>
-                                  </a:solidFill>
-                                  <a:latin typeface="Cambria Math" panose="02040503050406030204" pitchFamily="18" charset="0"/>
-                                  <a:ea typeface="Cambria Math" panose="02040503050406030204" pitchFamily="18" charset="0"/>
-                                </a:rPr>
-                                <m:t>𝑐𝑜𝑛𝑡</m:t>
-                              </m:r>
-                            </m:sub>
-                            <m:sup>
-                              <m:r>
-                                <a:rPr kumimoji="1" lang="en-US" altLang="ja-JP" b="0" i="1" smtClean="0">
-                                  <a:solidFill>
-                                    <a:schemeClr val="accent1"/>
-                                  </a:solidFill>
-                                  <a:latin typeface="Cambria Math" panose="02040503050406030204" pitchFamily="18" charset="0"/>
-                                  <a:ea typeface="Cambria Math" panose="02040503050406030204" pitchFamily="18" charset="0"/>
-                                </a:rPr>
-                                <m:t>∗</m:t>
-                              </m:r>
-                            </m:sup>
-                          </m:sSubSup>
-                          <m:r>
-                            <a:rPr kumimoji="1" lang="en-US" altLang="ja-JP" b="0" i="1" smtClean="0">
-                              <a:solidFill>
-                                <a:schemeClr val="accent1"/>
-                              </a:solidFill>
-                              <a:latin typeface="Cambria Math" panose="02040503050406030204" pitchFamily="18" charset="0"/>
-                              <a:ea typeface="Cambria Math" panose="02040503050406030204" pitchFamily="18" charset="0"/>
-                            </a:rPr>
-                            <m:t>(</m:t>
-                          </m:r>
-                          <m:sSubSup>
-                            <m:sSubSupPr>
-                              <m:ctrlPr>
-                                <a:rPr kumimoji="1" lang="en-US" altLang="ja-JP" i="1">
-                                  <a:solidFill>
-                                    <a:schemeClr val="accent1"/>
-                                  </a:solidFill>
-                                  <a:latin typeface="Cambria Math" panose="02040503050406030204" pitchFamily="18" charset="0"/>
-                                  <a:ea typeface="Cambria Math" panose="02040503050406030204" pitchFamily="18" charset="0"/>
-                                </a:rPr>
-                              </m:ctrlPr>
-                            </m:sSubSupPr>
-                            <m:e>
-                              <m:r>
-                                <a:rPr kumimoji="1" lang="en-US" altLang="ja-JP" i="1">
-                                  <a:solidFill>
-                                    <a:schemeClr val="accent1"/>
-                                  </a:solidFill>
-                                  <a:latin typeface="Cambria Math" panose="02040503050406030204" pitchFamily="18" charset="0"/>
-                                  <a:ea typeface="Cambria Math" panose="02040503050406030204" pitchFamily="18" charset="0"/>
-                                </a:rPr>
-                                <m:t>𝑠</m:t>
-                              </m:r>
-                            </m:e>
-                            <m:sub>
-                              <m:r>
-                                <a:rPr kumimoji="1" lang="en-US" altLang="ja-JP" i="1">
-                                  <a:solidFill>
-                                    <a:schemeClr val="accent1"/>
-                                  </a:solidFill>
-                                  <a:latin typeface="Cambria Math" panose="02040503050406030204" pitchFamily="18" charset="0"/>
-                                  <a:ea typeface="Cambria Math" panose="02040503050406030204" pitchFamily="18" charset="0"/>
-                                </a:rPr>
-                                <m:t>𝑒</m:t>
-                              </m:r>
-                            </m:sub>
-                            <m:sup>
-                              <m:r>
-                                <a:rPr kumimoji="1" lang="en-US" altLang="ja-JP" i="1">
-                                  <a:solidFill>
-                                    <a:schemeClr val="accent1"/>
-                                  </a:solidFill>
-                                  <a:latin typeface="Cambria Math" panose="02040503050406030204" pitchFamily="18" charset="0"/>
-                                  <a:ea typeface="Cambria Math" panose="02040503050406030204" pitchFamily="18" charset="0"/>
-                                </a:rPr>
-                                <m:t>′</m:t>
-                              </m:r>
-                            </m:sup>
-                          </m:sSubSup>
-                          <m:r>
-                            <a:rPr kumimoji="1" lang="en-US" altLang="ja-JP" b="0" i="1" smtClean="0">
-                              <a:solidFill>
-                                <a:schemeClr val="accent1"/>
-                              </a:solidFill>
-                              <a:latin typeface="Cambria Math" panose="02040503050406030204" pitchFamily="18" charset="0"/>
-                              <a:ea typeface="Cambria Math" panose="02040503050406030204" pitchFamily="18" charset="0"/>
-                            </a:rPr>
-                            <m:t>,</m:t>
-                          </m:r>
-                          <m:r>
-                            <m:rPr>
-                              <m:sty m:val="p"/>
-                            </m:rPr>
-                            <a:rPr kumimoji="1" lang="el-GR" altLang="ja-JP" i="1">
-                              <a:solidFill>
-                                <a:schemeClr val="accent1"/>
-                              </a:solidFill>
-                              <a:latin typeface="Cambria Math" panose="02040503050406030204" pitchFamily="18" charset="0"/>
-                              <a:ea typeface="Cambria Math" panose="02040503050406030204" pitchFamily="18" charset="0"/>
-                            </a:rPr>
-                            <m:t>Σ</m:t>
-                          </m:r>
-                          <m:r>
-                            <a:rPr kumimoji="1" lang="en-US" altLang="ja-JP" b="0" i="1" smtClean="0">
-                              <a:solidFill>
-                                <a:schemeClr val="accent1"/>
-                              </a:solidFill>
-                              <a:latin typeface="Cambria Math" panose="02040503050406030204" pitchFamily="18" charset="0"/>
-                              <a:ea typeface="Cambria Math" panose="02040503050406030204" pitchFamily="18" charset="0"/>
-                            </a:rPr>
-                            <m:t>)</m:t>
-                          </m:r>
-                          <m:r>
-                            <a:rPr kumimoji="1" lang="en-US" altLang="ja-JP" b="0" i="1" smtClean="0">
-                              <a:latin typeface="Cambria Math" panose="02040503050406030204" pitchFamily="18" charset="0"/>
-                            </a:rPr>
-                            <m:t>}</m:t>
-                          </m:r>
-                        </m:e>
-                      </m:func>
-                    </m:oMath>
-                  </m:oMathPara>
-                </a14:m>
-                <a:endParaRPr kumimoji="1" lang="ja-JP" altLang="en-US">
-                  <a:latin typeface="Cambria" panose="02040503050406030204" pitchFamily="18" charset="0"/>
-                </a:endParaRPr>
-              </a:p>
-            </p:txBody>
-          </p:sp>
-        </mc:Choice>
-        <mc:Fallback xmlns="">
-          <p:sp>
-            <p:nvSpPr>
-              <p:cNvPr id="6" name="テキスト ボックス 5">
-                <a:extLst>
-                  <a:ext uri="{FF2B5EF4-FFF2-40B4-BE49-F238E27FC236}">
-                    <a16:creationId xmlns:a16="http://schemas.microsoft.com/office/drawing/2014/main" id="{AC152196-49E5-AE4C-A761-3621CF759083}"/>
-                  </a:ext>
-                </a:extLst>
-              </p:cNvPr>
-              <p:cNvSpPr txBox="1">
-                <a:spLocks noRot="1" noChangeAspect="1" noMove="1" noResize="1" noEditPoints="1" noAdjustHandles="1" noChangeArrowheads="1" noChangeShapeType="1" noTextEdit="1"/>
-              </p:cNvSpPr>
-              <p:nvPr/>
-            </p:nvSpPr>
-            <p:spPr>
-              <a:xfrm>
-                <a:off x="1316871" y="3186626"/>
-                <a:ext cx="4089068" cy="530082"/>
-              </a:xfrm>
-              <a:prstGeom prst="rect">
-                <a:avLst/>
-              </a:prstGeom>
-              <a:blipFill>
-                <a:blip r:embed="rId3"/>
-                <a:stretch>
-                  <a:fillRect/>
-                </a:stretch>
-              </a:blipFill>
-            </p:spPr>
-            <p:txBody>
-              <a:bodyPr/>
-              <a:lstStyle/>
-              <a:p>
-                <a:r>
-                  <a:rPr lang="ja-JP" altLang="en-US">
-                    <a:noFill/>
-                  </a:rPr>
-                  <a:t> </a:t>
-                </a:r>
-              </a:p>
-            </p:txBody>
-          </p:sp>
-        </mc:Fallback>
-      </mc:AlternateContent>
-      <mc:AlternateContent xmlns:mc="http://schemas.openxmlformats.org/markup-compatibility/2006" xmlns:a14="http://schemas.microsoft.com/office/drawing/2010/main">
-        <mc:Choice Requires="a14">
-          <p:sp>
-            <p:nvSpPr>
-              <p:cNvPr id="9" name="テキスト ボックス 8">
-                <a:extLst>
-                  <a:ext uri="{FF2B5EF4-FFF2-40B4-BE49-F238E27FC236}">
-                    <a16:creationId xmlns:a16="http://schemas.microsoft.com/office/drawing/2014/main" id="{8A465B4F-9A8A-7841-8621-59BCDBDF1F12}"/>
-                  </a:ext>
-                </a:extLst>
-              </p:cNvPr>
-              <p:cNvSpPr txBox="1"/>
-              <p:nvPr/>
-            </p:nvSpPr>
-            <p:spPr>
-              <a:xfrm>
-                <a:off x="932717" y="1548315"/>
-                <a:ext cx="3506666" cy="576312"/>
-              </a:xfrm>
-              <a:prstGeom prst="rect">
-                <a:avLst/>
-              </a:prstGeom>
-              <a:noFill/>
-            </p:spPr>
-            <p:txBody>
-              <a:bodyPr wrap="none" rtlCol="0">
-                <a:spAutoFit/>
-              </a:bodyPr>
-              <a:lstStyle/>
-              <a:p>
-                <a:pPr algn="l"/>
-                <a14:m>
-                  <m:oMathPara xmlns:m="http://schemas.openxmlformats.org/officeDocument/2006/math">
-                    <m:oMathParaPr>
-                      <m:jc m:val="centerGroup"/>
-                    </m:oMathParaPr>
-                    <m:oMath xmlns:m="http://schemas.openxmlformats.org/officeDocument/2006/math">
-                      <m:acc>
-                        <m:accPr>
-                          <m:chr m:val="̇"/>
-                          <m:ctrlPr>
-                            <a:rPr kumimoji="1" lang="ja-JP" altLang="en-US" i="1" smtClean="0">
-                              <a:latin typeface="Cambria Math" panose="02040503050406030204" pitchFamily="18" charset="0"/>
-                            </a:rPr>
-                          </m:ctrlPr>
-                        </m:accPr>
-                        <m:e>
-                          <m:r>
-                            <a:rPr kumimoji="1" lang="en-US" altLang="ja-JP" b="0" i="1" smtClean="0">
-                              <a:latin typeface="Cambria Math" panose="02040503050406030204" pitchFamily="18" charset="0"/>
-                            </a:rPr>
-                            <m:t>𝑠</m:t>
-                          </m:r>
-                        </m:e>
-                      </m:acc>
-                      <m:r>
-                        <a:rPr kumimoji="1" lang="en-US" altLang="ja-JP" b="0" i="1" smtClean="0">
-                          <a:latin typeface="Cambria Math" panose="02040503050406030204" pitchFamily="18" charset="0"/>
-                        </a:rPr>
-                        <m:t>=</m:t>
-                      </m:r>
-                      <m:d>
-                        <m:dPr>
-                          <m:begChr m:val="["/>
-                          <m:endChr m:val="]"/>
-                          <m:ctrlPr>
-                            <a:rPr kumimoji="1" lang="en-US" altLang="ja-JP" b="0" i="1" smtClean="0">
-                              <a:latin typeface="Cambria Math" panose="02040503050406030204" pitchFamily="18" charset="0"/>
-                            </a:rPr>
-                          </m:ctrlPr>
-                        </m:dPr>
-                        <m:e>
-                          <m:m>
-                            <m:mPr>
-                              <m:mcs>
-                                <m:mc>
-                                  <m:mcPr>
-                                    <m:count m:val="2"/>
-                                    <m:mcJc m:val="center"/>
-                                  </m:mcPr>
-                                </m:mc>
-                              </m:mcs>
-                              <m:ctrlPr>
-                                <a:rPr kumimoji="1" lang="en-US" altLang="ja-JP" b="0" i="1" smtClean="0">
-                                  <a:latin typeface="Cambria Math" panose="02040503050406030204" pitchFamily="18" charset="0"/>
-                                </a:rPr>
-                              </m:ctrlPr>
-                            </m:mPr>
-                            <m:mr>
-                              <m:e>
-                                <m:r>
-                                  <m:rPr>
-                                    <m:brk m:alnAt="7"/>
-                                  </m:rPr>
-                                  <a:rPr kumimoji="1" lang="en-US" altLang="ja-JP" b="0" i="1" smtClean="0">
-                                    <a:latin typeface="Cambria Math" panose="02040503050406030204" pitchFamily="18" charset="0"/>
-                                  </a:rPr>
-                                  <m:t>−</m:t>
-                                </m:r>
-                                <m:r>
-                                  <a:rPr kumimoji="1" lang="en-US" altLang="ja-JP" b="0" i="1" smtClean="0">
-                                    <a:latin typeface="Cambria Math" panose="02040503050406030204" pitchFamily="18" charset="0"/>
-                                  </a:rPr>
-                                  <m:t>1</m:t>
-                                </m:r>
-                              </m:e>
-                              <m:e>
-                                <m:r>
-                                  <a:rPr kumimoji="1" lang="en-US" altLang="ja-JP" b="0" i="1" smtClean="0">
-                                    <a:latin typeface="Cambria Math" panose="02040503050406030204" pitchFamily="18" charset="0"/>
-                                  </a:rPr>
-                                  <m:t>4</m:t>
-                                </m:r>
-                              </m:e>
-                            </m:mr>
-                            <m:mr>
-                              <m:e>
-                                <m:r>
-                                  <a:rPr kumimoji="1" lang="en-US" altLang="ja-JP" b="0" i="1" smtClean="0">
-                                    <a:latin typeface="Cambria Math" panose="02040503050406030204" pitchFamily="18" charset="0"/>
-                                  </a:rPr>
-                                  <m:t>2</m:t>
-                                </m:r>
-                              </m:e>
-                              <m:e>
-                                <m:r>
-                                  <a:rPr kumimoji="1" lang="en-US" altLang="ja-JP" b="0" i="1" smtClean="0">
-                                    <a:latin typeface="Cambria Math" panose="02040503050406030204" pitchFamily="18" charset="0"/>
-                                  </a:rPr>
-                                  <m:t>−3</m:t>
-                                </m:r>
-                              </m:e>
-                            </m:mr>
-                          </m:m>
-                        </m:e>
-                      </m:d>
-                      <m:r>
-                        <a:rPr kumimoji="1" lang="en-US" altLang="ja-JP" b="0" i="1" smtClean="0">
-                          <a:latin typeface="Cambria Math" panose="02040503050406030204" pitchFamily="18" charset="0"/>
-                        </a:rPr>
-                        <m:t>𝑠</m:t>
-                      </m:r>
-                      <m:r>
-                        <a:rPr kumimoji="1" lang="en-US" altLang="ja-JP" b="0" i="1" smtClean="0">
-                          <a:latin typeface="Cambria Math" panose="02040503050406030204" pitchFamily="18" charset="0"/>
-                        </a:rPr>
-                        <m:t>+</m:t>
-                      </m:r>
-                      <m:d>
-                        <m:dPr>
-                          <m:begChr m:val="["/>
-                          <m:endChr m:val="]"/>
-                          <m:ctrlPr>
-                            <a:rPr kumimoji="1" lang="en-US" altLang="ja-JP" b="0" i="1" smtClean="0">
-                              <a:latin typeface="Cambria Math" panose="02040503050406030204" pitchFamily="18" charset="0"/>
-                            </a:rPr>
-                          </m:ctrlPr>
-                        </m:dPr>
-                        <m:e>
-                          <m:m>
-                            <m:mPr>
-                              <m:mcs>
-                                <m:mc>
-                                  <m:mcPr>
-                                    <m:count m:val="1"/>
-                                    <m:mcJc m:val="center"/>
-                                  </m:mcPr>
-                                </m:mc>
-                              </m:mcs>
-                              <m:ctrlPr>
-                                <a:rPr kumimoji="1" lang="en-US" altLang="ja-JP" b="0" i="1" smtClean="0">
-                                  <a:latin typeface="Cambria Math" panose="02040503050406030204" pitchFamily="18" charset="0"/>
-                                </a:rPr>
-                              </m:ctrlPr>
-                            </m:mPr>
-                            <m:mr>
-                              <m:e>
-                                <m:r>
-                                  <m:rPr>
-                                    <m:brk m:alnAt="7"/>
-                                  </m:rPr>
-                                  <a:rPr kumimoji="1" lang="en-US" altLang="ja-JP" b="0" i="1" smtClean="0">
-                                    <a:latin typeface="Cambria Math" panose="02040503050406030204" pitchFamily="18" charset="0"/>
-                                  </a:rPr>
-                                  <m:t>2</m:t>
-                                </m:r>
-                              </m:e>
-                            </m:mr>
-                            <m:mr>
-                              <m:e>
-                                <m:r>
-                                  <a:rPr kumimoji="1" lang="en-US" altLang="ja-JP" b="0" i="1" smtClean="0">
-                                    <a:latin typeface="Cambria Math" panose="02040503050406030204" pitchFamily="18" charset="0"/>
-                                  </a:rPr>
-                                  <m:t>4</m:t>
-                                </m:r>
-                              </m:e>
-                            </m:mr>
-                          </m:m>
-                        </m:e>
-                      </m:d>
-                      <m:r>
-                        <a:rPr kumimoji="1" lang="en-US" altLang="ja-JP" b="0" i="1" smtClean="0">
-                          <a:latin typeface="Cambria Math" panose="02040503050406030204" pitchFamily="18" charset="0"/>
-                        </a:rPr>
-                        <m:t>𝑢</m:t>
-                      </m:r>
-                      <m:r>
-                        <a:rPr kumimoji="1" lang="en-US" altLang="ja-JP" b="0" i="1" smtClean="0">
-                          <a:latin typeface="Cambria Math" panose="02040503050406030204" pitchFamily="18" charset="0"/>
-                        </a:rPr>
-                        <m:t>+</m:t>
-                      </m:r>
-                      <m:d>
-                        <m:dPr>
-                          <m:begChr m:val="["/>
-                          <m:endChr m:val="]"/>
-                          <m:ctrlPr>
-                            <a:rPr kumimoji="1" lang="en-US" altLang="ja-JP" b="0" i="1" smtClean="0">
-                              <a:latin typeface="Cambria Math" panose="02040503050406030204" pitchFamily="18" charset="0"/>
-                            </a:rPr>
-                          </m:ctrlPr>
-                        </m:dPr>
-                        <m:e>
-                          <m:m>
-                            <m:mPr>
-                              <m:mcs>
-                                <m:mc>
-                                  <m:mcPr>
-                                    <m:count m:val="1"/>
-                                    <m:mcJc m:val="center"/>
-                                  </m:mcPr>
-                                </m:mc>
-                              </m:mcs>
-                              <m:ctrlPr>
-                                <a:rPr kumimoji="1" lang="en-US" altLang="ja-JP" b="0" i="1" smtClean="0">
-                                  <a:latin typeface="Cambria Math" panose="02040503050406030204" pitchFamily="18" charset="0"/>
-                                </a:rPr>
-                              </m:ctrlPr>
-                            </m:mPr>
-                            <m:mr>
-                              <m:e>
-                                <m:r>
-                                  <m:rPr>
-                                    <m:brk m:alnAt="7"/>
-                                  </m:rPr>
-                                  <a:rPr kumimoji="1" lang="en-US" altLang="ja-JP" b="0" i="1" smtClean="0">
-                                    <a:latin typeface="Cambria Math" panose="02040503050406030204" pitchFamily="18" charset="0"/>
-                                  </a:rPr>
-                                  <m:t>0</m:t>
-                                </m:r>
-                                <m:r>
-                                  <a:rPr kumimoji="1" lang="en-US" altLang="ja-JP" b="0" i="1" smtClean="0">
-                                    <a:latin typeface="Cambria Math" panose="02040503050406030204" pitchFamily="18" charset="0"/>
-                                  </a:rPr>
-                                  <m:t>.6</m:t>
-                                </m:r>
-                              </m:e>
-                            </m:mr>
-                            <m:mr>
-                              <m:e>
-                                <m:r>
-                                  <a:rPr kumimoji="1" lang="en-US" altLang="ja-JP" b="0" i="1" smtClean="0">
-                                    <a:latin typeface="Cambria Math" panose="02040503050406030204" pitchFamily="18" charset="0"/>
-                                  </a:rPr>
-                                  <m:t>0.3</m:t>
-                                </m:r>
-                              </m:e>
-                            </m:mr>
-                          </m:m>
-                        </m:e>
-                      </m:d>
-                      <m:acc>
-                        <m:accPr>
-                          <m:chr m:val="̇"/>
-                          <m:ctrlPr>
-                            <a:rPr kumimoji="1" lang="en-US" altLang="ja-JP" b="0" i="1" smtClean="0">
-                              <a:latin typeface="Cambria Math" panose="02040503050406030204" pitchFamily="18" charset="0"/>
-                            </a:rPr>
-                          </m:ctrlPr>
-                        </m:accPr>
-                        <m:e>
-                          <m:r>
-                            <a:rPr kumimoji="1" lang="en-US" altLang="ja-JP" b="0" i="1" smtClean="0">
-                              <a:latin typeface="Cambria Math" panose="02040503050406030204" pitchFamily="18" charset="0"/>
-                            </a:rPr>
-                            <m:t>𝑤</m:t>
-                          </m:r>
-                        </m:e>
-                      </m:acc>
-                    </m:oMath>
-                  </m:oMathPara>
-                </a14:m>
-                <a:endParaRPr kumimoji="1" lang="ja-JP" altLang="en-US">
-                  <a:latin typeface="Cambria" panose="02040503050406030204" pitchFamily="18" charset="0"/>
-                </a:endParaRPr>
-              </a:p>
-            </p:txBody>
-          </p:sp>
-        </mc:Choice>
-        <mc:Fallback xmlns="">
-          <p:sp>
-            <p:nvSpPr>
-              <p:cNvPr id="9" name="テキスト ボックス 8">
-                <a:extLst>
-                  <a:ext uri="{FF2B5EF4-FFF2-40B4-BE49-F238E27FC236}">
-                    <a16:creationId xmlns:a16="http://schemas.microsoft.com/office/drawing/2014/main" id="{8A465B4F-9A8A-7841-8621-59BCDBDF1F12}"/>
-                  </a:ext>
-                </a:extLst>
-              </p:cNvPr>
-              <p:cNvSpPr txBox="1">
-                <a:spLocks noRot="1" noChangeAspect="1" noMove="1" noResize="1" noEditPoints="1" noAdjustHandles="1" noChangeArrowheads="1" noChangeShapeType="1" noTextEdit="1"/>
-              </p:cNvSpPr>
-              <p:nvPr/>
-            </p:nvSpPr>
-            <p:spPr>
-              <a:xfrm>
-                <a:off x="932717" y="1548315"/>
-                <a:ext cx="3506666" cy="576312"/>
-              </a:xfrm>
-              <a:prstGeom prst="rect">
-                <a:avLst/>
-              </a:prstGeom>
-              <a:blipFill>
-                <a:blip r:embed="rId4"/>
-                <a:stretch>
-                  <a:fillRect/>
-                </a:stretch>
-              </a:blipFill>
-            </p:spPr>
-            <p:txBody>
-              <a:bodyPr/>
-              <a:lstStyle/>
-              <a:p>
-                <a:r>
-                  <a:rPr lang="ja-JP" altLang="en-US">
-                    <a:noFill/>
-                  </a:rPr>
-                  <a:t> </a:t>
-                </a:r>
-              </a:p>
-            </p:txBody>
-          </p:sp>
-        </mc:Fallback>
-      </mc:AlternateContent>
-      <mc:AlternateContent xmlns:mc="http://schemas.openxmlformats.org/markup-compatibility/2006" xmlns:a14="http://schemas.microsoft.com/office/drawing/2010/main">
-        <mc:Choice Requires="a14">
-          <p:sp>
-            <p:nvSpPr>
-              <p:cNvPr id="10" name="テキスト ボックス 9">
-                <a:extLst>
-                  <a:ext uri="{FF2B5EF4-FFF2-40B4-BE49-F238E27FC236}">
-                    <a16:creationId xmlns:a16="http://schemas.microsoft.com/office/drawing/2014/main" id="{F365354C-BD53-BB45-9AA0-35ED868569F0}"/>
-                  </a:ext>
-                </a:extLst>
-              </p:cNvPr>
-              <p:cNvSpPr txBox="1"/>
-              <p:nvPr/>
-            </p:nvSpPr>
-            <p:spPr>
-              <a:xfrm>
-                <a:off x="4833257" y="1651805"/>
-                <a:ext cx="3192221" cy="369332"/>
-              </a:xfrm>
-              <a:prstGeom prst="rect">
-                <a:avLst/>
-              </a:prstGeom>
-              <a:noFill/>
-            </p:spPr>
-            <p:txBody>
-              <a:bodyPr wrap="none" rtlCol="0">
-                <a:spAutoFit/>
-              </a:bodyPr>
-              <a:lstStyle/>
-              <a:p>
-                <a14:m>
-                  <m:oMath xmlns:m="http://schemas.openxmlformats.org/officeDocument/2006/math">
-                    <m:acc>
-                      <m:accPr>
-                        <m:chr m:val="̇"/>
-                        <m:ctrlPr>
-                          <a:rPr kumimoji="1" lang="en-US" altLang="ja-JP" i="1" smtClean="0">
-                            <a:latin typeface="Cambria Math" panose="02040503050406030204" pitchFamily="18" charset="0"/>
-                          </a:rPr>
-                        </m:ctrlPr>
-                      </m:accPr>
-                      <m:e>
-                        <m:r>
-                          <a:rPr kumimoji="1" lang="en-US" altLang="ja-JP" i="1">
-                            <a:latin typeface="Cambria Math" panose="02040503050406030204" pitchFamily="18" charset="0"/>
-                          </a:rPr>
-                          <m:t>𝑤</m:t>
-                        </m:r>
-                      </m:e>
-                    </m:acc>
-                  </m:oMath>
-                </a14:m>
-                <a:r>
-                  <a:rPr kumimoji="1" lang="en-US" altLang="ja-JP" dirty="0">
-                    <a:latin typeface="Cambria" panose="02040503050406030204" pitchFamily="18" charset="0"/>
-                  </a:rPr>
-                  <a:t>:</a:t>
-                </a:r>
-                <a:r>
-                  <a:rPr kumimoji="1" lang="ja-JP" altLang="en-US">
-                    <a:latin typeface="Cambria" panose="02040503050406030204" pitchFamily="18" charset="0"/>
-                  </a:rPr>
-                  <a:t>ウィーナー過程による雑音</a:t>
-                </a:r>
-              </a:p>
-            </p:txBody>
-          </p:sp>
-        </mc:Choice>
-        <mc:Fallback xmlns="">
-          <p:sp>
-            <p:nvSpPr>
-              <p:cNvPr id="10" name="テキスト ボックス 9">
-                <a:extLst>
-                  <a:ext uri="{FF2B5EF4-FFF2-40B4-BE49-F238E27FC236}">
-                    <a16:creationId xmlns:a16="http://schemas.microsoft.com/office/drawing/2014/main" id="{F365354C-BD53-BB45-9AA0-35ED868569F0}"/>
-                  </a:ext>
-                </a:extLst>
-              </p:cNvPr>
-              <p:cNvSpPr txBox="1">
-                <a:spLocks noRot="1" noChangeAspect="1" noMove="1" noResize="1" noEditPoints="1" noAdjustHandles="1" noChangeArrowheads="1" noChangeShapeType="1" noTextEdit="1"/>
-              </p:cNvSpPr>
-              <p:nvPr/>
-            </p:nvSpPr>
-            <p:spPr>
-              <a:xfrm>
-                <a:off x="4833257" y="1651805"/>
-                <a:ext cx="3192221" cy="369332"/>
-              </a:xfrm>
-              <a:prstGeom prst="rect">
-                <a:avLst/>
-              </a:prstGeom>
-              <a:blipFill>
-                <a:blip r:embed="rId5"/>
-                <a:stretch>
-                  <a:fillRect t="-10000" r="-397" b="-26667"/>
-                </a:stretch>
-              </a:blipFill>
-            </p:spPr>
-            <p:txBody>
-              <a:bodyPr/>
-              <a:lstStyle/>
-              <a:p>
-                <a:r>
-                  <a:rPr lang="ja-JP" altLang="en-US">
-                    <a:noFill/>
-                  </a:rPr>
-                  <a:t> </a:t>
-                </a:r>
-              </a:p>
-            </p:txBody>
-          </p:sp>
-        </mc:Fallback>
-      </mc:AlternateContent>
-      <mc:AlternateContent xmlns:mc="http://schemas.openxmlformats.org/markup-compatibility/2006" xmlns:a14="http://schemas.microsoft.com/office/drawing/2010/main">
-        <mc:Choice Requires="a14">
-          <p:sp>
-            <p:nvSpPr>
-              <p:cNvPr id="11" name="テキスト ボックス 10">
-                <a:extLst>
-                  <a:ext uri="{FF2B5EF4-FFF2-40B4-BE49-F238E27FC236}">
-                    <a16:creationId xmlns:a16="http://schemas.microsoft.com/office/drawing/2014/main" id="{65334F0B-D68F-864F-B0FD-AC4C9C728AAA}"/>
-                  </a:ext>
-                </a:extLst>
-              </p:cNvPr>
-              <p:cNvSpPr txBox="1"/>
-              <p:nvPr/>
-            </p:nvSpPr>
-            <p:spPr>
-              <a:xfrm>
-                <a:off x="5910412" y="3105834"/>
-                <a:ext cx="2115066" cy="646331"/>
-              </a:xfrm>
-              <a:prstGeom prst="rect">
-                <a:avLst/>
-              </a:prstGeom>
-              <a:noFill/>
-            </p:spPr>
-            <p:txBody>
-              <a:bodyPr wrap="none" rtlCol="0">
-                <a:spAutoFit/>
-              </a:bodyPr>
-              <a:lstStyle/>
-              <a:p>
-                <a:pPr algn="ctr"/>
-                <a14:m>
-                  <m:oMathPara xmlns:m="http://schemas.openxmlformats.org/officeDocument/2006/math">
-                    <m:oMathParaPr>
-                      <m:jc m:val="centerGroup"/>
-                    </m:oMathParaPr>
-                    <m:oMath xmlns:m="http://schemas.openxmlformats.org/officeDocument/2006/math">
-                      <m:sSubSup>
-                        <m:sSubSupPr>
-                          <m:ctrlPr>
-                            <a:rPr kumimoji="1" lang="en-US" altLang="ja-JP" i="1" smtClean="0">
-                              <a:latin typeface="Cambria Math" panose="02040503050406030204" pitchFamily="18" charset="0"/>
-                              <a:ea typeface="Cambria Math" panose="02040503050406030204" pitchFamily="18" charset="0"/>
-                            </a:rPr>
-                          </m:ctrlPr>
-                        </m:sSubSupPr>
-                        <m:e>
-                          <m:r>
-                            <a:rPr kumimoji="1" lang="en-US" altLang="ja-JP" i="1">
-                              <a:latin typeface="Cambria Math" panose="02040503050406030204" pitchFamily="18" charset="0"/>
-                              <a:ea typeface="Cambria Math" panose="02040503050406030204" pitchFamily="18" charset="0"/>
-                            </a:rPr>
-                            <m:t>𝑠</m:t>
-                          </m:r>
-                        </m:e>
-                        <m:sub>
-                          <m:r>
-                            <a:rPr kumimoji="1" lang="en-US" altLang="ja-JP" i="1">
-                              <a:latin typeface="Cambria Math" panose="02040503050406030204" pitchFamily="18" charset="0"/>
-                              <a:ea typeface="Cambria Math" panose="02040503050406030204" pitchFamily="18" charset="0"/>
-                            </a:rPr>
-                            <m:t>𝑒</m:t>
-                          </m:r>
-                        </m:sub>
-                        <m:sup>
-                          <m:r>
-                            <a:rPr kumimoji="1" lang="en-US" altLang="ja-JP" i="1">
-                              <a:latin typeface="Cambria Math" panose="02040503050406030204" pitchFamily="18" charset="0"/>
-                              <a:ea typeface="Cambria Math" panose="02040503050406030204" pitchFamily="18" charset="0"/>
-                            </a:rPr>
-                            <m:t>′</m:t>
-                          </m:r>
-                        </m:sup>
-                      </m:sSubSup>
-                      <m:r>
-                        <a:rPr kumimoji="1" lang="en-US" altLang="ja-JP" b="0" i="0" smtClean="0">
-                          <a:latin typeface="Cambria Math" panose="02040503050406030204" pitchFamily="18" charset="0"/>
-                          <a:ea typeface="Cambria Math" panose="02040503050406030204" pitchFamily="18" charset="0"/>
-                        </a:rPr>
-                        <m:t>=</m:t>
-                      </m:r>
-                      <m:sSub>
-                        <m:sSubPr>
-                          <m:ctrlPr>
-                            <a:rPr kumimoji="1" lang="en-US" altLang="ja-JP" b="0" i="1" smtClean="0">
-                              <a:latin typeface="Cambria Math" panose="02040503050406030204" pitchFamily="18" charset="0"/>
-                              <a:ea typeface="Cambria Math" panose="02040503050406030204" pitchFamily="18" charset="0"/>
-                            </a:rPr>
-                          </m:ctrlPr>
-                        </m:sSubPr>
-                        <m:e>
-                          <m:r>
-                            <a:rPr kumimoji="1" lang="en-US" altLang="ja-JP" b="0" i="1" smtClean="0">
-                              <a:latin typeface="Cambria Math" panose="02040503050406030204" pitchFamily="18" charset="0"/>
-                              <a:ea typeface="Cambria Math" panose="02040503050406030204" pitchFamily="18" charset="0"/>
-                            </a:rPr>
-                            <m:t>𝔼</m:t>
-                          </m:r>
-                        </m:e>
-                        <m:sub>
-                          <m:r>
-                            <a:rPr kumimoji="1" lang="en-US" altLang="ja-JP" b="0" i="1" smtClean="0">
-                              <a:latin typeface="Cambria Math" panose="02040503050406030204" pitchFamily="18" charset="0"/>
-                              <a:ea typeface="Cambria Math" panose="02040503050406030204" pitchFamily="18" charset="0"/>
-                            </a:rPr>
-                            <m:t>𝑤</m:t>
-                          </m:r>
-                        </m:sub>
-                      </m:sSub>
-                      <m:d>
-                        <m:dPr>
-                          <m:begChr m:val="["/>
-                          <m:endChr m:val="]"/>
-                          <m:ctrlPr>
-                            <a:rPr kumimoji="1" lang="en-US" altLang="ja-JP" b="0" i="1" smtClean="0">
-                              <a:latin typeface="Cambria Math" panose="02040503050406030204" pitchFamily="18" charset="0"/>
-                              <a:ea typeface="Cambria Math" panose="02040503050406030204" pitchFamily="18" charset="0"/>
-                            </a:rPr>
-                          </m:ctrlPr>
-                        </m:dPr>
-                        <m:e>
-                          <m:sSup>
-                            <m:sSupPr>
-                              <m:ctrlPr>
-                                <a:rPr kumimoji="1" lang="en-US" altLang="ja-JP" b="0" i="1" smtClean="0">
-                                  <a:latin typeface="Cambria Math" panose="02040503050406030204" pitchFamily="18" charset="0"/>
-                                  <a:ea typeface="Cambria Math" panose="02040503050406030204" pitchFamily="18" charset="0"/>
-                                </a:rPr>
-                              </m:ctrlPr>
-                            </m:sSupPr>
-                            <m:e>
-                              <m:r>
-                                <a:rPr kumimoji="1" lang="en-US" altLang="ja-JP" b="0" i="1" smtClean="0">
-                                  <a:latin typeface="Cambria Math" panose="02040503050406030204" pitchFamily="18" charset="0"/>
-                                  <a:ea typeface="Cambria Math" panose="02040503050406030204" pitchFamily="18" charset="0"/>
-                                </a:rPr>
-                                <m:t>𝑠</m:t>
-                              </m:r>
-                            </m:e>
-                            <m:sup>
-                              <m:r>
-                                <a:rPr kumimoji="1" lang="en-US" altLang="ja-JP" b="0" i="1" smtClean="0">
-                                  <a:latin typeface="Cambria Math" panose="02040503050406030204" pitchFamily="18" charset="0"/>
-                                  <a:ea typeface="Cambria Math" panose="02040503050406030204" pitchFamily="18" charset="0"/>
-                                </a:rPr>
-                                <m:t>′</m:t>
-                              </m:r>
-                            </m:sup>
-                          </m:sSup>
-                          <m:d>
-                            <m:dPr>
-                              <m:ctrlPr>
-                                <a:rPr kumimoji="1" lang="en-US" altLang="ja-JP" b="0" i="1" smtClean="0">
-                                  <a:latin typeface="Cambria Math" panose="02040503050406030204" pitchFamily="18" charset="0"/>
-                                  <a:ea typeface="Cambria Math" panose="02040503050406030204" pitchFamily="18" charset="0"/>
-                                </a:rPr>
-                              </m:ctrlPr>
-                            </m:dPr>
-                            <m:e>
-                              <m:r>
-                                <a:rPr kumimoji="1" lang="en-US" altLang="ja-JP" b="0" i="1" smtClean="0">
-                                  <a:latin typeface="Cambria Math" panose="02040503050406030204" pitchFamily="18" charset="0"/>
-                                  <a:ea typeface="Cambria Math" panose="02040503050406030204" pitchFamily="18" charset="0"/>
-                                </a:rPr>
-                                <m:t>𝑠</m:t>
-                              </m:r>
-                              <m:r>
-                                <a:rPr kumimoji="1" lang="en-US" altLang="ja-JP" b="0" i="1" smtClean="0">
-                                  <a:latin typeface="Cambria Math" panose="02040503050406030204" pitchFamily="18" charset="0"/>
-                                  <a:ea typeface="Cambria Math" panose="02040503050406030204" pitchFamily="18" charset="0"/>
-                                </a:rPr>
-                                <m:t>,</m:t>
-                              </m:r>
-                              <m:r>
-                                <a:rPr kumimoji="1" lang="en-US" altLang="ja-JP" b="0" i="1" smtClean="0">
-                                  <a:latin typeface="Cambria Math" panose="02040503050406030204" pitchFamily="18" charset="0"/>
-                                  <a:ea typeface="Cambria Math" panose="02040503050406030204" pitchFamily="18" charset="0"/>
-                                </a:rPr>
-                                <m:t>𝑢</m:t>
-                              </m:r>
-                              <m:r>
-                                <a:rPr kumimoji="1" lang="en-US" altLang="ja-JP" b="0" i="1" smtClean="0">
-                                  <a:latin typeface="Cambria Math" panose="02040503050406030204" pitchFamily="18" charset="0"/>
-                                  <a:ea typeface="Cambria Math" panose="02040503050406030204" pitchFamily="18" charset="0"/>
-                                </a:rPr>
-                                <m:t>,</m:t>
-                              </m:r>
-                              <m:r>
-                                <a:rPr kumimoji="1" lang="en-US" altLang="ja-JP" b="0" i="1" smtClean="0">
-                                  <a:latin typeface="Cambria Math" panose="02040503050406030204" pitchFamily="18" charset="0"/>
-                                  <a:ea typeface="Cambria Math" panose="02040503050406030204" pitchFamily="18" charset="0"/>
-                                </a:rPr>
-                                <m:t>𝜏</m:t>
-                              </m:r>
-                            </m:e>
-                          </m:d>
-                        </m:e>
-                      </m:d>
-                    </m:oMath>
-                  </m:oMathPara>
-                </a14:m>
-                <a:endParaRPr kumimoji="1" lang="en-US" altLang="ja-JP" b="0" dirty="0">
-                  <a:latin typeface="Cambria" panose="02040503050406030204" pitchFamily="18" charset="0"/>
-                  <a:ea typeface="Cambria Math" panose="02040503050406030204" pitchFamily="18" charset="0"/>
-                </a:endParaRPr>
-              </a:p>
-              <a:p>
-                <a:pPr algn="ctr"/>
-                <a14:m>
-                  <m:oMathPara xmlns:m="http://schemas.openxmlformats.org/officeDocument/2006/math">
-                    <m:oMathParaPr>
-                      <m:jc m:val="centerGroup"/>
-                    </m:oMathParaPr>
-                    <m:oMath xmlns:m="http://schemas.openxmlformats.org/officeDocument/2006/math">
-                      <m:r>
-                        <m:rPr>
-                          <m:sty m:val="p"/>
-                        </m:rPr>
-                        <a:rPr kumimoji="1" lang="el-GR" altLang="ja-JP" i="1" smtClean="0">
-                          <a:latin typeface="Cambria Math" panose="02040503050406030204" pitchFamily="18" charset="0"/>
-                          <a:ea typeface="Cambria Math" panose="02040503050406030204" pitchFamily="18" charset="0"/>
-                        </a:rPr>
-                        <m:t>Σ</m:t>
-                      </m:r>
-                      <m:r>
-                        <a:rPr kumimoji="1" lang="en-US" altLang="ja-JP" b="0" i="1" smtClean="0">
-                          <a:latin typeface="Cambria Math" panose="02040503050406030204" pitchFamily="18" charset="0"/>
-                          <a:ea typeface="Cambria Math" panose="02040503050406030204" pitchFamily="18" charset="0"/>
-                        </a:rPr>
-                        <m:t>=</m:t>
-                      </m:r>
-                      <m:r>
-                        <a:rPr kumimoji="1" lang="en-US" altLang="ja-JP" b="0" i="1" smtClean="0">
-                          <a:latin typeface="Cambria Math" panose="02040503050406030204" pitchFamily="18" charset="0"/>
-                          <a:ea typeface="Cambria Math" panose="02040503050406030204" pitchFamily="18" charset="0"/>
-                        </a:rPr>
-                        <m:t>𝑉𝑎𝑟</m:t>
-                      </m:r>
-                      <m:r>
-                        <a:rPr kumimoji="1" lang="en-US" altLang="ja-JP" b="0" i="1" smtClean="0">
-                          <a:latin typeface="Cambria Math" panose="02040503050406030204" pitchFamily="18" charset="0"/>
-                          <a:ea typeface="Cambria Math" panose="02040503050406030204" pitchFamily="18" charset="0"/>
-                        </a:rPr>
-                        <m:t>[</m:t>
-                      </m:r>
-                      <m:sSup>
-                        <m:sSupPr>
-                          <m:ctrlPr>
-                            <a:rPr kumimoji="1" lang="en-US" altLang="ja-JP" i="1">
-                              <a:latin typeface="Cambria Math" panose="02040503050406030204" pitchFamily="18" charset="0"/>
-                              <a:ea typeface="Cambria Math" panose="02040503050406030204" pitchFamily="18" charset="0"/>
-                            </a:rPr>
-                          </m:ctrlPr>
-                        </m:sSupPr>
-                        <m:e>
-                          <m:r>
-                            <a:rPr kumimoji="1" lang="en-US" altLang="ja-JP" i="1">
-                              <a:latin typeface="Cambria Math" panose="02040503050406030204" pitchFamily="18" charset="0"/>
-                              <a:ea typeface="Cambria Math" panose="02040503050406030204" pitchFamily="18" charset="0"/>
-                            </a:rPr>
-                            <m:t>𝑠</m:t>
-                          </m:r>
-                        </m:e>
-                        <m:sup>
-                          <m:r>
-                            <a:rPr kumimoji="1" lang="en-US" altLang="ja-JP" i="1">
-                              <a:latin typeface="Cambria Math" panose="02040503050406030204" pitchFamily="18" charset="0"/>
-                              <a:ea typeface="Cambria Math" panose="02040503050406030204" pitchFamily="18" charset="0"/>
-                            </a:rPr>
-                            <m:t>′</m:t>
-                          </m:r>
-                        </m:sup>
-                      </m:sSup>
-                      <m:d>
-                        <m:dPr>
-                          <m:ctrlPr>
-                            <a:rPr kumimoji="1" lang="en-US" altLang="ja-JP" i="1">
-                              <a:latin typeface="Cambria Math" panose="02040503050406030204" pitchFamily="18" charset="0"/>
-                              <a:ea typeface="Cambria Math" panose="02040503050406030204" pitchFamily="18" charset="0"/>
-                            </a:rPr>
-                          </m:ctrlPr>
-                        </m:dPr>
-                        <m:e>
-                          <m:r>
-                            <a:rPr kumimoji="1" lang="en-US" altLang="ja-JP" i="1">
-                              <a:latin typeface="Cambria Math" panose="02040503050406030204" pitchFamily="18" charset="0"/>
-                              <a:ea typeface="Cambria Math" panose="02040503050406030204" pitchFamily="18" charset="0"/>
-                            </a:rPr>
-                            <m:t>𝑠</m:t>
-                          </m:r>
-                          <m:r>
-                            <a:rPr kumimoji="1" lang="en-US" altLang="ja-JP" i="1">
-                              <a:latin typeface="Cambria Math" panose="02040503050406030204" pitchFamily="18" charset="0"/>
-                              <a:ea typeface="Cambria Math" panose="02040503050406030204" pitchFamily="18" charset="0"/>
-                            </a:rPr>
-                            <m:t>,</m:t>
-                          </m:r>
-                          <m:r>
-                            <a:rPr kumimoji="1" lang="en-US" altLang="ja-JP" i="1">
-                              <a:latin typeface="Cambria Math" panose="02040503050406030204" pitchFamily="18" charset="0"/>
-                              <a:ea typeface="Cambria Math" panose="02040503050406030204" pitchFamily="18" charset="0"/>
-                            </a:rPr>
-                            <m:t>𝑢</m:t>
-                          </m:r>
-                          <m:r>
-                            <a:rPr kumimoji="1" lang="en-US" altLang="ja-JP" i="1">
-                              <a:latin typeface="Cambria Math" panose="02040503050406030204" pitchFamily="18" charset="0"/>
-                              <a:ea typeface="Cambria Math" panose="02040503050406030204" pitchFamily="18" charset="0"/>
-                            </a:rPr>
-                            <m:t>,</m:t>
-                          </m:r>
-                          <m:r>
-                            <a:rPr kumimoji="1" lang="en-US" altLang="ja-JP" i="1">
-                              <a:latin typeface="Cambria Math" panose="02040503050406030204" pitchFamily="18" charset="0"/>
-                              <a:ea typeface="Cambria Math" panose="02040503050406030204" pitchFamily="18" charset="0"/>
-                            </a:rPr>
-                            <m:t>𝜏</m:t>
-                          </m:r>
-                        </m:e>
-                      </m:d>
-                      <m:r>
-                        <a:rPr kumimoji="1" lang="en-US" altLang="ja-JP" b="0" i="1" smtClean="0">
-                          <a:latin typeface="Cambria Math" panose="02040503050406030204" pitchFamily="18" charset="0"/>
-                          <a:ea typeface="Cambria Math" panose="02040503050406030204" pitchFamily="18" charset="0"/>
-                        </a:rPr>
-                        <m:t>]</m:t>
-                      </m:r>
-                    </m:oMath>
-                  </m:oMathPara>
-                </a14:m>
-                <a:endParaRPr kumimoji="1" lang="ja-JP" altLang="en-US">
-                  <a:latin typeface="Cambria" panose="02040503050406030204" pitchFamily="18" charset="0"/>
-                </a:endParaRPr>
-              </a:p>
-            </p:txBody>
-          </p:sp>
-        </mc:Choice>
-        <mc:Fallback xmlns="">
-          <p:sp>
-            <p:nvSpPr>
-              <p:cNvPr id="11" name="テキスト ボックス 10">
-                <a:extLst>
-                  <a:ext uri="{FF2B5EF4-FFF2-40B4-BE49-F238E27FC236}">
-                    <a16:creationId xmlns:a16="http://schemas.microsoft.com/office/drawing/2014/main" id="{65334F0B-D68F-864F-B0FD-AC4C9C728AAA}"/>
-                  </a:ext>
-                </a:extLst>
-              </p:cNvPr>
-              <p:cNvSpPr txBox="1">
-                <a:spLocks noRot="1" noChangeAspect="1" noMove="1" noResize="1" noEditPoints="1" noAdjustHandles="1" noChangeArrowheads="1" noChangeShapeType="1" noTextEdit="1"/>
-              </p:cNvSpPr>
-              <p:nvPr/>
-            </p:nvSpPr>
-            <p:spPr>
-              <a:xfrm>
-                <a:off x="5910412" y="3105834"/>
-                <a:ext cx="2115066" cy="646331"/>
-              </a:xfrm>
-              <a:prstGeom prst="rect">
-                <a:avLst/>
-              </a:prstGeom>
-              <a:blipFill>
-                <a:blip r:embed="rId6"/>
-                <a:stretch>
-                  <a:fillRect b="-9804"/>
-                </a:stretch>
-              </a:blipFill>
-            </p:spPr>
-            <p:txBody>
-              <a:bodyPr/>
-              <a:lstStyle/>
-              <a:p>
-                <a:r>
-                  <a:rPr lang="ja-JP" altLang="en-US">
-                    <a:noFill/>
-                  </a:rPr>
-                  <a:t> </a:t>
-                </a:r>
-              </a:p>
-            </p:txBody>
-          </p:sp>
-        </mc:Fallback>
-      </mc:AlternateContent>
-      <p:sp>
-        <p:nvSpPr>
-          <p:cNvPr id="5" name="スライド番号プレースホルダー 4">
-            <a:extLst>
-              <a:ext uri="{FF2B5EF4-FFF2-40B4-BE49-F238E27FC236}">
-                <a16:creationId xmlns:a16="http://schemas.microsoft.com/office/drawing/2014/main" id="{0E98F442-F584-3949-AE8E-8EFCAE0964F9}"/>
+                <a16:creationId xmlns:a16="http://schemas.microsoft.com/office/drawing/2014/main" id="{1591CC5B-0759-8247-9A1B-46B1935A279C}"/>
               </a:ext>
             </a:extLst>
           </p:cNvPr>
@@ -11916,22 +10231,17 @@
           <a:bodyPr/>
           <a:lstStyle/>
           <a:p>
-            <a:fld id="{5D57FD6B-29A3-3249-A29F-ABF600A8FF13}" type="slidenum">
-              <a:rPr kumimoji="1" lang="ja-JP" altLang="en-US" smtClean="0"/>
-              <a:t>13</a:t>
-            </a:fld>
-            <a:r>
-              <a:rPr kumimoji="1" lang="en-US" altLang="ja-JP"/>
-              <a:t>/14</a:t>
-            </a:r>
-            <a:endParaRPr kumimoji="1" lang="en-US" altLang="ja-JP" dirty="0"/>
+            <a:r>
+              <a:rPr kumimoji="1" lang="en-US" altLang="ja-JP" dirty="0"/>
+              <a:t>9/12</a:t>
+            </a:r>
           </a:p>
         </p:txBody>
       </p:sp>
     </p:spTree>
     <p:extLst>
       <p:ext uri="{BB962C8B-B14F-4D97-AF65-F5344CB8AC3E}">
-        <p14:creationId xmlns:p14="http://schemas.microsoft.com/office/powerpoint/2010/main" val="1982770071"/>
+        <p14:creationId xmlns:p14="http://schemas.microsoft.com/office/powerpoint/2010/main" val="2077225552"/>
       </p:ext>
     </p:extLst>
   </p:cSld>
@@ -11941,676 +10251,7 @@
 </p:sld>
 </file>
 
-<file path=ppt/slides/slide15.xml><?xml version="1.0" encoding="utf-8"?>
-<p:sld xmlns:a="http://schemas.openxmlformats.org/drawingml/2006/main" xmlns:r="http://schemas.openxmlformats.org/officeDocument/2006/relationships" xmlns:p="http://schemas.openxmlformats.org/presentationml/2006/main">
-  <p:cSld>
-    <p:spTree>
-      <p:nvGrpSpPr>
-        <p:cNvPr id="1" name=""/>
-        <p:cNvGrpSpPr/>
-        <p:nvPr/>
-      </p:nvGrpSpPr>
-      <p:grpSpPr>
-        <a:xfrm>
-          <a:off x="0" y="0"/>
-          <a:ext cx="0" cy="0"/>
-          <a:chOff x="0" y="0"/>
-          <a:chExt cx="0" cy="0"/>
-        </a:xfrm>
-      </p:grpSpPr>
-      <mc:AlternateContent xmlns:mc="http://schemas.openxmlformats.org/markup-compatibility/2006" xmlns:a14="http://schemas.microsoft.com/office/drawing/2010/main">
-        <mc:Choice Requires="a14">
-          <p:sp>
-            <p:nvSpPr>
-              <p:cNvPr id="2" name="コンテンツ プレースホルダー 1">
-                <a:extLst>
-                  <a:ext uri="{FF2B5EF4-FFF2-40B4-BE49-F238E27FC236}">
-                    <a16:creationId xmlns:a16="http://schemas.microsoft.com/office/drawing/2014/main" id="{C6416C15-C583-A749-B6BC-1AE78B0AB326}"/>
-                  </a:ext>
-                </a:extLst>
-              </p:cNvPr>
-              <p:cNvSpPr>
-                <a:spLocks noGrp="1"/>
-              </p:cNvSpPr>
-              <p:nvPr>
-                <p:ph idx="1"/>
-              </p:nvPr>
-            </p:nvSpPr>
-            <p:spPr>
-              <a:xfrm>
-                <a:off x="335571" y="1103023"/>
-                <a:ext cx="8903431" cy="5006090"/>
-              </a:xfrm>
-            </p:spPr>
-            <p:txBody>
-              <a:bodyPr/>
-              <a:lstStyle/>
-              <a:p>
-                <a:r>
-                  <a:rPr kumimoji="1" lang="ja-JP" altLang="en-US"/>
-                  <a:t>初期方策</a:t>
-                </a:r>
-                <a:r>
-                  <a:rPr kumimoji="1" lang="en-US" altLang="ja-JP" dirty="0"/>
-                  <a:t>(</a:t>
-                </a:r>
-                <a:r>
-                  <a:rPr kumimoji="1" lang="ja-JP" altLang="en-US"/>
-                  <a:t>左</a:t>
-                </a:r>
-                <a:r>
-                  <a:rPr kumimoji="1" lang="en-US" altLang="ja-JP" dirty="0"/>
-                  <a:t>)</a:t>
-                </a:r>
-                <a:r>
-                  <a:rPr kumimoji="1" lang="ja-JP" altLang="en-US"/>
-                  <a:t>と</a:t>
-                </a:r>
-                <a:r>
-                  <a:rPr kumimoji="1" lang="en-US" altLang="ja-JP" dirty="0"/>
-                  <a:t>, </a:t>
-                </a:r>
-                <a:r>
-                  <a:rPr lang="ja-JP" altLang="en-US"/>
-                  <a:t>学習で得た方策</a:t>
-                </a:r>
-                <a:r>
-                  <a:rPr lang="en-US" altLang="ja-JP" dirty="0"/>
-                  <a:t>(</a:t>
-                </a:r>
-                <a:r>
-                  <a:rPr lang="ja-JP" altLang="en-US"/>
-                  <a:t>右</a:t>
-                </a:r>
-                <a:r>
-                  <a:rPr lang="en-US" altLang="ja-JP" dirty="0"/>
-                  <a:t>)</a:t>
-                </a:r>
-                <a:r>
-                  <a:rPr lang="ja-JP" altLang="en-US"/>
-                  <a:t>の制御性能比較</a:t>
-                </a:r>
-                <a:endParaRPr lang="en-US" altLang="ja-JP" dirty="0"/>
-              </a:p>
-              <a:p>
-                <a:pPr lvl="1"/>
-                <a:r>
-                  <a:rPr kumimoji="1" lang="ja-JP" altLang="en-US"/>
-                  <a:t>初期値</a:t>
-                </a:r>
-                <a14:m>
-                  <m:oMath xmlns:m="http://schemas.openxmlformats.org/officeDocument/2006/math">
-                    <m:sSub>
-                      <m:sSubPr>
-                        <m:ctrlPr>
-                          <a:rPr kumimoji="1" lang="en-US" altLang="ja-JP" i="1" smtClean="0">
-                            <a:latin typeface="Cambria Math" panose="02040503050406030204" pitchFamily="18" charset="0"/>
-                          </a:rPr>
-                        </m:ctrlPr>
-                      </m:sSubPr>
-                      <m:e>
-                        <m:r>
-                          <a:rPr kumimoji="1" lang="en-US" altLang="ja-JP" b="0" i="1" smtClean="0">
-                            <a:latin typeface="Cambria Math" panose="02040503050406030204" pitchFamily="18" charset="0"/>
-                          </a:rPr>
-                          <m:t>𝑠</m:t>
-                        </m:r>
-                      </m:e>
-                      <m:sub>
-                        <m:r>
-                          <a:rPr kumimoji="1" lang="en-US" altLang="ja-JP" b="0" i="1" smtClean="0">
-                            <a:latin typeface="Cambria Math" panose="02040503050406030204" pitchFamily="18" charset="0"/>
-                          </a:rPr>
-                          <m:t>0</m:t>
-                        </m:r>
-                      </m:sub>
-                    </m:sSub>
-                    <m:r>
-                      <a:rPr kumimoji="1" lang="en-US" altLang="ja-JP" b="0" i="1" smtClean="0">
-                        <a:latin typeface="Cambria Math" panose="02040503050406030204" pitchFamily="18" charset="0"/>
-                      </a:rPr>
-                      <m:t>=[3., 3.]</m:t>
-                    </m:r>
-                  </m:oMath>
-                </a14:m>
-                <a:r>
-                  <a:rPr kumimoji="1" lang="ja-JP" altLang="en-US"/>
-                  <a:t>からの制御</a:t>
-                </a:r>
-                <a:endParaRPr kumimoji="1" lang="en-US" altLang="ja-JP" dirty="0"/>
-              </a:p>
-              <a:p>
-                <a:pPr lvl="1"/>
-                <a:r>
-                  <a:rPr lang="ja-JP" altLang="en-US"/>
-                  <a:t>上から</a:t>
-                </a:r>
-                <a:r>
-                  <a:rPr lang="en-US" altLang="ja-JP" dirty="0"/>
-                  <a:t>, </a:t>
-                </a:r>
-                <a:r>
-                  <a:rPr lang="ja-JP" altLang="en-US"/>
-                  <a:t>状態変数の</a:t>
-                </a:r>
-                <a:r>
-                  <a:rPr lang="en-US" altLang="ja-JP" dirty="0"/>
-                  <a:t>2</a:t>
-                </a:r>
-                <a:r>
-                  <a:rPr lang="ja-JP" altLang="en-US"/>
-                  <a:t>ノルム</a:t>
-                </a:r>
-                <a:r>
-                  <a:rPr lang="en-US" altLang="ja-JP" dirty="0"/>
-                  <a:t>, </a:t>
-                </a:r>
-                <a:r>
-                  <a:rPr lang="ja-JP" altLang="en-US"/>
-                  <a:t>各時刻の入力</a:t>
-                </a:r>
-                <a14:m>
-                  <m:oMath xmlns:m="http://schemas.openxmlformats.org/officeDocument/2006/math">
-                    <m:r>
-                      <a:rPr lang="en-US" altLang="ja-JP" b="0" i="1" smtClean="0">
-                        <a:latin typeface="Cambria Math" panose="02040503050406030204" pitchFamily="18" charset="0"/>
-                      </a:rPr>
-                      <m:t>𝑢</m:t>
-                    </m:r>
-                  </m:oMath>
-                </a14:m>
-                <a:r>
-                  <a:rPr lang="en-US" altLang="ja-JP" dirty="0"/>
-                  <a:t>, </a:t>
-                </a:r>
-                <a:r>
-                  <a:rPr lang="ja-JP" altLang="en-US"/>
-                  <a:t>通信の有無を表す真偽値</a:t>
-                </a:r>
-                <a:endParaRPr kumimoji="1" lang="ja-JP" altLang="en-US"/>
-              </a:p>
-            </p:txBody>
-          </p:sp>
-        </mc:Choice>
-        <mc:Fallback xmlns="">
-          <p:sp>
-            <p:nvSpPr>
-              <p:cNvPr id="2" name="コンテンツ プレースホルダー 1">
-                <a:extLst>
-                  <a:ext uri="{FF2B5EF4-FFF2-40B4-BE49-F238E27FC236}">
-                    <a16:creationId xmlns:a16="http://schemas.microsoft.com/office/drawing/2014/main" id="{C6416C15-C583-A749-B6BC-1AE78B0AB326}"/>
-                  </a:ext>
-                </a:extLst>
-              </p:cNvPr>
-              <p:cNvSpPr>
-                <a:spLocks noGrp="1" noRot="1" noChangeAspect="1" noMove="1" noResize="1" noEditPoints="1" noAdjustHandles="1" noChangeArrowheads="1" noChangeShapeType="1" noTextEdit="1"/>
-              </p:cNvSpPr>
-              <p:nvPr>
-                <p:ph idx="1"/>
-              </p:nvPr>
-            </p:nvSpPr>
-            <p:spPr>
-              <a:xfrm>
-                <a:off x="335571" y="1103023"/>
-                <a:ext cx="8903431" cy="5006090"/>
-              </a:xfrm>
-              <a:blipFill>
-                <a:blip r:embed="rId3"/>
-                <a:stretch>
-                  <a:fillRect l="-570" t="-1519"/>
-                </a:stretch>
-              </a:blipFill>
-            </p:spPr>
-            <p:txBody>
-              <a:bodyPr/>
-              <a:lstStyle/>
-              <a:p>
-                <a:r>
-                  <a:rPr lang="ja-JP" altLang="en-US">
-                    <a:noFill/>
-                  </a:rPr>
-                  <a:t> </a:t>
-                </a:r>
-              </a:p>
-            </p:txBody>
-          </p:sp>
-        </mc:Fallback>
-      </mc:AlternateContent>
-      <p:sp>
-        <p:nvSpPr>
-          <p:cNvPr id="3" name="タイトル 2">
-            <a:extLst>
-              <a:ext uri="{FF2B5EF4-FFF2-40B4-BE49-F238E27FC236}">
-                <a16:creationId xmlns:a16="http://schemas.microsoft.com/office/drawing/2014/main" id="{46460E61-F603-AF4E-868B-BED5202BCC53}"/>
-              </a:ext>
-            </a:extLst>
-          </p:cNvPr>
-          <p:cNvSpPr>
-            <a:spLocks noGrp="1"/>
-          </p:cNvSpPr>
-          <p:nvPr>
-            <p:ph type="title"/>
-          </p:nvPr>
-        </p:nvSpPr>
-        <p:spPr/>
-        <p:txBody>
-          <a:bodyPr/>
-          <a:lstStyle/>
-          <a:p>
-            <a:r>
-              <a:rPr kumimoji="1" lang="ja-JP" altLang="en-US"/>
-              <a:t>数値実験の結果</a:t>
-            </a:r>
-            <a:r>
-              <a:rPr kumimoji="1" lang="en-US" altLang="ja-JP" dirty="0"/>
-              <a:t> (</a:t>
-            </a:r>
-            <a:r>
-              <a:rPr kumimoji="1" lang="ja-JP" altLang="en-US"/>
-              <a:t>線形システム</a:t>
-            </a:r>
-            <a:r>
-              <a:rPr kumimoji="1" lang="en-US" altLang="ja-JP" dirty="0"/>
-              <a:t>)</a:t>
-            </a:r>
-            <a:endParaRPr kumimoji="1" lang="ja-JP" altLang="en-US"/>
-          </a:p>
-        </p:txBody>
-      </p:sp>
-      <p:sp>
-        <p:nvSpPr>
-          <p:cNvPr id="4" name="日付プレースホルダー 3">
-            <a:extLst>
-              <a:ext uri="{FF2B5EF4-FFF2-40B4-BE49-F238E27FC236}">
-                <a16:creationId xmlns:a16="http://schemas.microsoft.com/office/drawing/2014/main" id="{D734A518-B112-414E-8711-72A52E1836CF}"/>
-              </a:ext>
-            </a:extLst>
-          </p:cNvPr>
-          <p:cNvSpPr>
-            <a:spLocks noGrp="1"/>
-          </p:cNvSpPr>
-          <p:nvPr>
-            <p:ph type="dt" sz="half" idx="10"/>
-          </p:nvPr>
-        </p:nvSpPr>
-        <p:spPr/>
-        <p:txBody>
-          <a:bodyPr/>
-          <a:lstStyle/>
-          <a:p>
-            <a:r>
-              <a:rPr kumimoji="1" lang="en-US" altLang="ja-JP"/>
-              <a:t>2021/2/9</a:t>
-            </a:r>
-            <a:endParaRPr kumimoji="1" lang="ja-JP" altLang="en-US"/>
-          </a:p>
-        </p:txBody>
-      </p:sp>
-      <p:pic>
-        <p:nvPicPr>
-          <p:cNvPr id="6" name="図 5">
-            <a:extLst>
-              <a:ext uri="{FF2B5EF4-FFF2-40B4-BE49-F238E27FC236}">
-                <a16:creationId xmlns:a16="http://schemas.microsoft.com/office/drawing/2014/main" id="{2168A303-0847-C54B-9811-4041571867BA}"/>
-              </a:ext>
-            </a:extLst>
-          </p:cNvPr>
-          <p:cNvPicPr>
-            <a:picLocks noChangeAspect="1"/>
-          </p:cNvPicPr>
-          <p:nvPr/>
-        </p:nvPicPr>
-        <p:blipFill>
-          <a:blip r:embed="rId4"/>
-          <a:stretch>
-            <a:fillRect/>
-          </a:stretch>
-        </p:blipFill>
-        <p:spPr>
-          <a:xfrm>
-            <a:off x="500919" y="2313195"/>
-            <a:ext cx="3661845" cy="3441782"/>
-          </a:xfrm>
-          <a:prstGeom prst="rect">
-            <a:avLst/>
-          </a:prstGeom>
-        </p:spPr>
-      </p:pic>
-      <p:pic>
-        <p:nvPicPr>
-          <p:cNvPr id="8" name="図 7">
-            <a:extLst>
-              <a:ext uri="{FF2B5EF4-FFF2-40B4-BE49-F238E27FC236}">
-                <a16:creationId xmlns:a16="http://schemas.microsoft.com/office/drawing/2014/main" id="{57E19046-1906-524F-AE5E-6BAA00891D42}"/>
-              </a:ext>
-            </a:extLst>
-          </p:cNvPr>
-          <p:cNvPicPr>
-            <a:picLocks noChangeAspect="1"/>
-          </p:cNvPicPr>
-          <p:nvPr/>
-        </p:nvPicPr>
-        <p:blipFill>
-          <a:blip r:embed="rId5"/>
-          <a:stretch>
-            <a:fillRect/>
-          </a:stretch>
-        </p:blipFill>
-        <p:spPr>
-          <a:xfrm>
-            <a:off x="4325975" y="2284715"/>
-            <a:ext cx="3782735" cy="3517761"/>
-          </a:xfrm>
-          <a:prstGeom prst="rect">
-            <a:avLst/>
-          </a:prstGeom>
-        </p:spPr>
-      </p:pic>
-      <mc:AlternateContent xmlns:mc="http://schemas.openxmlformats.org/markup-compatibility/2006" xmlns:a14="http://schemas.microsoft.com/office/drawing/2010/main">
-        <mc:Choice Requires="a14">
-          <p:sp>
-            <p:nvSpPr>
-              <p:cNvPr id="9" name="テキスト ボックス 8">
-                <a:extLst>
-                  <a:ext uri="{FF2B5EF4-FFF2-40B4-BE49-F238E27FC236}">
-                    <a16:creationId xmlns:a16="http://schemas.microsoft.com/office/drawing/2014/main" id="{2F60BECC-E783-724F-BA05-9D6C18D890D0}"/>
-                  </a:ext>
-                </a:extLst>
-              </p:cNvPr>
-              <p:cNvSpPr txBox="1"/>
-              <p:nvPr/>
-            </p:nvSpPr>
-            <p:spPr>
-              <a:xfrm>
-                <a:off x="2018806" y="5772502"/>
-                <a:ext cx="1062791" cy="369332"/>
-              </a:xfrm>
-              <a:prstGeom prst="rect">
-                <a:avLst/>
-              </a:prstGeom>
-              <a:noFill/>
-            </p:spPr>
-            <p:txBody>
-              <a:bodyPr wrap="none" rtlCol="0">
-                <a:spAutoFit/>
-              </a:bodyPr>
-              <a:lstStyle/>
-              <a:p>
-                <a:pPr algn="l"/>
-                <a14:m>
-                  <m:oMathPara xmlns:m="http://schemas.openxmlformats.org/officeDocument/2006/math">
-                    <m:oMathParaPr>
-                      <m:jc m:val="centerGroup"/>
-                    </m:oMathParaPr>
-                    <m:oMath xmlns:m="http://schemas.openxmlformats.org/officeDocument/2006/math">
-                      <m:r>
-                        <a:rPr kumimoji="1" lang="en-US" altLang="ja-JP" b="0" i="1" smtClean="0">
-                          <a:latin typeface="Cambria Math" panose="02040503050406030204" pitchFamily="18" charset="0"/>
-                        </a:rPr>
-                        <m:t>𝐽</m:t>
-                      </m:r>
-                      <m:r>
-                        <a:rPr kumimoji="1" lang="en-US" altLang="ja-JP" b="0" i="1" smtClean="0">
-                          <a:latin typeface="Cambria Math" panose="02040503050406030204" pitchFamily="18" charset="0"/>
-                        </a:rPr>
-                        <m:t>=11.3</m:t>
-                      </m:r>
-                    </m:oMath>
-                  </m:oMathPara>
-                </a14:m>
-                <a:endParaRPr kumimoji="1" lang="ja-JP" altLang="en-US">
-                  <a:latin typeface="Cambria" panose="02040503050406030204" pitchFamily="18" charset="0"/>
-                </a:endParaRPr>
-              </a:p>
-            </p:txBody>
-          </p:sp>
-        </mc:Choice>
-        <mc:Fallback xmlns="">
-          <p:sp>
-            <p:nvSpPr>
-              <p:cNvPr id="9" name="テキスト ボックス 8">
-                <a:extLst>
-                  <a:ext uri="{FF2B5EF4-FFF2-40B4-BE49-F238E27FC236}">
-                    <a16:creationId xmlns:a16="http://schemas.microsoft.com/office/drawing/2014/main" id="{2F60BECC-E783-724F-BA05-9D6C18D890D0}"/>
-                  </a:ext>
-                </a:extLst>
-              </p:cNvPr>
-              <p:cNvSpPr txBox="1">
-                <a:spLocks noRot="1" noChangeAspect="1" noMove="1" noResize="1" noEditPoints="1" noAdjustHandles="1" noChangeArrowheads="1" noChangeShapeType="1" noTextEdit="1"/>
-              </p:cNvSpPr>
-              <p:nvPr/>
-            </p:nvSpPr>
-            <p:spPr>
-              <a:xfrm>
-                <a:off x="2018806" y="5772502"/>
-                <a:ext cx="1062791" cy="369332"/>
-              </a:xfrm>
-              <a:prstGeom prst="rect">
-                <a:avLst/>
-              </a:prstGeom>
-              <a:blipFill>
-                <a:blip r:embed="rId6"/>
-                <a:stretch>
-                  <a:fillRect b="-6667"/>
-                </a:stretch>
-              </a:blipFill>
-            </p:spPr>
-            <p:txBody>
-              <a:bodyPr/>
-              <a:lstStyle/>
-              <a:p>
-                <a:r>
-                  <a:rPr lang="ja-JP" altLang="en-US">
-                    <a:noFill/>
-                  </a:rPr>
-                  <a:t> </a:t>
-                </a:r>
-              </a:p>
-            </p:txBody>
-          </p:sp>
-        </mc:Fallback>
-      </mc:AlternateContent>
-      <mc:AlternateContent xmlns:mc="http://schemas.openxmlformats.org/markup-compatibility/2006" xmlns:a14="http://schemas.microsoft.com/office/drawing/2010/main">
-        <mc:Choice Requires="a14">
-          <p:sp>
-            <p:nvSpPr>
-              <p:cNvPr id="10" name="テキスト ボックス 9">
-                <a:extLst>
-                  <a:ext uri="{FF2B5EF4-FFF2-40B4-BE49-F238E27FC236}">
-                    <a16:creationId xmlns:a16="http://schemas.microsoft.com/office/drawing/2014/main" id="{F3EF5E02-6987-D94C-98AF-B1050E2684DB}"/>
-                  </a:ext>
-                </a:extLst>
-              </p:cNvPr>
-              <p:cNvSpPr txBox="1"/>
-              <p:nvPr/>
-            </p:nvSpPr>
-            <p:spPr>
-              <a:xfrm>
-                <a:off x="6080461" y="5770955"/>
-                <a:ext cx="934551" cy="369332"/>
-              </a:xfrm>
-              <a:prstGeom prst="rect">
-                <a:avLst/>
-              </a:prstGeom>
-              <a:noFill/>
-            </p:spPr>
-            <p:txBody>
-              <a:bodyPr wrap="none" rtlCol="0">
-                <a:spAutoFit/>
-              </a:bodyPr>
-              <a:lstStyle/>
-              <a:p>
-                <a:pPr algn="l"/>
-                <a14:m>
-                  <m:oMathPara xmlns:m="http://schemas.openxmlformats.org/officeDocument/2006/math">
-                    <m:oMathParaPr>
-                      <m:jc m:val="centerGroup"/>
-                    </m:oMathParaPr>
-                    <m:oMath xmlns:m="http://schemas.openxmlformats.org/officeDocument/2006/math">
-                      <m:r>
-                        <a:rPr kumimoji="1" lang="en-US" altLang="ja-JP" b="0" i="1" smtClean="0">
-                          <a:latin typeface="Cambria Math" panose="02040503050406030204" pitchFamily="18" charset="0"/>
-                        </a:rPr>
-                        <m:t>𝐽</m:t>
-                      </m:r>
-                      <m:r>
-                        <a:rPr kumimoji="1" lang="en-US" altLang="ja-JP" b="0" i="1" smtClean="0">
-                          <a:latin typeface="Cambria Math" panose="02040503050406030204" pitchFamily="18" charset="0"/>
-                        </a:rPr>
-                        <m:t>=6.9</m:t>
-                      </m:r>
-                    </m:oMath>
-                  </m:oMathPara>
-                </a14:m>
-                <a:endParaRPr kumimoji="1" lang="ja-JP" altLang="en-US">
-                  <a:latin typeface="Cambria" panose="02040503050406030204" pitchFamily="18" charset="0"/>
-                </a:endParaRPr>
-              </a:p>
-            </p:txBody>
-          </p:sp>
-        </mc:Choice>
-        <mc:Fallback xmlns="">
-          <p:sp>
-            <p:nvSpPr>
-              <p:cNvPr id="10" name="テキスト ボックス 9">
-                <a:extLst>
-                  <a:ext uri="{FF2B5EF4-FFF2-40B4-BE49-F238E27FC236}">
-                    <a16:creationId xmlns:a16="http://schemas.microsoft.com/office/drawing/2014/main" id="{F3EF5E02-6987-D94C-98AF-B1050E2684DB}"/>
-                  </a:ext>
-                </a:extLst>
-              </p:cNvPr>
-              <p:cNvSpPr txBox="1">
-                <a:spLocks noRot="1" noChangeAspect="1" noMove="1" noResize="1" noEditPoints="1" noAdjustHandles="1" noChangeArrowheads="1" noChangeShapeType="1" noTextEdit="1"/>
-              </p:cNvSpPr>
-              <p:nvPr/>
-            </p:nvSpPr>
-            <p:spPr>
-              <a:xfrm>
-                <a:off x="6080461" y="5770955"/>
-                <a:ext cx="934551" cy="369332"/>
-              </a:xfrm>
-              <a:prstGeom prst="rect">
-                <a:avLst/>
-              </a:prstGeom>
-              <a:blipFill>
-                <a:blip r:embed="rId7"/>
-                <a:stretch>
-                  <a:fillRect b="-10000"/>
-                </a:stretch>
-              </a:blipFill>
-            </p:spPr>
-            <p:txBody>
-              <a:bodyPr/>
-              <a:lstStyle/>
-              <a:p>
-                <a:r>
-                  <a:rPr lang="ja-JP" altLang="en-US">
-                    <a:noFill/>
-                  </a:rPr>
-                  <a:t> </a:t>
-                </a:r>
-              </a:p>
-            </p:txBody>
-          </p:sp>
-        </mc:Fallback>
-      </mc:AlternateContent>
-      <p:sp>
-        <p:nvSpPr>
-          <p:cNvPr id="11" name="テキスト ボックス 10">
-            <a:extLst>
-              <a:ext uri="{FF2B5EF4-FFF2-40B4-BE49-F238E27FC236}">
-                <a16:creationId xmlns:a16="http://schemas.microsoft.com/office/drawing/2014/main" id="{26EA5084-CA9D-C444-99EC-4843A08C4FC5}"/>
-              </a:ext>
-            </a:extLst>
-          </p:cNvPr>
-          <p:cNvSpPr txBox="1"/>
-          <p:nvPr/>
-        </p:nvSpPr>
-        <p:spPr>
-          <a:xfrm>
-            <a:off x="2331841" y="6217326"/>
-            <a:ext cx="4208203" cy="369332"/>
-          </a:xfrm>
-          <a:prstGeom prst="rect">
-            <a:avLst/>
-          </a:prstGeom>
-          <a:noFill/>
-        </p:spPr>
-        <p:txBody>
-          <a:bodyPr wrap="none" rtlCol="0">
-            <a:spAutoFit/>
-          </a:bodyPr>
-          <a:lstStyle/>
-          <a:p>
-            <a:pPr algn="l"/>
-            <a:r>
-              <a:rPr kumimoji="1" lang="ja-JP" altLang="en-US">
-                <a:latin typeface="Cambria" panose="02040503050406030204" pitchFamily="18" charset="0"/>
-              </a:rPr>
-              <a:t>状態変化を抑えながら</a:t>
-            </a:r>
-            <a:r>
-              <a:rPr kumimoji="1" lang="en-US" altLang="ja-JP" dirty="0">
-                <a:latin typeface="Cambria" panose="02040503050406030204" pitchFamily="18" charset="0"/>
-              </a:rPr>
-              <a:t>, </a:t>
-            </a:r>
-            <a:r>
-              <a:rPr kumimoji="1" lang="ja-JP" altLang="en-US">
-                <a:latin typeface="Cambria" panose="02040503050406030204" pitchFamily="18" charset="0"/>
-              </a:rPr>
-              <a:t>通信回数の減少</a:t>
-            </a:r>
-          </a:p>
-        </p:txBody>
-      </p:sp>
-      <p:sp>
-        <p:nvSpPr>
-          <p:cNvPr id="5" name="スライド番号プレースホルダー 4">
-            <a:extLst>
-              <a:ext uri="{FF2B5EF4-FFF2-40B4-BE49-F238E27FC236}">
-                <a16:creationId xmlns:a16="http://schemas.microsoft.com/office/drawing/2014/main" id="{D8444141-8B2A-7D4E-950A-7F809B8DD78E}"/>
-              </a:ext>
-            </a:extLst>
-          </p:cNvPr>
-          <p:cNvSpPr>
-            <a:spLocks noGrp="1"/>
-          </p:cNvSpPr>
-          <p:nvPr>
-            <p:ph type="sldNum" sz="quarter" idx="12"/>
-          </p:nvPr>
-        </p:nvSpPr>
-        <p:spPr/>
-        <p:txBody>
-          <a:bodyPr/>
-          <a:lstStyle/>
-          <a:p>
-            <a:fld id="{5D57FD6B-29A3-3249-A29F-ABF600A8FF13}" type="slidenum">
-              <a:rPr kumimoji="1" lang="ja-JP" altLang="en-US" smtClean="0"/>
-              <a:t>14</a:t>
-            </a:fld>
-            <a:r>
-              <a:rPr kumimoji="1" lang="en-US" altLang="ja-JP"/>
-              <a:t>/14</a:t>
-            </a:r>
-            <a:endParaRPr kumimoji="1" lang="en-US" altLang="ja-JP" dirty="0"/>
-          </a:p>
-        </p:txBody>
-      </p:sp>
-    </p:spTree>
-    <p:extLst>
-      <p:ext uri="{BB962C8B-B14F-4D97-AF65-F5344CB8AC3E}">
-        <p14:creationId xmlns:p14="http://schemas.microsoft.com/office/powerpoint/2010/main" val="43829623"/>
-      </p:ext>
-    </p:extLst>
-  </p:cSld>
-  <p:clrMapOvr>
-    <a:masterClrMapping/>
-  </p:clrMapOvr>
-</p:sld>
-</file>
-
-<file path=ppt/slides/slide16.xml><?xml version="1.0" encoding="utf-8"?>
+<file path=ppt/slides/slide14.xml><?xml version="1.0" encoding="utf-8"?>
 <p:sld xmlns:a="http://schemas.openxmlformats.org/drawingml/2006/main" xmlns:r="http://schemas.openxmlformats.org/officeDocument/2006/relationships" xmlns:p="http://schemas.openxmlformats.org/presentationml/2006/main">
   <p:cSld>
     <p:spTree>
@@ -12667,6 +10308,18 @@
                   <a:rPr kumimoji="1" lang="ja-JP" altLang="en-US"/>
                   <a:t>倒立振子</a:t>
                 </a:r>
+                <a:r>
+                  <a:rPr lang="en-US" altLang="ja-JP" dirty="0"/>
+                  <a:t>(</a:t>
+                </a:r>
+                <a:r>
+                  <a:rPr lang="ja-JP" altLang="en-US"/>
+                  <a:t>非線形システム</a:t>
+                </a:r>
+                <a:r>
+                  <a:rPr lang="en-US" altLang="ja-JP" dirty="0"/>
+                  <a:t>)</a:t>
+                </a:r>
                 <a:endParaRPr kumimoji="1" lang="en-US" altLang="ja-JP" dirty="0"/>
               </a:p>
               <a:p>
@@ -12810,19 +10463,6 @@
               <a:rPr kumimoji="1" lang="ja-JP" altLang="en-US"/>
               <a:t>数値実験</a:t>
             </a:r>
-            <a:r>
-              <a:rPr kumimoji="1" lang="en-US" altLang="ja-JP" dirty="0"/>
-              <a:t> (</a:t>
-            </a:r>
-            <a:r>
-              <a:rPr kumimoji="1" lang="ja-JP" altLang="en-US"/>
-              <a:t>非線形システム</a:t>
-            </a:r>
-            <a:r>
-              <a:rPr kumimoji="1" lang="en-US" altLang="ja-JP" dirty="0"/>
-              <a:t>)</a:t>
-            </a:r>
-            <a:endParaRPr kumimoji="1" lang="ja-JP" altLang="en-US"/>
           </a:p>
         </p:txBody>
       </p:sp>
@@ -13443,10 +11083,10 @@
       </p:pic>
       <p:sp>
         <p:nvSpPr>
-          <p:cNvPr id="5" name="スライド番号プレースホルダー 4">
+          <p:cNvPr id="6" name="スライド番号プレースホルダー 5">
             <a:extLst>
               <a:ext uri="{FF2B5EF4-FFF2-40B4-BE49-F238E27FC236}">
-                <a16:creationId xmlns:a16="http://schemas.microsoft.com/office/drawing/2014/main" id="{60017A92-5C56-9D4D-864B-21010472F90B}"/>
+                <a16:creationId xmlns:a16="http://schemas.microsoft.com/office/drawing/2014/main" id="{DA69E619-AD0F-8442-807C-81926E6A9728}"/>
               </a:ext>
             </a:extLst>
           </p:cNvPr>
@@ -13462,15 +11102,10 @@
           <a:bodyPr/>
           <a:lstStyle/>
           <a:p>
-            <a:fld id="{5D57FD6B-29A3-3249-A29F-ABF600A8FF13}" type="slidenum">
-              <a:rPr kumimoji="1" lang="ja-JP" altLang="en-US" smtClean="0"/>
-              <a:t>15</a:t>
-            </a:fld>
-            <a:r>
-              <a:rPr kumimoji="1" lang="en-US" altLang="ja-JP"/>
-              <a:t>/14</a:t>
-            </a:r>
-            <a:endParaRPr kumimoji="1" lang="en-US" altLang="ja-JP" dirty="0"/>
+            <a:r>
+              <a:rPr kumimoji="1" lang="en-US" altLang="ja-JP" dirty="0"/>
+              <a:t>10/12</a:t>
+            </a:r>
           </a:p>
         </p:txBody>
       </p:sp>
@@ -13487,7 +11122,7 @@
 </p:sld>
 </file>
 
-<file path=ppt/slides/slide17.xml><?xml version="1.0" encoding="utf-8"?>
+<file path=ppt/slides/slide15.xml><?xml version="1.0" encoding="utf-8"?>
 <p:sld xmlns:a="http://schemas.openxmlformats.org/drawingml/2006/main" xmlns:r="http://schemas.openxmlformats.org/officeDocument/2006/relationships" xmlns:p="http://schemas.openxmlformats.org/presentationml/2006/main">
   <p:cSld>
     <p:spTree>
@@ -13768,19 +11403,6 @@
               <a:rPr kumimoji="1" lang="ja-JP" altLang="en-US"/>
               <a:t>数値実験の結果</a:t>
             </a:r>
-            <a:r>
-              <a:rPr kumimoji="1" lang="en-US" altLang="ja-JP" dirty="0"/>
-              <a:t> (</a:t>
-            </a:r>
-            <a:r>
-              <a:rPr kumimoji="1" lang="ja-JP" altLang="en-US"/>
-              <a:t>線形システム</a:t>
-            </a:r>
-            <a:r>
-              <a:rPr kumimoji="1" lang="en-US" altLang="ja-JP" dirty="0"/>
-              <a:t>)</a:t>
-            </a:r>
-            <a:endParaRPr kumimoji="1" lang="ja-JP" altLang="en-US"/>
           </a:p>
         </p:txBody>
       </p:sp>
@@ -14133,10 +11755,10 @@
       </p:pic>
       <p:sp>
         <p:nvSpPr>
-          <p:cNvPr id="5" name="スライド番号プレースホルダー 4">
+          <p:cNvPr id="6" name="スライド番号プレースホルダー 5">
             <a:extLst>
               <a:ext uri="{FF2B5EF4-FFF2-40B4-BE49-F238E27FC236}">
-                <a16:creationId xmlns:a16="http://schemas.microsoft.com/office/drawing/2014/main" id="{2C15D21C-64CC-7046-BA1F-174D957650CA}"/>
+                <a16:creationId xmlns:a16="http://schemas.microsoft.com/office/drawing/2014/main" id="{D904341C-0A17-EC4A-B2A1-C2C427F9A93F}"/>
               </a:ext>
             </a:extLst>
           </p:cNvPr>
@@ -14152,15 +11774,10 @@
           <a:bodyPr/>
           <a:lstStyle/>
           <a:p>
-            <a:fld id="{5D57FD6B-29A3-3249-A29F-ABF600A8FF13}" type="slidenum">
-              <a:rPr kumimoji="1" lang="ja-JP" altLang="en-US" smtClean="0"/>
-              <a:t>16</a:t>
-            </a:fld>
-            <a:r>
-              <a:rPr kumimoji="1" lang="en-US" altLang="ja-JP"/>
-              <a:t>/14</a:t>
-            </a:r>
-            <a:endParaRPr kumimoji="1" lang="en-US" altLang="ja-JP" dirty="0"/>
+            <a:r>
+              <a:rPr kumimoji="1" lang="en-US" altLang="ja-JP" dirty="0"/>
+              <a:t>11/12</a:t>
+            </a:r>
           </a:p>
         </p:txBody>
       </p:sp>
@@ -14177,7 +11794,7 @@
 </p:sld>
 </file>
 
-<file path=ppt/slides/slide18.xml><?xml version="1.0" encoding="utf-8"?>
+<file path=ppt/slides/slide16.xml><?xml version="1.0" encoding="utf-8"?>
 <p:sld xmlns:a="http://schemas.openxmlformats.org/drawingml/2006/main" xmlns:r="http://schemas.openxmlformats.org/officeDocument/2006/relationships" xmlns:p="http://schemas.openxmlformats.org/presentationml/2006/main">
   <p:cSld>
     <p:spTree>
@@ -14217,15 +11834,7 @@
           <a:p>
             <a:r>
               <a:rPr kumimoji="1" lang="ja-JP" altLang="en-US"/>
-              <a:t>先行研究で考慮されていなかった</a:t>
-            </a:r>
-            <a:r>
-              <a:rPr kumimoji="1" lang="en-US" altLang="ja-JP" dirty="0"/>
-              <a:t>, </a:t>
-            </a:r>
-            <a:r>
-              <a:rPr kumimoji="1" lang="ja-JP" altLang="en-US"/>
-              <a:t>長時間制御全体での通信コストを陽に組み込んだ最適セルフトリガー制御問題の定式化</a:t>
+              <a:t>長時間制御全体での通信コストを考慮した最適セルフトリガー制御問題の定式化</a:t>
             </a:r>
             <a:endParaRPr kumimoji="1" lang="en-US" altLang="ja-JP" dirty="0"/>
           </a:p>
@@ -14235,7 +11844,45 @@
           <a:p>
             <a:r>
               <a:rPr kumimoji="1" lang="ja-JP" altLang="en-US"/>
-              <a:t>定式化した問題の方策勾配型強化学習を用いた解き方の考案</a:t>
+              <a:t>定式化した問題に対する方策勾配の式の導出</a:t>
+            </a:r>
+            <a:endParaRPr kumimoji="1" lang="en-US" altLang="ja-JP" dirty="0"/>
+          </a:p>
+          <a:p>
+            <a:pPr lvl="1"/>
+            <a:r>
+              <a:rPr lang="ja-JP" altLang="en-US"/>
+              <a:t>及び</a:t>
+            </a:r>
+            <a:r>
+              <a:rPr lang="en-US" altLang="ja-JP" dirty="0"/>
+              <a:t>, </a:t>
+            </a:r>
+            <a:r>
+              <a:rPr lang="ja-JP" altLang="en-US"/>
+              <a:t>それを用いた</a:t>
+            </a:r>
+            <a:r>
+              <a:rPr kumimoji="1" lang="ja-JP" altLang="en-US"/>
+              <a:t>強化学習法の提案</a:t>
+            </a:r>
+            <a:endParaRPr kumimoji="1" lang="en-US" altLang="ja-JP" dirty="0"/>
+          </a:p>
+          <a:p>
+            <a:endParaRPr lang="en-US" altLang="ja-JP" dirty="0"/>
+          </a:p>
+          <a:p>
+            <a:r>
+              <a:rPr lang="ja-JP" altLang="en-US"/>
+              <a:t>非線形システムに対する有効性の確認</a:t>
+            </a:r>
+            <a:endParaRPr lang="en-US" altLang="ja-JP" dirty="0"/>
+          </a:p>
+          <a:p>
+            <a:pPr lvl="1"/>
+            <a:r>
+              <a:rPr kumimoji="1" lang="ja-JP" altLang="en-US"/>
+              <a:t>線形システムに対しても同様の結果</a:t>
             </a:r>
             <a:endParaRPr kumimoji="1" lang="en-US" altLang="ja-JP" dirty="0"/>
           </a:p>
@@ -14307,10 +11954,10 @@
       </p:sp>
       <p:sp>
         <p:nvSpPr>
-          <p:cNvPr id="6" name="スライド番号プレースホルダー 5">
+          <p:cNvPr id="5" name="スライド番号プレースホルダー 4">
             <a:extLst>
               <a:ext uri="{FF2B5EF4-FFF2-40B4-BE49-F238E27FC236}">
-                <a16:creationId xmlns:a16="http://schemas.microsoft.com/office/drawing/2014/main" id="{C856FEDD-AD32-A645-8963-D6E45A7CF812}"/>
+                <a16:creationId xmlns:a16="http://schemas.microsoft.com/office/drawing/2014/main" id="{AD4F8854-0E13-CB49-B442-A29BA97F4F1E}"/>
               </a:ext>
             </a:extLst>
           </p:cNvPr>
@@ -14326,15 +11973,10 @@
           <a:bodyPr/>
           <a:lstStyle/>
           <a:p>
-            <a:fld id="{5D57FD6B-29A3-3249-A29F-ABF600A8FF13}" type="slidenum">
-              <a:rPr kumimoji="1" lang="ja-JP" altLang="en-US" smtClean="0"/>
-              <a:t>17</a:t>
-            </a:fld>
-            <a:r>
-              <a:rPr kumimoji="1" lang="en-US" altLang="ja-JP"/>
-              <a:t>/14</a:t>
-            </a:r>
-            <a:endParaRPr kumimoji="1" lang="en-US" altLang="ja-JP" dirty="0"/>
+            <a:r>
+              <a:rPr kumimoji="1" lang="en-US" altLang="ja-JP" dirty="0"/>
+              <a:t>12/12</a:t>
+            </a:r>
           </a:p>
         </p:txBody>
       </p:sp>
@@ -14351,7 +11993,7 @@
 </p:sld>
 </file>
 
-<file path=ppt/slides/slide19.xml><?xml version="1.0" encoding="utf-8"?>
+<file path=ppt/slides/slide17.xml><?xml version="1.0" encoding="utf-8"?>
 <p:sld xmlns:a="http://schemas.openxmlformats.org/drawingml/2006/main" xmlns:r="http://schemas.openxmlformats.org/officeDocument/2006/relationships" xmlns:p="http://schemas.openxmlformats.org/presentationml/2006/main">
   <p:cSld>
     <p:spTree>
@@ -14545,39 +12187,6 @@
           </a:p>
         </p:txBody>
       </p:sp>
-      <p:sp>
-        <p:nvSpPr>
-          <p:cNvPr id="5" name="スライド番号プレースホルダー 4">
-            <a:extLst>
-              <a:ext uri="{FF2B5EF4-FFF2-40B4-BE49-F238E27FC236}">
-                <a16:creationId xmlns:a16="http://schemas.microsoft.com/office/drawing/2014/main" id="{8629EAB2-BB3B-F74B-817B-6E3E283CF4AB}"/>
-              </a:ext>
-            </a:extLst>
-          </p:cNvPr>
-          <p:cNvSpPr>
-            <a:spLocks noGrp="1"/>
-          </p:cNvSpPr>
-          <p:nvPr>
-            <p:ph type="sldNum" sz="quarter" idx="12"/>
-          </p:nvPr>
-        </p:nvSpPr>
-        <p:spPr/>
-        <p:txBody>
-          <a:bodyPr/>
-          <a:lstStyle/>
-          <a:p>
-            <a:fld id="{5D57FD6B-29A3-3249-A29F-ABF600A8FF13}" type="slidenum">
-              <a:rPr kumimoji="1" lang="ja-JP" altLang="en-US" smtClean="0"/>
-              <a:t>18</a:t>
-            </a:fld>
-            <a:r>
-              <a:rPr kumimoji="1" lang="en-US" altLang="ja-JP"/>
-              <a:t>/14</a:t>
-            </a:r>
-            <a:endParaRPr kumimoji="1" lang="en-US" altLang="ja-JP" dirty="0"/>
-          </a:p>
-        </p:txBody>
-      </p:sp>
       <p:pic>
         <p:nvPicPr>
           <p:cNvPr id="6" name="図 5">
@@ -14608,10 +12217,423 @@
           </a:prstGeom>
         </p:spPr>
       </p:pic>
+      <p:sp>
+        <p:nvSpPr>
+          <p:cNvPr id="7" name="スライド番号プレースホルダー 6">
+            <a:extLst>
+              <a:ext uri="{FF2B5EF4-FFF2-40B4-BE49-F238E27FC236}">
+                <a16:creationId xmlns:a16="http://schemas.microsoft.com/office/drawing/2014/main" id="{AA902C92-8265-8D45-9994-EBF9CB64D9B6}"/>
+              </a:ext>
+            </a:extLst>
+          </p:cNvPr>
+          <p:cNvSpPr>
+            <a:spLocks noGrp="1"/>
+          </p:cNvSpPr>
+          <p:nvPr>
+            <p:ph type="sldNum" sz="quarter" idx="12"/>
+          </p:nvPr>
+        </p:nvSpPr>
+        <p:spPr/>
+        <p:txBody>
+          <a:bodyPr/>
+          <a:lstStyle/>
+          <a:p>
+            <a:fld id="{5D57FD6B-29A3-3249-A29F-ABF600A8FF13}" type="slidenum">
+              <a:rPr kumimoji="1" lang="ja-JP" altLang="en-US" smtClean="0"/>
+              <a:t>16</a:t>
+            </a:fld>
+            <a:r>
+              <a:rPr kumimoji="1" lang="en-US" altLang="ja-JP"/>
+              <a:t>/12</a:t>
+            </a:r>
+            <a:endParaRPr kumimoji="1" lang="en-US" altLang="ja-JP" dirty="0"/>
+          </a:p>
+        </p:txBody>
+      </p:sp>
     </p:spTree>
     <p:extLst>
       <p:ext uri="{BB962C8B-B14F-4D97-AF65-F5344CB8AC3E}">
         <p14:creationId xmlns:p14="http://schemas.microsoft.com/office/powerpoint/2010/main" val="3359865491"/>
+      </p:ext>
+    </p:extLst>
+  </p:cSld>
+  <p:clrMapOvr>
+    <a:masterClrMapping/>
+  </p:clrMapOvr>
+</p:sld>
+</file>
+
+<file path=ppt/slides/slide18.xml><?xml version="1.0" encoding="utf-8"?>
+<p:sld xmlns:a="http://schemas.openxmlformats.org/drawingml/2006/main" xmlns:r="http://schemas.openxmlformats.org/officeDocument/2006/relationships" xmlns:p="http://schemas.openxmlformats.org/presentationml/2006/main">
+  <p:cSld>
+    <p:spTree>
+      <p:nvGrpSpPr>
+        <p:cNvPr id="1" name=""/>
+        <p:cNvGrpSpPr/>
+        <p:nvPr/>
+      </p:nvGrpSpPr>
+      <p:grpSpPr>
+        <a:xfrm>
+          <a:off x="0" y="0"/>
+          <a:ext cx="0" cy="0"/>
+          <a:chOff x="0" y="0"/>
+          <a:chExt cx="0" cy="0"/>
+        </a:xfrm>
+      </p:grpSpPr>
+      <p:sp>
+        <p:nvSpPr>
+          <p:cNvPr id="2" name="コンテンツ プレースホルダー 1">
+            <a:extLst>
+              <a:ext uri="{FF2B5EF4-FFF2-40B4-BE49-F238E27FC236}">
+                <a16:creationId xmlns:a16="http://schemas.microsoft.com/office/drawing/2014/main" id="{645305F5-FAE2-6945-B65A-67E1FE394314}"/>
+              </a:ext>
+            </a:extLst>
+          </p:cNvPr>
+          <p:cNvSpPr>
+            <a:spLocks noGrp="1"/>
+          </p:cNvSpPr>
+          <p:nvPr>
+            <p:ph idx="1"/>
+          </p:nvPr>
+        </p:nvSpPr>
+        <p:spPr/>
+        <p:txBody>
+          <a:bodyPr/>
+          <a:lstStyle/>
+          <a:p>
+            <a:endParaRPr kumimoji="1" lang="ja-JP" altLang="en-US"/>
+          </a:p>
+        </p:txBody>
+      </p:sp>
+      <p:sp>
+        <p:nvSpPr>
+          <p:cNvPr id="3" name="タイトル 2">
+            <a:extLst>
+              <a:ext uri="{FF2B5EF4-FFF2-40B4-BE49-F238E27FC236}">
+                <a16:creationId xmlns:a16="http://schemas.microsoft.com/office/drawing/2014/main" id="{1FB4C381-2E9E-E242-A699-0622174D6079}"/>
+              </a:ext>
+            </a:extLst>
+          </p:cNvPr>
+          <p:cNvSpPr>
+            <a:spLocks noGrp="1"/>
+          </p:cNvSpPr>
+          <p:nvPr>
+            <p:ph type="title"/>
+          </p:nvPr>
+        </p:nvSpPr>
+        <p:spPr/>
+        <p:txBody>
+          <a:bodyPr/>
+          <a:lstStyle/>
+          <a:p>
+            <a:r>
+              <a:rPr kumimoji="1" lang="ja-JP" altLang="en-US"/>
+              <a:t>付録</a:t>
+            </a:r>
+            <a:r>
+              <a:rPr kumimoji="1" lang="en-US" altLang="ja-JP" dirty="0"/>
+              <a:t>B: </a:t>
+            </a:r>
+            <a:r>
+              <a:rPr kumimoji="1" lang="ja-JP" altLang="en-US"/>
+              <a:t>モデルの設定・ハイパーパラメータ</a:t>
+            </a:r>
+          </a:p>
+        </p:txBody>
+      </p:sp>
+      <p:sp>
+        <p:nvSpPr>
+          <p:cNvPr id="4" name="日付プレースホルダー 3">
+            <a:extLst>
+              <a:ext uri="{FF2B5EF4-FFF2-40B4-BE49-F238E27FC236}">
+                <a16:creationId xmlns:a16="http://schemas.microsoft.com/office/drawing/2014/main" id="{24E1F3DF-E0CC-E24E-8E66-7A2CCE99FECE}"/>
+              </a:ext>
+            </a:extLst>
+          </p:cNvPr>
+          <p:cNvSpPr>
+            <a:spLocks noGrp="1"/>
+          </p:cNvSpPr>
+          <p:nvPr>
+            <p:ph type="dt" sz="half" idx="10"/>
+          </p:nvPr>
+        </p:nvSpPr>
+        <p:spPr/>
+        <p:txBody>
+          <a:bodyPr/>
+          <a:lstStyle/>
+          <a:p>
+            <a:r>
+              <a:rPr kumimoji="1" lang="en-US" altLang="ja-JP"/>
+              <a:t>2021/2/9</a:t>
+            </a:r>
+            <a:endParaRPr kumimoji="1" lang="ja-JP" altLang="en-US"/>
+          </a:p>
+        </p:txBody>
+      </p:sp>
+      <p:sp>
+        <p:nvSpPr>
+          <p:cNvPr id="6" name="スライド番号プレースホルダー 5">
+            <a:extLst>
+              <a:ext uri="{FF2B5EF4-FFF2-40B4-BE49-F238E27FC236}">
+                <a16:creationId xmlns:a16="http://schemas.microsoft.com/office/drawing/2014/main" id="{695EB0DD-1960-C74E-9884-D50B68624A96}"/>
+              </a:ext>
+            </a:extLst>
+          </p:cNvPr>
+          <p:cNvSpPr>
+            <a:spLocks noGrp="1"/>
+          </p:cNvSpPr>
+          <p:nvPr>
+            <p:ph type="sldNum" sz="quarter" idx="12"/>
+          </p:nvPr>
+        </p:nvSpPr>
+        <p:spPr/>
+        <p:txBody>
+          <a:bodyPr/>
+          <a:lstStyle/>
+          <a:p>
+            <a:fld id="{5D57FD6B-29A3-3249-A29F-ABF600A8FF13}" type="slidenum">
+              <a:rPr kumimoji="1" lang="ja-JP" altLang="en-US" smtClean="0"/>
+              <a:t>17</a:t>
+            </a:fld>
+            <a:r>
+              <a:rPr kumimoji="1" lang="en-US" altLang="ja-JP"/>
+              <a:t>/12</a:t>
+            </a:r>
+            <a:endParaRPr kumimoji="1" lang="en-US" altLang="ja-JP" dirty="0"/>
+          </a:p>
+        </p:txBody>
+      </p:sp>
+    </p:spTree>
+    <p:extLst>
+      <p:ext uri="{BB962C8B-B14F-4D97-AF65-F5344CB8AC3E}">
+        <p14:creationId xmlns:p14="http://schemas.microsoft.com/office/powerpoint/2010/main" val="3231758723"/>
+      </p:ext>
+    </p:extLst>
+  </p:cSld>
+  <p:clrMapOvr>
+    <a:masterClrMapping/>
+  </p:clrMapOvr>
+</p:sld>
+</file>
+
+<file path=ppt/slides/slide19.xml><?xml version="1.0" encoding="utf-8"?>
+<p:sld xmlns:a="http://schemas.openxmlformats.org/drawingml/2006/main" xmlns:r="http://schemas.openxmlformats.org/officeDocument/2006/relationships" xmlns:p="http://schemas.openxmlformats.org/presentationml/2006/main">
+  <p:cSld>
+    <p:spTree>
+      <p:nvGrpSpPr>
+        <p:cNvPr id="1" name=""/>
+        <p:cNvGrpSpPr/>
+        <p:nvPr/>
+      </p:nvGrpSpPr>
+      <p:grpSpPr>
+        <a:xfrm>
+          <a:off x="0" y="0"/>
+          <a:ext cx="0" cy="0"/>
+          <a:chOff x="0" y="0"/>
+          <a:chExt cx="0" cy="0"/>
+        </a:xfrm>
+      </p:grpSpPr>
+      <p:sp>
+        <p:nvSpPr>
+          <p:cNvPr id="2" name="コンテンツ プレースホルダー 1">
+            <a:extLst>
+              <a:ext uri="{FF2B5EF4-FFF2-40B4-BE49-F238E27FC236}">
+                <a16:creationId xmlns:a16="http://schemas.microsoft.com/office/drawing/2014/main" id="{FD643DFB-7F28-6C48-BC4F-62B019B25E53}"/>
+              </a:ext>
+            </a:extLst>
+          </p:cNvPr>
+          <p:cNvSpPr>
+            <a:spLocks noGrp="1"/>
+          </p:cNvSpPr>
+          <p:nvPr>
+            <p:ph idx="1"/>
+          </p:nvPr>
+        </p:nvSpPr>
+        <p:spPr/>
+        <p:txBody>
+          <a:bodyPr/>
+          <a:lstStyle/>
+          <a:p>
+            <a:r>
+              <a:rPr kumimoji="1" lang="ja-JP" altLang="en-US"/>
+              <a:t>うまく学習ができた例</a:t>
+            </a:r>
+            <a:endParaRPr kumimoji="1" lang="en-US" altLang="ja-JP" dirty="0"/>
+          </a:p>
+          <a:p>
+            <a:endParaRPr lang="en-US" altLang="ja-JP" dirty="0"/>
+          </a:p>
+          <a:p>
+            <a:endParaRPr kumimoji="1" lang="en-US" altLang="ja-JP" dirty="0"/>
+          </a:p>
+          <a:p>
+            <a:endParaRPr lang="en-US" altLang="ja-JP" dirty="0"/>
+          </a:p>
+          <a:p>
+            <a:endParaRPr kumimoji="1" lang="en-US" altLang="ja-JP" dirty="0"/>
+          </a:p>
+          <a:p>
+            <a:endParaRPr lang="en-US" altLang="ja-JP" dirty="0"/>
+          </a:p>
+          <a:p>
+            <a:endParaRPr kumimoji="1" lang="en-US" altLang="ja-JP" dirty="0"/>
+          </a:p>
+          <a:p>
+            <a:endParaRPr lang="en-US" altLang="ja-JP" dirty="0"/>
+          </a:p>
+          <a:p>
+            <a:endParaRPr kumimoji="1" lang="en-US" altLang="ja-JP" dirty="0"/>
+          </a:p>
+          <a:p>
+            <a:pPr lvl="1"/>
+            <a:r>
+              <a:rPr kumimoji="1" lang="en-US" altLang="ja-JP" dirty="0"/>
+              <a:t>TD</a:t>
+            </a:r>
+            <a:r>
+              <a:rPr kumimoji="1" lang="ja-JP" altLang="en-US"/>
+              <a:t>学習に求められる精度は非常に高く</a:t>
+            </a:r>
+            <a:r>
+              <a:rPr lang="ja-JP" altLang="en-US"/>
+              <a:t>、その近似精度が低いと、方策が悪化することもよくあった</a:t>
+            </a:r>
+            <a:endParaRPr kumimoji="1" lang="ja-JP" altLang="en-US"/>
+          </a:p>
+        </p:txBody>
+      </p:sp>
+      <p:sp>
+        <p:nvSpPr>
+          <p:cNvPr id="3" name="タイトル 2">
+            <a:extLst>
+              <a:ext uri="{FF2B5EF4-FFF2-40B4-BE49-F238E27FC236}">
+                <a16:creationId xmlns:a16="http://schemas.microsoft.com/office/drawing/2014/main" id="{8339255E-F1B8-6A49-93D6-381CED388EA0}"/>
+              </a:ext>
+            </a:extLst>
+          </p:cNvPr>
+          <p:cNvSpPr>
+            <a:spLocks noGrp="1"/>
+          </p:cNvSpPr>
+          <p:nvPr>
+            <p:ph type="title"/>
+          </p:nvPr>
+        </p:nvSpPr>
+        <p:spPr/>
+        <p:txBody>
+          <a:bodyPr/>
+          <a:lstStyle/>
+          <a:p>
+            <a:r>
+              <a:rPr kumimoji="1" lang="ja-JP" altLang="en-US"/>
+              <a:t>付録</a:t>
+            </a:r>
+            <a:r>
+              <a:rPr kumimoji="1" lang="en-US" altLang="ja-JP" dirty="0"/>
+              <a:t>C: </a:t>
+            </a:r>
+            <a:r>
+              <a:rPr kumimoji="1" lang="ja-JP" altLang="en-US"/>
+              <a:t>方策更新に伴う評価関数の履歴</a:t>
+            </a:r>
+          </a:p>
+        </p:txBody>
+      </p:sp>
+      <p:sp>
+        <p:nvSpPr>
+          <p:cNvPr id="4" name="日付プレースホルダー 3">
+            <a:extLst>
+              <a:ext uri="{FF2B5EF4-FFF2-40B4-BE49-F238E27FC236}">
+                <a16:creationId xmlns:a16="http://schemas.microsoft.com/office/drawing/2014/main" id="{D67A032B-58E0-9140-8E30-AA889740DEA2}"/>
+              </a:ext>
+            </a:extLst>
+          </p:cNvPr>
+          <p:cNvSpPr>
+            <a:spLocks noGrp="1"/>
+          </p:cNvSpPr>
+          <p:nvPr>
+            <p:ph type="dt" sz="half" idx="10"/>
+          </p:nvPr>
+        </p:nvSpPr>
+        <p:spPr/>
+        <p:txBody>
+          <a:bodyPr/>
+          <a:lstStyle/>
+          <a:p>
+            <a:r>
+              <a:rPr kumimoji="1" lang="en-US" altLang="ja-JP"/>
+              <a:t>2021/2/9</a:t>
+            </a:r>
+            <a:endParaRPr kumimoji="1" lang="ja-JP" altLang="en-US"/>
+          </a:p>
+        </p:txBody>
+      </p:sp>
+      <p:pic>
+        <p:nvPicPr>
+          <p:cNvPr id="6" name="図 5">
+            <a:extLst>
+              <a:ext uri="{FF2B5EF4-FFF2-40B4-BE49-F238E27FC236}">
+                <a16:creationId xmlns:a16="http://schemas.microsoft.com/office/drawing/2014/main" id="{1BFC953B-8208-914C-9FAB-A7902089642E}"/>
+              </a:ext>
+            </a:extLst>
+          </p:cNvPr>
+          <p:cNvPicPr>
+            <a:picLocks noChangeAspect="1"/>
+          </p:cNvPicPr>
+          <p:nvPr/>
+        </p:nvPicPr>
+        <p:blipFill>
+          <a:blip r:embed="rId2"/>
+          <a:stretch>
+            <a:fillRect/>
+          </a:stretch>
+        </p:blipFill>
+        <p:spPr>
+          <a:xfrm>
+            <a:off x="628650" y="1531914"/>
+            <a:ext cx="4522395" cy="3061855"/>
+          </a:xfrm>
+          <a:prstGeom prst="rect">
+            <a:avLst/>
+          </a:prstGeom>
+        </p:spPr>
+      </p:pic>
+      <p:sp>
+        <p:nvSpPr>
+          <p:cNvPr id="7" name="スライド番号プレースホルダー 6">
+            <a:extLst>
+              <a:ext uri="{FF2B5EF4-FFF2-40B4-BE49-F238E27FC236}">
+                <a16:creationId xmlns:a16="http://schemas.microsoft.com/office/drawing/2014/main" id="{36CCE45C-060E-EB47-B67F-91ABBB2F32D7}"/>
+              </a:ext>
+            </a:extLst>
+          </p:cNvPr>
+          <p:cNvSpPr>
+            <a:spLocks noGrp="1"/>
+          </p:cNvSpPr>
+          <p:nvPr>
+            <p:ph type="sldNum" sz="quarter" idx="12"/>
+          </p:nvPr>
+        </p:nvSpPr>
+        <p:spPr/>
+        <p:txBody>
+          <a:bodyPr/>
+          <a:lstStyle/>
+          <a:p>
+            <a:fld id="{5D57FD6B-29A3-3249-A29F-ABF600A8FF13}" type="slidenum">
+              <a:rPr kumimoji="1" lang="ja-JP" altLang="en-US" smtClean="0"/>
+              <a:t>18</a:t>
+            </a:fld>
+            <a:r>
+              <a:rPr kumimoji="1" lang="en-US" altLang="ja-JP"/>
+              <a:t>/12</a:t>
+            </a:r>
+            <a:endParaRPr kumimoji="1" lang="en-US" altLang="ja-JP" dirty="0"/>
+          </a:p>
+        </p:txBody>
+      </p:sp>
+    </p:spTree>
+    <p:extLst>
+      <p:ext uri="{BB962C8B-B14F-4D97-AF65-F5344CB8AC3E}">
+        <p14:creationId xmlns:p14="http://schemas.microsoft.com/office/powerpoint/2010/main" val="1293832578"/>
       </p:ext>
     </p:extLst>
   </p:cSld>
@@ -14663,7 +12685,22 @@
               <a:rPr kumimoji="1" lang="ja-JP" altLang="en-US"/>
               <a:t>サンプル値制御</a:t>
             </a:r>
-            <a:endParaRPr kumimoji="1" lang="en-US" altLang="ja-JP" dirty="0"/>
+            <a:r>
+              <a:rPr kumimoji="1" lang="en-US" altLang="ja-JP" dirty="0"/>
+              <a:t> </a:t>
+            </a:r>
+            <a:r>
+              <a:rPr kumimoji="1" lang="en-US" altLang="ja-JP" sz="2000" dirty="0"/>
+              <a:t>(</a:t>
+            </a:r>
+            <a:r>
+              <a:rPr kumimoji="1" lang="ja-JP" altLang="en-US" sz="2000"/>
+              <a:t>従来法</a:t>
+            </a:r>
+            <a:r>
+              <a:rPr kumimoji="1" lang="en-US" altLang="ja-JP" sz="2000" dirty="0"/>
+              <a:t>)</a:t>
+            </a:r>
           </a:p>
           <a:p>
             <a:pPr lvl="1"/>
@@ -14755,6 +12792,14 @@
               <a:rPr lang="ja-JP" altLang="en-US"/>
               <a:t>イントロダクション</a:t>
             </a:r>
+            <a:r>
+              <a:rPr lang="en-US" altLang="ja-JP" dirty="0"/>
+              <a:t>: </a:t>
+            </a:r>
+            <a:r>
+              <a:rPr lang="ja-JP" altLang="en-US"/>
+              <a:t>連続時間制御の手法</a:t>
+            </a:r>
             <a:endParaRPr kumimoji="1" lang="ja-JP" altLang="en-US"/>
           </a:p>
         </p:txBody>
@@ -14785,39 +12830,6 @@
               <a:t>2021/2/9</a:t>
             </a:r>
             <a:endParaRPr kumimoji="1" lang="ja-JP" altLang="en-US"/>
-          </a:p>
-        </p:txBody>
-      </p:sp>
-      <p:sp>
-        <p:nvSpPr>
-          <p:cNvPr id="5" name="スライド番号プレースホルダー 4">
-            <a:extLst>
-              <a:ext uri="{FF2B5EF4-FFF2-40B4-BE49-F238E27FC236}">
-                <a16:creationId xmlns:a16="http://schemas.microsoft.com/office/drawing/2014/main" id="{82E27B78-ACC0-1C48-9487-C8FC368090A3}"/>
-              </a:ext>
-            </a:extLst>
-          </p:cNvPr>
-          <p:cNvSpPr>
-            <a:spLocks noGrp="1"/>
-          </p:cNvSpPr>
-          <p:nvPr>
-            <p:ph type="sldNum" sz="quarter" idx="12"/>
-          </p:nvPr>
-        </p:nvSpPr>
-        <p:spPr/>
-        <p:txBody>
-          <a:bodyPr/>
-          <a:lstStyle/>
-          <a:p>
-            <a:fld id="{5D57FD6B-29A3-3249-A29F-ABF600A8FF13}" type="slidenum">
-              <a:rPr kumimoji="1" lang="ja-JP" altLang="en-US" smtClean="0"/>
-              <a:t>1</a:t>
-            </a:fld>
-            <a:r>
-              <a:rPr kumimoji="1" lang="en-US" altLang="ja-JP"/>
-              <a:t>/14</a:t>
-            </a:r>
-            <a:endParaRPr kumimoji="1" lang="en-US" altLang="ja-JP" dirty="0"/>
           </a:p>
         </p:txBody>
       </p:sp>
@@ -16129,6 +14141,39 @@
           </a:p>
         </p:txBody>
       </p:sp>
+      <p:sp>
+        <p:nvSpPr>
+          <p:cNvPr id="7" name="スライド番号プレースホルダー 6">
+            <a:extLst>
+              <a:ext uri="{FF2B5EF4-FFF2-40B4-BE49-F238E27FC236}">
+                <a16:creationId xmlns:a16="http://schemas.microsoft.com/office/drawing/2014/main" id="{1C092519-3339-5A40-8523-F4ACF4C9FE1E}"/>
+              </a:ext>
+            </a:extLst>
+          </p:cNvPr>
+          <p:cNvSpPr>
+            <a:spLocks noGrp="1"/>
+          </p:cNvSpPr>
+          <p:nvPr>
+            <p:ph type="sldNum" sz="quarter" idx="12"/>
+          </p:nvPr>
+        </p:nvSpPr>
+        <p:spPr/>
+        <p:txBody>
+          <a:bodyPr/>
+          <a:lstStyle/>
+          <a:p>
+            <a:fld id="{5D57FD6B-29A3-3249-A29F-ABF600A8FF13}" type="slidenum">
+              <a:rPr kumimoji="1" lang="ja-JP" altLang="en-US" smtClean="0"/>
+              <a:t>1</a:t>
+            </a:fld>
+            <a:r>
+              <a:rPr kumimoji="1" lang="en-US" altLang="ja-JP"/>
+              <a:t>/12</a:t>
+            </a:r>
+            <a:endParaRPr kumimoji="1" lang="en-US" altLang="ja-JP" dirty="0"/>
+          </a:p>
+        </p:txBody>
+      </p:sp>
     </p:spTree>
     <p:extLst>
       <p:ext uri="{BB962C8B-B14F-4D97-AF65-F5344CB8AC3E}">
@@ -16159,37 +14204,323 @@
           <a:chExt cx="0" cy="0"/>
         </a:xfrm>
       </p:grpSpPr>
-      <p:sp>
-        <p:nvSpPr>
-          <p:cNvPr id="2" name="コンテンツ プレースホルダー 1">
-            <a:extLst>
-              <a:ext uri="{FF2B5EF4-FFF2-40B4-BE49-F238E27FC236}">
-                <a16:creationId xmlns:a16="http://schemas.microsoft.com/office/drawing/2014/main" id="{645305F5-FAE2-6945-B65A-67E1FE394314}"/>
-              </a:ext>
-            </a:extLst>
-          </p:cNvPr>
-          <p:cNvSpPr>
-            <a:spLocks noGrp="1"/>
-          </p:cNvSpPr>
-          <p:nvPr>
-            <p:ph idx="1"/>
-          </p:nvPr>
-        </p:nvSpPr>
-        <p:spPr/>
-        <p:txBody>
-          <a:bodyPr/>
-          <a:lstStyle/>
-          <a:p>
-            <a:endParaRPr kumimoji="1" lang="ja-JP" altLang="en-US"/>
-          </a:p>
-        </p:txBody>
-      </p:sp>
+      <mc:AlternateContent xmlns:mc="http://schemas.openxmlformats.org/markup-compatibility/2006" xmlns:a14="http://schemas.microsoft.com/office/drawing/2010/main">
+        <mc:Choice Requires="a14">
+          <p:sp>
+            <p:nvSpPr>
+              <p:cNvPr id="2" name="コンテンツ プレースホルダー 1">
+                <a:extLst>
+                  <a:ext uri="{FF2B5EF4-FFF2-40B4-BE49-F238E27FC236}">
+                    <a16:creationId xmlns:a16="http://schemas.microsoft.com/office/drawing/2014/main" id="{60061DAC-69A3-944A-AD86-BFA012085C22}"/>
+                  </a:ext>
+                </a:extLst>
+              </p:cNvPr>
+              <p:cNvSpPr>
+                <a:spLocks noGrp="1"/>
+              </p:cNvSpPr>
+              <p:nvPr>
+                <p:ph idx="1"/>
+              </p:nvPr>
+            </p:nvSpPr>
+            <p:spPr/>
+            <p:txBody>
+              <a:bodyPr/>
+              <a:lstStyle/>
+              <a:p>
+                <a:r>
+                  <a:rPr kumimoji="1" lang="ja-JP" altLang="en-US"/>
+                  <a:t>制御対象</a:t>
+                </a:r>
+                <a:endParaRPr kumimoji="1" lang="en-US" altLang="ja-JP" dirty="0"/>
+              </a:p>
+              <a:p>
+                <a:endParaRPr lang="en-US" altLang="ja-JP" dirty="0"/>
+              </a:p>
+              <a:p>
+                <a:endParaRPr kumimoji="1" lang="en-US" altLang="ja-JP" dirty="0"/>
+              </a:p>
+              <a:p>
+                <a:r>
+                  <a:rPr lang="ja-JP" altLang="en-US"/>
+                  <a:t>初期方策</a:t>
+                </a:r>
+                <a:endParaRPr lang="en-US" altLang="ja-JP" dirty="0"/>
+              </a:p>
+              <a:p>
+                <a:pPr lvl="1"/>
+                <a:r>
+                  <a:rPr lang="ja-JP" altLang="en-US"/>
+                  <a:t>素朴に設計した方策</a:t>
+                </a:r>
+                <a:endParaRPr lang="en-US" altLang="ja-JP" dirty="0"/>
+              </a:p>
+              <a:p>
+                <a:pPr lvl="1"/>
+                <a:endParaRPr lang="en-US" altLang="ja-JP" dirty="0"/>
+              </a:p>
+              <a:p>
+                <a:pPr lvl="1"/>
+                <a:endParaRPr lang="en-US" altLang="ja-JP" dirty="0"/>
+              </a:p>
+              <a:p>
+                <a:pPr lvl="1"/>
+                <a:endParaRPr lang="en-US" altLang="ja-JP" dirty="0"/>
+              </a:p>
+              <a:p>
+                <a:pPr lvl="1"/>
+                <a14:m>
+                  <m:oMath xmlns:m="http://schemas.openxmlformats.org/officeDocument/2006/math">
+                    <m:sSubSup>
+                      <m:sSubSupPr>
+                        <m:ctrlPr>
+                          <a:rPr lang="en-US" altLang="ja-JP" i="1">
+                            <a:solidFill>
+                              <a:schemeClr val="accent1"/>
+                            </a:solidFill>
+                            <a:latin typeface="Cambria Math" panose="02040503050406030204" pitchFamily="18" charset="0"/>
+                            <a:ea typeface="Cambria Math" panose="02040503050406030204" pitchFamily="18" charset="0"/>
+                          </a:rPr>
+                        </m:ctrlPr>
+                      </m:sSubSupPr>
+                      <m:e>
+                        <m:r>
+                          <a:rPr lang="en-US" altLang="ja-JP" i="1">
+                            <a:solidFill>
+                              <a:schemeClr val="accent1"/>
+                            </a:solidFill>
+                            <a:latin typeface="Cambria Math" panose="02040503050406030204" pitchFamily="18" charset="0"/>
+                            <a:ea typeface="Cambria Math" panose="02040503050406030204" pitchFamily="18" charset="0"/>
+                          </a:rPr>
+                          <m:t>𝑉</m:t>
+                        </m:r>
+                      </m:e>
+                      <m:sub>
+                        <m:r>
+                          <a:rPr lang="en-US" altLang="ja-JP" i="1">
+                            <a:solidFill>
+                              <a:schemeClr val="accent1"/>
+                            </a:solidFill>
+                            <a:latin typeface="Cambria Math" panose="02040503050406030204" pitchFamily="18" charset="0"/>
+                            <a:ea typeface="Cambria Math" panose="02040503050406030204" pitchFamily="18" charset="0"/>
+                          </a:rPr>
+                          <m:t>𝑐𝑜𝑛𝑡</m:t>
+                        </m:r>
+                      </m:sub>
+                      <m:sup>
+                        <m:r>
+                          <a:rPr lang="en-US" altLang="ja-JP" i="1">
+                            <a:solidFill>
+                              <a:schemeClr val="accent1"/>
+                            </a:solidFill>
+                            <a:latin typeface="Cambria Math" panose="02040503050406030204" pitchFamily="18" charset="0"/>
+                            <a:ea typeface="Cambria Math" panose="02040503050406030204" pitchFamily="18" charset="0"/>
+                          </a:rPr>
+                          <m:t>∗</m:t>
+                        </m:r>
+                      </m:sup>
+                    </m:sSubSup>
+                    <m:r>
+                      <a:rPr lang="en-US" altLang="ja-JP" i="1">
+                        <a:solidFill>
+                          <a:schemeClr val="accent1"/>
+                        </a:solidFill>
+                        <a:latin typeface="Cambria Math" panose="02040503050406030204" pitchFamily="18" charset="0"/>
+                        <a:ea typeface="Cambria Math" panose="02040503050406030204" pitchFamily="18" charset="0"/>
+                      </a:rPr>
+                      <m:t>(</m:t>
+                    </m:r>
+                    <m:sSubSup>
+                      <m:sSubSupPr>
+                        <m:ctrlPr>
+                          <a:rPr lang="en-US" altLang="ja-JP" i="1">
+                            <a:solidFill>
+                              <a:schemeClr val="accent1"/>
+                            </a:solidFill>
+                            <a:latin typeface="Cambria Math" panose="02040503050406030204" pitchFamily="18" charset="0"/>
+                            <a:ea typeface="Cambria Math" panose="02040503050406030204" pitchFamily="18" charset="0"/>
+                          </a:rPr>
+                        </m:ctrlPr>
+                      </m:sSubSupPr>
+                      <m:e>
+                        <m:r>
+                          <a:rPr lang="en-US" altLang="ja-JP" i="1">
+                            <a:solidFill>
+                              <a:schemeClr val="accent1"/>
+                            </a:solidFill>
+                            <a:latin typeface="Cambria Math" panose="02040503050406030204" pitchFamily="18" charset="0"/>
+                            <a:ea typeface="Cambria Math" panose="02040503050406030204" pitchFamily="18" charset="0"/>
+                          </a:rPr>
+                          <m:t>𝑠</m:t>
+                        </m:r>
+                      </m:e>
+                      <m:sub>
+                        <m:r>
+                          <a:rPr lang="en-US" altLang="ja-JP" i="1">
+                            <a:solidFill>
+                              <a:schemeClr val="accent1"/>
+                            </a:solidFill>
+                            <a:latin typeface="Cambria Math" panose="02040503050406030204" pitchFamily="18" charset="0"/>
+                            <a:ea typeface="Cambria Math" panose="02040503050406030204" pitchFamily="18" charset="0"/>
+                          </a:rPr>
+                          <m:t>𝑒</m:t>
+                        </m:r>
+                      </m:sub>
+                      <m:sup>
+                        <m:r>
+                          <a:rPr lang="en-US" altLang="ja-JP" i="1">
+                            <a:solidFill>
+                              <a:schemeClr val="accent1"/>
+                            </a:solidFill>
+                            <a:latin typeface="Cambria Math" panose="02040503050406030204" pitchFamily="18" charset="0"/>
+                            <a:ea typeface="Cambria Math" panose="02040503050406030204" pitchFamily="18" charset="0"/>
+                          </a:rPr>
+                          <m:t>′</m:t>
+                        </m:r>
+                      </m:sup>
+                    </m:sSubSup>
+                    <m:r>
+                      <a:rPr lang="en-US" altLang="ja-JP" i="1">
+                        <a:solidFill>
+                          <a:schemeClr val="accent1"/>
+                        </a:solidFill>
+                        <a:latin typeface="Cambria Math" panose="02040503050406030204" pitchFamily="18" charset="0"/>
+                        <a:ea typeface="Cambria Math" panose="02040503050406030204" pitchFamily="18" charset="0"/>
+                      </a:rPr>
+                      <m:t>,</m:t>
+                    </m:r>
+                    <m:r>
+                      <m:rPr>
+                        <m:sty m:val="p"/>
+                      </m:rPr>
+                      <a:rPr lang="el-GR" altLang="ja-JP" i="1">
+                        <a:solidFill>
+                          <a:schemeClr val="accent1"/>
+                        </a:solidFill>
+                        <a:latin typeface="Cambria Math" panose="02040503050406030204" pitchFamily="18" charset="0"/>
+                        <a:ea typeface="Cambria Math" panose="02040503050406030204" pitchFamily="18" charset="0"/>
+                      </a:rPr>
+                      <m:t>Σ</m:t>
+                    </m:r>
+                    <m:r>
+                      <a:rPr lang="en-US" altLang="ja-JP" i="1">
+                        <a:solidFill>
+                          <a:schemeClr val="accent1"/>
+                        </a:solidFill>
+                        <a:latin typeface="Cambria Math" panose="02040503050406030204" pitchFamily="18" charset="0"/>
+                        <a:ea typeface="Cambria Math" panose="02040503050406030204" pitchFamily="18" charset="0"/>
+                      </a:rPr>
+                      <m:t>)</m:t>
+                    </m:r>
+                  </m:oMath>
+                </a14:m>
+                <a:r>
+                  <a:rPr lang="ja-JP" altLang="en-US"/>
+                  <a:t>は</a:t>
+                </a:r>
+                <a:r>
+                  <a:rPr lang="en-US" altLang="ja-JP" dirty="0"/>
+                  <a:t>, </a:t>
+                </a:r>
+                <a:r>
+                  <a:rPr lang="ja-JP" altLang="en-US"/>
+                  <a:t>連続的に最適制御した際の制御コスト</a:t>
+                </a:r>
+                <a:r>
+                  <a:rPr lang="en-US" altLang="ja-JP" dirty="0">
+                    <a:solidFill>
+                      <a:schemeClr val="bg1">
+                        <a:lumMod val="50000"/>
+                      </a:schemeClr>
+                    </a:solidFill>
+                  </a:rPr>
+                  <a:t>(×</a:t>
+                </a:r>
+                <a:r>
+                  <a:rPr lang="ja-JP" altLang="en-US">
+                    <a:solidFill>
+                      <a:schemeClr val="bg1">
+                        <a:lumMod val="50000"/>
+                      </a:schemeClr>
+                    </a:solidFill>
+                  </a:rPr>
+                  <a:t>通信コスト</a:t>
+                </a:r>
+                <a:r>
+                  <a:rPr lang="en-US" altLang="ja-JP" dirty="0">
+                    <a:solidFill>
+                      <a:schemeClr val="bg1">
+                        <a:lumMod val="50000"/>
+                      </a:schemeClr>
+                    </a:solidFill>
+                  </a:rPr>
+                  <a:t>)</a:t>
+                </a:r>
+              </a:p>
+              <a:p>
+                <a:pPr lvl="1"/>
+                <a:r>
+                  <a:rPr lang="ja-JP" altLang="en-US"/>
+                  <a:t>次ステップで高い制御コストを必要とする状態に行かないようにしたい</a:t>
+                </a:r>
+                <a:endParaRPr lang="en-US" altLang="ja-JP" dirty="0"/>
+              </a:p>
+              <a:p>
+                <a:pPr lvl="1"/>
+                <a:endParaRPr lang="en-US" altLang="ja-JP" dirty="0"/>
+              </a:p>
+              <a:p>
+                <a:pPr lvl="1"/>
+                <a:endParaRPr lang="en-US" altLang="ja-JP" dirty="0"/>
+              </a:p>
+            </p:txBody>
+          </p:sp>
+        </mc:Choice>
+        <mc:Fallback xmlns="">
+          <p:sp>
+            <p:nvSpPr>
+              <p:cNvPr id="2" name="コンテンツ プレースホルダー 1">
+                <a:extLst>
+                  <a:ext uri="{FF2B5EF4-FFF2-40B4-BE49-F238E27FC236}">
+                    <a16:creationId xmlns:a16="http://schemas.microsoft.com/office/drawing/2014/main" id="{60061DAC-69A3-944A-AD86-BFA012085C22}"/>
+                  </a:ext>
+                </a:extLst>
+              </p:cNvPr>
+              <p:cNvSpPr>
+                <a:spLocks noGrp="1" noRot="1" noChangeAspect="1" noMove="1" noResize="1" noEditPoints="1" noAdjustHandles="1" noChangeArrowheads="1" noChangeShapeType="1" noTextEdit="1"/>
+              </p:cNvSpPr>
+              <p:nvPr>
+                <p:ph idx="1"/>
+              </p:nvPr>
+            </p:nvSpPr>
+            <p:spPr>
+              <a:blipFill>
+                <a:blip r:embed="rId2"/>
+                <a:stretch>
+                  <a:fillRect l="-598" t="-1266" r="-598"/>
+                </a:stretch>
+              </a:blipFill>
+            </p:spPr>
+            <p:txBody>
+              <a:bodyPr/>
+              <a:lstStyle/>
+              <a:p>
+                <a:r>
+                  <a:rPr lang="ja-JP" altLang="en-US">
+                    <a:noFill/>
+                  </a:rPr>
+                  <a:t> </a:t>
+                </a:r>
+              </a:p>
+            </p:txBody>
+          </p:sp>
+        </mc:Fallback>
+      </mc:AlternateContent>
       <p:sp>
         <p:nvSpPr>
           <p:cNvPr id="3" name="タイトル 2">
             <a:extLst>
               <a:ext uri="{FF2B5EF4-FFF2-40B4-BE49-F238E27FC236}">
-                <a16:creationId xmlns:a16="http://schemas.microsoft.com/office/drawing/2014/main" id="{1FB4C381-2E9E-E242-A699-0622174D6079}"/>
+                <a16:creationId xmlns:a16="http://schemas.microsoft.com/office/drawing/2014/main" id="{AAFE7DBA-75BA-5A4E-BEA6-8A647CE8AD32}"/>
               </a:ext>
             </a:extLst>
           </p:cNvPr>
@@ -16211,12 +14542,25 @@
             </a:r>
             <a:r>
               <a:rPr kumimoji="1" lang="en-US" altLang="ja-JP" dirty="0"/>
-              <a:t>B: </a:t>
+              <a:t>D: </a:t>
             </a:r>
             <a:r>
               <a:rPr kumimoji="1" lang="ja-JP" altLang="en-US"/>
-              <a:t>モデルの設定・ハイパーパラメータ</a:t>
-            </a:r>
+              <a:t>数値実験</a:t>
+            </a:r>
+            <a:r>
+              <a:rPr kumimoji="1" lang="en-US" altLang="ja-JP" dirty="0"/>
+              <a:t> (</a:t>
+            </a:r>
+            <a:r>
+              <a:rPr kumimoji="1" lang="ja-JP" altLang="en-US"/>
+              <a:t>線形システム</a:t>
+            </a:r>
+            <a:r>
+              <a:rPr kumimoji="1" lang="en-US" altLang="ja-JP" dirty="0"/>
+              <a:t>)</a:t>
+            </a:r>
+            <a:endParaRPr kumimoji="1" lang="ja-JP" altLang="en-US"/>
           </a:p>
         </p:txBody>
       </p:sp>
@@ -16225,7 +14569,7 @@
           <p:cNvPr id="4" name="日付プレースホルダー 3">
             <a:extLst>
               <a:ext uri="{FF2B5EF4-FFF2-40B4-BE49-F238E27FC236}">
-                <a16:creationId xmlns:a16="http://schemas.microsoft.com/office/drawing/2014/main" id="{24E1F3DF-E0CC-E24E-8E66-7A2CCE99FECE}"/>
+                <a16:creationId xmlns:a16="http://schemas.microsoft.com/office/drawing/2014/main" id="{5028C70B-DDF6-784B-B47B-B349492102E2}"/>
               </a:ext>
             </a:extLst>
           </p:cNvPr>
@@ -16249,12 +14593,1238 @@
           </a:p>
         </p:txBody>
       </p:sp>
+      <mc:AlternateContent xmlns:mc="http://schemas.openxmlformats.org/markup-compatibility/2006" xmlns:a14="http://schemas.microsoft.com/office/drawing/2010/main">
+        <mc:Choice Requires="a14">
+          <p:sp>
+            <p:nvSpPr>
+              <p:cNvPr id="6" name="テキスト ボックス 5">
+                <a:extLst>
+                  <a:ext uri="{FF2B5EF4-FFF2-40B4-BE49-F238E27FC236}">
+                    <a16:creationId xmlns:a16="http://schemas.microsoft.com/office/drawing/2014/main" id="{AC152196-49E5-AE4C-A761-3621CF759083}"/>
+                  </a:ext>
+                </a:extLst>
+              </p:cNvPr>
+              <p:cNvSpPr txBox="1"/>
+              <p:nvPr/>
+            </p:nvSpPr>
+            <p:spPr>
+              <a:xfrm>
+                <a:off x="1316871" y="3186626"/>
+                <a:ext cx="4089068" cy="530082"/>
+              </a:xfrm>
+              <a:prstGeom prst="rect">
+                <a:avLst/>
+              </a:prstGeom>
+              <a:noFill/>
+            </p:spPr>
+            <p:txBody>
+              <a:bodyPr wrap="none" rtlCol="0">
+                <a:spAutoFit/>
+              </a:bodyPr>
+              <a:lstStyle/>
+              <a:p>
+                <a:pPr/>
+                <a14:m>
+                  <m:oMathPara xmlns:m="http://schemas.openxmlformats.org/officeDocument/2006/math">
+                    <m:oMathParaPr>
+                      <m:jc m:val="centerGroup"/>
+                    </m:oMathParaPr>
+                    <m:oMath xmlns:m="http://schemas.openxmlformats.org/officeDocument/2006/math">
+                      <m:func>
+                        <m:funcPr>
+                          <m:ctrlPr>
+                            <a:rPr kumimoji="1" lang="en" altLang="ja-JP" i="1" smtClean="0">
+                              <a:latin typeface="Cambria Math" panose="02040503050406030204" pitchFamily="18" charset="0"/>
+                            </a:rPr>
+                          </m:ctrlPr>
+                        </m:funcPr>
+                        <m:fName>
+                          <m:r>
+                            <a:rPr kumimoji="1" lang="en" altLang="ja-JP" i="1" smtClean="0">
+                              <a:latin typeface="Cambria Math" panose="02040503050406030204" pitchFamily="18" charset="0"/>
+                              <a:ea typeface="Cambria Math" panose="02040503050406030204" pitchFamily="18" charset="0"/>
+                            </a:rPr>
+                            <m:t>𝜋</m:t>
+                          </m:r>
+                          <m:d>
+                            <m:dPr>
+                              <m:ctrlPr>
+                                <a:rPr kumimoji="1" lang="en" altLang="ja-JP" i="1" smtClean="0">
+                                  <a:latin typeface="Cambria Math" panose="02040503050406030204" pitchFamily="18" charset="0"/>
+                                  <a:ea typeface="Cambria Math" panose="02040503050406030204" pitchFamily="18" charset="0"/>
+                                </a:rPr>
+                              </m:ctrlPr>
+                            </m:dPr>
+                            <m:e>
+                              <m:r>
+                                <a:rPr kumimoji="1" lang="en-US" altLang="ja-JP" b="0" i="1" smtClean="0">
+                                  <a:latin typeface="Cambria Math" panose="02040503050406030204" pitchFamily="18" charset="0"/>
+                                  <a:ea typeface="Cambria Math" panose="02040503050406030204" pitchFamily="18" charset="0"/>
+                                </a:rPr>
+                                <m:t>𝑠</m:t>
+                              </m:r>
+                            </m:e>
+                          </m:d>
+                          <m:r>
+                            <a:rPr kumimoji="1" lang="en-US" altLang="ja-JP" b="0" i="1" smtClean="0">
+                              <a:latin typeface="Cambria Math" panose="02040503050406030204" pitchFamily="18" charset="0"/>
+                              <a:ea typeface="Cambria Math" panose="02040503050406030204" pitchFamily="18" charset="0"/>
+                            </a:rPr>
+                            <m:t>=</m:t>
+                          </m:r>
+                          <m:limLow>
+                            <m:limLowPr>
+                              <m:ctrlPr>
+                                <a:rPr kumimoji="1" lang="en" altLang="ja-JP" i="1" smtClean="0">
+                                  <a:latin typeface="Cambria Math" panose="02040503050406030204" pitchFamily="18" charset="0"/>
+                                </a:rPr>
+                              </m:ctrlPr>
+                            </m:limLowPr>
+                            <m:e>
+                              <m:r>
+                                <m:rPr>
+                                  <m:sty m:val="p"/>
+                                </m:rPr>
+                                <a:rPr kumimoji="1" lang="en" altLang="ja-JP" i="1" smtClean="0">
+                                  <a:latin typeface="Cambria Math" panose="02040503050406030204" pitchFamily="18" charset="0"/>
+                                </a:rPr>
+                                <m:t>arg</m:t>
+                              </m:r>
+                              <m:r>
+                                <m:rPr>
+                                  <m:sty m:val="p"/>
+                                </m:rPr>
+                                <a:rPr kumimoji="1" lang="en" altLang="ja-JP" i="0" smtClean="0">
+                                  <a:latin typeface="Cambria Math" panose="02040503050406030204" pitchFamily="18" charset="0"/>
+                                </a:rPr>
+                                <m:t>min</m:t>
+                              </m:r>
+                            </m:e>
+                            <m:lim>
+                              <m:r>
+                                <a:rPr kumimoji="1" lang="en-US" altLang="ja-JP" b="0" i="1" smtClean="0">
+                                  <a:latin typeface="Cambria Math" panose="02040503050406030204" pitchFamily="18" charset="0"/>
+                                </a:rPr>
+                                <m:t>𝑢</m:t>
+                              </m:r>
+                              <m:r>
+                                <a:rPr kumimoji="1" lang="en-US" altLang="ja-JP" b="0" i="1" smtClean="0">
+                                  <a:latin typeface="Cambria Math" panose="02040503050406030204" pitchFamily="18" charset="0"/>
+                                </a:rPr>
+                                <m:t>,</m:t>
+                              </m:r>
+                              <m:r>
+                                <a:rPr kumimoji="1" lang="en-US" altLang="ja-JP" b="0" i="1" smtClean="0">
+                                  <a:latin typeface="Cambria Math" panose="02040503050406030204" pitchFamily="18" charset="0"/>
+                                  <a:ea typeface="Cambria Math" panose="02040503050406030204" pitchFamily="18" charset="0"/>
+                                </a:rPr>
+                                <m:t>𝜏</m:t>
+                              </m:r>
+                            </m:lim>
+                          </m:limLow>
+                        </m:fName>
+                        <m:e>
+                          <m:r>
+                            <a:rPr kumimoji="1" lang="en-US" altLang="ja-JP" b="0" i="1" smtClean="0">
+                              <a:latin typeface="Cambria Math" panose="02040503050406030204" pitchFamily="18" charset="0"/>
+                            </a:rPr>
+                            <m:t> {</m:t>
+                          </m:r>
+                          <m:sSup>
+                            <m:sSupPr>
+                              <m:ctrlPr>
+                                <a:rPr kumimoji="1" lang="en-US" altLang="ja-JP" b="0" i="1" smtClean="0">
+                                  <a:latin typeface="Cambria Math" panose="02040503050406030204" pitchFamily="18" charset="0"/>
+                                </a:rPr>
+                              </m:ctrlPr>
+                            </m:sSupPr>
+                            <m:e>
+                              <m:r>
+                                <a:rPr kumimoji="1" lang="en-US" altLang="ja-JP" b="0" i="1" smtClean="0">
+                                  <a:latin typeface="Cambria Math" panose="02040503050406030204" pitchFamily="18" charset="0"/>
+                                </a:rPr>
+                                <m:t>𝑢</m:t>
+                              </m:r>
+                            </m:e>
+                            <m:sup>
+                              <m:r>
+                                <a:rPr kumimoji="1" lang="en-US" altLang="ja-JP" b="0" i="1" smtClean="0">
+                                  <a:latin typeface="Cambria Math" panose="02040503050406030204" pitchFamily="18" charset="0"/>
+                                </a:rPr>
+                                <m:t>2</m:t>
+                              </m:r>
+                            </m:sup>
+                          </m:sSup>
+                          <m:r>
+                            <a:rPr kumimoji="1" lang="en-US" altLang="ja-JP" b="0" i="1" smtClean="0">
+                              <a:latin typeface="Cambria Math" panose="02040503050406030204" pitchFamily="18" charset="0"/>
+                            </a:rPr>
+                            <m:t>−</m:t>
+                          </m:r>
+                          <m:r>
+                            <a:rPr kumimoji="1" lang="en-US" altLang="ja-JP" b="0" i="1" smtClean="0">
+                              <a:latin typeface="Cambria Math" panose="02040503050406030204" pitchFamily="18" charset="0"/>
+                              <a:ea typeface="Cambria Math" panose="02040503050406030204" pitchFamily="18" charset="0"/>
+                            </a:rPr>
+                            <m:t>𝜆𝜏</m:t>
+                          </m:r>
+                          <m:r>
+                            <a:rPr kumimoji="1" lang="en-US" altLang="ja-JP" b="0" i="1" smtClean="0">
+                              <a:latin typeface="Cambria Math" panose="02040503050406030204" pitchFamily="18" charset="0"/>
+                              <a:ea typeface="Cambria Math" panose="02040503050406030204" pitchFamily="18" charset="0"/>
+                            </a:rPr>
+                            <m:t>+</m:t>
+                          </m:r>
+                          <m:sSubSup>
+                            <m:sSubSupPr>
+                              <m:ctrlPr>
+                                <a:rPr kumimoji="1" lang="en-US" altLang="ja-JP" b="0" i="1" smtClean="0">
+                                  <a:solidFill>
+                                    <a:schemeClr val="accent1"/>
+                                  </a:solidFill>
+                                  <a:latin typeface="Cambria Math" panose="02040503050406030204" pitchFamily="18" charset="0"/>
+                                  <a:ea typeface="Cambria Math" panose="02040503050406030204" pitchFamily="18" charset="0"/>
+                                </a:rPr>
+                              </m:ctrlPr>
+                            </m:sSubSupPr>
+                            <m:e>
+                              <m:r>
+                                <a:rPr kumimoji="1" lang="en-US" altLang="ja-JP" i="1">
+                                  <a:solidFill>
+                                    <a:schemeClr val="accent1"/>
+                                  </a:solidFill>
+                                  <a:latin typeface="Cambria Math" panose="02040503050406030204" pitchFamily="18" charset="0"/>
+                                  <a:ea typeface="Cambria Math" panose="02040503050406030204" pitchFamily="18" charset="0"/>
+                                </a:rPr>
+                                <m:t>𝑉</m:t>
+                              </m:r>
+                            </m:e>
+                            <m:sub>
+                              <m:r>
+                                <a:rPr kumimoji="1" lang="en-US" altLang="ja-JP" b="0" i="1" smtClean="0">
+                                  <a:solidFill>
+                                    <a:schemeClr val="accent1"/>
+                                  </a:solidFill>
+                                  <a:latin typeface="Cambria Math" panose="02040503050406030204" pitchFamily="18" charset="0"/>
+                                  <a:ea typeface="Cambria Math" panose="02040503050406030204" pitchFamily="18" charset="0"/>
+                                </a:rPr>
+                                <m:t>𝑐𝑜𝑛𝑡</m:t>
+                              </m:r>
+                            </m:sub>
+                            <m:sup>
+                              <m:r>
+                                <a:rPr kumimoji="1" lang="en-US" altLang="ja-JP" b="0" i="1" smtClean="0">
+                                  <a:solidFill>
+                                    <a:schemeClr val="accent1"/>
+                                  </a:solidFill>
+                                  <a:latin typeface="Cambria Math" panose="02040503050406030204" pitchFamily="18" charset="0"/>
+                                  <a:ea typeface="Cambria Math" panose="02040503050406030204" pitchFamily="18" charset="0"/>
+                                </a:rPr>
+                                <m:t>∗</m:t>
+                              </m:r>
+                            </m:sup>
+                          </m:sSubSup>
+                          <m:r>
+                            <a:rPr kumimoji="1" lang="en-US" altLang="ja-JP" b="0" i="1" smtClean="0">
+                              <a:solidFill>
+                                <a:schemeClr val="accent1"/>
+                              </a:solidFill>
+                              <a:latin typeface="Cambria Math" panose="02040503050406030204" pitchFamily="18" charset="0"/>
+                              <a:ea typeface="Cambria Math" panose="02040503050406030204" pitchFamily="18" charset="0"/>
+                            </a:rPr>
+                            <m:t>(</m:t>
+                          </m:r>
+                          <m:sSubSup>
+                            <m:sSubSupPr>
+                              <m:ctrlPr>
+                                <a:rPr kumimoji="1" lang="en-US" altLang="ja-JP" i="1">
+                                  <a:solidFill>
+                                    <a:schemeClr val="accent1"/>
+                                  </a:solidFill>
+                                  <a:latin typeface="Cambria Math" panose="02040503050406030204" pitchFamily="18" charset="0"/>
+                                  <a:ea typeface="Cambria Math" panose="02040503050406030204" pitchFamily="18" charset="0"/>
+                                </a:rPr>
+                              </m:ctrlPr>
+                            </m:sSubSupPr>
+                            <m:e>
+                              <m:r>
+                                <a:rPr kumimoji="1" lang="en-US" altLang="ja-JP" i="1">
+                                  <a:solidFill>
+                                    <a:schemeClr val="accent1"/>
+                                  </a:solidFill>
+                                  <a:latin typeface="Cambria Math" panose="02040503050406030204" pitchFamily="18" charset="0"/>
+                                  <a:ea typeface="Cambria Math" panose="02040503050406030204" pitchFamily="18" charset="0"/>
+                                </a:rPr>
+                                <m:t>𝑠</m:t>
+                              </m:r>
+                            </m:e>
+                            <m:sub>
+                              <m:r>
+                                <a:rPr kumimoji="1" lang="en-US" altLang="ja-JP" i="1">
+                                  <a:solidFill>
+                                    <a:schemeClr val="accent1"/>
+                                  </a:solidFill>
+                                  <a:latin typeface="Cambria Math" panose="02040503050406030204" pitchFamily="18" charset="0"/>
+                                  <a:ea typeface="Cambria Math" panose="02040503050406030204" pitchFamily="18" charset="0"/>
+                                </a:rPr>
+                                <m:t>𝑒</m:t>
+                              </m:r>
+                            </m:sub>
+                            <m:sup>
+                              <m:r>
+                                <a:rPr kumimoji="1" lang="en-US" altLang="ja-JP" i="1">
+                                  <a:solidFill>
+                                    <a:schemeClr val="accent1"/>
+                                  </a:solidFill>
+                                  <a:latin typeface="Cambria Math" panose="02040503050406030204" pitchFamily="18" charset="0"/>
+                                  <a:ea typeface="Cambria Math" panose="02040503050406030204" pitchFamily="18" charset="0"/>
+                                </a:rPr>
+                                <m:t>′</m:t>
+                              </m:r>
+                            </m:sup>
+                          </m:sSubSup>
+                          <m:r>
+                            <a:rPr kumimoji="1" lang="en-US" altLang="ja-JP" b="0" i="1" smtClean="0">
+                              <a:solidFill>
+                                <a:schemeClr val="accent1"/>
+                              </a:solidFill>
+                              <a:latin typeface="Cambria Math" panose="02040503050406030204" pitchFamily="18" charset="0"/>
+                              <a:ea typeface="Cambria Math" panose="02040503050406030204" pitchFamily="18" charset="0"/>
+                            </a:rPr>
+                            <m:t>,</m:t>
+                          </m:r>
+                          <m:r>
+                            <m:rPr>
+                              <m:sty m:val="p"/>
+                            </m:rPr>
+                            <a:rPr kumimoji="1" lang="el-GR" altLang="ja-JP" i="1">
+                              <a:solidFill>
+                                <a:schemeClr val="accent1"/>
+                              </a:solidFill>
+                              <a:latin typeface="Cambria Math" panose="02040503050406030204" pitchFamily="18" charset="0"/>
+                              <a:ea typeface="Cambria Math" panose="02040503050406030204" pitchFamily="18" charset="0"/>
+                            </a:rPr>
+                            <m:t>Σ</m:t>
+                          </m:r>
+                          <m:r>
+                            <a:rPr kumimoji="1" lang="en-US" altLang="ja-JP" b="0" i="1" smtClean="0">
+                              <a:solidFill>
+                                <a:schemeClr val="accent1"/>
+                              </a:solidFill>
+                              <a:latin typeface="Cambria Math" panose="02040503050406030204" pitchFamily="18" charset="0"/>
+                              <a:ea typeface="Cambria Math" panose="02040503050406030204" pitchFamily="18" charset="0"/>
+                            </a:rPr>
+                            <m:t>)</m:t>
+                          </m:r>
+                          <m:r>
+                            <a:rPr kumimoji="1" lang="en-US" altLang="ja-JP" b="0" i="1" smtClean="0">
+                              <a:latin typeface="Cambria Math" panose="02040503050406030204" pitchFamily="18" charset="0"/>
+                            </a:rPr>
+                            <m:t>}</m:t>
+                          </m:r>
+                        </m:e>
+                      </m:func>
+                    </m:oMath>
+                  </m:oMathPara>
+                </a14:m>
+                <a:endParaRPr kumimoji="1" lang="ja-JP" altLang="en-US">
+                  <a:latin typeface="Cambria" panose="02040503050406030204" pitchFamily="18" charset="0"/>
+                </a:endParaRPr>
+              </a:p>
+            </p:txBody>
+          </p:sp>
+        </mc:Choice>
+        <mc:Fallback xmlns="">
+          <p:sp>
+            <p:nvSpPr>
+              <p:cNvPr id="6" name="テキスト ボックス 5">
+                <a:extLst>
+                  <a:ext uri="{FF2B5EF4-FFF2-40B4-BE49-F238E27FC236}">
+                    <a16:creationId xmlns:a16="http://schemas.microsoft.com/office/drawing/2014/main" id="{AC152196-49E5-AE4C-A761-3621CF759083}"/>
+                  </a:ext>
+                </a:extLst>
+              </p:cNvPr>
+              <p:cNvSpPr txBox="1">
+                <a:spLocks noRot="1" noChangeAspect="1" noMove="1" noResize="1" noEditPoints="1" noAdjustHandles="1" noChangeArrowheads="1" noChangeShapeType="1" noTextEdit="1"/>
+              </p:cNvSpPr>
+              <p:nvPr/>
+            </p:nvSpPr>
+            <p:spPr>
+              <a:xfrm>
+                <a:off x="1316871" y="3186626"/>
+                <a:ext cx="4089068" cy="530082"/>
+              </a:xfrm>
+              <a:prstGeom prst="rect">
+                <a:avLst/>
+              </a:prstGeom>
+              <a:blipFill>
+                <a:blip r:embed="rId3"/>
+                <a:stretch>
+                  <a:fillRect/>
+                </a:stretch>
+              </a:blipFill>
+            </p:spPr>
+            <p:txBody>
+              <a:bodyPr/>
+              <a:lstStyle/>
+              <a:p>
+                <a:r>
+                  <a:rPr lang="ja-JP" altLang="en-US">
+                    <a:noFill/>
+                  </a:rPr>
+                  <a:t> </a:t>
+                </a:r>
+              </a:p>
+            </p:txBody>
+          </p:sp>
+        </mc:Fallback>
+      </mc:AlternateContent>
+      <mc:AlternateContent xmlns:mc="http://schemas.openxmlformats.org/markup-compatibility/2006" xmlns:a14="http://schemas.microsoft.com/office/drawing/2010/main">
+        <mc:Choice Requires="a14">
+          <p:sp>
+            <p:nvSpPr>
+              <p:cNvPr id="9" name="テキスト ボックス 8">
+                <a:extLst>
+                  <a:ext uri="{FF2B5EF4-FFF2-40B4-BE49-F238E27FC236}">
+                    <a16:creationId xmlns:a16="http://schemas.microsoft.com/office/drawing/2014/main" id="{8A465B4F-9A8A-7841-8621-59BCDBDF1F12}"/>
+                  </a:ext>
+                </a:extLst>
+              </p:cNvPr>
+              <p:cNvSpPr txBox="1"/>
+              <p:nvPr/>
+            </p:nvSpPr>
+            <p:spPr>
+              <a:xfrm>
+                <a:off x="932717" y="1548315"/>
+                <a:ext cx="3506666" cy="576312"/>
+              </a:xfrm>
+              <a:prstGeom prst="rect">
+                <a:avLst/>
+              </a:prstGeom>
+              <a:noFill/>
+            </p:spPr>
+            <p:txBody>
+              <a:bodyPr wrap="none" rtlCol="0">
+                <a:spAutoFit/>
+              </a:bodyPr>
+              <a:lstStyle/>
+              <a:p>
+                <a:pPr algn="l"/>
+                <a14:m>
+                  <m:oMathPara xmlns:m="http://schemas.openxmlformats.org/officeDocument/2006/math">
+                    <m:oMathParaPr>
+                      <m:jc m:val="centerGroup"/>
+                    </m:oMathParaPr>
+                    <m:oMath xmlns:m="http://schemas.openxmlformats.org/officeDocument/2006/math">
+                      <m:acc>
+                        <m:accPr>
+                          <m:chr m:val="̇"/>
+                          <m:ctrlPr>
+                            <a:rPr kumimoji="1" lang="ja-JP" altLang="en-US" i="1" smtClean="0">
+                              <a:latin typeface="Cambria Math" panose="02040503050406030204" pitchFamily="18" charset="0"/>
+                            </a:rPr>
+                          </m:ctrlPr>
+                        </m:accPr>
+                        <m:e>
+                          <m:r>
+                            <a:rPr kumimoji="1" lang="en-US" altLang="ja-JP" b="0" i="1" smtClean="0">
+                              <a:latin typeface="Cambria Math" panose="02040503050406030204" pitchFamily="18" charset="0"/>
+                            </a:rPr>
+                            <m:t>𝑠</m:t>
+                          </m:r>
+                        </m:e>
+                      </m:acc>
+                      <m:r>
+                        <a:rPr kumimoji="1" lang="en-US" altLang="ja-JP" b="0" i="1" smtClean="0">
+                          <a:latin typeface="Cambria Math" panose="02040503050406030204" pitchFamily="18" charset="0"/>
+                        </a:rPr>
+                        <m:t>=</m:t>
+                      </m:r>
+                      <m:d>
+                        <m:dPr>
+                          <m:begChr m:val="["/>
+                          <m:endChr m:val="]"/>
+                          <m:ctrlPr>
+                            <a:rPr kumimoji="1" lang="en-US" altLang="ja-JP" b="0" i="1" smtClean="0">
+                              <a:latin typeface="Cambria Math" panose="02040503050406030204" pitchFamily="18" charset="0"/>
+                            </a:rPr>
+                          </m:ctrlPr>
+                        </m:dPr>
+                        <m:e>
+                          <m:m>
+                            <m:mPr>
+                              <m:mcs>
+                                <m:mc>
+                                  <m:mcPr>
+                                    <m:count m:val="2"/>
+                                    <m:mcJc m:val="center"/>
+                                  </m:mcPr>
+                                </m:mc>
+                              </m:mcs>
+                              <m:ctrlPr>
+                                <a:rPr kumimoji="1" lang="en-US" altLang="ja-JP" b="0" i="1" smtClean="0">
+                                  <a:latin typeface="Cambria Math" panose="02040503050406030204" pitchFamily="18" charset="0"/>
+                                </a:rPr>
+                              </m:ctrlPr>
+                            </m:mPr>
+                            <m:mr>
+                              <m:e>
+                                <m:r>
+                                  <m:rPr>
+                                    <m:brk m:alnAt="7"/>
+                                  </m:rPr>
+                                  <a:rPr kumimoji="1" lang="en-US" altLang="ja-JP" b="0" i="1" smtClean="0">
+                                    <a:latin typeface="Cambria Math" panose="02040503050406030204" pitchFamily="18" charset="0"/>
+                                  </a:rPr>
+                                  <m:t>−</m:t>
+                                </m:r>
+                                <m:r>
+                                  <a:rPr kumimoji="1" lang="en-US" altLang="ja-JP" b="0" i="1" smtClean="0">
+                                    <a:latin typeface="Cambria Math" panose="02040503050406030204" pitchFamily="18" charset="0"/>
+                                  </a:rPr>
+                                  <m:t>1</m:t>
+                                </m:r>
+                              </m:e>
+                              <m:e>
+                                <m:r>
+                                  <a:rPr kumimoji="1" lang="en-US" altLang="ja-JP" b="0" i="1" smtClean="0">
+                                    <a:latin typeface="Cambria Math" panose="02040503050406030204" pitchFamily="18" charset="0"/>
+                                  </a:rPr>
+                                  <m:t>4</m:t>
+                                </m:r>
+                              </m:e>
+                            </m:mr>
+                            <m:mr>
+                              <m:e>
+                                <m:r>
+                                  <a:rPr kumimoji="1" lang="en-US" altLang="ja-JP" b="0" i="1" smtClean="0">
+                                    <a:latin typeface="Cambria Math" panose="02040503050406030204" pitchFamily="18" charset="0"/>
+                                  </a:rPr>
+                                  <m:t>2</m:t>
+                                </m:r>
+                              </m:e>
+                              <m:e>
+                                <m:r>
+                                  <a:rPr kumimoji="1" lang="en-US" altLang="ja-JP" b="0" i="1" smtClean="0">
+                                    <a:latin typeface="Cambria Math" panose="02040503050406030204" pitchFamily="18" charset="0"/>
+                                  </a:rPr>
+                                  <m:t>−3</m:t>
+                                </m:r>
+                              </m:e>
+                            </m:mr>
+                          </m:m>
+                        </m:e>
+                      </m:d>
+                      <m:r>
+                        <a:rPr kumimoji="1" lang="en-US" altLang="ja-JP" b="0" i="1" smtClean="0">
+                          <a:latin typeface="Cambria Math" panose="02040503050406030204" pitchFamily="18" charset="0"/>
+                        </a:rPr>
+                        <m:t>𝑠</m:t>
+                      </m:r>
+                      <m:r>
+                        <a:rPr kumimoji="1" lang="en-US" altLang="ja-JP" b="0" i="1" smtClean="0">
+                          <a:latin typeface="Cambria Math" panose="02040503050406030204" pitchFamily="18" charset="0"/>
+                        </a:rPr>
+                        <m:t>+</m:t>
+                      </m:r>
+                      <m:d>
+                        <m:dPr>
+                          <m:begChr m:val="["/>
+                          <m:endChr m:val="]"/>
+                          <m:ctrlPr>
+                            <a:rPr kumimoji="1" lang="en-US" altLang="ja-JP" b="0" i="1" smtClean="0">
+                              <a:latin typeface="Cambria Math" panose="02040503050406030204" pitchFamily="18" charset="0"/>
+                            </a:rPr>
+                          </m:ctrlPr>
+                        </m:dPr>
+                        <m:e>
+                          <m:m>
+                            <m:mPr>
+                              <m:mcs>
+                                <m:mc>
+                                  <m:mcPr>
+                                    <m:count m:val="1"/>
+                                    <m:mcJc m:val="center"/>
+                                  </m:mcPr>
+                                </m:mc>
+                              </m:mcs>
+                              <m:ctrlPr>
+                                <a:rPr kumimoji="1" lang="en-US" altLang="ja-JP" b="0" i="1" smtClean="0">
+                                  <a:latin typeface="Cambria Math" panose="02040503050406030204" pitchFamily="18" charset="0"/>
+                                </a:rPr>
+                              </m:ctrlPr>
+                            </m:mPr>
+                            <m:mr>
+                              <m:e>
+                                <m:r>
+                                  <m:rPr>
+                                    <m:brk m:alnAt="7"/>
+                                  </m:rPr>
+                                  <a:rPr kumimoji="1" lang="en-US" altLang="ja-JP" b="0" i="1" smtClean="0">
+                                    <a:latin typeface="Cambria Math" panose="02040503050406030204" pitchFamily="18" charset="0"/>
+                                  </a:rPr>
+                                  <m:t>2</m:t>
+                                </m:r>
+                              </m:e>
+                            </m:mr>
+                            <m:mr>
+                              <m:e>
+                                <m:r>
+                                  <a:rPr kumimoji="1" lang="en-US" altLang="ja-JP" b="0" i="1" smtClean="0">
+                                    <a:latin typeface="Cambria Math" panose="02040503050406030204" pitchFamily="18" charset="0"/>
+                                  </a:rPr>
+                                  <m:t>4</m:t>
+                                </m:r>
+                              </m:e>
+                            </m:mr>
+                          </m:m>
+                        </m:e>
+                      </m:d>
+                      <m:r>
+                        <a:rPr kumimoji="1" lang="en-US" altLang="ja-JP" b="0" i="1" smtClean="0">
+                          <a:latin typeface="Cambria Math" panose="02040503050406030204" pitchFamily="18" charset="0"/>
+                        </a:rPr>
+                        <m:t>𝑢</m:t>
+                      </m:r>
+                      <m:r>
+                        <a:rPr kumimoji="1" lang="en-US" altLang="ja-JP" b="0" i="1" smtClean="0">
+                          <a:latin typeface="Cambria Math" panose="02040503050406030204" pitchFamily="18" charset="0"/>
+                        </a:rPr>
+                        <m:t>+</m:t>
+                      </m:r>
+                      <m:d>
+                        <m:dPr>
+                          <m:begChr m:val="["/>
+                          <m:endChr m:val="]"/>
+                          <m:ctrlPr>
+                            <a:rPr kumimoji="1" lang="en-US" altLang="ja-JP" b="0" i="1" smtClean="0">
+                              <a:latin typeface="Cambria Math" panose="02040503050406030204" pitchFamily="18" charset="0"/>
+                            </a:rPr>
+                          </m:ctrlPr>
+                        </m:dPr>
+                        <m:e>
+                          <m:m>
+                            <m:mPr>
+                              <m:mcs>
+                                <m:mc>
+                                  <m:mcPr>
+                                    <m:count m:val="1"/>
+                                    <m:mcJc m:val="center"/>
+                                  </m:mcPr>
+                                </m:mc>
+                              </m:mcs>
+                              <m:ctrlPr>
+                                <a:rPr kumimoji="1" lang="en-US" altLang="ja-JP" b="0" i="1" smtClean="0">
+                                  <a:latin typeface="Cambria Math" panose="02040503050406030204" pitchFamily="18" charset="0"/>
+                                </a:rPr>
+                              </m:ctrlPr>
+                            </m:mPr>
+                            <m:mr>
+                              <m:e>
+                                <m:r>
+                                  <m:rPr>
+                                    <m:brk m:alnAt="7"/>
+                                  </m:rPr>
+                                  <a:rPr kumimoji="1" lang="en-US" altLang="ja-JP" b="0" i="1" smtClean="0">
+                                    <a:latin typeface="Cambria Math" panose="02040503050406030204" pitchFamily="18" charset="0"/>
+                                  </a:rPr>
+                                  <m:t>0</m:t>
+                                </m:r>
+                                <m:r>
+                                  <a:rPr kumimoji="1" lang="en-US" altLang="ja-JP" b="0" i="1" smtClean="0">
+                                    <a:latin typeface="Cambria Math" panose="02040503050406030204" pitchFamily="18" charset="0"/>
+                                  </a:rPr>
+                                  <m:t>.6</m:t>
+                                </m:r>
+                              </m:e>
+                            </m:mr>
+                            <m:mr>
+                              <m:e>
+                                <m:r>
+                                  <a:rPr kumimoji="1" lang="en-US" altLang="ja-JP" b="0" i="1" smtClean="0">
+                                    <a:latin typeface="Cambria Math" panose="02040503050406030204" pitchFamily="18" charset="0"/>
+                                  </a:rPr>
+                                  <m:t>0.3</m:t>
+                                </m:r>
+                              </m:e>
+                            </m:mr>
+                          </m:m>
+                        </m:e>
+                      </m:d>
+                      <m:acc>
+                        <m:accPr>
+                          <m:chr m:val="̇"/>
+                          <m:ctrlPr>
+                            <a:rPr kumimoji="1" lang="en-US" altLang="ja-JP" b="0" i="1" smtClean="0">
+                              <a:latin typeface="Cambria Math" panose="02040503050406030204" pitchFamily="18" charset="0"/>
+                            </a:rPr>
+                          </m:ctrlPr>
+                        </m:accPr>
+                        <m:e>
+                          <m:r>
+                            <a:rPr kumimoji="1" lang="en-US" altLang="ja-JP" b="0" i="1" smtClean="0">
+                              <a:latin typeface="Cambria Math" panose="02040503050406030204" pitchFamily="18" charset="0"/>
+                            </a:rPr>
+                            <m:t>𝑤</m:t>
+                          </m:r>
+                        </m:e>
+                      </m:acc>
+                    </m:oMath>
+                  </m:oMathPara>
+                </a14:m>
+                <a:endParaRPr kumimoji="1" lang="ja-JP" altLang="en-US">
+                  <a:latin typeface="Cambria" panose="02040503050406030204" pitchFamily="18" charset="0"/>
+                </a:endParaRPr>
+              </a:p>
+            </p:txBody>
+          </p:sp>
+        </mc:Choice>
+        <mc:Fallback xmlns="">
+          <p:sp>
+            <p:nvSpPr>
+              <p:cNvPr id="9" name="テキスト ボックス 8">
+                <a:extLst>
+                  <a:ext uri="{FF2B5EF4-FFF2-40B4-BE49-F238E27FC236}">
+                    <a16:creationId xmlns:a16="http://schemas.microsoft.com/office/drawing/2014/main" id="{8A465B4F-9A8A-7841-8621-59BCDBDF1F12}"/>
+                  </a:ext>
+                </a:extLst>
+              </p:cNvPr>
+              <p:cNvSpPr txBox="1">
+                <a:spLocks noRot="1" noChangeAspect="1" noMove="1" noResize="1" noEditPoints="1" noAdjustHandles="1" noChangeArrowheads="1" noChangeShapeType="1" noTextEdit="1"/>
+              </p:cNvSpPr>
+              <p:nvPr/>
+            </p:nvSpPr>
+            <p:spPr>
+              <a:xfrm>
+                <a:off x="932717" y="1548315"/>
+                <a:ext cx="3506666" cy="576312"/>
+              </a:xfrm>
+              <a:prstGeom prst="rect">
+                <a:avLst/>
+              </a:prstGeom>
+              <a:blipFill>
+                <a:blip r:embed="rId4"/>
+                <a:stretch>
+                  <a:fillRect/>
+                </a:stretch>
+              </a:blipFill>
+            </p:spPr>
+            <p:txBody>
+              <a:bodyPr/>
+              <a:lstStyle/>
+              <a:p>
+                <a:r>
+                  <a:rPr lang="ja-JP" altLang="en-US">
+                    <a:noFill/>
+                  </a:rPr>
+                  <a:t> </a:t>
+                </a:r>
+              </a:p>
+            </p:txBody>
+          </p:sp>
+        </mc:Fallback>
+      </mc:AlternateContent>
+      <mc:AlternateContent xmlns:mc="http://schemas.openxmlformats.org/markup-compatibility/2006" xmlns:a14="http://schemas.microsoft.com/office/drawing/2010/main">
+        <mc:Choice Requires="a14">
+          <p:sp>
+            <p:nvSpPr>
+              <p:cNvPr id="10" name="テキスト ボックス 9">
+                <a:extLst>
+                  <a:ext uri="{FF2B5EF4-FFF2-40B4-BE49-F238E27FC236}">
+                    <a16:creationId xmlns:a16="http://schemas.microsoft.com/office/drawing/2014/main" id="{F365354C-BD53-BB45-9AA0-35ED868569F0}"/>
+                  </a:ext>
+                </a:extLst>
+              </p:cNvPr>
+              <p:cNvSpPr txBox="1"/>
+              <p:nvPr/>
+            </p:nvSpPr>
+            <p:spPr>
+              <a:xfrm>
+                <a:off x="4833257" y="1651805"/>
+                <a:ext cx="3192221" cy="369332"/>
+              </a:xfrm>
+              <a:prstGeom prst="rect">
+                <a:avLst/>
+              </a:prstGeom>
+              <a:noFill/>
+            </p:spPr>
+            <p:txBody>
+              <a:bodyPr wrap="none" rtlCol="0">
+                <a:spAutoFit/>
+              </a:bodyPr>
+              <a:lstStyle/>
+              <a:p>
+                <a14:m>
+                  <m:oMath xmlns:m="http://schemas.openxmlformats.org/officeDocument/2006/math">
+                    <m:acc>
+                      <m:accPr>
+                        <m:chr m:val="̇"/>
+                        <m:ctrlPr>
+                          <a:rPr kumimoji="1" lang="en-US" altLang="ja-JP" i="1" smtClean="0">
+                            <a:latin typeface="Cambria Math" panose="02040503050406030204" pitchFamily="18" charset="0"/>
+                          </a:rPr>
+                        </m:ctrlPr>
+                      </m:accPr>
+                      <m:e>
+                        <m:r>
+                          <a:rPr kumimoji="1" lang="en-US" altLang="ja-JP" i="1">
+                            <a:latin typeface="Cambria Math" panose="02040503050406030204" pitchFamily="18" charset="0"/>
+                          </a:rPr>
+                          <m:t>𝑤</m:t>
+                        </m:r>
+                      </m:e>
+                    </m:acc>
+                  </m:oMath>
+                </a14:m>
+                <a:r>
+                  <a:rPr kumimoji="1" lang="en-US" altLang="ja-JP" dirty="0">
+                    <a:latin typeface="Cambria" panose="02040503050406030204" pitchFamily="18" charset="0"/>
+                  </a:rPr>
+                  <a:t>:</a:t>
+                </a:r>
+                <a:r>
+                  <a:rPr kumimoji="1" lang="ja-JP" altLang="en-US">
+                    <a:latin typeface="Cambria" panose="02040503050406030204" pitchFamily="18" charset="0"/>
+                  </a:rPr>
+                  <a:t>ウィーナー過程による雑音</a:t>
+                </a:r>
+              </a:p>
+            </p:txBody>
+          </p:sp>
+        </mc:Choice>
+        <mc:Fallback xmlns="">
+          <p:sp>
+            <p:nvSpPr>
+              <p:cNvPr id="10" name="テキスト ボックス 9">
+                <a:extLst>
+                  <a:ext uri="{FF2B5EF4-FFF2-40B4-BE49-F238E27FC236}">
+                    <a16:creationId xmlns:a16="http://schemas.microsoft.com/office/drawing/2014/main" id="{F365354C-BD53-BB45-9AA0-35ED868569F0}"/>
+                  </a:ext>
+                </a:extLst>
+              </p:cNvPr>
+              <p:cNvSpPr txBox="1">
+                <a:spLocks noRot="1" noChangeAspect="1" noMove="1" noResize="1" noEditPoints="1" noAdjustHandles="1" noChangeArrowheads="1" noChangeShapeType="1" noTextEdit="1"/>
+              </p:cNvSpPr>
+              <p:nvPr/>
+            </p:nvSpPr>
+            <p:spPr>
+              <a:xfrm>
+                <a:off x="4833257" y="1651805"/>
+                <a:ext cx="3192221" cy="369332"/>
+              </a:xfrm>
+              <a:prstGeom prst="rect">
+                <a:avLst/>
+              </a:prstGeom>
+              <a:blipFill>
+                <a:blip r:embed="rId5"/>
+                <a:stretch>
+                  <a:fillRect t="-10000" r="-397" b="-26667"/>
+                </a:stretch>
+              </a:blipFill>
+            </p:spPr>
+            <p:txBody>
+              <a:bodyPr/>
+              <a:lstStyle/>
+              <a:p>
+                <a:r>
+                  <a:rPr lang="ja-JP" altLang="en-US">
+                    <a:noFill/>
+                  </a:rPr>
+                  <a:t> </a:t>
+                </a:r>
+              </a:p>
+            </p:txBody>
+          </p:sp>
+        </mc:Fallback>
+      </mc:AlternateContent>
+      <mc:AlternateContent xmlns:mc="http://schemas.openxmlformats.org/markup-compatibility/2006" xmlns:a14="http://schemas.microsoft.com/office/drawing/2010/main">
+        <mc:Choice Requires="a14">
+          <p:sp>
+            <p:nvSpPr>
+              <p:cNvPr id="11" name="テキスト ボックス 10">
+                <a:extLst>
+                  <a:ext uri="{FF2B5EF4-FFF2-40B4-BE49-F238E27FC236}">
+                    <a16:creationId xmlns:a16="http://schemas.microsoft.com/office/drawing/2014/main" id="{65334F0B-D68F-864F-B0FD-AC4C9C728AAA}"/>
+                  </a:ext>
+                </a:extLst>
+              </p:cNvPr>
+              <p:cNvSpPr txBox="1"/>
+              <p:nvPr/>
+            </p:nvSpPr>
+            <p:spPr>
+              <a:xfrm>
+                <a:off x="5910412" y="3105834"/>
+                <a:ext cx="2115066" cy="646331"/>
+              </a:xfrm>
+              <a:prstGeom prst="rect">
+                <a:avLst/>
+              </a:prstGeom>
+              <a:noFill/>
+            </p:spPr>
+            <p:txBody>
+              <a:bodyPr wrap="none" rtlCol="0">
+                <a:spAutoFit/>
+              </a:bodyPr>
+              <a:lstStyle/>
+              <a:p>
+                <a:pPr algn="ctr"/>
+                <a14:m>
+                  <m:oMathPara xmlns:m="http://schemas.openxmlformats.org/officeDocument/2006/math">
+                    <m:oMathParaPr>
+                      <m:jc m:val="centerGroup"/>
+                    </m:oMathParaPr>
+                    <m:oMath xmlns:m="http://schemas.openxmlformats.org/officeDocument/2006/math">
+                      <m:sSubSup>
+                        <m:sSubSupPr>
+                          <m:ctrlPr>
+                            <a:rPr kumimoji="1" lang="en-US" altLang="ja-JP" i="1" smtClean="0">
+                              <a:latin typeface="Cambria Math" panose="02040503050406030204" pitchFamily="18" charset="0"/>
+                              <a:ea typeface="Cambria Math" panose="02040503050406030204" pitchFamily="18" charset="0"/>
+                            </a:rPr>
+                          </m:ctrlPr>
+                        </m:sSubSupPr>
+                        <m:e>
+                          <m:r>
+                            <a:rPr kumimoji="1" lang="en-US" altLang="ja-JP" i="1">
+                              <a:latin typeface="Cambria Math" panose="02040503050406030204" pitchFamily="18" charset="0"/>
+                              <a:ea typeface="Cambria Math" panose="02040503050406030204" pitchFamily="18" charset="0"/>
+                            </a:rPr>
+                            <m:t>𝑠</m:t>
+                          </m:r>
+                        </m:e>
+                        <m:sub>
+                          <m:r>
+                            <a:rPr kumimoji="1" lang="en-US" altLang="ja-JP" i="1">
+                              <a:latin typeface="Cambria Math" panose="02040503050406030204" pitchFamily="18" charset="0"/>
+                              <a:ea typeface="Cambria Math" panose="02040503050406030204" pitchFamily="18" charset="0"/>
+                            </a:rPr>
+                            <m:t>𝑒</m:t>
+                          </m:r>
+                        </m:sub>
+                        <m:sup>
+                          <m:r>
+                            <a:rPr kumimoji="1" lang="en-US" altLang="ja-JP" i="1">
+                              <a:latin typeface="Cambria Math" panose="02040503050406030204" pitchFamily="18" charset="0"/>
+                              <a:ea typeface="Cambria Math" panose="02040503050406030204" pitchFamily="18" charset="0"/>
+                            </a:rPr>
+                            <m:t>′</m:t>
+                          </m:r>
+                        </m:sup>
+                      </m:sSubSup>
+                      <m:r>
+                        <a:rPr kumimoji="1" lang="en-US" altLang="ja-JP" b="0" i="0" smtClean="0">
+                          <a:latin typeface="Cambria Math" panose="02040503050406030204" pitchFamily="18" charset="0"/>
+                          <a:ea typeface="Cambria Math" panose="02040503050406030204" pitchFamily="18" charset="0"/>
+                        </a:rPr>
+                        <m:t>=</m:t>
+                      </m:r>
+                      <m:sSub>
+                        <m:sSubPr>
+                          <m:ctrlPr>
+                            <a:rPr kumimoji="1" lang="en-US" altLang="ja-JP" b="0" i="1" smtClean="0">
+                              <a:latin typeface="Cambria Math" panose="02040503050406030204" pitchFamily="18" charset="0"/>
+                              <a:ea typeface="Cambria Math" panose="02040503050406030204" pitchFamily="18" charset="0"/>
+                            </a:rPr>
+                          </m:ctrlPr>
+                        </m:sSubPr>
+                        <m:e>
+                          <m:r>
+                            <a:rPr kumimoji="1" lang="en-US" altLang="ja-JP" b="0" i="1" smtClean="0">
+                              <a:latin typeface="Cambria Math" panose="02040503050406030204" pitchFamily="18" charset="0"/>
+                              <a:ea typeface="Cambria Math" panose="02040503050406030204" pitchFamily="18" charset="0"/>
+                            </a:rPr>
+                            <m:t>𝔼</m:t>
+                          </m:r>
+                        </m:e>
+                        <m:sub>
+                          <m:r>
+                            <a:rPr kumimoji="1" lang="en-US" altLang="ja-JP" b="0" i="1" smtClean="0">
+                              <a:latin typeface="Cambria Math" panose="02040503050406030204" pitchFamily="18" charset="0"/>
+                              <a:ea typeface="Cambria Math" panose="02040503050406030204" pitchFamily="18" charset="0"/>
+                            </a:rPr>
+                            <m:t>𝑤</m:t>
+                          </m:r>
+                        </m:sub>
+                      </m:sSub>
+                      <m:d>
+                        <m:dPr>
+                          <m:begChr m:val="["/>
+                          <m:endChr m:val="]"/>
+                          <m:ctrlPr>
+                            <a:rPr kumimoji="1" lang="en-US" altLang="ja-JP" b="0" i="1" smtClean="0">
+                              <a:latin typeface="Cambria Math" panose="02040503050406030204" pitchFamily="18" charset="0"/>
+                              <a:ea typeface="Cambria Math" panose="02040503050406030204" pitchFamily="18" charset="0"/>
+                            </a:rPr>
+                          </m:ctrlPr>
+                        </m:dPr>
+                        <m:e>
+                          <m:sSup>
+                            <m:sSupPr>
+                              <m:ctrlPr>
+                                <a:rPr kumimoji="1" lang="en-US" altLang="ja-JP" b="0" i="1" smtClean="0">
+                                  <a:latin typeface="Cambria Math" panose="02040503050406030204" pitchFamily="18" charset="0"/>
+                                  <a:ea typeface="Cambria Math" panose="02040503050406030204" pitchFamily="18" charset="0"/>
+                                </a:rPr>
+                              </m:ctrlPr>
+                            </m:sSupPr>
+                            <m:e>
+                              <m:r>
+                                <a:rPr kumimoji="1" lang="en-US" altLang="ja-JP" b="0" i="1" smtClean="0">
+                                  <a:latin typeface="Cambria Math" panose="02040503050406030204" pitchFamily="18" charset="0"/>
+                                  <a:ea typeface="Cambria Math" panose="02040503050406030204" pitchFamily="18" charset="0"/>
+                                </a:rPr>
+                                <m:t>𝑠</m:t>
+                              </m:r>
+                            </m:e>
+                            <m:sup>
+                              <m:r>
+                                <a:rPr kumimoji="1" lang="en-US" altLang="ja-JP" b="0" i="1" smtClean="0">
+                                  <a:latin typeface="Cambria Math" panose="02040503050406030204" pitchFamily="18" charset="0"/>
+                                  <a:ea typeface="Cambria Math" panose="02040503050406030204" pitchFamily="18" charset="0"/>
+                                </a:rPr>
+                                <m:t>′</m:t>
+                              </m:r>
+                            </m:sup>
+                          </m:sSup>
+                          <m:d>
+                            <m:dPr>
+                              <m:ctrlPr>
+                                <a:rPr kumimoji="1" lang="en-US" altLang="ja-JP" b="0" i="1" smtClean="0">
+                                  <a:latin typeface="Cambria Math" panose="02040503050406030204" pitchFamily="18" charset="0"/>
+                                  <a:ea typeface="Cambria Math" panose="02040503050406030204" pitchFamily="18" charset="0"/>
+                                </a:rPr>
+                              </m:ctrlPr>
+                            </m:dPr>
+                            <m:e>
+                              <m:r>
+                                <a:rPr kumimoji="1" lang="en-US" altLang="ja-JP" b="0" i="1" smtClean="0">
+                                  <a:latin typeface="Cambria Math" panose="02040503050406030204" pitchFamily="18" charset="0"/>
+                                  <a:ea typeface="Cambria Math" panose="02040503050406030204" pitchFamily="18" charset="0"/>
+                                </a:rPr>
+                                <m:t>𝑠</m:t>
+                              </m:r>
+                              <m:r>
+                                <a:rPr kumimoji="1" lang="en-US" altLang="ja-JP" b="0" i="1" smtClean="0">
+                                  <a:latin typeface="Cambria Math" panose="02040503050406030204" pitchFamily="18" charset="0"/>
+                                  <a:ea typeface="Cambria Math" panose="02040503050406030204" pitchFamily="18" charset="0"/>
+                                </a:rPr>
+                                <m:t>,</m:t>
+                              </m:r>
+                              <m:r>
+                                <a:rPr kumimoji="1" lang="en-US" altLang="ja-JP" b="0" i="1" smtClean="0">
+                                  <a:latin typeface="Cambria Math" panose="02040503050406030204" pitchFamily="18" charset="0"/>
+                                  <a:ea typeface="Cambria Math" panose="02040503050406030204" pitchFamily="18" charset="0"/>
+                                </a:rPr>
+                                <m:t>𝑢</m:t>
+                              </m:r>
+                              <m:r>
+                                <a:rPr kumimoji="1" lang="en-US" altLang="ja-JP" b="0" i="1" smtClean="0">
+                                  <a:latin typeface="Cambria Math" panose="02040503050406030204" pitchFamily="18" charset="0"/>
+                                  <a:ea typeface="Cambria Math" panose="02040503050406030204" pitchFamily="18" charset="0"/>
+                                </a:rPr>
+                                <m:t>,</m:t>
+                              </m:r>
+                              <m:r>
+                                <a:rPr kumimoji="1" lang="en-US" altLang="ja-JP" b="0" i="1" smtClean="0">
+                                  <a:latin typeface="Cambria Math" panose="02040503050406030204" pitchFamily="18" charset="0"/>
+                                  <a:ea typeface="Cambria Math" panose="02040503050406030204" pitchFamily="18" charset="0"/>
+                                </a:rPr>
+                                <m:t>𝜏</m:t>
+                              </m:r>
+                            </m:e>
+                          </m:d>
+                        </m:e>
+                      </m:d>
+                    </m:oMath>
+                  </m:oMathPara>
+                </a14:m>
+                <a:endParaRPr kumimoji="1" lang="en-US" altLang="ja-JP" b="0" dirty="0">
+                  <a:latin typeface="Cambria" panose="02040503050406030204" pitchFamily="18" charset="0"/>
+                  <a:ea typeface="Cambria Math" panose="02040503050406030204" pitchFamily="18" charset="0"/>
+                </a:endParaRPr>
+              </a:p>
+              <a:p>
+                <a:pPr algn="ctr"/>
+                <a14:m>
+                  <m:oMathPara xmlns:m="http://schemas.openxmlformats.org/officeDocument/2006/math">
+                    <m:oMathParaPr>
+                      <m:jc m:val="centerGroup"/>
+                    </m:oMathParaPr>
+                    <m:oMath xmlns:m="http://schemas.openxmlformats.org/officeDocument/2006/math">
+                      <m:r>
+                        <m:rPr>
+                          <m:sty m:val="p"/>
+                        </m:rPr>
+                        <a:rPr kumimoji="1" lang="el-GR" altLang="ja-JP" i="1" smtClean="0">
+                          <a:latin typeface="Cambria Math" panose="02040503050406030204" pitchFamily="18" charset="0"/>
+                          <a:ea typeface="Cambria Math" panose="02040503050406030204" pitchFamily="18" charset="0"/>
+                        </a:rPr>
+                        <m:t>Σ</m:t>
+                      </m:r>
+                      <m:r>
+                        <a:rPr kumimoji="1" lang="en-US" altLang="ja-JP" b="0" i="1" smtClean="0">
+                          <a:latin typeface="Cambria Math" panose="02040503050406030204" pitchFamily="18" charset="0"/>
+                          <a:ea typeface="Cambria Math" panose="02040503050406030204" pitchFamily="18" charset="0"/>
+                        </a:rPr>
+                        <m:t>=</m:t>
+                      </m:r>
+                      <m:r>
+                        <a:rPr kumimoji="1" lang="en-US" altLang="ja-JP" b="0" i="1" smtClean="0">
+                          <a:latin typeface="Cambria Math" panose="02040503050406030204" pitchFamily="18" charset="0"/>
+                          <a:ea typeface="Cambria Math" panose="02040503050406030204" pitchFamily="18" charset="0"/>
+                        </a:rPr>
+                        <m:t>𝑉𝑎𝑟</m:t>
+                      </m:r>
+                      <m:r>
+                        <a:rPr kumimoji="1" lang="en-US" altLang="ja-JP" b="0" i="1" smtClean="0">
+                          <a:latin typeface="Cambria Math" panose="02040503050406030204" pitchFamily="18" charset="0"/>
+                          <a:ea typeface="Cambria Math" panose="02040503050406030204" pitchFamily="18" charset="0"/>
+                        </a:rPr>
+                        <m:t>[</m:t>
+                      </m:r>
+                      <m:sSup>
+                        <m:sSupPr>
+                          <m:ctrlPr>
+                            <a:rPr kumimoji="1" lang="en-US" altLang="ja-JP" i="1">
+                              <a:latin typeface="Cambria Math" panose="02040503050406030204" pitchFamily="18" charset="0"/>
+                              <a:ea typeface="Cambria Math" panose="02040503050406030204" pitchFamily="18" charset="0"/>
+                            </a:rPr>
+                          </m:ctrlPr>
+                        </m:sSupPr>
+                        <m:e>
+                          <m:r>
+                            <a:rPr kumimoji="1" lang="en-US" altLang="ja-JP" i="1">
+                              <a:latin typeface="Cambria Math" panose="02040503050406030204" pitchFamily="18" charset="0"/>
+                              <a:ea typeface="Cambria Math" panose="02040503050406030204" pitchFamily="18" charset="0"/>
+                            </a:rPr>
+                            <m:t>𝑠</m:t>
+                          </m:r>
+                        </m:e>
+                        <m:sup>
+                          <m:r>
+                            <a:rPr kumimoji="1" lang="en-US" altLang="ja-JP" i="1">
+                              <a:latin typeface="Cambria Math" panose="02040503050406030204" pitchFamily="18" charset="0"/>
+                              <a:ea typeface="Cambria Math" panose="02040503050406030204" pitchFamily="18" charset="0"/>
+                            </a:rPr>
+                            <m:t>′</m:t>
+                          </m:r>
+                        </m:sup>
+                      </m:sSup>
+                      <m:d>
+                        <m:dPr>
+                          <m:ctrlPr>
+                            <a:rPr kumimoji="1" lang="en-US" altLang="ja-JP" i="1">
+                              <a:latin typeface="Cambria Math" panose="02040503050406030204" pitchFamily="18" charset="0"/>
+                              <a:ea typeface="Cambria Math" panose="02040503050406030204" pitchFamily="18" charset="0"/>
+                            </a:rPr>
+                          </m:ctrlPr>
+                        </m:dPr>
+                        <m:e>
+                          <m:r>
+                            <a:rPr kumimoji="1" lang="en-US" altLang="ja-JP" i="1">
+                              <a:latin typeface="Cambria Math" panose="02040503050406030204" pitchFamily="18" charset="0"/>
+                              <a:ea typeface="Cambria Math" panose="02040503050406030204" pitchFamily="18" charset="0"/>
+                            </a:rPr>
+                            <m:t>𝑠</m:t>
+                          </m:r>
+                          <m:r>
+                            <a:rPr kumimoji="1" lang="en-US" altLang="ja-JP" i="1">
+                              <a:latin typeface="Cambria Math" panose="02040503050406030204" pitchFamily="18" charset="0"/>
+                              <a:ea typeface="Cambria Math" panose="02040503050406030204" pitchFamily="18" charset="0"/>
+                            </a:rPr>
+                            <m:t>,</m:t>
+                          </m:r>
+                          <m:r>
+                            <a:rPr kumimoji="1" lang="en-US" altLang="ja-JP" i="1">
+                              <a:latin typeface="Cambria Math" panose="02040503050406030204" pitchFamily="18" charset="0"/>
+                              <a:ea typeface="Cambria Math" panose="02040503050406030204" pitchFamily="18" charset="0"/>
+                            </a:rPr>
+                            <m:t>𝑢</m:t>
+                          </m:r>
+                          <m:r>
+                            <a:rPr kumimoji="1" lang="en-US" altLang="ja-JP" i="1">
+                              <a:latin typeface="Cambria Math" panose="02040503050406030204" pitchFamily="18" charset="0"/>
+                              <a:ea typeface="Cambria Math" panose="02040503050406030204" pitchFamily="18" charset="0"/>
+                            </a:rPr>
+                            <m:t>,</m:t>
+                          </m:r>
+                          <m:r>
+                            <a:rPr kumimoji="1" lang="en-US" altLang="ja-JP" i="1">
+                              <a:latin typeface="Cambria Math" panose="02040503050406030204" pitchFamily="18" charset="0"/>
+                              <a:ea typeface="Cambria Math" panose="02040503050406030204" pitchFamily="18" charset="0"/>
+                            </a:rPr>
+                            <m:t>𝜏</m:t>
+                          </m:r>
+                        </m:e>
+                      </m:d>
+                      <m:r>
+                        <a:rPr kumimoji="1" lang="en-US" altLang="ja-JP" b="0" i="1" smtClean="0">
+                          <a:latin typeface="Cambria Math" panose="02040503050406030204" pitchFamily="18" charset="0"/>
+                          <a:ea typeface="Cambria Math" panose="02040503050406030204" pitchFamily="18" charset="0"/>
+                        </a:rPr>
+                        <m:t>]</m:t>
+                      </m:r>
+                    </m:oMath>
+                  </m:oMathPara>
+                </a14:m>
+                <a:endParaRPr kumimoji="1" lang="ja-JP" altLang="en-US">
+                  <a:latin typeface="Cambria" panose="02040503050406030204" pitchFamily="18" charset="0"/>
+                </a:endParaRPr>
+              </a:p>
+            </p:txBody>
+          </p:sp>
+        </mc:Choice>
+        <mc:Fallback xmlns="">
+          <p:sp>
+            <p:nvSpPr>
+              <p:cNvPr id="11" name="テキスト ボックス 10">
+                <a:extLst>
+                  <a:ext uri="{FF2B5EF4-FFF2-40B4-BE49-F238E27FC236}">
+                    <a16:creationId xmlns:a16="http://schemas.microsoft.com/office/drawing/2014/main" id="{65334F0B-D68F-864F-B0FD-AC4C9C728AAA}"/>
+                  </a:ext>
+                </a:extLst>
+              </p:cNvPr>
+              <p:cNvSpPr txBox="1">
+                <a:spLocks noRot="1" noChangeAspect="1" noMove="1" noResize="1" noEditPoints="1" noAdjustHandles="1" noChangeArrowheads="1" noChangeShapeType="1" noTextEdit="1"/>
+              </p:cNvSpPr>
+              <p:nvPr/>
+            </p:nvSpPr>
+            <p:spPr>
+              <a:xfrm>
+                <a:off x="5910412" y="3105834"/>
+                <a:ext cx="2115066" cy="646331"/>
+              </a:xfrm>
+              <a:prstGeom prst="rect">
+                <a:avLst/>
+              </a:prstGeom>
+              <a:blipFill>
+                <a:blip r:embed="rId6"/>
+                <a:stretch>
+                  <a:fillRect b="-9804"/>
+                </a:stretch>
+              </a:blipFill>
+            </p:spPr>
+            <p:txBody>
+              <a:bodyPr/>
+              <a:lstStyle/>
+              <a:p>
+                <a:r>
+                  <a:rPr lang="ja-JP" altLang="en-US">
+                    <a:noFill/>
+                  </a:rPr>
+                  <a:t> </a:t>
+                </a:r>
+              </a:p>
+            </p:txBody>
+          </p:sp>
+        </mc:Fallback>
+      </mc:AlternateContent>
       <p:sp>
         <p:nvSpPr>
-          <p:cNvPr id="5" name="スライド番号プレースホルダー 4">
+          <p:cNvPr id="7" name="スライド番号プレースホルダー 6">
             <a:extLst>
               <a:ext uri="{FF2B5EF4-FFF2-40B4-BE49-F238E27FC236}">
-                <a16:creationId xmlns:a16="http://schemas.microsoft.com/office/drawing/2014/main" id="{35A580DD-B404-174E-AEAE-588023BAC6FF}"/>
+                <a16:creationId xmlns:a16="http://schemas.microsoft.com/office/drawing/2014/main" id="{AEB2C698-A5FA-814B-BE00-AF74512AA395}"/>
               </a:ext>
             </a:extLst>
           </p:cNvPr>
@@ -16276,7 +15846,7 @@
             </a:fld>
             <a:r>
               <a:rPr kumimoji="1" lang="en-US" altLang="ja-JP"/>
-              <a:t>/14</a:t>
+              <a:t>/12</a:t>
             </a:r>
             <a:endParaRPr kumimoji="1" lang="en-US" altLang="ja-JP" dirty="0"/>
           </a:p>
@@ -16285,7 +15855,7 @@
     </p:spTree>
     <p:extLst>
       <p:ext uri="{BB962C8B-B14F-4D97-AF65-F5344CB8AC3E}">
-        <p14:creationId xmlns:p14="http://schemas.microsoft.com/office/powerpoint/2010/main" val="3231758723"/>
+        <p14:creationId xmlns:p14="http://schemas.microsoft.com/office/powerpoint/2010/main" val="1982770071"/>
       </p:ext>
     </p:extLst>
   </p:cSld>
@@ -16312,81 +15882,230 @@
           <a:chExt cx="0" cy="0"/>
         </a:xfrm>
       </p:grpSpPr>
-      <p:sp>
-        <p:nvSpPr>
-          <p:cNvPr id="2" name="コンテンツ プレースホルダー 1">
-            <a:extLst>
-              <a:ext uri="{FF2B5EF4-FFF2-40B4-BE49-F238E27FC236}">
-                <a16:creationId xmlns:a16="http://schemas.microsoft.com/office/drawing/2014/main" id="{FD643DFB-7F28-6C48-BC4F-62B019B25E53}"/>
-              </a:ext>
-            </a:extLst>
-          </p:cNvPr>
-          <p:cNvSpPr>
-            <a:spLocks noGrp="1"/>
-          </p:cNvSpPr>
-          <p:nvPr>
-            <p:ph idx="1"/>
-          </p:nvPr>
-        </p:nvSpPr>
-        <p:spPr/>
-        <p:txBody>
-          <a:bodyPr/>
-          <a:lstStyle/>
-          <a:p>
-            <a:r>
-              <a:rPr kumimoji="1" lang="ja-JP" altLang="en-US"/>
-              <a:t>うまく学習ができた例</a:t>
-            </a:r>
-            <a:endParaRPr kumimoji="1" lang="en-US" altLang="ja-JP" dirty="0"/>
-          </a:p>
-          <a:p>
-            <a:endParaRPr lang="en-US" altLang="ja-JP" dirty="0"/>
-          </a:p>
-          <a:p>
-            <a:endParaRPr kumimoji="1" lang="en-US" altLang="ja-JP" dirty="0"/>
-          </a:p>
-          <a:p>
-            <a:endParaRPr lang="en-US" altLang="ja-JP" dirty="0"/>
-          </a:p>
-          <a:p>
-            <a:endParaRPr kumimoji="1" lang="en-US" altLang="ja-JP" dirty="0"/>
-          </a:p>
-          <a:p>
-            <a:endParaRPr lang="en-US" altLang="ja-JP" dirty="0"/>
-          </a:p>
-          <a:p>
-            <a:endParaRPr kumimoji="1" lang="en-US" altLang="ja-JP" dirty="0"/>
-          </a:p>
-          <a:p>
-            <a:endParaRPr lang="en-US" altLang="ja-JP" dirty="0"/>
-          </a:p>
-          <a:p>
-            <a:endParaRPr kumimoji="1" lang="en-US" altLang="ja-JP" dirty="0"/>
-          </a:p>
-          <a:p>
-            <a:pPr lvl="1"/>
-            <a:r>
-              <a:rPr kumimoji="1" lang="en-US" altLang="ja-JP" dirty="0"/>
-              <a:t>TD</a:t>
-            </a:r>
-            <a:r>
-              <a:rPr kumimoji="1" lang="ja-JP" altLang="en-US"/>
-              <a:t>学習に求められる精度は非常に高く</a:t>
-            </a:r>
-            <a:r>
-              <a:rPr lang="ja-JP" altLang="en-US"/>
-              <a:t>、その近似精度が低いと、方策が悪化することもよくあった</a:t>
-            </a:r>
-            <a:endParaRPr kumimoji="1" lang="ja-JP" altLang="en-US"/>
-          </a:p>
-        </p:txBody>
-      </p:sp>
+      <mc:AlternateContent xmlns:mc="http://schemas.openxmlformats.org/markup-compatibility/2006" xmlns:a14="http://schemas.microsoft.com/office/drawing/2010/main">
+        <mc:Choice Requires="a14">
+          <p:sp>
+            <p:nvSpPr>
+              <p:cNvPr id="2" name="コンテンツ プレースホルダー 1">
+                <a:extLst>
+                  <a:ext uri="{FF2B5EF4-FFF2-40B4-BE49-F238E27FC236}">
+                    <a16:creationId xmlns:a16="http://schemas.microsoft.com/office/drawing/2014/main" id="{C6416C15-C583-A749-B6BC-1AE78B0AB326}"/>
+                  </a:ext>
+                </a:extLst>
+              </p:cNvPr>
+              <p:cNvSpPr>
+                <a:spLocks noGrp="1"/>
+              </p:cNvSpPr>
+              <p:nvPr>
+                <p:ph idx="1"/>
+              </p:nvPr>
+            </p:nvSpPr>
+            <p:spPr>
+              <a:xfrm>
+                <a:off x="335571" y="1103023"/>
+                <a:ext cx="8903431" cy="5006090"/>
+              </a:xfrm>
+            </p:spPr>
+            <p:txBody>
+              <a:bodyPr/>
+              <a:lstStyle/>
+              <a:p>
+                <a:r>
+                  <a:rPr kumimoji="1" lang="ja-JP" altLang="en-US"/>
+                  <a:t>初期方策</a:t>
+                </a:r>
+                <a:r>
+                  <a:rPr kumimoji="1" lang="en-US" altLang="ja-JP" dirty="0"/>
+                  <a:t>(</a:t>
+                </a:r>
+                <a:r>
+                  <a:rPr kumimoji="1" lang="ja-JP" altLang="en-US"/>
+                  <a:t>左</a:t>
+                </a:r>
+                <a:r>
+                  <a:rPr kumimoji="1" lang="en-US" altLang="ja-JP" dirty="0"/>
+                  <a:t>)</a:t>
+                </a:r>
+                <a:r>
+                  <a:rPr kumimoji="1" lang="ja-JP" altLang="en-US"/>
+                  <a:t>と</a:t>
+                </a:r>
+                <a:r>
+                  <a:rPr kumimoji="1" lang="en-US" altLang="ja-JP" dirty="0"/>
+                  <a:t>, </a:t>
+                </a:r>
+                <a:r>
+                  <a:rPr lang="ja-JP" altLang="en-US"/>
+                  <a:t>学習で得た方策</a:t>
+                </a:r>
+                <a:r>
+                  <a:rPr lang="en-US" altLang="ja-JP" dirty="0"/>
+                  <a:t>(</a:t>
+                </a:r>
+                <a:r>
+                  <a:rPr lang="ja-JP" altLang="en-US"/>
+                  <a:t>右</a:t>
+                </a:r>
+                <a:r>
+                  <a:rPr lang="en-US" altLang="ja-JP" dirty="0"/>
+                  <a:t>)</a:t>
+                </a:r>
+                <a:r>
+                  <a:rPr lang="ja-JP" altLang="en-US"/>
+                  <a:t>の制御性能比較</a:t>
+                </a:r>
+                <a:endParaRPr lang="en-US" altLang="ja-JP" dirty="0"/>
+              </a:p>
+              <a:p>
+                <a:pPr lvl="1"/>
+                <a:r>
+                  <a:rPr kumimoji="1" lang="ja-JP" altLang="en-US"/>
+                  <a:t>初期値</a:t>
+                </a:r>
+                <a14:m>
+                  <m:oMath xmlns:m="http://schemas.openxmlformats.org/officeDocument/2006/math">
+                    <m:sSub>
+                      <m:sSubPr>
+                        <m:ctrlPr>
+                          <a:rPr kumimoji="1" lang="en-US" altLang="ja-JP" i="1" smtClean="0">
+                            <a:latin typeface="Cambria Math" panose="02040503050406030204" pitchFamily="18" charset="0"/>
+                          </a:rPr>
+                        </m:ctrlPr>
+                      </m:sSubPr>
+                      <m:e>
+                        <m:r>
+                          <a:rPr kumimoji="1" lang="en-US" altLang="ja-JP" b="0" i="1" smtClean="0">
+                            <a:latin typeface="Cambria Math" panose="02040503050406030204" pitchFamily="18" charset="0"/>
+                          </a:rPr>
+                          <m:t>𝑠</m:t>
+                        </m:r>
+                      </m:e>
+                      <m:sub>
+                        <m:r>
+                          <a:rPr kumimoji="1" lang="en-US" altLang="ja-JP" b="0" i="1" smtClean="0">
+                            <a:latin typeface="Cambria Math" panose="02040503050406030204" pitchFamily="18" charset="0"/>
+                          </a:rPr>
+                          <m:t>0</m:t>
+                        </m:r>
+                      </m:sub>
+                    </m:sSub>
+                    <m:r>
+                      <a:rPr kumimoji="1" lang="en-US" altLang="ja-JP" b="0" i="1" smtClean="0">
+                        <a:latin typeface="Cambria Math" panose="02040503050406030204" pitchFamily="18" charset="0"/>
+                      </a:rPr>
+                      <m:t>=[3., 3.]</m:t>
+                    </m:r>
+                  </m:oMath>
+                </a14:m>
+                <a:r>
+                  <a:rPr kumimoji="1" lang="ja-JP" altLang="en-US"/>
+                  <a:t>からの制御</a:t>
+                </a:r>
+                <a:endParaRPr kumimoji="1" lang="en-US" altLang="ja-JP" dirty="0"/>
+              </a:p>
+              <a:p>
+                <a:pPr lvl="1"/>
+                <a:r>
+                  <a:rPr lang="ja-JP" altLang="en-US"/>
+                  <a:t>上から</a:t>
+                </a:r>
+                <a:r>
+                  <a:rPr lang="en-US" altLang="ja-JP" dirty="0"/>
+                  <a:t>, </a:t>
+                </a:r>
+                <a:r>
+                  <a:rPr lang="ja-JP" altLang="en-US"/>
+                  <a:t>状態変数の</a:t>
+                </a:r>
+                <a:r>
+                  <a:rPr lang="en-US" altLang="ja-JP" dirty="0"/>
+                  <a:t>2</a:t>
+                </a:r>
+                <a:r>
+                  <a:rPr lang="ja-JP" altLang="en-US"/>
+                  <a:t>ノルム</a:t>
+                </a:r>
+                <a:r>
+                  <a:rPr lang="en-US" altLang="ja-JP" dirty="0"/>
+                  <a:t>, </a:t>
+                </a:r>
+                <a:r>
+                  <a:rPr lang="ja-JP" altLang="en-US"/>
+                  <a:t>各時刻の入力</a:t>
+                </a:r>
+                <a14:m>
+                  <m:oMath xmlns:m="http://schemas.openxmlformats.org/officeDocument/2006/math">
+                    <m:r>
+                      <a:rPr lang="en-US" altLang="ja-JP" b="0" i="1" smtClean="0">
+                        <a:latin typeface="Cambria Math" panose="02040503050406030204" pitchFamily="18" charset="0"/>
+                      </a:rPr>
+                      <m:t>𝑢</m:t>
+                    </m:r>
+                  </m:oMath>
+                </a14:m>
+                <a:r>
+                  <a:rPr lang="en-US" altLang="ja-JP" dirty="0"/>
+                  <a:t>, </a:t>
+                </a:r>
+                <a:r>
+                  <a:rPr lang="ja-JP" altLang="en-US"/>
+                  <a:t>通信の有無を表す真偽値</a:t>
+                </a:r>
+                <a:endParaRPr kumimoji="1" lang="ja-JP" altLang="en-US"/>
+              </a:p>
+            </p:txBody>
+          </p:sp>
+        </mc:Choice>
+        <mc:Fallback xmlns="">
+          <p:sp>
+            <p:nvSpPr>
+              <p:cNvPr id="2" name="コンテンツ プレースホルダー 1">
+                <a:extLst>
+                  <a:ext uri="{FF2B5EF4-FFF2-40B4-BE49-F238E27FC236}">
+                    <a16:creationId xmlns:a16="http://schemas.microsoft.com/office/drawing/2014/main" id="{C6416C15-C583-A749-B6BC-1AE78B0AB326}"/>
+                  </a:ext>
+                </a:extLst>
+              </p:cNvPr>
+              <p:cNvSpPr>
+                <a:spLocks noGrp="1" noRot="1" noChangeAspect="1" noMove="1" noResize="1" noEditPoints="1" noAdjustHandles="1" noChangeArrowheads="1" noChangeShapeType="1" noTextEdit="1"/>
+              </p:cNvSpPr>
+              <p:nvPr>
+                <p:ph idx="1"/>
+              </p:nvPr>
+            </p:nvSpPr>
+            <p:spPr>
+              <a:xfrm>
+                <a:off x="335571" y="1103023"/>
+                <a:ext cx="8903431" cy="5006090"/>
+              </a:xfrm>
+              <a:blipFill>
+                <a:blip r:embed="rId3"/>
+                <a:stretch>
+                  <a:fillRect l="-570" t="-1519"/>
+                </a:stretch>
+              </a:blipFill>
+            </p:spPr>
+            <p:txBody>
+              <a:bodyPr/>
+              <a:lstStyle/>
+              <a:p>
+                <a:r>
+                  <a:rPr lang="ja-JP" altLang="en-US">
+                    <a:noFill/>
+                  </a:rPr>
+                  <a:t> </a:t>
+                </a:r>
+              </a:p>
+            </p:txBody>
+          </p:sp>
+        </mc:Fallback>
+      </mc:AlternateContent>
       <p:sp>
         <p:nvSpPr>
           <p:cNvPr id="3" name="タイトル 2">
             <a:extLst>
               <a:ext uri="{FF2B5EF4-FFF2-40B4-BE49-F238E27FC236}">
-                <a16:creationId xmlns:a16="http://schemas.microsoft.com/office/drawing/2014/main" id="{8339255E-F1B8-6A49-93D6-381CED388EA0}"/>
+                <a16:creationId xmlns:a16="http://schemas.microsoft.com/office/drawing/2014/main" id="{46460E61-F603-AF4E-868B-BED5202BCC53}"/>
               </a:ext>
             </a:extLst>
           </p:cNvPr>
@@ -16408,12 +16127,25 @@
             </a:r>
             <a:r>
               <a:rPr kumimoji="1" lang="en-US" altLang="ja-JP" dirty="0"/>
-              <a:t>C: </a:t>
+              <a:t>D: </a:t>
             </a:r>
             <a:r>
               <a:rPr kumimoji="1" lang="ja-JP" altLang="en-US"/>
-              <a:t>方策更新に伴う評価関数の履歴</a:t>
-            </a:r>
+              <a:t>数値実験の結果</a:t>
+            </a:r>
+            <a:r>
+              <a:rPr kumimoji="1" lang="en-US" altLang="ja-JP" dirty="0"/>
+              <a:t> (</a:t>
+            </a:r>
+            <a:r>
+              <a:rPr kumimoji="1" lang="ja-JP" altLang="en-US"/>
+              <a:t>線形システム</a:t>
+            </a:r>
+            <a:r>
+              <a:rPr kumimoji="1" lang="en-US" altLang="ja-JP" dirty="0"/>
+              <a:t>)</a:t>
+            </a:r>
+            <a:endParaRPr kumimoji="1" lang="ja-JP" altLang="en-US"/>
           </a:p>
         </p:txBody>
       </p:sp>
@@ -16422,7 +16154,7 @@
           <p:cNvPr id="4" name="日付プレースホルダー 3">
             <a:extLst>
               <a:ext uri="{FF2B5EF4-FFF2-40B4-BE49-F238E27FC236}">
-                <a16:creationId xmlns:a16="http://schemas.microsoft.com/office/drawing/2014/main" id="{D67A032B-58E0-9140-8E30-AA889740DEA2}"/>
+                <a16:creationId xmlns:a16="http://schemas.microsoft.com/office/drawing/2014/main" id="{D734A518-B112-414E-8711-72A52E1836CF}"/>
               </a:ext>
             </a:extLst>
           </p:cNvPr>
@@ -16446,12 +16178,330 @@
           </a:p>
         </p:txBody>
       </p:sp>
+      <p:pic>
+        <p:nvPicPr>
+          <p:cNvPr id="6" name="図 5">
+            <a:extLst>
+              <a:ext uri="{FF2B5EF4-FFF2-40B4-BE49-F238E27FC236}">
+                <a16:creationId xmlns:a16="http://schemas.microsoft.com/office/drawing/2014/main" id="{2168A303-0847-C54B-9811-4041571867BA}"/>
+              </a:ext>
+            </a:extLst>
+          </p:cNvPr>
+          <p:cNvPicPr>
+            <a:picLocks noChangeAspect="1"/>
+          </p:cNvPicPr>
+          <p:nvPr/>
+        </p:nvPicPr>
+        <p:blipFill>
+          <a:blip r:embed="rId4"/>
+          <a:stretch>
+            <a:fillRect/>
+          </a:stretch>
+        </p:blipFill>
+        <p:spPr>
+          <a:xfrm>
+            <a:off x="500919" y="2313195"/>
+            <a:ext cx="3661845" cy="3441782"/>
+          </a:xfrm>
+          <a:prstGeom prst="rect">
+            <a:avLst/>
+          </a:prstGeom>
+        </p:spPr>
+      </p:pic>
+      <p:pic>
+        <p:nvPicPr>
+          <p:cNvPr id="8" name="図 7">
+            <a:extLst>
+              <a:ext uri="{FF2B5EF4-FFF2-40B4-BE49-F238E27FC236}">
+                <a16:creationId xmlns:a16="http://schemas.microsoft.com/office/drawing/2014/main" id="{57E19046-1906-524F-AE5E-6BAA00891D42}"/>
+              </a:ext>
+            </a:extLst>
+          </p:cNvPr>
+          <p:cNvPicPr>
+            <a:picLocks noChangeAspect="1"/>
+          </p:cNvPicPr>
+          <p:nvPr/>
+        </p:nvPicPr>
+        <p:blipFill>
+          <a:blip r:embed="rId5"/>
+          <a:stretch>
+            <a:fillRect/>
+          </a:stretch>
+        </p:blipFill>
+        <p:spPr>
+          <a:xfrm>
+            <a:off x="4325975" y="2284715"/>
+            <a:ext cx="3782735" cy="3517761"/>
+          </a:xfrm>
+          <a:prstGeom prst="rect">
+            <a:avLst/>
+          </a:prstGeom>
+        </p:spPr>
+      </p:pic>
+      <mc:AlternateContent xmlns:mc="http://schemas.openxmlformats.org/markup-compatibility/2006" xmlns:a14="http://schemas.microsoft.com/office/drawing/2010/main">
+        <mc:Choice Requires="a14">
+          <p:sp>
+            <p:nvSpPr>
+              <p:cNvPr id="9" name="テキスト ボックス 8">
+                <a:extLst>
+                  <a:ext uri="{FF2B5EF4-FFF2-40B4-BE49-F238E27FC236}">
+                    <a16:creationId xmlns:a16="http://schemas.microsoft.com/office/drawing/2014/main" id="{2F60BECC-E783-724F-BA05-9D6C18D890D0}"/>
+                  </a:ext>
+                </a:extLst>
+              </p:cNvPr>
+              <p:cNvSpPr txBox="1"/>
+              <p:nvPr/>
+            </p:nvSpPr>
+            <p:spPr>
+              <a:xfrm>
+                <a:off x="2018806" y="5772502"/>
+                <a:ext cx="1062791" cy="369332"/>
+              </a:xfrm>
+              <a:prstGeom prst="rect">
+                <a:avLst/>
+              </a:prstGeom>
+              <a:noFill/>
+            </p:spPr>
+            <p:txBody>
+              <a:bodyPr wrap="none" rtlCol="0">
+                <a:spAutoFit/>
+              </a:bodyPr>
+              <a:lstStyle/>
+              <a:p>
+                <a:pPr algn="l"/>
+                <a14:m>
+                  <m:oMathPara xmlns:m="http://schemas.openxmlformats.org/officeDocument/2006/math">
+                    <m:oMathParaPr>
+                      <m:jc m:val="centerGroup"/>
+                    </m:oMathParaPr>
+                    <m:oMath xmlns:m="http://schemas.openxmlformats.org/officeDocument/2006/math">
+                      <m:r>
+                        <a:rPr kumimoji="1" lang="en-US" altLang="ja-JP" b="0" i="1" smtClean="0">
+                          <a:latin typeface="Cambria Math" panose="02040503050406030204" pitchFamily="18" charset="0"/>
+                        </a:rPr>
+                        <m:t>𝐽</m:t>
+                      </m:r>
+                      <m:r>
+                        <a:rPr kumimoji="1" lang="en-US" altLang="ja-JP" b="0" i="1" smtClean="0">
+                          <a:latin typeface="Cambria Math" panose="02040503050406030204" pitchFamily="18" charset="0"/>
+                        </a:rPr>
+                        <m:t>=11.3</m:t>
+                      </m:r>
+                    </m:oMath>
+                  </m:oMathPara>
+                </a14:m>
+                <a:endParaRPr kumimoji="1" lang="ja-JP" altLang="en-US">
+                  <a:latin typeface="Cambria" panose="02040503050406030204" pitchFamily="18" charset="0"/>
+                </a:endParaRPr>
+              </a:p>
+            </p:txBody>
+          </p:sp>
+        </mc:Choice>
+        <mc:Fallback xmlns="">
+          <p:sp>
+            <p:nvSpPr>
+              <p:cNvPr id="9" name="テキスト ボックス 8">
+                <a:extLst>
+                  <a:ext uri="{FF2B5EF4-FFF2-40B4-BE49-F238E27FC236}">
+                    <a16:creationId xmlns:a16="http://schemas.microsoft.com/office/drawing/2014/main" id="{2F60BECC-E783-724F-BA05-9D6C18D890D0}"/>
+                  </a:ext>
+                </a:extLst>
+              </p:cNvPr>
+              <p:cNvSpPr txBox="1">
+                <a:spLocks noRot="1" noChangeAspect="1" noMove="1" noResize="1" noEditPoints="1" noAdjustHandles="1" noChangeArrowheads="1" noChangeShapeType="1" noTextEdit="1"/>
+              </p:cNvSpPr>
+              <p:nvPr/>
+            </p:nvSpPr>
+            <p:spPr>
+              <a:xfrm>
+                <a:off x="2018806" y="5772502"/>
+                <a:ext cx="1062791" cy="369332"/>
+              </a:xfrm>
+              <a:prstGeom prst="rect">
+                <a:avLst/>
+              </a:prstGeom>
+              <a:blipFill>
+                <a:blip r:embed="rId6"/>
+                <a:stretch>
+                  <a:fillRect b="-6667"/>
+                </a:stretch>
+              </a:blipFill>
+            </p:spPr>
+            <p:txBody>
+              <a:bodyPr/>
+              <a:lstStyle/>
+              <a:p>
+                <a:r>
+                  <a:rPr lang="ja-JP" altLang="en-US">
+                    <a:noFill/>
+                  </a:rPr>
+                  <a:t> </a:t>
+                </a:r>
+              </a:p>
+            </p:txBody>
+          </p:sp>
+        </mc:Fallback>
+      </mc:AlternateContent>
+      <mc:AlternateContent xmlns:mc="http://schemas.openxmlformats.org/markup-compatibility/2006" xmlns:a14="http://schemas.microsoft.com/office/drawing/2010/main">
+        <mc:Choice Requires="a14">
+          <p:sp>
+            <p:nvSpPr>
+              <p:cNvPr id="10" name="テキスト ボックス 9">
+                <a:extLst>
+                  <a:ext uri="{FF2B5EF4-FFF2-40B4-BE49-F238E27FC236}">
+                    <a16:creationId xmlns:a16="http://schemas.microsoft.com/office/drawing/2014/main" id="{F3EF5E02-6987-D94C-98AF-B1050E2684DB}"/>
+                  </a:ext>
+                </a:extLst>
+              </p:cNvPr>
+              <p:cNvSpPr txBox="1"/>
+              <p:nvPr/>
+            </p:nvSpPr>
+            <p:spPr>
+              <a:xfrm>
+                <a:off x="6080461" y="5770955"/>
+                <a:ext cx="934551" cy="369332"/>
+              </a:xfrm>
+              <a:prstGeom prst="rect">
+                <a:avLst/>
+              </a:prstGeom>
+              <a:noFill/>
+            </p:spPr>
+            <p:txBody>
+              <a:bodyPr wrap="none" rtlCol="0">
+                <a:spAutoFit/>
+              </a:bodyPr>
+              <a:lstStyle/>
+              <a:p>
+                <a:pPr algn="l"/>
+                <a14:m>
+                  <m:oMathPara xmlns:m="http://schemas.openxmlformats.org/officeDocument/2006/math">
+                    <m:oMathParaPr>
+                      <m:jc m:val="centerGroup"/>
+                    </m:oMathParaPr>
+                    <m:oMath xmlns:m="http://schemas.openxmlformats.org/officeDocument/2006/math">
+                      <m:r>
+                        <a:rPr kumimoji="1" lang="en-US" altLang="ja-JP" b="0" i="1" smtClean="0">
+                          <a:latin typeface="Cambria Math" panose="02040503050406030204" pitchFamily="18" charset="0"/>
+                        </a:rPr>
+                        <m:t>𝐽</m:t>
+                      </m:r>
+                      <m:r>
+                        <a:rPr kumimoji="1" lang="en-US" altLang="ja-JP" b="0" i="1" smtClean="0">
+                          <a:latin typeface="Cambria Math" panose="02040503050406030204" pitchFamily="18" charset="0"/>
+                        </a:rPr>
+                        <m:t>=6.9</m:t>
+                      </m:r>
+                    </m:oMath>
+                  </m:oMathPara>
+                </a14:m>
+                <a:endParaRPr kumimoji="1" lang="ja-JP" altLang="en-US">
+                  <a:latin typeface="Cambria" panose="02040503050406030204" pitchFamily="18" charset="0"/>
+                </a:endParaRPr>
+              </a:p>
+            </p:txBody>
+          </p:sp>
+        </mc:Choice>
+        <mc:Fallback xmlns="">
+          <p:sp>
+            <p:nvSpPr>
+              <p:cNvPr id="10" name="テキスト ボックス 9">
+                <a:extLst>
+                  <a:ext uri="{FF2B5EF4-FFF2-40B4-BE49-F238E27FC236}">
+                    <a16:creationId xmlns:a16="http://schemas.microsoft.com/office/drawing/2014/main" id="{F3EF5E02-6987-D94C-98AF-B1050E2684DB}"/>
+                  </a:ext>
+                </a:extLst>
+              </p:cNvPr>
+              <p:cNvSpPr txBox="1">
+                <a:spLocks noRot="1" noChangeAspect="1" noMove="1" noResize="1" noEditPoints="1" noAdjustHandles="1" noChangeArrowheads="1" noChangeShapeType="1" noTextEdit="1"/>
+              </p:cNvSpPr>
+              <p:nvPr/>
+            </p:nvSpPr>
+            <p:spPr>
+              <a:xfrm>
+                <a:off x="6080461" y="5770955"/>
+                <a:ext cx="934551" cy="369332"/>
+              </a:xfrm>
+              <a:prstGeom prst="rect">
+                <a:avLst/>
+              </a:prstGeom>
+              <a:blipFill>
+                <a:blip r:embed="rId7"/>
+                <a:stretch>
+                  <a:fillRect b="-10000"/>
+                </a:stretch>
+              </a:blipFill>
+            </p:spPr>
+            <p:txBody>
+              <a:bodyPr/>
+              <a:lstStyle/>
+              <a:p>
+                <a:r>
+                  <a:rPr lang="ja-JP" altLang="en-US">
+                    <a:noFill/>
+                  </a:rPr>
+                  <a:t> </a:t>
+                </a:r>
+              </a:p>
+            </p:txBody>
+          </p:sp>
+        </mc:Fallback>
+      </mc:AlternateContent>
       <p:sp>
         <p:nvSpPr>
-          <p:cNvPr id="5" name="スライド番号プレースホルダー 4">
+          <p:cNvPr id="11" name="テキスト ボックス 10">
             <a:extLst>
               <a:ext uri="{FF2B5EF4-FFF2-40B4-BE49-F238E27FC236}">
-                <a16:creationId xmlns:a16="http://schemas.microsoft.com/office/drawing/2014/main" id="{1A7C23FE-8454-FB41-9C48-A7A8647177C7}"/>
+                <a16:creationId xmlns:a16="http://schemas.microsoft.com/office/drawing/2014/main" id="{26EA5084-CA9D-C444-99EC-4843A08C4FC5}"/>
+              </a:ext>
+            </a:extLst>
+          </p:cNvPr>
+          <p:cNvSpPr txBox="1"/>
+          <p:nvPr/>
+        </p:nvSpPr>
+        <p:spPr>
+          <a:xfrm>
+            <a:off x="2331841" y="6217326"/>
+            <a:ext cx="4208203" cy="369332"/>
+          </a:xfrm>
+          <a:prstGeom prst="rect">
+            <a:avLst/>
+          </a:prstGeom>
+          <a:noFill/>
+        </p:spPr>
+        <p:txBody>
+          <a:bodyPr wrap="none" rtlCol="0">
+            <a:spAutoFit/>
+          </a:bodyPr>
+          <a:lstStyle/>
+          <a:p>
+            <a:pPr algn="l"/>
+            <a:r>
+              <a:rPr kumimoji="1" lang="ja-JP" altLang="en-US">
+                <a:latin typeface="Cambria" panose="02040503050406030204" pitchFamily="18" charset="0"/>
+              </a:rPr>
+              <a:t>状態変化を抑えながら</a:t>
+            </a:r>
+            <a:r>
+              <a:rPr kumimoji="1" lang="en-US" altLang="ja-JP" dirty="0">
+                <a:latin typeface="Cambria" panose="02040503050406030204" pitchFamily="18" charset="0"/>
+              </a:rPr>
+              <a:t>, </a:t>
+            </a:r>
+            <a:r>
+              <a:rPr kumimoji="1" lang="ja-JP" altLang="en-US">
+                <a:latin typeface="Cambria" panose="02040503050406030204" pitchFamily="18" charset="0"/>
+              </a:rPr>
+              <a:t>通信回数の減少</a:t>
+            </a:r>
+          </a:p>
+        </p:txBody>
+      </p:sp>
+      <p:sp>
+        <p:nvSpPr>
+          <p:cNvPr id="7" name="スライド番号プレースホルダー 6">
+            <a:extLst>
+              <a:ext uri="{FF2B5EF4-FFF2-40B4-BE49-F238E27FC236}">
+                <a16:creationId xmlns:a16="http://schemas.microsoft.com/office/drawing/2014/main" id="{B51CA714-73D2-6347-9A96-9C45587052D8}"/>
               </a:ext>
             </a:extLst>
           </p:cNvPr>
@@ -16473,46 +16523,16 @@
             </a:fld>
             <a:r>
               <a:rPr kumimoji="1" lang="en-US" altLang="ja-JP"/>
-              <a:t>/14</a:t>
+              <a:t>/12</a:t>
             </a:r>
             <a:endParaRPr kumimoji="1" lang="en-US" altLang="ja-JP" dirty="0"/>
           </a:p>
         </p:txBody>
       </p:sp>
-      <p:pic>
-        <p:nvPicPr>
-          <p:cNvPr id="6" name="図 5">
-            <a:extLst>
-              <a:ext uri="{FF2B5EF4-FFF2-40B4-BE49-F238E27FC236}">
-                <a16:creationId xmlns:a16="http://schemas.microsoft.com/office/drawing/2014/main" id="{1BFC953B-8208-914C-9FAB-A7902089642E}"/>
-              </a:ext>
-            </a:extLst>
-          </p:cNvPr>
-          <p:cNvPicPr>
-            <a:picLocks noChangeAspect="1"/>
-          </p:cNvPicPr>
-          <p:nvPr/>
-        </p:nvPicPr>
-        <p:blipFill>
-          <a:blip r:embed="rId2"/>
-          <a:stretch>
-            <a:fillRect/>
-          </a:stretch>
-        </p:blipFill>
-        <p:spPr>
-          <a:xfrm>
-            <a:off x="628650" y="1531914"/>
-            <a:ext cx="4522395" cy="3061855"/>
-          </a:xfrm>
-          <a:prstGeom prst="rect">
-            <a:avLst/>
-          </a:prstGeom>
-        </p:spPr>
-      </p:pic>
     </p:spTree>
     <p:extLst>
       <p:ext uri="{BB962C8B-B14F-4D97-AF65-F5344CB8AC3E}">
-        <p14:creationId xmlns:p14="http://schemas.microsoft.com/office/powerpoint/2010/main" val="1293832578"/>
+        <p14:creationId xmlns:p14="http://schemas.microsoft.com/office/powerpoint/2010/main" val="43829623"/>
       </p:ext>
     </p:extLst>
   </p:cSld>
@@ -16583,7 +16603,7 @@
                 <a:pPr lvl="1"/>
                 <a:r>
                   <a:rPr lang="en-US" altLang="ja-JP" dirty="0"/>
-                  <a:t>[2]</a:t>
+                  <a:t>[1]</a:t>
                 </a:r>
                 <a:r>
                   <a:rPr lang="ja-JP" altLang="en-US"/>
@@ -16623,7 +16643,7 @@
                 </a14:m>
                 <a:r>
                   <a:rPr lang="ja-JP" altLang="en-US"/>
-                  <a:t>を加え続けたときに</a:t>
+                  <a:t>を加え続けた際</a:t>
                 </a:r>
                 <a:r>
                   <a:rPr lang="en-US" altLang="ja-JP" dirty="0"/>
@@ -16651,7 +16671,15 @@
                 </a:pPr>
                 <a:r>
                   <a:rPr lang="ja-JP" altLang="en-US"/>
-                  <a:t>　の値が減少する最大の通信時間</a:t>
+                  <a:t>　が減少する</a:t>
+                </a:r>
+                <a:r>
+                  <a:rPr lang="en-US" altLang="ja-JP" dirty="0"/>
+                  <a:t>, </a:t>
+                </a:r>
+                <a:r>
+                  <a:rPr lang="ja-JP" altLang="en-US"/>
+                  <a:t>最大の通信間隔を</a:t>
                 </a:r>
                 <a14:m>
                   <m:oMath xmlns:m="http://schemas.openxmlformats.org/officeDocument/2006/math">
@@ -16665,7 +16693,7 @@
                 </a14:m>
                 <a:r>
                   <a:rPr lang="ja-JP" altLang="en-US"/>
-                  <a:t>を選択する手法を提案した</a:t>
+                  <a:t>とする手法を提案</a:t>
                 </a:r>
                 <a:endParaRPr kumimoji="1" lang="en-US" altLang="ja-JP" dirty="0"/>
               </a:p>
@@ -17692,10 +17720,73 @@
       </p:sp>
       <p:sp>
         <p:nvSpPr>
-          <p:cNvPr id="30" name="スライド番号プレースホルダー 29">
+          <p:cNvPr id="17" name="正方形/長方形 16">
             <a:extLst>
               <a:ext uri="{FF2B5EF4-FFF2-40B4-BE49-F238E27FC236}">
-                <a16:creationId xmlns:a16="http://schemas.microsoft.com/office/drawing/2014/main" id="{AF494FDA-1CA3-774E-9035-F01B53391C42}"/>
+                <a16:creationId xmlns:a16="http://schemas.microsoft.com/office/drawing/2014/main" id="{A5ECAC78-C609-E645-9DE1-6CA51D1C6D52}"/>
+              </a:ext>
+            </a:extLst>
+          </p:cNvPr>
+          <p:cNvSpPr/>
+          <p:nvPr/>
+        </p:nvSpPr>
+        <p:spPr>
+          <a:xfrm>
+            <a:off x="335572" y="5955733"/>
+            <a:ext cx="8582791" cy="276999"/>
+          </a:xfrm>
+          <a:prstGeom prst="rect">
+            <a:avLst/>
+          </a:prstGeom>
+        </p:spPr>
+        <p:txBody>
+          <a:bodyPr wrap="square">
+            <a:spAutoFit/>
+          </a:bodyPr>
+          <a:lstStyle/>
+          <a:p>
+            <a:r>
+              <a:rPr kumimoji="1" lang="en-US" altLang="ja-JP" sz="1200" dirty="0">
+                <a:latin typeface="Cambria" panose="02040503050406030204" pitchFamily="18" charset="0"/>
+              </a:rPr>
+              <a:t>[1]: G. Yang et al., “</a:t>
+            </a:r>
+            <a:r>
+              <a:rPr lang="en" altLang="ja-JP" sz="1200" dirty="0">
+                <a:latin typeface="Cambria" panose="02040503050406030204" pitchFamily="18" charset="0"/>
+              </a:rPr>
+              <a:t>Self-triggered Control for Safety Critical Systems Using Control Barrier Functions.</a:t>
+            </a:r>
+            <a:r>
+              <a:rPr kumimoji="1" lang="en-US" altLang="ja-JP" sz="1200" dirty="0">
+                <a:latin typeface="Cambria" panose="02040503050406030204" pitchFamily="18" charset="0"/>
+              </a:rPr>
+              <a:t>”,  In </a:t>
+            </a:r>
+            <a:r>
+              <a:rPr kumimoji="1" lang="en-US" altLang="ja-JP" sz="1200" i="1" dirty="0">
+                <a:latin typeface="Cambria" panose="02040503050406030204" pitchFamily="18" charset="0"/>
+              </a:rPr>
+              <a:t>Proc. of ACC</a:t>
+            </a:r>
+            <a:r>
+              <a:rPr kumimoji="1" lang="en-US" altLang="ja-JP" sz="1200" dirty="0">
+                <a:latin typeface="Cambria" panose="02040503050406030204" pitchFamily="18" charset="0"/>
+              </a:rPr>
+              <a:t>, 2019.</a:t>
+            </a:r>
+            <a:endParaRPr kumimoji="1" lang="ja-JP" altLang="en-US" sz="1200">
+              <a:latin typeface="Cambria" panose="02040503050406030204" pitchFamily="18" charset="0"/>
+            </a:endParaRPr>
+          </a:p>
+        </p:txBody>
+      </p:sp>
+      <p:sp>
+        <p:nvSpPr>
+          <p:cNvPr id="6" name="スライド番号プレースホルダー 5">
+            <a:extLst>
+              <a:ext uri="{FF2B5EF4-FFF2-40B4-BE49-F238E27FC236}">
+                <a16:creationId xmlns:a16="http://schemas.microsoft.com/office/drawing/2014/main" id="{30DE5EBB-E580-A34E-BFB5-EB734EFA1251}"/>
               </a:ext>
             </a:extLst>
           </p:cNvPr>
@@ -17717,60 +17808,9 @@
             </a:fld>
             <a:r>
               <a:rPr kumimoji="1" lang="en-US" altLang="ja-JP"/>
-              <a:t>/14</a:t>
+              <a:t>/12</a:t>
             </a:r>
             <a:endParaRPr kumimoji="1" lang="en-US" altLang="ja-JP" dirty="0"/>
-          </a:p>
-        </p:txBody>
-      </p:sp>
-      <p:sp>
-        <p:nvSpPr>
-          <p:cNvPr id="17" name="正方形/長方形 16">
-            <a:extLst>
-              <a:ext uri="{FF2B5EF4-FFF2-40B4-BE49-F238E27FC236}">
-                <a16:creationId xmlns:a16="http://schemas.microsoft.com/office/drawing/2014/main" id="{A5ECAC78-C609-E645-9DE1-6CA51D1C6D52}"/>
-              </a:ext>
-            </a:extLst>
-          </p:cNvPr>
-          <p:cNvSpPr/>
-          <p:nvPr/>
-        </p:nvSpPr>
-        <p:spPr>
-          <a:xfrm>
-            <a:off x="335572" y="5955733"/>
-            <a:ext cx="7561519" cy="276999"/>
-          </a:xfrm>
-          <a:prstGeom prst="rect">
-            <a:avLst/>
-          </a:prstGeom>
-        </p:spPr>
-        <p:txBody>
-          <a:bodyPr wrap="square">
-            <a:spAutoFit/>
-          </a:bodyPr>
-          <a:lstStyle/>
-          <a:p>
-            <a:r>
-              <a:rPr kumimoji="1" lang="en-US" altLang="ja-JP" sz="1200" dirty="0">
-                <a:latin typeface="Cambria" panose="02040503050406030204" pitchFamily="18" charset="0"/>
-              </a:rPr>
-              <a:t>[2]: Silver et al., “Deterministic Policy Gradient Algorithms”, </a:t>
-            </a:r>
-            <a:r>
-              <a:rPr kumimoji="1" lang="en-US" altLang="ja-JP" sz="1200" i="1" dirty="0">
-                <a:latin typeface="Cambria" panose="02040503050406030204" pitchFamily="18" charset="0"/>
-              </a:rPr>
-              <a:t>ICML</a:t>
-            </a:r>
-            <a:r>
-              <a:rPr kumimoji="1" lang="en-US" altLang="ja-JP" sz="1200" dirty="0">
-                <a:latin typeface="Cambria" panose="02040503050406030204" pitchFamily="18" charset="0"/>
-              </a:rPr>
-              <a:t>, 2014</a:t>
-            </a:r>
-            <a:endParaRPr kumimoji="1" lang="ja-JP" altLang="en-US" sz="1200">
-              <a:latin typeface="Cambria" panose="02040503050406030204" pitchFamily="18" charset="0"/>
-            </a:endParaRPr>
           </a:p>
         </p:txBody>
       </p:sp>
@@ -17824,7 +17864,9 @@
             </p:nvSpPr>
             <p:spPr/>
             <p:txBody>
-              <a:bodyPr/>
+              <a:bodyPr>
+                <a:normAutofit/>
+              </a:bodyPr>
               <a:lstStyle/>
               <a:p>
                 <a:r>
@@ -17846,72 +17888,15 @@
                 <a:endParaRPr kumimoji="1" lang="en-US" altLang="ja-JP" dirty="0"/>
               </a:p>
               <a:p>
-                <a:pPr marL="0" indent="0">
-                  <a:buNone/>
-                </a:pPr>
+                <a:pPr lvl="3"/>
                 <a:endParaRPr kumimoji="1" lang="en-US" altLang="ja-JP" dirty="0"/>
               </a:p>
               <a:p>
-                <a:pPr lvl="1"/>
-                <a14:m>
-                  <m:oMath xmlns:m="http://schemas.openxmlformats.org/officeDocument/2006/math">
-                    <m:sSup>
-                      <m:sSupPr>
-                        <m:ctrlPr>
-                          <a:rPr lang="en-US" altLang="ja-JP" i="1">
-                            <a:latin typeface="Cambria Math" panose="02040503050406030204" pitchFamily="18" charset="0"/>
-                            <a:ea typeface="Cambria Math" panose="02040503050406030204" pitchFamily="18" charset="0"/>
-                          </a:rPr>
-                        </m:ctrlPr>
-                      </m:sSupPr>
-                      <m:e>
-                        <m:r>
-                          <a:rPr lang="en-US" altLang="ja-JP" i="1">
-                            <a:latin typeface="Cambria Math" panose="02040503050406030204" pitchFamily="18" charset="0"/>
-                            <a:ea typeface="Cambria Math" panose="02040503050406030204" pitchFamily="18" charset="0"/>
-                          </a:rPr>
-                          <m:t>𝑒</m:t>
-                        </m:r>
-                      </m:e>
-                      <m:sup>
-                        <m:r>
-                          <a:rPr lang="en-US" altLang="ja-JP" i="1">
-                            <a:latin typeface="Cambria Math" panose="02040503050406030204" pitchFamily="18" charset="0"/>
-                            <a:ea typeface="Cambria Math" panose="02040503050406030204" pitchFamily="18" charset="0"/>
-                          </a:rPr>
-                          <m:t>−</m:t>
-                        </m:r>
-                        <m:r>
-                          <a:rPr lang="en-US" altLang="ja-JP" i="1">
-                            <a:latin typeface="Cambria Math" panose="02040503050406030204" pitchFamily="18" charset="0"/>
-                            <a:ea typeface="Cambria Math" panose="02040503050406030204" pitchFamily="18" charset="0"/>
-                          </a:rPr>
-                          <m:t>𝛼</m:t>
-                        </m:r>
-                      </m:sup>
-                    </m:sSup>
-                  </m:oMath>
-                </a14:m>
-                <a:r>
-                  <a:rPr kumimoji="1" lang="en-US" altLang="ja-JP" dirty="0"/>
-                  <a:t>: </a:t>
-                </a:r>
-                <a:r>
-                  <a:rPr kumimoji="1" lang="ja-JP" altLang="en-US"/>
-                  <a:t>割引率</a:t>
-                </a:r>
-                <a:r>
-                  <a:rPr kumimoji="1" lang="en-US" altLang="ja-JP" dirty="0"/>
-                  <a:t>, </a:t>
-                </a:r>
-                <a:r>
-                  <a:rPr lang="ja-JP" altLang="en-US"/>
-                  <a:t>小さいほど直近のコストを軽視</a:t>
-                </a:r>
-                <a:endParaRPr lang="en-US" altLang="ja-JP" dirty="0"/>
-              </a:p>
-              <a:p>
-                <a:pPr lvl="1"/>
+                <a:pPr lvl="1">
+                  <a:lnSpc>
+                    <a:spcPct val="120000"/>
+                  </a:lnSpc>
+                </a:pPr>
                 <a14:m>
                   <m:oMath xmlns:m="http://schemas.openxmlformats.org/officeDocument/2006/math">
                     <m:r>
@@ -17919,8 +17904,98 @@
                         <a:latin typeface="Cambria Math" panose="02040503050406030204" pitchFamily="18" charset="0"/>
                         <a:ea typeface="Cambria Math" panose="02040503050406030204" pitchFamily="18" charset="0"/>
                       </a:rPr>
-                      <m:t>𝐶</m:t>
+                      <m:t>𝛼</m:t>
                     </m:r>
+                    <m:r>
+                      <a:rPr lang="en-US" altLang="ja-JP" i="1">
+                        <a:latin typeface="Cambria Math" panose="02040503050406030204" pitchFamily="18" charset="0"/>
+                        <a:ea typeface="Cambria Math" panose="02040503050406030204" pitchFamily="18" charset="0"/>
+                      </a:rPr>
+                      <m:t>,</m:t>
+                    </m:r>
+                    <m:r>
+                      <a:rPr lang="en-US" altLang="ja-JP" i="1">
+                        <a:latin typeface="Cambria Math" panose="02040503050406030204" pitchFamily="18" charset="0"/>
+                        <a:ea typeface="Cambria Math" panose="02040503050406030204" pitchFamily="18" charset="0"/>
+                      </a:rPr>
+                      <m:t>𝛽</m:t>
+                    </m:r>
+                    <m:r>
+                      <a:rPr lang="en-US" altLang="ja-JP" i="1">
+                        <a:latin typeface="Cambria Math" panose="02040503050406030204" pitchFamily="18" charset="0"/>
+                        <a:ea typeface="Cambria Math" panose="02040503050406030204" pitchFamily="18" charset="0"/>
+                      </a:rPr>
+                      <m:t>,</m:t>
+                    </m:r>
+                    <m:r>
+                      <a:rPr lang="en-US" altLang="ja-JP" i="1">
+                        <a:latin typeface="Cambria Math" panose="02040503050406030204" pitchFamily="18" charset="0"/>
+                        <a:ea typeface="Cambria Math" panose="02040503050406030204" pitchFamily="18" charset="0"/>
+                      </a:rPr>
+                      <m:t>𝐸</m:t>
+                    </m:r>
+                    <m:r>
+                      <a:rPr lang="en-US" altLang="ja-JP" i="1">
+                        <a:latin typeface="Cambria Math" panose="02040503050406030204" pitchFamily="18" charset="0"/>
+                        <a:ea typeface="Cambria Math" panose="02040503050406030204" pitchFamily="18" charset="0"/>
+                      </a:rPr>
+                      <m:t>,</m:t>
+                    </m:r>
+                    <m:r>
+                      <a:rPr lang="en-US" altLang="ja-JP" i="1">
+                        <a:latin typeface="Cambria Math" panose="02040503050406030204" pitchFamily="18" charset="0"/>
+                        <a:ea typeface="Cambria Math" panose="02040503050406030204" pitchFamily="18" charset="0"/>
+                      </a:rPr>
+                      <m:t>𝐹</m:t>
+                    </m:r>
+                  </m:oMath>
+                </a14:m>
+                <a:r>
+                  <a:rPr lang="en-US" altLang="ja-JP" dirty="0"/>
+                  <a:t>: </a:t>
+                </a:r>
+                <a:r>
+                  <a:rPr lang="ja-JP" altLang="en-US"/>
+                  <a:t>ハイパーパラメータ</a:t>
+                </a:r>
+                <a:endParaRPr lang="en-US" altLang="ja-JP" dirty="0"/>
+              </a:p>
+              <a:p>
+                <a:pPr lvl="1">
+                  <a:lnSpc>
+                    <a:spcPct val="120000"/>
+                  </a:lnSpc>
+                </a:pPr>
+                <a14:m>
+                  <m:oMath xmlns:m="http://schemas.openxmlformats.org/officeDocument/2006/math">
+                    <m:sSub>
+                      <m:sSubPr>
+                        <m:ctrlPr>
+                          <a:rPr lang="en-US" altLang="ja-JP" i="1" smtClean="0">
+                            <a:latin typeface="Cambria Math" panose="02040503050406030204" pitchFamily="18" charset="0"/>
+                            <a:ea typeface="Cambria Math" panose="02040503050406030204" pitchFamily="18" charset="0"/>
+                          </a:rPr>
+                        </m:ctrlPr>
+                      </m:sSubPr>
+                      <m:e>
+                        <m:r>
+                          <a:rPr lang="en-US" altLang="ja-JP" i="1">
+                            <a:latin typeface="Cambria Math" panose="02040503050406030204" pitchFamily="18" charset="0"/>
+                            <a:ea typeface="Cambria Math" panose="02040503050406030204" pitchFamily="18" charset="0"/>
+                          </a:rPr>
+                          <m:t>𝛿</m:t>
+                        </m:r>
+                      </m:e>
+                      <m:sub>
+                        <m:r>
+                          <a:rPr lang="en-US" altLang="ja-JP" b="0" i="1" smtClean="0">
+                            <a:latin typeface="Cambria Math" panose="02040503050406030204" pitchFamily="18" charset="0"/>
+                            <a:ea typeface="Cambria Math" panose="02040503050406030204" pitchFamily="18" charset="0"/>
+                          </a:rPr>
+                          <m:t>𝑐</m:t>
+                        </m:r>
+                      </m:sub>
+                    </m:sSub>
                     <m:r>
                       <a:rPr lang="en-US" altLang="ja-JP" i="1">
                         <a:latin typeface="Cambria Math" panose="02040503050406030204" pitchFamily="18" charset="0"/>
@@ -17948,10 +18023,303 @@
                   <a:rPr kumimoji="1" lang="en-US" altLang="ja-JP" dirty="0"/>
                   <a:t>: </a:t>
                 </a:r>
-                <a:r>
-                  <a:rPr lang="ja-JP" altLang="en-US" dirty="0"/>
-                  <a:t>時刻</a:t>
-                </a:r>
+                <a14:m>
+                  <m:oMath xmlns:m="http://schemas.openxmlformats.org/officeDocument/2006/math">
+                    <m:nary>
+                      <m:naryPr>
+                        <m:ctrlPr>
+                          <a:rPr lang="ja-JP" altLang="en-US" i="1">
+                            <a:latin typeface="Cambria Math" panose="02040503050406030204" pitchFamily="18" charset="0"/>
+                          </a:rPr>
+                        </m:ctrlPr>
+                      </m:naryPr>
+                      <m:sub>
+                        <m:r>
+                          <m:rPr>
+                            <m:brk m:alnAt="23"/>
+                          </m:rPr>
+                          <a:rPr lang="en-US" altLang="ja-JP" i="1">
+                            <a:latin typeface="Cambria Math" panose="02040503050406030204" pitchFamily="18" charset="0"/>
+                          </a:rPr>
+                          <m:t>0</m:t>
+                        </m:r>
+                      </m:sub>
+                      <m:sup>
+                        <m:r>
+                          <a:rPr lang="en-US" altLang="ja-JP" i="1">
+                            <a:latin typeface="Cambria Math" panose="02040503050406030204" pitchFamily="18" charset="0"/>
+                            <a:ea typeface="Cambria Math" panose="02040503050406030204" pitchFamily="18" charset="0"/>
+                          </a:rPr>
+                          <m:t>∞</m:t>
+                        </m:r>
+                      </m:sup>
+                      <m:e>
+                        <m:sSup>
+                          <m:sSupPr>
+                            <m:ctrlPr>
+                              <a:rPr lang="en-US" altLang="ja-JP" i="1">
+                                <a:latin typeface="Cambria Math" panose="02040503050406030204" pitchFamily="18" charset="0"/>
+                                <a:ea typeface="Cambria Math" panose="02040503050406030204" pitchFamily="18" charset="0"/>
+                              </a:rPr>
+                            </m:ctrlPr>
+                          </m:sSupPr>
+                          <m:e>
+                            <m:r>
+                              <a:rPr lang="en-US" altLang="ja-JP" i="1">
+                                <a:latin typeface="Cambria Math" panose="02040503050406030204" pitchFamily="18" charset="0"/>
+                                <a:ea typeface="Cambria Math" panose="02040503050406030204" pitchFamily="18" charset="0"/>
+                              </a:rPr>
+                              <m:t>𝑒</m:t>
+                            </m:r>
+                          </m:e>
+                          <m:sup>
+                            <m:r>
+                              <a:rPr lang="en-US" altLang="ja-JP" i="1">
+                                <a:latin typeface="Cambria Math" panose="02040503050406030204" pitchFamily="18" charset="0"/>
+                                <a:ea typeface="Cambria Math" panose="02040503050406030204" pitchFamily="18" charset="0"/>
+                              </a:rPr>
+                              <m:t>−</m:t>
+                            </m:r>
+                            <m:r>
+                              <a:rPr lang="en-US" altLang="ja-JP" i="1">
+                                <a:latin typeface="Cambria Math" panose="02040503050406030204" pitchFamily="18" charset="0"/>
+                                <a:ea typeface="Cambria Math" panose="02040503050406030204" pitchFamily="18" charset="0"/>
+                              </a:rPr>
+                              <m:t>𝛼</m:t>
+                            </m:r>
+                            <m:r>
+                              <a:rPr lang="en-US" altLang="ja-JP" i="1">
+                                <a:latin typeface="Cambria Math" panose="02040503050406030204" pitchFamily="18" charset="0"/>
+                                <a:ea typeface="Cambria Math" panose="02040503050406030204" pitchFamily="18" charset="0"/>
+                              </a:rPr>
+                              <m:t>𝑡</m:t>
+                            </m:r>
+                          </m:sup>
+                        </m:sSup>
+                        <m:r>
+                          <a:rPr lang="en-US" altLang="ja-JP" i="1">
+                            <a:latin typeface="Cambria Math" panose="02040503050406030204" pitchFamily="18" charset="0"/>
+                            <a:ea typeface="Cambria Math" panose="02040503050406030204" pitchFamily="18" charset="0"/>
+                          </a:rPr>
+                          <m:t>𝛽</m:t>
+                        </m:r>
+                        <m:sSub>
+                          <m:sSubPr>
+                            <m:ctrlPr>
+                              <a:rPr lang="en-US" altLang="ja-JP" i="1">
+                                <a:latin typeface="Cambria Math" panose="02040503050406030204" pitchFamily="18" charset="0"/>
+                                <a:ea typeface="Cambria Math" panose="02040503050406030204" pitchFamily="18" charset="0"/>
+                              </a:rPr>
+                            </m:ctrlPr>
+                          </m:sSubPr>
+                          <m:e>
+                            <m:r>
+                              <a:rPr lang="en-US" altLang="ja-JP" i="1">
+                                <a:latin typeface="Cambria Math" panose="02040503050406030204" pitchFamily="18" charset="0"/>
+                                <a:ea typeface="Cambria Math" panose="02040503050406030204" pitchFamily="18" charset="0"/>
+                              </a:rPr>
+                              <m:t>𝛿</m:t>
+                            </m:r>
+                          </m:e>
+                          <m:sub>
+                            <m:r>
+                              <a:rPr lang="en-US" altLang="ja-JP" i="1">
+                                <a:latin typeface="Cambria Math" panose="02040503050406030204" pitchFamily="18" charset="0"/>
+                                <a:ea typeface="Cambria Math" panose="02040503050406030204" pitchFamily="18" charset="0"/>
+                              </a:rPr>
+                              <m:t>𝑐</m:t>
+                            </m:r>
+                          </m:sub>
+                        </m:sSub>
+                        <m:d>
+                          <m:dPr>
+                            <m:ctrlPr>
+                              <a:rPr lang="en-US" altLang="ja-JP" i="1">
+                                <a:latin typeface="Cambria Math" panose="02040503050406030204" pitchFamily="18" charset="0"/>
+                                <a:ea typeface="Cambria Math" panose="02040503050406030204" pitchFamily="18" charset="0"/>
+                              </a:rPr>
+                            </m:ctrlPr>
+                          </m:dPr>
+                          <m:e>
+                            <m:r>
+                              <a:rPr lang="en-US" altLang="ja-JP" i="1">
+                                <a:latin typeface="Cambria Math" panose="02040503050406030204" pitchFamily="18" charset="0"/>
+                                <a:ea typeface="Cambria Math" panose="02040503050406030204" pitchFamily="18" charset="0"/>
+                              </a:rPr>
+                              <m:t>𝑡</m:t>
+                            </m:r>
+                          </m:e>
+                        </m:d>
+                        <m:r>
+                          <a:rPr lang="en-US" altLang="ja-JP" b="0" i="1" smtClean="0">
+                            <a:latin typeface="Cambria Math" panose="02040503050406030204" pitchFamily="18" charset="0"/>
+                            <a:ea typeface="Cambria Math" panose="02040503050406030204" pitchFamily="18" charset="0"/>
+                          </a:rPr>
+                          <m:t>𝑑𝑡</m:t>
+                        </m:r>
+                      </m:e>
+                    </m:nary>
+                    <m:r>
+                      <a:rPr lang="en-US" altLang="ja-JP" b="0" i="1" smtClean="0">
+                        <a:latin typeface="Cambria Math" panose="02040503050406030204" pitchFamily="18" charset="0"/>
+                        <a:ea typeface="Cambria Math" panose="02040503050406030204" pitchFamily="18" charset="0"/>
+                      </a:rPr>
+                      <m:t>=</m:t>
+                    </m:r>
+                    <m:nary>
+                      <m:naryPr>
+                        <m:chr m:val="∑"/>
+                        <m:limLoc m:val="subSup"/>
+                        <m:supHide m:val="on"/>
+                        <m:ctrlPr>
+                          <a:rPr lang="en-US" altLang="ja-JP" b="0" i="1" smtClean="0">
+                            <a:latin typeface="Cambria Math" panose="02040503050406030204" pitchFamily="18" charset="0"/>
+                            <a:ea typeface="Cambria Math" panose="02040503050406030204" pitchFamily="18" charset="0"/>
+                          </a:rPr>
+                        </m:ctrlPr>
+                      </m:naryPr>
+                      <m:sub>
+                        <m:r>
+                          <a:rPr lang="en-US" altLang="ja-JP" b="0" i="1" smtClean="0">
+                            <a:latin typeface="Cambria Math" panose="02040503050406030204" pitchFamily="18" charset="0"/>
+                            <a:ea typeface="Cambria Math" panose="02040503050406030204" pitchFamily="18" charset="0"/>
+                          </a:rPr>
+                          <m:t>𝑡</m:t>
+                        </m:r>
+                        <m:r>
+                          <a:rPr lang="en-US" altLang="ja-JP" b="0" i="1" smtClean="0">
+                            <a:latin typeface="Cambria Math" panose="02040503050406030204" pitchFamily="18" charset="0"/>
+                            <a:ea typeface="Cambria Math" panose="02040503050406030204" pitchFamily="18" charset="0"/>
+                          </a:rPr>
+                          <m:t>∈</m:t>
+                        </m:r>
+                        <m:r>
+                          <a:rPr lang="en-US" altLang="ja-JP" b="0" i="1" smtClean="0">
+                            <a:solidFill>
+                              <a:schemeClr val="accent1"/>
+                            </a:solidFill>
+                            <a:latin typeface="Cambria Math" panose="02040503050406030204" pitchFamily="18" charset="0"/>
+                            <a:ea typeface="Cambria Math" panose="02040503050406030204" pitchFamily="18" charset="0"/>
+                          </a:rPr>
+                          <m:t>𝐶</m:t>
+                        </m:r>
+                      </m:sub>
+                      <m:sup/>
+                      <m:e>
+                        <m:sSup>
+                          <m:sSupPr>
+                            <m:ctrlPr>
+                              <a:rPr lang="en-US" altLang="ja-JP" i="1">
+                                <a:latin typeface="Cambria Math" panose="02040503050406030204" pitchFamily="18" charset="0"/>
+                                <a:ea typeface="Cambria Math" panose="02040503050406030204" pitchFamily="18" charset="0"/>
+                              </a:rPr>
+                            </m:ctrlPr>
+                          </m:sSupPr>
+                          <m:e>
+                            <m:r>
+                              <a:rPr lang="en-US" altLang="ja-JP" i="1">
+                                <a:latin typeface="Cambria Math" panose="02040503050406030204" pitchFamily="18" charset="0"/>
+                                <a:ea typeface="Cambria Math" panose="02040503050406030204" pitchFamily="18" charset="0"/>
+                              </a:rPr>
+                              <m:t>𝑒</m:t>
+                            </m:r>
+                          </m:e>
+                          <m:sup>
+                            <m:r>
+                              <a:rPr lang="en-US" altLang="ja-JP" i="1">
+                                <a:latin typeface="Cambria Math" panose="02040503050406030204" pitchFamily="18" charset="0"/>
+                                <a:ea typeface="Cambria Math" panose="02040503050406030204" pitchFamily="18" charset="0"/>
+                              </a:rPr>
+                              <m:t>−</m:t>
+                            </m:r>
+                            <m:r>
+                              <a:rPr lang="en-US" altLang="ja-JP" i="1">
+                                <a:latin typeface="Cambria Math" panose="02040503050406030204" pitchFamily="18" charset="0"/>
+                                <a:ea typeface="Cambria Math" panose="02040503050406030204" pitchFamily="18" charset="0"/>
+                              </a:rPr>
+                              <m:t>𝛼</m:t>
+                            </m:r>
+                            <m:sSub>
+                              <m:sSubPr>
+                                <m:ctrlPr>
+                                  <a:rPr lang="en-US" altLang="ja-JP" i="1">
+                                    <a:latin typeface="Cambria Math" panose="02040503050406030204" pitchFamily="18" charset="0"/>
+                                    <a:ea typeface="Cambria Math" panose="02040503050406030204" pitchFamily="18" charset="0"/>
+                                  </a:rPr>
+                                </m:ctrlPr>
+                              </m:sSubPr>
+                              <m:e>
+                                <m:r>
+                                  <a:rPr lang="en-US" altLang="ja-JP" i="1">
+                                    <a:latin typeface="Cambria Math" panose="02040503050406030204" pitchFamily="18" charset="0"/>
+                                    <a:ea typeface="Cambria Math" panose="02040503050406030204" pitchFamily="18" charset="0"/>
+                                  </a:rPr>
+                                  <m:t>𝑡</m:t>
+                                </m:r>
+                              </m:e>
+                              <m:sub>
+                                <m:r>
+                                  <a:rPr lang="en-US" altLang="ja-JP" i="1">
+                                    <a:latin typeface="Cambria Math" panose="02040503050406030204" pitchFamily="18" charset="0"/>
+                                    <a:ea typeface="Cambria Math" panose="02040503050406030204" pitchFamily="18" charset="0"/>
+                                  </a:rPr>
+                                  <m:t>𝑖</m:t>
+                                </m:r>
+                              </m:sub>
+                            </m:sSub>
+                          </m:sup>
+                        </m:sSup>
+                        <m:r>
+                          <a:rPr lang="en-US" altLang="ja-JP" i="1">
+                            <a:latin typeface="Cambria Math" panose="02040503050406030204" pitchFamily="18" charset="0"/>
+                            <a:ea typeface="Cambria Math" panose="02040503050406030204" pitchFamily="18" charset="0"/>
+                          </a:rPr>
+                          <m:t>𝛽</m:t>
+                        </m:r>
+                      </m:e>
+                    </m:nary>
+                  </m:oMath>
+                </a14:m>
+                <a:r>
+                  <a:rPr kumimoji="1" lang="en-US" altLang="ja-JP" dirty="0"/>
+                  <a:t> </a:t>
+                </a:r>
+                <a:r>
+                  <a:rPr kumimoji="1" lang="en-US" altLang="ja-JP" sz="1800" dirty="0"/>
+                  <a:t>(</a:t>
+                </a:r>
+                <a14:m>
+                  <m:oMath xmlns:m="http://schemas.openxmlformats.org/officeDocument/2006/math">
+                    <m:r>
+                      <a:rPr kumimoji="1" lang="en-US" altLang="ja-JP" sz="1800" b="0" i="1" dirty="0" smtClean="0">
+                        <a:solidFill>
+                          <a:schemeClr val="accent1"/>
+                        </a:solidFill>
+                        <a:latin typeface="Cambria Math" panose="02040503050406030204" pitchFamily="18" charset="0"/>
+                      </a:rPr>
+                      <m:t>𝐶</m:t>
+                    </m:r>
+                  </m:oMath>
+                </a14:m>
+                <a:r>
+                  <a:rPr kumimoji="1" lang="ja-JP" altLang="en-US" sz="1800" dirty="0"/>
+                  <a:t>は通信</a:t>
+                </a:r>
+                <a:r>
+                  <a:rPr kumimoji="1" lang="ja-JP" altLang="en-US" sz="1800"/>
+                  <a:t>した時刻の集合</a:t>
+                </a:r>
+                <a:r>
+                  <a:rPr kumimoji="1" lang="en-US" altLang="ja-JP" sz="1800" dirty="0"/>
+                  <a:t>)</a:t>
+                </a:r>
+              </a:p>
+              <a:p>
+                <a:pPr lvl="1">
+                  <a:lnSpc>
+                    <a:spcPct val="120000"/>
+                  </a:lnSpc>
+                </a:pPr>
                 <a14:m>
                   <m:oMath xmlns:m="http://schemas.openxmlformats.org/officeDocument/2006/math">
                     <m:r>
@@ -17959,206 +18327,8 @@
                         <a:latin typeface="Cambria Math" panose="02040503050406030204" pitchFamily="18" charset="0"/>
                         <a:ea typeface="Cambria Math" panose="02040503050406030204" pitchFamily="18" charset="0"/>
                       </a:rPr>
-                      <m:t>𝑡</m:t>
+                      <m:t>𝜋</m:t>
                     </m:r>
-                  </m:oMath>
-                </a14:m>
-                <a:r>
-                  <a:rPr kumimoji="1" lang="ja-JP" altLang="en-US"/>
-                  <a:t>において通信をしたかどうかの</a:t>
-                </a:r>
-                <a:r>
-                  <a:rPr kumimoji="1" lang="en-US" altLang="ja-JP" dirty="0"/>
-                  <a:t>0,1</a:t>
-                </a:r>
-                <a:r>
-                  <a:rPr kumimoji="1" lang="ja-JP" altLang="en-US"/>
-                  <a:t>変数</a:t>
-                </a:r>
-                <a:endParaRPr kumimoji="1" lang="en-US" altLang="ja-JP" dirty="0"/>
-              </a:p>
-              <a:p>
-                <a:pPr lvl="1"/>
-                <a14:m>
-                  <m:oMath xmlns:m="http://schemas.openxmlformats.org/officeDocument/2006/math">
-                    <m:sSub>
-                      <m:sSubPr>
-                        <m:ctrlPr>
-                          <a:rPr lang="en-US" altLang="ja-JP" i="1">
-                            <a:latin typeface="Cambria Math" panose="02040503050406030204" pitchFamily="18" charset="0"/>
-                            <a:ea typeface="Cambria Math" panose="02040503050406030204" pitchFamily="18" charset="0"/>
-                          </a:rPr>
-                        </m:ctrlPr>
-                      </m:sSubPr>
-                      <m:e>
-                        <m:r>
-                          <a:rPr lang="en-US" altLang="ja-JP" i="1">
-                            <a:latin typeface="Cambria Math" panose="02040503050406030204" pitchFamily="18" charset="0"/>
-                            <a:ea typeface="Cambria Math" panose="02040503050406030204" pitchFamily="18" charset="0"/>
-                          </a:rPr>
-                          <m:t>𝜋</m:t>
-                        </m:r>
-                      </m:e>
-                      <m:sub>
-                        <m:r>
-                          <a:rPr lang="en-US" altLang="ja-JP" i="1">
-                            <a:latin typeface="Cambria Math" panose="02040503050406030204" pitchFamily="18" charset="0"/>
-                            <a:ea typeface="Cambria Math" panose="02040503050406030204" pitchFamily="18" charset="0"/>
-                          </a:rPr>
-                          <m:t>𝜃</m:t>
-                        </m:r>
-                      </m:sub>
-                    </m:sSub>
-                    <m:r>
-                      <a:rPr lang="en-US" altLang="ja-JP" b="0" i="1" smtClean="0">
-                        <a:latin typeface="Cambria Math" panose="02040503050406030204" pitchFamily="18" charset="0"/>
-                        <a:ea typeface="Cambria Math" panose="02040503050406030204" pitchFamily="18" charset="0"/>
-                      </a:rPr>
-                      <m:t>(</m:t>
-                    </m:r>
-                    <m:r>
-                      <a:rPr lang="en-US" altLang="ja-JP" b="0" i="1" smtClean="0">
-                        <a:latin typeface="Cambria Math" panose="02040503050406030204" pitchFamily="18" charset="0"/>
-                        <a:ea typeface="Cambria Math" panose="02040503050406030204" pitchFamily="18" charset="0"/>
-                      </a:rPr>
-                      <m:t>𝑠</m:t>
-                    </m:r>
-                    <m:r>
-                      <a:rPr lang="en-US" altLang="ja-JP" b="0" i="1" smtClean="0">
-                        <a:latin typeface="Cambria Math" panose="02040503050406030204" pitchFamily="18" charset="0"/>
-                        <a:ea typeface="Cambria Math" panose="02040503050406030204" pitchFamily="18" charset="0"/>
-                      </a:rPr>
-                      <m:t>)</m:t>
-                    </m:r>
-                  </m:oMath>
-                </a14:m>
-                <a:r>
-                  <a:rPr kumimoji="1" lang="en-US" altLang="ja-JP" dirty="0"/>
-                  <a:t>: </a:t>
-                </a:r>
-                <a14:m>
-                  <m:oMath xmlns:m="http://schemas.openxmlformats.org/officeDocument/2006/math">
-                    <m:r>
-                      <a:rPr lang="en-US" altLang="ja-JP" i="1">
-                        <a:latin typeface="Cambria Math" panose="02040503050406030204" pitchFamily="18" charset="0"/>
-                        <a:ea typeface="Cambria Math" panose="02040503050406030204" pitchFamily="18" charset="0"/>
-                      </a:rPr>
-                      <m:t>𝜃</m:t>
-                    </m:r>
-                  </m:oMath>
-                </a14:m>
-                <a:r>
-                  <a:rPr kumimoji="1" lang="ja-JP" altLang="en-US" dirty="0"/>
-                  <a:t>で</a:t>
-                </a:r>
-                <a:r>
-                  <a:rPr kumimoji="1" lang="ja-JP" altLang="en-US"/>
-                  <a:t>パラメトライズされた状態フィードバック制御則</a:t>
-                </a:r>
-                <a:endParaRPr kumimoji="1" lang="en-US" altLang="ja-JP" dirty="0"/>
-              </a:p>
-              <a:p>
-                <a:pPr lvl="1"/>
-                <a14:m>
-                  <m:oMath xmlns:m="http://schemas.openxmlformats.org/officeDocument/2006/math">
-                    <m:r>
-                      <a:rPr lang="en-US" altLang="ja-JP" i="1" smtClean="0">
-                        <a:latin typeface="Cambria Math" panose="02040503050406030204" pitchFamily="18" charset="0"/>
-                        <a:ea typeface="Cambria Math" panose="02040503050406030204" pitchFamily="18" charset="0"/>
-                      </a:rPr>
-                      <m:t>𝑢</m:t>
-                    </m:r>
-                    <m:d>
-                      <m:dPr>
-                        <m:ctrlPr>
-                          <a:rPr lang="en-US" altLang="ja-JP" i="1">
-                            <a:latin typeface="Cambria Math" panose="02040503050406030204" pitchFamily="18" charset="0"/>
-                            <a:ea typeface="Cambria Math" panose="02040503050406030204" pitchFamily="18" charset="0"/>
-                          </a:rPr>
-                        </m:ctrlPr>
-                      </m:dPr>
-                      <m:e>
-                        <m:r>
-                          <a:rPr lang="en-US" altLang="ja-JP" i="1">
-                            <a:latin typeface="Cambria Math" panose="02040503050406030204" pitchFamily="18" charset="0"/>
-                            <a:ea typeface="Cambria Math" panose="02040503050406030204" pitchFamily="18" charset="0"/>
-                          </a:rPr>
-                          <m:t>𝑡</m:t>
-                        </m:r>
-                      </m:e>
-                    </m:d>
-                  </m:oMath>
-                </a14:m>
-                <a:r>
-                  <a:rPr kumimoji="1" lang="en-US" altLang="ja-JP" dirty="0"/>
-                  <a:t>, </a:t>
-                </a:r>
-                <a14:m>
-                  <m:oMath xmlns:m="http://schemas.openxmlformats.org/officeDocument/2006/math">
-                    <m:r>
-                      <a:rPr lang="en-US" altLang="ja-JP" i="1">
-                        <a:latin typeface="Cambria Math" panose="02040503050406030204" pitchFamily="18" charset="0"/>
-                        <a:ea typeface="Cambria Math" panose="02040503050406030204" pitchFamily="18" charset="0"/>
-                      </a:rPr>
-                      <m:t>𝐶</m:t>
-                    </m:r>
-                    <m:r>
-                      <a:rPr lang="en-US" altLang="ja-JP" i="1">
-                        <a:latin typeface="Cambria Math" panose="02040503050406030204" pitchFamily="18" charset="0"/>
-                        <a:ea typeface="Cambria Math" panose="02040503050406030204" pitchFamily="18" charset="0"/>
-                      </a:rPr>
-                      <m:t>(</m:t>
-                    </m:r>
-                    <m:r>
-                      <a:rPr lang="en-US" altLang="ja-JP" i="1">
-                        <a:latin typeface="Cambria Math" panose="02040503050406030204" pitchFamily="18" charset="0"/>
-                        <a:ea typeface="Cambria Math" panose="02040503050406030204" pitchFamily="18" charset="0"/>
-                      </a:rPr>
-                      <m:t>𝑡</m:t>
-                    </m:r>
-                    <m:r>
-                      <a:rPr lang="en-US" altLang="ja-JP" i="1">
-                        <a:latin typeface="Cambria Math" panose="02040503050406030204" pitchFamily="18" charset="0"/>
-                        <a:ea typeface="Cambria Math" panose="02040503050406030204" pitchFamily="18" charset="0"/>
-                      </a:rPr>
-                      <m:t>)</m:t>
-                    </m:r>
-                  </m:oMath>
-                </a14:m>
-                <a:r>
-                  <a:rPr lang="ja-JP" altLang="en-US" dirty="0"/>
-                  <a:t>は方策</a:t>
-                </a:r>
-                <a14:m>
-                  <m:oMath xmlns:m="http://schemas.openxmlformats.org/officeDocument/2006/math">
-                    <m:sSub>
-                      <m:sSubPr>
-                        <m:ctrlPr>
-                          <a:rPr lang="en-US" altLang="ja-JP" i="1">
-                            <a:latin typeface="Cambria Math" panose="02040503050406030204" pitchFamily="18" charset="0"/>
-                            <a:ea typeface="Cambria Math" panose="02040503050406030204" pitchFamily="18" charset="0"/>
-                          </a:rPr>
-                        </m:ctrlPr>
-                      </m:sSubPr>
-                      <m:e>
-                        <m:r>
-                          <a:rPr lang="en-US" altLang="ja-JP" i="1">
-                            <a:latin typeface="Cambria Math" panose="02040503050406030204" pitchFamily="18" charset="0"/>
-                            <a:ea typeface="Cambria Math" panose="02040503050406030204" pitchFamily="18" charset="0"/>
-                          </a:rPr>
-                          <m:t>𝜋</m:t>
-                        </m:r>
-                      </m:e>
-                      <m:sub>
-                        <m:r>
-                          <a:rPr lang="en-US" altLang="ja-JP" i="1">
-                            <a:latin typeface="Cambria Math" panose="02040503050406030204" pitchFamily="18" charset="0"/>
-                            <a:ea typeface="Cambria Math" panose="02040503050406030204" pitchFamily="18" charset="0"/>
-                          </a:rPr>
-                          <m:t>𝜃</m:t>
-                        </m:r>
-                      </m:sub>
-                    </m:sSub>
                     <m:d>
                       <m:dPr>
                         <m:ctrlPr>
@@ -18181,73 +18351,64 @@
                   </m:oMath>
                 </a14:m>
                 <a:r>
+                  <a:rPr kumimoji="1" lang="en-US" altLang="ja-JP" dirty="0"/>
+                  <a:t>: </a:t>
+                </a:r>
+                <a:r>
+                  <a:rPr kumimoji="1" lang="ja-JP" altLang="en-US"/>
+                  <a:t>セルフトリ</a:t>
+                </a:r>
+                <a:r>
                   <a:rPr lang="ja-JP" altLang="en-US"/>
-                  <a:t>に依存</a:t>
-                </a:r>
-                <a:endParaRPr lang="en-US" altLang="ja-JP" dirty="0"/>
-              </a:p>
-              <a:p>
-                <a:pPr lvl="1"/>
+                  <a:t>ガー</a:t>
+                </a:r>
+                <a:r>
+                  <a:rPr kumimoji="1" lang="ja-JP" altLang="en-US"/>
+                  <a:t>制御則</a:t>
+                </a:r>
+                <a:r>
+                  <a:rPr lang="en-US" altLang="ja-JP" dirty="0"/>
+                  <a:t>,</a:t>
+                </a:r>
+                <a:r>
+                  <a:rPr kumimoji="1" lang="en-US" altLang="ja-JP" dirty="0"/>
+                  <a:t> </a:t>
+                </a:r>
+                <a:r>
+                  <a:rPr kumimoji="1" lang="ja-JP" altLang="en-US"/>
+                  <a:t>入力</a:t>
+                </a:r>
                 <a14:m>
                   <m:oMath xmlns:m="http://schemas.openxmlformats.org/officeDocument/2006/math">
                     <m:r>
-                      <a:rPr lang="en-US" altLang="ja-JP" i="1">
+                      <a:rPr kumimoji="1" lang="en-US" altLang="ja-JP" b="0" i="1" smtClean="0">
                         <a:latin typeface="Cambria Math" panose="02040503050406030204" pitchFamily="18" charset="0"/>
-                        <a:ea typeface="Cambria Math" panose="02040503050406030204" pitchFamily="18" charset="0"/>
                       </a:rPr>
-                      <m:t>𝛼</m:t>
-                    </m:r>
-                    <m:r>
-                      <a:rPr lang="en-US" altLang="ja-JP" b="0" i="1" smtClean="0">
-                        <a:latin typeface="Cambria Math" panose="02040503050406030204" pitchFamily="18" charset="0"/>
-                        <a:ea typeface="Cambria Math" panose="02040503050406030204" pitchFamily="18" charset="0"/>
-                      </a:rPr>
-                      <m:t>,</m:t>
-                    </m:r>
-                    <m:r>
-                      <a:rPr lang="en-US" altLang="ja-JP" i="1">
-                        <a:latin typeface="Cambria Math" panose="02040503050406030204" pitchFamily="18" charset="0"/>
-                        <a:ea typeface="Cambria Math" panose="02040503050406030204" pitchFamily="18" charset="0"/>
-                      </a:rPr>
-                      <m:t>𝛽</m:t>
-                    </m:r>
-                    <m:r>
-                      <a:rPr lang="en-US" altLang="ja-JP" b="0" i="1" smtClean="0">
-                        <a:latin typeface="Cambria Math" panose="02040503050406030204" pitchFamily="18" charset="0"/>
-                        <a:ea typeface="Cambria Math" panose="02040503050406030204" pitchFamily="18" charset="0"/>
-                      </a:rPr>
-                      <m:t>,</m:t>
-                    </m:r>
-                    <m:r>
-                      <a:rPr lang="en-US" altLang="ja-JP" b="0" i="1" smtClean="0">
-                        <a:latin typeface="Cambria Math" panose="02040503050406030204" pitchFamily="18" charset="0"/>
-                        <a:ea typeface="Cambria Math" panose="02040503050406030204" pitchFamily="18" charset="0"/>
-                      </a:rPr>
-                      <m:t>𝐸</m:t>
-                    </m:r>
-                    <m:r>
-                      <a:rPr lang="en-US" altLang="ja-JP" b="0" i="1" smtClean="0">
-                        <a:latin typeface="Cambria Math" panose="02040503050406030204" pitchFamily="18" charset="0"/>
-                        <a:ea typeface="Cambria Math" panose="02040503050406030204" pitchFamily="18" charset="0"/>
-                      </a:rPr>
-                      <m:t>,</m:t>
-                    </m:r>
-                    <m:r>
-                      <a:rPr lang="en-US" altLang="ja-JP" b="0" i="1" smtClean="0">
-                        <a:latin typeface="Cambria Math" panose="02040503050406030204" pitchFamily="18" charset="0"/>
-                        <a:ea typeface="Cambria Math" panose="02040503050406030204" pitchFamily="18" charset="0"/>
-                      </a:rPr>
-                      <m:t>𝐹</m:t>
+                      <m:t>𝑢</m:t>
                     </m:r>
                   </m:oMath>
                 </a14:m>
                 <a:r>
-                  <a:rPr kumimoji="1" lang="en-US" altLang="ja-JP" dirty="0"/>
-                  <a:t>: </a:t>
+                  <a:rPr kumimoji="1" lang="ja-JP" altLang="en-US" dirty="0"/>
+                  <a:t>と</a:t>
                 </a:r>
                 <a:r>
                   <a:rPr kumimoji="1" lang="ja-JP" altLang="en-US"/>
-                  <a:t>ハイパーパラメータ</a:t>
+                  <a:t>通信間隔</a:t>
+                </a:r>
+                <a14:m>
+                  <m:oMath xmlns:m="http://schemas.openxmlformats.org/officeDocument/2006/math">
+                    <m:r>
+                      <a:rPr kumimoji="1" lang="ja-JP" altLang="en-US" i="1" smtClean="0">
+                        <a:latin typeface="Cambria Math" panose="02040503050406030204" pitchFamily="18" charset="0"/>
+                      </a:rPr>
+                      <m:t>𝜏</m:t>
+                    </m:r>
+                  </m:oMath>
+                </a14:m>
+                <a:r>
+                  <a:rPr kumimoji="1" lang="ja-JP" altLang="en-US" dirty="0"/>
+                  <a:t>を出力</a:t>
                 </a:r>
                 <a:endParaRPr kumimoji="1" lang="en-US" altLang="ja-JP" dirty="0"/>
               </a:p>
@@ -18294,7 +18455,7 @@
               <a:blipFill>
                 <a:blip r:embed="rId3"/>
                 <a:stretch>
-                  <a:fillRect l="-598" t="-1266" b="-2025"/>
+                  <a:fillRect l="-598" t="-1266"/>
                 </a:stretch>
               </a:blipFill>
             </p:spPr>
@@ -18384,10 +18545,10 @@
         </p:nvGrpSpPr>
         <p:grpSpPr>
           <a:xfrm>
-            <a:off x="578373" y="1622009"/>
-            <a:ext cx="7987254" cy="1783241"/>
+            <a:off x="578373" y="1515134"/>
+            <a:ext cx="7771425" cy="1783241"/>
             <a:chOff x="772732" y="1622899"/>
-            <a:chExt cx="7987254" cy="1783241"/>
+            <a:chExt cx="7771425" cy="1783241"/>
           </a:xfrm>
         </p:grpSpPr>
         <p:grpSp>
@@ -18405,9 +18566,9 @@
           <p:grpSpPr>
             <a:xfrm>
               <a:off x="916300" y="1769179"/>
-              <a:ext cx="7843686" cy="1132717"/>
+              <a:ext cx="7627857" cy="1132717"/>
               <a:chOff x="1411042" y="1781897"/>
-              <a:chExt cx="7843686" cy="1132717"/>
+              <a:chExt cx="7627857" cy="1132717"/>
             </a:xfrm>
           </p:grpSpPr>
           <mc:AlternateContent xmlns:mc="http://schemas.openxmlformats.org/markup-compatibility/2006" xmlns:a14="http://schemas.microsoft.com/office/drawing/2010/main">
@@ -18427,7 +18588,7 @@
                 <p:spPr>
                   <a:xfrm>
                     <a:off x="1423921" y="1781897"/>
-                    <a:ext cx="2113399" cy="453009"/>
+                    <a:ext cx="2015424" cy="452945"/>
                   </a:xfrm>
                   <a:prstGeom prst="rect">
                     <a:avLst/>
@@ -18450,7 +18611,7 @@
                           <m:func>
                             <m:funcPr>
                               <m:ctrlPr>
-                                <a:rPr kumimoji="1" lang="en" altLang="ja-JP" i="1" smtClean="0">
+                                <a:rPr kumimoji="1" lang="en" altLang="ja-JP" i="1">
                                   <a:latin typeface="Cambria Math" panose="02040503050406030204" pitchFamily="18" charset="0"/>
                                 </a:rPr>
                               </m:ctrlPr>
@@ -18459,7 +18620,7 @@
                               <m:limLow>
                                 <m:limLowPr>
                                   <m:ctrlPr>
-                                    <a:rPr kumimoji="1" lang="en" altLang="ja-JP" i="1" smtClean="0">
+                                    <a:rPr kumimoji="1" lang="en" altLang="ja-JP" i="1">
                                       <a:latin typeface="Cambria Math" panose="02040503050406030204" pitchFamily="18" charset="0"/>
                                     </a:rPr>
                                   </m:ctrlPr>
@@ -18469,7 +18630,7 @@
                                     <m:rPr>
                                       <m:sty m:val="p"/>
                                     </m:rPr>
-                                    <a:rPr kumimoji="1" lang="en" altLang="ja-JP" i="0" smtClean="0">
+                                    <a:rPr kumimoji="1" lang="en" altLang="ja-JP">
                                       <a:latin typeface="Cambria Math" panose="02040503050406030204" pitchFamily="18" charset="0"/>
                                     </a:rPr>
                                     <m:t>min</m:t>
@@ -18477,18 +18638,18 @@
                                 </m:e>
                                 <m:lim>
                                   <m:r>
-                                    <a:rPr kumimoji="1" lang="en" altLang="ja-JP" i="1" smtClean="0">
+                                    <a:rPr kumimoji="1" lang="en-US" altLang="ja-JP" i="1">
                                       <a:latin typeface="Cambria Math" panose="02040503050406030204" pitchFamily="18" charset="0"/>
                                       <a:ea typeface="Cambria Math" panose="02040503050406030204" pitchFamily="18" charset="0"/>
                                     </a:rPr>
-                                    <m:t>𝜃</m:t>
+                                    <m:t>𝜋</m:t>
                                   </m:r>
                                 </m:lim>
                               </m:limLow>
                             </m:fName>
                             <m:e>
                               <m:r>
-                                <a:rPr kumimoji="1" lang="en-US" altLang="ja-JP" b="0" i="1" smtClean="0">
+                                <a:rPr kumimoji="1" lang="en-US" altLang="ja-JP" i="1">
                                   <a:latin typeface="Cambria Math" panose="02040503050406030204" pitchFamily="18" charset="0"/>
                                   <a:ea typeface="Cambria Math" panose="02040503050406030204" pitchFamily="18" charset="0"/>
                                 </a:rPr>
@@ -18497,7 +18658,7 @@
                               <m:sSub>
                                 <m:sSubPr>
                                   <m:ctrlPr>
-                                    <a:rPr kumimoji="1" lang="en" altLang="ja-JP" i="1" smtClean="0">
+                                    <a:rPr kumimoji="1" lang="en" altLang="ja-JP" i="1">
                                       <a:latin typeface="Cambria Math" panose="02040503050406030204" pitchFamily="18" charset="0"/>
                                       <a:ea typeface="Cambria Math" panose="02040503050406030204" pitchFamily="18" charset="0"/>
                                     </a:rPr>
@@ -18505,7 +18666,7 @@
                                 </m:sSubPr>
                                 <m:e>
                                   <m:r>
-                                    <a:rPr kumimoji="1" lang="en" altLang="ja-JP" i="1" smtClean="0">
+                                    <a:rPr kumimoji="1" lang="en" altLang="ja-JP" i="1">
                                       <a:latin typeface="Cambria Math" panose="02040503050406030204" pitchFamily="18" charset="0"/>
                                       <a:ea typeface="Cambria Math" panose="02040503050406030204" pitchFamily="18" charset="0"/>
                                     </a:rPr>
@@ -18514,14 +18675,14 @@
                                 </m:e>
                                 <m:sub>
                                   <m:r>
-                                    <a:rPr kumimoji="1" lang="en-US" altLang="ja-JP" b="0" i="1" smtClean="0">
+                                    <a:rPr kumimoji="1" lang="en-US" altLang="ja-JP" i="1">
                                       <a:latin typeface="Cambria Math" panose="02040503050406030204" pitchFamily="18" charset="0"/>
                                       <a:ea typeface="Cambria Math" panose="02040503050406030204" pitchFamily="18" charset="0"/>
                                     </a:rPr>
                                     <m:t>𝑠</m:t>
                                   </m:r>
                                   <m:r>
-                                    <a:rPr kumimoji="1" lang="en-US" altLang="ja-JP" b="0" i="1" smtClean="0">
+                                    <a:rPr kumimoji="1" lang="en-US" altLang="ja-JP" i="1">
                                       <a:latin typeface="Cambria Math" panose="02040503050406030204" pitchFamily="18" charset="0"/>
                                       <a:ea typeface="Cambria Math" panose="02040503050406030204" pitchFamily="18" charset="0"/>
                                     </a:rPr>
@@ -18530,7 +18691,7 @@
                                   <m:sSub>
                                     <m:sSubPr>
                                       <m:ctrlPr>
-                                        <a:rPr kumimoji="1" lang="en-US" altLang="ja-JP" b="0" i="1" smtClean="0">
+                                        <a:rPr kumimoji="1" lang="en-US" altLang="ja-JP" i="1">
                                           <a:latin typeface="Cambria Math" panose="02040503050406030204" pitchFamily="18" charset="0"/>
                                           <a:ea typeface="Cambria Math" panose="02040503050406030204" pitchFamily="18" charset="0"/>
                                         </a:rPr>
@@ -18538,7 +18699,7 @@
                                     </m:sSubPr>
                                     <m:e>
                                       <m:r>
-                                        <a:rPr kumimoji="1" lang="en-US" altLang="ja-JP" b="0" i="1" smtClean="0">
+                                        <a:rPr kumimoji="1" lang="en-US" altLang="ja-JP" i="1">
                                           <a:latin typeface="Cambria Math" panose="02040503050406030204" pitchFamily="18" charset="0"/>
                                           <a:ea typeface="Cambria Math" panose="02040503050406030204" pitchFamily="18" charset="0"/>
                                         </a:rPr>
@@ -18547,7 +18708,7 @@
                                     </m:e>
                                     <m:sub>
                                       <m:r>
-                                        <a:rPr kumimoji="1" lang="en-US" altLang="ja-JP" b="0" i="1" smtClean="0">
+                                        <a:rPr kumimoji="1" lang="en-US" altLang="ja-JP" i="1">
                                           <a:latin typeface="Cambria Math" panose="02040503050406030204" pitchFamily="18" charset="0"/>
                                           <a:ea typeface="Cambria Math" panose="02040503050406030204" pitchFamily="18" charset="0"/>
                                         </a:rPr>
@@ -18558,7 +18719,7 @@
                                 </m:sub>
                               </m:sSub>
                               <m:r>
-                                <a:rPr kumimoji="1" lang="en-US" altLang="ja-JP" b="0" i="1" smtClean="0">
+                                <a:rPr kumimoji="1" lang="en-US" altLang="ja-JP" i="1">
                                   <a:latin typeface="Cambria Math" panose="02040503050406030204" pitchFamily="18" charset="0"/>
                                   <a:ea typeface="Cambria Math" panose="02040503050406030204" pitchFamily="18" charset="0"/>
                                 </a:rPr>
@@ -18583,34 +18744,13 @@
                                   </m:r>
                                 </m:e>
                                 <m:sup>
-                                  <m:sSub>
-                                    <m:sSubPr>
-                                      <m:ctrlPr>
-                                        <a:rPr kumimoji="1" lang="en-US" altLang="ja-JP" i="1">
-                                          <a:latin typeface="Cambria Math" panose="02040503050406030204" pitchFamily="18" charset="0"/>
-                                          <a:ea typeface="Cambria Math" panose="02040503050406030204" pitchFamily="18" charset="0"/>
-                                        </a:rPr>
-                                      </m:ctrlPr>
-                                    </m:sSubPr>
-                                    <m:e>
-                                      <m:r>
-                                        <a:rPr kumimoji="1" lang="en-US" altLang="ja-JP" i="1">
-                                          <a:latin typeface="Cambria Math" panose="02040503050406030204" pitchFamily="18" charset="0"/>
-                                          <a:ea typeface="Cambria Math" panose="02040503050406030204" pitchFamily="18" charset="0"/>
-                                        </a:rPr>
-                                        <m:t>𝜋</m:t>
-                                      </m:r>
-                                    </m:e>
-                                    <m:sub>
-                                      <m:r>
-                                        <a:rPr kumimoji="1" lang="en-US" altLang="ja-JP" i="1">
-                                          <a:latin typeface="Cambria Math" panose="02040503050406030204" pitchFamily="18" charset="0"/>
-                                          <a:ea typeface="Cambria Math" panose="02040503050406030204" pitchFamily="18" charset="0"/>
-                                        </a:rPr>
-                                        <m:t>𝜃</m:t>
-                                      </m:r>
-                                    </m:sub>
-                                  </m:sSub>
+                                  <m:r>
+                                    <a:rPr kumimoji="1" lang="en-US" altLang="ja-JP" i="1">
+                                      <a:latin typeface="Cambria Math" panose="02040503050406030204" pitchFamily="18" charset="0"/>
+                                      <a:ea typeface="Cambria Math" panose="02040503050406030204" pitchFamily="18" charset="0"/>
+                                    </a:rPr>
+                                    <m:t>𝜋</m:t>
+                                  </m:r>
                                 </m:sup>
                               </m:sSup>
                               <m:d>
@@ -18633,7 +18773,7 @@
                                 </m:e>
                               </m:d>
                               <m:r>
-                                <a:rPr kumimoji="1" lang="en-US" altLang="ja-JP" b="0" i="1" smtClean="0">
+                                <a:rPr kumimoji="1" lang="en-US" altLang="ja-JP" i="1">
                                   <a:latin typeface="Cambria Math" panose="02040503050406030204" pitchFamily="18" charset="0"/>
                                   <a:ea typeface="Cambria Math" panose="02040503050406030204" pitchFamily="18" charset="0"/>
                                 </a:rPr>
@@ -18652,10 +18792,10 @@
             <mc:Fallback xmlns="">
               <p:sp>
                 <p:nvSpPr>
-                  <p:cNvPr id="7" name="テキスト ボックス 6">
+                  <p:cNvPr id="9" name="テキスト ボックス 8">
                     <a:extLst>
                       <a:ext uri="{FF2B5EF4-FFF2-40B4-BE49-F238E27FC236}">
-                        <a16:creationId xmlns:a16="http://schemas.microsoft.com/office/drawing/2014/main" id="{3FE58397-BAFF-9E47-B347-7FFF0FE17BCB}"/>
+                        <a16:creationId xmlns:a16="http://schemas.microsoft.com/office/drawing/2014/main" id="{05313412-06A7-4049-9708-33619E38C15D}"/>
                       </a:ext>
                     </a:extLst>
                   </p:cNvPr>
@@ -18667,7 +18807,7 @@
                 <p:spPr>
                   <a:xfrm>
                     <a:off x="1423921" y="1781897"/>
-                    <a:ext cx="2113399" cy="453009"/>
+                    <a:ext cx="2015424" cy="452945"/>
                   </a:xfrm>
                   <a:prstGeom prst="rect">
                     <a:avLst/>
@@ -18711,7 +18851,7 @@
                 <p:spPr>
                   <a:xfrm>
                     <a:off x="1411042" y="2222950"/>
-                    <a:ext cx="7843686" cy="691664"/>
+                    <a:ext cx="7627857" cy="691664"/>
                   </a:xfrm>
                   <a:prstGeom prst="rect">
                     <a:avLst/>
@@ -18769,14 +18909,13 @@
                               <m:r>
                                 <a:rPr kumimoji="1" lang="en-US" altLang="ja-JP" b="0" i="1" smtClean="0">
                                   <a:latin typeface="Cambria Math" panose="02040503050406030204" pitchFamily="18" charset="0"/>
-                                  <a:ea typeface="Cambria Math" panose="02040503050406030204" pitchFamily="18" charset="0"/>
                                 </a:rPr>
                                 <m:t> </m:t>
                               </m:r>
                               <m:sSup>
                                 <m:sSupPr>
                                   <m:ctrlPr>
-                                    <a:rPr kumimoji="1" lang="en-US" altLang="ja-JP" b="0" i="1" smtClean="0">
+                                    <a:rPr kumimoji="1" lang="en-US" altLang="ja-JP" i="1">
                                       <a:latin typeface="Cambria Math" panose="02040503050406030204" pitchFamily="18" charset="0"/>
                                       <a:ea typeface="Cambria Math" panose="02040503050406030204" pitchFamily="18" charset="0"/>
                                     </a:rPr>
@@ -18784,7 +18923,7 @@
                                 </m:sSupPr>
                                 <m:e>
                                   <m:r>
-                                    <a:rPr kumimoji="1" lang="en-US" altLang="ja-JP" b="0" i="1" smtClean="0">
+                                    <a:rPr kumimoji="1" lang="en-US" altLang="ja-JP" i="1">
                                       <a:latin typeface="Cambria Math" panose="02040503050406030204" pitchFamily="18" charset="0"/>
                                       <a:ea typeface="Cambria Math" panose="02040503050406030204" pitchFamily="18" charset="0"/>
                                     </a:rPr>
@@ -18792,40 +18931,19 @@
                                   </m:r>
                                 </m:e>
                                 <m:sup>
-                                  <m:sSub>
-                                    <m:sSubPr>
-                                      <m:ctrlPr>
-                                        <a:rPr kumimoji="1" lang="en-US" altLang="ja-JP" b="0" i="1" smtClean="0">
-                                          <a:latin typeface="Cambria Math" panose="02040503050406030204" pitchFamily="18" charset="0"/>
-                                          <a:ea typeface="Cambria Math" panose="02040503050406030204" pitchFamily="18" charset="0"/>
-                                        </a:rPr>
-                                      </m:ctrlPr>
-                                    </m:sSubPr>
-                                    <m:e>
-                                      <m:r>
-                                        <a:rPr kumimoji="1" lang="en-US" altLang="ja-JP" b="0" i="1" smtClean="0">
-                                          <a:latin typeface="Cambria Math" panose="02040503050406030204" pitchFamily="18" charset="0"/>
-                                          <a:ea typeface="Cambria Math" panose="02040503050406030204" pitchFamily="18" charset="0"/>
-                                        </a:rPr>
-                                        <m:t>𝜋</m:t>
-                                      </m:r>
-                                    </m:e>
-                                    <m:sub>
-                                      <m:r>
-                                        <a:rPr kumimoji="1" lang="en-US" altLang="ja-JP" b="0" i="1" smtClean="0">
-                                          <a:latin typeface="Cambria Math" panose="02040503050406030204" pitchFamily="18" charset="0"/>
-                                          <a:ea typeface="Cambria Math" panose="02040503050406030204" pitchFamily="18" charset="0"/>
-                                        </a:rPr>
-                                        <m:t>𝜃</m:t>
-                                      </m:r>
-                                    </m:sub>
-                                  </m:sSub>
+                                  <m:r>
+                                    <a:rPr kumimoji="1" lang="en-US" altLang="ja-JP" i="1">
+                                      <a:latin typeface="Cambria Math" panose="02040503050406030204" pitchFamily="18" charset="0"/>
+                                      <a:ea typeface="Cambria Math" panose="02040503050406030204" pitchFamily="18" charset="0"/>
+                                    </a:rPr>
+                                    <m:t>𝜋</m:t>
+                                  </m:r>
                                 </m:sup>
                               </m:sSup>
                               <m:d>
                                 <m:dPr>
                                   <m:ctrlPr>
-                                    <a:rPr kumimoji="1" lang="en-US" altLang="ja-JP" b="0" i="1" smtClean="0">
+                                    <a:rPr kumimoji="1" lang="en-US" altLang="ja-JP" i="1">
                                       <a:latin typeface="Cambria Math" panose="02040503050406030204" pitchFamily="18" charset="0"/>
                                       <a:ea typeface="Cambria Math" panose="02040503050406030204" pitchFamily="18" charset="0"/>
                                     </a:rPr>
@@ -18833,7 +18951,7 @@
                                 </m:dPr>
                                 <m:e>
                                   <m:r>
-                                    <a:rPr kumimoji="1" lang="en-US" altLang="ja-JP" b="0" i="1" smtClean="0">
+                                    <a:rPr kumimoji="1" lang="en-US" altLang="ja-JP" i="1">
                                       <a:latin typeface="Cambria Math" panose="02040503050406030204" pitchFamily="18" charset="0"/>
                                       <a:ea typeface="Cambria Math" panose="02040503050406030204" pitchFamily="18" charset="0"/>
                                     </a:rPr>
@@ -19119,36 +19237,36 @@
                                       <a:latin typeface="Cambria Math" panose="02040503050406030204" pitchFamily="18" charset="0"/>
                                       <a:ea typeface="Cambria Math" panose="02040503050406030204" pitchFamily="18" charset="0"/>
                                     </a:rPr>
-                                    <m:t>𝛽𝛿</m:t>
+                                    <m:t>𝛽</m:t>
                                   </m:r>
-                                  <m:r>
-                                    <a:rPr kumimoji="1" lang="en-US" altLang="ja-JP" b="0" i="1" smtClean="0">
-                                      <a:latin typeface="Cambria Math" panose="02040503050406030204" pitchFamily="18" charset="0"/>
-                                      <a:ea typeface="Cambria Math" panose="02040503050406030204" pitchFamily="18" charset="0"/>
-                                    </a:rPr>
-                                    <m:t>(</m:t>
-                                  </m:r>
-                                  <m:r>
-                                    <a:rPr kumimoji="1" lang="en-US" altLang="ja-JP" b="0" i="1" smtClean="0">
-                                      <a:latin typeface="Cambria Math" panose="02040503050406030204" pitchFamily="18" charset="0"/>
-                                      <a:ea typeface="Cambria Math" panose="02040503050406030204" pitchFamily="18" charset="0"/>
-                                    </a:rPr>
-                                    <m:t>𝑡</m:t>
-                                  </m:r>
-                                  <m:r>
-                                    <a:rPr kumimoji="1" lang="en-US" altLang="ja-JP" b="0" i="1" smtClean="0">
-                                      <a:latin typeface="Cambria Math" panose="02040503050406030204" pitchFamily="18" charset="0"/>
-                                      <a:ea typeface="Cambria Math" panose="02040503050406030204" pitchFamily="18" charset="0"/>
-                                    </a:rPr>
-                                    <m:t>)</m:t>
-                                  </m:r>
-                                  <m:r>
-                                    <a:rPr kumimoji="1" lang="en-US" altLang="ja-JP" b="0" i="1" smtClean="0">
-                                      <a:latin typeface="Cambria Math" panose="02040503050406030204" pitchFamily="18" charset="0"/>
-                                      <a:ea typeface="Cambria Math" panose="02040503050406030204" pitchFamily="18" charset="0"/>
-                                    </a:rPr>
-                                    <m:t>𝐶</m:t>
-                                  </m:r>
+                                  <m:sSub>
+                                    <m:sSubPr>
+                                      <m:ctrlPr>
+                                        <a:rPr lang="en-US" altLang="ja-JP" i="1">
+                                          <a:latin typeface="Cambria Math" panose="02040503050406030204" pitchFamily="18" charset="0"/>
+                                          <a:ea typeface="Cambria Math" panose="02040503050406030204" pitchFamily="18" charset="0"/>
+                                        </a:rPr>
+                                      </m:ctrlPr>
+                                    </m:sSubPr>
+                                    <m:e>
+                                      <m:r>
+                                        <a:rPr lang="en-US" altLang="ja-JP" i="1">
+                                          <a:latin typeface="Cambria Math" panose="02040503050406030204" pitchFamily="18" charset="0"/>
+                                          <a:ea typeface="Cambria Math" panose="02040503050406030204" pitchFamily="18" charset="0"/>
+                                        </a:rPr>
+                                        <m:t>𝛿</m:t>
+                                      </m:r>
+                                    </m:e>
+                                    <m:sub>
+                                      <m:r>
+                                        <a:rPr lang="en-US" altLang="ja-JP" i="1">
+                                          <a:latin typeface="Cambria Math" panose="02040503050406030204" pitchFamily="18" charset="0"/>
+                                          <a:ea typeface="Cambria Math" panose="02040503050406030204" pitchFamily="18" charset="0"/>
+                                        </a:rPr>
+                                        <m:t>𝑐</m:t>
+                                      </m:r>
+                                    </m:sub>
+                                  </m:sSub>
                                   <m:r>
                                     <a:rPr kumimoji="1" lang="en-US" altLang="ja-JP" b="0" i="1" smtClean="0">
                                       <a:latin typeface="Cambria Math" panose="02040503050406030204" pitchFamily="18" charset="0"/>
@@ -19215,6 +19333,20 @@
                                       <a:latin typeface="Cambria Math" panose="02040503050406030204" pitchFamily="18" charset="0"/>
                                       <a:ea typeface="Cambria Math" panose="02040503050406030204" pitchFamily="18" charset="0"/>
                                     </a:rPr>
+                                    <m:t>,</m:t>
+                                  </m:r>
+                                  <m:r>
+                                    <a:rPr kumimoji="1" lang="en-US" altLang="ja-JP" i="1">
+                                      <a:latin typeface="Cambria Math" panose="02040503050406030204" pitchFamily="18" charset="0"/>
+                                      <a:ea typeface="Cambria Math" panose="02040503050406030204" pitchFamily="18" charset="0"/>
+                                    </a:rPr>
+                                    <m:t>𝜋</m:t>
+                                  </m:r>
+                                  <m:r>
+                                    <a:rPr kumimoji="1" lang="en-US" altLang="ja-JP" b="0" i="1" smtClean="0">
+                                      <a:latin typeface="Cambria Math" panose="02040503050406030204" pitchFamily="18" charset="0"/>
+                                      <a:ea typeface="Cambria Math" panose="02040503050406030204" pitchFamily="18" charset="0"/>
+                                    </a:rPr>
                                     <m:t>]</m:t>
                                   </m:r>
                                 </m:e>
@@ -19253,7 +19385,7 @@
                 <p:spPr>
                   <a:xfrm>
                     <a:off x="1411042" y="2222950"/>
-                    <a:ext cx="7843686" cy="691664"/>
+                    <a:ext cx="7627857" cy="691664"/>
                   </a:xfrm>
                   <a:prstGeom prst="rect">
                     <a:avLst/>
@@ -19261,7 +19393,7 @@
                   <a:blipFill>
                     <a:blip r:embed="rId5"/>
                     <a:stretch>
-                      <a:fillRect t="-158182" b="-238182"/>
+                      <a:fillRect t="-160000" b="-238182"/>
                     </a:stretch>
                   </a:blipFill>
                 </p:spPr>
@@ -19296,7 +19428,7 @@
           <p:spPr>
             <a:xfrm>
               <a:off x="772732" y="1622899"/>
-              <a:ext cx="7987254" cy="1783241"/>
+              <a:ext cx="7771425" cy="1783241"/>
             </a:xfrm>
             <a:prstGeom prst="roundRect">
               <a:avLst/>
@@ -19527,10 +19659,10 @@
       </p:grpSp>
       <p:sp>
         <p:nvSpPr>
-          <p:cNvPr id="5" name="スライド番号プレースホルダー 4">
+          <p:cNvPr id="6" name="スライド番号プレースホルダー 5">
             <a:extLst>
               <a:ext uri="{FF2B5EF4-FFF2-40B4-BE49-F238E27FC236}">
-                <a16:creationId xmlns:a16="http://schemas.microsoft.com/office/drawing/2014/main" id="{A360D608-217C-534B-9205-5983146A31E6}"/>
+                <a16:creationId xmlns:a16="http://schemas.microsoft.com/office/drawing/2014/main" id="{DED2586C-779F-5B48-8A73-C0E611FC123D}"/>
               </a:ext>
             </a:extLst>
           </p:cNvPr>
@@ -19552,7 +19684,7 @@
             </a:fld>
             <a:r>
               <a:rPr kumimoji="1" lang="en-US" altLang="ja-JP"/>
-              <a:t>/14</a:t>
+              <a:t>/12</a:t>
             </a:r>
             <a:endParaRPr kumimoji="1" lang="en-US" altLang="ja-JP" dirty="0"/>
           </a:p>
@@ -20701,39 +20833,6 @@
               </a:rPr>
               <a:t>環境雑音</a:t>
             </a:r>
-          </a:p>
-        </p:txBody>
-      </p:sp>
-      <p:sp>
-        <p:nvSpPr>
-          <p:cNvPr id="5" name="スライド番号プレースホルダー 4">
-            <a:extLst>
-              <a:ext uri="{FF2B5EF4-FFF2-40B4-BE49-F238E27FC236}">
-                <a16:creationId xmlns:a16="http://schemas.microsoft.com/office/drawing/2014/main" id="{F92C70E4-FCEC-3D4E-93D5-EFF814037702}"/>
-              </a:ext>
-            </a:extLst>
-          </p:cNvPr>
-          <p:cNvSpPr>
-            <a:spLocks noGrp="1"/>
-          </p:cNvSpPr>
-          <p:nvPr>
-            <p:ph type="sldNum" sz="quarter" idx="12"/>
-          </p:nvPr>
-        </p:nvSpPr>
-        <p:spPr/>
-        <p:txBody>
-          <a:bodyPr/>
-          <a:lstStyle/>
-          <a:p>
-            <a:fld id="{5D57FD6B-29A3-3249-A29F-ABF600A8FF13}" type="slidenum">
-              <a:rPr kumimoji="1" lang="ja-JP" altLang="en-US" smtClean="0"/>
-              <a:t>4</a:t>
-            </a:fld>
-            <a:r>
-              <a:rPr kumimoji="1" lang="en-US" altLang="ja-JP"/>
-              <a:t>/14</a:t>
-            </a:r>
-            <a:endParaRPr kumimoji="1" lang="en-US" altLang="ja-JP" dirty="0"/>
           </a:p>
         </p:txBody>
       </p:sp>
@@ -21675,6 +21774,39 @@
           </p:txBody>
         </p:sp>
       </p:grpSp>
+      <p:sp>
+        <p:nvSpPr>
+          <p:cNvPr id="6" name="スライド番号プレースホルダー 5">
+            <a:extLst>
+              <a:ext uri="{FF2B5EF4-FFF2-40B4-BE49-F238E27FC236}">
+                <a16:creationId xmlns:a16="http://schemas.microsoft.com/office/drawing/2014/main" id="{7ED3986B-415A-854C-88B9-BEC488765217}"/>
+              </a:ext>
+            </a:extLst>
+          </p:cNvPr>
+          <p:cNvSpPr>
+            <a:spLocks noGrp="1"/>
+          </p:cNvSpPr>
+          <p:nvPr>
+            <p:ph type="sldNum" sz="quarter" idx="12"/>
+          </p:nvPr>
+        </p:nvSpPr>
+        <p:spPr/>
+        <p:txBody>
+          <a:bodyPr/>
+          <a:lstStyle/>
+          <a:p>
+            <a:fld id="{5D57FD6B-29A3-3249-A29F-ABF600A8FF13}" type="slidenum">
+              <a:rPr kumimoji="1" lang="ja-JP" altLang="en-US" smtClean="0"/>
+              <a:t>4</a:t>
+            </a:fld>
+            <a:r>
+              <a:rPr kumimoji="1" lang="en-US" altLang="ja-JP"/>
+              <a:t>/12</a:t>
+            </a:r>
+            <a:endParaRPr kumimoji="1" lang="en-US" altLang="ja-JP" dirty="0"/>
+          </a:p>
+        </p:txBody>
+      </p:sp>
     </p:spTree>
     <p:extLst>
       <p:ext uri="{BB962C8B-B14F-4D97-AF65-F5344CB8AC3E}">
@@ -21758,7 +21890,27 @@
                 </a14:m>
                 <a:r>
                   <a:rPr kumimoji="1" lang="ja-JP" altLang="en-US"/>
-                  <a:t>をもつニューラルネットワークで表現</a:t>
+                  <a:t>をもつ関数</a:t>
+                </a:r>
+                <a:r>
+                  <a:rPr kumimoji="1" lang="en-US" altLang="ja-JP" dirty="0"/>
+                  <a:t>(D</a:t>
+                </a:r>
+                <a:r>
+                  <a:rPr lang="en-US" altLang="ja-JP" dirty="0"/>
+                  <a:t>NN</a:t>
+                </a:r>
+                <a:r>
+                  <a:rPr lang="ja-JP" altLang="en-US"/>
+                  <a:t>等</a:t>
+                </a:r>
+                <a:r>
+                  <a:rPr kumimoji="1" lang="en-US" altLang="ja-JP" dirty="0"/>
+                  <a:t>)</a:t>
+                </a:r>
+                <a:r>
+                  <a:rPr kumimoji="1" lang="ja-JP" altLang="en-US"/>
+                  <a:t>で表現</a:t>
                 </a:r>
                 <a:endParaRPr kumimoji="1" lang="en-US" altLang="ja-JP" dirty="0"/>
               </a:p>
@@ -22049,7 +22201,7 @@
               <a:blipFill>
                 <a:blip r:embed="rId2"/>
                 <a:stretch>
-                  <a:fillRect l="-598" t="-1266"/>
+                  <a:fillRect l="-598" t="-1519"/>
                 </a:stretch>
               </a:blipFill>
             </p:spPr>
@@ -23364,19 +23516,19 @@
               <a:rPr kumimoji="1" lang="en-US" altLang="ja-JP" sz="1200" dirty="0">
                 <a:latin typeface="Cambria" panose="02040503050406030204" pitchFamily="18" charset="0"/>
               </a:rPr>
-              <a:t>[2]: Silver et al., “Deterministic Policy Gradient Algorithms”, </a:t>
+              <a:t>[2]: D. Silver et al., “Deterministic Policy Gradient Algorithms”, In  </a:t>
             </a:r>
             <a:r>
               <a:rPr kumimoji="1" lang="en-US" altLang="ja-JP" sz="1200" i="1" dirty="0">
                 <a:latin typeface="Cambria" panose="02040503050406030204" pitchFamily="18" charset="0"/>
               </a:rPr>
-              <a:t>ICML</a:t>
+              <a:t>Proc. of ICML</a:t>
             </a:r>
             <a:r>
               <a:rPr kumimoji="1" lang="en-US" altLang="ja-JP" sz="1200" dirty="0">
                 <a:latin typeface="Cambria" panose="02040503050406030204" pitchFamily="18" charset="0"/>
               </a:rPr>
-              <a:t>, 2014</a:t>
+              <a:t>, 2014.</a:t>
             </a:r>
             <a:endParaRPr kumimoji="1" lang="ja-JP" altLang="en-US" sz="1200">
               <a:latin typeface="Cambria" panose="02040503050406030204" pitchFamily="18" charset="0"/>
@@ -23386,10 +23538,10 @@
       </p:sp>
       <p:sp>
         <p:nvSpPr>
-          <p:cNvPr id="5" name="スライド番号プレースホルダー 4">
+          <p:cNvPr id="9" name="スライド番号プレースホルダー 8">
             <a:extLst>
               <a:ext uri="{FF2B5EF4-FFF2-40B4-BE49-F238E27FC236}">
-                <a16:creationId xmlns:a16="http://schemas.microsoft.com/office/drawing/2014/main" id="{473C89BC-D9D2-B44B-95DA-45808930BD89}"/>
+                <a16:creationId xmlns:a16="http://schemas.microsoft.com/office/drawing/2014/main" id="{E1B8A7B2-8D19-0443-A0C2-EF98916C388D}"/>
               </a:ext>
             </a:extLst>
           </p:cNvPr>
@@ -23411,7 +23563,7 @@
             </a:fld>
             <a:r>
               <a:rPr kumimoji="1" lang="en-US" altLang="ja-JP"/>
-              <a:t>/14</a:t>
+              <a:t>/12</a:t>
             </a:r>
             <a:endParaRPr kumimoji="1" lang="en-US" altLang="ja-JP" dirty="0"/>
           </a:p>
@@ -23447,8 +23599,8 @@
           <a:chExt cx="0" cy="0"/>
         </a:xfrm>
       </p:grpSpPr>
-      <mc:AlternateContent xmlns:mc="http://schemas.openxmlformats.org/markup-compatibility/2006" xmlns:a14="http://schemas.microsoft.com/office/drawing/2010/main">
-        <mc:Choice Requires="a14">
+      <mc:AlternateContent xmlns:mc="http://schemas.openxmlformats.org/markup-compatibility/2006">
+        <mc:Choice xmlns:a14="http://schemas.microsoft.com/office/drawing/2010/main" Requires="a14">
           <p:sp>
             <p:nvSpPr>
               <p:cNvPr id="2" name="コンテンツ プレースホルダー 1">
@@ -23497,9 +23649,60 @@
                   <a:rPr kumimoji="1" lang="en-US" altLang="ja-JP" dirty="0"/>
                   <a:t>, </a:t>
                 </a:r>
+                <a14:m>
+                  <m:oMath xmlns:m="http://schemas.openxmlformats.org/officeDocument/2006/math">
+                    <m:sSup>
+                      <m:sSupPr>
+                        <m:ctrlPr>
+                          <a:rPr lang="en-US" altLang="ja-JP" i="1">
+                            <a:latin typeface="Cambria Math" panose="02040503050406030204" pitchFamily="18" charset="0"/>
+                            <a:ea typeface="Cambria Math" panose="02040503050406030204" pitchFamily="18" charset="0"/>
+                          </a:rPr>
+                        </m:ctrlPr>
+                      </m:sSupPr>
+                      <m:e>
+                        <m:r>
+                          <a:rPr lang="en-US" altLang="ja-JP" i="1">
+                            <a:latin typeface="Cambria Math" panose="02040503050406030204" pitchFamily="18" charset="0"/>
+                            <a:ea typeface="Cambria Math" panose="02040503050406030204" pitchFamily="18" charset="0"/>
+                          </a:rPr>
+                          <m:t>𝑉</m:t>
+                        </m:r>
+                      </m:e>
+                      <m:sup>
+                        <m:r>
+                          <a:rPr lang="en-US" altLang="ja-JP" i="1">
+                            <a:latin typeface="Cambria Math" panose="02040503050406030204" pitchFamily="18" charset="0"/>
+                            <a:ea typeface="Cambria Math" panose="02040503050406030204" pitchFamily="18" charset="0"/>
+                          </a:rPr>
+                          <m:t>𝜋</m:t>
+                        </m:r>
+                      </m:sup>
+                    </m:sSup>
+                    <m:d>
+                      <m:dPr>
+                        <m:ctrlPr>
+                          <a:rPr lang="en-US" altLang="ja-JP" i="1">
+                            <a:latin typeface="Cambria Math" panose="02040503050406030204" pitchFamily="18" charset="0"/>
+                            <a:ea typeface="Cambria Math" panose="02040503050406030204" pitchFamily="18" charset="0"/>
+                          </a:rPr>
+                        </m:ctrlPr>
+                      </m:dPr>
+                      <m:e>
+                        <m:r>
+                          <a:rPr lang="en-US" altLang="ja-JP" i="1">
+                            <a:latin typeface="Cambria Math" panose="02040503050406030204" pitchFamily="18" charset="0"/>
+                            <a:ea typeface="Cambria Math" panose="02040503050406030204" pitchFamily="18" charset="0"/>
+                          </a:rPr>
+                          <m:t>𝑠</m:t>
+                        </m:r>
+                      </m:e>
+                    </m:d>
+                  </m:oMath>
+                </a14:m>
                 <a:r>
                   <a:rPr kumimoji="1" lang="ja-JP" altLang="en-US"/>
-                  <a:t>価値関数を分解</a:t>
+                  <a:t>を分解</a:t>
                 </a:r>
                 <a:endParaRPr kumimoji="1" lang="en-US" altLang="ja-JP" dirty="0"/>
               </a:p>
@@ -23577,7 +23780,7 @@
             </p:txBody>
           </p:sp>
         </mc:Choice>
-        <mc:Fallback xmlns="">
+        <mc:Fallback>
           <p:sp>
             <p:nvSpPr>
               <p:cNvPr id="2" name="コンテンツ プレースホルダー 1">
@@ -23675,8 +23878,8 @@
           </a:p>
         </p:txBody>
       </p:sp>
-      <mc:AlternateContent xmlns:mc="http://schemas.openxmlformats.org/markup-compatibility/2006" xmlns:a14="http://schemas.microsoft.com/office/drawing/2010/main">
-        <mc:Choice Requires="a14">
+      <mc:AlternateContent xmlns:mc="http://schemas.openxmlformats.org/markup-compatibility/2006">
+        <mc:Choice xmlns:a14="http://schemas.microsoft.com/office/drawing/2010/main" Requires="a14">
           <p:sp>
             <p:nvSpPr>
               <p:cNvPr id="8" name="テキスト ボックス 7">
@@ -23691,7 +23894,7 @@
             </p:nvSpPr>
             <p:spPr>
               <a:xfrm>
-                <a:off x="878032" y="1979912"/>
+                <a:off x="818657" y="1979912"/>
                 <a:ext cx="7408503" cy="691664"/>
               </a:xfrm>
               <a:prstGeom prst="rect">
@@ -23732,7 +23935,7 @@
                         </m:e>
                         <m:sup>
                           <m:r>
-                            <a:rPr kumimoji="1" lang="en-US" altLang="ja-JP" i="1" smtClean="0">
+                            <a:rPr kumimoji="1" lang="en-US" altLang="ja-JP" i="1">
                               <a:latin typeface="Cambria Math" panose="02040503050406030204" pitchFamily="18" charset="0"/>
                               <a:ea typeface="Cambria Math" panose="02040503050406030204" pitchFamily="18" charset="0"/>
                             </a:rPr>
@@ -23924,7 +24127,7 @@
                               <a:latin typeface="Cambria Math" panose="02040503050406030204" pitchFamily="18" charset="0"/>
                               <a:ea typeface="Cambria Math" panose="02040503050406030204" pitchFamily="18" charset="0"/>
                             </a:rPr>
-                            <m:t>𝑄𝑠</m:t>
+                            <m:t>𝐸𝑠</m:t>
                           </m:r>
                           <m:d>
                             <m:dPr>
@@ -24004,7 +24207,7 @@
                               <a:latin typeface="Cambria Math" panose="02040503050406030204" pitchFamily="18" charset="0"/>
                               <a:ea typeface="Cambria Math" panose="02040503050406030204" pitchFamily="18" charset="0"/>
                             </a:rPr>
-                            <m:t>𝑅𝑢</m:t>
+                            <m:t>𝐹𝑢</m:t>
                           </m:r>
                           <m:d>
                             <m:dPr>
@@ -24037,36 +24240,36 @@
                               <a:latin typeface="Cambria Math" panose="02040503050406030204" pitchFamily="18" charset="0"/>
                               <a:ea typeface="Cambria Math" panose="02040503050406030204" pitchFamily="18" charset="0"/>
                             </a:rPr>
-                            <m:t>𝛽𝛿</m:t>
+                            <m:t>𝛽</m:t>
                           </m:r>
-                          <m:r>
-                            <a:rPr kumimoji="1" lang="en-US" altLang="ja-JP" i="1">
-                              <a:latin typeface="Cambria Math" panose="02040503050406030204" pitchFamily="18" charset="0"/>
-                              <a:ea typeface="Cambria Math" panose="02040503050406030204" pitchFamily="18" charset="0"/>
-                            </a:rPr>
-                            <m:t>(</m:t>
-                          </m:r>
-                          <m:r>
-                            <a:rPr kumimoji="1" lang="en-US" altLang="ja-JP" i="1">
-                              <a:latin typeface="Cambria Math" panose="02040503050406030204" pitchFamily="18" charset="0"/>
-                              <a:ea typeface="Cambria Math" panose="02040503050406030204" pitchFamily="18" charset="0"/>
-                            </a:rPr>
-                            <m:t>𝑡</m:t>
-                          </m:r>
-                          <m:r>
-                            <a:rPr kumimoji="1" lang="en-US" altLang="ja-JP" i="1">
-                              <a:latin typeface="Cambria Math" panose="02040503050406030204" pitchFamily="18" charset="0"/>
-                              <a:ea typeface="Cambria Math" panose="02040503050406030204" pitchFamily="18" charset="0"/>
-                            </a:rPr>
-                            <m:t>)</m:t>
-                          </m:r>
-                          <m:r>
-                            <a:rPr kumimoji="1" lang="en-US" altLang="ja-JP" i="1">
-                              <a:latin typeface="Cambria Math" panose="02040503050406030204" pitchFamily="18" charset="0"/>
-                              <a:ea typeface="Cambria Math" panose="02040503050406030204" pitchFamily="18" charset="0"/>
-                            </a:rPr>
-                            <m:t>𝐶</m:t>
-                          </m:r>
+                          <m:sSub>
+                            <m:sSubPr>
+                              <m:ctrlPr>
+                                <a:rPr lang="en-US" altLang="ja-JP" i="1">
+                                  <a:latin typeface="Cambria Math" panose="02040503050406030204" pitchFamily="18" charset="0"/>
+                                  <a:ea typeface="Cambria Math" panose="02040503050406030204" pitchFamily="18" charset="0"/>
+                                </a:rPr>
+                              </m:ctrlPr>
+                            </m:sSubPr>
+                            <m:e>
+                              <m:r>
+                                <a:rPr lang="en-US" altLang="ja-JP" i="1">
+                                  <a:latin typeface="Cambria Math" panose="02040503050406030204" pitchFamily="18" charset="0"/>
+                                  <a:ea typeface="Cambria Math" panose="02040503050406030204" pitchFamily="18" charset="0"/>
+                                </a:rPr>
+                                <m:t>𝛿</m:t>
+                              </m:r>
+                            </m:e>
+                            <m:sub>
+                              <m:r>
+                                <a:rPr lang="en-US" altLang="ja-JP" i="1">
+                                  <a:latin typeface="Cambria Math" panose="02040503050406030204" pitchFamily="18" charset="0"/>
+                                  <a:ea typeface="Cambria Math" panose="02040503050406030204" pitchFamily="18" charset="0"/>
+                                </a:rPr>
+                                <m:t>𝑐</m:t>
+                              </m:r>
+                            </m:sub>
+                          </m:sSub>
                           <m:r>
                             <a:rPr kumimoji="1" lang="en-US" altLang="ja-JP" i="1">
                               <a:latin typeface="Cambria Math" panose="02040503050406030204" pitchFamily="18" charset="0"/>
@@ -24133,6 +24336,20 @@
                               <a:latin typeface="Cambria Math" panose="02040503050406030204" pitchFamily="18" charset="0"/>
                               <a:ea typeface="Cambria Math" panose="02040503050406030204" pitchFamily="18" charset="0"/>
                             </a:rPr>
+                            <m:t>,</m:t>
+                          </m:r>
+                          <m:r>
+                            <a:rPr kumimoji="1" lang="en-US" altLang="ja-JP" i="1">
+                              <a:latin typeface="Cambria Math" panose="02040503050406030204" pitchFamily="18" charset="0"/>
+                              <a:ea typeface="Cambria Math" panose="02040503050406030204" pitchFamily="18" charset="0"/>
+                            </a:rPr>
+                            <m:t>𝜋</m:t>
+                          </m:r>
+                          <m:r>
+                            <a:rPr kumimoji="1" lang="en-US" altLang="ja-JP" i="1">
+                              <a:latin typeface="Cambria Math" panose="02040503050406030204" pitchFamily="18" charset="0"/>
+                              <a:ea typeface="Cambria Math" panose="02040503050406030204" pitchFamily="18" charset="0"/>
+                            </a:rPr>
                             <m:t>]</m:t>
                           </m:r>
                         </m:e>
@@ -24153,7 +24370,7 @@
             </p:txBody>
           </p:sp>
         </mc:Choice>
-        <mc:Fallback xmlns="">
+        <mc:Fallback>
           <p:sp>
             <p:nvSpPr>
               <p:cNvPr id="8" name="テキスト ボックス 7">
@@ -24170,7 +24387,7 @@
             </p:nvSpPr>
             <p:spPr>
               <a:xfrm>
-                <a:off x="878032" y="1979912"/>
+                <a:off x="818657" y="1979912"/>
                 <a:ext cx="7408503" cy="691664"/>
               </a:xfrm>
               <a:prstGeom prst="rect">
@@ -24198,8 +24415,8 @@
           </p:sp>
         </mc:Fallback>
       </mc:AlternateContent>
-      <mc:AlternateContent xmlns:mc="http://schemas.openxmlformats.org/markup-compatibility/2006" xmlns:a14="http://schemas.microsoft.com/office/drawing/2010/main">
-        <mc:Choice Requires="a14">
+      <mc:AlternateContent xmlns:mc="http://schemas.openxmlformats.org/markup-compatibility/2006">
+        <mc:Choice xmlns:a14="http://schemas.microsoft.com/office/drawing/2010/main" Requires="a14">
           <p:sp>
             <p:nvSpPr>
               <p:cNvPr id="9" name="テキスト ボックス 8">
@@ -24214,7 +24431,7 @@
             </p:nvSpPr>
             <p:spPr>
               <a:xfrm>
-                <a:off x="1470205" y="2671576"/>
+                <a:off x="1612707" y="2694955"/>
                 <a:ext cx="6526082" cy="847861"/>
               </a:xfrm>
               <a:prstGeom prst="rect">
@@ -24877,6 +25094,23 @@
                                 </m:sub>
                               </m:sSub>
                               <m:r>
+                                <a:rPr kumimoji="1" lang="en-US" altLang="ja-JP" b="0" i="1" smtClean="0">
+                                  <a:solidFill>
+                                    <a:schemeClr val="tx1"/>
+                                  </a:solidFill>
+                                  <a:latin typeface="Cambria Math" panose="02040503050406030204" pitchFamily="18" charset="0"/>
+                                  <a:ea typeface="Cambria Math" panose="02040503050406030204" pitchFamily="18" charset="0"/>
+                                </a:rPr>
+                                <m:t>,</m:t>
+                              </m:r>
+                              <m:r>
+                                <a:rPr kumimoji="1" lang="en-US" altLang="ja-JP" i="1">
+                                  <a:latin typeface="Cambria Math" panose="02040503050406030204" pitchFamily="18" charset="0"/>
+                                  <a:ea typeface="Cambria Math" panose="02040503050406030204" pitchFamily="18" charset="0"/>
+                                </a:rPr>
+                                <m:t>𝜋</m:t>
+                              </m:r>
+                              <m:r>
                                 <a:rPr kumimoji="1" lang="en-US" altLang="ja-JP" i="1">
                                   <a:solidFill>
                                     <a:schemeClr val="tx1"/>
@@ -24909,7 +25143,7 @@
             </p:txBody>
           </p:sp>
         </mc:Choice>
-        <mc:Fallback xmlns="">
+        <mc:Fallback>
           <p:sp>
             <p:nvSpPr>
               <p:cNvPr id="9" name="テキスト ボックス 8">
@@ -24926,7 +25160,7 @@
             </p:nvSpPr>
             <p:spPr>
               <a:xfrm>
-                <a:off x="1470205" y="2671576"/>
+                <a:off x="1612707" y="2694955"/>
                 <a:ext cx="6526082" cy="847861"/>
               </a:xfrm>
               <a:prstGeom prst="rect">
@@ -24935,7 +25169,7 @@
               <a:blipFill>
                 <a:blip r:embed="rId5"/>
                 <a:stretch>
-                  <a:fillRect l="-5825" t="-119118" b="-183824"/>
+                  <a:fillRect l="-7379" t="-119118" b="-183824"/>
                 </a:stretch>
               </a:blipFill>
             </p:spPr>
@@ -24970,7 +25204,7 @@
         </p:nvCxnSpPr>
         <p:spPr>
           <a:xfrm>
-            <a:off x="2828554" y="3412560"/>
+            <a:off x="2982929" y="3460060"/>
             <a:ext cx="4926033" cy="0"/>
           </a:xfrm>
           <a:prstGeom prst="line">
@@ -25000,8 +25234,8 @@
           </a:fontRef>
         </p:style>
       </p:cxnSp>
-      <mc:AlternateContent xmlns:mc="http://schemas.openxmlformats.org/markup-compatibility/2006" xmlns:a14="http://schemas.microsoft.com/office/drawing/2010/main">
-        <mc:Choice Requires="a14">
+      <mc:AlternateContent xmlns:mc="http://schemas.openxmlformats.org/markup-compatibility/2006">
+        <mc:Choice xmlns:a14="http://schemas.microsoft.com/office/drawing/2010/main" Requires="a14">
           <p:sp>
             <p:nvSpPr>
               <p:cNvPr id="13" name="テキスト ボックス 12">
@@ -25016,7 +25250,7 @@
             </p:nvSpPr>
             <p:spPr>
               <a:xfrm>
-                <a:off x="5540841" y="3475083"/>
+                <a:off x="5695216" y="3522583"/>
                 <a:ext cx="2435026" cy="369332"/>
               </a:xfrm>
               <a:prstGeom prst="rect">
@@ -25219,7 +25453,7 @@
             </p:txBody>
           </p:sp>
         </mc:Choice>
-        <mc:Fallback xmlns="">
+        <mc:Fallback>
           <p:sp>
             <p:nvSpPr>
               <p:cNvPr id="13" name="テキスト ボックス 12">
@@ -25236,7 +25470,7 @@
             </p:nvSpPr>
             <p:spPr>
               <a:xfrm>
-                <a:off x="5540841" y="3475083"/>
+                <a:off x="5695216" y="3522583"/>
                 <a:ext cx="2435026" cy="369332"/>
               </a:xfrm>
               <a:prstGeom prst="rect">
@@ -25245,7 +25479,7 @@
               <a:blipFill>
                 <a:blip r:embed="rId6"/>
                 <a:stretch>
-                  <a:fillRect l="-1554" t="-6667" b="-23333"/>
+                  <a:fillRect l="-1554" t="-3333" b="-26667"/>
                 </a:stretch>
               </a:blipFill>
             </p:spPr>
@@ -25787,10 +26021,10 @@
       </mc:AlternateContent>
       <p:sp>
         <p:nvSpPr>
-          <p:cNvPr id="5" name="スライド番号プレースホルダー 4">
+          <p:cNvPr id="6" name="スライド番号プレースホルダー 5">
             <a:extLst>
               <a:ext uri="{FF2B5EF4-FFF2-40B4-BE49-F238E27FC236}">
-                <a16:creationId xmlns:a16="http://schemas.microsoft.com/office/drawing/2014/main" id="{51FEA713-3EF7-214D-82E9-016084480DC8}"/>
+                <a16:creationId xmlns:a16="http://schemas.microsoft.com/office/drawing/2014/main" id="{EF9D58CE-7ACB-8340-AC57-6BAEF4A8CBA5}"/>
               </a:ext>
             </a:extLst>
           </p:cNvPr>
@@ -25812,7 +26046,7 @@
             </a:fld>
             <a:r>
               <a:rPr kumimoji="1" lang="en-US" altLang="ja-JP"/>
-              <a:t>/14</a:t>
+              <a:t>/12</a:t>
             </a:r>
             <a:endParaRPr kumimoji="1" lang="en-US" altLang="ja-JP" dirty="0"/>
           </a:p>
@@ -26427,8 +26661,8 @@
             </p:sp>
           </mc:Fallback>
         </mc:AlternateContent>
-        <mc:AlternateContent xmlns:mc="http://schemas.openxmlformats.org/markup-compatibility/2006">
-          <mc:Choice xmlns:a14="http://schemas.microsoft.com/office/drawing/2010/main" Requires="a14">
+        <mc:AlternateContent xmlns:mc="http://schemas.openxmlformats.org/markup-compatibility/2006" xmlns:a14="http://schemas.microsoft.com/office/drawing/2010/main">
+          <mc:Choice Requires="a14">
             <p:sp>
               <p:nvSpPr>
                 <p:cNvPr id="12" name="テキスト ボックス 11">
@@ -27052,7 +27286,7 @@
               </p:txBody>
             </p:sp>
           </mc:Choice>
-          <mc:Fallback>
+          <mc:Fallback xmlns="">
             <p:sp>
               <p:nvSpPr>
                 <p:cNvPr id="12" name="テキスト ボックス 11">
@@ -27097,8 +27331,8 @@
             </p:sp>
           </mc:Fallback>
         </mc:AlternateContent>
-        <mc:AlternateContent xmlns:mc="http://schemas.openxmlformats.org/markup-compatibility/2006">
-          <mc:Choice xmlns:a14="http://schemas.microsoft.com/office/drawing/2010/main" Requires="a14">
+        <mc:AlternateContent xmlns:mc="http://schemas.openxmlformats.org/markup-compatibility/2006" xmlns:a14="http://schemas.microsoft.com/office/drawing/2010/main">
+          <mc:Choice Requires="a14">
             <p:sp>
               <p:nvSpPr>
                 <p:cNvPr id="14" name="テキスト ボックス 13">
@@ -28073,7 +28307,7 @@
               </p:txBody>
             </p:sp>
           </mc:Choice>
-          <mc:Fallback>
+          <mc:Fallback xmlns="">
             <p:sp>
               <p:nvSpPr>
                 <p:cNvPr id="14" name="テキスト ボックス 13">
@@ -28121,39 +28355,6 @@
       </p:grpSp>
       <p:sp>
         <p:nvSpPr>
-          <p:cNvPr id="5" name="スライド番号プレースホルダー 4">
-            <a:extLst>
-              <a:ext uri="{FF2B5EF4-FFF2-40B4-BE49-F238E27FC236}">
-                <a16:creationId xmlns:a16="http://schemas.microsoft.com/office/drawing/2014/main" id="{553BEBCD-42D4-ED4A-BB2A-D55849A09DFD}"/>
-              </a:ext>
-            </a:extLst>
-          </p:cNvPr>
-          <p:cNvSpPr>
-            <a:spLocks noGrp="1"/>
-          </p:cNvSpPr>
-          <p:nvPr>
-            <p:ph type="sldNum" sz="quarter" idx="12"/>
-          </p:nvPr>
-        </p:nvSpPr>
-        <p:spPr/>
-        <p:txBody>
-          <a:bodyPr/>
-          <a:lstStyle/>
-          <a:p>
-            <a:fld id="{5D57FD6B-29A3-3249-A29F-ABF600A8FF13}" type="slidenum">
-              <a:rPr kumimoji="1" lang="ja-JP" altLang="en-US" smtClean="0"/>
-              <a:t>7</a:t>
-            </a:fld>
-            <a:r>
-              <a:rPr kumimoji="1" lang="en-US" altLang="ja-JP"/>
-              <a:t>/14</a:t>
-            </a:r>
-            <a:endParaRPr kumimoji="1" lang="en-US" altLang="ja-JP" dirty="0"/>
-          </a:p>
-        </p:txBody>
-      </p:sp>
-      <p:sp>
-        <p:nvSpPr>
           <p:cNvPr id="6" name="テキスト ボックス 5">
             <a:extLst>
               <a:ext uri="{FF2B5EF4-FFF2-40B4-BE49-F238E27FC236}">
@@ -28184,6 +28385,39 @@
             <a:endParaRPr kumimoji="1" lang="ja-JP" altLang="en-US">
               <a:latin typeface="Cambria" panose="02040503050406030204" pitchFamily="18" charset="0"/>
             </a:endParaRPr>
+          </a:p>
+        </p:txBody>
+      </p:sp>
+      <p:sp>
+        <p:nvSpPr>
+          <p:cNvPr id="7" name="スライド番号プレースホルダー 6">
+            <a:extLst>
+              <a:ext uri="{FF2B5EF4-FFF2-40B4-BE49-F238E27FC236}">
+                <a16:creationId xmlns:a16="http://schemas.microsoft.com/office/drawing/2014/main" id="{4A0DF37E-6163-7E4F-9BF7-597D8E8D43F1}"/>
+              </a:ext>
+            </a:extLst>
+          </p:cNvPr>
+          <p:cNvSpPr>
+            <a:spLocks noGrp="1"/>
+          </p:cNvSpPr>
+          <p:nvPr>
+            <p:ph type="sldNum" sz="quarter" idx="12"/>
+          </p:nvPr>
+        </p:nvSpPr>
+        <p:spPr/>
+        <p:txBody>
+          <a:bodyPr/>
+          <a:lstStyle/>
+          <a:p>
+            <a:fld id="{5D57FD6B-29A3-3249-A29F-ABF600A8FF13}" type="slidenum">
+              <a:rPr kumimoji="1" lang="ja-JP" altLang="en-US" smtClean="0"/>
+              <a:t>7</a:t>
+            </a:fld>
+            <a:r>
+              <a:rPr kumimoji="1" lang="en-US" altLang="ja-JP"/>
+              <a:t>/12</a:t>
+            </a:r>
+            <a:endParaRPr kumimoji="1" lang="en-US" altLang="ja-JP" dirty="0"/>
           </a:p>
         </p:txBody>
       </p:sp>
@@ -28464,6 +28698,10 @@
                 <a:r>
                   <a:rPr lang="en-US" altLang="ja-JP" dirty="0"/>
                   <a:t>, </a:t>
+                </a:r>
+                <a:r>
+                  <a:rPr lang="ja-JP" altLang="en-US"/>
+                  <a:t>制御パス毎に計算される</a:t>
                 </a:r>
                 <a14:m>
                   <m:oMath xmlns:m="http://schemas.openxmlformats.org/officeDocument/2006/math">
@@ -28611,10 +28849,12 @@
                             </m:sSub>
                           </m:sup>
                         </m:sSup>
-                        <m:sSub>
-                          <m:sSubPr>
+                        <m:d>
+                          <m:dPr>
+                            <m:begChr m:val="{"/>
+                            <m:endChr m:val="}"/>
                             <m:ctrlPr>
-                              <a:rPr lang="en-US" altLang="ja-JP" i="1">
+                              <a:rPr lang="en-US" altLang="ja-JP" i="1" smtClean="0">
                                 <a:solidFill>
                                   <a:srgbClr val="FF0000"/>
                                 </a:solidFill>
@@ -28622,7 +28862,7 @@
                                 <a:ea typeface="Cambria Math" panose="02040503050406030204" pitchFamily="18" charset="0"/>
                               </a:rPr>
                             </m:ctrlPr>
-                          </m:sSubPr>
+                          </m:dPr>
                           <m:e>
                             <m:r>
                               <a:rPr lang="en-US" altLang="ja-JP" i="1">
@@ -28632,22 +28872,10 @@
                                 <a:latin typeface="Cambria Math" panose="02040503050406030204" pitchFamily="18" charset="0"/>
                                 <a:ea typeface="Cambria Math" panose="02040503050406030204" pitchFamily="18" charset="0"/>
                               </a:rPr>
-                              <m:t>𝑔</m:t>
+                              <m:t>~</m:t>
                             </m:r>
                           </m:e>
-                          <m:sub>
-                            <m:r>
-                              <a:rPr lang="en-US" altLang="ja-JP" i="1">
-                                <a:solidFill>
-                                  <a:srgbClr val="FF0000"/>
-                                </a:solidFill>
-                                <a:latin typeface="Cambria Math" panose="02040503050406030204" pitchFamily="18" charset="0"/>
-                                <a:ea typeface="Cambria Math" panose="02040503050406030204" pitchFamily="18" charset="0"/>
-                              </a:rPr>
-                              <m:t>𝑖</m:t>
-                            </m:r>
-                          </m:sub>
-                        </m:sSub>
+                        </m:d>
                       </m:e>
                     </m:nary>
                   </m:oMath>
@@ -28657,14 +28885,18 @@
                   <a:t>の</a:t>
                 </a:r>
                 <a:r>
-                  <a:rPr lang="ja-JP" altLang="en-US"/>
-                  <a:t>制御パスに対する</a:t>
-                </a:r>
-                <a:r>
-                  <a:rPr kumimoji="1" lang="ja-JP" altLang="en-US"/>
+                  <a:rPr kumimoji="1" lang="ja-JP" altLang="en-US">
+                    <a:solidFill>
+                      <a:schemeClr val="accent1"/>
+                    </a:solidFill>
+                  </a:rPr>
                   <a:t>期待値</a:t>
                 </a:r>
-                <a:endParaRPr kumimoji="1" lang="en-US" altLang="ja-JP" dirty="0"/>
+                <a:endParaRPr kumimoji="1" lang="en-US" altLang="ja-JP" dirty="0">
+                  <a:solidFill>
+                    <a:schemeClr val="accent1"/>
+                  </a:solidFill>
+                </a:endParaRPr>
               </a:p>
               <a:p>
                 <a:pPr lvl="1">
@@ -28739,7 +28971,7 @@
                 </a14:m>
                 <a:r>
                   <a:rPr lang="ja-JP" altLang="en-US"/>
-                  <a:t>を発生させて</a:t>
+                  <a:t>に対し</a:t>
                 </a:r>
                 <a:r>
                   <a:rPr lang="en-US" altLang="ja-JP" dirty="0"/>
@@ -28788,7 +29020,7 @@
                 </a:r>
                 <a:r>
                   <a:rPr lang="ja-JP" altLang="en-US"/>
-                  <a:t>それぞれのパスの</a:t>
+                  <a:t>それぞれのパスで計算した</a:t>
                 </a:r>
                 <a14:m>
                   <m:oMath xmlns:m="http://schemas.openxmlformats.org/officeDocument/2006/math">
@@ -29169,8 +29401,8 @@
             </p:sp>
           </mc:Fallback>
         </mc:AlternateContent>
-        <mc:AlternateContent xmlns:mc="http://schemas.openxmlformats.org/markup-compatibility/2006" xmlns:a14="http://schemas.microsoft.com/office/drawing/2010/main">
-          <mc:Choice Requires="a14">
+        <mc:AlternateContent xmlns:mc="http://schemas.openxmlformats.org/markup-compatibility/2006">
+          <mc:Choice xmlns:a14="http://schemas.microsoft.com/office/drawing/2010/main" Requires="a14">
             <p:sp>
               <p:nvSpPr>
                 <p:cNvPr id="12" name="テキスト ボックス 11">
@@ -29266,7 +29498,7 @@
                                 <m:ctrlPr>
                                   <a:rPr kumimoji="1" lang="ja-JP" altLang="en-US" i="1" smtClean="0">
                                     <a:solidFill>
-                                      <a:schemeClr val="tx1"/>
+                                      <a:schemeClr val="accent1"/>
                                     </a:solidFill>
                                     <a:latin typeface="Cambria Math" panose="02040503050406030204" pitchFamily="18" charset="0"/>
                                   </a:rPr>
@@ -29279,7 +29511,7 @@
                                   </m:rPr>
                                   <a:rPr kumimoji="1" lang="en-US" altLang="ja-JP" i="1">
                                     <a:solidFill>
-                                      <a:schemeClr val="tx1"/>
+                                      <a:schemeClr val="accent1"/>
                                     </a:solidFill>
                                     <a:latin typeface="Cambria Math" panose="02040503050406030204" pitchFamily="18" charset="0"/>
                                   </a:rPr>
@@ -29291,7 +29523,7 @@
                                 <m:r>
                                   <a:rPr kumimoji="1" lang="en-US" altLang="ja-JP" i="1" smtClean="0">
                                     <a:solidFill>
-                                      <a:schemeClr val="tx1"/>
+                                      <a:schemeClr val="accent1"/>
                                     </a:solidFill>
                                     <a:latin typeface="Cambria Math" panose="02040503050406030204" pitchFamily="18" charset="0"/>
                                     <a:ea typeface="Cambria Math" panose="02040503050406030204" pitchFamily="18" charset="0"/>
@@ -29304,7 +29536,7 @@
                                     <m:ctrlPr>
                                       <a:rPr kumimoji="1" lang="ja-JP" altLang="en-US" i="1">
                                         <a:solidFill>
-                                          <a:schemeClr val="tx1"/>
+                                          <a:schemeClr val="accent1"/>
                                         </a:solidFill>
                                         <a:latin typeface="Cambria Math" panose="02040503050406030204" pitchFamily="18" charset="0"/>
                                       </a:rPr>
@@ -29317,7 +29549,7 @@
                                       </m:rPr>
                                       <a:rPr kumimoji="1" lang="en-US" altLang="ja-JP" i="1">
                                         <a:solidFill>
-                                          <a:schemeClr val="tx1"/>
+                                          <a:schemeClr val="accent1"/>
                                         </a:solidFill>
                                         <a:latin typeface="Cambria Math" panose="02040503050406030204" pitchFamily="18" charset="0"/>
                                       </a:rPr>
@@ -29331,7 +29563,7 @@
                                         <m:ctrlPr>
                                           <a:rPr kumimoji="1" lang="en-US" altLang="ja-JP" i="1" smtClean="0">
                                             <a:solidFill>
-                                              <a:schemeClr val="tx1"/>
+                                              <a:schemeClr val="accent1"/>
                                             </a:solidFill>
                                             <a:latin typeface="Cambria Math" panose="02040503050406030204" pitchFamily="18" charset="0"/>
                                           </a:rPr>
@@ -29341,7 +29573,7 @@
                                         <m:r>
                                           <a:rPr kumimoji="1" lang="en-US" altLang="ja-JP" b="0" i="1" smtClean="0">
                                             <a:solidFill>
-                                              <a:schemeClr val="tx1"/>
+                                              <a:schemeClr val="accent1"/>
                                             </a:solidFill>
                                             <a:latin typeface="Cambria Math" panose="02040503050406030204" pitchFamily="18" charset="0"/>
                                           </a:rPr>
@@ -29352,7 +29584,7 @@
                                         <m:r>
                                           <a:rPr kumimoji="1" lang="en-US" altLang="ja-JP" b="0" i="1" smtClean="0">
                                             <a:solidFill>
-                                              <a:schemeClr val="tx1"/>
+                                              <a:schemeClr val="accent1"/>
                                             </a:solidFill>
                                             <a:latin typeface="Cambria Math" panose="02040503050406030204" pitchFamily="18" charset="0"/>
                                           </a:rPr>
@@ -29363,7 +29595,7 @@
                                     <m:r>
                                       <a:rPr kumimoji="1" lang="en-US" altLang="ja-JP" b="0" i="1" smtClean="0">
                                         <a:solidFill>
-                                          <a:schemeClr val="tx1"/>
+                                          <a:schemeClr val="accent1"/>
                                         </a:solidFill>
                                         <a:latin typeface="Cambria Math" panose="02040503050406030204" pitchFamily="18" charset="0"/>
                                       </a:rPr>
@@ -29374,7 +29606,7 @@
                                         <m:ctrlPr>
                                           <a:rPr kumimoji="1" lang="en-US" altLang="ja-JP" b="0" i="1" smtClean="0">
                                             <a:solidFill>
-                                              <a:schemeClr val="tx1"/>
+                                              <a:schemeClr val="accent1"/>
                                             </a:solidFill>
                                             <a:latin typeface="Cambria Math" panose="02040503050406030204" pitchFamily="18" charset="0"/>
                                           </a:rPr>
@@ -29384,7 +29616,7 @@
                                         <m:r>
                                           <a:rPr kumimoji="1" lang="en-US" altLang="ja-JP" b="0" i="1" smtClean="0">
                                             <a:solidFill>
-                                              <a:schemeClr val="tx1"/>
+                                              <a:schemeClr val="accent1"/>
                                             </a:solidFill>
                                             <a:latin typeface="Cambria Math" panose="02040503050406030204" pitchFamily="18" charset="0"/>
                                           </a:rPr>
@@ -29395,7 +29627,7 @@
                                         <m:r>
                                           <a:rPr kumimoji="1" lang="en-US" altLang="ja-JP" b="0" i="1" smtClean="0">
                                             <a:solidFill>
-                                              <a:schemeClr val="tx1"/>
+                                              <a:schemeClr val="accent1"/>
                                             </a:solidFill>
                                             <a:latin typeface="Cambria Math" panose="02040503050406030204" pitchFamily="18" charset="0"/>
                                           </a:rPr>
@@ -29406,7 +29638,7 @@
                                     <m:r>
                                       <a:rPr kumimoji="1" lang="en-US" altLang="ja-JP" b="0" i="1" smtClean="0">
                                         <a:solidFill>
-                                          <a:schemeClr val="tx1"/>
+                                          <a:schemeClr val="accent1"/>
                                         </a:solidFill>
                                         <a:latin typeface="Cambria Math" panose="02040503050406030204" pitchFamily="18" charset="0"/>
                                       </a:rPr>
@@ -29418,7 +29650,7 @@
                                       </m:rPr>
                                       <a:rPr kumimoji="1" lang="en-US" altLang="ja-JP">
                                         <a:solidFill>
-                                          <a:schemeClr val="tx1"/>
+                                          <a:schemeClr val="accent1"/>
                                         </a:solidFill>
                                         <a:latin typeface="Cambria Math" panose="02040503050406030204" pitchFamily="18" charset="0"/>
                                       </a:rPr>
@@ -29427,7 +29659,7 @@
                                     <m:r>
                                       <a:rPr kumimoji="1" lang="en-US" altLang="ja-JP" i="1">
                                         <a:solidFill>
-                                          <a:schemeClr val="tx1"/>
+                                          <a:schemeClr val="accent1"/>
                                         </a:solidFill>
                                         <a:latin typeface="Cambria Math" panose="02040503050406030204" pitchFamily="18" charset="0"/>
                                       </a:rPr>
@@ -29438,7 +29670,7 @@
                                         <m:ctrlPr>
                                           <a:rPr kumimoji="1" lang="en-US" altLang="ja-JP" i="1">
                                             <a:solidFill>
-                                              <a:schemeClr val="tx1"/>
+                                              <a:schemeClr val="accent1"/>
                                             </a:solidFill>
                                             <a:latin typeface="Cambria Math" panose="02040503050406030204" pitchFamily="18" charset="0"/>
                                             <a:ea typeface="Cambria Math" panose="02040503050406030204" pitchFamily="18" charset="0"/>
@@ -29449,7 +29681,7 @@
                                         <m:r>
                                           <a:rPr kumimoji="1" lang="en-US" altLang="ja-JP" i="1">
                                             <a:solidFill>
-                                              <a:schemeClr val="tx1"/>
+                                              <a:schemeClr val="accent1"/>
                                             </a:solidFill>
                                             <a:latin typeface="Cambria Math" panose="02040503050406030204" pitchFamily="18" charset="0"/>
                                             <a:ea typeface="Cambria Math" panose="02040503050406030204" pitchFamily="18" charset="0"/>
@@ -29461,7 +29693,7 @@
                                         <m:r>
                                           <a:rPr kumimoji="1" lang="en-US" altLang="ja-JP" b="0" i="1" smtClean="0">
                                             <a:solidFill>
-                                              <a:schemeClr val="tx1"/>
+                                              <a:schemeClr val="accent1"/>
                                             </a:solidFill>
                                             <a:latin typeface="Cambria Math" panose="02040503050406030204" pitchFamily="18" charset="0"/>
                                             <a:ea typeface="Cambria Math" panose="02040503050406030204" pitchFamily="18" charset="0"/>
@@ -29473,7 +29705,7 @@
                                     <m:r>
                                       <a:rPr kumimoji="1" lang="en-US" altLang="ja-JP" i="1">
                                         <a:solidFill>
-                                          <a:schemeClr val="tx1"/>
+                                          <a:schemeClr val="accent1"/>
                                         </a:solidFill>
                                         <a:latin typeface="Cambria Math" panose="02040503050406030204" pitchFamily="18" charset="0"/>
                                         <a:ea typeface="Cambria Math" panose="02040503050406030204" pitchFamily="18" charset="0"/>
@@ -29485,7 +29717,7 @@
                                         <m:ctrlPr>
                                           <a:rPr kumimoji="1" lang="en-US" altLang="ja-JP" i="1" smtClean="0">
                                             <a:solidFill>
-                                              <a:schemeClr val="tx1"/>
+                                              <a:schemeClr val="accent1"/>
                                             </a:solidFill>
                                             <a:latin typeface="Cambria Math" panose="02040503050406030204" pitchFamily="18" charset="0"/>
                                             <a:ea typeface="Cambria Math" panose="02040503050406030204" pitchFamily="18" charset="0"/>
@@ -29496,7 +29728,7 @@
                                         <m:r>
                                           <a:rPr kumimoji="1" lang="en-US" altLang="ja-JP" b="0" i="1" smtClean="0">
                                             <a:solidFill>
-                                              <a:schemeClr val="tx1"/>
+                                              <a:schemeClr val="accent1"/>
                                             </a:solidFill>
                                             <a:latin typeface="Cambria Math" panose="02040503050406030204" pitchFamily="18" charset="0"/>
                                             <a:ea typeface="Cambria Math" panose="02040503050406030204" pitchFamily="18" charset="0"/>
@@ -29508,7 +29740,7 @@
                                         <m:r>
                                           <a:rPr kumimoji="1" lang="en-US" altLang="ja-JP" b="0" i="1" smtClean="0">
                                             <a:solidFill>
-                                              <a:schemeClr val="tx1"/>
+                                              <a:schemeClr val="accent1"/>
                                             </a:solidFill>
                                             <a:latin typeface="Cambria Math" panose="02040503050406030204" pitchFamily="18" charset="0"/>
                                             <a:ea typeface="Cambria Math" panose="02040503050406030204" pitchFamily="18" charset="0"/>
@@ -29520,7 +29752,7 @@
                                     <m:r>
                                       <a:rPr kumimoji="1" lang="en-US" altLang="ja-JP" i="1">
                                         <a:solidFill>
-                                          <a:schemeClr val="tx1"/>
+                                          <a:schemeClr val="accent1"/>
                                         </a:solidFill>
                                         <a:latin typeface="Cambria Math" panose="02040503050406030204" pitchFamily="18" charset="0"/>
                                         <a:ea typeface="Cambria Math" panose="02040503050406030204" pitchFamily="18" charset="0"/>
@@ -29530,7 +29762,7 @@
                                     <m:r>
                                       <a:rPr kumimoji="1" lang="en-US" altLang="ja-JP" b="0" i="1" smtClean="0">
                                         <a:solidFill>
-                                          <a:schemeClr val="tx1"/>
+                                          <a:schemeClr val="accent1"/>
                                         </a:solidFill>
                                         <a:latin typeface="Cambria Math" panose="02040503050406030204" pitchFamily="18" charset="0"/>
                                         <a:ea typeface="Cambria Math" panose="02040503050406030204" pitchFamily="18" charset="0"/>
@@ -29540,7 +29772,7 @@
                                     <m:r>
                                       <a:rPr kumimoji="1" lang="en-US" altLang="ja-JP" i="1" smtClean="0">
                                         <a:solidFill>
-                                          <a:schemeClr val="tx1"/>
+                                          <a:schemeClr val="accent1"/>
                                         </a:solidFill>
                                         <a:latin typeface="Cambria Math" panose="02040503050406030204" pitchFamily="18" charset="0"/>
                                         <a:ea typeface="Cambria Math" panose="02040503050406030204" pitchFamily="18" charset="0"/>
@@ -29552,7 +29784,7 @@
                                         <m:ctrlPr>
                                           <a:rPr kumimoji="1" lang="en-US" altLang="ja-JP" i="1">
                                             <a:solidFill>
-                                              <a:schemeClr val="tx1"/>
+                                              <a:schemeClr val="accent1"/>
                                             </a:solidFill>
                                             <a:latin typeface="Cambria Math" panose="02040503050406030204" pitchFamily="18" charset="0"/>
                                           </a:rPr>
@@ -29562,7 +29794,7 @@
                                         <m:r>
                                           <a:rPr kumimoji="1" lang="en-US" altLang="ja-JP" i="1">
                                             <a:solidFill>
-                                              <a:schemeClr val="tx1"/>
+                                              <a:schemeClr val="accent1"/>
                                             </a:solidFill>
                                             <a:latin typeface="Cambria Math" panose="02040503050406030204" pitchFamily="18" charset="0"/>
                                             <a:ea typeface="Cambria Math" panose="02040503050406030204" pitchFamily="18" charset="0"/>
@@ -29574,7 +29806,7 @@
                                         <m:r>
                                           <a:rPr kumimoji="1" lang="en-US" altLang="ja-JP" i="1">
                                             <a:solidFill>
-                                              <a:schemeClr val="tx1"/>
+                                              <a:schemeClr val="accent1"/>
                                             </a:solidFill>
                                             <a:latin typeface="Cambria Math" panose="02040503050406030204" pitchFamily="18" charset="0"/>
                                             <a:ea typeface="Cambria Math" panose="02040503050406030204" pitchFamily="18" charset="0"/>
@@ -29586,7 +29818,7 @@
                                     <m:r>
                                       <a:rPr kumimoji="1" lang="en-US" altLang="ja-JP" i="1">
                                         <a:solidFill>
-                                          <a:schemeClr val="tx1"/>
+                                          <a:schemeClr val="accent1"/>
                                         </a:solidFill>
                                         <a:latin typeface="Cambria Math" panose="02040503050406030204" pitchFamily="18" charset="0"/>
                                       </a:rPr>
@@ -29601,7 +29833,7 @@
                         <m:r>
                           <a:rPr kumimoji="1" lang="en-US" altLang="ja-JP" i="1" smtClean="0">
                             <a:solidFill>
-                              <a:schemeClr val="tx1"/>
+                              <a:schemeClr val="accent1"/>
                             </a:solidFill>
                             <a:latin typeface="Cambria Math" panose="02040503050406030204" pitchFamily="18" charset="0"/>
                             <a:ea typeface="Cambria Math" panose="02040503050406030204" pitchFamily="18" charset="0"/>
@@ -29614,7 +29846,7 @@
                           </m:rPr>
                           <a:rPr kumimoji="1" lang="en-US" altLang="ja-JP">
                             <a:solidFill>
-                              <a:schemeClr val="tx1"/>
+                              <a:schemeClr val="accent1"/>
                             </a:solidFill>
                             <a:latin typeface="Cambria Math" panose="02040503050406030204" pitchFamily="18" charset="0"/>
                           </a:rPr>
@@ -29623,7 +29855,7 @@
                         <m:r>
                           <a:rPr kumimoji="1" lang="en-US" altLang="ja-JP" i="1">
                             <a:solidFill>
-                              <a:schemeClr val="tx1"/>
+                              <a:schemeClr val="accent1"/>
                             </a:solidFill>
                             <a:latin typeface="Cambria Math" panose="02040503050406030204" pitchFamily="18" charset="0"/>
                           </a:rPr>
@@ -29634,7 +29866,7 @@
                             <m:ctrlPr>
                               <a:rPr kumimoji="1" lang="en-US" altLang="ja-JP" i="1">
                                 <a:solidFill>
-                                  <a:schemeClr val="tx1"/>
+                                  <a:schemeClr val="accent1"/>
                                 </a:solidFill>
                                 <a:latin typeface="Cambria Math" panose="02040503050406030204" pitchFamily="18" charset="0"/>
                                 <a:ea typeface="Cambria Math" panose="02040503050406030204" pitchFamily="18" charset="0"/>
@@ -29645,7 +29877,7 @@
                             <m:r>
                               <a:rPr kumimoji="1" lang="en-US" altLang="ja-JP" i="1">
                                 <a:solidFill>
-                                  <a:schemeClr val="tx1"/>
+                                  <a:schemeClr val="accent1"/>
                                 </a:solidFill>
                                 <a:latin typeface="Cambria Math" panose="02040503050406030204" pitchFamily="18" charset="0"/>
                                 <a:ea typeface="Cambria Math" panose="02040503050406030204" pitchFamily="18" charset="0"/>
@@ -29657,7 +29889,7 @@
                             <m:r>
                               <a:rPr kumimoji="1" lang="en-US" altLang="ja-JP" b="0" i="1" smtClean="0">
                                 <a:solidFill>
-                                  <a:schemeClr val="tx1"/>
+                                  <a:schemeClr val="accent1"/>
                                 </a:solidFill>
                                 <a:latin typeface="Cambria Math" panose="02040503050406030204" pitchFamily="18" charset="0"/>
                                 <a:ea typeface="Cambria Math" panose="02040503050406030204" pitchFamily="18" charset="0"/>
@@ -29669,7 +29901,7 @@
                         <m:r>
                           <a:rPr kumimoji="1" lang="en-US" altLang="ja-JP" i="1">
                             <a:solidFill>
-                              <a:schemeClr val="tx1"/>
+                              <a:schemeClr val="accent1"/>
                             </a:solidFill>
                             <a:latin typeface="Cambria Math" panose="02040503050406030204" pitchFamily="18" charset="0"/>
                             <a:ea typeface="Cambria Math" panose="02040503050406030204" pitchFamily="18" charset="0"/>
@@ -29681,7 +29913,7 @@
                             <m:ctrlPr>
                               <a:rPr kumimoji="1" lang="en-US" altLang="ja-JP" i="1">
                                 <a:solidFill>
-                                  <a:schemeClr val="tx1"/>
+                                  <a:schemeClr val="accent1"/>
                                 </a:solidFill>
                                 <a:latin typeface="Cambria Math" panose="02040503050406030204" pitchFamily="18" charset="0"/>
                                 <a:ea typeface="Cambria Math" panose="02040503050406030204" pitchFamily="18" charset="0"/>
@@ -29692,7 +29924,7 @@
                             <m:r>
                               <a:rPr kumimoji="1" lang="en-US" altLang="ja-JP" i="1">
                                 <a:solidFill>
-                                  <a:schemeClr val="tx1"/>
+                                  <a:schemeClr val="accent1"/>
                                 </a:solidFill>
                                 <a:latin typeface="Cambria Math" panose="02040503050406030204" pitchFamily="18" charset="0"/>
                                 <a:ea typeface="Cambria Math" panose="02040503050406030204" pitchFamily="18" charset="0"/>
@@ -29704,7 +29936,7 @@
                             <m:r>
                               <a:rPr kumimoji="1" lang="en-US" altLang="ja-JP" b="0" i="1" smtClean="0">
                                 <a:solidFill>
-                                  <a:schemeClr val="tx1"/>
+                                  <a:schemeClr val="accent1"/>
                                 </a:solidFill>
                                 <a:latin typeface="Cambria Math" panose="02040503050406030204" pitchFamily="18" charset="0"/>
                                 <a:ea typeface="Cambria Math" panose="02040503050406030204" pitchFamily="18" charset="0"/>
@@ -29714,7 +29946,7 @@
                             <m:r>
                               <a:rPr kumimoji="1" lang="en-US" altLang="ja-JP" b="0" i="1" smtClean="0">
                                 <a:solidFill>
-                                  <a:schemeClr val="tx1"/>
+                                  <a:schemeClr val="accent1"/>
                                 </a:solidFill>
                                 <a:latin typeface="Cambria Math" panose="02040503050406030204" pitchFamily="18" charset="0"/>
                                 <a:ea typeface="Cambria Math" panose="02040503050406030204" pitchFamily="18" charset="0"/>
@@ -29726,7 +29958,7 @@
                         <m:r>
                           <a:rPr kumimoji="1" lang="en-US" altLang="ja-JP" i="1">
                             <a:solidFill>
-                              <a:schemeClr val="tx1"/>
+                              <a:schemeClr val="accent1"/>
                             </a:solidFill>
                             <a:latin typeface="Cambria Math" panose="02040503050406030204" pitchFamily="18" charset="0"/>
                             <a:ea typeface="Cambria Math" panose="02040503050406030204" pitchFamily="18" charset="0"/>
@@ -29738,7 +29970,7 @@
                             <m:ctrlPr>
                               <a:rPr kumimoji="1" lang="en-US" altLang="ja-JP" i="1">
                                 <a:solidFill>
-                                  <a:schemeClr val="tx1"/>
+                                  <a:schemeClr val="accent1"/>
                                 </a:solidFill>
                                 <a:latin typeface="Cambria Math" panose="02040503050406030204" pitchFamily="18" charset="0"/>
                               </a:rPr>
@@ -29748,7 +29980,7 @@
                             <m:r>
                               <a:rPr kumimoji="1" lang="en-US" altLang="ja-JP" i="1">
                                 <a:solidFill>
-                                  <a:schemeClr val="tx1"/>
+                                  <a:schemeClr val="accent1"/>
                                 </a:solidFill>
                                 <a:latin typeface="Cambria Math" panose="02040503050406030204" pitchFamily="18" charset="0"/>
                                 <a:ea typeface="Cambria Math" panose="02040503050406030204" pitchFamily="18" charset="0"/>
@@ -29760,7 +29992,7 @@
                             <m:r>
                               <a:rPr kumimoji="1" lang="en-US" altLang="ja-JP" i="1">
                                 <a:solidFill>
-                                  <a:schemeClr val="tx1"/>
+                                  <a:schemeClr val="accent1"/>
                                 </a:solidFill>
                                 <a:latin typeface="Cambria Math" panose="02040503050406030204" pitchFamily="18" charset="0"/>
                                 <a:ea typeface="Cambria Math" panose="02040503050406030204" pitchFamily="18" charset="0"/>
@@ -29772,7 +30004,7 @@
                         <m:r>
                           <a:rPr kumimoji="1" lang="en-US" altLang="ja-JP" i="1">
                             <a:solidFill>
-                              <a:schemeClr val="tx1"/>
+                              <a:schemeClr val="accent1"/>
                             </a:solidFill>
                             <a:latin typeface="Cambria Math" panose="02040503050406030204" pitchFamily="18" charset="0"/>
                           </a:rPr>
@@ -29788,7 +30020,7 @@
               </p:txBody>
             </p:sp>
           </mc:Choice>
-          <mc:Fallback xmlns="">
+          <mc:Fallback>
             <p:sp>
               <p:nvSpPr>
                 <p:cNvPr id="12" name="テキスト ボックス 11">
@@ -29875,7 +30107,7 @@
                             <m:ctrlPr>
                               <a:rPr kumimoji="1" lang="en-US" altLang="ja-JP" i="1" smtClean="0">
                                 <a:solidFill>
-                                  <a:schemeClr val="tx1"/>
+                                  <a:srgbClr val="FF0000"/>
                                 </a:solidFill>
                                 <a:latin typeface="Cambria Math" panose="02040503050406030204" pitchFamily="18" charset="0"/>
                                 <a:ea typeface="Cambria Math" panose="02040503050406030204" pitchFamily="18" charset="0"/>
@@ -29886,7 +30118,7 @@
                             <m:r>
                               <a:rPr kumimoji="1" lang="en-US" altLang="ja-JP" i="1" smtClean="0">
                                 <a:solidFill>
-                                  <a:schemeClr val="tx1"/>
+                                  <a:srgbClr val="FF0000"/>
                                 </a:solidFill>
                                 <a:latin typeface="Cambria Math" panose="02040503050406030204" pitchFamily="18" charset="0"/>
                                 <a:ea typeface="Cambria Math" panose="02040503050406030204" pitchFamily="18" charset="0"/>
@@ -29898,7 +30130,7 @@
                             <m:r>
                               <a:rPr kumimoji="1" lang="en-US" altLang="ja-JP" i="1" smtClean="0">
                                 <a:solidFill>
-                                  <a:schemeClr val="tx1"/>
+                                  <a:srgbClr val="FF0000"/>
                                 </a:solidFill>
                                 <a:latin typeface="Cambria Math" panose="02040503050406030204" pitchFamily="18" charset="0"/>
                                 <a:ea typeface="Cambria Math" panose="02040503050406030204" pitchFamily="18" charset="0"/>
@@ -29908,7 +30140,7 @@
                             <m:r>
                               <a:rPr kumimoji="1" lang="en-US" altLang="ja-JP" i="1" smtClean="0">
                                 <a:solidFill>
-                                  <a:schemeClr val="tx1"/>
+                                  <a:srgbClr val="FF0000"/>
                                 </a:solidFill>
                                 <a:latin typeface="Cambria Math" panose="02040503050406030204" pitchFamily="18" charset="0"/>
                                 <a:ea typeface="Cambria Math" panose="02040503050406030204" pitchFamily="18" charset="0"/>
@@ -29920,7 +30152,7 @@
                                 <m:ctrlPr>
                                   <a:rPr kumimoji="1" lang="en-US" altLang="ja-JP" i="1" smtClean="0">
                                     <a:solidFill>
-                                      <a:schemeClr val="tx1"/>
+                                      <a:srgbClr val="FF0000"/>
                                     </a:solidFill>
                                     <a:latin typeface="Cambria Math" panose="02040503050406030204" pitchFamily="18" charset="0"/>
                                     <a:ea typeface="Cambria Math" panose="02040503050406030204" pitchFamily="18" charset="0"/>
@@ -29931,7 +30163,7 @@
                                 <m:r>
                                   <a:rPr kumimoji="1" lang="en-US" altLang="ja-JP" b="0" i="1" smtClean="0">
                                     <a:solidFill>
-                                      <a:schemeClr val="tx1"/>
+                                      <a:srgbClr val="FF0000"/>
                                     </a:solidFill>
                                     <a:latin typeface="Cambria Math" panose="02040503050406030204" pitchFamily="18" charset="0"/>
                                     <a:ea typeface="Cambria Math" panose="02040503050406030204" pitchFamily="18" charset="0"/>
@@ -29943,7 +30175,7 @@
                                 <m:r>
                                   <a:rPr kumimoji="1" lang="en-US" altLang="ja-JP" b="0" i="1" smtClean="0">
                                     <a:solidFill>
-                                      <a:schemeClr val="tx1"/>
+                                      <a:srgbClr val="FF0000"/>
                                     </a:solidFill>
                                     <a:latin typeface="Cambria Math" panose="02040503050406030204" pitchFamily="18" charset="0"/>
                                     <a:ea typeface="Cambria Math" panose="02040503050406030204" pitchFamily="18" charset="0"/>
@@ -29961,7 +30193,7 @@
                             <m:ctrlPr>
                               <a:rPr kumimoji="1" lang="en-US" altLang="ja-JP" b="0" i="1" smtClean="0">
                                 <a:solidFill>
-                                  <a:schemeClr val="tx1"/>
+                                  <a:srgbClr val="FF0000"/>
                                 </a:solidFill>
                                 <a:latin typeface="Cambria Math" panose="02040503050406030204" pitchFamily="18" charset="0"/>
                                 <a:ea typeface="Cambria Math" panose="02040503050406030204" pitchFamily="18" charset="0"/>
@@ -29974,7 +30206,7 @@
                                 <m:ctrlPr>
                                   <a:rPr kumimoji="1" lang="en-US" altLang="ja-JP" i="1">
                                     <a:solidFill>
-                                      <a:schemeClr val="tx1"/>
+                                      <a:srgbClr val="FF0000"/>
                                     </a:solidFill>
                                     <a:latin typeface="Cambria Math" panose="02040503050406030204" pitchFamily="18" charset="0"/>
                                   </a:rPr>
@@ -29987,7 +30219,7 @@
                                   </m:rPr>
                                   <a:rPr kumimoji="1" lang="en-US" altLang="ja-JP" i="1">
                                     <a:solidFill>
-                                      <a:schemeClr val="tx1"/>
+                                      <a:srgbClr val="FF0000"/>
                                     </a:solidFill>
                                     <a:latin typeface="Cambria Math" panose="02040503050406030204" pitchFamily="18" charset="0"/>
                                     <a:ea typeface="Cambria Math" panose="02040503050406030204" pitchFamily="18" charset="0"/>
@@ -29999,7 +30231,7 @@
                                 <m:r>
                                   <a:rPr kumimoji="1" lang="en-US" altLang="ja-JP" i="1">
                                     <a:solidFill>
-                                      <a:schemeClr val="tx1"/>
+                                      <a:srgbClr val="FF0000"/>
                                     </a:solidFill>
                                     <a:latin typeface="Cambria Math" panose="02040503050406030204" pitchFamily="18" charset="0"/>
                                     <a:ea typeface="Cambria Math" panose="02040503050406030204" pitchFamily="18" charset="0"/>
@@ -30013,7 +30245,7 @@
                                 <m:ctrlPr>
                                   <a:rPr kumimoji="1" lang="en-US" altLang="ja-JP" i="1">
                                     <a:solidFill>
-                                      <a:schemeClr val="tx1"/>
+                                      <a:srgbClr val="FF0000"/>
                                     </a:solidFill>
                                     <a:latin typeface="Cambria Math" panose="02040503050406030204" pitchFamily="18" charset="0"/>
                                   </a:rPr>
@@ -30023,7 +30255,7 @@
                                 <m:r>
                                   <a:rPr kumimoji="1" lang="en-US" altLang="ja-JP" i="1">
                                     <a:solidFill>
-                                      <a:schemeClr val="tx1"/>
+                                      <a:srgbClr val="FF0000"/>
                                     </a:solidFill>
                                     <a:latin typeface="Cambria Math" panose="02040503050406030204" pitchFamily="18" charset="0"/>
                                     <a:ea typeface="Cambria Math" panose="02040503050406030204" pitchFamily="18" charset="0"/>
@@ -30035,7 +30267,7 @@
                                 <m:r>
                                   <a:rPr kumimoji="1" lang="en-US" altLang="ja-JP" i="1">
                                     <a:solidFill>
-                                      <a:schemeClr val="tx1"/>
+                                      <a:srgbClr val="FF0000"/>
                                     </a:solidFill>
                                     <a:latin typeface="Cambria Math" panose="02040503050406030204" pitchFamily="18" charset="0"/>
                                     <a:ea typeface="Cambria Math" panose="02040503050406030204" pitchFamily="18" charset="0"/>
@@ -30049,7 +30281,7 @@
                                 <m:ctrlPr>
                                   <a:rPr kumimoji="1" lang="en-US" altLang="ja-JP" b="0" i="1" smtClean="0">
                                     <a:solidFill>
-                                      <a:schemeClr val="tx1"/>
+                                      <a:srgbClr val="FF0000"/>
                                     </a:solidFill>
                                     <a:latin typeface="Cambria Math" panose="02040503050406030204" pitchFamily="18" charset="0"/>
                                     <a:ea typeface="Cambria Math" panose="02040503050406030204" pitchFamily="18" charset="0"/>
@@ -30062,7 +30294,7 @@
                                     <m:ctrlPr>
                                       <a:rPr kumimoji="1" lang="en-US" altLang="ja-JP" b="0" i="1" smtClean="0">
                                         <a:solidFill>
-                                          <a:schemeClr val="tx1"/>
+                                          <a:srgbClr val="FF0000"/>
                                         </a:solidFill>
                                         <a:latin typeface="Cambria Math" panose="02040503050406030204" pitchFamily="18" charset="0"/>
                                         <a:ea typeface="Cambria Math" panose="02040503050406030204" pitchFamily="18" charset="0"/>
@@ -30073,7 +30305,7 @@
                                     <m:r>
                                       <a:rPr kumimoji="1" lang="en-US" altLang="ja-JP" b="0" i="1" smtClean="0">
                                         <a:solidFill>
-                                          <a:schemeClr val="tx1"/>
+                                          <a:srgbClr val="FF0000"/>
                                         </a:solidFill>
                                         <a:latin typeface="Cambria Math" panose="02040503050406030204" pitchFamily="18" charset="0"/>
                                         <a:ea typeface="Cambria Math" panose="02040503050406030204" pitchFamily="18" charset="0"/>
@@ -30085,7 +30317,7 @@
                                     <m:r>
                                       <a:rPr kumimoji="1" lang="en-US" altLang="ja-JP" b="0" i="1" smtClean="0">
                                         <a:solidFill>
-                                          <a:schemeClr val="tx1"/>
+                                          <a:srgbClr val="FF0000"/>
                                         </a:solidFill>
                                         <a:latin typeface="Cambria Math" panose="02040503050406030204" pitchFamily="18" charset="0"/>
                                         <a:ea typeface="Cambria Math" panose="02040503050406030204" pitchFamily="18" charset="0"/>
@@ -30101,7 +30333,7 @@
                                 <m:ctrlPr>
                                   <a:rPr kumimoji="1" lang="en-US" altLang="ja-JP" i="1">
                                     <a:solidFill>
-                                      <a:schemeClr val="tx1"/>
+                                      <a:srgbClr val="FF0000"/>
                                     </a:solidFill>
                                     <a:latin typeface="Cambria Math" panose="02040503050406030204" pitchFamily="18" charset="0"/>
                                   </a:rPr>
@@ -30114,7 +30346,7 @@
                                   </m:rPr>
                                   <a:rPr kumimoji="1" lang="en-US" altLang="ja-JP" i="1">
                                     <a:solidFill>
-                                      <a:schemeClr val="tx1"/>
+                                      <a:srgbClr val="FF0000"/>
                                     </a:solidFill>
                                     <a:latin typeface="Cambria Math" panose="02040503050406030204" pitchFamily="18" charset="0"/>
                                     <a:ea typeface="Cambria Math" panose="02040503050406030204" pitchFamily="18" charset="0"/>
@@ -30126,7 +30358,7 @@
                                 <m:r>
                                   <a:rPr kumimoji="1" lang="en-US" altLang="ja-JP" b="0" i="1" smtClean="0">
                                     <a:solidFill>
-                                      <a:schemeClr val="tx1"/>
+                                      <a:srgbClr val="FF0000"/>
                                     </a:solidFill>
                                     <a:latin typeface="Cambria Math" panose="02040503050406030204" pitchFamily="18" charset="0"/>
                                     <a:ea typeface="Cambria Math" panose="02040503050406030204" pitchFamily="18" charset="0"/>
@@ -30140,7 +30372,7 @@
                                 <m:ctrlPr>
                                   <a:rPr lang="en-US" altLang="ja-JP" i="1">
                                     <a:solidFill>
-                                      <a:schemeClr val="tx1"/>
+                                      <a:srgbClr val="FF0000"/>
                                     </a:solidFill>
                                     <a:latin typeface="Cambria Math" panose="02040503050406030204" pitchFamily="18" charset="0"/>
                                     <a:ea typeface="Cambria Math" panose="02040503050406030204" pitchFamily="18" charset="0"/>
@@ -30151,7 +30383,7 @@
                                 <m:r>
                                   <a:rPr lang="en-US" altLang="ja-JP" i="1">
                                     <a:solidFill>
-                                      <a:schemeClr val="tx1"/>
+                                      <a:srgbClr val="FF0000"/>
                                     </a:solidFill>
                                     <a:latin typeface="Cambria Math" panose="02040503050406030204" pitchFamily="18" charset="0"/>
                                     <a:ea typeface="Cambria Math" panose="02040503050406030204" pitchFamily="18" charset="0"/>
@@ -30165,7 +30397,7 @@
                                     <m:ctrlPr>
                                       <a:rPr kumimoji="1" lang="en-US" altLang="ja-JP" i="1">
                                         <a:solidFill>
-                                          <a:schemeClr val="tx1"/>
+                                          <a:srgbClr val="FF0000"/>
                                         </a:solidFill>
                                         <a:latin typeface="Cambria Math" panose="02040503050406030204" pitchFamily="18" charset="0"/>
                                       </a:rPr>
@@ -30175,7 +30407,7 @@
                                     <m:r>
                                       <a:rPr kumimoji="1" lang="en-US" altLang="ja-JP" i="1">
                                         <a:solidFill>
-                                          <a:schemeClr val="tx1"/>
+                                          <a:srgbClr val="FF0000"/>
                                         </a:solidFill>
                                         <a:latin typeface="Cambria Math" panose="02040503050406030204" pitchFamily="18" charset="0"/>
                                         <a:ea typeface="Cambria Math" panose="02040503050406030204" pitchFamily="18" charset="0"/>
@@ -30187,7 +30419,7 @@
                                     <m:r>
                                       <a:rPr kumimoji="1" lang="en-US" altLang="ja-JP" i="1">
                                         <a:solidFill>
-                                          <a:schemeClr val="tx1"/>
+                                          <a:srgbClr val="FF0000"/>
                                         </a:solidFill>
                                         <a:latin typeface="Cambria Math" panose="02040503050406030204" pitchFamily="18" charset="0"/>
                                         <a:ea typeface="Cambria Math" panose="02040503050406030204" pitchFamily="18" charset="0"/>
@@ -30203,7 +30435,7 @@
                                 <m:ctrlPr>
                                   <a:rPr lang="en-US" altLang="ja-JP" i="1">
                                     <a:solidFill>
-                                      <a:schemeClr val="tx1"/>
+                                      <a:srgbClr val="FF0000"/>
                                     </a:solidFill>
                                     <a:latin typeface="Cambria Math" panose="02040503050406030204" pitchFamily="18" charset="0"/>
                                     <a:ea typeface="Cambria Math" panose="02040503050406030204" pitchFamily="18" charset="0"/>
@@ -30216,7 +30448,7 @@
                                     <m:ctrlPr>
                                       <a:rPr lang="en-US" altLang="ja-JP" i="1" smtClean="0">
                                         <a:solidFill>
-                                          <a:schemeClr val="tx1"/>
+                                          <a:srgbClr val="FF0000"/>
                                         </a:solidFill>
                                         <a:latin typeface="Cambria Math" panose="02040503050406030204" pitchFamily="18" charset="0"/>
                                         <a:ea typeface="Cambria Math" panose="02040503050406030204" pitchFamily="18" charset="0"/>
@@ -30227,7 +30459,7 @@
                                     <m:r>
                                       <a:rPr lang="en-US" altLang="ja-JP" b="0" i="1" smtClean="0">
                                         <a:solidFill>
-                                          <a:schemeClr val="tx1"/>
+                                          <a:srgbClr val="FF0000"/>
                                         </a:solidFill>
                                         <a:latin typeface="Cambria Math" panose="02040503050406030204" pitchFamily="18" charset="0"/>
                                         <a:ea typeface="Cambria Math" panose="02040503050406030204" pitchFamily="18" charset="0"/>
@@ -30239,7 +30471,7 @@
                                     <m:r>
                                       <a:rPr lang="en-US" altLang="ja-JP" b="0" i="1" smtClean="0">
                                         <a:solidFill>
-                                          <a:schemeClr val="tx1"/>
+                                          <a:srgbClr val="FF0000"/>
                                         </a:solidFill>
                                         <a:latin typeface="Cambria Math" panose="02040503050406030204" pitchFamily="18" charset="0"/>
                                         <a:ea typeface="Cambria Math" panose="02040503050406030204" pitchFamily="18" charset="0"/>
@@ -30251,7 +30483,7 @@
                                 <m:r>
                                   <a:rPr lang="en-US" altLang="ja-JP" i="1">
                                     <a:solidFill>
-                                      <a:schemeClr val="tx1"/>
+                                      <a:srgbClr val="FF0000"/>
                                     </a:solidFill>
                                     <a:latin typeface="Cambria Math" panose="02040503050406030204" pitchFamily="18" charset="0"/>
                                     <a:ea typeface="Cambria Math" panose="02040503050406030204" pitchFamily="18" charset="0"/>
@@ -30261,7 +30493,7 @@
                                 <m:r>
                                   <a:rPr lang="en-US" altLang="ja-JP" i="1">
                                     <a:solidFill>
-                                      <a:schemeClr val="tx1"/>
+                                      <a:srgbClr val="FF0000"/>
                                     </a:solidFill>
                                     <a:latin typeface="Cambria Math" panose="02040503050406030204" pitchFamily="18" charset="0"/>
                                     <a:ea typeface="Cambria Math" panose="02040503050406030204" pitchFamily="18" charset="0"/>
@@ -30275,7 +30507,7 @@
                                 <m:ctrlPr>
                                   <a:rPr lang="en-US" altLang="ja-JP" b="0" i="1" smtClean="0">
                                     <a:solidFill>
-                                      <a:schemeClr val="tx1"/>
+                                      <a:srgbClr val="FF0000"/>
                                     </a:solidFill>
                                     <a:latin typeface="Cambria Math" panose="02040503050406030204" pitchFamily="18" charset="0"/>
                                     <a:ea typeface="Cambria Math" panose="02040503050406030204" pitchFamily="18" charset="0"/>
@@ -30286,7 +30518,7 @@
                                 <m:r>
                                   <a:rPr lang="en-US" altLang="ja-JP" b="0" i="1" smtClean="0">
                                     <a:solidFill>
-                                      <a:schemeClr val="tx1"/>
+                                      <a:srgbClr val="FF0000"/>
                                     </a:solidFill>
                                     <a:latin typeface="Cambria Math" panose="02040503050406030204" pitchFamily="18" charset="0"/>
                                     <a:ea typeface="Cambria Math" panose="02040503050406030204" pitchFamily="18" charset="0"/>
@@ -30298,7 +30530,7 @@
                                 <m:r>
                                   <a:rPr lang="en-US" altLang="ja-JP" b="0" i="1" smtClean="0">
                                     <a:solidFill>
-                                      <a:schemeClr val="tx1"/>
+                                      <a:srgbClr val="FF0000"/>
                                     </a:solidFill>
                                     <a:latin typeface="Cambria Math" panose="02040503050406030204" pitchFamily="18" charset="0"/>
                                     <a:ea typeface="Cambria Math" panose="02040503050406030204" pitchFamily="18" charset="0"/>
@@ -30308,7 +30540,7 @@
                                 <m:r>
                                   <a:rPr lang="en-US" altLang="ja-JP" b="0" i="1" smtClean="0">
                                     <a:solidFill>
-                                      <a:schemeClr val="tx1"/>
+                                      <a:srgbClr val="FF0000"/>
                                     </a:solidFill>
                                     <a:latin typeface="Cambria Math" panose="02040503050406030204" pitchFamily="18" charset="0"/>
                                     <a:ea typeface="Cambria Math" panose="02040503050406030204" pitchFamily="18" charset="0"/>
@@ -30320,7 +30552,7 @@
                                     <m:ctrlPr>
                                       <a:rPr kumimoji="1" lang="en-US" altLang="ja-JP" i="1">
                                         <a:solidFill>
-                                          <a:schemeClr val="tx1"/>
+                                          <a:srgbClr val="FF0000"/>
                                         </a:solidFill>
                                         <a:latin typeface="Cambria Math" panose="02040503050406030204" pitchFamily="18" charset="0"/>
                                       </a:rPr>
@@ -30330,7 +30562,7 @@
                                     <m:r>
                                       <a:rPr kumimoji="1" lang="en-US" altLang="ja-JP" i="1">
                                         <a:solidFill>
-                                          <a:schemeClr val="tx1"/>
+                                          <a:srgbClr val="FF0000"/>
                                         </a:solidFill>
                                         <a:latin typeface="Cambria Math" panose="02040503050406030204" pitchFamily="18" charset="0"/>
                                         <a:ea typeface="Cambria Math" panose="02040503050406030204" pitchFamily="18" charset="0"/>
@@ -30342,7 +30574,7 @@
                                     <m:r>
                                       <a:rPr kumimoji="1" lang="en-US" altLang="ja-JP" i="1">
                                         <a:solidFill>
-                                          <a:schemeClr val="tx1"/>
+                                          <a:srgbClr val="FF0000"/>
                                         </a:solidFill>
                                         <a:latin typeface="Cambria Math" panose="02040503050406030204" pitchFamily="18" charset="0"/>
                                         <a:ea typeface="Cambria Math" panose="02040503050406030204" pitchFamily="18" charset="0"/>
@@ -30356,7 +30588,7 @@
                                     <m:ctrlPr>
                                       <a:rPr kumimoji="1" lang="en-US" altLang="ja-JP" b="0" i="1" smtClean="0">
                                         <a:solidFill>
-                                          <a:schemeClr val="tx1"/>
+                                          <a:srgbClr val="FF0000"/>
                                         </a:solidFill>
                                         <a:latin typeface="Cambria Math" panose="02040503050406030204" pitchFamily="18" charset="0"/>
                                         <a:ea typeface="Cambria Math" panose="02040503050406030204" pitchFamily="18" charset="0"/>
@@ -30369,7 +30601,7 @@
                                         <m:ctrlPr>
                                           <a:rPr kumimoji="1" lang="en-US" altLang="ja-JP" b="0" i="1" smtClean="0">
                                             <a:solidFill>
-                                              <a:schemeClr val="tx1"/>
+                                              <a:srgbClr val="FF0000"/>
                                             </a:solidFill>
                                             <a:latin typeface="Cambria Math" panose="02040503050406030204" pitchFamily="18" charset="0"/>
                                             <a:ea typeface="Cambria Math" panose="02040503050406030204" pitchFamily="18" charset="0"/>
@@ -30380,7 +30612,7 @@
                                         <m:r>
                                           <a:rPr kumimoji="1" lang="en-US" altLang="ja-JP" b="0" i="1" smtClean="0">
                                             <a:solidFill>
-                                              <a:schemeClr val="tx1"/>
+                                              <a:srgbClr val="FF0000"/>
                                             </a:solidFill>
                                             <a:latin typeface="Cambria Math" panose="02040503050406030204" pitchFamily="18" charset="0"/>
                                             <a:ea typeface="Cambria Math" panose="02040503050406030204" pitchFamily="18" charset="0"/>
@@ -30392,7 +30624,7 @@
                                         <m:r>
                                           <a:rPr kumimoji="1" lang="en-US" altLang="ja-JP" b="0" i="1" smtClean="0">
                                             <a:solidFill>
-                                              <a:schemeClr val="tx1"/>
+                                              <a:srgbClr val="FF0000"/>
                                             </a:solidFill>
                                             <a:latin typeface="Cambria Math" panose="02040503050406030204" pitchFamily="18" charset="0"/>
                                             <a:ea typeface="Cambria Math" panose="02040503050406030204" pitchFamily="18" charset="0"/>
@@ -30408,7 +30640,7 @@
                             <m:r>
                               <a:rPr lang="en-US" altLang="ja-JP" b="0" i="1" smtClean="0">
                                 <a:solidFill>
-                                  <a:schemeClr val="tx1"/>
+                                  <a:srgbClr val="FF0000"/>
                                 </a:solidFill>
                                 <a:latin typeface="Cambria Math" panose="02040503050406030204" pitchFamily="18" charset="0"/>
                                 <a:ea typeface="Cambria Math" panose="02040503050406030204" pitchFamily="18" charset="0"/>
@@ -30420,7 +30652,7 @@
                                 <m:ctrlPr>
                                   <a:rPr kumimoji="1" lang="en-US" altLang="ja-JP" i="1">
                                     <a:solidFill>
-                                      <a:schemeClr val="tx1"/>
+                                      <a:srgbClr val="FF0000"/>
                                     </a:solidFill>
                                     <a:latin typeface="Cambria Math" panose="02040503050406030204" pitchFamily="18" charset="0"/>
                                   </a:rPr>
@@ -30433,7 +30665,7 @@
                                   </m:rPr>
                                   <a:rPr kumimoji="1" lang="en-US" altLang="ja-JP" i="1">
                                     <a:solidFill>
-                                      <a:schemeClr val="tx1"/>
+                                      <a:srgbClr val="FF0000"/>
                                     </a:solidFill>
                                     <a:latin typeface="Cambria Math" panose="02040503050406030204" pitchFamily="18" charset="0"/>
                                     <a:ea typeface="Cambria Math" panose="02040503050406030204" pitchFamily="18" charset="0"/>
@@ -30445,7 +30677,7 @@
                                 <m:r>
                                   <a:rPr kumimoji="1" lang="en-US" altLang="ja-JP" i="1">
                                     <a:solidFill>
-                                      <a:schemeClr val="tx1"/>
+                                      <a:srgbClr val="FF0000"/>
                                     </a:solidFill>
                                     <a:latin typeface="Cambria Math" panose="02040503050406030204" pitchFamily="18" charset="0"/>
                                     <a:ea typeface="Cambria Math" panose="02040503050406030204" pitchFamily="18" charset="0"/>
@@ -30459,7 +30691,7 @@
                                 <m:ctrlPr>
                                   <a:rPr kumimoji="1" lang="en-US" altLang="ja-JP" i="1">
                                     <a:solidFill>
-                                      <a:schemeClr val="tx1"/>
+                                      <a:srgbClr val="FF0000"/>
                                     </a:solidFill>
                                     <a:latin typeface="Cambria Math" panose="02040503050406030204" pitchFamily="18" charset="0"/>
                                     <a:ea typeface="Cambria Math" panose="02040503050406030204" pitchFamily="18" charset="0"/>
@@ -30470,7 +30702,7 @@
                                 <m:r>
                                   <a:rPr kumimoji="1" lang="en-US" altLang="ja-JP" i="1">
                                     <a:solidFill>
-                                      <a:schemeClr val="tx1"/>
+                                      <a:srgbClr val="FF0000"/>
                                     </a:solidFill>
                                     <a:latin typeface="Cambria Math" panose="02040503050406030204" pitchFamily="18" charset="0"/>
                                     <a:ea typeface="Cambria Math" panose="02040503050406030204" pitchFamily="18" charset="0"/>
@@ -30482,7 +30714,7 @@
                                 <m:r>
                                   <a:rPr kumimoji="1" lang="en-US" altLang="ja-JP" i="1">
                                     <a:solidFill>
-                                      <a:schemeClr val="tx1"/>
+                                      <a:srgbClr val="FF0000"/>
                                     </a:solidFill>
                                     <a:latin typeface="Cambria Math" panose="02040503050406030204" pitchFamily="18" charset="0"/>
                                     <a:ea typeface="Cambria Math" panose="02040503050406030204" pitchFamily="18" charset="0"/>
@@ -30492,7 +30724,7 @@
                                 <m:r>
                                   <a:rPr kumimoji="1" lang="en-US" altLang="ja-JP" i="1">
                                     <a:solidFill>
-                                      <a:schemeClr val="tx1"/>
+                                      <a:srgbClr val="FF0000"/>
                                     </a:solidFill>
                                     <a:latin typeface="Cambria Math" panose="02040503050406030204" pitchFamily="18" charset="0"/>
                                     <a:ea typeface="Cambria Math" panose="02040503050406030204" pitchFamily="18" charset="0"/>
@@ -30504,7 +30736,7 @@
                                     <m:ctrlPr>
                                       <a:rPr kumimoji="1" lang="en-US" altLang="ja-JP" b="0" i="1" smtClean="0">
                                         <a:solidFill>
-                                          <a:schemeClr val="tx1"/>
+                                          <a:srgbClr val="FF0000"/>
                                         </a:solidFill>
                                         <a:latin typeface="Cambria Math" panose="02040503050406030204" pitchFamily="18" charset="0"/>
                                         <a:ea typeface="Cambria Math" panose="02040503050406030204" pitchFamily="18" charset="0"/>
@@ -30517,7 +30749,7 @@
                                         <m:ctrlPr>
                                           <a:rPr kumimoji="1" lang="en-US" altLang="ja-JP" b="0" i="1" smtClean="0">
                                             <a:solidFill>
-                                              <a:schemeClr val="tx1"/>
+                                              <a:srgbClr val="FF0000"/>
                                             </a:solidFill>
                                             <a:latin typeface="Cambria Math" panose="02040503050406030204" pitchFamily="18" charset="0"/>
                                             <a:ea typeface="Cambria Math" panose="02040503050406030204" pitchFamily="18" charset="0"/>
@@ -30528,7 +30760,7 @@
                                         <m:r>
                                           <a:rPr kumimoji="1" lang="en-US" altLang="ja-JP" b="0" i="1" smtClean="0">
                                             <a:solidFill>
-                                              <a:schemeClr val="tx1"/>
+                                              <a:srgbClr val="FF0000"/>
                                             </a:solidFill>
                                             <a:latin typeface="Cambria Math" panose="02040503050406030204" pitchFamily="18" charset="0"/>
                                             <a:ea typeface="Cambria Math" panose="02040503050406030204" pitchFamily="18" charset="0"/>
@@ -30540,7 +30772,7 @@
                                         <m:r>
                                           <a:rPr kumimoji="1" lang="en-US" altLang="ja-JP" b="0" i="1" smtClean="0">
                                             <a:solidFill>
-                                              <a:schemeClr val="tx1"/>
+                                              <a:srgbClr val="FF0000"/>
                                             </a:solidFill>
                                             <a:latin typeface="Cambria Math" panose="02040503050406030204" pitchFamily="18" charset="0"/>
                                             <a:ea typeface="Cambria Math" panose="02040503050406030204" pitchFamily="18" charset="0"/>
@@ -30558,7 +30790,7 @@
                                 <m:ctrlPr>
                                   <a:rPr kumimoji="1" lang="en-US" altLang="ja-JP" i="1" smtClean="0">
                                     <a:solidFill>
-                                      <a:schemeClr val="tx1"/>
+                                      <a:srgbClr val="FF0000"/>
                                     </a:solidFill>
                                     <a:latin typeface="Cambria Math" panose="02040503050406030204" pitchFamily="18" charset="0"/>
                                     <a:ea typeface="Cambria Math" panose="02040503050406030204" pitchFamily="18" charset="0"/>
@@ -30569,7 +30801,7 @@
                                 <m:r>
                                   <a:rPr kumimoji="1" lang="en-US" altLang="ja-JP" b="0" i="1" smtClean="0">
                                     <a:solidFill>
-                                      <a:schemeClr val="tx1"/>
+                                      <a:srgbClr val="FF0000"/>
                                     </a:solidFill>
                                     <a:latin typeface="Cambria Math" panose="02040503050406030204" pitchFamily="18" charset="0"/>
                                     <a:ea typeface="Cambria Math" panose="02040503050406030204" pitchFamily="18" charset="0"/>
@@ -30583,7 +30815,7 @@
                                     <m:ctrlPr>
                                       <a:rPr kumimoji="1" lang="en-US" altLang="ja-JP" i="1">
                                         <a:solidFill>
-                                          <a:schemeClr val="tx1"/>
+                                          <a:srgbClr val="FF0000"/>
                                         </a:solidFill>
                                         <a:latin typeface="Cambria Math" panose="02040503050406030204" pitchFamily="18" charset="0"/>
                                       </a:rPr>
@@ -30593,7 +30825,7 @@
                                     <m:r>
                                       <a:rPr kumimoji="1" lang="en-US" altLang="ja-JP" i="1">
                                         <a:solidFill>
-                                          <a:schemeClr val="tx1"/>
+                                          <a:srgbClr val="FF0000"/>
                                         </a:solidFill>
                                         <a:latin typeface="Cambria Math" panose="02040503050406030204" pitchFamily="18" charset="0"/>
                                         <a:ea typeface="Cambria Math" panose="02040503050406030204" pitchFamily="18" charset="0"/>
@@ -30605,7 +30837,7 @@
                                     <m:r>
                                       <a:rPr kumimoji="1" lang="en-US" altLang="ja-JP" i="1">
                                         <a:solidFill>
-                                          <a:schemeClr val="tx1"/>
+                                          <a:srgbClr val="FF0000"/>
                                         </a:solidFill>
                                         <a:latin typeface="Cambria Math" panose="02040503050406030204" pitchFamily="18" charset="0"/>
                                         <a:ea typeface="Cambria Math" panose="02040503050406030204" pitchFamily="18" charset="0"/>
@@ -30621,7 +30853,7 @@
                                 <m:ctrlPr>
                                   <a:rPr kumimoji="1" lang="en-US" altLang="ja-JP" b="0" i="1" smtClean="0">
                                     <a:solidFill>
-                                      <a:schemeClr val="tx1"/>
+                                      <a:srgbClr val="FF0000"/>
                                     </a:solidFill>
                                     <a:latin typeface="Cambria Math" panose="02040503050406030204" pitchFamily="18" charset="0"/>
                                     <a:ea typeface="Cambria Math" panose="02040503050406030204" pitchFamily="18" charset="0"/>
@@ -30634,7 +30866,7 @@
                                     <m:ctrlPr>
                                       <a:rPr kumimoji="1" lang="en-US" altLang="ja-JP" b="0" i="1" smtClean="0">
                                         <a:solidFill>
-                                          <a:schemeClr val="tx1"/>
+                                          <a:srgbClr val="FF0000"/>
                                         </a:solidFill>
                                         <a:latin typeface="Cambria Math" panose="02040503050406030204" pitchFamily="18" charset="0"/>
                                         <a:ea typeface="Cambria Math" panose="02040503050406030204" pitchFamily="18" charset="0"/>
@@ -30645,7 +30877,7 @@
                                     <m:r>
                                       <a:rPr kumimoji="1" lang="en-US" altLang="ja-JP" b="0" i="1" smtClean="0">
                                         <a:solidFill>
-                                          <a:schemeClr val="tx1"/>
+                                          <a:srgbClr val="FF0000"/>
                                         </a:solidFill>
                                         <a:latin typeface="Cambria Math" panose="02040503050406030204" pitchFamily="18" charset="0"/>
                                         <a:ea typeface="Cambria Math" panose="02040503050406030204" pitchFamily="18" charset="0"/>
@@ -30657,7 +30889,7 @@
                                     <m:r>
                                       <a:rPr kumimoji="1" lang="en-US" altLang="ja-JP" b="0" i="1" smtClean="0">
                                         <a:solidFill>
-                                          <a:schemeClr val="tx1"/>
+                                          <a:srgbClr val="FF0000"/>
                                         </a:solidFill>
                                         <a:latin typeface="Cambria Math" panose="02040503050406030204" pitchFamily="18" charset="0"/>
                                         <a:ea typeface="Cambria Math" panose="02040503050406030204" pitchFamily="18" charset="0"/>
@@ -30667,7 +30899,7 @@
                                     <m:r>
                                       <a:rPr kumimoji="1" lang="en-US" altLang="ja-JP" b="0" i="1" smtClean="0">
                                         <a:solidFill>
-                                          <a:schemeClr val="tx1"/>
+                                          <a:srgbClr val="FF0000"/>
                                         </a:solidFill>
                                         <a:latin typeface="Cambria Math" panose="02040503050406030204" pitchFamily="18" charset="0"/>
                                         <a:ea typeface="Cambria Math" panose="02040503050406030204" pitchFamily="18" charset="0"/>
@@ -30857,10 +31089,10 @@
       </p:grpSp>
       <p:sp>
         <p:nvSpPr>
-          <p:cNvPr id="5" name="スライド番号プレースホルダー 4">
+          <p:cNvPr id="6" name="スライド番号プレースホルダー 5">
             <a:extLst>
               <a:ext uri="{FF2B5EF4-FFF2-40B4-BE49-F238E27FC236}">
-                <a16:creationId xmlns:a16="http://schemas.microsoft.com/office/drawing/2014/main" id="{553BEBCD-42D4-ED4A-BB2A-D55849A09DFD}"/>
+                <a16:creationId xmlns:a16="http://schemas.microsoft.com/office/drawing/2014/main" id="{9A69BB60-BF36-9F46-9784-3A0CA5AF26E2}"/>
               </a:ext>
             </a:extLst>
           </p:cNvPr>
@@ -30876,190 +31108,13 @@
           <a:bodyPr/>
           <a:lstStyle/>
           <a:p>
-            <a:fld id="{5D57FD6B-29A3-3249-A29F-ABF600A8FF13}" type="slidenum">
-              <a:rPr kumimoji="1" lang="ja-JP" altLang="en-US" smtClean="0"/>
-              <a:t>8</a:t>
-            </a:fld>
-            <a:r>
-              <a:rPr kumimoji="1" lang="en-US" altLang="ja-JP"/>
-              <a:t>/14</a:t>
-            </a:r>
-            <a:endParaRPr kumimoji="1" lang="en-US" altLang="ja-JP" dirty="0"/>
+            <a:r>
+              <a:rPr kumimoji="1" lang="en-US" altLang="ja-JP" dirty="0"/>
+              <a:t>7/12</a:t>
+            </a:r>
           </a:p>
         </p:txBody>
       </p:sp>
-      <p:cxnSp>
-        <p:nvCxnSpPr>
-          <p:cNvPr id="19" name="直線コネクタ 18">
-            <a:extLst>
-              <a:ext uri="{FF2B5EF4-FFF2-40B4-BE49-F238E27FC236}">
-                <a16:creationId xmlns:a16="http://schemas.microsoft.com/office/drawing/2014/main" id="{9439D199-F28F-6E4E-883F-DC9E1F284EA5}"/>
-              </a:ext>
-            </a:extLst>
-          </p:cNvPr>
-          <p:cNvCxnSpPr>
-            <a:cxnSpLocks/>
-          </p:cNvCxnSpPr>
-          <p:nvPr/>
-        </p:nvCxnSpPr>
-        <p:spPr>
-          <a:xfrm>
-            <a:off x="1775145" y="3613973"/>
-            <a:ext cx="5220015" cy="0"/>
-          </a:xfrm>
-          <a:prstGeom prst="line">
-            <a:avLst/>
-          </a:prstGeom>
-          <a:ln>
-            <a:solidFill>
-              <a:srgbClr val="FF0000"/>
-            </a:solidFill>
-          </a:ln>
-        </p:spPr>
-        <p:style>
-          <a:lnRef idx="1">
-            <a:schemeClr val="accent1"/>
-          </a:lnRef>
-          <a:fillRef idx="0">
-            <a:schemeClr val="accent1"/>
-          </a:fillRef>
-          <a:effectRef idx="0">
-            <a:schemeClr val="accent1"/>
-          </a:effectRef>
-          <a:fontRef idx="minor">
-            <a:schemeClr val="tx1"/>
-          </a:fontRef>
-        </p:style>
-      </p:cxnSp>
-      <mc:AlternateContent xmlns:mc="http://schemas.openxmlformats.org/markup-compatibility/2006" xmlns:a14="http://schemas.microsoft.com/office/drawing/2010/main">
-        <mc:Choice Requires="a14">
-          <p:sp>
-            <p:nvSpPr>
-              <p:cNvPr id="20" name="テキスト ボックス 19">
-                <a:extLst>
-                  <a:ext uri="{FF2B5EF4-FFF2-40B4-BE49-F238E27FC236}">
-                    <a16:creationId xmlns:a16="http://schemas.microsoft.com/office/drawing/2014/main" id="{8BE412AE-ABBA-1A4E-BCC4-FF46C891644F}"/>
-                  </a:ext>
-                </a:extLst>
-              </p:cNvPr>
-              <p:cNvSpPr txBox="1"/>
-              <p:nvPr/>
-            </p:nvSpPr>
-            <p:spPr>
-              <a:xfrm>
-                <a:off x="3892912" y="3507221"/>
-                <a:ext cx="443776" cy="369332"/>
-              </a:xfrm>
-              <a:prstGeom prst="rect">
-                <a:avLst/>
-              </a:prstGeom>
-              <a:noFill/>
-            </p:spPr>
-            <p:txBody>
-              <a:bodyPr wrap="none" rtlCol="0">
-                <a:spAutoFit/>
-              </a:bodyPr>
-              <a:lstStyle/>
-              <a:p>
-                <a:pPr algn="l"/>
-                <a14:m>
-                  <m:oMathPara xmlns:m="http://schemas.openxmlformats.org/officeDocument/2006/math">
-                    <m:oMathParaPr>
-                      <m:jc m:val="centerGroup"/>
-                    </m:oMathParaPr>
-                    <m:oMath xmlns:m="http://schemas.openxmlformats.org/officeDocument/2006/math">
-                      <m:sSub>
-                        <m:sSubPr>
-                          <m:ctrlPr>
-                            <a:rPr kumimoji="1" lang="en-US" altLang="ja-JP" i="1" smtClean="0">
-                              <a:solidFill>
-                                <a:srgbClr val="FF0000"/>
-                              </a:solidFill>
-                              <a:latin typeface="Cambria Math" panose="02040503050406030204" pitchFamily="18" charset="0"/>
-                            </a:rPr>
-                          </m:ctrlPr>
-                        </m:sSubPr>
-                        <m:e>
-                          <m:r>
-                            <a:rPr kumimoji="1" lang="en-US" altLang="ja-JP" b="0" i="1" smtClean="0">
-                              <a:solidFill>
-                                <a:srgbClr val="FF0000"/>
-                              </a:solidFill>
-                              <a:latin typeface="Cambria Math" panose="02040503050406030204" pitchFamily="18" charset="0"/>
-                            </a:rPr>
-                            <m:t>𝑔</m:t>
-                          </m:r>
-                        </m:e>
-                        <m:sub>
-                          <m:r>
-                            <a:rPr kumimoji="1" lang="en-US" altLang="ja-JP" b="0" i="1" smtClean="0">
-                              <a:solidFill>
-                                <a:srgbClr val="FF0000"/>
-                              </a:solidFill>
-                              <a:latin typeface="Cambria Math" panose="02040503050406030204" pitchFamily="18" charset="0"/>
-                            </a:rPr>
-                            <m:t>𝑖</m:t>
-                          </m:r>
-                        </m:sub>
-                      </m:sSub>
-                    </m:oMath>
-                  </m:oMathPara>
-                </a14:m>
-                <a:endParaRPr kumimoji="1" lang="ja-JP" altLang="en-US">
-                  <a:solidFill>
-                    <a:srgbClr val="FF0000"/>
-                  </a:solidFill>
-                  <a:latin typeface="Cambria" panose="02040503050406030204" pitchFamily="18" charset="0"/>
-                </a:endParaRPr>
-              </a:p>
-            </p:txBody>
-          </p:sp>
-        </mc:Choice>
-        <mc:Fallback xmlns="">
-          <p:sp>
-            <p:nvSpPr>
-              <p:cNvPr id="20" name="テキスト ボックス 19">
-                <a:extLst>
-                  <a:ext uri="{FF2B5EF4-FFF2-40B4-BE49-F238E27FC236}">
-                    <a16:creationId xmlns:a16="http://schemas.microsoft.com/office/drawing/2014/main" id="{8BE412AE-ABBA-1A4E-BCC4-FF46C891644F}"/>
-                  </a:ext>
-                </a:extLst>
-              </p:cNvPr>
-              <p:cNvSpPr txBox="1">
-                <a:spLocks noRot="1" noChangeAspect="1" noMove="1" noResize="1" noEditPoints="1" noAdjustHandles="1" noChangeArrowheads="1" noChangeShapeType="1" noTextEdit="1"/>
-              </p:cNvSpPr>
-              <p:nvPr/>
-            </p:nvSpPr>
-            <p:spPr>
-              <a:xfrm>
-                <a:off x="3892912" y="3507221"/>
-                <a:ext cx="443776" cy="369332"/>
-              </a:xfrm>
-              <a:prstGeom prst="rect">
-                <a:avLst/>
-              </a:prstGeom>
-              <a:blipFill>
-                <a:blip r:embed="rId6"/>
-                <a:stretch>
-                  <a:fillRect b="-10345"/>
-                </a:stretch>
-              </a:blipFill>
-            </p:spPr>
-            <p:txBody>
-              <a:bodyPr/>
-              <a:lstStyle/>
-              <a:p>
-                <a:r>
-                  <a:rPr lang="ja-JP" altLang="en-US">
-                    <a:noFill/>
-                  </a:rPr>
-                  <a:t> </a:t>
-                </a:r>
-              </a:p>
-            </p:txBody>
-          </p:sp>
-        </mc:Fallback>
-      </mc:AlternateContent>
     </p:spTree>
     <p:extLst>
       <p:ext uri="{BB962C8B-B14F-4D97-AF65-F5344CB8AC3E}">

--- a/slide/master.pptx
+++ b/slide/master.pptx
@@ -257,7 +257,7 @@
           <a:p>
             <a:fld id="{4009ACC2-15F4-9549-B7EC-0A2B034E938B}" type="datetimeFigureOut">
               <a:rPr kumimoji="1" lang="ja-JP" altLang="en-US" smtClean="0"/>
-              <a:t>2021/2/4</a:t>
+              <a:t>2021/2/5</a:t>
             </a:fld>
             <a:endParaRPr kumimoji="1" lang="ja-JP" altLang="en-US"/>
           </a:p>
@@ -1214,14 +1214,14 @@
           </a:ln>
           <a:extLst>
             <a:ext uri="{909E8E84-426E-40dd-AFC4-6F175D3DCCD1}">
-              <a14:hiddenFill xmlns="" xmlns:a14="http://schemas.microsoft.com/office/drawing/2010/main">
+              <a14:hiddenFill xmlns:a14="http://schemas.microsoft.com/office/drawing/2010/main" xmlns="">
                 <a:solidFill>
                   <a:srgbClr val="FFFFFF"/>
                 </a:solidFill>
               </a14:hiddenFill>
             </a:ext>
             <a:ext uri="{91240B29-F687-4f45-9708-019B960494DF}">
-              <a14:hiddenLine xmlns="" xmlns:a14="http://schemas.microsoft.com/office/drawing/2010/main" w="9525">
+              <a14:hiddenLine xmlns:a14="http://schemas.microsoft.com/office/drawing/2010/main" xmlns="" w="9525">
                 <a:solidFill>
                   <a:srgbClr val="000000"/>
                 </a:solidFill>
@@ -1895,14 +1895,14 @@
           </a:ln>
           <a:extLst>
             <a:ext uri="{909E8E84-426E-40dd-AFC4-6F175D3DCCD1}">
-              <a14:hiddenFill xmlns="" xmlns:a14="http://schemas.microsoft.com/office/drawing/2010/main">
+              <a14:hiddenFill xmlns:a14="http://schemas.microsoft.com/office/drawing/2010/main" xmlns="">
                 <a:solidFill>
                   <a:srgbClr val="FFFFFF"/>
                 </a:solidFill>
               </a14:hiddenFill>
             </a:ext>
             <a:ext uri="{91240B29-F687-4f45-9708-019B960494DF}">
-              <a14:hiddenLine xmlns="" xmlns:a14="http://schemas.microsoft.com/office/drawing/2010/main" w="9525">
+              <a14:hiddenLine xmlns:a14="http://schemas.microsoft.com/office/drawing/2010/main" xmlns="" w="9525">
                 <a:solidFill>
                   <a:srgbClr val="000000"/>
                 </a:solidFill>
@@ -4723,15 +4723,7 @@
             </a:pPr>
             <a:r>
               <a:rPr lang="ja-JP" altLang="en-US"/>
-              <a:t>データ収集を行いながら</a:t>
-            </a:r>
-            <a:r>
-              <a:rPr lang="en-US" altLang="ja-JP" dirty="0"/>
-              <a:t>, </a:t>
-            </a:r>
-            <a:r>
-              <a:rPr lang="ja-JP" altLang="en-US"/>
-              <a:t>各ステップで少しづつ方策を更新</a:t>
+              <a:t>データ収集と方策更新を繰り返す</a:t>
             </a:r>
             <a:endParaRPr lang="en-US" altLang="ja-JP" dirty="0"/>
           </a:p>
@@ -4747,7 +4739,7 @@
             </a:r>
             <a:r>
               <a:rPr lang="ja-JP" altLang="en-US"/>
-              <a:t>各ステップで</a:t>
+              <a:t>行動し</a:t>
             </a:r>
             <a:r>
               <a:rPr lang="en-US" altLang="ja-JP" dirty="0"/>
@@ -4825,7 +4817,7 @@
             </a:r>
             <a:r>
               <a:rPr lang="ja-JP" altLang="en-US"/>
-              <a:t>メモリのデータで方策勾配を近似</a:t>
+              <a:t>メモリのデータで方策勾配を近似して方策更新</a:t>
             </a:r>
             <a:endParaRPr lang="en-US" altLang="ja-JP" dirty="0"/>
           </a:p>
@@ -4920,6 +4912,399 @@
           </a:p>
         </p:txBody>
       </p:sp>
+      <p:sp>
+        <p:nvSpPr>
+          <p:cNvPr id="7" name="角丸四角形 6">
+            <a:extLst>
+              <a:ext uri="{FF2B5EF4-FFF2-40B4-BE49-F238E27FC236}">
+                <a16:creationId xmlns:a16="http://schemas.microsoft.com/office/drawing/2014/main" id="{A32025B0-7098-2C4B-A877-F2856146CEAA}"/>
+              </a:ext>
+            </a:extLst>
+          </p:cNvPr>
+          <p:cNvSpPr/>
+          <p:nvPr/>
+        </p:nvSpPr>
+        <p:spPr>
+          <a:xfrm>
+            <a:off x="248635" y="1752479"/>
+            <a:ext cx="438645" cy="688769"/>
+          </a:xfrm>
+          <a:prstGeom prst="roundRect">
+            <a:avLst/>
+          </a:prstGeom>
+          <a:noFill/>
+        </p:spPr>
+        <p:style>
+          <a:lnRef idx="2">
+            <a:schemeClr val="accent1">
+              <a:shade val="50000"/>
+            </a:schemeClr>
+          </a:lnRef>
+          <a:fillRef idx="1">
+            <a:schemeClr val="accent1"/>
+          </a:fillRef>
+          <a:effectRef idx="0">
+            <a:schemeClr val="accent1"/>
+          </a:effectRef>
+          <a:fontRef idx="minor">
+            <a:schemeClr val="lt1"/>
+          </a:fontRef>
+        </p:style>
+        <p:txBody>
+          <a:bodyPr rtlCol="0" anchor="ctr"/>
+          <a:lstStyle/>
+          <a:p>
+            <a:pPr algn="ctr"/>
+            <a:r>
+              <a:rPr kumimoji="1" lang="ja-JP" altLang="en-US">
+                <a:solidFill>
+                  <a:schemeClr val="tx1"/>
+                </a:solidFill>
+              </a:rPr>
+              <a:t>行動</a:t>
+            </a:r>
+          </a:p>
+        </p:txBody>
+      </p:sp>
+      <p:sp>
+        <p:nvSpPr>
+          <p:cNvPr id="8" name="角丸四角形 7">
+            <a:extLst>
+              <a:ext uri="{FF2B5EF4-FFF2-40B4-BE49-F238E27FC236}">
+                <a16:creationId xmlns:a16="http://schemas.microsoft.com/office/drawing/2014/main" id="{F22E8763-1B73-1C46-B300-13059FBC0DE4}"/>
+              </a:ext>
+            </a:extLst>
+          </p:cNvPr>
+          <p:cNvSpPr/>
+          <p:nvPr/>
+        </p:nvSpPr>
+        <p:spPr>
+          <a:xfrm>
+            <a:off x="251496" y="4354103"/>
+            <a:ext cx="438645" cy="688769"/>
+          </a:xfrm>
+          <a:prstGeom prst="roundRect">
+            <a:avLst/>
+          </a:prstGeom>
+          <a:noFill/>
+        </p:spPr>
+        <p:style>
+          <a:lnRef idx="2">
+            <a:schemeClr val="accent1">
+              <a:shade val="50000"/>
+            </a:schemeClr>
+          </a:lnRef>
+          <a:fillRef idx="1">
+            <a:schemeClr val="accent1"/>
+          </a:fillRef>
+          <a:effectRef idx="0">
+            <a:schemeClr val="accent1"/>
+          </a:effectRef>
+          <a:fontRef idx="minor">
+            <a:schemeClr val="lt1"/>
+          </a:fontRef>
+        </p:style>
+        <p:txBody>
+          <a:bodyPr rtlCol="0" anchor="ctr"/>
+          <a:lstStyle/>
+          <a:p>
+            <a:pPr algn="ctr"/>
+            <a:r>
+              <a:rPr kumimoji="1" lang="ja-JP" altLang="en-US">
+                <a:solidFill>
+                  <a:schemeClr val="tx1"/>
+                </a:solidFill>
+              </a:rPr>
+              <a:t>更新</a:t>
+            </a:r>
+          </a:p>
+        </p:txBody>
+      </p:sp>
+      <p:cxnSp>
+        <p:nvCxnSpPr>
+          <p:cNvPr id="9" name="曲線コネクタ 8">
+            <a:extLst>
+              <a:ext uri="{FF2B5EF4-FFF2-40B4-BE49-F238E27FC236}">
+                <a16:creationId xmlns:a16="http://schemas.microsoft.com/office/drawing/2014/main" id="{B27294E8-D1B9-EE46-9CDA-DCAD6A6C9BBC}"/>
+              </a:ext>
+            </a:extLst>
+          </p:cNvPr>
+          <p:cNvCxnSpPr>
+            <a:cxnSpLocks/>
+            <a:stCxn id="7" idx="3"/>
+            <a:endCxn id="8" idx="3"/>
+          </p:cNvCxnSpPr>
+          <p:nvPr/>
+        </p:nvCxnSpPr>
+        <p:spPr>
+          <a:xfrm>
+            <a:off x="687280" y="2096864"/>
+            <a:ext cx="2861" cy="2601624"/>
+          </a:xfrm>
+          <a:prstGeom prst="curvedConnector3">
+            <a:avLst>
+              <a:gd name="adj1" fmla="val 8090213"/>
+            </a:avLst>
+          </a:prstGeom>
+          <a:ln>
+            <a:tailEnd type="triangle"/>
+          </a:ln>
+        </p:spPr>
+        <p:style>
+          <a:lnRef idx="1">
+            <a:schemeClr val="accent1"/>
+          </a:lnRef>
+          <a:fillRef idx="0">
+            <a:schemeClr val="accent1"/>
+          </a:fillRef>
+          <a:effectRef idx="0">
+            <a:schemeClr val="accent1"/>
+          </a:effectRef>
+          <a:fontRef idx="minor">
+            <a:schemeClr val="tx1"/>
+          </a:fontRef>
+        </p:style>
+      </p:cxnSp>
+      <p:cxnSp>
+        <p:nvCxnSpPr>
+          <p:cNvPr id="10" name="曲線コネクタ 9">
+            <a:extLst>
+              <a:ext uri="{FF2B5EF4-FFF2-40B4-BE49-F238E27FC236}">
+                <a16:creationId xmlns:a16="http://schemas.microsoft.com/office/drawing/2014/main" id="{26048555-5322-FA40-BC87-2B50F72B5E79}"/>
+              </a:ext>
+            </a:extLst>
+          </p:cNvPr>
+          <p:cNvCxnSpPr>
+            <a:cxnSpLocks/>
+            <a:stCxn id="8" idx="1"/>
+            <a:endCxn id="7" idx="1"/>
+          </p:cNvCxnSpPr>
+          <p:nvPr/>
+        </p:nvCxnSpPr>
+        <p:spPr>
+          <a:xfrm rot="10800000">
+            <a:off x="248636" y="2096864"/>
+            <a:ext cx="2861" cy="2601624"/>
+          </a:xfrm>
+          <a:prstGeom prst="curvedConnector3">
+            <a:avLst>
+              <a:gd name="adj1" fmla="val 8090213"/>
+            </a:avLst>
+          </a:prstGeom>
+          <a:ln>
+            <a:tailEnd type="triangle"/>
+          </a:ln>
+        </p:spPr>
+        <p:style>
+          <a:lnRef idx="1">
+            <a:schemeClr val="accent1"/>
+          </a:lnRef>
+          <a:fillRef idx="0">
+            <a:schemeClr val="accent1"/>
+          </a:fillRef>
+          <a:effectRef idx="0">
+            <a:schemeClr val="accent1"/>
+          </a:effectRef>
+          <a:fontRef idx="minor">
+            <a:schemeClr val="tx1"/>
+          </a:fontRef>
+        </p:style>
+      </p:cxnSp>
+      <mc:AlternateContent xmlns:mc="http://schemas.openxmlformats.org/markup-compatibility/2006" xmlns:a14="http://schemas.microsoft.com/office/drawing/2010/main">
+        <mc:Choice Requires="a14">
+          <p:sp>
+            <p:nvSpPr>
+              <p:cNvPr id="5" name="円/楕円 4">
+                <a:extLst>
+                  <a:ext uri="{FF2B5EF4-FFF2-40B4-BE49-F238E27FC236}">
+                    <a16:creationId xmlns:a16="http://schemas.microsoft.com/office/drawing/2014/main" id="{1DE46D84-643A-614D-94F2-2EF561A0E2B1}"/>
+                  </a:ext>
+                </a:extLst>
+              </p:cNvPr>
+              <p:cNvSpPr/>
+              <p:nvPr/>
+            </p:nvSpPr>
+            <p:spPr>
+              <a:xfrm>
+                <a:off x="1538596" y="2079918"/>
+                <a:ext cx="4917679" cy="2107001"/>
+              </a:xfrm>
+              <a:prstGeom prst="ellipse">
+                <a:avLst/>
+              </a:prstGeom>
+              <a:solidFill>
+                <a:schemeClr val="accent1">
+                  <a:alpha val="7000"/>
+                </a:schemeClr>
+              </a:solidFill>
+              <a:ln>
+                <a:noFill/>
+              </a:ln>
+            </p:spPr>
+            <p:style>
+              <a:lnRef idx="2">
+                <a:schemeClr val="accent1">
+                  <a:shade val="50000"/>
+                </a:schemeClr>
+              </a:lnRef>
+              <a:fillRef idx="1">
+                <a:schemeClr val="accent1"/>
+              </a:fillRef>
+              <a:effectRef idx="0">
+                <a:schemeClr val="accent1"/>
+              </a:effectRef>
+              <a:fontRef idx="minor">
+                <a:schemeClr val="lt1"/>
+              </a:fontRef>
+            </p:style>
+            <p:txBody>
+              <a:bodyPr rtlCol="0" anchor="ctr"/>
+              <a:lstStyle/>
+              <a:p>
+                <a:pPr algn="ctr"/>
+                <a:r>
+                  <a:rPr kumimoji="1" lang="ja-JP" altLang="en-US">
+                    <a:solidFill>
+                      <a:schemeClr val="accent1"/>
+                    </a:solidFill>
+                  </a:rPr>
+                  <a:t>理想</a:t>
+                </a:r>
+                <a:r>
+                  <a:rPr kumimoji="1" lang="en-US" altLang="ja-JP" dirty="0">
+                    <a:solidFill>
+                      <a:schemeClr val="accent1"/>
+                    </a:solidFill>
+                  </a:rPr>
+                  <a:t>: </a:t>
+                </a:r>
+              </a:p>
+              <a:p>
+                <a:pPr algn="ctr"/>
+                <a:r>
+                  <a:rPr kumimoji="1" lang="ja-JP" altLang="en-US">
+                    <a:solidFill>
+                      <a:schemeClr val="accent1"/>
+                    </a:solidFill>
+                  </a:rPr>
+                  <a:t>今の方策</a:t>
+                </a:r>
+                <a14:m>
+                  <m:oMath xmlns:m="http://schemas.openxmlformats.org/officeDocument/2006/math">
+                    <m:sSub>
+                      <m:sSubPr>
+                        <m:ctrlPr>
+                          <a:rPr kumimoji="1" lang="en-US" altLang="ja-JP" i="1" smtClean="0">
+                            <a:solidFill>
+                              <a:schemeClr val="accent1"/>
+                            </a:solidFill>
+                            <a:latin typeface="Cambria Math" panose="02040503050406030204" pitchFamily="18" charset="0"/>
+                          </a:rPr>
+                        </m:ctrlPr>
+                      </m:sSubPr>
+                      <m:e>
+                        <m:r>
+                          <a:rPr kumimoji="1" lang="en-US" altLang="ja-JP" i="1">
+                            <a:solidFill>
+                              <a:schemeClr val="accent1"/>
+                            </a:solidFill>
+                            <a:latin typeface="Cambria Math" panose="02040503050406030204" pitchFamily="18" charset="0"/>
+                            <a:ea typeface="Cambria Math" panose="02040503050406030204" pitchFamily="18" charset="0"/>
+                          </a:rPr>
+                          <m:t>𝜋</m:t>
+                        </m:r>
+                      </m:e>
+                      <m:sub>
+                        <m:r>
+                          <a:rPr kumimoji="1" lang="en-US" altLang="ja-JP" i="1">
+                            <a:solidFill>
+                              <a:schemeClr val="accent1"/>
+                            </a:solidFill>
+                            <a:latin typeface="Cambria Math" panose="02040503050406030204" pitchFamily="18" charset="0"/>
+                            <a:ea typeface="Cambria Math" panose="02040503050406030204" pitchFamily="18" charset="0"/>
+                          </a:rPr>
+                          <m:t>𝜃</m:t>
+                        </m:r>
+                      </m:sub>
+                    </m:sSub>
+                  </m:oMath>
+                </a14:m>
+                <a:r>
+                  <a:rPr kumimoji="1" lang="ja-JP" altLang="en-US">
+                    <a:solidFill>
+                      <a:schemeClr val="accent1"/>
+                    </a:solidFill>
+                  </a:rPr>
+                  <a:t>での</a:t>
+                </a:r>
+                <a:endParaRPr kumimoji="1" lang="en-US" altLang="ja-JP" dirty="0">
+                  <a:solidFill>
+                    <a:schemeClr val="accent1"/>
+                  </a:solidFill>
+                </a:endParaRPr>
+              </a:p>
+              <a:p>
+                <a:pPr algn="ctr"/>
+                <a:r>
+                  <a:rPr kumimoji="1" lang="ja-JP" altLang="en-US">
+                    <a:solidFill>
+                      <a:schemeClr val="accent1"/>
+                    </a:solidFill>
+                  </a:rPr>
+                  <a:t>無限個の制御パス</a:t>
+                </a:r>
+              </a:p>
+            </p:txBody>
+          </p:sp>
+        </mc:Choice>
+        <mc:Fallback xmlns="">
+          <p:sp>
+            <p:nvSpPr>
+              <p:cNvPr id="5" name="円/楕円 4">
+                <a:extLst>
+                  <a:ext uri="{FF2B5EF4-FFF2-40B4-BE49-F238E27FC236}">
+                    <a16:creationId xmlns:a16="http://schemas.microsoft.com/office/drawing/2014/main" id="{1DE46D84-643A-614D-94F2-2EF561A0E2B1}"/>
+                  </a:ext>
+                </a:extLst>
+              </p:cNvPr>
+              <p:cNvSpPr>
+                <a:spLocks noRot="1" noChangeAspect="1" noMove="1" noResize="1" noEditPoints="1" noAdjustHandles="1" noChangeArrowheads="1" noChangeShapeType="1" noTextEdit="1"/>
+              </p:cNvSpPr>
+              <p:nvPr/>
+            </p:nvSpPr>
+            <p:spPr>
+              <a:xfrm>
+                <a:off x="1538596" y="2079918"/>
+                <a:ext cx="4917679" cy="2107001"/>
+              </a:xfrm>
+              <a:prstGeom prst="ellipse">
+                <a:avLst/>
+              </a:prstGeom>
+              <a:blipFill>
+                <a:blip r:embed="rId3"/>
+                <a:stretch>
+                  <a:fillRect/>
+                </a:stretch>
+              </a:blipFill>
+              <a:ln>
+                <a:noFill/>
+              </a:ln>
+            </p:spPr>
+            <p:txBody>
+              <a:bodyPr/>
+              <a:lstStyle/>
+              <a:p>
+                <a:r>
+                  <a:rPr lang="ja-JP" altLang="en-US">
+                    <a:noFill/>
+                  </a:rPr>
+                  <a:t> </a:t>
+                </a:r>
+              </a:p>
+            </p:txBody>
+          </p:sp>
+        </mc:Fallback>
+      </mc:AlternateContent>
     </p:spTree>
     <p:extLst>
       <p:ext uri="{BB962C8B-B14F-4D97-AF65-F5344CB8AC3E}">
@@ -4950,8 +5335,8 @@
           <a:chExt cx="0" cy="0"/>
         </a:xfrm>
       </p:grpSpPr>
-      <mc:AlternateContent xmlns:mc="http://schemas.openxmlformats.org/markup-compatibility/2006">
-        <mc:Choice xmlns:a14="http://schemas.microsoft.com/office/drawing/2010/main" Requires="a14">
+      <mc:AlternateContent xmlns:mc="http://schemas.openxmlformats.org/markup-compatibility/2006" xmlns:a14="http://schemas.microsoft.com/office/drawing/2010/main">
+        <mc:Choice Requires="a14">
           <p:sp>
             <p:nvSpPr>
               <p:cNvPr id="2" name="コンテンツ プレースホルダー 1">
@@ -4987,15 +5372,7 @@
                 </a:pPr>
                 <a:r>
                   <a:rPr lang="ja-JP" altLang="en-US"/>
-                  <a:t>データ収集を行いながら</a:t>
-                </a:r>
-                <a:r>
-                  <a:rPr lang="en-US" altLang="ja-JP" dirty="0"/>
-                  <a:t>, </a:t>
-                </a:r>
-                <a:r>
-                  <a:rPr lang="ja-JP" altLang="en-US"/>
-                  <a:t>各ステップで少しづつ方策を更新</a:t>
+                  <a:t>データ収集と方策更新を繰り返す</a:t>
                 </a:r>
                 <a:endParaRPr lang="en-US" altLang="ja-JP" dirty="0"/>
               </a:p>
@@ -5011,7 +5388,7 @@
                 </a:r>
                 <a:r>
                   <a:rPr lang="ja-JP" altLang="en-US"/>
-                  <a:t>各ステップで</a:t>
+                  <a:t>行動し</a:t>
                 </a:r>
                 <a:r>
                   <a:rPr lang="en-US" altLang="ja-JP" dirty="0"/>
@@ -5694,7 +6071,7 @@
                   <a:rPr lang="en-US" altLang="ja-JP" dirty="0">
                     <a:solidFill>
                       <a:schemeClr val="bg1">
-                        <a:lumMod val="50000"/>
+                        <a:lumMod val="75000"/>
                       </a:schemeClr>
                     </a:solidFill>
                   </a:rPr>
@@ -5704,16 +6081,16 @@
                   <a:rPr lang="ja-JP" altLang="en-US">
                     <a:solidFill>
                       <a:schemeClr val="bg1">
-                        <a:lumMod val="50000"/>
+                        <a:lumMod val="75000"/>
                       </a:schemeClr>
                     </a:solidFill>
                   </a:rPr>
-                  <a:t>メモリのデータで方策勾配を近似</a:t>
+                  <a:t>メモリのデータで方策勾配を近似して方策更新</a:t>
                 </a:r>
                 <a:endParaRPr lang="en-US" altLang="ja-JP" dirty="0">
                   <a:solidFill>
                     <a:schemeClr val="bg1">
-                      <a:lumMod val="50000"/>
+                      <a:lumMod val="75000"/>
                     </a:schemeClr>
                   </a:solidFill>
                 </a:endParaRPr>
@@ -5725,7 +6102,7 @@
             </p:txBody>
           </p:sp>
         </mc:Choice>
-        <mc:Fallback>
+        <mc:Fallback xmlns="">
           <p:sp>
             <p:nvSpPr>
               <p:cNvPr id="2" name="コンテンツ プレースホルダー 1">
@@ -5854,6 +6231,218 @@
           </a:p>
         </p:txBody>
       </p:sp>
+      <p:sp>
+        <p:nvSpPr>
+          <p:cNvPr id="32" name="角丸四角形 31">
+            <a:extLst>
+              <a:ext uri="{FF2B5EF4-FFF2-40B4-BE49-F238E27FC236}">
+                <a16:creationId xmlns:a16="http://schemas.microsoft.com/office/drawing/2014/main" id="{8CF7EDCC-25E0-3D45-BBD5-C48578CF8E47}"/>
+              </a:ext>
+            </a:extLst>
+          </p:cNvPr>
+          <p:cNvSpPr/>
+          <p:nvPr/>
+        </p:nvSpPr>
+        <p:spPr>
+          <a:xfrm>
+            <a:off x="248635" y="1752479"/>
+            <a:ext cx="438645" cy="688769"/>
+          </a:xfrm>
+          <a:prstGeom prst="roundRect">
+            <a:avLst/>
+          </a:prstGeom>
+          <a:noFill/>
+        </p:spPr>
+        <p:style>
+          <a:lnRef idx="2">
+            <a:schemeClr val="accent1">
+              <a:shade val="50000"/>
+            </a:schemeClr>
+          </a:lnRef>
+          <a:fillRef idx="1">
+            <a:schemeClr val="accent1"/>
+          </a:fillRef>
+          <a:effectRef idx="0">
+            <a:schemeClr val="accent1"/>
+          </a:effectRef>
+          <a:fontRef idx="minor">
+            <a:schemeClr val="lt1"/>
+          </a:fontRef>
+        </p:style>
+        <p:txBody>
+          <a:bodyPr rtlCol="0" anchor="ctr"/>
+          <a:lstStyle/>
+          <a:p>
+            <a:pPr algn="ctr"/>
+            <a:r>
+              <a:rPr kumimoji="1" lang="ja-JP" altLang="en-US">
+                <a:solidFill>
+                  <a:schemeClr val="tx1"/>
+                </a:solidFill>
+              </a:rPr>
+              <a:t>行動</a:t>
+            </a:r>
+          </a:p>
+        </p:txBody>
+      </p:sp>
+      <p:sp>
+        <p:nvSpPr>
+          <p:cNvPr id="33" name="角丸四角形 32">
+            <a:extLst>
+              <a:ext uri="{FF2B5EF4-FFF2-40B4-BE49-F238E27FC236}">
+                <a16:creationId xmlns:a16="http://schemas.microsoft.com/office/drawing/2014/main" id="{53E05011-3134-C44F-8FA0-EAF9E6C2E233}"/>
+              </a:ext>
+            </a:extLst>
+          </p:cNvPr>
+          <p:cNvSpPr/>
+          <p:nvPr/>
+        </p:nvSpPr>
+        <p:spPr>
+          <a:xfrm>
+            <a:off x="251496" y="4354103"/>
+            <a:ext cx="438645" cy="688769"/>
+          </a:xfrm>
+          <a:prstGeom prst="roundRect">
+            <a:avLst/>
+          </a:prstGeom>
+          <a:noFill/>
+          <a:ln>
+            <a:solidFill>
+              <a:schemeClr val="bg1">
+                <a:lumMod val="75000"/>
+              </a:schemeClr>
+            </a:solidFill>
+          </a:ln>
+        </p:spPr>
+        <p:style>
+          <a:lnRef idx="2">
+            <a:schemeClr val="accent1">
+              <a:shade val="50000"/>
+            </a:schemeClr>
+          </a:lnRef>
+          <a:fillRef idx="1">
+            <a:schemeClr val="accent1"/>
+          </a:fillRef>
+          <a:effectRef idx="0">
+            <a:schemeClr val="accent1"/>
+          </a:effectRef>
+          <a:fontRef idx="minor">
+            <a:schemeClr val="lt1"/>
+          </a:fontRef>
+        </p:style>
+        <p:txBody>
+          <a:bodyPr rtlCol="0" anchor="ctr"/>
+          <a:lstStyle/>
+          <a:p>
+            <a:pPr algn="ctr"/>
+            <a:r>
+              <a:rPr kumimoji="1" lang="ja-JP" altLang="en-US">
+                <a:solidFill>
+                  <a:schemeClr val="bg1">
+                    <a:lumMod val="75000"/>
+                  </a:schemeClr>
+                </a:solidFill>
+              </a:rPr>
+              <a:t>更新</a:t>
+            </a:r>
+          </a:p>
+        </p:txBody>
+      </p:sp>
+      <p:cxnSp>
+        <p:nvCxnSpPr>
+          <p:cNvPr id="34" name="曲線コネクタ 33">
+            <a:extLst>
+              <a:ext uri="{FF2B5EF4-FFF2-40B4-BE49-F238E27FC236}">
+                <a16:creationId xmlns:a16="http://schemas.microsoft.com/office/drawing/2014/main" id="{D4A20F80-C763-8F4A-994C-8666E4F340EC}"/>
+              </a:ext>
+            </a:extLst>
+          </p:cNvPr>
+          <p:cNvCxnSpPr>
+            <a:cxnSpLocks/>
+            <a:stCxn id="32" idx="3"/>
+            <a:endCxn id="33" idx="3"/>
+          </p:cNvCxnSpPr>
+          <p:nvPr/>
+        </p:nvCxnSpPr>
+        <p:spPr>
+          <a:xfrm>
+            <a:off x="687280" y="2096864"/>
+            <a:ext cx="2861" cy="2601624"/>
+          </a:xfrm>
+          <a:prstGeom prst="curvedConnector3">
+            <a:avLst>
+              <a:gd name="adj1" fmla="val 8090213"/>
+            </a:avLst>
+          </a:prstGeom>
+          <a:ln>
+            <a:tailEnd type="triangle"/>
+          </a:ln>
+        </p:spPr>
+        <p:style>
+          <a:lnRef idx="1">
+            <a:schemeClr val="accent1"/>
+          </a:lnRef>
+          <a:fillRef idx="0">
+            <a:schemeClr val="accent1"/>
+          </a:fillRef>
+          <a:effectRef idx="0">
+            <a:schemeClr val="accent1"/>
+          </a:effectRef>
+          <a:fontRef idx="minor">
+            <a:schemeClr val="tx1"/>
+          </a:fontRef>
+        </p:style>
+      </p:cxnSp>
+      <p:cxnSp>
+        <p:nvCxnSpPr>
+          <p:cNvPr id="35" name="曲線コネクタ 34">
+            <a:extLst>
+              <a:ext uri="{FF2B5EF4-FFF2-40B4-BE49-F238E27FC236}">
+                <a16:creationId xmlns:a16="http://schemas.microsoft.com/office/drawing/2014/main" id="{E2A44CED-9CC8-7A45-86FB-8CAECFAE4EDA}"/>
+              </a:ext>
+            </a:extLst>
+          </p:cNvPr>
+          <p:cNvCxnSpPr>
+            <a:cxnSpLocks/>
+            <a:stCxn id="33" idx="1"/>
+            <a:endCxn id="32" idx="1"/>
+          </p:cNvCxnSpPr>
+          <p:nvPr/>
+        </p:nvCxnSpPr>
+        <p:spPr>
+          <a:xfrm rot="10800000">
+            <a:off x="248636" y="2096864"/>
+            <a:ext cx="2861" cy="2601624"/>
+          </a:xfrm>
+          <a:prstGeom prst="curvedConnector3">
+            <a:avLst>
+              <a:gd name="adj1" fmla="val 8090213"/>
+            </a:avLst>
+          </a:prstGeom>
+          <a:ln>
+            <a:solidFill>
+              <a:schemeClr val="bg1">
+                <a:lumMod val="75000"/>
+              </a:schemeClr>
+            </a:solidFill>
+            <a:tailEnd type="triangle"/>
+          </a:ln>
+        </p:spPr>
+        <p:style>
+          <a:lnRef idx="1">
+            <a:schemeClr val="accent1"/>
+          </a:lnRef>
+          <a:fillRef idx="0">
+            <a:schemeClr val="accent1"/>
+          </a:fillRef>
+          <a:effectRef idx="0">
+            <a:schemeClr val="accent1"/>
+          </a:effectRef>
+          <a:fontRef idx="minor">
+            <a:schemeClr val="tx1"/>
+          </a:fontRef>
+        </p:style>
+      </p:cxnSp>
     </p:spTree>
     <p:extLst>
       <p:ext uri="{BB962C8B-B14F-4D97-AF65-F5344CB8AC3E}">
@@ -5884,8 +6473,8 @@
           <a:chExt cx="0" cy="0"/>
         </a:xfrm>
       </p:grpSpPr>
-      <mc:AlternateContent xmlns:mc="http://schemas.openxmlformats.org/markup-compatibility/2006">
-        <mc:Choice xmlns:a14="http://schemas.microsoft.com/office/drawing/2010/main" Requires="a14">
+      <mc:AlternateContent xmlns:mc="http://schemas.openxmlformats.org/markup-compatibility/2006" xmlns:a14="http://schemas.microsoft.com/office/drawing/2010/main">
+        <mc:Choice Requires="a14">
           <p:sp>
             <p:nvSpPr>
               <p:cNvPr id="2" name="コンテンツ プレースホルダー 1">
@@ -5921,15 +6510,7 @@
                 </a:pPr>
                 <a:r>
                   <a:rPr lang="ja-JP" altLang="en-US"/>
-                  <a:t>データ収集を行いながら</a:t>
-                </a:r>
-                <a:r>
-                  <a:rPr lang="en-US" altLang="ja-JP"/>
-                  <a:t>, </a:t>
-                </a:r>
-                <a:r>
-                  <a:rPr lang="ja-JP" altLang="en-US"/>
-                  <a:t>各ステップで少しづつ方策を更新</a:t>
+                  <a:t>データ収集と方策更新を繰り返す</a:t>
                 </a:r>
                 <a:endParaRPr lang="en-US" altLang="ja-JP" dirty="0"/>
               </a:p>
@@ -5943,7 +6524,7 @@
                   <a:rPr lang="en-US" altLang="ja-JP" dirty="0">
                     <a:solidFill>
                       <a:schemeClr val="bg1">
-                        <a:lumMod val="50000"/>
+                        <a:lumMod val="75000"/>
                       </a:schemeClr>
                     </a:solidFill>
                   </a:rPr>
@@ -5953,17 +6534,17 @@
                   <a:rPr lang="ja-JP" altLang="en-US">
                     <a:solidFill>
                       <a:schemeClr val="bg1">
-                        <a:lumMod val="50000"/>
+                        <a:lumMod val="75000"/>
                       </a:schemeClr>
                     </a:solidFill>
                   </a:rPr>
-                  <a:t>各ステップで</a:t>
+                  <a:t>行動し</a:t>
                 </a:r>
                 <a:r>
                   <a:rPr lang="en-US" altLang="ja-JP" dirty="0">
                     <a:solidFill>
                       <a:schemeClr val="bg1">
-                        <a:lumMod val="50000"/>
+                        <a:lumMod val="75000"/>
                       </a:schemeClr>
                     </a:solidFill>
                   </a:rPr>
@@ -5973,7 +6554,7 @@
                   <a:rPr lang="ja-JP" altLang="en-US">
                     <a:solidFill>
                       <a:schemeClr val="bg1">
-                        <a:lumMod val="50000"/>
+                        <a:lumMod val="75000"/>
                       </a:schemeClr>
                     </a:solidFill>
                   </a:rPr>
@@ -5982,7 +6563,7 @@
                 <a:endParaRPr lang="en-US" altLang="ja-JP" dirty="0">
                   <a:solidFill>
                     <a:schemeClr val="bg1">
-                      <a:lumMod val="50000"/>
+                      <a:lumMod val="75000"/>
                     </a:schemeClr>
                   </a:solidFill>
                 </a:endParaRPr>
@@ -5997,7 +6578,7 @@
                   <a:rPr lang="ja-JP" altLang="en-US">
                     <a:solidFill>
                       <a:schemeClr val="bg1">
-                        <a:lumMod val="50000"/>
+                        <a:lumMod val="75000"/>
                       </a:schemeClr>
                     </a:solidFill>
                   </a:rPr>
@@ -6011,7 +6592,7 @@
                           <a:rPr lang="en-US" altLang="ja-JP" i="1">
                             <a:solidFill>
                               <a:schemeClr val="bg1">
-                                <a:lumMod val="50000"/>
+                                <a:lumMod val="75000"/>
                               </a:schemeClr>
                             </a:solidFill>
                             <a:latin typeface="Cambria Math" panose="02040503050406030204" pitchFamily="18" charset="0"/>
@@ -6023,7 +6604,7 @@
                           <a:rPr lang="en-US" altLang="ja-JP" i="1">
                             <a:solidFill>
                               <a:schemeClr val="bg1">
-                                <a:lumMod val="50000"/>
+                                <a:lumMod val="75000"/>
                               </a:schemeClr>
                             </a:solidFill>
                             <a:latin typeface="Cambria Math" panose="02040503050406030204" pitchFamily="18" charset="0"/>
@@ -6036,7 +6617,7 @@
                           <a:rPr lang="en-US" altLang="ja-JP" i="1">
                             <a:solidFill>
                               <a:schemeClr val="bg1">
-                                <a:lumMod val="50000"/>
+                                <a:lumMod val="75000"/>
                               </a:schemeClr>
                             </a:solidFill>
                             <a:latin typeface="Cambria Math" panose="02040503050406030204" pitchFamily="18" charset="0"/>
@@ -6051,7 +6632,7 @@
                   <a:rPr lang="ja-JP" altLang="en-US">
                     <a:solidFill>
                       <a:schemeClr val="bg1">
-                        <a:lumMod val="50000"/>
+                        <a:lumMod val="75000"/>
                       </a:schemeClr>
                     </a:solidFill>
                   </a:rPr>
@@ -6061,7 +6642,7 @@
                   <a:rPr lang="en-US" altLang="ja-JP" dirty="0">
                     <a:solidFill>
                       <a:schemeClr val="bg1">
-                        <a:lumMod val="50000"/>
+                        <a:lumMod val="75000"/>
                       </a:schemeClr>
                     </a:solidFill>
                   </a:rPr>
@@ -6073,7 +6654,7 @@
                       <a:rPr lang="en-US" altLang="ja-JP" i="1">
                         <a:solidFill>
                           <a:schemeClr val="bg1">
-                            <a:lumMod val="50000"/>
+                            <a:lumMod val="75000"/>
                           </a:schemeClr>
                         </a:solidFill>
                         <a:latin typeface="Cambria Math" panose="02040503050406030204" pitchFamily="18" charset="0"/>
@@ -6085,7 +6666,7 @@
                       <a:rPr lang="en-US" altLang="ja-JP" i="1">
                         <a:solidFill>
                           <a:schemeClr val="bg1">
-                            <a:lumMod val="50000"/>
+                            <a:lumMod val="75000"/>
                           </a:schemeClr>
                         </a:solidFill>
                         <a:latin typeface="Cambria Math" panose="02040503050406030204" pitchFamily="18" charset="0"/>
@@ -6098,7 +6679,7 @@
                   <a:rPr lang="ja-JP" altLang="en-US">
                     <a:solidFill>
                       <a:schemeClr val="bg1">
-                        <a:lumMod val="50000"/>
+                        <a:lumMod val="75000"/>
                       </a:schemeClr>
                     </a:solidFill>
                   </a:rPr>
@@ -6112,7 +6693,7 @@
                           <a:rPr lang="en-US" altLang="ja-JP" i="1">
                             <a:solidFill>
                               <a:schemeClr val="bg1">
-                                <a:lumMod val="50000"/>
+                                <a:lumMod val="75000"/>
                               </a:schemeClr>
                             </a:solidFill>
                             <a:latin typeface="Cambria Math" panose="02040503050406030204" pitchFamily="18" charset="0"/>
@@ -6124,7 +6705,7 @@
                           <a:rPr lang="en-US" altLang="ja-JP" i="1">
                             <a:solidFill>
                               <a:schemeClr val="bg1">
-                                <a:lumMod val="50000"/>
+                                <a:lumMod val="75000"/>
                               </a:schemeClr>
                             </a:solidFill>
                             <a:latin typeface="Cambria Math" panose="02040503050406030204" pitchFamily="18" charset="0"/>
@@ -6137,7 +6718,7 @@
                           <a:rPr lang="en-US" altLang="ja-JP" i="1">
                             <a:solidFill>
                               <a:schemeClr val="bg1">
-                                <a:lumMod val="50000"/>
+                                <a:lumMod val="75000"/>
                               </a:schemeClr>
                             </a:solidFill>
                             <a:latin typeface="Cambria Math" panose="02040503050406030204" pitchFamily="18" charset="0"/>
@@ -6152,7 +6733,7 @@
                   <a:rPr lang="ja-JP" altLang="en-US">
                     <a:solidFill>
                       <a:schemeClr val="bg1">
-                        <a:lumMod val="50000"/>
+                        <a:lumMod val="75000"/>
                       </a:schemeClr>
                     </a:solidFill>
                   </a:rPr>
@@ -6162,7 +6743,7 @@
                   <a:rPr lang="en-US" altLang="ja-JP" sz="1200" dirty="0">
                     <a:solidFill>
                       <a:schemeClr val="bg1">
-                        <a:lumMod val="50000"/>
+                        <a:lumMod val="75000"/>
                       </a:schemeClr>
                     </a:solidFill>
                   </a:rPr>
@@ -6172,7 +6753,7 @@
                   <a:rPr lang="ja-JP" altLang="en-US" sz="1200">
                     <a:solidFill>
                       <a:schemeClr val="bg1">
-                        <a:lumMod val="50000"/>
+                        <a:lumMod val="75000"/>
                       </a:schemeClr>
                     </a:solidFill>
                   </a:rPr>
@@ -6182,7 +6763,7 @@
                   <a:rPr lang="en-US" altLang="ja-JP" sz="1200" dirty="0">
                     <a:solidFill>
                       <a:schemeClr val="bg1">
-                        <a:lumMod val="50000"/>
+                        <a:lumMod val="75000"/>
                       </a:schemeClr>
                     </a:solidFill>
                   </a:rPr>
@@ -6191,7 +6772,7 @@
                 <a:endParaRPr lang="en-US" altLang="ja-JP" dirty="0">
                   <a:solidFill>
                     <a:schemeClr val="bg1">
-                      <a:lumMod val="50000"/>
+                      <a:lumMod val="75000"/>
                     </a:schemeClr>
                   </a:solidFill>
                 </a:endParaRPr>
@@ -6206,7 +6787,7 @@
                   <a:rPr lang="ja-JP" altLang="en-US">
                     <a:solidFill>
                       <a:schemeClr val="bg1">
-                        <a:lumMod val="50000"/>
+                        <a:lumMod val="75000"/>
                       </a:schemeClr>
                     </a:solidFill>
                   </a:rPr>
@@ -6220,7 +6801,7 @@
                           <a:rPr lang="en-US" altLang="ja-JP" i="1">
                             <a:solidFill>
                               <a:schemeClr val="bg1">
-                                <a:lumMod val="50000"/>
+                                <a:lumMod val="75000"/>
                               </a:schemeClr>
                             </a:solidFill>
                             <a:latin typeface="Cambria Math" panose="02040503050406030204" pitchFamily="18" charset="0"/>
@@ -6232,7 +6813,7 @@
                           <a:rPr lang="en-US" altLang="ja-JP" i="1">
                             <a:solidFill>
                               <a:schemeClr val="bg1">
-                                <a:lumMod val="50000"/>
+                                <a:lumMod val="75000"/>
                               </a:schemeClr>
                             </a:solidFill>
                             <a:latin typeface="Cambria Math" panose="02040503050406030204" pitchFamily="18" charset="0"/>
@@ -6245,7 +6826,7 @@
                           <a:rPr lang="en-US" altLang="ja-JP" i="1">
                             <a:solidFill>
                               <a:schemeClr val="bg1">
-                                <a:lumMod val="50000"/>
+                                <a:lumMod val="75000"/>
                               </a:schemeClr>
                             </a:solidFill>
                             <a:latin typeface="Cambria Math" panose="02040503050406030204" pitchFamily="18" charset="0"/>
@@ -6260,7 +6841,7 @@
                   <a:rPr lang="ja-JP" altLang="en-US" dirty="0">
                     <a:solidFill>
                       <a:schemeClr val="bg1">
-                        <a:lumMod val="50000"/>
+                        <a:lumMod val="75000"/>
                       </a:schemeClr>
                     </a:solidFill>
                   </a:rPr>
@@ -6272,7 +6853,7 @@
                       <a:rPr lang="en-US" altLang="ja-JP" i="1">
                         <a:solidFill>
                           <a:schemeClr val="bg1">
-                            <a:lumMod val="50000"/>
+                            <a:lumMod val="75000"/>
                           </a:schemeClr>
                         </a:solidFill>
                         <a:latin typeface="Cambria Math" panose="02040503050406030204" pitchFamily="18" charset="0"/>
@@ -6286,7 +6867,7 @@
                           <a:rPr lang="en-US" altLang="ja-JP" i="1">
                             <a:solidFill>
                               <a:schemeClr val="bg1">
-                                <a:lumMod val="50000"/>
+                                <a:lumMod val="75000"/>
                               </a:schemeClr>
                             </a:solidFill>
                             <a:latin typeface="Cambria Math" panose="02040503050406030204" pitchFamily="18" charset="0"/>
@@ -6301,7 +6882,7 @@
                               <a:rPr lang="en-US" altLang="ja-JP" i="1">
                                 <a:solidFill>
                                   <a:schemeClr val="bg1">
-                                    <a:lumMod val="50000"/>
+                                    <a:lumMod val="75000"/>
                                   </a:schemeClr>
                                 </a:solidFill>
                                 <a:latin typeface="Cambria Math" panose="02040503050406030204" pitchFamily="18" charset="0"/>
@@ -6313,7 +6894,7 @@
                               <a:rPr lang="en-US" altLang="ja-JP" i="1">
                                 <a:solidFill>
                                   <a:schemeClr val="bg1">
-                                    <a:lumMod val="50000"/>
+                                    <a:lumMod val="75000"/>
                                   </a:schemeClr>
                                 </a:solidFill>
                                 <a:latin typeface="Cambria Math" panose="02040503050406030204" pitchFamily="18" charset="0"/>
@@ -6326,7 +6907,7 @@
                               <a:rPr lang="en-US" altLang="ja-JP" i="1">
                                 <a:solidFill>
                                   <a:schemeClr val="bg1">
-                                    <a:lumMod val="50000"/>
+                                    <a:lumMod val="75000"/>
                                   </a:schemeClr>
                                 </a:solidFill>
                                 <a:latin typeface="Cambria Math" panose="02040503050406030204" pitchFamily="18" charset="0"/>
@@ -6343,7 +6924,7 @@
                   <a:rPr lang="ja-JP" altLang="en-US">
                     <a:solidFill>
                       <a:schemeClr val="bg1">
-                        <a:lumMod val="50000"/>
+                        <a:lumMod val="75000"/>
                       </a:schemeClr>
                     </a:solidFill>
                   </a:rPr>
@@ -6353,7 +6934,7 @@
                   <a:rPr lang="en-US" altLang="ja-JP" dirty="0">
                     <a:solidFill>
                       <a:schemeClr val="bg1">
-                        <a:lumMod val="50000"/>
+                        <a:lumMod val="75000"/>
                       </a:schemeClr>
                     </a:solidFill>
                   </a:rPr>
@@ -6363,7 +6944,7 @@
                   <a:rPr lang="ja-JP" altLang="en-US">
                     <a:solidFill>
                       <a:schemeClr val="bg1">
-                        <a:lumMod val="50000"/>
+                        <a:lumMod val="75000"/>
                       </a:schemeClr>
                     </a:solidFill>
                   </a:rPr>
@@ -6377,7 +6958,7 @@
                           <a:rPr lang="en-US" altLang="ja-JP" i="1">
                             <a:solidFill>
                               <a:schemeClr val="bg1">
-                                <a:lumMod val="50000"/>
+                                <a:lumMod val="75000"/>
                               </a:schemeClr>
                             </a:solidFill>
                             <a:latin typeface="Cambria Math" panose="02040503050406030204" pitchFamily="18" charset="0"/>
@@ -6390,7 +6971,7 @@
                           <a:rPr lang="en-US" altLang="ja-JP" i="1">
                             <a:solidFill>
                               <a:schemeClr val="bg1">
-                                <a:lumMod val="50000"/>
+                                <a:lumMod val="75000"/>
                               </a:schemeClr>
                             </a:solidFill>
                             <a:latin typeface="Cambria Math" panose="02040503050406030204" pitchFamily="18" charset="0"/>
@@ -6404,7 +6985,7 @@
                           <a:rPr lang="en-US" altLang="ja-JP" i="1">
                             <a:solidFill>
                               <a:schemeClr val="bg1">
-                                <a:lumMod val="50000"/>
+                                <a:lumMod val="75000"/>
                               </a:schemeClr>
                             </a:solidFill>
                             <a:latin typeface="Cambria Math" panose="02040503050406030204" pitchFamily="18" charset="0"/>
@@ -6420,7 +7001,7 @@
                   <a:rPr lang="ja-JP" altLang="en-US" dirty="0">
                     <a:solidFill>
                       <a:schemeClr val="bg1">
-                        <a:lumMod val="50000"/>
+                        <a:lumMod val="75000"/>
                       </a:schemeClr>
                     </a:solidFill>
                   </a:rPr>
@@ -6434,7 +7015,7 @@
                           <a:rPr lang="en-US" altLang="ja-JP" i="1">
                             <a:solidFill>
                               <a:schemeClr val="bg1">
-                                <a:lumMod val="50000"/>
+                                <a:lumMod val="75000"/>
                               </a:schemeClr>
                             </a:solidFill>
                             <a:latin typeface="Cambria Math" panose="02040503050406030204" pitchFamily="18" charset="0"/>
@@ -6447,7 +7028,7 @@
                           <a:rPr lang="en-US" altLang="ja-JP" i="1">
                             <a:solidFill>
                               <a:schemeClr val="bg1">
-                                <a:lumMod val="50000"/>
+                                <a:lumMod val="75000"/>
                               </a:schemeClr>
                             </a:solidFill>
                             <a:latin typeface="Cambria Math" panose="02040503050406030204" pitchFamily="18" charset="0"/>
@@ -6461,7 +7042,7 @@
                           <a:rPr lang="en-US" altLang="ja-JP" i="1">
                             <a:solidFill>
                               <a:schemeClr val="bg1">
-                                <a:lumMod val="50000"/>
+                                <a:lumMod val="75000"/>
                               </a:schemeClr>
                             </a:solidFill>
                             <a:latin typeface="Cambria Math" panose="02040503050406030204" pitchFamily="18" charset="0"/>
@@ -6473,7 +7054,7 @@
                           <a:rPr lang="en-US" altLang="ja-JP" i="1">
                             <a:solidFill>
                               <a:schemeClr val="bg1">
-                                <a:lumMod val="50000"/>
+                                <a:lumMod val="75000"/>
                               </a:schemeClr>
                             </a:solidFill>
                             <a:latin typeface="Cambria Math" panose="02040503050406030204" pitchFamily="18" charset="0"/>
@@ -6489,7 +7070,7 @@
                   <a:rPr lang="ja-JP" altLang="en-US" dirty="0">
                     <a:solidFill>
                       <a:schemeClr val="bg1">
-                        <a:lumMod val="50000"/>
+                        <a:lumMod val="75000"/>
                       </a:schemeClr>
                     </a:solidFill>
                   </a:rPr>
@@ -6498,7 +7079,7 @@
                 <a:endParaRPr lang="en-US" altLang="ja-JP" dirty="0">
                   <a:solidFill>
                     <a:schemeClr val="bg1">
-                      <a:lumMod val="50000"/>
+                      <a:lumMod val="75000"/>
                     </a:schemeClr>
                   </a:solidFill>
                 </a:endParaRPr>
@@ -6513,7 +7094,7 @@
                   <a:rPr lang="ja-JP" altLang="en-US">
                     <a:solidFill>
                       <a:schemeClr val="bg1">
-                        <a:lumMod val="50000"/>
+                        <a:lumMod val="75000"/>
                       </a:schemeClr>
                     </a:solidFill>
                   </a:rPr>
@@ -6525,7 +7106,7 @@
                       <a:rPr lang="en-US" altLang="ja-JP" i="1">
                         <a:solidFill>
                           <a:schemeClr val="bg1">
-                            <a:lumMod val="50000"/>
+                            <a:lumMod val="75000"/>
                           </a:schemeClr>
                         </a:solidFill>
                         <a:latin typeface="Cambria Math" panose="02040503050406030204" pitchFamily="18" charset="0"/>
@@ -6538,7 +7119,7 @@
                           <a:rPr lang="en-US" altLang="ja-JP" i="1" smtClean="0">
                             <a:solidFill>
                               <a:schemeClr val="bg1">
-                                <a:lumMod val="50000"/>
+                                <a:lumMod val="75000"/>
                               </a:schemeClr>
                             </a:solidFill>
                             <a:latin typeface="Cambria Math" panose="02040503050406030204" pitchFamily="18" charset="0"/>
@@ -6550,7 +7131,7 @@
                           <a:rPr lang="en-US" altLang="ja-JP" b="0" i="1" smtClean="0">
                             <a:solidFill>
                               <a:schemeClr val="bg1">
-                                <a:lumMod val="50000"/>
+                                <a:lumMod val="75000"/>
                               </a:schemeClr>
                             </a:solidFill>
                             <a:latin typeface="Cambria Math" panose="02040503050406030204" pitchFamily="18" charset="0"/>
@@ -6563,7 +7144,7 @@
                           <a:rPr lang="en-US" altLang="ja-JP" b="0" i="1" smtClean="0">
                             <a:solidFill>
                               <a:schemeClr val="bg1">
-                                <a:lumMod val="50000"/>
+                                <a:lumMod val="75000"/>
                               </a:schemeClr>
                             </a:solidFill>
                             <a:latin typeface="Cambria Math" panose="02040503050406030204" pitchFamily="18" charset="0"/>
@@ -6576,7 +7157,7 @@
                       <a:rPr lang="en-US" altLang="ja-JP" i="1">
                         <a:solidFill>
                           <a:schemeClr val="bg1">
-                            <a:lumMod val="50000"/>
+                            <a:lumMod val="75000"/>
                           </a:schemeClr>
                         </a:solidFill>
                         <a:latin typeface="Cambria Math" panose="02040503050406030204" pitchFamily="18" charset="0"/>
@@ -6588,7 +7169,7 @@
                       <a:rPr lang="en-US" altLang="ja-JP" i="1" smtClean="0">
                         <a:solidFill>
                           <a:schemeClr val="bg1">
-                            <a:lumMod val="50000"/>
+                            <a:lumMod val="75000"/>
                           </a:schemeClr>
                         </a:solidFill>
                         <a:latin typeface="Cambria Math" panose="02040503050406030204" pitchFamily="18" charset="0"/>
@@ -6602,7 +7183,7 @@
                           <a:rPr lang="en-US" altLang="ja-JP" b="0" i="1" smtClean="0">
                             <a:solidFill>
                               <a:schemeClr val="bg1">
-                                <a:lumMod val="50000"/>
+                                <a:lumMod val="75000"/>
                               </a:schemeClr>
                             </a:solidFill>
                             <a:latin typeface="Cambria Math" panose="02040503050406030204" pitchFamily="18" charset="0"/>
@@ -6617,7 +7198,7 @@
                               <a:rPr lang="en-US" altLang="ja-JP" i="1">
                                 <a:solidFill>
                                   <a:schemeClr val="bg1">
-                                    <a:lumMod val="50000"/>
+                                    <a:lumMod val="75000"/>
                                   </a:schemeClr>
                                 </a:solidFill>
                                 <a:latin typeface="Cambria Math" panose="02040503050406030204" pitchFamily="18" charset="0"/>
@@ -6629,7 +7210,7 @@
                               <a:rPr lang="en-US" altLang="ja-JP" i="1">
                                 <a:solidFill>
                                   <a:schemeClr val="bg1">
-                                    <a:lumMod val="50000"/>
+                                    <a:lumMod val="75000"/>
                                   </a:schemeClr>
                                 </a:solidFill>
                                 <a:latin typeface="Cambria Math" panose="02040503050406030204" pitchFamily="18" charset="0"/>
@@ -6642,7 +7223,7 @@
                               <a:rPr lang="en-US" altLang="ja-JP" i="1">
                                 <a:solidFill>
                                   <a:schemeClr val="bg1">
-                                    <a:lumMod val="50000"/>
+                                    <a:lumMod val="75000"/>
                                   </a:schemeClr>
                                 </a:solidFill>
                                 <a:latin typeface="Cambria Math" panose="02040503050406030204" pitchFamily="18" charset="0"/>
@@ -6657,7 +7238,7 @@
                       <a:rPr lang="en-US" altLang="ja-JP" b="0" i="1" smtClean="0">
                         <a:solidFill>
                           <a:schemeClr val="bg1">
-                            <a:lumMod val="50000"/>
+                            <a:lumMod val="75000"/>
                           </a:schemeClr>
                         </a:solidFill>
                         <a:latin typeface="Cambria Math" panose="02040503050406030204" pitchFamily="18" charset="0"/>
@@ -6671,7 +7252,7 @@
                           <a:rPr lang="en-US" altLang="ja-JP" b="0" i="1" smtClean="0">
                             <a:solidFill>
                               <a:schemeClr val="bg1">
-                                <a:lumMod val="50000"/>
+                                <a:lumMod val="75000"/>
                               </a:schemeClr>
                             </a:solidFill>
                             <a:latin typeface="Cambria Math" panose="02040503050406030204" pitchFamily="18" charset="0"/>
@@ -6684,7 +7265,7 @@
                           <a:rPr lang="en-US" altLang="ja-JP" b="0" i="1" smtClean="0">
                             <a:solidFill>
                               <a:schemeClr val="bg1">
-                                <a:lumMod val="50000"/>
+                                <a:lumMod val="75000"/>
                               </a:schemeClr>
                             </a:solidFill>
                             <a:latin typeface="Cambria Math" panose="02040503050406030204" pitchFamily="18" charset="0"/>
@@ -6698,7 +7279,7 @@
                           <a:rPr lang="en-US" altLang="ja-JP" b="0" i="1" smtClean="0">
                             <a:solidFill>
                               <a:schemeClr val="bg1">
-                                <a:lumMod val="50000"/>
+                                <a:lumMod val="75000"/>
                               </a:schemeClr>
                             </a:solidFill>
                             <a:latin typeface="Cambria Math" panose="02040503050406030204" pitchFamily="18" charset="0"/>
@@ -6712,7 +7293,7 @@
                       <a:rPr lang="en-US" altLang="ja-JP" i="1">
                         <a:solidFill>
                           <a:schemeClr val="bg1">
-                            <a:lumMod val="50000"/>
+                            <a:lumMod val="75000"/>
                           </a:schemeClr>
                         </a:solidFill>
                         <a:latin typeface="Cambria Math" panose="02040503050406030204" pitchFamily="18" charset="0"/>
@@ -6726,7 +7307,7 @@
                           <a:rPr lang="en-US" altLang="ja-JP" i="1" smtClean="0">
                             <a:solidFill>
                               <a:schemeClr val="bg1">
-                                <a:lumMod val="50000"/>
+                                <a:lumMod val="75000"/>
                               </a:schemeClr>
                             </a:solidFill>
                             <a:latin typeface="Cambria Math" panose="02040503050406030204" pitchFamily="18" charset="0"/>
@@ -6739,7 +7320,7 @@
                           <a:rPr lang="en-US" altLang="ja-JP" b="0" i="1" smtClean="0">
                             <a:solidFill>
                               <a:schemeClr val="bg1">
-                                <a:lumMod val="50000"/>
+                                <a:lumMod val="75000"/>
                               </a:schemeClr>
                             </a:solidFill>
                             <a:latin typeface="Cambria Math" panose="02040503050406030204" pitchFamily="18" charset="0"/>
@@ -6753,7 +7334,7 @@
                           <a:rPr lang="en-US" altLang="ja-JP" b="0" i="1" smtClean="0">
                             <a:solidFill>
                               <a:schemeClr val="bg1">
-                                <a:lumMod val="50000"/>
+                                <a:lumMod val="75000"/>
                               </a:schemeClr>
                             </a:solidFill>
                             <a:latin typeface="Cambria Math" panose="02040503050406030204" pitchFamily="18" charset="0"/>
@@ -6765,7 +7346,7 @@
                           <a:rPr lang="en-US" altLang="ja-JP" b="0" i="1" smtClean="0">
                             <a:solidFill>
                               <a:schemeClr val="bg1">
-                                <a:lumMod val="50000"/>
+                                <a:lumMod val="75000"/>
                               </a:schemeClr>
                             </a:solidFill>
                             <a:latin typeface="Cambria Math" panose="02040503050406030204" pitchFamily="18" charset="0"/>
@@ -6779,7 +7360,7 @@
                       <a:rPr lang="en-US" altLang="ja-JP" i="1">
                         <a:solidFill>
                           <a:schemeClr val="bg1">
-                            <a:lumMod val="50000"/>
+                            <a:lumMod val="75000"/>
                           </a:schemeClr>
                         </a:solidFill>
                         <a:latin typeface="Cambria Math" panose="02040503050406030204" pitchFamily="18" charset="0"/>
@@ -6828,7 +7409,7 @@
                       <a:rPr lang="en-US" altLang="ja-JP" i="1">
                         <a:solidFill>
                           <a:schemeClr val="bg1">
-                            <a:lumMod val="50000"/>
+                            <a:lumMod val="75000"/>
                           </a:schemeClr>
                         </a:solidFill>
                         <a:latin typeface="Cambria Math" panose="02040503050406030204" pitchFamily="18" charset="0"/>
@@ -6841,7 +7422,7 @@
                   <a:rPr lang="ja-JP" altLang="en-US">
                     <a:solidFill>
                       <a:schemeClr val="bg1">
-                        <a:lumMod val="50000"/>
+                        <a:lumMod val="75000"/>
                       </a:schemeClr>
                     </a:solidFill>
                   </a:rPr>
@@ -6851,7 +7432,7 @@
                   <a:rPr lang="en-US" altLang="ja-JP" dirty="0">
                     <a:solidFill>
                       <a:schemeClr val="bg1">
-                        <a:lumMod val="50000"/>
+                        <a:lumMod val="75000"/>
                       </a:schemeClr>
                     </a:solidFill>
                   </a:rPr>
@@ -6861,7 +7442,7 @@
                   <a:rPr lang="ja-JP" altLang="en-US">
                     <a:solidFill>
                       <a:schemeClr val="bg1">
-                        <a:lumMod val="50000"/>
+                        <a:lumMod val="75000"/>
                       </a:schemeClr>
                     </a:solidFill>
                   </a:rPr>
@@ -6870,7 +7451,7 @@
                 <a:endParaRPr lang="en-US" altLang="ja-JP" dirty="0">
                   <a:solidFill>
                     <a:schemeClr val="bg1">
-                      <a:lumMod val="50000"/>
+                      <a:lumMod val="75000"/>
                     </a:schemeClr>
                   </a:solidFill>
                 </a:endParaRPr>
@@ -6954,7 +7535,7 @@
                   <a:rPr lang="ja-JP" altLang="en-US">
                     <a:solidFill>
                       <a:schemeClr val="bg1">
-                        <a:lumMod val="50000"/>
+                        <a:lumMod val="75000"/>
                       </a:schemeClr>
                     </a:solidFill>
                   </a:rPr>
@@ -6966,7 +7547,7 @@
                       <a:rPr lang="ja-JP" altLang="en-US" i="1" smtClean="0">
                         <a:solidFill>
                           <a:schemeClr val="bg1">
-                            <a:lumMod val="50000"/>
+                            <a:lumMod val="75000"/>
                           </a:schemeClr>
                         </a:solidFill>
                         <a:latin typeface="Cambria Math" panose="02040503050406030204" pitchFamily="18" charset="0"/>
@@ -6979,7 +7560,7 @@
                   <a:rPr lang="en-US" altLang="ja-JP" dirty="0">
                     <a:solidFill>
                       <a:schemeClr val="bg1">
-                        <a:lumMod val="50000"/>
+                        <a:lumMod val="75000"/>
                       </a:schemeClr>
                     </a:solidFill>
                   </a:rPr>
@@ -6989,7 +7570,7 @@
                   <a:rPr lang="ja-JP" altLang="en-US">
                     <a:solidFill>
                       <a:schemeClr val="bg1">
-                        <a:lumMod val="50000"/>
+                        <a:lumMod val="75000"/>
                       </a:schemeClr>
                     </a:solidFill>
                   </a:rPr>
@@ -6998,7 +7579,7 @@
                 <a:endParaRPr lang="en-US" altLang="ja-JP" dirty="0">
                   <a:solidFill>
                     <a:schemeClr val="bg1">
-                      <a:lumMod val="50000"/>
+                      <a:lumMod val="75000"/>
                     </a:schemeClr>
                   </a:solidFill>
                 </a:endParaRPr>
@@ -7023,7 +7604,7 @@
                 </a:r>
                 <a:r>
                   <a:rPr lang="ja-JP" altLang="en-US"/>
-                  <a:t>メモリのデータで方策勾配を近似</a:t>
+                  <a:t>メモリのデータで方策勾配を近似して方策更新</a:t>
                 </a:r>
                 <a:endParaRPr lang="en-US" altLang="ja-JP" dirty="0"/>
               </a:p>
@@ -7070,7 +7651,10 @@
                           <m:t>𝛼</m:t>
                         </m:r>
                         <m:r>
-                          <a:rPr lang="en-US" altLang="ja-JP" i="1">
+                          <a:rPr lang="en-US" altLang="ja-JP" i="1" smtClean="0">
+                            <a:solidFill>
+                              <a:srgbClr val="FF0000"/>
+                            </a:solidFill>
                             <a:latin typeface="Cambria Math" panose="02040503050406030204" pitchFamily="18" charset="0"/>
                             <a:ea typeface="Cambria Math" panose="02040503050406030204" pitchFamily="18" charset="0"/>
                           </a:rPr>
@@ -7096,7 +7680,7 @@
                 </a14:m>
                 <a:r>
                   <a:rPr lang="ja-JP" altLang="en-US"/>
-                  <a:t>個選んでミニバッチ</a:t>
+                  <a:t>個選んでデータセット</a:t>
                 </a:r>
                 <a14:m>
                   <m:oMath xmlns:m="http://schemas.openxmlformats.org/officeDocument/2006/math">
@@ -7123,7 +7707,7 @@
                 </a:pPr>
                 <a:r>
                   <a:rPr lang="ja-JP" altLang="en-US"/>
-                  <a:t>ミニバッチ</a:t>
+                  <a:t>データセット</a:t>
                 </a:r>
                 <a14:m>
                   <m:oMath xmlns:m="http://schemas.openxmlformats.org/officeDocument/2006/math">
@@ -7165,7 +7749,7 @@
             </p:txBody>
           </p:sp>
         </mc:Choice>
-        <mc:Fallback>
+        <mc:Fallback xmlns="">
           <p:sp>
             <p:nvSpPr>
               <p:cNvPr id="2" name="コンテンツ プレースホルダー 1">
@@ -7972,6 +8556,491 @@
           </a:p>
         </p:txBody>
       </p:sp>
+      <p:sp>
+        <p:nvSpPr>
+          <p:cNvPr id="8" name="角丸四角形 7">
+            <a:extLst>
+              <a:ext uri="{FF2B5EF4-FFF2-40B4-BE49-F238E27FC236}">
+                <a16:creationId xmlns:a16="http://schemas.microsoft.com/office/drawing/2014/main" id="{54EA31ED-D099-F24F-A874-095D8EE3B690}"/>
+              </a:ext>
+            </a:extLst>
+          </p:cNvPr>
+          <p:cNvSpPr/>
+          <p:nvPr/>
+        </p:nvSpPr>
+        <p:spPr>
+          <a:xfrm>
+            <a:off x="248635" y="1752479"/>
+            <a:ext cx="438645" cy="688769"/>
+          </a:xfrm>
+          <a:prstGeom prst="roundRect">
+            <a:avLst/>
+          </a:prstGeom>
+          <a:noFill/>
+          <a:ln>
+            <a:solidFill>
+              <a:schemeClr val="bg1">
+                <a:lumMod val="75000"/>
+              </a:schemeClr>
+            </a:solidFill>
+          </a:ln>
+        </p:spPr>
+        <p:style>
+          <a:lnRef idx="2">
+            <a:schemeClr val="accent1">
+              <a:shade val="50000"/>
+            </a:schemeClr>
+          </a:lnRef>
+          <a:fillRef idx="1">
+            <a:schemeClr val="accent1"/>
+          </a:fillRef>
+          <a:effectRef idx="0">
+            <a:schemeClr val="accent1"/>
+          </a:effectRef>
+          <a:fontRef idx="minor">
+            <a:schemeClr val="lt1"/>
+          </a:fontRef>
+        </p:style>
+        <p:txBody>
+          <a:bodyPr rtlCol="0" anchor="ctr"/>
+          <a:lstStyle/>
+          <a:p>
+            <a:pPr algn="ctr"/>
+            <a:r>
+              <a:rPr kumimoji="1" lang="ja-JP" altLang="en-US">
+                <a:solidFill>
+                  <a:schemeClr val="bg1">
+                    <a:lumMod val="75000"/>
+                  </a:schemeClr>
+                </a:solidFill>
+              </a:rPr>
+              <a:t>行動</a:t>
+            </a:r>
+          </a:p>
+        </p:txBody>
+      </p:sp>
+      <p:sp>
+        <p:nvSpPr>
+          <p:cNvPr id="9" name="角丸四角形 8">
+            <a:extLst>
+              <a:ext uri="{FF2B5EF4-FFF2-40B4-BE49-F238E27FC236}">
+                <a16:creationId xmlns:a16="http://schemas.microsoft.com/office/drawing/2014/main" id="{0F1B07FC-C182-DC4E-9CAF-A41F5A1EC197}"/>
+              </a:ext>
+            </a:extLst>
+          </p:cNvPr>
+          <p:cNvSpPr/>
+          <p:nvPr/>
+        </p:nvSpPr>
+        <p:spPr>
+          <a:xfrm>
+            <a:off x="251496" y="4354103"/>
+            <a:ext cx="438645" cy="688769"/>
+          </a:xfrm>
+          <a:prstGeom prst="roundRect">
+            <a:avLst/>
+          </a:prstGeom>
+          <a:noFill/>
+        </p:spPr>
+        <p:style>
+          <a:lnRef idx="2">
+            <a:schemeClr val="accent1">
+              <a:shade val="50000"/>
+            </a:schemeClr>
+          </a:lnRef>
+          <a:fillRef idx="1">
+            <a:schemeClr val="accent1"/>
+          </a:fillRef>
+          <a:effectRef idx="0">
+            <a:schemeClr val="accent1"/>
+          </a:effectRef>
+          <a:fontRef idx="minor">
+            <a:schemeClr val="lt1"/>
+          </a:fontRef>
+        </p:style>
+        <p:txBody>
+          <a:bodyPr rtlCol="0" anchor="ctr"/>
+          <a:lstStyle/>
+          <a:p>
+            <a:pPr algn="ctr"/>
+            <a:r>
+              <a:rPr kumimoji="1" lang="ja-JP" altLang="en-US">
+                <a:solidFill>
+                  <a:schemeClr val="tx1"/>
+                </a:solidFill>
+              </a:rPr>
+              <a:t>更新</a:t>
+            </a:r>
+          </a:p>
+        </p:txBody>
+      </p:sp>
+      <p:cxnSp>
+        <p:nvCxnSpPr>
+          <p:cNvPr id="10" name="曲線コネクタ 9">
+            <a:extLst>
+              <a:ext uri="{FF2B5EF4-FFF2-40B4-BE49-F238E27FC236}">
+                <a16:creationId xmlns:a16="http://schemas.microsoft.com/office/drawing/2014/main" id="{7D094E9F-87BC-FF48-AEE1-15A57166939C}"/>
+              </a:ext>
+            </a:extLst>
+          </p:cNvPr>
+          <p:cNvCxnSpPr>
+            <a:cxnSpLocks/>
+            <a:stCxn id="8" idx="3"/>
+            <a:endCxn id="9" idx="3"/>
+          </p:cNvCxnSpPr>
+          <p:nvPr/>
+        </p:nvCxnSpPr>
+        <p:spPr>
+          <a:xfrm>
+            <a:off x="687280" y="2096864"/>
+            <a:ext cx="2861" cy="2601624"/>
+          </a:xfrm>
+          <a:prstGeom prst="curvedConnector3">
+            <a:avLst>
+              <a:gd name="adj1" fmla="val 8090213"/>
+            </a:avLst>
+          </a:prstGeom>
+          <a:ln>
+            <a:solidFill>
+              <a:schemeClr val="bg1">
+                <a:lumMod val="75000"/>
+              </a:schemeClr>
+            </a:solidFill>
+            <a:tailEnd type="triangle"/>
+          </a:ln>
+        </p:spPr>
+        <p:style>
+          <a:lnRef idx="1">
+            <a:schemeClr val="accent1"/>
+          </a:lnRef>
+          <a:fillRef idx="0">
+            <a:schemeClr val="accent1"/>
+          </a:fillRef>
+          <a:effectRef idx="0">
+            <a:schemeClr val="accent1"/>
+          </a:effectRef>
+          <a:fontRef idx="minor">
+            <a:schemeClr val="tx1"/>
+          </a:fontRef>
+        </p:style>
+      </p:cxnSp>
+      <p:cxnSp>
+        <p:nvCxnSpPr>
+          <p:cNvPr id="11" name="曲線コネクタ 10">
+            <a:extLst>
+              <a:ext uri="{FF2B5EF4-FFF2-40B4-BE49-F238E27FC236}">
+                <a16:creationId xmlns:a16="http://schemas.microsoft.com/office/drawing/2014/main" id="{E460A839-E20C-0C4C-91E0-F08E17239E6B}"/>
+              </a:ext>
+            </a:extLst>
+          </p:cNvPr>
+          <p:cNvCxnSpPr>
+            <a:cxnSpLocks/>
+            <a:stCxn id="9" idx="1"/>
+            <a:endCxn id="8" idx="1"/>
+          </p:cNvCxnSpPr>
+          <p:nvPr/>
+        </p:nvCxnSpPr>
+        <p:spPr>
+          <a:xfrm rot="10800000">
+            <a:off x="248636" y="2096864"/>
+            <a:ext cx="2861" cy="2601624"/>
+          </a:xfrm>
+          <a:prstGeom prst="curvedConnector3">
+            <a:avLst>
+              <a:gd name="adj1" fmla="val 8090213"/>
+            </a:avLst>
+          </a:prstGeom>
+          <a:ln>
+            <a:tailEnd type="triangle"/>
+          </a:ln>
+        </p:spPr>
+        <p:style>
+          <a:lnRef idx="1">
+            <a:schemeClr val="accent1"/>
+          </a:lnRef>
+          <a:fillRef idx="0">
+            <a:schemeClr val="accent1"/>
+          </a:fillRef>
+          <a:effectRef idx="0">
+            <a:schemeClr val="accent1"/>
+          </a:effectRef>
+          <a:fontRef idx="minor">
+            <a:schemeClr val="tx1"/>
+          </a:fontRef>
+        </p:style>
+      </p:cxnSp>
+      <mc:AlternateContent xmlns:mc="http://schemas.openxmlformats.org/markup-compatibility/2006">
+        <mc:Choice xmlns:a14="http://schemas.microsoft.com/office/drawing/2010/main" Requires="a14">
+          <p:sp>
+            <p:nvSpPr>
+              <p:cNvPr id="12" name="正方形/長方形 11">
+                <a:extLst>
+                  <a:ext uri="{FF2B5EF4-FFF2-40B4-BE49-F238E27FC236}">
+                    <a16:creationId xmlns:a16="http://schemas.microsoft.com/office/drawing/2014/main" id="{92EAAB92-F04F-A24F-88B0-90583C1EC49A}"/>
+                  </a:ext>
+                </a:extLst>
+              </p:cNvPr>
+              <p:cNvSpPr/>
+              <p:nvPr/>
+            </p:nvSpPr>
+            <p:spPr>
+              <a:xfrm>
+                <a:off x="5128063" y="6292913"/>
+                <a:ext cx="2902846" cy="371897"/>
+              </a:xfrm>
+              <a:prstGeom prst="rect">
+                <a:avLst/>
+              </a:prstGeom>
+            </p:spPr>
+            <p:txBody>
+              <a:bodyPr wrap="none">
+                <a:spAutoFit/>
+              </a:bodyPr>
+              <a:lstStyle/>
+              <a:p>
+                <a:r>
+                  <a:rPr lang="ja-JP" altLang="en-US">
+                    <a:solidFill>
+                      <a:srgbClr val="FF0000"/>
+                    </a:solidFill>
+                  </a:rPr>
+                  <a:t>　</a:t>
+                </a:r>
+                <a14:m>
+                  <m:oMath xmlns:m="http://schemas.openxmlformats.org/officeDocument/2006/math">
+                    <m:r>
+                      <a:rPr lang="en-US" altLang="ja-JP" b="0" i="1" smtClean="0">
+                        <a:solidFill>
+                          <a:schemeClr val="tx1"/>
+                        </a:solidFill>
+                        <a:latin typeface="Cambria Math" panose="02040503050406030204" pitchFamily="18" charset="0"/>
+                      </a:rPr>
+                      <m:t>𝐺</m:t>
+                    </m:r>
+                    <m:r>
+                      <a:rPr lang="en-US" altLang="ja-JP" b="0" i="1" smtClean="0">
+                        <a:solidFill>
+                          <a:schemeClr val="tx1"/>
+                        </a:solidFill>
+                        <a:latin typeface="Cambria Math" panose="02040503050406030204" pitchFamily="18" charset="0"/>
+                      </a:rPr>
+                      <m:t>=</m:t>
+                    </m:r>
+                    <m:nary>
+                      <m:naryPr>
+                        <m:chr m:val="∑"/>
+                        <m:ctrlPr>
+                          <a:rPr lang="en-US" altLang="ja-JP" i="1" smtClean="0">
+                            <a:solidFill>
+                              <a:schemeClr val="tx1"/>
+                            </a:solidFill>
+                            <a:latin typeface="Cambria Math" panose="02040503050406030204" pitchFamily="18" charset="0"/>
+                          </a:rPr>
+                        </m:ctrlPr>
+                      </m:naryPr>
+                      <m:sub>
+                        <m:r>
+                          <m:rPr>
+                            <m:brk m:alnAt="23"/>
+                          </m:rPr>
+                          <a:rPr lang="en-US" altLang="ja-JP" i="1">
+                            <a:solidFill>
+                              <a:schemeClr val="tx1"/>
+                            </a:solidFill>
+                            <a:latin typeface="Cambria Math" panose="02040503050406030204" pitchFamily="18" charset="0"/>
+                          </a:rPr>
+                          <m:t>𝑖</m:t>
+                        </m:r>
+                        <m:r>
+                          <a:rPr lang="en-US" altLang="ja-JP" i="1">
+                            <a:solidFill>
+                              <a:schemeClr val="tx1"/>
+                            </a:solidFill>
+                            <a:latin typeface="Cambria Math" panose="02040503050406030204" pitchFamily="18" charset="0"/>
+                          </a:rPr>
+                          <m:t>=0</m:t>
+                        </m:r>
+                      </m:sub>
+                      <m:sup>
+                        <m:r>
+                          <a:rPr lang="en-US" altLang="ja-JP" i="1">
+                            <a:solidFill>
+                              <a:schemeClr val="tx1"/>
+                            </a:solidFill>
+                            <a:latin typeface="Cambria Math" panose="02040503050406030204" pitchFamily="18" charset="0"/>
+                            <a:ea typeface="Cambria Math" panose="02040503050406030204" pitchFamily="18" charset="0"/>
+                          </a:rPr>
+                          <m:t>∞</m:t>
+                        </m:r>
+                      </m:sup>
+                      <m:e>
+                        <m:sSup>
+                          <m:sSupPr>
+                            <m:ctrlPr>
+                              <a:rPr lang="en-US" altLang="ja-JP" i="1" smtClean="0">
+                                <a:solidFill>
+                                  <a:srgbClr val="FF0000"/>
+                                </a:solidFill>
+                                <a:latin typeface="Cambria Math" panose="02040503050406030204" pitchFamily="18" charset="0"/>
+                                <a:ea typeface="Cambria Math" panose="02040503050406030204" pitchFamily="18" charset="0"/>
+                              </a:rPr>
+                            </m:ctrlPr>
+                          </m:sSupPr>
+                          <m:e>
+                            <m:r>
+                              <a:rPr lang="en-US" altLang="ja-JP" i="1">
+                                <a:solidFill>
+                                  <a:srgbClr val="FF0000"/>
+                                </a:solidFill>
+                                <a:latin typeface="Cambria Math" panose="02040503050406030204" pitchFamily="18" charset="0"/>
+                                <a:ea typeface="Cambria Math" panose="02040503050406030204" pitchFamily="18" charset="0"/>
+                              </a:rPr>
+                              <m:t>𝑒</m:t>
+                            </m:r>
+                          </m:e>
+                          <m:sup>
+                            <m:r>
+                              <a:rPr lang="en-US" altLang="ja-JP" i="1">
+                                <a:solidFill>
+                                  <a:srgbClr val="FF0000"/>
+                                </a:solidFill>
+                                <a:latin typeface="Cambria Math" panose="02040503050406030204" pitchFamily="18" charset="0"/>
+                                <a:ea typeface="Cambria Math" panose="02040503050406030204" pitchFamily="18" charset="0"/>
+                              </a:rPr>
+                              <m:t>−</m:t>
+                            </m:r>
+                            <m:r>
+                              <a:rPr lang="en-US" altLang="ja-JP" i="1">
+                                <a:solidFill>
+                                  <a:srgbClr val="FF0000"/>
+                                </a:solidFill>
+                                <a:latin typeface="Cambria Math" panose="02040503050406030204" pitchFamily="18" charset="0"/>
+                                <a:ea typeface="Cambria Math" panose="02040503050406030204" pitchFamily="18" charset="0"/>
+                              </a:rPr>
+                              <m:t>𝛼</m:t>
+                            </m:r>
+                            <m:sSub>
+                              <m:sSubPr>
+                                <m:ctrlPr>
+                                  <a:rPr lang="en-US" altLang="ja-JP" i="1">
+                                    <a:solidFill>
+                                      <a:srgbClr val="FF0000"/>
+                                    </a:solidFill>
+                                    <a:latin typeface="Cambria Math" panose="02040503050406030204" pitchFamily="18" charset="0"/>
+                                    <a:ea typeface="Cambria Math" panose="02040503050406030204" pitchFamily="18" charset="0"/>
+                                  </a:rPr>
+                                </m:ctrlPr>
+                              </m:sSubPr>
+                              <m:e>
+                                <m:r>
+                                  <a:rPr lang="en-US" altLang="ja-JP" i="1">
+                                    <a:solidFill>
+                                      <a:srgbClr val="FF0000"/>
+                                    </a:solidFill>
+                                    <a:latin typeface="Cambria Math" panose="02040503050406030204" pitchFamily="18" charset="0"/>
+                                    <a:ea typeface="Cambria Math" panose="02040503050406030204" pitchFamily="18" charset="0"/>
+                                  </a:rPr>
+                                  <m:t>𝑡</m:t>
+                                </m:r>
+                              </m:e>
+                              <m:sub>
+                                <m:r>
+                                  <a:rPr lang="en-US" altLang="ja-JP" i="1">
+                                    <a:solidFill>
+                                      <a:srgbClr val="FF0000"/>
+                                    </a:solidFill>
+                                    <a:latin typeface="Cambria Math" panose="02040503050406030204" pitchFamily="18" charset="0"/>
+                                    <a:ea typeface="Cambria Math" panose="02040503050406030204" pitchFamily="18" charset="0"/>
+                                  </a:rPr>
+                                  <m:t>𝑖</m:t>
+                                </m:r>
+                              </m:sub>
+                            </m:sSub>
+                          </m:sup>
+                        </m:sSup>
+                        <m:d>
+                          <m:dPr>
+                            <m:begChr m:val="{"/>
+                            <m:endChr m:val="}"/>
+                            <m:ctrlPr>
+                              <a:rPr lang="en-US" altLang="ja-JP" i="1">
+                                <a:solidFill>
+                                  <a:schemeClr val="tx1"/>
+                                </a:solidFill>
+                                <a:latin typeface="Cambria Math" panose="02040503050406030204" pitchFamily="18" charset="0"/>
+                                <a:ea typeface="Cambria Math" panose="02040503050406030204" pitchFamily="18" charset="0"/>
+                              </a:rPr>
+                            </m:ctrlPr>
+                          </m:dPr>
+                          <m:e>
+                            <m:r>
+                              <a:rPr lang="en-US" altLang="ja-JP" i="1">
+                                <a:solidFill>
+                                  <a:schemeClr val="tx1"/>
+                                </a:solidFill>
+                                <a:latin typeface="Cambria Math" panose="02040503050406030204" pitchFamily="18" charset="0"/>
+                                <a:ea typeface="Cambria Math" panose="02040503050406030204" pitchFamily="18" charset="0"/>
+                              </a:rPr>
+                              <m:t>~</m:t>
+                            </m:r>
+                          </m:e>
+                        </m:d>
+                      </m:e>
+                    </m:nary>
+                  </m:oMath>
+                </a14:m>
+                <a:r>
+                  <a:rPr lang="ja-JP" altLang="en-US"/>
+                  <a:t>を表現</a:t>
+                </a:r>
+              </a:p>
+            </p:txBody>
+          </p:sp>
+        </mc:Choice>
+        <mc:Fallback>
+          <p:sp>
+            <p:nvSpPr>
+              <p:cNvPr id="12" name="正方形/長方形 11">
+                <a:extLst>
+                  <a:ext uri="{FF2B5EF4-FFF2-40B4-BE49-F238E27FC236}">
+                    <a16:creationId xmlns:a16="http://schemas.microsoft.com/office/drawing/2014/main" id="{92EAAB92-F04F-A24F-88B0-90583C1EC49A}"/>
+                  </a:ext>
+                </a:extLst>
+              </p:cNvPr>
+              <p:cNvSpPr>
+                <a:spLocks noRot="1" noChangeAspect="1" noMove="1" noResize="1" noEditPoints="1" noAdjustHandles="1" noChangeArrowheads="1" noChangeShapeType="1" noTextEdit="1"/>
+              </p:cNvSpPr>
+              <p:nvPr/>
+            </p:nvSpPr>
+            <p:spPr>
+              <a:xfrm>
+                <a:off x="5128063" y="6292913"/>
+                <a:ext cx="2902846" cy="371897"/>
+              </a:xfrm>
+              <a:prstGeom prst="rect">
+                <a:avLst/>
+              </a:prstGeom>
+              <a:blipFill>
+                <a:blip r:embed="rId5"/>
+                <a:stretch>
+                  <a:fillRect t="-110000" r="-873" b="-163333"/>
+                </a:stretch>
+              </a:blipFill>
+            </p:spPr>
+            <p:txBody>
+              <a:bodyPr/>
+              <a:lstStyle/>
+              <a:p>
+                <a:r>
+                  <a:rPr lang="ja-JP" altLang="en-US">
+                    <a:noFill/>
+                  </a:rPr>
+                  <a:t> </a:t>
+                </a:r>
+              </a:p>
+            </p:txBody>
+          </p:sp>
+        </mc:Fallback>
+      </mc:AlternateContent>
     </p:spTree>
     <p:extLst>
       <p:ext uri="{BB962C8B-B14F-4D97-AF65-F5344CB8AC3E}">
@@ -8347,8 +9416,8 @@
               <a:p>
                 <a:pPr lvl="1"/>
                 <a:r>
-                  <a:rPr kumimoji="1" lang="ja-JP" altLang="en-US"/>
-                  <a:t>ミニバッチ</a:t>
+                  <a:rPr lang="ja-JP" altLang="en-US"/>
+                  <a:t>データセット</a:t>
                 </a:r>
                 <a14:m>
                   <m:oMath xmlns:m="http://schemas.openxmlformats.org/officeDocument/2006/math">
@@ -8570,8 +9639,8 @@
             </p:nvSpPr>
             <p:spPr>
               <a:xfrm>
-                <a:off x="1125280" y="3858135"/>
-                <a:ext cx="6175793" cy="800219"/>
+                <a:off x="1067405" y="3858135"/>
+                <a:ext cx="6512296" cy="800219"/>
               </a:xfrm>
               <a:prstGeom prst="rect">
                 <a:avLst/>
@@ -8865,13 +9934,41 @@
                                 </a:rPr>
                                 <m:t>+</m:t>
                               </m:r>
-                              <m:r>
-                                <a:rPr kumimoji="1" lang="en-US" altLang="ja-JP" b="0" i="1" smtClean="0">
-                                  <a:latin typeface="Cambria Math" panose="02040503050406030204" pitchFamily="18" charset="0"/>
-                                  <a:ea typeface="Cambria Math" panose="02040503050406030204" pitchFamily="18" charset="0"/>
-                                </a:rPr>
-                                <m:t>𝛾</m:t>
-                              </m:r>
+                              <m:sSup>
+                                <m:sSupPr>
+                                  <m:ctrlPr>
+                                    <a:rPr kumimoji="1" lang="en-US" altLang="ja-JP" i="1">
+                                      <a:latin typeface="Cambria Math" panose="02040503050406030204" pitchFamily="18" charset="0"/>
+                                      <a:ea typeface="Cambria Math" panose="02040503050406030204" pitchFamily="18" charset="0"/>
+                                    </a:rPr>
+                                  </m:ctrlPr>
+                                </m:sSupPr>
+                                <m:e>
+                                  <m:r>
+                                    <a:rPr kumimoji="1" lang="en-US" altLang="ja-JP" i="1">
+                                      <a:latin typeface="Cambria Math" panose="02040503050406030204" pitchFamily="18" charset="0"/>
+                                      <a:ea typeface="Cambria Math" panose="02040503050406030204" pitchFamily="18" charset="0"/>
+                                    </a:rPr>
+                                    <m:t>𝑒</m:t>
+                                  </m:r>
+                                </m:e>
+                                <m:sup>
+                                  <m:r>
+                                    <a:rPr kumimoji="1" lang="en-US" altLang="ja-JP" i="1">
+                                      <a:latin typeface="Cambria Math" panose="02040503050406030204" pitchFamily="18" charset="0"/>
+                                      <a:ea typeface="Cambria Math" panose="02040503050406030204" pitchFamily="18" charset="0"/>
+                                    </a:rPr>
+                                    <m:t>−</m:t>
+                                  </m:r>
+                                  <m:r>
+                                    <a:rPr kumimoji="1" lang="en-US" altLang="ja-JP" i="1">
+                                      <a:latin typeface="Cambria Math" panose="02040503050406030204" pitchFamily="18" charset="0"/>
+                                      <a:ea typeface="Cambria Math" panose="02040503050406030204" pitchFamily="18" charset="0"/>
+                                    </a:rPr>
+                                    <m:t>𝛼𝜏</m:t>
+                                  </m:r>
+                                </m:sup>
+                              </m:sSup>
                               <m:r>
                                 <a:rPr kumimoji="1" lang="en-US" altLang="ja-JP" b="0" i="1" smtClean="0">
                                   <a:latin typeface="Cambria Math" panose="02040503050406030204" pitchFamily="18" charset="0"/>
@@ -9049,8 +10146,8 @@
             </p:nvSpPr>
             <p:spPr>
               <a:xfrm>
-                <a:off x="1125280" y="3858135"/>
-                <a:ext cx="6175793" cy="800219"/>
+                <a:off x="1067405" y="3858135"/>
+                <a:ext cx="6512296" cy="800219"/>
               </a:xfrm>
               <a:prstGeom prst="rect">
                 <a:avLst/>
@@ -9094,7 +10191,7 @@
         <p:spPr>
           <a:xfrm>
             <a:off x="2645403" y="4405742"/>
-            <a:ext cx="4286870" cy="0"/>
+            <a:ext cx="4588774" cy="0"/>
           </a:xfrm>
           <a:prstGeom prst="line">
             <a:avLst/>
@@ -10624,8 +11721,8 @@
             </p:nvSpPr>
             <p:spPr>
               <a:xfrm>
-                <a:off x="992094" y="1601155"/>
-                <a:ext cx="3738524" cy="972702"/>
+                <a:off x="992094" y="1636780"/>
+                <a:ext cx="3734163" cy="891783"/>
               </a:xfrm>
               <a:prstGeom prst="rect">
                 <a:avLst/>
@@ -10834,7 +11931,7 @@
                                       <a:rPr kumimoji="1" lang="en-US" altLang="ja-JP" b="0" i="1" smtClean="0">
                                         <a:latin typeface="Cambria Math" panose="02040503050406030204" pitchFamily="18" charset="0"/>
                                       </a:rPr>
-                                      <m:t>𝑔</m:t>
+                                      <m:t>𝑙</m:t>
                                     </m:r>
                                   </m:den>
                                 </m:f>
@@ -11023,8 +12120,8 @@
             </p:nvSpPr>
             <p:spPr>
               <a:xfrm>
-                <a:off x="992094" y="1601155"/>
-                <a:ext cx="3738524" cy="972702"/>
+                <a:off x="992094" y="1636780"/>
+                <a:ext cx="3734163" cy="891783"/>
               </a:xfrm>
               <a:prstGeom prst="rect">
                 <a:avLst/>
@@ -11032,7 +12129,7 @@
               <a:blipFill>
                 <a:blip r:embed="rId4"/>
                 <a:stretch>
-                  <a:fillRect b="-2564"/>
+                  <a:fillRect b="-4225"/>
                 </a:stretch>
               </a:blipFill>
             </p:spPr>
@@ -12010,60 +13107,316 @@
           <a:chExt cx="0" cy="0"/>
         </a:xfrm>
       </p:grpSpPr>
-      <p:sp>
-        <p:nvSpPr>
-          <p:cNvPr id="2" name="コンテンツ プレースホルダー 1">
-            <a:extLst>
-              <a:ext uri="{FF2B5EF4-FFF2-40B4-BE49-F238E27FC236}">
-                <a16:creationId xmlns:a16="http://schemas.microsoft.com/office/drawing/2014/main" id="{5775EAC7-32B2-364F-B4AE-83AAE0B8D8C6}"/>
-              </a:ext>
-            </a:extLst>
-          </p:cNvPr>
-          <p:cNvSpPr>
-            <a:spLocks noGrp="1"/>
-          </p:cNvSpPr>
-          <p:nvPr>
-            <p:ph idx="1"/>
-          </p:nvPr>
-        </p:nvSpPr>
-        <p:spPr/>
-        <p:txBody>
-          <a:bodyPr/>
-          <a:lstStyle/>
-          <a:p>
-            <a:r>
-              <a:rPr kumimoji="1" lang="ja-JP" altLang="en-US"/>
-              <a:t>格子状に状態変数をとって</a:t>
-            </a:r>
-            <a:r>
-              <a:rPr lang="en-US" altLang="ja-JP" dirty="0"/>
-              <a:t>TD</a:t>
-            </a:r>
-            <a:r>
-              <a:rPr lang="ja-JP" altLang="en-US"/>
-              <a:t>学習</a:t>
-            </a:r>
-            <a:endParaRPr lang="en-US" altLang="ja-JP" dirty="0"/>
-          </a:p>
-          <a:p>
-            <a:endParaRPr lang="en-US" altLang="ja-JP" dirty="0"/>
-          </a:p>
-          <a:p>
-            <a:endParaRPr lang="en-US" altLang="ja-JP" dirty="0"/>
-          </a:p>
-          <a:p>
-            <a:r>
-              <a:rPr lang="ja-JP" altLang="en-US"/>
-              <a:t>相対誤差の平均</a:t>
-            </a:r>
-            <a:endParaRPr lang="en-US" altLang="ja-JP" dirty="0"/>
-          </a:p>
-          <a:p>
-            <a:pPr lvl="1"/>
-            <a:endParaRPr kumimoji="1" lang="ja-JP" altLang="en-US"/>
-          </a:p>
-        </p:txBody>
-      </p:sp>
+      <mc:AlternateContent xmlns:mc="http://schemas.openxmlformats.org/markup-compatibility/2006" xmlns:a14="http://schemas.microsoft.com/office/drawing/2010/main">
+        <mc:Choice Requires="a14">
+          <p:sp>
+            <p:nvSpPr>
+              <p:cNvPr id="2" name="コンテンツ プレースホルダー 1">
+                <a:extLst>
+                  <a:ext uri="{FF2B5EF4-FFF2-40B4-BE49-F238E27FC236}">
+                    <a16:creationId xmlns:a16="http://schemas.microsoft.com/office/drawing/2014/main" id="{5775EAC7-32B2-364F-B4AE-83AAE0B8D8C6}"/>
+                  </a:ext>
+                </a:extLst>
+              </p:cNvPr>
+              <p:cNvSpPr>
+                <a:spLocks noGrp="1"/>
+              </p:cNvSpPr>
+              <p:nvPr>
+                <p:ph idx="1"/>
+              </p:nvPr>
+            </p:nvSpPr>
+            <p:spPr/>
+            <p:txBody>
+              <a:bodyPr/>
+              <a:lstStyle/>
+              <a:p>
+                <a:r>
+                  <a:rPr kumimoji="1" lang="ja-JP" altLang="en-US"/>
+                  <a:t>格子状に状態変数をとって</a:t>
+                </a:r>
+                <a:r>
+                  <a:rPr lang="en-US" altLang="ja-JP" dirty="0"/>
+                  <a:t>TD</a:t>
+                </a:r>
+                <a:r>
+                  <a:rPr lang="ja-JP" altLang="en-US"/>
+                  <a:t>学習</a:t>
+                </a:r>
+                <a:endParaRPr lang="en-US" altLang="ja-JP" dirty="0"/>
+              </a:p>
+              <a:p>
+                <a:endParaRPr lang="en-US" altLang="ja-JP" dirty="0"/>
+              </a:p>
+              <a:p>
+                <a:endParaRPr lang="en-US" altLang="ja-JP" dirty="0"/>
+              </a:p>
+              <a:p>
+                <a:r>
+                  <a:rPr lang="ja-JP" altLang="en-US"/>
+                  <a:t>相対誤差の平均</a:t>
+                </a:r>
+                <a:endParaRPr lang="en-US" altLang="ja-JP" dirty="0"/>
+              </a:p>
+              <a:p>
+                <a:pPr lvl="1"/>
+                <a14:m>
+                  <m:oMath xmlns:m="http://schemas.openxmlformats.org/officeDocument/2006/math">
+                    <m:sSup>
+                      <m:sSupPr>
+                        <m:ctrlPr>
+                          <a:rPr lang="en-US" altLang="ja-JP" i="1">
+                            <a:latin typeface="Cambria Math" panose="02040503050406030204" pitchFamily="18" charset="0"/>
+                            <a:ea typeface="Cambria Math" panose="02040503050406030204" pitchFamily="18" charset="0"/>
+                          </a:rPr>
+                        </m:ctrlPr>
+                      </m:sSupPr>
+                      <m:e>
+                        <m:r>
+                          <a:rPr lang="en-US" altLang="ja-JP" b="0" i="1" smtClean="0">
+                            <a:latin typeface="Cambria Math" panose="02040503050406030204" pitchFamily="18" charset="0"/>
+                            <a:ea typeface="Cambria Math" panose="02040503050406030204" pitchFamily="18" charset="0"/>
+                          </a:rPr>
+                          <m:t>𝑉</m:t>
+                        </m:r>
+                      </m:e>
+                      <m:sup>
+                        <m:sSub>
+                          <m:sSubPr>
+                            <m:ctrlPr>
+                              <a:rPr lang="en-US" altLang="ja-JP" i="1">
+                                <a:latin typeface="Cambria Math" panose="02040503050406030204" pitchFamily="18" charset="0"/>
+                              </a:rPr>
+                            </m:ctrlPr>
+                          </m:sSubPr>
+                          <m:e>
+                            <m:r>
+                              <a:rPr lang="en-US" altLang="ja-JP" i="1">
+                                <a:latin typeface="Cambria Math" panose="02040503050406030204" pitchFamily="18" charset="0"/>
+                                <a:ea typeface="Cambria Math" panose="02040503050406030204" pitchFamily="18" charset="0"/>
+                              </a:rPr>
+                              <m:t>𝜋</m:t>
+                            </m:r>
+                          </m:e>
+                          <m:sub>
+                            <m:r>
+                              <a:rPr lang="en-US" altLang="ja-JP" i="1">
+                                <a:latin typeface="Cambria Math" panose="02040503050406030204" pitchFamily="18" charset="0"/>
+                                <a:ea typeface="Cambria Math" panose="02040503050406030204" pitchFamily="18" charset="0"/>
+                              </a:rPr>
+                              <m:t>𝜃</m:t>
+                            </m:r>
+                          </m:sub>
+                        </m:sSub>
+                      </m:sup>
+                    </m:sSup>
+                    <m:d>
+                      <m:dPr>
+                        <m:ctrlPr>
+                          <a:rPr lang="en-US" altLang="ja-JP" i="1">
+                            <a:latin typeface="Cambria Math" panose="02040503050406030204" pitchFamily="18" charset="0"/>
+                            <a:ea typeface="Cambria Math" panose="02040503050406030204" pitchFamily="18" charset="0"/>
+                          </a:rPr>
+                        </m:ctrlPr>
+                      </m:dPr>
+                      <m:e>
+                        <m:r>
+                          <a:rPr lang="en-US" altLang="ja-JP" i="1">
+                            <a:latin typeface="Cambria Math" panose="02040503050406030204" pitchFamily="18" charset="0"/>
+                            <a:ea typeface="Cambria Math" panose="02040503050406030204" pitchFamily="18" charset="0"/>
+                          </a:rPr>
+                          <m:t>𝑠</m:t>
+                        </m:r>
+                      </m:e>
+                    </m:d>
+                  </m:oMath>
+                </a14:m>
+                <a:r>
+                  <a:rPr lang="ja-JP" altLang="en-US" dirty="0"/>
+                  <a:t>と</a:t>
+                </a:r>
+                <a14:m>
+                  <m:oMath xmlns:m="http://schemas.openxmlformats.org/officeDocument/2006/math">
+                    <m:r>
+                      <a:rPr lang="en-US" altLang="ja-JP" i="1">
+                        <a:latin typeface="Cambria Math" panose="02040503050406030204" pitchFamily="18" charset="0"/>
+                        <a:ea typeface="Cambria Math" panose="02040503050406030204" pitchFamily="18" charset="0"/>
+                      </a:rPr>
+                      <m:t>𝑄</m:t>
+                    </m:r>
+                    <m:d>
+                      <m:dPr>
+                        <m:ctrlPr>
+                          <a:rPr lang="en-US" altLang="ja-JP" i="1">
+                            <a:latin typeface="Cambria Math" panose="02040503050406030204" pitchFamily="18" charset="0"/>
+                            <a:ea typeface="Cambria Math" panose="02040503050406030204" pitchFamily="18" charset="0"/>
+                          </a:rPr>
+                        </m:ctrlPr>
+                      </m:dPr>
+                      <m:e>
+                        <m:r>
+                          <a:rPr lang="en-US" altLang="ja-JP" i="1">
+                            <a:latin typeface="Cambria Math" panose="02040503050406030204" pitchFamily="18" charset="0"/>
+                            <a:ea typeface="Cambria Math" panose="02040503050406030204" pitchFamily="18" charset="0"/>
+                          </a:rPr>
+                          <m:t>𝑠</m:t>
+                        </m:r>
+                        <m:r>
+                          <a:rPr lang="en-US" altLang="ja-JP" i="1">
+                            <a:latin typeface="Cambria Math" panose="02040503050406030204" pitchFamily="18" charset="0"/>
+                            <a:ea typeface="Cambria Math" panose="02040503050406030204" pitchFamily="18" charset="0"/>
+                          </a:rPr>
+                          <m:t>,</m:t>
+                        </m:r>
+                        <m:sSub>
+                          <m:sSubPr>
+                            <m:ctrlPr>
+                              <a:rPr lang="en-US" altLang="ja-JP" i="1">
+                                <a:latin typeface="Cambria Math" panose="02040503050406030204" pitchFamily="18" charset="0"/>
+                              </a:rPr>
+                            </m:ctrlPr>
+                          </m:sSubPr>
+                          <m:e>
+                            <m:r>
+                              <a:rPr lang="en-US" altLang="ja-JP" i="1">
+                                <a:latin typeface="Cambria Math" panose="02040503050406030204" pitchFamily="18" charset="0"/>
+                                <a:ea typeface="Cambria Math" panose="02040503050406030204" pitchFamily="18" charset="0"/>
+                              </a:rPr>
+                              <m:t>𝜋</m:t>
+                            </m:r>
+                          </m:e>
+                          <m:sub>
+                            <m:r>
+                              <a:rPr lang="en-US" altLang="ja-JP" i="1">
+                                <a:latin typeface="Cambria Math" panose="02040503050406030204" pitchFamily="18" charset="0"/>
+                                <a:ea typeface="Cambria Math" panose="02040503050406030204" pitchFamily="18" charset="0"/>
+                              </a:rPr>
+                              <m:t>𝜃</m:t>
+                            </m:r>
+                          </m:sub>
+                        </m:sSub>
+                        <m:r>
+                          <a:rPr lang="en-US" altLang="ja-JP" b="0" i="1" smtClean="0">
+                            <a:latin typeface="Cambria Math" panose="02040503050406030204" pitchFamily="18" charset="0"/>
+                            <a:ea typeface="Cambria Math" panose="02040503050406030204" pitchFamily="18" charset="0"/>
+                          </a:rPr>
+                          <m:t>(</m:t>
+                        </m:r>
+                        <m:r>
+                          <a:rPr lang="en-US" altLang="ja-JP" b="0" i="1" smtClean="0">
+                            <a:latin typeface="Cambria Math" panose="02040503050406030204" pitchFamily="18" charset="0"/>
+                            <a:ea typeface="Cambria Math" panose="02040503050406030204" pitchFamily="18" charset="0"/>
+                          </a:rPr>
+                          <m:t>𝑠</m:t>
+                        </m:r>
+                        <m:r>
+                          <a:rPr lang="en-US" altLang="ja-JP" b="0" i="1" smtClean="0">
+                            <a:latin typeface="Cambria Math" panose="02040503050406030204" pitchFamily="18" charset="0"/>
+                            <a:ea typeface="Cambria Math" panose="02040503050406030204" pitchFamily="18" charset="0"/>
+                          </a:rPr>
+                          <m:t>)|</m:t>
+                        </m:r>
+                        <m:r>
+                          <a:rPr lang="en-US" altLang="ja-JP" i="1">
+                            <a:latin typeface="Cambria Math" panose="02040503050406030204" pitchFamily="18" charset="0"/>
+                            <a:ea typeface="Cambria Math" panose="02040503050406030204" pitchFamily="18" charset="0"/>
+                          </a:rPr>
+                          <m:t>𝜔</m:t>
+                        </m:r>
+                      </m:e>
+                    </m:d>
+                  </m:oMath>
+                </a14:m>
+                <a:r>
+                  <a:rPr lang="ja-JP" altLang="en-US"/>
+                  <a:t>を比較</a:t>
+                </a:r>
+                <a:endParaRPr lang="en-US" altLang="ja-JP" dirty="0"/>
+              </a:p>
+              <a:p>
+                <a:pPr lvl="1"/>
+                <a:endParaRPr lang="en-US" altLang="ja-JP" dirty="0"/>
+              </a:p>
+              <a:p>
+                <a:pPr lvl="1"/>
+                <a:endParaRPr lang="en-US" altLang="ja-JP" dirty="0"/>
+              </a:p>
+              <a:p>
+                <a:pPr lvl="1"/>
+                <a:endParaRPr lang="en-US" altLang="ja-JP" dirty="0"/>
+              </a:p>
+              <a:p>
+                <a:pPr lvl="1"/>
+                <a:r>
+                  <a:rPr lang="ja-JP" altLang="en-US"/>
+                  <a:t>平均相対誤差</a:t>
+                </a:r>
+                <a:r>
+                  <a:rPr lang="en-US" altLang="ja-JP" dirty="0"/>
+                  <a:t> </a:t>
+                </a:r>
+                <a14:m>
+                  <m:oMath xmlns:m="http://schemas.openxmlformats.org/officeDocument/2006/math">
+                    <m:r>
+                      <a:rPr lang="en-US" altLang="ja-JP" b="0" i="1" smtClean="0">
+                        <a:latin typeface="Cambria Math" panose="02040503050406030204" pitchFamily="18" charset="0"/>
+                      </a:rPr>
+                      <m:t>=0.03</m:t>
+                    </m:r>
+                  </m:oMath>
+                </a14:m>
+                <a:endParaRPr lang="en-US" altLang="ja-JP" dirty="0"/>
+              </a:p>
+              <a:p>
+                <a:pPr lvl="1"/>
+                <a:endParaRPr lang="en-US" altLang="ja-JP" dirty="0"/>
+              </a:p>
+              <a:p>
+                <a:pPr lvl="1"/>
+                <a:endParaRPr kumimoji="1" lang="ja-JP" altLang="en-US"/>
+              </a:p>
+            </p:txBody>
+          </p:sp>
+        </mc:Choice>
+        <mc:Fallback xmlns="">
+          <p:sp>
+            <p:nvSpPr>
+              <p:cNvPr id="2" name="コンテンツ プレースホルダー 1">
+                <a:extLst>
+                  <a:ext uri="{FF2B5EF4-FFF2-40B4-BE49-F238E27FC236}">
+                    <a16:creationId xmlns:a16="http://schemas.microsoft.com/office/drawing/2014/main" id="{5775EAC7-32B2-364F-B4AE-83AAE0B8D8C6}"/>
+                  </a:ext>
+                </a:extLst>
+              </p:cNvPr>
+              <p:cNvSpPr>
+                <a:spLocks noGrp="1" noRot="1" noChangeAspect="1" noMove="1" noResize="1" noEditPoints="1" noAdjustHandles="1" noChangeArrowheads="1" noChangeShapeType="1" noTextEdit="1"/>
+              </p:cNvSpPr>
+              <p:nvPr>
+                <p:ph idx="1"/>
+              </p:nvPr>
+            </p:nvSpPr>
+            <p:spPr>
+              <a:blipFill>
+                <a:blip r:embed="rId2"/>
+                <a:stretch>
+                  <a:fillRect l="-598" t="-1519"/>
+                </a:stretch>
+              </a:blipFill>
+            </p:spPr>
+            <p:txBody>
+              <a:bodyPr/>
+              <a:lstStyle/>
+              <a:p>
+                <a:r>
+                  <a:rPr lang="ja-JP" altLang="en-US">
+                    <a:noFill/>
+                  </a:rPr>
+                  <a:t> </a:t>
+                </a:r>
+              </a:p>
+            </p:txBody>
+          </p:sp>
+        </mc:Fallback>
+      </mc:AlternateContent>
       <mc:AlternateContent xmlns:mc="http://schemas.openxmlformats.org/markup-compatibility/2006" xmlns:a14="http://schemas.microsoft.com/office/drawing/2010/main">
         <mc:Choice Requires="a14">
           <p:sp>
@@ -12137,7 +13490,7 @@
             </p:nvSpPr>
             <p:spPr>
               <a:blipFill>
-                <a:blip r:embed="rId2"/>
+                <a:blip r:embed="rId3"/>
                 <a:stretch>
                   <a:fillRect l="-1345" t="-10638" b="-21277"/>
                 </a:stretch>
@@ -12202,15 +13555,15 @@
           <p:nvPr/>
         </p:nvPicPr>
         <p:blipFill>
-          <a:blip r:embed="rId3"/>
+          <a:blip r:embed="rId4"/>
           <a:stretch>
             <a:fillRect/>
           </a:stretch>
         </p:blipFill>
         <p:spPr>
           <a:xfrm>
-            <a:off x="5388588" y="748887"/>
-            <a:ext cx="3037045" cy="3031260"/>
+            <a:off x="5393803" y="742895"/>
+            <a:ext cx="3633713" cy="3626791"/>
           </a:xfrm>
           <a:prstGeom prst="rect">
             <a:avLst/>
@@ -12250,6 +13603,366 @@
           </a:p>
         </p:txBody>
       </p:sp>
+      <mc:AlternateContent xmlns:mc="http://schemas.openxmlformats.org/markup-compatibility/2006" xmlns:a14="http://schemas.microsoft.com/office/drawing/2010/main">
+        <mc:Choice Requires="a14">
+          <p:sp>
+            <p:nvSpPr>
+              <p:cNvPr id="9" name="テキスト ボックス 8">
+                <a:extLst>
+                  <a:ext uri="{FF2B5EF4-FFF2-40B4-BE49-F238E27FC236}">
+                    <a16:creationId xmlns:a16="http://schemas.microsoft.com/office/drawing/2014/main" id="{979AA932-8FC2-5E45-9FE5-530F91D19635}"/>
+                  </a:ext>
+                </a:extLst>
+              </p:cNvPr>
+              <p:cNvSpPr txBox="1"/>
+              <p:nvPr/>
+            </p:nvSpPr>
+            <p:spPr>
+              <a:xfrm>
+                <a:off x="1513549" y="3267802"/>
+                <a:ext cx="2702278" cy="676532"/>
+              </a:xfrm>
+              <a:prstGeom prst="rect">
+                <a:avLst/>
+              </a:prstGeom>
+              <a:noFill/>
+            </p:spPr>
+            <p:txBody>
+              <a:bodyPr wrap="none" rtlCol="0">
+                <a:spAutoFit/>
+              </a:bodyPr>
+              <a:lstStyle/>
+              <a:p>
+                <a:pPr/>
+                <a14:m>
+                  <m:oMathPara xmlns:m="http://schemas.openxmlformats.org/officeDocument/2006/math">
+                    <m:oMathParaPr>
+                      <m:jc m:val="centerGroup"/>
+                    </m:oMathParaPr>
+                    <m:oMath xmlns:m="http://schemas.openxmlformats.org/officeDocument/2006/math">
+                      <m:f>
+                        <m:fPr>
+                          <m:ctrlPr>
+                            <a:rPr kumimoji="1" lang="en-US" altLang="ja-JP" i="1" smtClean="0">
+                              <a:latin typeface="Cambria Math" panose="02040503050406030204" pitchFamily="18" charset="0"/>
+                            </a:rPr>
+                          </m:ctrlPr>
+                        </m:fPr>
+                        <m:num>
+                          <m:r>
+                            <a:rPr kumimoji="1" lang="en-US" altLang="ja-JP" b="0" i="1" smtClean="0">
+                              <a:latin typeface="Cambria Math" panose="02040503050406030204" pitchFamily="18" charset="0"/>
+                            </a:rPr>
+                            <m:t>|</m:t>
+                          </m:r>
+                          <m:sSup>
+                            <m:sSupPr>
+                              <m:ctrlPr>
+                                <a:rPr lang="en-US" altLang="ja-JP" i="1">
+                                  <a:latin typeface="Cambria Math" panose="02040503050406030204" pitchFamily="18" charset="0"/>
+                                  <a:ea typeface="Cambria Math" panose="02040503050406030204" pitchFamily="18" charset="0"/>
+                                </a:rPr>
+                              </m:ctrlPr>
+                            </m:sSupPr>
+                            <m:e>
+                              <m:r>
+                                <a:rPr lang="en-US" altLang="ja-JP" i="1">
+                                  <a:latin typeface="Cambria Math" panose="02040503050406030204" pitchFamily="18" charset="0"/>
+                                  <a:ea typeface="Cambria Math" panose="02040503050406030204" pitchFamily="18" charset="0"/>
+                                </a:rPr>
+                                <m:t>𝑉</m:t>
+                              </m:r>
+                            </m:e>
+                            <m:sup>
+                              <m:sSub>
+                                <m:sSubPr>
+                                  <m:ctrlPr>
+                                    <a:rPr lang="en-US" altLang="ja-JP" i="1">
+                                      <a:latin typeface="Cambria Math" panose="02040503050406030204" pitchFamily="18" charset="0"/>
+                                    </a:rPr>
+                                  </m:ctrlPr>
+                                </m:sSubPr>
+                                <m:e>
+                                  <m:r>
+                                    <a:rPr lang="en-US" altLang="ja-JP" i="1">
+                                      <a:latin typeface="Cambria Math" panose="02040503050406030204" pitchFamily="18" charset="0"/>
+                                      <a:ea typeface="Cambria Math" panose="02040503050406030204" pitchFamily="18" charset="0"/>
+                                    </a:rPr>
+                                    <m:t>𝜋</m:t>
+                                  </m:r>
+                                </m:e>
+                                <m:sub>
+                                  <m:r>
+                                    <a:rPr lang="en-US" altLang="ja-JP" i="1">
+                                      <a:latin typeface="Cambria Math" panose="02040503050406030204" pitchFamily="18" charset="0"/>
+                                      <a:ea typeface="Cambria Math" panose="02040503050406030204" pitchFamily="18" charset="0"/>
+                                    </a:rPr>
+                                    <m:t>𝜃</m:t>
+                                  </m:r>
+                                </m:sub>
+                              </m:sSub>
+                            </m:sup>
+                          </m:sSup>
+                          <m:d>
+                            <m:dPr>
+                              <m:ctrlPr>
+                                <a:rPr lang="en-US" altLang="ja-JP" b="0" i="1" smtClean="0">
+                                  <a:latin typeface="Cambria Math" panose="02040503050406030204" pitchFamily="18" charset="0"/>
+                                  <a:ea typeface="Cambria Math" panose="02040503050406030204" pitchFamily="18" charset="0"/>
+                                </a:rPr>
+                              </m:ctrlPr>
+                            </m:dPr>
+                            <m:e>
+                              <m:r>
+                                <a:rPr lang="en-US" altLang="ja-JP" b="0" i="1" smtClean="0">
+                                  <a:latin typeface="Cambria Math" panose="02040503050406030204" pitchFamily="18" charset="0"/>
+                                  <a:ea typeface="Cambria Math" panose="02040503050406030204" pitchFamily="18" charset="0"/>
+                                </a:rPr>
+                                <m:t>𝑠</m:t>
+                              </m:r>
+                            </m:e>
+                          </m:d>
+                          <m:r>
+                            <a:rPr lang="en-US" altLang="ja-JP" b="0" i="1" smtClean="0">
+                              <a:latin typeface="Cambria Math" panose="02040503050406030204" pitchFamily="18" charset="0"/>
+                              <a:ea typeface="Cambria Math" panose="02040503050406030204" pitchFamily="18" charset="0"/>
+                            </a:rPr>
+                            <m:t>−</m:t>
+                          </m:r>
+                          <m:r>
+                            <a:rPr lang="en-US" altLang="ja-JP" i="1">
+                              <a:latin typeface="Cambria Math" panose="02040503050406030204" pitchFamily="18" charset="0"/>
+                              <a:ea typeface="Cambria Math" panose="02040503050406030204" pitchFamily="18" charset="0"/>
+                            </a:rPr>
+                            <m:t>𝑄</m:t>
+                          </m:r>
+                          <m:d>
+                            <m:dPr>
+                              <m:ctrlPr>
+                                <a:rPr lang="en-US" altLang="ja-JP" i="1">
+                                  <a:latin typeface="Cambria Math" panose="02040503050406030204" pitchFamily="18" charset="0"/>
+                                  <a:ea typeface="Cambria Math" panose="02040503050406030204" pitchFamily="18" charset="0"/>
+                                </a:rPr>
+                              </m:ctrlPr>
+                            </m:dPr>
+                            <m:e>
+                              <m:r>
+                                <a:rPr lang="en-US" altLang="ja-JP" i="1">
+                                  <a:latin typeface="Cambria Math" panose="02040503050406030204" pitchFamily="18" charset="0"/>
+                                  <a:ea typeface="Cambria Math" panose="02040503050406030204" pitchFamily="18" charset="0"/>
+                                </a:rPr>
+                                <m:t>𝑠</m:t>
+                              </m:r>
+                              <m:r>
+                                <a:rPr lang="en-US" altLang="ja-JP" i="1">
+                                  <a:latin typeface="Cambria Math" panose="02040503050406030204" pitchFamily="18" charset="0"/>
+                                  <a:ea typeface="Cambria Math" panose="02040503050406030204" pitchFamily="18" charset="0"/>
+                                </a:rPr>
+                                <m:t>,</m:t>
+                              </m:r>
+                              <m:sSub>
+                                <m:sSubPr>
+                                  <m:ctrlPr>
+                                    <a:rPr lang="en-US" altLang="ja-JP" i="1">
+                                      <a:latin typeface="Cambria Math" panose="02040503050406030204" pitchFamily="18" charset="0"/>
+                                    </a:rPr>
+                                  </m:ctrlPr>
+                                </m:sSubPr>
+                                <m:e>
+                                  <m:r>
+                                    <a:rPr lang="en-US" altLang="ja-JP" i="1">
+                                      <a:latin typeface="Cambria Math" panose="02040503050406030204" pitchFamily="18" charset="0"/>
+                                      <a:ea typeface="Cambria Math" panose="02040503050406030204" pitchFamily="18" charset="0"/>
+                                    </a:rPr>
+                                    <m:t>𝜋</m:t>
+                                  </m:r>
+                                </m:e>
+                                <m:sub>
+                                  <m:r>
+                                    <a:rPr lang="en-US" altLang="ja-JP" i="1">
+                                      <a:latin typeface="Cambria Math" panose="02040503050406030204" pitchFamily="18" charset="0"/>
+                                      <a:ea typeface="Cambria Math" panose="02040503050406030204" pitchFamily="18" charset="0"/>
+                                    </a:rPr>
+                                    <m:t>𝜃</m:t>
+                                  </m:r>
+                                </m:sub>
+                              </m:sSub>
+                              <m:r>
+                                <a:rPr lang="en-US" altLang="ja-JP" i="1">
+                                  <a:latin typeface="Cambria Math" panose="02040503050406030204" pitchFamily="18" charset="0"/>
+                                  <a:ea typeface="Cambria Math" panose="02040503050406030204" pitchFamily="18" charset="0"/>
+                                </a:rPr>
+                                <m:t>(</m:t>
+                              </m:r>
+                              <m:r>
+                                <a:rPr lang="en-US" altLang="ja-JP" i="1">
+                                  <a:latin typeface="Cambria Math" panose="02040503050406030204" pitchFamily="18" charset="0"/>
+                                  <a:ea typeface="Cambria Math" panose="02040503050406030204" pitchFamily="18" charset="0"/>
+                                </a:rPr>
+                                <m:t>𝑠</m:t>
+                              </m:r>
+                              <m:r>
+                                <a:rPr lang="en-US" altLang="ja-JP" i="1">
+                                  <a:latin typeface="Cambria Math" panose="02040503050406030204" pitchFamily="18" charset="0"/>
+                                  <a:ea typeface="Cambria Math" panose="02040503050406030204" pitchFamily="18" charset="0"/>
+                                </a:rPr>
+                                <m:t>)|</m:t>
+                              </m:r>
+                              <m:r>
+                                <a:rPr lang="en-US" altLang="ja-JP" i="1">
+                                  <a:latin typeface="Cambria Math" panose="02040503050406030204" pitchFamily="18" charset="0"/>
+                                  <a:ea typeface="Cambria Math" panose="02040503050406030204" pitchFamily="18" charset="0"/>
+                                </a:rPr>
+                                <m:t>𝜔</m:t>
+                              </m:r>
+                            </m:e>
+                          </m:d>
+                          <m:r>
+                            <a:rPr lang="en-US" altLang="ja-JP" b="0" i="1" smtClean="0">
+                              <a:latin typeface="Cambria Math" panose="02040503050406030204" pitchFamily="18" charset="0"/>
+                              <a:ea typeface="Cambria Math" panose="02040503050406030204" pitchFamily="18" charset="0"/>
+                            </a:rPr>
+                            <m:t>|</m:t>
+                          </m:r>
+                        </m:num>
+                        <m:den>
+                          <m:r>
+                            <a:rPr kumimoji="1" lang="en-US" altLang="ja-JP" b="0" i="1" smtClean="0">
+                              <a:latin typeface="Cambria Math" panose="02040503050406030204" pitchFamily="18" charset="0"/>
+                            </a:rPr>
+                            <m:t>|</m:t>
+                          </m:r>
+                          <m:sSup>
+                            <m:sSupPr>
+                              <m:ctrlPr>
+                                <a:rPr lang="en-US" altLang="ja-JP" i="1">
+                                  <a:latin typeface="Cambria Math" panose="02040503050406030204" pitchFamily="18" charset="0"/>
+                                  <a:ea typeface="Cambria Math" panose="02040503050406030204" pitchFamily="18" charset="0"/>
+                                </a:rPr>
+                              </m:ctrlPr>
+                            </m:sSupPr>
+                            <m:e>
+                              <m:r>
+                                <a:rPr lang="en-US" altLang="ja-JP" i="1">
+                                  <a:latin typeface="Cambria Math" panose="02040503050406030204" pitchFamily="18" charset="0"/>
+                                  <a:ea typeface="Cambria Math" panose="02040503050406030204" pitchFamily="18" charset="0"/>
+                                </a:rPr>
+                                <m:t>𝑉</m:t>
+                              </m:r>
+                            </m:e>
+                            <m:sup>
+                              <m:sSub>
+                                <m:sSubPr>
+                                  <m:ctrlPr>
+                                    <a:rPr lang="en-US" altLang="ja-JP" i="1">
+                                      <a:latin typeface="Cambria Math" panose="02040503050406030204" pitchFamily="18" charset="0"/>
+                                    </a:rPr>
+                                  </m:ctrlPr>
+                                </m:sSubPr>
+                                <m:e>
+                                  <m:r>
+                                    <a:rPr lang="en-US" altLang="ja-JP" i="1">
+                                      <a:latin typeface="Cambria Math" panose="02040503050406030204" pitchFamily="18" charset="0"/>
+                                      <a:ea typeface="Cambria Math" panose="02040503050406030204" pitchFamily="18" charset="0"/>
+                                    </a:rPr>
+                                    <m:t>𝜋</m:t>
+                                  </m:r>
+                                </m:e>
+                                <m:sub>
+                                  <m:r>
+                                    <a:rPr lang="en-US" altLang="ja-JP" i="1">
+                                      <a:latin typeface="Cambria Math" panose="02040503050406030204" pitchFamily="18" charset="0"/>
+                                      <a:ea typeface="Cambria Math" panose="02040503050406030204" pitchFamily="18" charset="0"/>
+                                    </a:rPr>
+                                    <m:t>𝜃</m:t>
+                                  </m:r>
+                                </m:sub>
+                              </m:sSub>
+                            </m:sup>
+                          </m:sSup>
+                          <m:d>
+                            <m:dPr>
+                              <m:ctrlPr>
+                                <a:rPr lang="en-US" altLang="ja-JP" i="1">
+                                  <a:latin typeface="Cambria Math" panose="02040503050406030204" pitchFamily="18" charset="0"/>
+                                  <a:ea typeface="Cambria Math" panose="02040503050406030204" pitchFamily="18" charset="0"/>
+                                </a:rPr>
+                              </m:ctrlPr>
+                            </m:dPr>
+                            <m:e>
+                              <m:r>
+                                <a:rPr lang="en-US" altLang="ja-JP" i="1">
+                                  <a:latin typeface="Cambria Math" panose="02040503050406030204" pitchFamily="18" charset="0"/>
+                                  <a:ea typeface="Cambria Math" panose="02040503050406030204" pitchFamily="18" charset="0"/>
+                                </a:rPr>
+                                <m:t>𝑠</m:t>
+                              </m:r>
+                            </m:e>
+                          </m:d>
+                          <m:r>
+                            <a:rPr lang="en-US" altLang="ja-JP" b="0" i="1" smtClean="0">
+                              <a:latin typeface="Cambria Math" panose="02040503050406030204" pitchFamily="18" charset="0"/>
+                              <a:ea typeface="Cambria Math" panose="02040503050406030204" pitchFamily="18" charset="0"/>
+                            </a:rPr>
+                            <m:t>|</m:t>
+                          </m:r>
+                        </m:den>
+                      </m:f>
+                    </m:oMath>
+                  </m:oMathPara>
+                </a14:m>
+                <a:endParaRPr kumimoji="1" lang="ja-JP" altLang="en-US">
+                  <a:latin typeface="Cambria" panose="02040503050406030204" pitchFamily="18" charset="0"/>
+                </a:endParaRPr>
+              </a:p>
+            </p:txBody>
+          </p:sp>
+        </mc:Choice>
+        <mc:Fallback xmlns="">
+          <p:sp>
+            <p:nvSpPr>
+              <p:cNvPr id="9" name="テキスト ボックス 8">
+                <a:extLst>
+                  <a:ext uri="{FF2B5EF4-FFF2-40B4-BE49-F238E27FC236}">
+                    <a16:creationId xmlns:a16="http://schemas.microsoft.com/office/drawing/2014/main" id="{979AA932-8FC2-5E45-9FE5-530F91D19635}"/>
+                  </a:ext>
+                </a:extLst>
+              </p:cNvPr>
+              <p:cNvSpPr txBox="1">
+                <a:spLocks noRot="1" noChangeAspect="1" noMove="1" noResize="1" noEditPoints="1" noAdjustHandles="1" noChangeArrowheads="1" noChangeShapeType="1" noTextEdit="1"/>
+              </p:cNvSpPr>
+              <p:nvPr/>
+            </p:nvSpPr>
+            <p:spPr>
+              <a:xfrm>
+                <a:off x="1513549" y="3267802"/>
+                <a:ext cx="2702278" cy="676532"/>
+              </a:xfrm>
+              <a:prstGeom prst="rect">
+                <a:avLst/>
+              </a:prstGeom>
+              <a:blipFill>
+                <a:blip r:embed="rId5"/>
+                <a:stretch>
+                  <a:fillRect b="-7273"/>
+                </a:stretch>
+              </a:blipFill>
+            </p:spPr>
+            <p:txBody>
+              <a:bodyPr/>
+              <a:lstStyle/>
+              <a:p>
+                <a:r>
+                  <a:rPr lang="ja-JP" altLang="en-US">
+                    <a:noFill/>
+                  </a:rPr>
+                  <a:t> </a:t>
+                </a:r>
+              </a:p>
+            </p:txBody>
+          </p:sp>
+        </mc:Fallback>
+      </mc:AlternateContent>
     </p:spTree>
     <p:extLst>
       <p:ext uri="{BB962C8B-B14F-4D97-AF65-F5344CB8AC3E}">
@@ -12301,6 +14014,37 @@
           <a:bodyPr/>
           <a:lstStyle/>
           <a:p>
+            <a:r>
+              <a:rPr kumimoji="1" lang="ja-JP" altLang="en-US"/>
+              <a:t>ニューラルネットワーク</a:t>
+            </a:r>
+            <a:endParaRPr lang="en-US" altLang="ja-JP" dirty="0"/>
+          </a:p>
+          <a:p>
+            <a:endParaRPr kumimoji="1" lang="en-US" altLang="ja-JP" dirty="0"/>
+          </a:p>
+          <a:p>
+            <a:endParaRPr lang="en-US" altLang="ja-JP" dirty="0"/>
+          </a:p>
+          <a:p>
+            <a:endParaRPr kumimoji="1" lang="en-US" altLang="ja-JP" dirty="0"/>
+          </a:p>
+          <a:p>
+            <a:endParaRPr lang="en-US" altLang="ja-JP" dirty="0"/>
+          </a:p>
+          <a:p>
+            <a:endParaRPr kumimoji="1" lang="en-US" altLang="ja-JP" dirty="0"/>
+          </a:p>
+          <a:p>
+            <a:endParaRPr lang="en-US" altLang="ja-JP" dirty="0"/>
+          </a:p>
+          <a:p>
+            <a:endParaRPr kumimoji="1" lang="en-US" altLang="ja-JP" dirty="0"/>
+          </a:p>
+          <a:p>
+            <a:pPr marL="0" indent="0">
+              <a:buNone/>
+            </a:pPr>
             <a:endParaRPr kumimoji="1" lang="ja-JP" altLang="en-US"/>
           </a:p>
         </p:txBody>
@@ -12336,7 +14080,7 @@
             </a:r>
             <a:r>
               <a:rPr kumimoji="1" lang="ja-JP" altLang="en-US"/>
-              <a:t>モデルの設定・ハイパーパラメータ</a:t>
+              <a:t>モデルの設定</a:t>
             </a:r>
           </a:p>
         </p:txBody>
@@ -12403,6 +14147,36 @@
           </a:p>
         </p:txBody>
       </p:sp>
+      <p:pic>
+        <p:nvPicPr>
+          <p:cNvPr id="7" name="図 6">
+            <a:extLst>
+              <a:ext uri="{FF2B5EF4-FFF2-40B4-BE49-F238E27FC236}">
+                <a16:creationId xmlns:a16="http://schemas.microsoft.com/office/drawing/2014/main" id="{88F47328-895D-2E40-99D0-7761C8C71290}"/>
+              </a:ext>
+            </a:extLst>
+          </p:cNvPr>
+          <p:cNvPicPr>
+            <a:picLocks noChangeAspect="1"/>
+          </p:cNvPicPr>
+          <p:nvPr/>
+        </p:nvPicPr>
+        <p:blipFill>
+          <a:blip r:embed="rId2"/>
+          <a:stretch>
+            <a:fillRect/>
+          </a:stretch>
+        </p:blipFill>
+        <p:spPr>
+          <a:xfrm>
+            <a:off x="1289853" y="1620455"/>
+            <a:ext cx="5324846" cy="3808071"/>
+          </a:xfrm>
+          <a:prstGeom prst="rect">
+            <a:avLst/>
+          </a:prstGeom>
+        </p:spPr>
+      </p:pic>
     </p:spTree>
     <p:extLst>
       <p:ext uri="{BB962C8B-B14F-4D97-AF65-F5344CB8AC3E}">
@@ -12706,7 +14480,15 @@
             <a:pPr lvl="1"/>
             <a:r>
               <a:rPr lang="ja-JP" altLang="en-US"/>
-              <a:t>連続時間システムを一定時間間隔で制御する手法</a:t>
+              <a:t>連続時間システムを一定時間間隔で通信し</a:t>
+            </a:r>
+            <a:r>
+              <a:rPr lang="en-US" altLang="ja-JP" dirty="0"/>
+              <a:t>, </a:t>
+            </a:r>
+            <a:r>
+              <a:rPr lang="ja-JP" altLang="en-US"/>
+              <a:t>制御する手法</a:t>
             </a:r>
             <a:endParaRPr lang="en-US" altLang="ja-JP" dirty="0"/>
           </a:p>
@@ -16712,19 +18494,11 @@
               <a:p>
                 <a:r>
                   <a:rPr lang="ja-JP" altLang="en-US"/>
-                  <a:t>長時間の</a:t>
+                  <a:t>長時間</a:t>
                 </a:r>
                 <a:r>
                   <a:rPr kumimoji="1" lang="ja-JP" altLang="en-US"/>
-                  <a:t>制御全体における</a:t>
-                </a:r>
-                <a:r>
-                  <a:rPr kumimoji="1" lang="en-US" altLang="ja-JP" dirty="0"/>
-                  <a:t>, </a:t>
-                </a:r>
-                <a:r>
-                  <a:rPr kumimoji="1" lang="ja-JP" altLang="en-US"/>
-                  <a:t>通信</a:t>
+                  <a:t>制御全体の通信</a:t>
                 </a:r>
                 <a:r>
                   <a:rPr lang="ja-JP" altLang="en-US"/>
@@ -16741,6 +18515,30 @@
                 <a:r>
                   <a:rPr kumimoji="1" lang="ja-JP" altLang="en-US"/>
                   <a:t>ていない</a:t>
+                </a:r>
+                <a:endParaRPr kumimoji="1" lang="en-US" altLang="ja-JP" dirty="0"/>
+              </a:p>
+              <a:p>
+                <a:pPr lvl="1"/>
+                <a:r>
+                  <a:rPr lang="ja-JP" altLang="en-US"/>
+                  <a:t>陽</a:t>
+                </a:r>
+                <a:r>
+                  <a:rPr kumimoji="1" lang="ja-JP" altLang="en-US"/>
+                  <a:t>に考慮した最適化問題を考える</a:t>
+                </a:r>
+                <a:r>
+                  <a:rPr kumimoji="1" lang="en-US" altLang="ja-JP" dirty="0"/>
+                  <a:t>(</a:t>
+                </a:r>
+                <a:r>
+                  <a:rPr kumimoji="1" lang="ja-JP" altLang="en-US"/>
+                  <a:t>本研究</a:t>
+                </a:r>
+                <a:r>
+                  <a:rPr kumimoji="1" lang="en-US" altLang="ja-JP" dirty="0"/>
+                  <a:t>)</a:t>
                 </a:r>
               </a:p>
             </p:txBody>
@@ -17968,6 +19766,92 @@
                 </a:pPr>
                 <a14:m>
                   <m:oMath xmlns:m="http://schemas.openxmlformats.org/officeDocument/2006/math">
+                    <m:r>
+                      <a:rPr lang="en-US" altLang="ja-JP" i="1" smtClean="0">
+                        <a:latin typeface="Cambria Math" panose="02040503050406030204" pitchFamily="18" charset="0"/>
+                        <a:ea typeface="Cambria Math" panose="02040503050406030204" pitchFamily="18" charset="0"/>
+                      </a:rPr>
+                      <m:t>𝜋</m:t>
+                    </m:r>
+                    <m:d>
+                      <m:dPr>
+                        <m:ctrlPr>
+                          <a:rPr lang="en-US" altLang="ja-JP" i="1">
+                            <a:latin typeface="Cambria Math" panose="02040503050406030204" pitchFamily="18" charset="0"/>
+                            <a:ea typeface="Cambria Math" panose="02040503050406030204" pitchFamily="18" charset="0"/>
+                          </a:rPr>
+                        </m:ctrlPr>
+                      </m:dPr>
+                      <m:e>
+                        <m:r>
+                          <a:rPr lang="en-US" altLang="ja-JP" i="1">
+                            <a:latin typeface="Cambria Math" panose="02040503050406030204" pitchFamily="18" charset="0"/>
+                            <a:ea typeface="Cambria Math" panose="02040503050406030204" pitchFamily="18" charset="0"/>
+                          </a:rPr>
+                          <m:t>𝑠</m:t>
+                        </m:r>
+                      </m:e>
+                    </m:d>
+                  </m:oMath>
+                </a14:m>
+                <a:r>
+                  <a:rPr lang="en-US" altLang="ja-JP" dirty="0"/>
+                  <a:t>: </a:t>
+                </a:r>
+                <a:r>
+                  <a:rPr lang="ja-JP" altLang="en-US"/>
+                  <a:t>セルフトリガー制御則</a:t>
+                </a:r>
+                <a:r>
+                  <a:rPr lang="en-US" altLang="ja-JP" dirty="0"/>
+                  <a:t>, </a:t>
+                </a:r>
+                <a:r>
+                  <a:rPr lang="ja-JP" altLang="en-US"/>
+                  <a:t>入力</a:t>
+                </a:r>
+                <a14:m>
+                  <m:oMath xmlns:m="http://schemas.openxmlformats.org/officeDocument/2006/math">
+                    <m:r>
+                      <a:rPr lang="en-US" altLang="ja-JP" i="1">
+                        <a:latin typeface="Cambria Math" panose="02040503050406030204" pitchFamily="18" charset="0"/>
+                      </a:rPr>
+                      <m:t>𝑢</m:t>
+                    </m:r>
+                  </m:oMath>
+                </a14:m>
+                <a:r>
+                  <a:rPr lang="ja-JP" altLang="en-US" dirty="0"/>
+                  <a:t>と</a:t>
+                </a:r>
+                <a:r>
+                  <a:rPr lang="ja-JP" altLang="en-US"/>
+                  <a:t>通信間隔</a:t>
+                </a:r>
+                <a14:m>
+                  <m:oMath xmlns:m="http://schemas.openxmlformats.org/officeDocument/2006/math">
+                    <m:r>
+                      <a:rPr lang="ja-JP" altLang="en-US" i="1">
+                        <a:latin typeface="Cambria Math" panose="02040503050406030204" pitchFamily="18" charset="0"/>
+                      </a:rPr>
+                      <m:t>𝜏</m:t>
+                    </m:r>
+                  </m:oMath>
+                </a14:m>
+                <a:r>
+                  <a:rPr lang="ja-JP" altLang="en-US"/>
+                  <a:t>を出力</a:t>
+                </a:r>
+                <a:endParaRPr lang="en-US" altLang="ja-JP" dirty="0"/>
+              </a:p>
+              <a:p>
+                <a:pPr lvl="1">
+                  <a:lnSpc>
+                    <a:spcPct val="120000"/>
+                  </a:lnSpc>
+                </a:pPr>
+                <a14:m>
+                  <m:oMath xmlns:m="http://schemas.openxmlformats.org/officeDocument/2006/math">
                     <m:sSub>
                       <m:sSubPr>
                         <m:ctrlPr>
@@ -18239,34 +20123,13 @@
                               </a:rPr>
                               <m:t>𝛼</m:t>
                             </m:r>
-                            <m:sSub>
-                              <m:sSubPr>
-                                <m:ctrlPr>
-                                  <a:rPr lang="en-US" altLang="ja-JP" i="1">
-                                    <a:latin typeface="Cambria Math" panose="02040503050406030204" pitchFamily="18" charset="0"/>
-                                    <a:ea typeface="Cambria Math" panose="02040503050406030204" pitchFamily="18" charset="0"/>
-                                  </a:rPr>
-                                </m:ctrlPr>
-                              </m:sSubPr>
-                              <m:e>
-                                <m:r>
-                                  <a:rPr lang="en-US" altLang="ja-JP" i="1">
-                                    <a:latin typeface="Cambria Math" panose="02040503050406030204" pitchFamily="18" charset="0"/>
-                                    <a:ea typeface="Cambria Math" panose="02040503050406030204" pitchFamily="18" charset="0"/>
-                                  </a:rPr>
-                                  <m:t>𝑡</m:t>
-                                </m:r>
-                              </m:e>
-                              <m:sub>
-                                <m:r>
-                                  <a:rPr lang="en-US" altLang="ja-JP" i="1">
-                                    <a:latin typeface="Cambria Math" panose="02040503050406030204" pitchFamily="18" charset="0"/>
-                                    <a:ea typeface="Cambria Math" panose="02040503050406030204" pitchFamily="18" charset="0"/>
-                                  </a:rPr>
-                                  <m:t>𝑖</m:t>
-                                </m:r>
-                              </m:sub>
-                            </m:sSub>
+                            <m:r>
+                              <a:rPr lang="en-US" altLang="ja-JP" b="0" i="1" smtClean="0">
+                                <a:latin typeface="Cambria Math" panose="02040503050406030204" pitchFamily="18" charset="0"/>
+                                <a:ea typeface="Cambria Math" panose="02040503050406030204" pitchFamily="18" charset="0"/>
+                              </a:rPr>
+                              <m:t>𝑡</m:t>
+                            </m:r>
                           </m:sup>
                         </m:sSup>
                         <m:r>
@@ -18278,18 +20141,13 @@
                         </m:r>
                       </m:e>
                     </m:nary>
-                  </m:oMath>
-                </a14:m>
-                <a:r>
-                  <a:rPr kumimoji="1" lang="en-US" altLang="ja-JP" dirty="0"/>
-                  <a:t> </a:t>
-                </a:r>
-                <a:r>
-                  <a:rPr kumimoji="1" lang="en-US" altLang="ja-JP" sz="1800" dirty="0"/>
-                  <a:t>(</a:t>
-                </a:r>
-                <a14:m>
-                  <m:oMath xmlns:m="http://schemas.openxmlformats.org/officeDocument/2006/math">
+                    <m:r>
+                      <a:rPr lang="ja-JP" altLang="en-US" i="1">
+                        <a:latin typeface="Cambria Math" panose="02040503050406030204" pitchFamily="18" charset="0"/>
+                        <a:ea typeface="Cambria Math" panose="02040503050406030204" pitchFamily="18" charset="0"/>
+                      </a:rPr>
+                      <m:t>（</m:t>
+                    </m:r>
                     <m:r>
                       <a:rPr kumimoji="1" lang="en-US" altLang="ja-JP" sz="1800" b="0" i="1" dirty="0" smtClean="0">
                         <a:solidFill>
@@ -18310,107 +20168,113 @@
                   <a:t>した時刻の集合</a:t>
                 </a:r>
                 <a:r>
-                  <a:rPr kumimoji="1" lang="en-US" altLang="ja-JP" sz="1800" dirty="0"/>
-                  <a:t>)</a:t>
-                </a:r>
+                  <a:rPr lang="ja-JP" altLang="en-US" sz="1800"/>
+                  <a:t>）</a:t>
+                </a:r>
+                <a:endParaRPr kumimoji="1" lang="en-US" altLang="ja-JP" sz="1800" dirty="0"/>
               </a:p>
               <a:p>
-                <a:pPr lvl="1">
+                <a:pPr marL="914400" lvl="2" indent="0">
                   <a:lnSpc>
                     <a:spcPct val="120000"/>
                   </a:lnSpc>
+                  <a:buNone/>
                 </a:pPr>
+                <a:r>
+                  <a:rPr lang="ja-JP" altLang="en-US" sz="1600"/>
+                  <a:t>（↑</a:t>
+                </a:r>
+                <a:r>
+                  <a:rPr lang="en-US" altLang="ja-JP" sz="1600" dirty="0"/>
+                  <a:t> </a:t>
+                </a:r>
+                <a:r>
+                  <a:rPr lang="ja-JP" altLang="en-US" sz="1600"/>
+                  <a:t>通信した時刻の</a:t>
+                </a:r>
                 <a14:m>
                   <m:oMath xmlns:m="http://schemas.openxmlformats.org/officeDocument/2006/math">
-                    <m:r>
-                      <a:rPr lang="en-US" altLang="ja-JP" i="1">
-                        <a:latin typeface="Cambria Math" panose="02040503050406030204" pitchFamily="18" charset="0"/>
-                        <a:ea typeface="Cambria Math" panose="02040503050406030204" pitchFamily="18" charset="0"/>
-                      </a:rPr>
-                      <m:t>𝜋</m:t>
-                    </m:r>
-                    <m:d>
-                      <m:dPr>
+                    <m:sSup>
+                      <m:sSupPr>
                         <m:ctrlPr>
-                          <a:rPr lang="en-US" altLang="ja-JP" b="0" i="1" smtClean="0">
+                          <a:rPr lang="en-US" altLang="ja-JP" sz="1600" i="1">
                             <a:latin typeface="Cambria Math" panose="02040503050406030204" pitchFamily="18" charset="0"/>
                             <a:ea typeface="Cambria Math" panose="02040503050406030204" pitchFamily="18" charset="0"/>
                           </a:rPr>
                         </m:ctrlPr>
-                      </m:dPr>
+                      </m:sSupPr>
                       <m:e>
                         <m:r>
-                          <a:rPr lang="en-US" altLang="ja-JP" b="0" i="1" smtClean="0">
+                          <a:rPr lang="en-US" altLang="ja-JP" sz="1600" i="1">
                             <a:latin typeface="Cambria Math" panose="02040503050406030204" pitchFamily="18" charset="0"/>
                             <a:ea typeface="Cambria Math" panose="02040503050406030204" pitchFamily="18" charset="0"/>
                           </a:rPr>
-                          <m:t>𝑠</m:t>
+                          <m:t>𝑒</m:t>
                         </m:r>
                       </m:e>
-                    </m:d>
-                  </m:oMath>
-                </a14:m>
-                <a:r>
-                  <a:rPr kumimoji="1" lang="en-US" altLang="ja-JP" dirty="0"/>
-                  <a:t>: </a:t>
-                </a:r>
-                <a:r>
-                  <a:rPr kumimoji="1" lang="ja-JP" altLang="en-US"/>
-                  <a:t>セルフトリ</a:t>
-                </a:r>
-                <a:r>
-                  <a:rPr lang="ja-JP" altLang="en-US"/>
-                  <a:t>ガー</a:t>
-                </a:r>
-                <a:r>
-                  <a:rPr kumimoji="1" lang="ja-JP" altLang="en-US"/>
-                  <a:t>制御則</a:t>
-                </a:r>
-                <a:r>
-                  <a:rPr lang="en-US" altLang="ja-JP" dirty="0"/>
-                  <a:t>,</a:t>
-                </a:r>
-                <a:r>
-                  <a:rPr kumimoji="1" lang="en-US" altLang="ja-JP" dirty="0"/>
-                  <a:t> </a:t>
-                </a:r>
-                <a:r>
-                  <a:rPr kumimoji="1" lang="ja-JP" altLang="en-US"/>
-                  <a:t>入力</a:t>
-                </a:r>
-                <a14:m>
-                  <m:oMath xmlns:m="http://schemas.openxmlformats.org/officeDocument/2006/math">
+                      <m:sup>
+                        <m:r>
+                          <a:rPr lang="en-US" altLang="ja-JP" sz="1600" i="1">
+                            <a:latin typeface="Cambria Math" panose="02040503050406030204" pitchFamily="18" charset="0"/>
+                            <a:ea typeface="Cambria Math" panose="02040503050406030204" pitchFamily="18" charset="0"/>
+                          </a:rPr>
+                          <m:t>−</m:t>
+                        </m:r>
+                        <m:r>
+                          <a:rPr lang="en-US" altLang="ja-JP" sz="1600" i="1">
+                            <a:latin typeface="Cambria Math" panose="02040503050406030204" pitchFamily="18" charset="0"/>
+                            <a:ea typeface="Cambria Math" panose="02040503050406030204" pitchFamily="18" charset="0"/>
+                          </a:rPr>
+                          <m:t>𝛼</m:t>
+                        </m:r>
+                        <m:sSub>
+                          <m:sSubPr>
+                            <m:ctrlPr>
+                              <a:rPr lang="en-US" altLang="ja-JP" sz="1600" i="1">
+                                <a:latin typeface="Cambria Math" panose="02040503050406030204" pitchFamily="18" charset="0"/>
+                                <a:ea typeface="Cambria Math" panose="02040503050406030204" pitchFamily="18" charset="0"/>
+                              </a:rPr>
+                            </m:ctrlPr>
+                          </m:sSubPr>
+                          <m:e>
+                            <m:r>
+                              <a:rPr lang="en-US" altLang="ja-JP" sz="1600" i="1">
+                                <a:latin typeface="Cambria Math" panose="02040503050406030204" pitchFamily="18" charset="0"/>
+                                <a:ea typeface="Cambria Math" panose="02040503050406030204" pitchFamily="18" charset="0"/>
+                              </a:rPr>
+                              <m:t>𝑡</m:t>
+                            </m:r>
+                          </m:e>
+                          <m:sub>
+                            <m:r>
+                              <a:rPr lang="en-US" altLang="ja-JP" sz="1600" i="1">
+                                <a:latin typeface="Cambria Math" panose="02040503050406030204" pitchFamily="18" charset="0"/>
+                                <a:ea typeface="Cambria Math" panose="02040503050406030204" pitchFamily="18" charset="0"/>
+                              </a:rPr>
+                              <m:t>𝑖</m:t>
+                            </m:r>
+                          </m:sub>
+                        </m:sSub>
+                      </m:sup>
+                    </m:sSup>
                     <m:r>
-                      <a:rPr kumimoji="1" lang="en-US" altLang="ja-JP" b="0" i="1" smtClean="0">
+                      <a:rPr lang="en-US" altLang="ja-JP" sz="1600" i="1">
                         <a:latin typeface="Cambria Math" panose="02040503050406030204" pitchFamily="18" charset="0"/>
+                        <a:ea typeface="Cambria Math" panose="02040503050406030204" pitchFamily="18" charset="0"/>
                       </a:rPr>
-                      <m:t>𝑢</m:t>
+                      <m:t>𝛽</m:t>
                     </m:r>
                   </m:oMath>
                 </a14:m>
                 <a:r>
-                  <a:rPr kumimoji="1" lang="ja-JP" altLang="en-US" dirty="0"/>
-                  <a:t>と</a:t>
-                </a:r>
-                <a:r>
-                  <a:rPr kumimoji="1" lang="ja-JP" altLang="en-US"/>
-                  <a:t>通信間隔</a:t>
-                </a:r>
-                <a14:m>
-                  <m:oMath xmlns:m="http://schemas.openxmlformats.org/officeDocument/2006/math">
-                    <m:r>
-                      <a:rPr kumimoji="1" lang="ja-JP" altLang="en-US" i="1" smtClean="0">
-                        <a:latin typeface="Cambria Math" panose="02040503050406030204" pitchFamily="18" charset="0"/>
-                      </a:rPr>
-                      <m:t>𝜏</m:t>
-                    </m:r>
-                  </m:oMath>
-                </a14:m>
-                <a:r>
-                  <a:rPr kumimoji="1" lang="ja-JP" altLang="en-US" dirty="0"/>
-                  <a:t>を出力</a:t>
-                </a:r>
-                <a:endParaRPr kumimoji="1" lang="en-US" altLang="ja-JP" dirty="0"/>
+                  <a:rPr kumimoji="1" lang="ja-JP" altLang="en-US" sz="1600" dirty="0"/>
+                  <a:t>が積分に</a:t>
+                </a:r>
+                <a:r>
+                  <a:rPr kumimoji="1" lang="ja-JP" altLang="en-US" sz="1600"/>
+                  <a:t>足されていくイメージ）</a:t>
+                </a:r>
+                <a:endParaRPr kumimoji="1" lang="en-US" altLang="ja-JP" sz="1600" dirty="0"/>
               </a:p>
               <a:p>
                 <a:pPr lvl="1"/>
@@ -18455,7 +20319,7 @@
               <a:blipFill>
                 <a:blip r:embed="rId3"/>
                 <a:stretch>
-                  <a:fillRect l="-598" t="-1266"/>
+                  <a:fillRect l="-598" t="-1266" b="-253"/>
                 </a:stretch>
               </a:blipFill>
             </p:spPr>
@@ -19826,6 +21690,81 @@
                 <a:pPr lvl="2"/>
                 <a14:m>
                   <m:oMath xmlns:m="http://schemas.openxmlformats.org/officeDocument/2006/math">
+                    <m:sSup>
+                      <m:sSupPr>
+                        <m:ctrlPr>
+                          <a:rPr lang="en-US" altLang="ja-JP" i="1">
+                            <a:latin typeface="Cambria Math" panose="02040503050406030204" pitchFamily="18" charset="0"/>
+                            <a:ea typeface="Cambria Math" panose="02040503050406030204" pitchFamily="18" charset="0"/>
+                          </a:rPr>
+                        </m:ctrlPr>
+                      </m:sSupPr>
+                      <m:e>
+                        <m:r>
+                          <a:rPr lang="en-US" altLang="ja-JP" i="1">
+                            <a:latin typeface="Cambria Math" panose="02040503050406030204" pitchFamily="18" charset="0"/>
+                            <a:ea typeface="Cambria Math" panose="02040503050406030204" pitchFamily="18" charset="0"/>
+                          </a:rPr>
+                          <m:t>𝑉</m:t>
+                        </m:r>
+                      </m:e>
+                      <m:sup>
+                        <m:r>
+                          <a:rPr lang="en-US" altLang="ja-JP" i="1">
+                            <a:latin typeface="Cambria Math" panose="02040503050406030204" pitchFamily="18" charset="0"/>
+                            <a:ea typeface="Cambria Math" panose="02040503050406030204" pitchFamily="18" charset="0"/>
+                          </a:rPr>
+                          <m:t>𝜋</m:t>
+                        </m:r>
+                      </m:sup>
+                    </m:sSup>
+                    <m:d>
+                      <m:dPr>
+                        <m:ctrlPr>
+                          <a:rPr lang="en-US" altLang="ja-JP" i="1">
+                            <a:latin typeface="Cambria Math" panose="02040503050406030204" pitchFamily="18" charset="0"/>
+                            <a:ea typeface="Cambria Math" panose="02040503050406030204" pitchFamily="18" charset="0"/>
+                          </a:rPr>
+                        </m:ctrlPr>
+                      </m:dPr>
+                      <m:e>
+                        <m:r>
+                          <a:rPr lang="en-US" altLang="ja-JP" i="1">
+                            <a:latin typeface="Cambria Math" panose="02040503050406030204" pitchFamily="18" charset="0"/>
+                            <a:ea typeface="Cambria Math" panose="02040503050406030204" pitchFamily="18" charset="0"/>
+                          </a:rPr>
+                          <m:t>𝑠</m:t>
+                        </m:r>
+                      </m:e>
+                    </m:d>
+                  </m:oMath>
+                </a14:m>
+                <a:r>
+                  <a:rPr lang="en-US" altLang="ja-JP" dirty="0">
+                    <a:latin typeface="+mn-ea"/>
+                  </a:rPr>
+                  <a:t>: </a:t>
+                </a:r>
+                <a:r>
+                  <a:rPr lang="ja-JP" altLang="en-US">
+                    <a:latin typeface="+mn-ea"/>
+                  </a:rPr>
+                  <a:t>全ステップ</a:t>
+                </a:r>
+                <a:r>
+                  <a:rPr lang="en-US" altLang="ja-JP" dirty="0">
+                    <a:latin typeface="+mn-ea"/>
+                  </a:rPr>
+                  <a:t>, </a:t>
+                </a:r>
+                <a:r>
+                  <a:rPr lang="ja-JP" altLang="en-US">
+                    <a:latin typeface="+mn-ea"/>
+                  </a:rPr>
+                  <a:t>方策</a:t>
+                </a:r>
+                <a14:m>
+                  <m:oMath xmlns:m="http://schemas.openxmlformats.org/officeDocument/2006/math">
                     <m:r>
                       <a:rPr lang="en-US" altLang="ja-JP" i="1">
                         <a:latin typeface="Cambria Math" panose="02040503050406030204" pitchFamily="18" charset="0"/>
@@ -19833,46 +21772,13 @@
                       </a:rPr>
                       <m:t>𝜋</m:t>
                     </m:r>
-                    <m:d>
-                      <m:dPr>
-                        <m:ctrlPr>
-                          <a:rPr lang="en-US" altLang="ja-JP" b="0" i="1" smtClean="0">
-                            <a:latin typeface="Cambria Math" panose="02040503050406030204" pitchFamily="18" charset="0"/>
-                            <a:ea typeface="Cambria Math" panose="02040503050406030204" pitchFamily="18" charset="0"/>
-                          </a:rPr>
-                        </m:ctrlPr>
-                      </m:dPr>
-                      <m:e>
-                        <m:r>
-                          <a:rPr lang="en-US" altLang="ja-JP" b="0" i="1" smtClean="0">
-                            <a:latin typeface="Cambria Math" panose="02040503050406030204" pitchFamily="18" charset="0"/>
-                            <a:ea typeface="Cambria Math" panose="02040503050406030204" pitchFamily="18" charset="0"/>
-                          </a:rPr>
-                          <m:t>𝑠</m:t>
-                        </m:r>
-                      </m:e>
-                    </m:d>
-                    <m:r>
-                      <a:rPr lang="en-US" altLang="ja-JP" b="0" i="0" smtClean="0">
-                        <a:latin typeface="Cambria Math" panose="02040503050406030204" pitchFamily="18" charset="0"/>
-                        <a:ea typeface="Cambria Math" panose="02040503050406030204" pitchFamily="18" charset="0"/>
-                      </a:rPr>
-                      <m:t>:</m:t>
-                    </m:r>
                   </m:oMath>
                 </a14:m>
-                <a:r>
-                  <a:rPr lang="en-US" altLang="ja-JP" i="1" dirty="0">
-                    <a:latin typeface="Cambria Math" panose="02040503050406030204" pitchFamily="18" charset="0"/>
-                    <a:ea typeface="Cambria Math" panose="02040503050406030204" pitchFamily="18" charset="0"/>
-                  </a:rPr>
-                  <a:t> </a:t>
-                </a:r>
                 <a:r>
                   <a:rPr lang="ja-JP" altLang="en-US">
                     <a:latin typeface="+mn-ea"/>
                   </a:rPr>
-                  <a:t>制御則</a:t>
+                  <a:t>で制御した際の累積コスト</a:t>
                 </a:r>
                 <a:endParaRPr lang="en-US" altLang="ja-JP" i="1" dirty="0">
                   <a:latin typeface="Cambria Math" panose="02040503050406030204" pitchFamily="18" charset="0"/>
@@ -20288,6 +22194,14 @@
           </a:bodyPr>
           <a:lstStyle/>
           <a:p>
+            <a:r>
+              <a:rPr kumimoji="1" lang="ja-JP" altLang="en-US"/>
+              <a:t>準備</a:t>
+            </a:r>
+            <a:r>
+              <a:rPr kumimoji="1" lang="en-US" altLang="ja-JP" dirty="0"/>
+              <a:t>: </a:t>
+            </a:r>
             <a:r>
               <a:rPr kumimoji="1" lang="ja-JP" altLang="en-US"/>
               <a:t>強化学習</a:t>
@@ -22243,6 +24157,14 @@
           <a:p>
             <a:r>
               <a:rPr kumimoji="1" lang="ja-JP" altLang="en-US"/>
+              <a:t>準備</a:t>
+            </a:r>
+            <a:r>
+              <a:rPr kumimoji="1" lang="en-US" altLang="ja-JP"/>
+              <a:t>: </a:t>
+            </a:r>
+            <a:r>
+              <a:rPr kumimoji="1" lang="ja-JP" altLang="en-US"/>
               <a:t>方策勾配型</a:t>
             </a:r>
             <a:r>
@@ -23599,8 +25521,8 @@
           <a:chExt cx="0" cy="0"/>
         </a:xfrm>
       </p:grpSpPr>
-      <mc:AlternateContent xmlns:mc="http://schemas.openxmlformats.org/markup-compatibility/2006">
-        <mc:Choice xmlns:a14="http://schemas.microsoft.com/office/drawing/2010/main" Requires="a14">
+      <mc:AlternateContent xmlns:mc="http://schemas.openxmlformats.org/markup-compatibility/2006" xmlns:a14="http://schemas.microsoft.com/office/drawing/2010/main">
+        <mc:Choice Requires="a14">
           <p:sp>
             <p:nvSpPr>
               <p:cNvPr id="2" name="コンテンツ プレースホルダー 1">
@@ -23722,19 +25644,9 @@
                 <a:endParaRPr lang="en-US" altLang="ja-JP" dirty="0"/>
               </a:p>
               <a:p>
-                <a14:m>
-                  <m:oMath xmlns:m="http://schemas.openxmlformats.org/officeDocument/2006/math">
-                    <m:r>
-                      <a:rPr kumimoji="1" lang="en-US" altLang="ja-JP" b="0" i="1" smtClean="0">
-                        <a:latin typeface="Cambria Math" panose="02040503050406030204" pitchFamily="18" charset="0"/>
-                      </a:rPr>
-                      <m:t>𝑄</m:t>
-                    </m:r>
-                  </m:oMath>
-                </a14:m>
                 <a:r>
                   <a:rPr kumimoji="1" lang="ja-JP" altLang="en-US"/>
-                  <a:t>関数のベルマン方程式</a:t>
+                  <a:t>本問題におけるベルマン方程式</a:t>
                 </a:r>
                 <a:endParaRPr kumimoji="1" lang="en-US" altLang="ja-JP" dirty="0"/>
               </a:p>
@@ -23780,7 +25692,7 @@
             </p:txBody>
           </p:sp>
         </mc:Choice>
-        <mc:Fallback>
+        <mc:Fallback xmlns="">
           <p:sp>
             <p:nvSpPr>
               <p:cNvPr id="2" name="コンテンツ プレースホルダー 1">
@@ -23878,8 +25790,8 @@
           </a:p>
         </p:txBody>
       </p:sp>
-      <mc:AlternateContent xmlns:mc="http://schemas.openxmlformats.org/markup-compatibility/2006">
-        <mc:Choice xmlns:a14="http://schemas.microsoft.com/office/drawing/2010/main" Requires="a14">
+      <mc:AlternateContent xmlns:mc="http://schemas.openxmlformats.org/markup-compatibility/2006" xmlns:a14="http://schemas.microsoft.com/office/drawing/2010/main">
+        <mc:Choice Requires="a14">
           <p:sp>
             <p:nvSpPr>
               <p:cNvPr id="8" name="テキスト ボックス 7">
@@ -24370,7 +26282,7 @@
             </p:txBody>
           </p:sp>
         </mc:Choice>
-        <mc:Fallback>
+        <mc:Fallback xmlns="">
           <p:sp>
             <p:nvSpPr>
               <p:cNvPr id="8" name="テキスト ボックス 7">
@@ -24415,8 +26327,8 @@
           </p:sp>
         </mc:Fallback>
       </mc:AlternateContent>
-      <mc:AlternateContent xmlns:mc="http://schemas.openxmlformats.org/markup-compatibility/2006">
-        <mc:Choice xmlns:a14="http://schemas.microsoft.com/office/drawing/2010/main" Requires="a14">
+      <mc:AlternateContent xmlns:mc="http://schemas.openxmlformats.org/markup-compatibility/2006" xmlns:a14="http://schemas.microsoft.com/office/drawing/2010/main">
+        <mc:Choice Requires="a14">
           <p:sp>
             <p:nvSpPr>
               <p:cNvPr id="9" name="テキスト ボックス 8">
@@ -25143,7 +27055,7 @@
             </p:txBody>
           </p:sp>
         </mc:Choice>
-        <mc:Fallback>
+        <mc:Fallback xmlns="">
           <p:sp>
             <p:nvSpPr>
               <p:cNvPr id="9" name="テキスト ボックス 8">
@@ -25234,8 +27146,8 @@
           </a:fontRef>
         </p:style>
       </p:cxnSp>
-      <mc:AlternateContent xmlns:mc="http://schemas.openxmlformats.org/markup-compatibility/2006">
-        <mc:Choice xmlns:a14="http://schemas.microsoft.com/office/drawing/2010/main" Requires="a14">
+      <mc:AlternateContent xmlns:mc="http://schemas.openxmlformats.org/markup-compatibility/2006" xmlns:a14="http://schemas.microsoft.com/office/drawing/2010/main">
+        <mc:Choice Requires="a14">
           <p:sp>
             <p:nvSpPr>
               <p:cNvPr id="13" name="テキスト ボックス 12">
@@ -25453,7 +27365,7 @@
             </p:txBody>
           </p:sp>
         </mc:Choice>
-        <mc:Fallback>
+        <mc:Fallback xmlns="">
           <p:sp>
             <p:nvSpPr>
               <p:cNvPr id="13" name="テキスト ボックス 12">
@@ -28451,8 +30363,8 @@
           <a:chExt cx="0" cy="0"/>
         </a:xfrm>
       </p:grpSpPr>
-      <mc:AlternateContent xmlns:mc="http://schemas.openxmlformats.org/markup-compatibility/2006">
-        <mc:Choice xmlns:a14="http://schemas.microsoft.com/office/drawing/2010/main" Requires="a14">
+      <mc:AlternateContent xmlns:mc="http://schemas.openxmlformats.org/markup-compatibility/2006" xmlns:a14="http://schemas.microsoft.com/office/drawing/2010/main">
+        <mc:Choice Requires="a14">
           <p:sp>
             <p:nvSpPr>
               <p:cNvPr id="2" name="コンテンツ プレースホルダー 1">
@@ -29066,7 +30978,7 @@
             </p:txBody>
           </p:sp>
         </mc:Choice>
-        <mc:Fallback>
+        <mc:Fallback xmlns="">
           <p:sp>
             <p:nvSpPr>
               <p:cNvPr id="2" name="コンテンツ プレースホルダー 1">
@@ -29401,8 +31313,8 @@
             </p:sp>
           </mc:Fallback>
         </mc:AlternateContent>
-        <mc:AlternateContent xmlns:mc="http://schemas.openxmlformats.org/markup-compatibility/2006">
-          <mc:Choice xmlns:a14="http://schemas.microsoft.com/office/drawing/2010/main" Requires="a14">
+        <mc:AlternateContent xmlns:mc="http://schemas.openxmlformats.org/markup-compatibility/2006" xmlns:a14="http://schemas.microsoft.com/office/drawing/2010/main">
+          <mc:Choice Requires="a14">
             <p:sp>
               <p:nvSpPr>
                 <p:cNvPr id="12" name="テキスト ボックス 11">
@@ -30020,7 +31932,7 @@
               </p:txBody>
             </p:sp>
           </mc:Choice>
-          <mc:Fallback>
+          <mc:Fallback xmlns="">
             <p:sp>
               <p:nvSpPr>
                 <p:cNvPr id="12" name="テキスト ボックス 11">
@@ -30065,8 +31977,8 @@
             </p:sp>
           </mc:Fallback>
         </mc:AlternateContent>
-        <mc:AlternateContent xmlns:mc="http://schemas.openxmlformats.org/markup-compatibility/2006">
-          <mc:Choice xmlns:a14="http://schemas.microsoft.com/office/drawing/2010/main" Requires="a14">
+        <mc:AlternateContent xmlns:mc="http://schemas.openxmlformats.org/markup-compatibility/2006" xmlns:a14="http://schemas.microsoft.com/office/drawing/2010/main">
+          <mc:Choice Requires="a14">
             <p:sp>
               <p:nvSpPr>
                 <p:cNvPr id="14" name="テキスト ボックス 13">
@@ -31041,7 +32953,7 @@
               </p:txBody>
             </p:sp>
           </mc:Choice>
-          <mc:Fallback>
+          <mc:Fallback xmlns="">
             <p:sp>
               <p:nvSpPr>
                 <p:cNvPr id="14" name="テキスト ボックス 13">

--- a/slide/master.pptx
+++ b/slide/master.pptx
@@ -10,7 +10,7 @@
   <p:sldIdLst>
     <p:sldId id="256" r:id="rId2"/>
     <p:sldId id="400" r:id="rId3"/>
-    <p:sldId id="375" r:id="rId4"/>
+    <p:sldId id="408" r:id="rId4"/>
     <p:sldId id="377" r:id="rId5"/>
     <p:sldId id="393" r:id="rId6"/>
     <p:sldId id="385" r:id="rId7"/>
@@ -132,7 +132,7 @@
           <p14:sldIdLst>
             <p14:sldId id="256"/>
             <p14:sldId id="400"/>
-            <p14:sldId id="375"/>
+            <p14:sldId id="408"/>
             <p14:sldId id="377"/>
             <p14:sldId id="393"/>
             <p14:sldId id="385"/>
@@ -253,7 +253,7 @@
           <a:p>
             <a:fld id="{4009ACC2-15F4-9549-B7EC-0A2B034E938B}" type="datetimeFigureOut">
               <a:rPr kumimoji="1" lang="ja-JP" altLang="en-US" smtClean="0"/>
-              <a:t>2021/2/6</a:t>
+              <a:t>2021/2/8</a:t>
             </a:fld>
             <a:endParaRPr kumimoji="1" lang="ja-JP" altLang="en-US"/>
           </a:p>
@@ -11627,6 +11627,320 @@
                     <m:sSup>
                       <m:sSupPr>
                         <m:ctrlPr>
+                          <a:rPr lang="en-US" altLang="ja-JP" i="1" smtClean="0">
+                            <a:solidFill>
+                              <a:schemeClr val="bg2">
+                                <a:lumMod val="50000"/>
+                              </a:schemeClr>
+                            </a:solidFill>
+                            <a:latin typeface="Cambria Math" panose="02040503050406030204" pitchFamily="18" charset="0"/>
+                            <a:ea typeface="Cambria Math" panose="02040503050406030204" pitchFamily="18" charset="0"/>
+                          </a:rPr>
+                        </m:ctrlPr>
+                      </m:sSupPr>
+                      <m:e>
+                        <m:r>
+                          <a:rPr lang="en-US" altLang="ja-JP" i="1">
+                            <a:solidFill>
+                              <a:schemeClr val="bg2">
+                                <a:lumMod val="50000"/>
+                              </a:schemeClr>
+                            </a:solidFill>
+                            <a:latin typeface="Cambria Math" panose="02040503050406030204" pitchFamily="18" charset="0"/>
+                            <a:ea typeface="Cambria Math" panose="02040503050406030204" pitchFamily="18" charset="0"/>
+                          </a:rPr>
+                          <m:t>𝑉</m:t>
+                        </m:r>
+                      </m:e>
+                      <m:sup>
+                        <m:sSub>
+                          <m:sSubPr>
+                            <m:ctrlPr>
+                              <a:rPr lang="en-US" altLang="ja-JP" i="1">
+                                <a:solidFill>
+                                  <a:schemeClr val="bg2">
+                                    <a:lumMod val="50000"/>
+                                  </a:schemeClr>
+                                </a:solidFill>
+                                <a:latin typeface="Cambria Math" panose="02040503050406030204" pitchFamily="18" charset="0"/>
+                              </a:rPr>
+                            </m:ctrlPr>
+                          </m:sSubPr>
+                          <m:e>
+                            <m:r>
+                              <a:rPr lang="en-US" altLang="ja-JP" i="1">
+                                <a:solidFill>
+                                  <a:schemeClr val="bg2">
+                                    <a:lumMod val="50000"/>
+                                  </a:schemeClr>
+                                </a:solidFill>
+                                <a:latin typeface="Cambria Math" panose="02040503050406030204" pitchFamily="18" charset="0"/>
+                                <a:ea typeface="Cambria Math" panose="02040503050406030204" pitchFamily="18" charset="0"/>
+                              </a:rPr>
+                              <m:t>𝜋</m:t>
+                            </m:r>
+                          </m:e>
+                          <m:sub>
+                            <m:r>
+                              <a:rPr lang="en-US" altLang="ja-JP" i="1">
+                                <a:solidFill>
+                                  <a:schemeClr val="bg2">
+                                    <a:lumMod val="50000"/>
+                                  </a:schemeClr>
+                                </a:solidFill>
+                                <a:latin typeface="Cambria Math" panose="02040503050406030204" pitchFamily="18" charset="0"/>
+                                <a:ea typeface="Cambria Math" panose="02040503050406030204" pitchFamily="18" charset="0"/>
+                              </a:rPr>
+                              <m:t>𝜃</m:t>
+                            </m:r>
+                          </m:sub>
+                        </m:sSub>
+                      </m:sup>
+                    </m:sSup>
+                    <m:d>
+                      <m:dPr>
+                        <m:ctrlPr>
+                          <a:rPr lang="en-US" altLang="ja-JP" i="1">
+                            <a:solidFill>
+                              <a:schemeClr val="bg2">
+                                <a:lumMod val="50000"/>
+                              </a:schemeClr>
+                            </a:solidFill>
+                            <a:latin typeface="Cambria Math" panose="02040503050406030204" pitchFamily="18" charset="0"/>
+                            <a:ea typeface="Cambria Math" panose="02040503050406030204" pitchFamily="18" charset="0"/>
+                          </a:rPr>
+                        </m:ctrlPr>
+                      </m:dPr>
+                      <m:e>
+                        <m:r>
+                          <a:rPr lang="en-US" altLang="ja-JP" i="1">
+                            <a:solidFill>
+                              <a:schemeClr val="bg2">
+                                <a:lumMod val="50000"/>
+                              </a:schemeClr>
+                            </a:solidFill>
+                            <a:latin typeface="Cambria Math" panose="02040503050406030204" pitchFamily="18" charset="0"/>
+                            <a:ea typeface="Cambria Math" panose="02040503050406030204" pitchFamily="18" charset="0"/>
+                          </a:rPr>
+                          <m:t>𝑠</m:t>
+                        </m:r>
+                      </m:e>
+                    </m:d>
+                    <m:r>
+                      <a:rPr lang="en-US" altLang="ja-JP" b="0" i="0" smtClean="0">
+                        <a:solidFill>
+                          <a:schemeClr val="bg2">
+                            <a:lumMod val="50000"/>
+                          </a:schemeClr>
+                        </a:solidFill>
+                        <a:latin typeface="Cambria Math" panose="02040503050406030204" pitchFamily="18" charset="0"/>
+                        <a:ea typeface="Cambria Math" panose="02040503050406030204" pitchFamily="18" charset="0"/>
+                      </a:rPr>
+                      <m:t>=</m:t>
+                    </m:r>
+                    <m:sSup>
+                      <m:sSupPr>
+                        <m:ctrlPr>
+                          <a:rPr lang="en-US" altLang="ja-JP" i="1">
+                            <a:solidFill>
+                              <a:schemeClr val="bg2">
+                                <a:lumMod val="50000"/>
+                              </a:schemeClr>
+                            </a:solidFill>
+                            <a:latin typeface="Cambria Math" panose="02040503050406030204" pitchFamily="18" charset="0"/>
+                            <a:ea typeface="Cambria Math" panose="02040503050406030204" pitchFamily="18" charset="0"/>
+                          </a:rPr>
+                        </m:ctrlPr>
+                      </m:sSupPr>
+                      <m:e>
+                        <m:r>
+                          <a:rPr lang="en-US" altLang="ja-JP" b="0" i="1" smtClean="0">
+                            <a:solidFill>
+                              <a:schemeClr val="bg2">
+                                <a:lumMod val="50000"/>
+                              </a:schemeClr>
+                            </a:solidFill>
+                            <a:latin typeface="Cambria Math" panose="02040503050406030204" pitchFamily="18" charset="0"/>
+                            <a:ea typeface="Cambria Math" panose="02040503050406030204" pitchFamily="18" charset="0"/>
+                          </a:rPr>
+                          <m:t>𝑄</m:t>
+                        </m:r>
+                      </m:e>
+                      <m:sup>
+                        <m:sSub>
+                          <m:sSubPr>
+                            <m:ctrlPr>
+                              <a:rPr lang="en-US" altLang="ja-JP" i="1">
+                                <a:solidFill>
+                                  <a:schemeClr val="bg2">
+                                    <a:lumMod val="50000"/>
+                                  </a:schemeClr>
+                                </a:solidFill>
+                                <a:latin typeface="Cambria Math" panose="02040503050406030204" pitchFamily="18" charset="0"/>
+                              </a:rPr>
+                            </m:ctrlPr>
+                          </m:sSubPr>
+                          <m:e>
+                            <m:r>
+                              <a:rPr lang="en-US" altLang="ja-JP" i="1">
+                                <a:solidFill>
+                                  <a:schemeClr val="bg2">
+                                    <a:lumMod val="50000"/>
+                                  </a:schemeClr>
+                                </a:solidFill>
+                                <a:latin typeface="Cambria Math" panose="02040503050406030204" pitchFamily="18" charset="0"/>
+                                <a:ea typeface="Cambria Math" panose="02040503050406030204" pitchFamily="18" charset="0"/>
+                              </a:rPr>
+                              <m:t>𝜋</m:t>
+                            </m:r>
+                          </m:e>
+                          <m:sub>
+                            <m:r>
+                              <a:rPr lang="en-US" altLang="ja-JP" i="1">
+                                <a:solidFill>
+                                  <a:schemeClr val="bg2">
+                                    <a:lumMod val="50000"/>
+                                  </a:schemeClr>
+                                </a:solidFill>
+                                <a:latin typeface="Cambria Math" panose="02040503050406030204" pitchFamily="18" charset="0"/>
+                                <a:ea typeface="Cambria Math" panose="02040503050406030204" pitchFamily="18" charset="0"/>
+                              </a:rPr>
+                              <m:t>𝜃</m:t>
+                            </m:r>
+                          </m:sub>
+                        </m:sSub>
+                      </m:sup>
+                    </m:sSup>
+                    <m:d>
+                      <m:dPr>
+                        <m:ctrlPr>
+                          <a:rPr lang="en-US" altLang="ja-JP" i="1">
+                            <a:solidFill>
+                              <a:schemeClr val="bg2">
+                                <a:lumMod val="50000"/>
+                              </a:schemeClr>
+                            </a:solidFill>
+                            <a:latin typeface="Cambria Math" panose="02040503050406030204" pitchFamily="18" charset="0"/>
+                            <a:ea typeface="Cambria Math" panose="02040503050406030204" pitchFamily="18" charset="0"/>
+                          </a:rPr>
+                        </m:ctrlPr>
+                      </m:dPr>
+                      <m:e>
+                        <m:r>
+                          <a:rPr lang="en-US" altLang="ja-JP" i="1">
+                            <a:solidFill>
+                              <a:schemeClr val="bg2">
+                                <a:lumMod val="50000"/>
+                              </a:schemeClr>
+                            </a:solidFill>
+                            <a:latin typeface="Cambria Math" panose="02040503050406030204" pitchFamily="18" charset="0"/>
+                            <a:ea typeface="Cambria Math" panose="02040503050406030204" pitchFamily="18" charset="0"/>
+                          </a:rPr>
+                          <m:t>𝑠</m:t>
+                        </m:r>
+                        <m:r>
+                          <a:rPr lang="en-US" altLang="ja-JP" b="0" i="1" smtClean="0">
+                            <a:solidFill>
+                              <a:schemeClr val="bg2">
+                                <a:lumMod val="50000"/>
+                              </a:schemeClr>
+                            </a:solidFill>
+                            <a:latin typeface="Cambria Math" panose="02040503050406030204" pitchFamily="18" charset="0"/>
+                            <a:ea typeface="Cambria Math" panose="02040503050406030204" pitchFamily="18" charset="0"/>
+                          </a:rPr>
+                          <m:t>,</m:t>
+                        </m:r>
+                        <m:sSub>
+                          <m:sSubPr>
+                            <m:ctrlPr>
+                              <a:rPr lang="en-US" altLang="ja-JP" i="1">
+                                <a:solidFill>
+                                  <a:schemeClr val="bg2">
+                                    <a:lumMod val="50000"/>
+                                  </a:schemeClr>
+                                </a:solidFill>
+                                <a:latin typeface="Cambria Math" panose="02040503050406030204" pitchFamily="18" charset="0"/>
+                              </a:rPr>
+                            </m:ctrlPr>
+                          </m:sSubPr>
+                          <m:e>
+                            <m:r>
+                              <a:rPr lang="en-US" altLang="ja-JP" i="1">
+                                <a:solidFill>
+                                  <a:schemeClr val="bg2">
+                                    <a:lumMod val="50000"/>
+                                  </a:schemeClr>
+                                </a:solidFill>
+                                <a:latin typeface="Cambria Math" panose="02040503050406030204" pitchFamily="18" charset="0"/>
+                                <a:ea typeface="Cambria Math" panose="02040503050406030204" pitchFamily="18" charset="0"/>
+                              </a:rPr>
+                              <m:t>𝜋</m:t>
+                            </m:r>
+                          </m:e>
+                          <m:sub>
+                            <m:r>
+                              <a:rPr lang="en-US" altLang="ja-JP" i="1">
+                                <a:solidFill>
+                                  <a:schemeClr val="bg2">
+                                    <a:lumMod val="50000"/>
+                                  </a:schemeClr>
+                                </a:solidFill>
+                                <a:latin typeface="Cambria Math" panose="02040503050406030204" pitchFamily="18" charset="0"/>
+                                <a:ea typeface="Cambria Math" panose="02040503050406030204" pitchFamily="18" charset="0"/>
+                              </a:rPr>
+                              <m:t>𝜃</m:t>
+                            </m:r>
+                          </m:sub>
+                        </m:sSub>
+                        <m:r>
+                          <a:rPr lang="en-US" altLang="ja-JP" b="0" i="1" smtClean="0">
+                            <a:solidFill>
+                              <a:schemeClr val="bg2">
+                                <a:lumMod val="50000"/>
+                              </a:schemeClr>
+                            </a:solidFill>
+                            <a:latin typeface="Cambria Math" panose="02040503050406030204" pitchFamily="18" charset="0"/>
+                            <a:ea typeface="Cambria Math" panose="02040503050406030204" pitchFamily="18" charset="0"/>
+                          </a:rPr>
+                          <m:t>(</m:t>
+                        </m:r>
+                        <m:r>
+                          <a:rPr lang="en-US" altLang="ja-JP" b="0" i="1" smtClean="0">
+                            <a:solidFill>
+                              <a:schemeClr val="bg2">
+                                <a:lumMod val="50000"/>
+                              </a:schemeClr>
+                            </a:solidFill>
+                            <a:latin typeface="Cambria Math" panose="02040503050406030204" pitchFamily="18" charset="0"/>
+                            <a:ea typeface="Cambria Math" panose="02040503050406030204" pitchFamily="18" charset="0"/>
+                          </a:rPr>
+                          <m:t>𝑠</m:t>
+                        </m:r>
+                        <m:r>
+                          <a:rPr lang="en-US" altLang="ja-JP" b="0" i="1" smtClean="0">
+                            <a:solidFill>
+                              <a:schemeClr val="bg2">
+                                <a:lumMod val="50000"/>
+                              </a:schemeClr>
+                            </a:solidFill>
+                            <a:latin typeface="Cambria Math" panose="02040503050406030204" pitchFamily="18" charset="0"/>
+                            <a:ea typeface="Cambria Math" panose="02040503050406030204" pitchFamily="18" charset="0"/>
+                          </a:rPr>
+                          <m:t>)</m:t>
+                        </m:r>
+                      </m:e>
+                    </m:d>
+                  </m:oMath>
+                </a14:m>
+                <a:endParaRPr lang="en-US" altLang="ja-JP" dirty="0"/>
+              </a:p>
+              <a:p>
+                <a:pPr lvl="1"/>
+                <a14:m>
+                  <m:oMath xmlns:m="http://schemas.openxmlformats.org/officeDocument/2006/math">
+                    <m:sSup>
+                      <m:sSupPr>
+                        <m:ctrlPr>
                           <a:rPr lang="en-US" altLang="ja-JP" i="1">
                             <a:latin typeface="Cambria Math" panose="02040503050406030204" pitchFamily="18" charset="0"/>
                             <a:ea typeface="Cambria Math" panose="02040503050406030204" pitchFamily="18" charset="0"/>
@@ -12082,7 +12396,7 @@
             </p:nvSpPr>
             <p:spPr>
               <a:xfrm>
-                <a:off x="1513549" y="3267802"/>
+                <a:off x="1513549" y="3606068"/>
                 <a:ext cx="2702278" cy="676532"/>
               </a:xfrm>
               <a:prstGeom prst="rect">
@@ -12398,7 +12712,7 @@
             </p:nvSpPr>
             <p:spPr>
               <a:xfrm>
-                <a:off x="1513549" y="3267802"/>
+                <a:off x="1513549" y="3606068"/>
                 <a:ext cx="2702278" cy="676532"/>
               </a:xfrm>
               <a:prstGeom prst="rect">
@@ -12407,7 +12721,7 @@
               <a:blipFill>
                 <a:blip r:embed="rId5"/>
                 <a:stretch>
-                  <a:fillRect b="-7273"/>
+                  <a:fillRect b="-9259"/>
                 </a:stretch>
               </a:blipFill>
             </p:spPr>
@@ -15591,7 +15905,7 @@
             </a:pPr>
             <a:r>
               <a:rPr lang="ja-JP" altLang="en-US"/>
-              <a:t>微分方程式で記述</a:t>
+              <a:t>常微分方程式で記述</a:t>
             </a:r>
             <a:endParaRPr lang="en-US" altLang="ja-JP" dirty="0"/>
           </a:p>
@@ -15777,308 +16091,246 @@
           </a:p>
         </p:txBody>
       </p:sp>
-      <mc:AlternateContent xmlns:mc="http://schemas.openxmlformats.org/markup-compatibility/2006" xmlns:a14="http://schemas.microsoft.com/office/drawing/2010/main">
-        <mc:Choice Requires="a14">
-          <p:sp>
-            <p:nvSpPr>
-              <p:cNvPr id="21" name="コンテンツ プレースホルダー 1">
-                <a:extLst>
-                  <a:ext uri="{FF2B5EF4-FFF2-40B4-BE49-F238E27FC236}">
-                    <a16:creationId xmlns:a16="http://schemas.microsoft.com/office/drawing/2014/main" id="{730D3373-5135-BA42-BB5A-81A9D2308E41}"/>
-                  </a:ext>
-                </a:extLst>
-              </p:cNvPr>
-              <p:cNvSpPr txBox="1">
-                <a:spLocks/>
-              </p:cNvSpPr>
-              <p:nvPr/>
-            </p:nvSpPr>
-            <p:spPr>
-              <a:xfrm>
-                <a:off x="335572" y="1137906"/>
-                <a:ext cx="3543917" cy="5006090"/>
-              </a:xfrm>
-              <a:prstGeom prst="rect">
-                <a:avLst/>
-              </a:prstGeom>
-            </p:spPr>
-            <p:txBody>
-              <a:bodyPr vert="horz" lIns="91440" tIns="45720" rIns="91440" bIns="45720" rtlCol="0">
-                <a:normAutofit/>
-              </a:bodyPr>
-              <a:lstStyle>
-                <a:lvl1pPr marL="228600" indent="-228600" algn="l" defTabSz="914400" rtl="0" eaLnBrk="1" latinLnBrk="0" hangingPunct="1">
-                  <a:lnSpc>
-                    <a:spcPct val="90000"/>
-                  </a:lnSpc>
-                  <a:spcBef>
-                    <a:spcPts val="1000"/>
-                  </a:spcBef>
-                  <a:buClr>
-                    <a:srgbClr val="0070C0"/>
-                  </a:buClr>
-                  <a:buFont typeface="Arial" panose="020B0604020202020204" pitchFamily="34" charset="0"/>
-                  <a:buChar char="•"/>
-                  <a:defRPr kumimoji="1" sz="2200" b="0" i="0" kern="1200">
-                    <a:solidFill>
-                      <a:schemeClr val="tx1"/>
-                    </a:solidFill>
-                    <a:latin typeface="Cambria" panose="02040503050406030204" pitchFamily="18" charset="0"/>
-                    <a:ea typeface="+mn-ea"/>
-                    <a:cs typeface="+mn-cs"/>
-                  </a:defRPr>
-                </a:lvl1pPr>
-                <a:lvl2pPr marL="685800" indent="-228600" algn="l" defTabSz="914400" rtl="0" eaLnBrk="1" latinLnBrk="0" hangingPunct="1">
-                  <a:lnSpc>
-                    <a:spcPct val="90000"/>
-                  </a:lnSpc>
-                  <a:spcBef>
-                    <a:spcPts val="500"/>
-                  </a:spcBef>
-                  <a:buClr>
-                    <a:srgbClr val="0070C0"/>
-                  </a:buClr>
-                  <a:buFont typeface="Arial" panose="020B0604020202020204" pitchFamily="34" charset="0"/>
-                  <a:buChar char="•"/>
-                  <a:defRPr kumimoji="1" sz="2000" b="0" i="0" kern="1200">
-                    <a:solidFill>
-                      <a:schemeClr val="tx1"/>
-                    </a:solidFill>
-                    <a:latin typeface="Cambria" panose="02040503050406030204" pitchFamily="18" charset="0"/>
-                    <a:ea typeface="+mn-ea"/>
-                    <a:cs typeface="+mn-cs"/>
-                  </a:defRPr>
-                </a:lvl2pPr>
-                <a:lvl3pPr marL="1143000" indent="-228600" algn="l" defTabSz="914400" rtl="0" eaLnBrk="1" latinLnBrk="0" hangingPunct="1">
-                  <a:lnSpc>
-                    <a:spcPct val="90000"/>
-                  </a:lnSpc>
-                  <a:spcBef>
-                    <a:spcPts val="500"/>
-                  </a:spcBef>
-                  <a:buClr>
-                    <a:srgbClr val="0070C0"/>
-                  </a:buClr>
-                  <a:buFont typeface="Arial" panose="020B0604020202020204" pitchFamily="34" charset="0"/>
-                  <a:buChar char="•"/>
-                  <a:defRPr kumimoji="1" sz="1800" b="0" i="0" kern="1200">
-                    <a:solidFill>
-                      <a:schemeClr val="tx1"/>
-                    </a:solidFill>
-                    <a:latin typeface="Cambria" panose="02040503050406030204" pitchFamily="18" charset="0"/>
-                    <a:ea typeface="+mn-ea"/>
-                    <a:cs typeface="+mn-cs"/>
-                  </a:defRPr>
-                </a:lvl3pPr>
-                <a:lvl4pPr marL="1600200" indent="-228600" algn="l" defTabSz="914400" rtl="0" eaLnBrk="1" latinLnBrk="0" hangingPunct="1">
-                  <a:lnSpc>
-                    <a:spcPct val="90000"/>
-                  </a:lnSpc>
-                  <a:spcBef>
-                    <a:spcPts val="500"/>
-                  </a:spcBef>
-                  <a:buClr>
-                    <a:srgbClr val="0070C0"/>
-                  </a:buClr>
-                  <a:buFont typeface="Arial" panose="020B0604020202020204" pitchFamily="34" charset="0"/>
-                  <a:buChar char="•"/>
-                  <a:defRPr kumimoji="1" sz="1600" b="0" i="0" kern="1200">
-                    <a:solidFill>
-                      <a:schemeClr val="tx1"/>
-                    </a:solidFill>
-                    <a:latin typeface="Cambria" panose="02040503050406030204" pitchFamily="18" charset="0"/>
-                    <a:ea typeface="+mn-ea"/>
-                    <a:cs typeface="+mn-cs"/>
-                  </a:defRPr>
-                </a:lvl4pPr>
-                <a:lvl5pPr marL="2057400" indent="-228600" algn="l" defTabSz="914400" rtl="0" eaLnBrk="1" latinLnBrk="0" hangingPunct="1">
-                  <a:lnSpc>
-                    <a:spcPct val="90000"/>
-                  </a:lnSpc>
-                  <a:spcBef>
-                    <a:spcPts val="500"/>
-                  </a:spcBef>
-                  <a:buClr>
-                    <a:srgbClr val="0070C0"/>
-                  </a:buClr>
-                  <a:buFont typeface="Arial" panose="020B0604020202020204" pitchFamily="34" charset="0"/>
-                  <a:buChar char="•"/>
-                  <a:defRPr kumimoji="1" sz="1400" b="0" i="0" kern="1200">
-                    <a:solidFill>
-                      <a:schemeClr val="tx1"/>
-                    </a:solidFill>
-                    <a:latin typeface="Cambria" panose="02040503050406030204" pitchFamily="18" charset="0"/>
-                    <a:ea typeface="+mn-ea"/>
-                    <a:cs typeface="+mn-cs"/>
-                  </a:defRPr>
-                </a:lvl5pPr>
-                <a:lvl6pPr marL="2514600" indent="-228600" algn="l" defTabSz="914400" rtl="0" eaLnBrk="1" latinLnBrk="0" hangingPunct="1">
-                  <a:lnSpc>
-                    <a:spcPct val="90000"/>
-                  </a:lnSpc>
-                  <a:spcBef>
-                    <a:spcPts val="500"/>
-                  </a:spcBef>
-                  <a:buFont typeface="Arial" panose="020B0604020202020204" pitchFamily="34" charset="0"/>
-                  <a:buChar char="•"/>
-                  <a:defRPr kumimoji="1" sz="1800" kern="1200">
-                    <a:solidFill>
-                      <a:schemeClr val="tx1"/>
-                    </a:solidFill>
-                    <a:latin typeface="+mn-lt"/>
-                    <a:ea typeface="+mn-ea"/>
-                    <a:cs typeface="+mn-cs"/>
-                  </a:defRPr>
-                </a:lvl6pPr>
-                <a:lvl7pPr marL="2971800" indent="-228600" algn="l" defTabSz="914400" rtl="0" eaLnBrk="1" latinLnBrk="0" hangingPunct="1">
-                  <a:lnSpc>
-                    <a:spcPct val="90000"/>
-                  </a:lnSpc>
-                  <a:spcBef>
-                    <a:spcPts val="500"/>
-                  </a:spcBef>
-                  <a:buFont typeface="Arial" panose="020B0604020202020204" pitchFamily="34" charset="0"/>
-                  <a:buChar char="•"/>
-                  <a:defRPr kumimoji="1" sz="1800" kern="1200">
-                    <a:solidFill>
-                      <a:schemeClr val="tx1"/>
-                    </a:solidFill>
-                    <a:latin typeface="+mn-lt"/>
-                    <a:ea typeface="+mn-ea"/>
-                    <a:cs typeface="+mn-cs"/>
-                  </a:defRPr>
-                </a:lvl7pPr>
-                <a:lvl8pPr marL="3429000" indent="-228600" algn="l" defTabSz="914400" rtl="0" eaLnBrk="1" latinLnBrk="0" hangingPunct="1">
-                  <a:lnSpc>
-                    <a:spcPct val="90000"/>
-                  </a:lnSpc>
-                  <a:spcBef>
-                    <a:spcPts val="500"/>
-                  </a:spcBef>
-                  <a:buFont typeface="Arial" panose="020B0604020202020204" pitchFamily="34" charset="0"/>
-                  <a:buChar char="•"/>
-                  <a:defRPr kumimoji="1" sz="1800" kern="1200">
-                    <a:solidFill>
-                      <a:schemeClr val="tx1"/>
-                    </a:solidFill>
-                    <a:latin typeface="+mn-lt"/>
-                    <a:ea typeface="+mn-ea"/>
-                    <a:cs typeface="+mn-cs"/>
-                  </a:defRPr>
-                </a:lvl8pPr>
-                <a:lvl9pPr marL="3886200" indent="-228600" algn="l" defTabSz="914400" rtl="0" eaLnBrk="1" latinLnBrk="0" hangingPunct="1">
-                  <a:lnSpc>
-                    <a:spcPct val="90000"/>
-                  </a:lnSpc>
-                  <a:spcBef>
-                    <a:spcPts val="500"/>
-                  </a:spcBef>
-                  <a:buFont typeface="Arial" panose="020B0604020202020204" pitchFamily="34" charset="0"/>
-                  <a:buChar char="•"/>
-                  <a:defRPr kumimoji="1" sz="1800" kern="1200">
-                    <a:solidFill>
-                      <a:schemeClr val="tx1"/>
-                    </a:solidFill>
-                    <a:latin typeface="+mn-lt"/>
-                    <a:ea typeface="+mn-ea"/>
-                    <a:cs typeface="+mn-cs"/>
-                  </a:defRPr>
-                </a:lvl9pPr>
-              </a:lstStyle>
-              <a:p>
-                <a:pPr>
-                  <a:lnSpc>
-                    <a:spcPct val="120000"/>
-                  </a:lnSpc>
-                </a:pPr>
-                <a:r>
-                  <a:rPr lang="ja-JP" altLang="en-US"/>
-                  <a:t>状態フィードバック制御</a:t>
-                </a:r>
-                <a:endParaRPr lang="en-US" altLang="ja-JP" dirty="0"/>
-              </a:p>
-              <a:p>
-                <a:pPr lvl="1">
-                  <a:lnSpc>
-                    <a:spcPct val="120000"/>
-                  </a:lnSpc>
-                </a:pPr>
-                <a:r>
-                  <a:rPr lang="ja-JP" altLang="en-US"/>
-                  <a:t>制御対象の内部状態</a:t>
-                </a:r>
-                <a14:m>
-                  <m:oMath xmlns:m="http://schemas.openxmlformats.org/officeDocument/2006/math">
-                    <m:r>
-                      <a:rPr lang="en-US" altLang="ja-JP" b="0" i="1" smtClean="0">
-                        <a:latin typeface="Cambria Math" panose="02040503050406030204" pitchFamily="18" charset="0"/>
-                      </a:rPr>
-                      <m:t>𝑠</m:t>
-                    </m:r>
-                  </m:oMath>
-                </a14:m>
-                <a:r>
-                  <a:rPr lang="ja-JP" altLang="en-US"/>
-                  <a:t>を用いて制御入力を設計</a:t>
-                </a:r>
-                <a:endParaRPr lang="en-US" altLang="ja-JP" dirty="0"/>
-              </a:p>
-              <a:p>
-                <a:pPr lvl="1">
-                  <a:lnSpc>
-                    <a:spcPct val="120000"/>
-                  </a:lnSpc>
-                </a:pPr>
-                <a:endParaRPr lang="en-US" altLang="ja-JP" dirty="0"/>
-              </a:p>
-            </p:txBody>
-          </p:sp>
-        </mc:Choice>
-        <mc:Fallback xmlns="">
-          <p:sp>
-            <p:nvSpPr>
-              <p:cNvPr id="21" name="コンテンツ プレースホルダー 1">
-                <a:extLst>
-                  <a:ext uri="{FF2B5EF4-FFF2-40B4-BE49-F238E27FC236}">
-                    <a16:creationId xmlns:a16="http://schemas.microsoft.com/office/drawing/2014/main" id="{730D3373-5135-BA42-BB5A-81A9D2308E41}"/>
-                  </a:ext>
-                </a:extLst>
-              </p:cNvPr>
-              <p:cNvSpPr txBox="1">
-                <a:spLocks noRot="1" noChangeAspect="1" noMove="1" noResize="1" noEditPoints="1" noAdjustHandles="1" noChangeArrowheads="1" noChangeShapeType="1" noTextEdit="1"/>
-              </p:cNvSpPr>
-              <p:nvPr/>
-            </p:nvSpPr>
-            <p:spPr>
-              <a:xfrm>
-                <a:off x="335572" y="1137906"/>
-                <a:ext cx="3543917" cy="5006090"/>
-              </a:xfrm>
-              <a:prstGeom prst="rect">
-                <a:avLst/>
-              </a:prstGeom>
-              <a:blipFill>
-                <a:blip r:embed="rId2"/>
-                <a:stretch>
-                  <a:fillRect l="-1429" r="-1429"/>
-                </a:stretch>
-              </a:blipFill>
-            </p:spPr>
-            <p:txBody>
-              <a:bodyPr/>
-              <a:lstStyle/>
-              <a:p>
-                <a:r>
-                  <a:rPr lang="ja-JP" altLang="en-US">
-                    <a:noFill/>
-                  </a:rPr>
-                  <a:t> </a:t>
-                </a:r>
-              </a:p>
-            </p:txBody>
-          </p:sp>
-        </mc:Fallback>
-      </mc:AlternateContent>
+      <p:sp>
+        <p:nvSpPr>
+          <p:cNvPr id="21" name="コンテンツ プレースホルダー 1">
+            <a:extLst>
+              <a:ext uri="{FF2B5EF4-FFF2-40B4-BE49-F238E27FC236}">
+                <a16:creationId xmlns:a16="http://schemas.microsoft.com/office/drawing/2014/main" id="{730D3373-5135-BA42-BB5A-81A9D2308E41}"/>
+              </a:ext>
+            </a:extLst>
+          </p:cNvPr>
+          <p:cNvSpPr txBox="1">
+            <a:spLocks/>
+          </p:cNvSpPr>
+          <p:nvPr/>
+        </p:nvSpPr>
+        <p:spPr>
+          <a:xfrm>
+            <a:off x="335572" y="1137906"/>
+            <a:ext cx="3663723" cy="5006090"/>
+          </a:xfrm>
+          <a:prstGeom prst="rect">
+            <a:avLst/>
+          </a:prstGeom>
+        </p:spPr>
+        <p:txBody>
+          <a:bodyPr vert="horz" lIns="91440" tIns="45720" rIns="91440" bIns="45720" rtlCol="0">
+            <a:normAutofit/>
+          </a:bodyPr>
+          <a:lstStyle>
+            <a:lvl1pPr marL="228600" indent="-228600" algn="l" defTabSz="914400" rtl="0" eaLnBrk="1" latinLnBrk="0" hangingPunct="1">
+              <a:lnSpc>
+                <a:spcPct val="90000"/>
+              </a:lnSpc>
+              <a:spcBef>
+                <a:spcPts val="1000"/>
+              </a:spcBef>
+              <a:buClr>
+                <a:srgbClr val="0070C0"/>
+              </a:buClr>
+              <a:buFont typeface="Arial" panose="020B0604020202020204" pitchFamily="34" charset="0"/>
+              <a:buChar char="•"/>
+              <a:defRPr kumimoji="1" sz="2200" b="0" i="0" kern="1200">
+                <a:solidFill>
+                  <a:schemeClr val="tx1"/>
+                </a:solidFill>
+                <a:latin typeface="Cambria" panose="02040503050406030204" pitchFamily="18" charset="0"/>
+                <a:ea typeface="+mn-ea"/>
+                <a:cs typeface="+mn-cs"/>
+              </a:defRPr>
+            </a:lvl1pPr>
+            <a:lvl2pPr marL="685800" indent="-228600" algn="l" defTabSz="914400" rtl="0" eaLnBrk="1" latinLnBrk="0" hangingPunct="1">
+              <a:lnSpc>
+                <a:spcPct val="90000"/>
+              </a:lnSpc>
+              <a:spcBef>
+                <a:spcPts val="500"/>
+              </a:spcBef>
+              <a:buClr>
+                <a:srgbClr val="0070C0"/>
+              </a:buClr>
+              <a:buFont typeface="Arial" panose="020B0604020202020204" pitchFamily="34" charset="0"/>
+              <a:buChar char="•"/>
+              <a:defRPr kumimoji="1" sz="2000" b="0" i="0" kern="1200">
+                <a:solidFill>
+                  <a:schemeClr val="tx1"/>
+                </a:solidFill>
+                <a:latin typeface="Cambria" panose="02040503050406030204" pitchFamily="18" charset="0"/>
+                <a:ea typeface="+mn-ea"/>
+                <a:cs typeface="+mn-cs"/>
+              </a:defRPr>
+            </a:lvl2pPr>
+            <a:lvl3pPr marL="1143000" indent="-228600" algn="l" defTabSz="914400" rtl="0" eaLnBrk="1" latinLnBrk="0" hangingPunct="1">
+              <a:lnSpc>
+                <a:spcPct val="90000"/>
+              </a:lnSpc>
+              <a:spcBef>
+                <a:spcPts val="500"/>
+              </a:spcBef>
+              <a:buClr>
+                <a:srgbClr val="0070C0"/>
+              </a:buClr>
+              <a:buFont typeface="Arial" panose="020B0604020202020204" pitchFamily="34" charset="0"/>
+              <a:buChar char="•"/>
+              <a:defRPr kumimoji="1" sz="1800" b="0" i="0" kern="1200">
+                <a:solidFill>
+                  <a:schemeClr val="tx1"/>
+                </a:solidFill>
+                <a:latin typeface="Cambria" panose="02040503050406030204" pitchFamily="18" charset="0"/>
+                <a:ea typeface="+mn-ea"/>
+                <a:cs typeface="+mn-cs"/>
+              </a:defRPr>
+            </a:lvl3pPr>
+            <a:lvl4pPr marL="1600200" indent="-228600" algn="l" defTabSz="914400" rtl="0" eaLnBrk="1" latinLnBrk="0" hangingPunct="1">
+              <a:lnSpc>
+                <a:spcPct val="90000"/>
+              </a:lnSpc>
+              <a:spcBef>
+                <a:spcPts val="500"/>
+              </a:spcBef>
+              <a:buClr>
+                <a:srgbClr val="0070C0"/>
+              </a:buClr>
+              <a:buFont typeface="Arial" panose="020B0604020202020204" pitchFamily="34" charset="0"/>
+              <a:buChar char="•"/>
+              <a:defRPr kumimoji="1" sz="1600" b="0" i="0" kern="1200">
+                <a:solidFill>
+                  <a:schemeClr val="tx1"/>
+                </a:solidFill>
+                <a:latin typeface="Cambria" panose="02040503050406030204" pitchFamily="18" charset="0"/>
+                <a:ea typeface="+mn-ea"/>
+                <a:cs typeface="+mn-cs"/>
+              </a:defRPr>
+            </a:lvl4pPr>
+            <a:lvl5pPr marL="2057400" indent="-228600" algn="l" defTabSz="914400" rtl="0" eaLnBrk="1" latinLnBrk="0" hangingPunct="1">
+              <a:lnSpc>
+                <a:spcPct val="90000"/>
+              </a:lnSpc>
+              <a:spcBef>
+                <a:spcPts val="500"/>
+              </a:spcBef>
+              <a:buClr>
+                <a:srgbClr val="0070C0"/>
+              </a:buClr>
+              <a:buFont typeface="Arial" panose="020B0604020202020204" pitchFamily="34" charset="0"/>
+              <a:buChar char="•"/>
+              <a:defRPr kumimoji="1" sz="1400" b="0" i="0" kern="1200">
+                <a:solidFill>
+                  <a:schemeClr val="tx1"/>
+                </a:solidFill>
+                <a:latin typeface="Cambria" panose="02040503050406030204" pitchFamily="18" charset="0"/>
+                <a:ea typeface="+mn-ea"/>
+                <a:cs typeface="+mn-cs"/>
+              </a:defRPr>
+            </a:lvl5pPr>
+            <a:lvl6pPr marL="2514600" indent="-228600" algn="l" defTabSz="914400" rtl="0" eaLnBrk="1" latinLnBrk="0" hangingPunct="1">
+              <a:lnSpc>
+                <a:spcPct val="90000"/>
+              </a:lnSpc>
+              <a:spcBef>
+                <a:spcPts val="500"/>
+              </a:spcBef>
+              <a:buFont typeface="Arial" panose="020B0604020202020204" pitchFamily="34" charset="0"/>
+              <a:buChar char="•"/>
+              <a:defRPr kumimoji="1" sz="1800" kern="1200">
+                <a:solidFill>
+                  <a:schemeClr val="tx1"/>
+                </a:solidFill>
+                <a:latin typeface="+mn-lt"/>
+                <a:ea typeface="+mn-ea"/>
+                <a:cs typeface="+mn-cs"/>
+              </a:defRPr>
+            </a:lvl6pPr>
+            <a:lvl7pPr marL="2971800" indent="-228600" algn="l" defTabSz="914400" rtl="0" eaLnBrk="1" latinLnBrk="0" hangingPunct="1">
+              <a:lnSpc>
+                <a:spcPct val="90000"/>
+              </a:lnSpc>
+              <a:spcBef>
+                <a:spcPts val="500"/>
+              </a:spcBef>
+              <a:buFont typeface="Arial" panose="020B0604020202020204" pitchFamily="34" charset="0"/>
+              <a:buChar char="•"/>
+              <a:defRPr kumimoji="1" sz="1800" kern="1200">
+                <a:solidFill>
+                  <a:schemeClr val="tx1"/>
+                </a:solidFill>
+                <a:latin typeface="+mn-lt"/>
+                <a:ea typeface="+mn-ea"/>
+                <a:cs typeface="+mn-cs"/>
+              </a:defRPr>
+            </a:lvl7pPr>
+            <a:lvl8pPr marL="3429000" indent="-228600" algn="l" defTabSz="914400" rtl="0" eaLnBrk="1" latinLnBrk="0" hangingPunct="1">
+              <a:lnSpc>
+                <a:spcPct val="90000"/>
+              </a:lnSpc>
+              <a:spcBef>
+                <a:spcPts val="500"/>
+              </a:spcBef>
+              <a:buFont typeface="Arial" panose="020B0604020202020204" pitchFamily="34" charset="0"/>
+              <a:buChar char="•"/>
+              <a:defRPr kumimoji="1" sz="1800" kern="1200">
+                <a:solidFill>
+                  <a:schemeClr val="tx1"/>
+                </a:solidFill>
+                <a:latin typeface="+mn-lt"/>
+                <a:ea typeface="+mn-ea"/>
+                <a:cs typeface="+mn-cs"/>
+              </a:defRPr>
+            </a:lvl8pPr>
+            <a:lvl9pPr marL="3886200" indent="-228600" algn="l" defTabSz="914400" rtl="0" eaLnBrk="1" latinLnBrk="0" hangingPunct="1">
+              <a:lnSpc>
+                <a:spcPct val="90000"/>
+              </a:lnSpc>
+              <a:spcBef>
+                <a:spcPts val="500"/>
+              </a:spcBef>
+              <a:buFont typeface="Arial" panose="020B0604020202020204" pitchFamily="34" charset="0"/>
+              <a:buChar char="•"/>
+              <a:defRPr kumimoji="1" sz="1800" kern="1200">
+                <a:solidFill>
+                  <a:schemeClr val="tx1"/>
+                </a:solidFill>
+                <a:latin typeface="+mn-lt"/>
+                <a:ea typeface="+mn-ea"/>
+                <a:cs typeface="+mn-cs"/>
+              </a:defRPr>
+            </a:lvl9pPr>
+          </a:lstStyle>
+          <a:p>
+            <a:pPr>
+              <a:lnSpc>
+                <a:spcPct val="120000"/>
+              </a:lnSpc>
+            </a:pPr>
+            <a:r>
+              <a:rPr lang="ja-JP" altLang="en-US"/>
+              <a:t>フィードバック制御</a:t>
+            </a:r>
+            <a:endParaRPr lang="en-US" altLang="ja-JP" dirty="0"/>
+          </a:p>
+          <a:p>
+            <a:pPr lvl="1">
+              <a:lnSpc>
+                <a:spcPct val="120000"/>
+              </a:lnSpc>
+            </a:pPr>
+            <a:r>
+              <a:rPr lang="ja-JP" altLang="en-US"/>
+              <a:t>制御対象の情報を用いて制御入力を設計</a:t>
+            </a:r>
+            <a:endParaRPr lang="en-US" altLang="ja-JP" dirty="0"/>
+          </a:p>
+          <a:p>
+            <a:pPr lvl="1">
+              <a:lnSpc>
+                <a:spcPct val="120000"/>
+              </a:lnSpc>
+            </a:pPr>
+            <a:endParaRPr lang="en-US" altLang="ja-JP" dirty="0"/>
+          </a:p>
+        </p:txBody>
+      </p:sp>
       <p:cxnSp>
         <p:nvCxnSpPr>
           <p:cNvPr id="24" name="直線コネクタ 23">
@@ -16402,6 +16654,11 @@
               </a:bodyPr>
               <a:lstStyle/>
               <a:p>
+                <a:pPr>
+                  <a:lnSpc>
+                    <a:spcPct val="110000"/>
+                  </a:lnSpc>
+                </a:pPr>
                 <a:r>
                   <a:rPr kumimoji="1" lang="en-US" altLang="ja-JP" dirty="0"/>
                   <a:t>1</a:t>
@@ -16413,31 +16670,53 @@
                 <a:endParaRPr kumimoji="1" lang="en-US" altLang="ja-JP" dirty="0"/>
               </a:p>
               <a:p>
-                <a:pPr lvl="1"/>
+                <a:pPr lvl="1">
+                  <a:lnSpc>
+                    <a:spcPct val="110000"/>
+                  </a:lnSpc>
+                </a:pPr>
                 <a:r>
                   <a:rPr lang="en-US" altLang="ja-JP" dirty="0"/>
                   <a:t>[1]</a:t>
                 </a:r>
                 <a:r>
                   <a:rPr lang="ja-JP" altLang="en-US"/>
-                  <a:t>は連続時間システムに対して</a:t>
+                  <a:t>は</a:t>
                 </a:r>
-                <a:endParaRPr lang="en-US" altLang="ja-JP" dirty="0"/>
+                <a:r>
+                  <a:rPr lang="en-US" altLang="ja-JP" dirty="0"/>
+                  <a:t> </a:t>
+                </a:r>
               </a:p>
               <a:p>
-                <a:pPr lvl="1"/>
+                <a:pPr lvl="4">
+                  <a:lnSpc>
+                    <a:spcPct val="110000"/>
+                  </a:lnSpc>
+                </a:pPr>
                 <a:endParaRPr kumimoji="1" lang="en-US" altLang="ja-JP" dirty="0"/>
               </a:p>
               <a:p>
-                <a:pPr lvl="3"/>
+                <a:pPr lvl="4">
+                  <a:lnSpc>
+                    <a:spcPct val="110000"/>
+                  </a:lnSpc>
+                </a:pPr>
                 <a:endParaRPr kumimoji="1" lang="en-US" altLang="ja-JP" dirty="0"/>
               </a:p>
               <a:p>
-                <a:pPr lvl="1"/>
+                <a:pPr lvl="4">
+                  <a:lnSpc>
+                    <a:spcPct val="110000"/>
+                  </a:lnSpc>
+                </a:pPr>
                 <a:endParaRPr kumimoji="1" lang="en-US" altLang="ja-JP" dirty="0"/>
               </a:p>
               <a:p>
                 <a:pPr marL="457200" lvl="1" indent="0">
+                  <a:lnSpc>
+                    <a:spcPct val="110000"/>
+                  </a:lnSpc>
                   <a:buNone/>
                 </a:pPr>
                 <a:r>
@@ -16459,12 +16738,12 @@
                   <a:t>を加え続けた際</a:t>
                 </a:r>
                 <a:r>
-                  <a:rPr lang="en-US" altLang="ja-JP" dirty="0"/>
+                  <a:rPr lang="en-US" altLang="ja-JP"/>
                   <a:t>, </a:t>
                 </a:r>
                 <a:r>
                   <a:rPr lang="ja-JP" altLang="en-US"/>
-                  <a:t>次ステップでの不安定度</a:t>
+                  <a:t>次回通信時にリアプノフ関数</a:t>
                 </a:r>
                 <a14:m>
                   <m:oMath xmlns:m="http://schemas.openxmlformats.org/officeDocument/2006/math">
@@ -16474,46 +16753,60 @@
                       </a:rPr>
                       <m:t>𝑉</m:t>
                     </m:r>
+                    <m:r>
+                      <a:rPr lang="en-US" altLang="ja-JP" b="0" i="1" smtClean="0">
+                        <a:latin typeface="Cambria Math" panose="02040503050406030204" pitchFamily="18" charset="0"/>
+                      </a:rPr>
+                      <m:t>(</m:t>
+                    </m:r>
+                    <m:r>
+                      <a:rPr lang="en-US" altLang="ja-JP" b="0" i="1" smtClean="0">
+                        <a:latin typeface="Cambria Math" panose="02040503050406030204" pitchFamily="18" charset="0"/>
+                      </a:rPr>
+                      <m:t>𝑠</m:t>
+                    </m:r>
+                    <m:r>
+                      <a:rPr lang="en-US" altLang="ja-JP" b="0" i="1" smtClean="0">
+                        <a:latin typeface="Cambria Math" panose="02040503050406030204" pitchFamily="18" charset="0"/>
+                      </a:rPr>
+                      <m:t>)</m:t>
+                    </m:r>
                   </m:oMath>
                 </a14:m>
-                <a:r>
-                  <a:rPr lang="en-US" altLang="ja-JP" sz="1400" dirty="0">
-                    <a:solidFill>
-                      <a:schemeClr val="bg2">
-                        <a:lumMod val="50000"/>
-                      </a:schemeClr>
-                    </a:solidFill>
-                  </a:rPr>
-                  <a:t>(</a:t>
-                </a:r>
-                <a:r>
-                  <a:rPr lang="ja-JP" altLang="en-US" sz="1400">
-                    <a:solidFill>
-                      <a:schemeClr val="bg2">
-                        <a:lumMod val="50000"/>
-                      </a:schemeClr>
-                    </a:solidFill>
-                  </a:rPr>
-                  <a:t>リアプノフ関数</a:t>
-                </a:r>
-                <a:r>
-                  <a:rPr lang="en-US" altLang="ja-JP" sz="1400" dirty="0">
-                    <a:solidFill>
-                      <a:schemeClr val="bg2">
-                        <a:lumMod val="50000"/>
-                      </a:schemeClr>
-                    </a:solidFill>
-                  </a:rPr>
-                  <a:t>)</a:t>
-                </a:r>
+                <a:endParaRPr lang="en-US" altLang="ja-JP" sz="1400" dirty="0">
+                  <a:solidFill>
+                    <a:schemeClr val="bg2">
+                      <a:lumMod val="50000"/>
+                    </a:schemeClr>
+                  </a:solidFill>
+                </a:endParaRPr>
               </a:p>
               <a:p>
                 <a:pPr marL="457200" lvl="1" indent="0">
+                  <a:lnSpc>
+                    <a:spcPct val="110000"/>
+                  </a:lnSpc>
                   <a:buNone/>
                 </a:pPr>
                 <a:r>
                   <a:rPr lang="ja-JP" altLang="en-US"/>
-                  <a:t>　が小さくなる</a:t>
+                  <a:t>　</a:t>
+                </a:r>
+                <a:r>
+                  <a:rPr lang="en-US" altLang="ja-JP" sz="1600" dirty="0"/>
+                  <a:t>(</a:t>
+                </a:r>
+                <a:r>
+                  <a:rPr lang="ja-JP" altLang="en-US" sz="1600"/>
+                  <a:t>目標状態からの距離</a:t>
+                </a:r>
+                <a:r>
+                  <a:rPr lang="en-US" altLang="ja-JP" sz="1600" dirty="0"/>
+                  <a:t>)</a:t>
+                </a:r>
+                <a:r>
+                  <a:rPr lang="ja-JP" altLang="en-US"/>
+                  <a:t>が減少する</a:t>
                 </a:r>
                 <a:r>
                   <a:rPr lang="en-US" altLang="ja-JP" dirty="0"/>
@@ -16521,52 +16814,119 @@
                 </a:r>
                 <a:r>
                   <a:rPr lang="ja-JP" altLang="en-US"/>
-                  <a:t>最大の通信間隔を</a:t>
+                  <a:t>最大の通信間隔を選ぶ手法を提案</a:t>
+                </a:r>
+                <a:endParaRPr lang="en-US" altLang="ja-JP" dirty="0"/>
+              </a:p>
+              <a:p>
+                <a:pPr lvl="2">
+                  <a:lnSpc>
+                    <a:spcPct val="110000"/>
+                  </a:lnSpc>
+                </a:pPr>
+                <a:r>
+                  <a:rPr kumimoji="1" lang="ja-JP" altLang="en-US"/>
+                  <a:t>図に</a:t>
+                </a:r>
+                <a:r>
+                  <a:rPr kumimoji="1" lang="en-US" altLang="ja-JP" dirty="0"/>
+                  <a:t>, </a:t>
                 </a:r>
                 <a14:m>
                   <m:oMath xmlns:m="http://schemas.openxmlformats.org/officeDocument/2006/math">
                     <m:r>
-                      <a:rPr lang="ja-JP" altLang="en-US" i="1" smtClean="0">
+                      <a:rPr lang="en-US" altLang="ja-JP" i="1">
                         <a:latin typeface="Cambria Math" panose="02040503050406030204" pitchFamily="18" charset="0"/>
                       </a:rPr>
-                      <m:t>𝜏</m:t>
+                      <m:t>𝑉</m:t>
+                    </m:r>
+                    <m:r>
+                      <a:rPr lang="en-US" altLang="ja-JP" i="1">
+                        <a:latin typeface="Cambria Math" panose="02040503050406030204" pitchFamily="18" charset="0"/>
+                      </a:rPr>
+                      <m:t>(</m:t>
+                    </m:r>
+                    <m:r>
+                      <a:rPr lang="en-US" altLang="ja-JP" i="1">
+                        <a:latin typeface="Cambria Math" panose="02040503050406030204" pitchFamily="18" charset="0"/>
+                      </a:rPr>
+                      <m:t>𝑠</m:t>
+                    </m:r>
+                    <m:r>
+                      <a:rPr lang="en-US" altLang="ja-JP" i="1">
+                        <a:latin typeface="Cambria Math" panose="02040503050406030204" pitchFamily="18" charset="0"/>
+                      </a:rPr>
+                      <m:t>(</m:t>
+                    </m:r>
+                    <m:r>
+                      <a:rPr lang="en-US" altLang="ja-JP" i="1">
+                        <a:latin typeface="Cambria Math" panose="02040503050406030204" pitchFamily="18" charset="0"/>
+                      </a:rPr>
+                      <m:t>𝑡</m:t>
+                    </m:r>
+                    <m:r>
+                      <a:rPr lang="en-US" altLang="ja-JP" i="1">
+                        <a:latin typeface="Cambria Math" panose="02040503050406030204" pitchFamily="18" charset="0"/>
+                      </a:rPr>
+                      <m:t>))</m:t>
                     </m:r>
                   </m:oMath>
                 </a14:m>
                 <a:r>
-                  <a:rPr lang="ja-JP" altLang="en-US"/>
-                  <a:t>とする手法を提案</a:t>
+                  <a:rPr kumimoji="1" lang="ja-JP" altLang="en-US"/>
+                  <a:t>の変化を示す</a:t>
                 </a:r>
                 <a:endParaRPr kumimoji="1" lang="en-US" altLang="ja-JP" dirty="0"/>
               </a:p>
               <a:p>
-                <a:pPr marL="0" indent="0">
-                  <a:buNone/>
+                <a:pPr lvl="4">
+                  <a:lnSpc>
+                    <a:spcPct val="110000"/>
+                  </a:lnSpc>
                 </a:pPr>
                 <a:endParaRPr lang="en-US" altLang="ja-JP" dirty="0"/>
               </a:p>
               <a:p>
-                <a:pPr marL="0" indent="0">
-                  <a:buNone/>
+                <a:pPr>
+                  <a:lnSpc>
+                    <a:spcPct val="120000"/>
+                  </a:lnSpc>
                 </a:pPr>
-                <a:endParaRPr lang="en-US" altLang="ja-JP" dirty="0"/>
-              </a:p>
-              <a:p>
                 <a:r>
-                  <a:rPr lang="ja-JP" altLang="en-US"/>
+                  <a:rPr lang="ja-JP" altLang="en-US">
+                    <a:solidFill>
+                      <a:srgbClr val="FF0000"/>
+                    </a:solidFill>
+                  </a:rPr>
                   <a:t>長時間</a:t>
                 </a:r>
                 <a:r>
-                  <a:rPr kumimoji="1" lang="ja-JP" altLang="en-US"/>
+                  <a:rPr kumimoji="1" lang="ja-JP" altLang="en-US">
+                    <a:solidFill>
+                      <a:srgbClr val="FF0000"/>
+                    </a:solidFill>
+                  </a:rPr>
                   <a:t>制御全体の通信</a:t>
                 </a:r>
                 <a:r>
-                  <a:rPr lang="ja-JP" altLang="en-US"/>
+                  <a:rPr lang="ja-JP" altLang="en-US">
+                    <a:solidFill>
+                      <a:srgbClr val="FF0000"/>
+                    </a:solidFill>
+                  </a:rPr>
                   <a:t>コストの</a:t>
                 </a:r>
                 <a:r>
+                  <a:rPr kumimoji="1" lang="ja-JP" altLang="en-US">
+                    <a:solidFill>
+                      <a:srgbClr val="FF0000"/>
+                    </a:solidFill>
+                  </a:rPr>
+                  <a:t>最適性</a:t>
+                </a:r>
+                <a:r>
                   <a:rPr kumimoji="1" lang="ja-JP" altLang="en-US"/>
-                  <a:t>最適性は考慮</a:t>
+                  <a:t>は考慮</a:t>
                 </a:r>
                 <a:r>
                   <a:rPr lang="ja-JP" altLang="en-US"/>
@@ -16579,14 +16939,18 @@
                 <a:endParaRPr kumimoji="1" lang="en-US" altLang="ja-JP" dirty="0"/>
               </a:p>
               <a:p>
-                <a:pPr lvl="1"/>
+                <a:pPr lvl="1">
+                  <a:lnSpc>
+                    <a:spcPct val="120000"/>
+                  </a:lnSpc>
+                </a:pPr>
                 <a:r>
                   <a:rPr lang="ja-JP" altLang="en-US"/>
                   <a:t>陽</a:t>
                 </a:r>
                 <a:r>
                   <a:rPr kumimoji="1" lang="ja-JP" altLang="en-US"/>
-                  <a:t>に考慮した最適化問題を考える</a:t>
+                  <a:t>に考慮した最適化問題を定式化</a:t>
                 </a:r>
                 <a:r>
                   <a:rPr kumimoji="1" lang="en-US" altLang="ja-JP" dirty="0"/>
@@ -16629,7 +16993,7 @@
               <a:blipFill>
                 <a:blip r:embed="rId2"/>
                 <a:stretch>
-                  <a:fillRect l="-582" t="-1446"/>
+                  <a:fillRect l="-582" t="-482"/>
                 </a:stretch>
               </a:blipFill>
             </p:spPr>
@@ -16650,57 +17014,54 @@
       </mc:AlternateContent>
       <p:sp>
         <p:nvSpPr>
-          <p:cNvPr id="3" name="タイトル 2">
+          <p:cNvPr id="33" name="角丸四角形 32">
             <a:extLst>
               <a:ext uri="{FF2B5EF4-FFF2-40B4-BE49-F238E27FC236}">
-                <a16:creationId xmlns:a16="http://schemas.microsoft.com/office/drawing/2014/main" id="{E00649B7-D315-084B-8AB2-7A3A4CC3CADD}"/>
+                <a16:creationId xmlns:a16="http://schemas.microsoft.com/office/drawing/2014/main" id="{5F5FC81C-FD53-D545-92C1-BFF64A526821}"/>
               </a:ext>
             </a:extLst>
           </p:cNvPr>
-          <p:cNvSpPr>
-            <a:spLocks noGrp="1"/>
-          </p:cNvSpPr>
-          <p:nvPr>
-            <p:ph type="title"/>
-          </p:nvPr>
+          <p:cNvSpPr/>
+          <p:nvPr/>
         </p:nvSpPr>
-        <p:spPr/>
+        <p:spPr>
+          <a:xfrm>
+            <a:off x="1950406" y="2383747"/>
+            <a:ext cx="2621593" cy="362385"/>
+          </a:xfrm>
+          <a:prstGeom prst="roundRect">
+            <a:avLst/>
+          </a:prstGeom>
+          <a:solidFill>
+            <a:schemeClr val="accent1">
+              <a:alpha val="10000"/>
+            </a:schemeClr>
+          </a:solidFill>
+          <a:ln>
+            <a:noFill/>
+          </a:ln>
+        </p:spPr>
+        <p:style>
+          <a:lnRef idx="2">
+            <a:schemeClr val="accent1">
+              <a:shade val="50000"/>
+            </a:schemeClr>
+          </a:lnRef>
+          <a:fillRef idx="1">
+            <a:schemeClr val="accent1"/>
+          </a:fillRef>
+          <a:effectRef idx="0">
+            <a:schemeClr val="accent1"/>
+          </a:effectRef>
+          <a:fontRef idx="minor">
+            <a:schemeClr val="lt1"/>
+          </a:fontRef>
+        </p:style>
         <p:txBody>
-          <a:bodyPr/>
+          <a:bodyPr rtlCol="0" anchor="ctr"/>
           <a:lstStyle/>
           <a:p>
-            <a:r>
-              <a:rPr kumimoji="1" lang="ja-JP" altLang="en-US"/>
-              <a:t>セルフトリガー制御における先行研究</a:t>
-            </a:r>
-          </a:p>
-        </p:txBody>
-      </p:sp>
-      <p:sp>
-        <p:nvSpPr>
-          <p:cNvPr id="4" name="日付プレースホルダー 3">
-            <a:extLst>
-              <a:ext uri="{FF2B5EF4-FFF2-40B4-BE49-F238E27FC236}">
-                <a16:creationId xmlns:a16="http://schemas.microsoft.com/office/drawing/2014/main" id="{7233A746-89B9-AA4C-AF18-89FD2B733C3E}"/>
-              </a:ext>
-            </a:extLst>
-          </p:cNvPr>
-          <p:cNvSpPr>
-            <a:spLocks noGrp="1"/>
-          </p:cNvSpPr>
-          <p:nvPr>
-            <p:ph type="dt" sz="half" idx="10"/>
-          </p:nvPr>
-        </p:nvSpPr>
-        <p:spPr/>
-        <p:txBody>
-          <a:bodyPr/>
-          <a:lstStyle/>
-          <a:p>
-            <a:r>
-              <a:rPr kumimoji="1" lang="en-US" altLang="ja-JP"/>
-              <a:t>2021/2/9</a:t>
-            </a:r>
+            <a:pPr algn="ctr"/>
             <a:endParaRPr kumimoji="1" lang="ja-JP" altLang="en-US"/>
           </a:p>
         </p:txBody>
@@ -16721,7 +17082,7 @@
             </p:nvSpPr>
             <p:spPr>
               <a:xfrm>
-                <a:off x="1630312" y="1824093"/>
+                <a:off x="1440419" y="1915112"/>
                 <a:ext cx="1055738" cy="458587"/>
               </a:xfrm>
               <a:prstGeom prst="rect">
@@ -16841,7 +17202,7 @@
             </p:nvSpPr>
             <p:spPr>
               <a:xfrm>
-                <a:off x="1630312" y="1824093"/>
+                <a:off x="1440419" y="1915112"/>
                 <a:ext cx="1055738" cy="458587"/>
               </a:xfrm>
               <a:prstGeom prst="rect">
@@ -16885,8 +17246,8 @@
             </p:nvSpPr>
             <p:spPr>
               <a:xfrm>
-                <a:off x="1630312" y="2253483"/>
-                <a:ext cx="3812261" cy="403124"/>
+                <a:off x="1478583" y="2364598"/>
+                <a:ext cx="4831707" cy="391582"/>
               </a:xfrm>
               <a:prstGeom prst="rect">
                 <a:avLst/>
@@ -16948,28 +17309,313 @@
                         </m:fName>
                         <m:e>
                           <m:r>
-                            <a:rPr kumimoji="1" lang="ja-JP" altLang="en-US" b="0" i="1" smtClean="0">
+                            <a:rPr kumimoji="1" lang="en-US" altLang="ja-JP" b="0" i="1" smtClean="0">
                               <a:latin typeface="Cambria Math" panose="02040503050406030204" pitchFamily="18" charset="0"/>
                             </a:rPr>
-                            <m:t>　　　　　　　　　　　</m:t>
+                            <m:t> </m:t>
                           </m:r>
+                          <m:sSub>
+                            <m:sSubPr>
+                              <m:ctrlPr>
+                                <a:rPr kumimoji="1" lang="en-US" altLang="ja-JP" b="0" i="1" smtClean="0">
+                                  <a:latin typeface="Cambria Math" panose="02040503050406030204" pitchFamily="18" charset="0"/>
+                                  <a:ea typeface="Cambria Math" panose="02040503050406030204" pitchFamily="18" charset="0"/>
+                                </a:rPr>
+                              </m:ctrlPr>
+                            </m:sSubPr>
+                            <m:e>
+                              <m:r>
+                                <a:rPr kumimoji="1" lang="en-US" altLang="ja-JP" i="1">
+                                  <a:latin typeface="Cambria Math" panose="02040503050406030204" pitchFamily="18" charset="0"/>
+                                  <a:ea typeface="Cambria Math" panose="02040503050406030204" pitchFamily="18" charset="0"/>
+                                </a:rPr>
+                                <m:t>ℒ</m:t>
+                              </m:r>
+                            </m:e>
+                            <m:sub>
+                              <m:r>
+                                <a:rPr kumimoji="1" lang="en-US" altLang="ja-JP" b="0" i="1" smtClean="0">
+                                  <a:latin typeface="Cambria Math" panose="02040503050406030204" pitchFamily="18" charset="0"/>
+                                  <a:ea typeface="Cambria Math" panose="02040503050406030204" pitchFamily="18" charset="0"/>
+                                </a:rPr>
+                                <m:t>𝑓</m:t>
+                              </m:r>
+                            </m:sub>
+                          </m:sSub>
                           <m:r>
                             <a:rPr kumimoji="1" lang="en-US" altLang="ja-JP" b="0" i="1" smtClean="0">
                               <a:latin typeface="Cambria Math" panose="02040503050406030204" pitchFamily="18" charset="0"/>
+                              <a:ea typeface="Cambria Math" panose="02040503050406030204" pitchFamily="18" charset="0"/>
                             </a:rPr>
-                            <m:t>   </m:t>
+                            <m:t>𝑉</m:t>
                           </m:r>
-                          <m:r>
-                            <a:rPr kumimoji="1" lang="ja-JP" altLang="en-US" b="0" i="1" smtClean="0">
-                              <a:latin typeface="Cambria Math" panose="02040503050406030204" pitchFamily="18" charset="0"/>
-                            </a:rPr>
-                            <m:t>≤</m:t>
-                          </m:r>
+                          <m:d>
+                            <m:dPr>
+                              <m:ctrlPr>
+                                <a:rPr kumimoji="1" lang="en-US" altLang="ja-JP" b="0" i="1" smtClean="0">
+                                  <a:latin typeface="Cambria Math" panose="02040503050406030204" pitchFamily="18" charset="0"/>
+                                  <a:ea typeface="Cambria Math" panose="02040503050406030204" pitchFamily="18" charset="0"/>
+                                </a:rPr>
+                              </m:ctrlPr>
+                            </m:dPr>
+                            <m:e>
+                              <m:r>
+                                <a:rPr kumimoji="1" lang="en-US" altLang="ja-JP" b="0" i="1" smtClean="0">
+                                  <a:latin typeface="Cambria Math" panose="02040503050406030204" pitchFamily="18" charset="0"/>
+                                  <a:ea typeface="Cambria Math" panose="02040503050406030204" pitchFamily="18" charset="0"/>
+                                </a:rPr>
+                                <m:t>𝑠</m:t>
+                              </m:r>
+                              <m:r>
+                                <a:rPr kumimoji="1" lang="en-US" altLang="ja-JP" b="0" i="1" smtClean="0">
+                                  <a:latin typeface="Cambria Math" panose="02040503050406030204" pitchFamily="18" charset="0"/>
+                                  <a:ea typeface="Cambria Math" panose="02040503050406030204" pitchFamily="18" charset="0"/>
+                                </a:rPr>
+                                <m:t>(</m:t>
+                              </m:r>
+                              <m:sSub>
+                                <m:sSubPr>
+                                  <m:ctrlPr>
+                                    <a:rPr kumimoji="1" lang="en-US" altLang="ja-JP" b="0" i="1" smtClean="0">
+                                      <a:latin typeface="Cambria Math" panose="02040503050406030204" pitchFamily="18" charset="0"/>
+                                      <a:ea typeface="Cambria Math" panose="02040503050406030204" pitchFamily="18" charset="0"/>
+                                    </a:rPr>
+                                  </m:ctrlPr>
+                                </m:sSubPr>
+                                <m:e>
+                                  <m:r>
+                                    <a:rPr kumimoji="1" lang="en-US" altLang="ja-JP" b="0" i="1" smtClean="0">
+                                      <a:latin typeface="Cambria Math" panose="02040503050406030204" pitchFamily="18" charset="0"/>
+                                      <a:ea typeface="Cambria Math" panose="02040503050406030204" pitchFamily="18" charset="0"/>
+                                    </a:rPr>
+                                    <m:t>𝑡</m:t>
+                                  </m:r>
+                                </m:e>
+                                <m:sub>
+                                  <m:r>
+                                    <a:rPr kumimoji="1" lang="en-US" altLang="ja-JP" b="0" i="1" smtClean="0">
+                                      <a:latin typeface="Cambria Math" panose="02040503050406030204" pitchFamily="18" charset="0"/>
+                                      <a:ea typeface="Cambria Math" panose="02040503050406030204" pitchFamily="18" charset="0"/>
+                                    </a:rPr>
+                                    <m:t>𝑖</m:t>
+                                  </m:r>
+                                </m:sub>
+                              </m:sSub>
+                              <m:r>
+                                <a:rPr kumimoji="1" lang="en-US" altLang="ja-JP" b="0" i="1" smtClean="0">
+                                  <a:latin typeface="Cambria Math" panose="02040503050406030204" pitchFamily="18" charset="0"/>
+                                  <a:ea typeface="Cambria Math" panose="02040503050406030204" pitchFamily="18" charset="0"/>
+                                </a:rPr>
+                                <m:t>)</m:t>
+                              </m:r>
+                            </m:e>
+                          </m:d>
                           <m:r>
                             <a:rPr kumimoji="1" lang="en-US" altLang="ja-JP" b="0" i="1" smtClean="0">
                               <a:latin typeface="Cambria Math" panose="02040503050406030204" pitchFamily="18" charset="0"/>
+                              <a:ea typeface="Cambria Math" panose="02040503050406030204" pitchFamily="18" charset="0"/>
                             </a:rPr>
-                            <m:t>0 </m:t>
+                            <m:t>+</m:t>
+                          </m:r>
+                          <m:sSub>
+                            <m:sSubPr>
+                              <m:ctrlPr>
+                                <a:rPr kumimoji="1" lang="en-US" altLang="ja-JP" i="1">
+                                  <a:latin typeface="Cambria Math" panose="02040503050406030204" pitchFamily="18" charset="0"/>
+                                  <a:ea typeface="Cambria Math" panose="02040503050406030204" pitchFamily="18" charset="0"/>
+                                </a:rPr>
+                              </m:ctrlPr>
+                            </m:sSubPr>
+                            <m:e>
+                              <m:r>
+                                <a:rPr kumimoji="1" lang="en-US" altLang="ja-JP" i="1">
+                                  <a:latin typeface="Cambria Math" panose="02040503050406030204" pitchFamily="18" charset="0"/>
+                                  <a:ea typeface="Cambria Math" panose="02040503050406030204" pitchFamily="18" charset="0"/>
+                                </a:rPr>
+                                <m:t>ℒ</m:t>
+                              </m:r>
+                            </m:e>
+                            <m:sub>
+                              <m:r>
+                                <a:rPr kumimoji="1" lang="en-US" altLang="ja-JP" i="1">
+                                  <a:latin typeface="Cambria Math" panose="02040503050406030204" pitchFamily="18" charset="0"/>
+                                  <a:ea typeface="Cambria Math" panose="02040503050406030204" pitchFamily="18" charset="0"/>
+                                </a:rPr>
+                                <m:t>𝑓</m:t>
+                              </m:r>
+                            </m:sub>
+                          </m:sSub>
+                          <m:r>
+                            <a:rPr kumimoji="1" lang="en-US" altLang="ja-JP" i="1">
+                              <a:latin typeface="Cambria Math" panose="02040503050406030204" pitchFamily="18" charset="0"/>
+                              <a:ea typeface="Cambria Math" panose="02040503050406030204" pitchFamily="18" charset="0"/>
+                            </a:rPr>
+                            <m:t>𝑉</m:t>
+                          </m:r>
+                          <m:d>
+                            <m:dPr>
+                              <m:ctrlPr>
+                                <a:rPr kumimoji="1" lang="en-US" altLang="ja-JP" i="1">
+                                  <a:latin typeface="Cambria Math" panose="02040503050406030204" pitchFamily="18" charset="0"/>
+                                  <a:ea typeface="Cambria Math" panose="02040503050406030204" pitchFamily="18" charset="0"/>
+                                </a:rPr>
+                              </m:ctrlPr>
+                            </m:dPr>
+                            <m:e>
+                              <m:r>
+                                <a:rPr kumimoji="1" lang="en-US" altLang="ja-JP" i="1">
+                                  <a:latin typeface="Cambria Math" panose="02040503050406030204" pitchFamily="18" charset="0"/>
+                                  <a:ea typeface="Cambria Math" panose="02040503050406030204" pitchFamily="18" charset="0"/>
+                                </a:rPr>
+                                <m:t>𝑠</m:t>
+                              </m:r>
+                              <m:r>
+                                <a:rPr kumimoji="1" lang="en-US" altLang="ja-JP" i="1">
+                                  <a:latin typeface="Cambria Math" panose="02040503050406030204" pitchFamily="18" charset="0"/>
+                                  <a:ea typeface="Cambria Math" panose="02040503050406030204" pitchFamily="18" charset="0"/>
+                                </a:rPr>
+                                <m:t>(</m:t>
+                              </m:r>
+                              <m:sSub>
+                                <m:sSubPr>
+                                  <m:ctrlPr>
+                                    <a:rPr kumimoji="1" lang="en-US" altLang="ja-JP" i="1">
+                                      <a:latin typeface="Cambria Math" panose="02040503050406030204" pitchFamily="18" charset="0"/>
+                                      <a:ea typeface="Cambria Math" panose="02040503050406030204" pitchFamily="18" charset="0"/>
+                                    </a:rPr>
+                                  </m:ctrlPr>
+                                </m:sSubPr>
+                                <m:e>
+                                  <m:r>
+                                    <a:rPr kumimoji="1" lang="en-US" altLang="ja-JP" i="1">
+                                      <a:latin typeface="Cambria Math" panose="02040503050406030204" pitchFamily="18" charset="0"/>
+                                      <a:ea typeface="Cambria Math" panose="02040503050406030204" pitchFamily="18" charset="0"/>
+                                    </a:rPr>
+                                    <m:t>𝑡</m:t>
+                                  </m:r>
+                                </m:e>
+                                <m:sub>
+                                  <m:r>
+                                    <a:rPr kumimoji="1" lang="en-US" altLang="ja-JP" i="1">
+                                      <a:latin typeface="Cambria Math" panose="02040503050406030204" pitchFamily="18" charset="0"/>
+                                      <a:ea typeface="Cambria Math" panose="02040503050406030204" pitchFamily="18" charset="0"/>
+                                    </a:rPr>
+                                    <m:t>𝑖</m:t>
+                                  </m:r>
+                                </m:sub>
+                              </m:sSub>
+                              <m:r>
+                                <a:rPr kumimoji="1" lang="en-US" altLang="ja-JP" i="1">
+                                  <a:latin typeface="Cambria Math" panose="02040503050406030204" pitchFamily="18" charset="0"/>
+                                  <a:ea typeface="Cambria Math" panose="02040503050406030204" pitchFamily="18" charset="0"/>
+                                </a:rPr>
+                                <m:t>)</m:t>
+                              </m:r>
+                            </m:e>
+                          </m:d>
+                          <m:r>
+                            <a:rPr kumimoji="1" lang="en-US" altLang="ja-JP" b="0" i="1" smtClean="0">
+                              <a:latin typeface="Cambria Math" panose="02040503050406030204" pitchFamily="18" charset="0"/>
+                              <a:ea typeface="Cambria Math" panose="02040503050406030204" pitchFamily="18" charset="0"/>
+                            </a:rPr>
+                            <m:t>𝑢</m:t>
+                          </m:r>
+                          <m:r>
+                            <a:rPr kumimoji="1" lang="en-US" altLang="ja-JP" i="1">
+                              <a:latin typeface="Cambria Math" panose="02040503050406030204" pitchFamily="18" charset="0"/>
+                            </a:rPr>
+                            <m:t>+</m:t>
+                          </m:r>
+                          <m:r>
+                            <a:rPr kumimoji="1" lang="en-US" altLang="ja-JP" i="1">
+                              <a:latin typeface="Cambria Math" panose="02040503050406030204" pitchFamily="18" charset="0"/>
+                              <a:ea typeface="Cambria Math" panose="02040503050406030204" pitchFamily="18" charset="0"/>
+                            </a:rPr>
+                            <m:t>𝜀</m:t>
+                          </m:r>
+                          <m:r>
+                            <a:rPr kumimoji="1" lang="en-US" altLang="ja-JP" i="1">
+                              <a:latin typeface="Cambria Math" panose="02040503050406030204" pitchFamily="18" charset="0"/>
+                              <a:ea typeface="Cambria Math" panose="02040503050406030204" pitchFamily="18" charset="0"/>
+                            </a:rPr>
+                            <m:t>𝑉</m:t>
+                          </m:r>
+                          <m:d>
+                            <m:dPr>
+                              <m:ctrlPr>
+                                <a:rPr kumimoji="1" lang="en-US" altLang="ja-JP" i="1">
+                                  <a:latin typeface="Cambria Math" panose="02040503050406030204" pitchFamily="18" charset="0"/>
+                                  <a:ea typeface="Cambria Math" panose="02040503050406030204" pitchFamily="18" charset="0"/>
+                                </a:rPr>
+                              </m:ctrlPr>
+                            </m:dPr>
+                            <m:e>
+                              <m:r>
+                                <a:rPr kumimoji="1" lang="en-US" altLang="ja-JP" i="1">
+                                  <a:latin typeface="Cambria Math" panose="02040503050406030204" pitchFamily="18" charset="0"/>
+                                  <a:ea typeface="Cambria Math" panose="02040503050406030204" pitchFamily="18" charset="0"/>
+                                </a:rPr>
+                                <m:t>𝑠</m:t>
+                              </m:r>
+                              <m:r>
+                                <a:rPr kumimoji="1" lang="en-US" altLang="ja-JP" i="1">
+                                  <a:latin typeface="Cambria Math" panose="02040503050406030204" pitchFamily="18" charset="0"/>
+                                  <a:ea typeface="Cambria Math" panose="02040503050406030204" pitchFamily="18" charset="0"/>
+                                </a:rPr>
+                                <m:t>(</m:t>
+                              </m:r>
+                              <m:sSub>
+                                <m:sSubPr>
+                                  <m:ctrlPr>
+                                    <a:rPr kumimoji="1" lang="en-US" altLang="ja-JP" i="1">
+                                      <a:latin typeface="Cambria Math" panose="02040503050406030204" pitchFamily="18" charset="0"/>
+                                      <a:ea typeface="Cambria Math" panose="02040503050406030204" pitchFamily="18" charset="0"/>
+                                    </a:rPr>
+                                  </m:ctrlPr>
+                                </m:sSubPr>
+                                <m:e>
+                                  <m:r>
+                                    <a:rPr kumimoji="1" lang="en-US" altLang="ja-JP" i="1">
+                                      <a:latin typeface="Cambria Math" panose="02040503050406030204" pitchFamily="18" charset="0"/>
+                                      <a:ea typeface="Cambria Math" panose="02040503050406030204" pitchFamily="18" charset="0"/>
+                                    </a:rPr>
+                                    <m:t>𝑡</m:t>
+                                  </m:r>
+                                </m:e>
+                                <m:sub>
+                                  <m:r>
+                                    <a:rPr kumimoji="1" lang="en-US" altLang="ja-JP" i="1">
+                                      <a:latin typeface="Cambria Math" panose="02040503050406030204" pitchFamily="18" charset="0"/>
+                                      <a:ea typeface="Cambria Math" panose="02040503050406030204" pitchFamily="18" charset="0"/>
+                                    </a:rPr>
+                                    <m:t>𝑖</m:t>
+                                  </m:r>
+                                </m:sub>
+                              </m:sSub>
+                              <m:r>
+                                <a:rPr kumimoji="1" lang="en-US" altLang="ja-JP" i="1">
+                                  <a:latin typeface="Cambria Math" panose="02040503050406030204" pitchFamily="18" charset="0"/>
+                                  <a:ea typeface="Cambria Math" panose="02040503050406030204" pitchFamily="18" charset="0"/>
+                                </a:rPr>
+                                <m:t>)</m:t>
+                              </m:r>
+                            </m:e>
+                          </m:d>
+                          <m:r>
+                            <a:rPr kumimoji="1" lang="en-US" altLang="ja-JP" i="1">
+                              <a:latin typeface="Cambria Math" panose="02040503050406030204" pitchFamily="18" charset="0"/>
+                              <a:ea typeface="Cambria Math" panose="02040503050406030204" pitchFamily="18" charset="0"/>
+                            </a:rPr>
+                            <m:t>≤0</m:t>
+                          </m:r>
+                          <m:r>
+                            <m:rPr>
+                              <m:nor/>
+                            </m:rPr>
+                            <a:rPr kumimoji="1" lang="ja-JP" altLang="en-US">
+                              <a:latin typeface="Cambria" panose="02040503050406030204" pitchFamily="18" charset="0"/>
+                            </a:rPr>
+                            <m:t> </m:t>
                           </m:r>
                         </m:e>
                       </m:func>
@@ -17000,8 +17646,8 @@
             </p:nvSpPr>
             <p:spPr>
               <a:xfrm>
-                <a:off x="1630312" y="2253483"/>
-                <a:ext cx="3812261" cy="403124"/>
+                <a:off x="1478583" y="2364598"/>
+                <a:ext cx="4831707" cy="391582"/>
               </a:xfrm>
               <a:prstGeom prst="rect">
                 <a:avLst/>
@@ -17009,7 +17655,7 @@
               <a:blipFill>
                 <a:blip r:embed="rId4"/>
                 <a:stretch>
-                  <a:fillRect b="-12121"/>
+                  <a:fillRect t="-3125" b="-6250"/>
                 </a:stretch>
               </a:blipFill>
             </p:spPr>
@@ -17028,36 +17674,6 @@
           </p:sp>
         </mc:Fallback>
       </mc:AlternateContent>
-      <p:pic>
-        <p:nvPicPr>
-          <p:cNvPr id="9" name="図 8">
-            <a:extLst>
-              <a:ext uri="{FF2B5EF4-FFF2-40B4-BE49-F238E27FC236}">
-                <a16:creationId xmlns:a16="http://schemas.microsoft.com/office/drawing/2014/main" id="{F0948D9F-4583-3345-8018-979ACF9E933E}"/>
-              </a:ext>
-            </a:extLst>
-          </p:cNvPr>
-          <p:cNvPicPr>
-            <a:picLocks noChangeAspect="1"/>
-          </p:cNvPicPr>
-          <p:nvPr/>
-        </p:nvPicPr>
-        <p:blipFill>
-          <a:blip r:embed="rId5"/>
-          <a:stretch>
-            <a:fillRect/>
-          </a:stretch>
-        </p:blipFill>
-        <p:spPr>
-          <a:xfrm>
-            <a:off x="2158181" y="2282680"/>
-            <a:ext cx="2640693" cy="392926"/>
-          </a:xfrm>
-          <a:prstGeom prst="rect">
-            <a:avLst/>
-          </a:prstGeom>
-        </p:spPr>
-      </p:pic>
       <p:cxnSp>
         <p:nvCxnSpPr>
           <p:cNvPr id="11" name="直線矢印コネクタ 10">
@@ -17074,7 +17690,7 @@
         </p:nvCxnSpPr>
         <p:spPr>
           <a:xfrm>
-            <a:off x="6202302" y="2364843"/>
+            <a:off x="6677121" y="2232080"/>
             <a:ext cx="1567033" cy="0"/>
           </a:xfrm>
           <a:prstGeom prst="straightConnector1">
@@ -17119,7 +17735,7 @@
         </p:nvSpPr>
         <p:spPr>
           <a:xfrm>
-            <a:off x="6208480" y="1367640"/>
+            <a:off x="6683299" y="1234877"/>
             <a:ext cx="1365160" cy="800740"/>
           </a:xfrm>
           <a:custGeom>
@@ -17211,7 +17827,7 @@
         </p:nvCxnSpPr>
         <p:spPr>
           <a:xfrm>
-            <a:off x="6202302" y="1147634"/>
+            <a:off x="6677121" y="1014871"/>
             <a:ext cx="0" cy="1217209"/>
           </a:xfrm>
           <a:prstGeom prst="line">
@@ -17258,7 +17874,7 @@
         </p:nvCxnSpPr>
         <p:spPr>
           <a:xfrm flipH="1">
-            <a:off x="6208480" y="1560823"/>
+            <a:off x="6683299" y="1428060"/>
             <a:ext cx="1527749" cy="0"/>
           </a:xfrm>
           <a:prstGeom prst="line">
@@ -17304,7 +17920,7 @@
         </p:nvCxnSpPr>
         <p:spPr>
           <a:xfrm>
-            <a:off x="7386491" y="1147634"/>
+            <a:off x="7861310" y="1014871"/>
             <a:ext cx="0" cy="1217209"/>
           </a:xfrm>
           <a:prstGeom prst="line">
@@ -17350,8 +17966,8 @@
             </p:nvSpPr>
             <p:spPr>
               <a:xfrm>
-                <a:off x="7473443" y="1011032"/>
-                <a:ext cx="387542" cy="369332"/>
+                <a:off x="7935703" y="839977"/>
+                <a:ext cx="889731" cy="338554"/>
               </a:xfrm>
               <a:prstGeom prst="rect">
                 <a:avLst/>
@@ -17372,15 +17988,66 @@
                     </m:oMathParaPr>
                     <m:oMath xmlns:m="http://schemas.openxmlformats.org/officeDocument/2006/math">
                       <m:r>
-                        <a:rPr lang="en-US" altLang="ja-JP" i="1">
+                        <a:rPr lang="en-US" altLang="ja-JP" sz="1600" i="1" smtClean="0">
+                          <a:solidFill>
+                            <a:srgbClr val="FF0000"/>
+                          </a:solidFill>
                           <a:latin typeface="Cambria Math" panose="02040503050406030204" pitchFamily="18" charset="0"/>
                         </a:rPr>
                         <m:t>𝑉</m:t>
                       </m:r>
+                      <m:r>
+                        <a:rPr lang="en-US" altLang="ja-JP" sz="1600" b="0" i="1" smtClean="0">
+                          <a:solidFill>
+                            <a:srgbClr val="FF0000"/>
+                          </a:solidFill>
+                          <a:latin typeface="Cambria Math" panose="02040503050406030204" pitchFamily="18" charset="0"/>
+                        </a:rPr>
+                        <m:t>(</m:t>
+                      </m:r>
+                      <m:r>
+                        <a:rPr lang="en-US" altLang="ja-JP" sz="1600" b="0" i="1" smtClean="0">
+                          <a:solidFill>
+                            <a:srgbClr val="FF0000"/>
+                          </a:solidFill>
+                          <a:latin typeface="Cambria Math" panose="02040503050406030204" pitchFamily="18" charset="0"/>
+                        </a:rPr>
+                        <m:t>𝑠</m:t>
+                      </m:r>
+                      <m:r>
+                        <a:rPr lang="en-US" altLang="ja-JP" sz="1600" b="0" i="1" smtClean="0">
+                          <a:solidFill>
+                            <a:srgbClr val="FF0000"/>
+                          </a:solidFill>
+                          <a:latin typeface="Cambria Math" panose="02040503050406030204" pitchFamily="18" charset="0"/>
+                        </a:rPr>
+                        <m:t>(</m:t>
+                      </m:r>
+                      <m:r>
+                        <a:rPr lang="en-US" altLang="ja-JP" sz="1600" b="0" i="1" smtClean="0">
+                          <a:solidFill>
+                            <a:srgbClr val="FF0000"/>
+                          </a:solidFill>
+                          <a:latin typeface="Cambria Math" panose="02040503050406030204" pitchFamily="18" charset="0"/>
+                        </a:rPr>
+                        <m:t>𝑡</m:t>
+                      </m:r>
+                      <m:r>
+                        <a:rPr lang="en-US" altLang="ja-JP" sz="1600" b="0" i="1" smtClean="0">
+                          <a:solidFill>
+                            <a:srgbClr val="FF0000"/>
+                          </a:solidFill>
+                          <a:latin typeface="Cambria Math" panose="02040503050406030204" pitchFamily="18" charset="0"/>
+                        </a:rPr>
+                        <m:t>))</m:t>
+                      </m:r>
                     </m:oMath>
                   </m:oMathPara>
                 </a14:m>
-                <a:endParaRPr kumimoji="1" lang="ja-JP" altLang="en-US">
+                <a:endParaRPr kumimoji="1" lang="ja-JP" altLang="en-US" sz="1600">
+                  <a:solidFill>
+                    <a:srgbClr val="FF0000"/>
+                  </a:solidFill>
                   <a:latin typeface="Cambria" panose="02040503050406030204" pitchFamily="18" charset="0"/>
                 </a:endParaRPr>
               </a:p>
@@ -17404,16 +18071,16 @@
             </p:nvSpPr>
             <p:spPr>
               <a:xfrm>
-                <a:off x="7473443" y="1011032"/>
-                <a:ext cx="387542" cy="369332"/>
+                <a:off x="7935703" y="839977"/>
+                <a:ext cx="889731" cy="338554"/>
               </a:xfrm>
               <a:prstGeom prst="rect">
                 <a:avLst/>
               </a:prstGeom>
               <a:blipFill>
-                <a:blip r:embed="rId6"/>
+                <a:blip r:embed="rId5"/>
                 <a:stretch>
-                  <a:fillRect/>
+                  <a:fillRect b="-14286"/>
                 </a:stretch>
               </a:blipFill>
             </p:spPr>
@@ -17448,8 +18115,8 @@
             </p:nvSpPr>
             <p:spPr>
               <a:xfrm>
-                <a:off x="7739659" y="2172975"/>
-                <a:ext cx="346698" cy="369332"/>
+                <a:off x="8214478" y="2040212"/>
+                <a:ext cx="332976" cy="369332"/>
               </a:xfrm>
               <a:prstGeom prst="rect">
                 <a:avLst/>
@@ -17470,10 +18137,10 @@
                     </m:oMathParaPr>
                     <m:oMath xmlns:m="http://schemas.openxmlformats.org/officeDocument/2006/math">
                       <m:r>
-                        <a:rPr lang="ja-JP" altLang="en-US" i="1">
+                        <a:rPr kumimoji="1" lang="en-US" altLang="ja-JP" b="0" i="1" smtClean="0">
                           <a:latin typeface="Cambria Math" panose="02040503050406030204" pitchFamily="18" charset="0"/>
                         </a:rPr>
-                        <m:t>𝜏</m:t>
+                        <m:t>𝑡</m:t>
                       </m:r>
                     </m:oMath>
                   </m:oMathPara>
@@ -17502,14 +18169,14 @@
             </p:nvSpPr>
             <p:spPr>
               <a:xfrm>
-                <a:off x="7739659" y="2172975"/>
-                <a:ext cx="346698" cy="369332"/>
+                <a:off x="8214478" y="2040212"/>
+                <a:ext cx="332976" cy="369332"/>
               </a:xfrm>
               <a:prstGeom prst="rect">
                 <a:avLst/>
               </a:prstGeom>
               <a:blipFill>
-                <a:blip r:embed="rId7"/>
+                <a:blip r:embed="rId6"/>
                 <a:stretch>
                   <a:fillRect/>
                 </a:stretch>
@@ -17530,52 +18197,6 @@
           </p:sp>
         </mc:Fallback>
       </mc:AlternateContent>
-      <p:sp>
-        <p:nvSpPr>
-          <p:cNvPr id="29" name="星 5 28">
-            <a:extLst>
-              <a:ext uri="{FF2B5EF4-FFF2-40B4-BE49-F238E27FC236}">
-                <a16:creationId xmlns:a16="http://schemas.microsoft.com/office/drawing/2014/main" id="{9A86D435-494B-564F-887E-CFDF0019805E}"/>
-              </a:ext>
-            </a:extLst>
-          </p:cNvPr>
-          <p:cNvSpPr/>
-          <p:nvPr/>
-        </p:nvSpPr>
-        <p:spPr>
-          <a:xfrm>
-            <a:off x="7295051" y="2289076"/>
-            <a:ext cx="182880" cy="182880"/>
-          </a:xfrm>
-          <a:prstGeom prst="star5">
-            <a:avLst/>
-          </a:prstGeom>
-        </p:spPr>
-        <p:style>
-          <a:lnRef idx="2">
-            <a:schemeClr val="accent1">
-              <a:shade val="50000"/>
-            </a:schemeClr>
-          </a:lnRef>
-          <a:fillRef idx="1">
-            <a:schemeClr val="accent1"/>
-          </a:fillRef>
-          <a:effectRef idx="0">
-            <a:schemeClr val="accent1"/>
-          </a:effectRef>
-          <a:fontRef idx="minor">
-            <a:schemeClr val="lt1"/>
-          </a:fontRef>
-        </p:style>
-        <p:txBody>
-          <a:bodyPr rtlCol="0" anchor="ctr"/>
-          <a:lstStyle/>
-          <a:p>
-            <a:pPr algn="ctr"/>
-            <a:endParaRPr kumimoji="1" lang="ja-JP" altLang="en-US"/>
-          </a:p>
-        </p:txBody>
-      </p:sp>
       <p:sp>
         <p:nvSpPr>
           <p:cNvPr id="17" name="正方形/長方形 16">
@@ -17639,6 +18260,533 @@
           </a:p>
         </p:txBody>
       </p:sp>
+      <mc:AlternateContent xmlns:mc="http://schemas.openxmlformats.org/markup-compatibility/2006" xmlns:a14="http://schemas.microsoft.com/office/drawing/2010/main">
+        <mc:Choice Requires="a14">
+          <p:sp>
+            <p:nvSpPr>
+              <p:cNvPr id="20" name="テキスト ボックス 19">
+                <a:extLst>
+                  <a:ext uri="{FF2B5EF4-FFF2-40B4-BE49-F238E27FC236}">
+                    <a16:creationId xmlns:a16="http://schemas.microsoft.com/office/drawing/2014/main" id="{0EABDE5F-C61A-0947-85E1-305AF22CC412}"/>
+                  </a:ext>
+                </a:extLst>
+              </p:cNvPr>
+              <p:cNvSpPr txBox="1"/>
+              <p:nvPr/>
+            </p:nvSpPr>
+            <p:spPr>
+              <a:xfrm>
+                <a:off x="7673887" y="2174698"/>
+                <a:ext cx="570413" cy="338554"/>
+              </a:xfrm>
+              <a:prstGeom prst="rect">
+                <a:avLst/>
+              </a:prstGeom>
+              <a:noFill/>
+            </p:spPr>
+            <p:txBody>
+              <a:bodyPr wrap="none" rtlCol="0">
+                <a:spAutoFit/>
+              </a:bodyPr>
+              <a:lstStyle/>
+              <a:p>
+                <a:pPr/>
+                <a14:m>
+                  <m:oMathPara xmlns:m="http://schemas.openxmlformats.org/officeDocument/2006/math">
+                    <m:oMathParaPr>
+                      <m:jc m:val="centerGroup"/>
+                    </m:oMathParaPr>
+                    <m:oMath xmlns:m="http://schemas.openxmlformats.org/officeDocument/2006/math">
+                      <m:sSub>
+                        <m:sSubPr>
+                          <m:ctrlPr>
+                            <a:rPr kumimoji="1" lang="en-US" altLang="ja-JP" sz="1600" b="0" i="1" smtClean="0">
+                              <a:latin typeface="Cambria Math" panose="02040503050406030204" pitchFamily="18" charset="0"/>
+                            </a:rPr>
+                          </m:ctrlPr>
+                        </m:sSubPr>
+                        <m:e>
+                          <m:r>
+                            <a:rPr kumimoji="1" lang="en-US" altLang="ja-JP" sz="1600" b="0" i="1" smtClean="0">
+                              <a:latin typeface="Cambria Math" panose="02040503050406030204" pitchFamily="18" charset="0"/>
+                            </a:rPr>
+                            <m:t>𝑡</m:t>
+                          </m:r>
+                        </m:e>
+                        <m:sub>
+                          <m:r>
+                            <a:rPr kumimoji="1" lang="en-US" altLang="ja-JP" sz="1600" b="0" i="1" smtClean="0">
+                              <a:latin typeface="Cambria Math" panose="02040503050406030204" pitchFamily="18" charset="0"/>
+                            </a:rPr>
+                            <m:t>𝑖</m:t>
+                          </m:r>
+                          <m:r>
+                            <a:rPr kumimoji="1" lang="en-US" altLang="ja-JP" sz="1600" b="0" i="1" smtClean="0">
+                              <a:latin typeface="Cambria Math" panose="02040503050406030204" pitchFamily="18" charset="0"/>
+                            </a:rPr>
+                            <m:t>+1</m:t>
+                          </m:r>
+                        </m:sub>
+                      </m:sSub>
+                    </m:oMath>
+                  </m:oMathPara>
+                </a14:m>
+                <a:endParaRPr kumimoji="1" lang="ja-JP" altLang="en-US" sz="1600">
+                  <a:latin typeface="Cambria" panose="02040503050406030204" pitchFamily="18" charset="0"/>
+                </a:endParaRPr>
+              </a:p>
+            </p:txBody>
+          </p:sp>
+        </mc:Choice>
+        <mc:Fallback xmlns="">
+          <p:sp>
+            <p:nvSpPr>
+              <p:cNvPr id="20" name="テキスト ボックス 19">
+                <a:extLst>
+                  <a:ext uri="{FF2B5EF4-FFF2-40B4-BE49-F238E27FC236}">
+                    <a16:creationId xmlns:a16="http://schemas.microsoft.com/office/drawing/2014/main" id="{0EABDE5F-C61A-0947-85E1-305AF22CC412}"/>
+                  </a:ext>
+                </a:extLst>
+              </p:cNvPr>
+              <p:cNvSpPr txBox="1">
+                <a:spLocks noRot="1" noChangeAspect="1" noMove="1" noResize="1" noEditPoints="1" noAdjustHandles="1" noChangeArrowheads="1" noChangeShapeType="1" noTextEdit="1"/>
+              </p:cNvSpPr>
+              <p:nvPr/>
+            </p:nvSpPr>
+            <p:spPr>
+              <a:xfrm>
+                <a:off x="7673887" y="2174698"/>
+                <a:ext cx="570413" cy="338554"/>
+              </a:xfrm>
+              <a:prstGeom prst="rect">
+                <a:avLst/>
+              </a:prstGeom>
+              <a:blipFill>
+                <a:blip r:embed="rId7"/>
+                <a:stretch>
+                  <a:fillRect/>
+                </a:stretch>
+              </a:blipFill>
+            </p:spPr>
+            <p:txBody>
+              <a:bodyPr/>
+              <a:lstStyle/>
+              <a:p>
+                <a:r>
+                  <a:rPr lang="ja-JP" altLang="en-US">
+                    <a:noFill/>
+                  </a:rPr>
+                  <a:t> </a:t>
+                </a:r>
+              </a:p>
+            </p:txBody>
+          </p:sp>
+        </mc:Fallback>
+      </mc:AlternateContent>
+      <mc:AlternateContent xmlns:mc="http://schemas.openxmlformats.org/markup-compatibility/2006" xmlns:a14="http://schemas.microsoft.com/office/drawing/2010/main">
+        <mc:Choice Requires="a14">
+          <p:sp>
+            <p:nvSpPr>
+              <p:cNvPr id="24" name="テキスト ボックス 23">
+                <a:extLst>
+                  <a:ext uri="{FF2B5EF4-FFF2-40B4-BE49-F238E27FC236}">
+                    <a16:creationId xmlns:a16="http://schemas.microsoft.com/office/drawing/2014/main" id="{4BE835A6-6A7F-1642-BCE3-1CB57D480ADA}"/>
+                  </a:ext>
+                </a:extLst>
+              </p:cNvPr>
+              <p:cNvSpPr txBox="1"/>
+              <p:nvPr/>
+            </p:nvSpPr>
+            <p:spPr>
+              <a:xfrm>
+                <a:off x="6521977" y="2174698"/>
+                <a:ext cx="374846" cy="338554"/>
+              </a:xfrm>
+              <a:prstGeom prst="rect">
+                <a:avLst/>
+              </a:prstGeom>
+              <a:noFill/>
+            </p:spPr>
+            <p:txBody>
+              <a:bodyPr wrap="none" rtlCol="0">
+                <a:spAutoFit/>
+              </a:bodyPr>
+              <a:lstStyle/>
+              <a:p>
+                <a:pPr/>
+                <a14:m>
+                  <m:oMathPara xmlns:m="http://schemas.openxmlformats.org/officeDocument/2006/math">
+                    <m:oMathParaPr>
+                      <m:jc m:val="centerGroup"/>
+                    </m:oMathParaPr>
+                    <m:oMath xmlns:m="http://schemas.openxmlformats.org/officeDocument/2006/math">
+                      <m:sSub>
+                        <m:sSubPr>
+                          <m:ctrlPr>
+                            <a:rPr kumimoji="1" lang="en-US" altLang="ja-JP" sz="1600" b="0" i="1" smtClean="0">
+                              <a:latin typeface="Cambria Math" panose="02040503050406030204" pitchFamily="18" charset="0"/>
+                            </a:rPr>
+                          </m:ctrlPr>
+                        </m:sSubPr>
+                        <m:e>
+                          <m:r>
+                            <a:rPr kumimoji="1" lang="en-US" altLang="ja-JP" sz="1600" b="0" i="1" smtClean="0">
+                              <a:latin typeface="Cambria Math" panose="02040503050406030204" pitchFamily="18" charset="0"/>
+                            </a:rPr>
+                            <m:t>𝑡</m:t>
+                          </m:r>
+                        </m:e>
+                        <m:sub>
+                          <m:r>
+                            <a:rPr kumimoji="1" lang="en-US" altLang="ja-JP" sz="1600" b="0" i="1" smtClean="0">
+                              <a:latin typeface="Cambria Math" panose="02040503050406030204" pitchFamily="18" charset="0"/>
+                            </a:rPr>
+                            <m:t>𝑖</m:t>
+                          </m:r>
+                        </m:sub>
+                      </m:sSub>
+                    </m:oMath>
+                  </m:oMathPara>
+                </a14:m>
+                <a:endParaRPr kumimoji="1" lang="ja-JP" altLang="en-US" sz="1600">
+                  <a:latin typeface="Cambria" panose="02040503050406030204" pitchFamily="18" charset="0"/>
+                </a:endParaRPr>
+              </a:p>
+            </p:txBody>
+          </p:sp>
+        </mc:Choice>
+        <mc:Fallback xmlns="">
+          <p:sp>
+            <p:nvSpPr>
+              <p:cNvPr id="24" name="テキスト ボックス 23">
+                <a:extLst>
+                  <a:ext uri="{FF2B5EF4-FFF2-40B4-BE49-F238E27FC236}">
+                    <a16:creationId xmlns:a16="http://schemas.microsoft.com/office/drawing/2014/main" id="{4BE835A6-6A7F-1642-BCE3-1CB57D480ADA}"/>
+                  </a:ext>
+                </a:extLst>
+              </p:cNvPr>
+              <p:cNvSpPr txBox="1">
+                <a:spLocks noRot="1" noChangeAspect="1" noMove="1" noResize="1" noEditPoints="1" noAdjustHandles="1" noChangeArrowheads="1" noChangeShapeType="1" noTextEdit="1"/>
+              </p:cNvSpPr>
+              <p:nvPr/>
+            </p:nvSpPr>
+            <p:spPr>
+              <a:xfrm>
+                <a:off x="6521977" y="2174698"/>
+                <a:ext cx="374846" cy="338554"/>
+              </a:xfrm>
+              <a:prstGeom prst="rect">
+                <a:avLst/>
+              </a:prstGeom>
+              <a:blipFill>
+                <a:blip r:embed="rId8"/>
+                <a:stretch>
+                  <a:fillRect/>
+                </a:stretch>
+              </a:blipFill>
+            </p:spPr>
+            <p:txBody>
+              <a:bodyPr/>
+              <a:lstStyle/>
+              <a:p>
+                <a:r>
+                  <a:rPr lang="ja-JP" altLang="en-US">
+                    <a:noFill/>
+                  </a:rPr>
+                  <a:t> </a:t>
+                </a:r>
+              </a:p>
+            </p:txBody>
+          </p:sp>
+        </mc:Fallback>
+      </mc:AlternateContent>
+      <p:cxnSp>
+        <p:nvCxnSpPr>
+          <p:cNvPr id="10" name="直線コネクタ 9">
+            <a:extLst>
+              <a:ext uri="{FF2B5EF4-FFF2-40B4-BE49-F238E27FC236}">
+                <a16:creationId xmlns:a16="http://schemas.microsoft.com/office/drawing/2014/main" id="{0C00B5E6-D5F4-494C-A6D0-E7A1FA6CFDF3}"/>
+              </a:ext>
+            </a:extLst>
+          </p:cNvPr>
+          <p:cNvCxnSpPr>
+            <a:cxnSpLocks/>
+          </p:cNvCxnSpPr>
+          <p:nvPr/>
+        </p:nvCxnSpPr>
+        <p:spPr>
+          <a:xfrm>
+            <a:off x="6593787" y="1088263"/>
+            <a:ext cx="211708" cy="896729"/>
+          </a:xfrm>
+          <a:prstGeom prst="line">
+            <a:avLst/>
+          </a:prstGeom>
+          <a:ln w="12700">
+            <a:prstDash val="solid"/>
+          </a:ln>
+        </p:spPr>
+        <p:style>
+          <a:lnRef idx="1">
+            <a:schemeClr val="accent1"/>
+          </a:lnRef>
+          <a:fillRef idx="0">
+            <a:schemeClr val="accent1"/>
+          </a:fillRef>
+          <a:effectRef idx="0">
+            <a:schemeClr val="accent1"/>
+          </a:effectRef>
+          <a:fontRef idx="minor">
+            <a:schemeClr val="tx1"/>
+          </a:fontRef>
+        </p:style>
+      </p:cxnSp>
+      <mc:AlternateContent xmlns:mc="http://schemas.openxmlformats.org/markup-compatibility/2006" xmlns:a14="http://schemas.microsoft.com/office/drawing/2010/main">
+        <mc:Choice Requires="a14">
+          <p:sp>
+            <p:nvSpPr>
+              <p:cNvPr id="34" name="テキスト ボックス 33">
+                <a:extLst>
+                  <a:ext uri="{FF2B5EF4-FFF2-40B4-BE49-F238E27FC236}">
+                    <a16:creationId xmlns:a16="http://schemas.microsoft.com/office/drawing/2014/main" id="{C1F3244B-16C4-C148-87AE-3741397D428A}"/>
+                  </a:ext>
+                </a:extLst>
+              </p:cNvPr>
+              <p:cNvSpPr txBox="1"/>
+              <p:nvPr/>
+            </p:nvSpPr>
+            <p:spPr>
+              <a:xfrm>
+                <a:off x="3300583" y="2103034"/>
+                <a:ext cx="1385764" cy="314189"/>
+              </a:xfrm>
+              <a:prstGeom prst="rect">
+                <a:avLst/>
+              </a:prstGeom>
+              <a:noFill/>
+            </p:spPr>
+            <p:txBody>
+              <a:bodyPr wrap="none" rtlCol="0">
+                <a:spAutoFit/>
+              </a:bodyPr>
+              <a:lstStyle/>
+              <a:p>
+                <a14:m>
+                  <m:oMath xmlns:m="http://schemas.openxmlformats.org/officeDocument/2006/math">
+                    <m:r>
+                      <a:rPr kumimoji="1" lang="en-US" altLang="ja-JP" sz="1400" i="1" smtClean="0">
+                        <a:solidFill>
+                          <a:schemeClr val="accent1"/>
+                        </a:solidFill>
+                        <a:latin typeface="Cambria Math" panose="02040503050406030204" pitchFamily="18" charset="0"/>
+                        <a:ea typeface="Cambria Math" panose="02040503050406030204" pitchFamily="18" charset="0"/>
+                      </a:rPr>
+                      <m:t>𝑉</m:t>
+                    </m:r>
+                    <m:r>
+                      <a:rPr kumimoji="1" lang="en-US" altLang="ja-JP" sz="1400" i="1" smtClean="0">
+                        <a:solidFill>
+                          <a:schemeClr val="accent1"/>
+                        </a:solidFill>
+                        <a:latin typeface="Cambria Math" panose="02040503050406030204" pitchFamily="18" charset="0"/>
+                        <a:ea typeface="Cambria Math" panose="02040503050406030204" pitchFamily="18" charset="0"/>
+                      </a:rPr>
+                      <m:t>(</m:t>
+                    </m:r>
+                    <m:r>
+                      <a:rPr kumimoji="1" lang="en-US" altLang="ja-JP" sz="1400" i="1" smtClean="0">
+                        <a:solidFill>
+                          <a:schemeClr val="accent1"/>
+                        </a:solidFill>
+                        <a:latin typeface="Cambria Math" panose="02040503050406030204" pitchFamily="18" charset="0"/>
+                        <a:ea typeface="Cambria Math" panose="02040503050406030204" pitchFamily="18" charset="0"/>
+                      </a:rPr>
+                      <m:t>𝑠</m:t>
+                    </m:r>
+                    <m:r>
+                      <a:rPr kumimoji="1" lang="en-US" altLang="ja-JP" sz="1400" b="0" i="1" smtClean="0">
+                        <a:solidFill>
+                          <a:schemeClr val="accent1"/>
+                        </a:solidFill>
+                        <a:latin typeface="Cambria Math" panose="02040503050406030204" pitchFamily="18" charset="0"/>
+                        <a:ea typeface="Cambria Math" panose="02040503050406030204" pitchFamily="18" charset="0"/>
+                      </a:rPr>
+                      <m:t>(</m:t>
+                    </m:r>
+                    <m:sSub>
+                      <m:sSubPr>
+                        <m:ctrlPr>
+                          <a:rPr kumimoji="1" lang="en-US" altLang="ja-JP" sz="1400" i="1">
+                            <a:solidFill>
+                              <a:schemeClr val="accent1"/>
+                            </a:solidFill>
+                            <a:latin typeface="Cambria Math" panose="02040503050406030204" pitchFamily="18" charset="0"/>
+                            <a:ea typeface="Cambria Math" panose="02040503050406030204" pitchFamily="18" charset="0"/>
+                          </a:rPr>
+                        </m:ctrlPr>
+                      </m:sSubPr>
+                      <m:e>
+                        <m:r>
+                          <a:rPr kumimoji="1" lang="en-US" altLang="ja-JP" sz="1400" i="1">
+                            <a:solidFill>
+                              <a:schemeClr val="accent1"/>
+                            </a:solidFill>
+                            <a:latin typeface="Cambria Math" panose="02040503050406030204" pitchFamily="18" charset="0"/>
+                            <a:ea typeface="Cambria Math" panose="02040503050406030204" pitchFamily="18" charset="0"/>
+                          </a:rPr>
+                          <m:t>𝑡</m:t>
+                        </m:r>
+                      </m:e>
+                      <m:sub>
+                        <m:r>
+                          <a:rPr kumimoji="1" lang="en-US" altLang="ja-JP" sz="1400" i="1">
+                            <a:solidFill>
+                              <a:schemeClr val="accent1"/>
+                            </a:solidFill>
+                            <a:latin typeface="Cambria Math" panose="02040503050406030204" pitchFamily="18" charset="0"/>
+                            <a:ea typeface="Cambria Math" panose="02040503050406030204" pitchFamily="18" charset="0"/>
+                          </a:rPr>
+                          <m:t>𝑖</m:t>
+                        </m:r>
+                      </m:sub>
+                    </m:sSub>
+                    <m:r>
+                      <a:rPr kumimoji="1" lang="en-US" altLang="ja-JP" sz="1400" b="0" i="1" smtClean="0">
+                        <a:solidFill>
+                          <a:schemeClr val="accent1"/>
+                        </a:solidFill>
+                        <a:latin typeface="Cambria Math" panose="02040503050406030204" pitchFamily="18" charset="0"/>
+                        <a:ea typeface="Cambria Math" panose="02040503050406030204" pitchFamily="18" charset="0"/>
+                      </a:rPr>
+                      <m:t>)</m:t>
+                    </m:r>
+                    <m:r>
+                      <a:rPr kumimoji="1" lang="en-US" altLang="ja-JP" sz="1400" i="1" smtClean="0">
+                        <a:solidFill>
+                          <a:schemeClr val="accent1"/>
+                        </a:solidFill>
+                        <a:latin typeface="Cambria Math" panose="02040503050406030204" pitchFamily="18" charset="0"/>
+                        <a:ea typeface="Cambria Math" panose="02040503050406030204" pitchFamily="18" charset="0"/>
+                      </a:rPr>
+                      <m:t>)</m:t>
+                    </m:r>
+                  </m:oMath>
+                </a14:m>
+                <a:r>
+                  <a:rPr kumimoji="1" lang="ja-JP" altLang="en-US" sz="1400">
+                    <a:solidFill>
+                      <a:schemeClr val="accent1"/>
+                    </a:solidFill>
+                    <a:latin typeface="Cambria" panose="02040503050406030204" pitchFamily="18" charset="0"/>
+                  </a:rPr>
+                  <a:t>の傾き</a:t>
+                </a:r>
+              </a:p>
+            </p:txBody>
+          </p:sp>
+        </mc:Choice>
+        <mc:Fallback xmlns="">
+          <p:sp>
+            <p:nvSpPr>
+              <p:cNvPr id="34" name="テキスト ボックス 33">
+                <a:extLst>
+                  <a:ext uri="{FF2B5EF4-FFF2-40B4-BE49-F238E27FC236}">
+                    <a16:creationId xmlns:a16="http://schemas.microsoft.com/office/drawing/2014/main" id="{C1F3244B-16C4-C148-87AE-3741397D428A}"/>
+                  </a:ext>
+                </a:extLst>
+              </p:cNvPr>
+              <p:cNvSpPr txBox="1">
+                <a:spLocks noRot="1" noChangeAspect="1" noMove="1" noResize="1" noEditPoints="1" noAdjustHandles="1" noChangeArrowheads="1" noChangeShapeType="1" noTextEdit="1"/>
+              </p:cNvSpPr>
+              <p:nvPr/>
+            </p:nvSpPr>
+            <p:spPr>
+              <a:xfrm>
+                <a:off x="3300583" y="2103034"/>
+                <a:ext cx="1385764" cy="314189"/>
+              </a:xfrm>
+              <a:prstGeom prst="rect">
+                <a:avLst/>
+              </a:prstGeom>
+              <a:blipFill>
+                <a:blip r:embed="rId9"/>
+                <a:stretch>
+                  <a:fillRect t="-4000" b="-16000"/>
+                </a:stretch>
+              </a:blipFill>
+            </p:spPr>
+            <p:txBody>
+              <a:bodyPr/>
+              <a:lstStyle/>
+              <a:p>
+                <a:r>
+                  <a:rPr lang="ja-JP" altLang="en-US">
+                    <a:noFill/>
+                  </a:rPr>
+                  <a:t> </a:t>
+                </a:r>
+              </a:p>
+            </p:txBody>
+          </p:sp>
+        </mc:Fallback>
+      </mc:AlternateContent>
+      <p:sp>
+        <p:nvSpPr>
+          <p:cNvPr id="3" name="タイトル 2">
+            <a:extLst>
+              <a:ext uri="{FF2B5EF4-FFF2-40B4-BE49-F238E27FC236}">
+                <a16:creationId xmlns:a16="http://schemas.microsoft.com/office/drawing/2014/main" id="{E00649B7-D315-084B-8AB2-7A3A4CC3CADD}"/>
+              </a:ext>
+            </a:extLst>
+          </p:cNvPr>
+          <p:cNvSpPr>
+            <a:spLocks noGrp="1"/>
+          </p:cNvSpPr>
+          <p:nvPr>
+            <p:ph type="title"/>
+          </p:nvPr>
+        </p:nvSpPr>
+        <p:spPr/>
+        <p:txBody>
+          <a:bodyPr/>
+          <a:lstStyle/>
+          <a:p>
+            <a:r>
+              <a:rPr kumimoji="1" lang="ja-JP" altLang="en-US"/>
+              <a:t>セルフトリガー制御における先行研究</a:t>
+            </a:r>
+          </a:p>
+        </p:txBody>
+      </p:sp>
+      <p:sp>
+        <p:nvSpPr>
+          <p:cNvPr id="4" name="日付プレースホルダー 3">
+            <a:extLst>
+              <a:ext uri="{FF2B5EF4-FFF2-40B4-BE49-F238E27FC236}">
+                <a16:creationId xmlns:a16="http://schemas.microsoft.com/office/drawing/2014/main" id="{7233A746-89B9-AA4C-AF18-89FD2B733C3E}"/>
+              </a:ext>
+            </a:extLst>
+          </p:cNvPr>
+          <p:cNvSpPr>
+            <a:spLocks noGrp="1"/>
+          </p:cNvSpPr>
+          <p:nvPr>
+            <p:ph type="dt" sz="half" idx="10"/>
+          </p:nvPr>
+        </p:nvSpPr>
+        <p:spPr/>
+        <p:txBody>
+          <a:bodyPr/>
+          <a:lstStyle/>
+          <a:p>
+            <a:r>
+              <a:rPr kumimoji="1" lang="en-US" altLang="ja-JP"/>
+              <a:t>2021/2/9</a:t>
+            </a:r>
+            <a:endParaRPr kumimoji="1" lang="ja-JP" altLang="en-US"/>
+          </a:p>
+        </p:txBody>
+      </p:sp>
       <p:sp>
         <p:nvSpPr>
           <p:cNvPr id="6" name="スライド番号プレースホルダー 5">
@@ -17672,10 +18820,86 @@
           </a:p>
         </p:txBody>
       </p:sp>
+      <p:sp>
+        <p:nvSpPr>
+          <p:cNvPr id="35" name="テキスト ボックス 34">
+            <a:extLst>
+              <a:ext uri="{FF2B5EF4-FFF2-40B4-BE49-F238E27FC236}">
+                <a16:creationId xmlns:a16="http://schemas.microsoft.com/office/drawing/2014/main" id="{A705ABBC-869A-4245-AEBC-45BE2B302C2C}"/>
+              </a:ext>
+            </a:extLst>
+          </p:cNvPr>
+          <p:cNvSpPr txBox="1"/>
+          <p:nvPr/>
+        </p:nvSpPr>
+        <p:spPr>
+          <a:xfrm>
+            <a:off x="6437530" y="2480366"/>
+            <a:ext cx="543739" cy="307777"/>
+          </a:xfrm>
+          <a:prstGeom prst="rect">
+            <a:avLst/>
+          </a:prstGeom>
+          <a:noFill/>
+        </p:spPr>
+        <p:txBody>
+          <a:bodyPr wrap="none" rtlCol="0">
+            <a:spAutoFit/>
+          </a:bodyPr>
+          <a:lstStyle/>
+          <a:p>
+            <a:pPr algn="l"/>
+            <a:r>
+              <a:rPr kumimoji="1" lang="ja-JP" altLang="en-US" sz="1400">
+                <a:latin typeface="Cambria" panose="02040503050406030204" pitchFamily="18" charset="0"/>
+              </a:rPr>
+              <a:t>通信</a:t>
+            </a:r>
+          </a:p>
+        </p:txBody>
+      </p:sp>
+      <p:sp>
+        <p:nvSpPr>
+          <p:cNvPr id="36" name="テキスト ボックス 35">
+            <a:extLst>
+              <a:ext uri="{FF2B5EF4-FFF2-40B4-BE49-F238E27FC236}">
+                <a16:creationId xmlns:a16="http://schemas.microsoft.com/office/drawing/2014/main" id="{407B7E95-F921-9642-A1FF-EACA50993796}"/>
+              </a:ext>
+            </a:extLst>
+          </p:cNvPr>
+          <p:cNvSpPr txBox="1"/>
+          <p:nvPr/>
+        </p:nvSpPr>
+        <p:spPr>
+          <a:xfrm>
+            <a:off x="7673887" y="2460471"/>
+            <a:ext cx="543739" cy="307777"/>
+          </a:xfrm>
+          <a:prstGeom prst="rect">
+            <a:avLst/>
+          </a:prstGeom>
+          <a:noFill/>
+        </p:spPr>
+        <p:txBody>
+          <a:bodyPr wrap="none" rtlCol="0">
+            <a:spAutoFit/>
+          </a:bodyPr>
+          <a:lstStyle/>
+          <a:p>
+            <a:pPr algn="l"/>
+            <a:r>
+              <a:rPr kumimoji="1" lang="ja-JP" altLang="en-US" sz="1400">
+                <a:latin typeface="Cambria" panose="02040503050406030204" pitchFamily="18" charset="0"/>
+              </a:rPr>
+              <a:t>通信</a:t>
+            </a:r>
+          </a:p>
+        </p:txBody>
+      </p:sp>
     </p:spTree>
     <p:extLst>
       <p:ext uri="{BB962C8B-B14F-4D97-AF65-F5344CB8AC3E}">
-        <p14:creationId xmlns:p14="http://schemas.microsoft.com/office/powerpoint/2010/main" val="4052052154"/>
+        <p14:creationId xmlns:p14="http://schemas.microsoft.com/office/powerpoint/2010/main" val="495675030"/>
       </p:ext>
     </p:extLst>
   </p:cSld>

--- a/slide/master.pptx
+++ b/slide/master.pptx
@@ -598,7 +598,15 @@
           <a:p>
             <a:r>
               <a:rPr kumimoji="1" lang="ja-JP" altLang="en-US"/>
-              <a:t>もうちょっとうまく書けん？</a:t>
+              <a:t>説明し切ってからグラフの話をするのが一番話しやすい</a:t>
+            </a:r>
+            <a:r>
+              <a:rPr kumimoji="1" lang="en-US" altLang="ja-JP" dirty="0"/>
+              <a:t>, </a:t>
+            </a:r>
+            <a:r>
+              <a:rPr kumimoji="1" lang="ja-JP" altLang="en-US"/>
+              <a:t>時間も間に合う</a:t>
             </a:r>
           </a:p>
         </p:txBody>
@@ -620,7 +628,7 @@
           <a:p>
             <a:fld id="{BAC2704F-7F34-5D4A-A451-26A3081CB5EA}" type="slidenum">
               <a:rPr kumimoji="1" lang="ja-JP" altLang="en-US" smtClean="0"/>
-              <a:t>3</a:t>
+              <a:t>2</a:t>
             </a:fld>
             <a:endParaRPr kumimoji="1" lang="ja-JP" altLang="en-US"/>
           </a:p>
@@ -629,7 +637,7 @@
     </p:spTree>
     <p:extLst>
       <p:ext uri="{BB962C8B-B14F-4D97-AF65-F5344CB8AC3E}">
-        <p14:creationId xmlns:p14="http://schemas.microsoft.com/office/powerpoint/2010/main" val="3814194553"/>
+        <p14:creationId xmlns:p14="http://schemas.microsoft.com/office/powerpoint/2010/main" val="3887054362"/>
       </p:ext>
     </p:extLst>
   </p:cSld>
@@ -685,7 +693,7 @@
           <a:p>
             <a:r>
               <a:rPr kumimoji="1" lang="ja-JP" altLang="en-US"/>
-              <a:t>文字の説明</a:t>
+              <a:t>もうちょっとうまく書けん？</a:t>
             </a:r>
           </a:p>
         </p:txBody>
@@ -707,7 +715,7 @@
           <a:p>
             <a:fld id="{BAC2704F-7F34-5D4A-A451-26A3081CB5EA}" type="slidenum">
               <a:rPr kumimoji="1" lang="ja-JP" altLang="en-US" smtClean="0"/>
-              <a:t>6</a:t>
+              <a:t>3</a:t>
             </a:fld>
             <a:endParaRPr kumimoji="1" lang="ja-JP" altLang="en-US"/>
           </a:p>
@@ -716,7 +724,7 @@
     </p:spTree>
     <p:extLst>
       <p:ext uri="{BB962C8B-B14F-4D97-AF65-F5344CB8AC3E}">
-        <p14:creationId xmlns:p14="http://schemas.microsoft.com/office/powerpoint/2010/main" val="3958422911"/>
+        <p14:creationId xmlns:p14="http://schemas.microsoft.com/office/powerpoint/2010/main" val="3814194553"/>
       </p:ext>
     </p:extLst>
   </p:cSld>
@@ -770,7 +778,97 @@
           <a:bodyPr/>
           <a:lstStyle/>
           <a:p>
+            <a:r>
+              <a:rPr kumimoji="1" lang="ja-JP" altLang="en-US"/>
+              <a:t>文字の説明</a:t>
+            </a:r>
+          </a:p>
+        </p:txBody>
+      </p:sp>
+      <p:sp>
+        <p:nvSpPr>
+          <p:cNvPr id="4" name="スライド番号プレースホルダー 3"/>
+          <p:cNvSpPr>
+            <a:spLocks noGrp="1"/>
+          </p:cNvSpPr>
+          <p:nvPr>
+            <p:ph type="sldNum" sz="quarter" idx="5"/>
+          </p:nvPr>
+        </p:nvSpPr>
+        <p:spPr/>
+        <p:txBody>
+          <a:bodyPr/>
+          <a:lstStyle/>
+          <a:p>
+            <a:fld id="{BAC2704F-7F34-5D4A-A451-26A3081CB5EA}" type="slidenum">
+              <a:rPr kumimoji="1" lang="ja-JP" altLang="en-US" smtClean="0"/>
+              <a:t>6</a:t>
+            </a:fld>
             <a:endParaRPr kumimoji="1" lang="ja-JP" altLang="en-US"/>
+          </a:p>
+        </p:txBody>
+      </p:sp>
+    </p:spTree>
+    <p:extLst>
+      <p:ext uri="{BB962C8B-B14F-4D97-AF65-F5344CB8AC3E}">
+        <p14:creationId xmlns:p14="http://schemas.microsoft.com/office/powerpoint/2010/main" val="3958422911"/>
+      </p:ext>
+    </p:extLst>
+  </p:cSld>
+  <p:clrMapOvr>
+    <a:masterClrMapping/>
+  </p:clrMapOvr>
+</p:notes>
+</file>
+
+<file path=ppt/notesSlides/notesSlide4.xml><?xml version="1.0" encoding="utf-8"?>
+<p:notes xmlns:a="http://schemas.openxmlformats.org/drawingml/2006/main" xmlns:r="http://schemas.openxmlformats.org/officeDocument/2006/relationships" xmlns:p="http://schemas.openxmlformats.org/presentationml/2006/main">
+  <p:cSld>
+    <p:spTree>
+      <p:nvGrpSpPr>
+        <p:cNvPr id="1" name=""/>
+        <p:cNvGrpSpPr/>
+        <p:nvPr/>
+      </p:nvGrpSpPr>
+      <p:grpSpPr>
+        <a:xfrm>
+          <a:off x="0" y="0"/>
+          <a:ext cx="0" cy="0"/>
+          <a:chOff x="0" y="0"/>
+          <a:chExt cx="0" cy="0"/>
+        </a:xfrm>
+      </p:grpSpPr>
+      <p:sp>
+        <p:nvSpPr>
+          <p:cNvPr id="2" name="スライド イメージ プレースホルダー 1"/>
+          <p:cNvSpPr>
+            <a:spLocks noGrp="1" noRot="1" noChangeAspect="1"/>
+          </p:cNvSpPr>
+          <p:nvPr>
+            <p:ph type="sldImg"/>
+          </p:nvPr>
+        </p:nvSpPr>
+        <p:spPr/>
+      </p:sp>
+      <p:sp>
+        <p:nvSpPr>
+          <p:cNvPr id="3" name="ノート プレースホルダー 2"/>
+          <p:cNvSpPr>
+            <a:spLocks noGrp="1"/>
+          </p:cNvSpPr>
+          <p:nvPr>
+            <p:ph type="body" idx="1"/>
+          </p:nvPr>
+        </p:nvSpPr>
+        <p:spPr/>
+        <p:txBody>
+          <a:bodyPr/>
+          <a:lstStyle/>
+          <a:p>
+            <a:r>
+              <a:rPr kumimoji="1" lang="ja-JP" altLang="en-US"/>
+              <a:t>めもりは無言パスが望ましいわけです</a:t>
+            </a:r>
           </a:p>
         </p:txBody>
       </p:sp>
@@ -810,7 +908,7 @@
 </p:notes>
 </file>
 
-<file path=ppt/notesSlides/notesSlide4.xml><?xml version="1.0" encoding="utf-8"?>
+<file path=ppt/notesSlides/notesSlide5.xml><?xml version="1.0" encoding="utf-8"?>
 <p:notes xmlns:a="http://schemas.openxmlformats.org/drawingml/2006/main" xmlns:r="http://schemas.openxmlformats.org/officeDocument/2006/relationships" xmlns:p="http://schemas.openxmlformats.org/presentationml/2006/main">
   <p:cSld>
     <p:spTree>
@@ -955,14 +1053,14 @@
           </a:ln>
           <a:extLst>
             <a:ext uri="{909E8E84-426E-40dd-AFC4-6F175D3DCCD1}">
-              <a14:hiddenFill xmlns="" xmlns:a14="http://schemas.microsoft.com/office/drawing/2010/main">
+              <a14:hiddenFill xmlns:a14="http://schemas.microsoft.com/office/drawing/2010/main" xmlns="">
                 <a:solidFill>
                   <a:srgbClr val="FFFFFF"/>
                 </a:solidFill>
               </a14:hiddenFill>
             </a:ext>
             <a:ext uri="{91240B29-F687-4f45-9708-019B960494DF}">
-              <a14:hiddenLine xmlns="" xmlns:a14="http://schemas.microsoft.com/office/drawing/2010/main" w="9525">
+              <a14:hiddenLine xmlns:a14="http://schemas.microsoft.com/office/drawing/2010/main" xmlns="" w="9525">
                 <a:solidFill>
                   <a:srgbClr val="000000"/>
                 </a:solidFill>
@@ -1636,14 +1734,14 @@
           </a:ln>
           <a:extLst>
             <a:ext uri="{909E8E84-426E-40dd-AFC4-6F175D3DCCD1}">
-              <a14:hiddenFill xmlns="" xmlns:a14="http://schemas.microsoft.com/office/drawing/2010/main">
+              <a14:hiddenFill xmlns:a14="http://schemas.microsoft.com/office/drawing/2010/main" xmlns="">
                 <a:solidFill>
                   <a:srgbClr val="FFFFFF"/>
                 </a:solidFill>
               </a14:hiddenFill>
             </a:ext>
             <a:ext uri="{91240B29-F687-4f45-9708-019B960494DF}">
-              <a14:hiddenLine xmlns="" xmlns:a14="http://schemas.microsoft.com/office/drawing/2010/main" w="9525">
+              <a14:hiddenLine xmlns:a14="http://schemas.microsoft.com/office/drawing/2010/main" xmlns="" w="9525">
                 <a:solidFill>
                   <a:srgbClr val="000000"/>
                 </a:solidFill>
@@ -11603,7 +11701,7 @@
                 </a:r>
                 <a:r>
                   <a:rPr lang="ja-JP" altLang="en-US"/>
-                  <a:t>学習</a:t>
+                  <a:t>誤差を最小化</a:t>
                 </a:r>
                 <a:endParaRPr lang="en-US" altLang="ja-JP" dirty="0"/>
               </a:p>
@@ -12339,7 +12437,7 @@
         </p:blipFill>
         <p:spPr>
           <a:xfrm>
-            <a:off x="5393803" y="742895"/>
+            <a:off x="5247495" y="1792672"/>
             <a:ext cx="3633713" cy="3626791"/>
           </a:xfrm>
           <a:prstGeom prst="rect">
@@ -16032,19 +16130,20 @@
             </a:pPr>
             <a:r>
               <a:rPr lang="ja-JP" altLang="en-US"/>
-              <a:t>臨機応変な通信間隔</a:t>
+              <a:t>制御器自身で臨機応変に</a:t>
             </a:r>
             <a:endParaRPr lang="en-US" altLang="ja-JP" dirty="0"/>
           </a:p>
           <a:p>
-            <a:pPr lvl="2">
+            <a:pPr marL="914400" lvl="2" indent="0">
               <a:lnSpc>
                 <a:spcPct val="120000"/>
               </a:lnSpc>
+              <a:buNone/>
             </a:pPr>
             <a:r>
               <a:rPr lang="ja-JP" altLang="en-US"/>
-              <a:t>制御器自身で意思決定</a:t>
+              <a:t>　通信間隔を変更</a:t>
             </a:r>
             <a:endParaRPr lang="en-US" altLang="ja-JP" dirty="0"/>
           </a:p>
@@ -16667,7 +16766,10 @@
                   <a:rPr kumimoji="1" lang="ja-JP" altLang="en-US"/>
                   <a:t>ステップの最適化による手法</a:t>
                 </a:r>
-                <a:endParaRPr kumimoji="1" lang="en-US" altLang="ja-JP" dirty="0"/>
+                <a:r>
+                  <a:rPr kumimoji="1" lang="en-US" altLang="ja-JP" dirty="0"/>
+                  <a:t>[1]</a:t>
+                </a:r>
               </a:p>
               <a:p>
                 <a:pPr lvl="1">
@@ -16675,18 +16777,7 @@
                     <a:spcPct val="110000"/>
                   </a:lnSpc>
                 </a:pPr>
-                <a:r>
-                  <a:rPr lang="en-US" altLang="ja-JP" dirty="0"/>
-                  <a:t>[1]</a:t>
-                </a:r>
-                <a:r>
-                  <a:rPr lang="ja-JP" altLang="en-US"/>
-                  <a:t>は</a:t>
-                </a:r>
-                <a:r>
-                  <a:rPr lang="en-US" altLang="ja-JP" dirty="0"/>
-                  <a:t> </a:t>
-                </a:r>
+                <a:endParaRPr lang="en-US" altLang="ja-JP" dirty="0"/>
               </a:p>
               <a:p>
                 <a:pPr lvl="4">
@@ -16721,7 +16812,7 @@
                 </a:pPr>
                 <a:r>
                   <a:rPr lang="ja-JP" altLang="en-US"/>
-                  <a:t>　の解</a:t>
+                  <a:t>の解</a:t>
                 </a:r>
                 <a14:m>
                   <m:oMath xmlns:m="http://schemas.openxmlformats.org/officeDocument/2006/math">
@@ -16738,7 +16829,7 @@
                   <a:t>を加え続けた際</a:t>
                 </a:r>
                 <a:r>
-                  <a:rPr lang="en-US" altLang="ja-JP"/>
+                  <a:rPr lang="en-US" altLang="ja-JP" dirty="0"/>
                   <a:t>, </a:t>
                 </a:r>
                 <a:r>
@@ -16789,10 +16880,6 @@
                   <a:buNone/>
                 </a:pPr>
                 <a:r>
-                  <a:rPr lang="ja-JP" altLang="en-US"/>
-                  <a:t>　</a:t>
-                </a:r>
-                <a:r>
                   <a:rPr lang="en-US" altLang="ja-JP" sz="1600" dirty="0"/>
                   <a:t>(</a:t>
                 </a:r>
@@ -16824,58 +16911,6 @@
                     <a:spcPct val="110000"/>
                   </a:lnSpc>
                 </a:pPr>
-                <a:r>
-                  <a:rPr kumimoji="1" lang="ja-JP" altLang="en-US"/>
-                  <a:t>図に</a:t>
-                </a:r>
-                <a:r>
-                  <a:rPr kumimoji="1" lang="en-US" altLang="ja-JP" dirty="0"/>
-                  <a:t>, </a:t>
-                </a:r>
-                <a14:m>
-                  <m:oMath xmlns:m="http://schemas.openxmlformats.org/officeDocument/2006/math">
-                    <m:r>
-                      <a:rPr lang="en-US" altLang="ja-JP" i="1">
-                        <a:latin typeface="Cambria Math" panose="02040503050406030204" pitchFamily="18" charset="0"/>
-                      </a:rPr>
-                      <m:t>𝑉</m:t>
-                    </m:r>
-                    <m:r>
-                      <a:rPr lang="en-US" altLang="ja-JP" i="1">
-                        <a:latin typeface="Cambria Math" panose="02040503050406030204" pitchFamily="18" charset="0"/>
-                      </a:rPr>
-                      <m:t>(</m:t>
-                    </m:r>
-                    <m:r>
-                      <a:rPr lang="en-US" altLang="ja-JP" i="1">
-                        <a:latin typeface="Cambria Math" panose="02040503050406030204" pitchFamily="18" charset="0"/>
-                      </a:rPr>
-                      <m:t>𝑠</m:t>
-                    </m:r>
-                    <m:r>
-                      <a:rPr lang="en-US" altLang="ja-JP" i="1">
-                        <a:latin typeface="Cambria Math" panose="02040503050406030204" pitchFamily="18" charset="0"/>
-                      </a:rPr>
-                      <m:t>(</m:t>
-                    </m:r>
-                    <m:r>
-                      <a:rPr lang="en-US" altLang="ja-JP" i="1">
-                        <a:latin typeface="Cambria Math" panose="02040503050406030204" pitchFamily="18" charset="0"/>
-                      </a:rPr>
-                      <m:t>𝑡</m:t>
-                    </m:r>
-                    <m:r>
-                      <a:rPr lang="en-US" altLang="ja-JP" i="1">
-                        <a:latin typeface="Cambria Math" panose="02040503050406030204" pitchFamily="18" charset="0"/>
-                      </a:rPr>
-                      <m:t>))</m:t>
-                    </m:r>
-                  </m:oMath>
-                </a14:m>
-                <a:r>
-                  <a:rPr kumimoji="1" lang="ja-JP" altLang="en-US"/>
-                  <a:t>の変化を示す</a:t>
-                </a:r>
                 <a:endParaRPr kumimoji="1" lang="en-US" altLang="ja-JP" dirty="0"/>
               </a:p>
               <a:p>
@@ -16991,7 +17026,7 @@
                 <a:ext cx="8701550" cy="5253328"/>
               </a:xfrm>
               <a:blipFill>
-                <a:blip r:embed="rId2"/>
+                <a:blip r:embed="rId3"/>
                 <a:stretch>
                   <a:fillRect l="-582" t="-482"/>
                 </a:stretch>
@@ -17026,7 +17061,7 @@
         </p:nvSpPr>
         <p:spPr>
           <a:xfrm>
-            <a:off x="1950406" y="2383747"/>
+            <a:off x="1607506" y="2231347"/>
             <a:ext cx="2621593" cy="362385"/>
           </a:xfrm>
           <a:prstGeom prst="roundRect">
@@ -17082,7 +17117,7 @@
             </p:nvSpPr>
             <p:spPr>
               <a:xfrm>
-                <a:off x="1440419" y="1915112"/>
+                <a:off x="1097519" y="1762712"/>
                 <a:ext cx="1055738" cy="458587"/>
               </a:xfrm>
               <a:prstGeom prst="rect">
@@ -17202,14 +17237,14 @@
             </p:nvSpPr>
             <p:spPr>
               <a:xfrm>
-                <a:off x="1440419" y="1915112"/>
+                <a:off x="1097519" y="1762712"/>
                 <a:ext cx="1055738" cy="458587"/>
               </a:xfrm>
               <a:prstGeom prst="rect">
                 <a:avLst/>
               </a:prstGeom>
               <a:blipFill>
-                <a:blip r:embed="rId3"/>
+                <a:blip r:embed="rId4"/>
                 <a:stretch>
                   <a:fillRect/>
                 </a:stretch>
@@ -17246,8 +17281,8 @@
             </p:nvSpPr>
             <p:spPr>
               <a:xfrm>
-                <a:off x="1478583" y="2364598"/>
-                <a:ext cx="4831707" cy="391582"/>
+                <a:off x="1135683" y="2212198"/>
+                <a:ext cx="4613506" cy="391582"/>
               </a:xfrm>
               <a:prstGeom prst="rect">
                 <a:avLst/>
@@ -17437,11 +17472,11 @@
                             </m:e>
                             <m:sub>
                               <m:r>
-                                <a:rPr kumimoji="1" lang="en-US" altLang="ja-JP" i="1">
+                                <a:rPr kumimoji="1" lang="en-US" altLang="ja-JP" b="0" i="1" smtClean="0">
                                   <a:latin typeface="Cambria Math" panose="02040503050406030204" pitchFamily="18" charset="0"/>
                                   <a:ea typeface="Cambria Math" panose="02040503050406030204" pitchFamily="18" charset="0"/>
                                 </a:rPr>
-                                <m:t>𝑓</m:t>
+                                <m:t>𝑔</m:t>
                               </m:r>
                             </m:sub>
                           </m:sSub>
@@ -17521,10 +17556,18 @@
                             <m:t>𝑢</m:t>
                           </m:r>
                           <m:r>
-                            <a:rPr kumimoji="1" lang="en-US" altLang="ja-JP" i="1">
+                            <a:rPr kumimoji="1" lang="en-US" altLang="ja-JP" i="1" smtClean="0">
                               <a:latin typeface="Cambria Math" panose="02040503050406030204" pitchFamily="18" charset="0"/>
+                              <a:ea typeface="Cambria Math" panose="02040503050406030204" pitchFamily="18" charset="0"/>
                             </a:rPr>
-                            <m:t>+</m:t>
+                            <m:t>≤</m:t>
+                          </m:r>
+                          <m:r>
+                            <a:rPr kumimoji="1" lang="en-US" altLang="ja-JP" b="0" i="1" smtClean="0">
+                              <a:latin typeface="Cambria Math" panose="02040503050406030204" pitchFamily="18" charset="0"/>
+                              <a:ea typeface="Cambria Math" panose="02040503050406030204" pitchFamily="18" charset="0"/>
+                            </a:rPr>
+                            <m:t>−</m:t>
                           </m:r>
                           <m:r>
                             <a:rPr kumimoji="1" lang="en-US" altLang="ja-JP" i="1">
@@ -17601,22 +17644,6 @@
                               </m:r>
                             </m:e>
                           </m:d>
-                          <m:r>
-                            <a:rPr kumimoji="1" lang="en-US" altLang="ja-JP" i="1">
-                              <a:latin typeface="Cambria Math" panose="02040503050406030204" pitchFamily="18" charset="0"/>
-                              <a:ea typeface="Cambria Math" panose="02040503050406030204" pitchFamily="18" charset="0"/>
-                            </a:rPr>
-                            <m:t>≤0</m:t>
-                          </m:r>
-                          <m:r>
-                            <m:rPr>
-                              <m:nor/>
-                            </m:rPr>
-                            <a:rPr kumimoji="1" lang="ja-JP" altLang="en-US">
-                              <a:latin typeface="Cambria" panose="02040503050406030204" pitchFamily="18" charset="0"/>
-                            </a:rPr>
-                            <m:t> </m:t>
-                          </m:r>
                         </m:e>
                       </m:func>
                     </m:oMath>
@@ -17646,16 +17673,16 @@
             </p:nvSpPr>
             <p:spPr>
               <a:xfrm>
-                <a:off x="1478583" y="2364598"/>
-                <a:ext cx="4831707" cy="391582"/>
+                <a:off x="1135683" y="2212198"/>
+                <a:ext cx="4613506" cy="391582"/>
               </a:xfrm>
               <a:prstGeom prst="rect">
                 <a:avLst/>
               </a:prstGeom>
               <a:blipFill>
-                <a:blip r:embed="rId4"/>
+                <a:blip r:embed="rId5"/>
                 <a:stretch>
-                  <a:fillRect t="-3125" b="-6250"/>
+                  <a:fillRect b="-6250"/>
                 </a:stretch>
               </a:blipFill>
             </p:spPr>
@@ -17690,7 +17717,7 @@
         </p:nvCxnSpPr>
         <p:spPr>
           <a:xfrm>
-            <a:off x="6677121" y="2232080"/>
+            <a:off x="6626321" y="2193980"/>
             <a:ext cx="1567033" cy="0"/>
           </a:xfrm>
           <a:prstGeom prst="straightConnector1">
@@ -17735,7 +17762,7 @@
         </p:nvSpPr>
         <p:spPr>
           <a:xfrm>
-            <a:off x="6683299" y="1234877"/>
+            <a:off x="6632499" y="1196777"/>
             <a:ext cx="1365160" cy="800740"/>
           </a:xfrm>
           <a:custGeom>
@@ -17827,7 +17854,7 @@
         </p:nvCxnSpPr>
         <p:spPr>
           <a:xfrm>
-            <a:off x="6677121" y="1014871"/>
+            <a:off x="6626321" y="976771"/>
             <a:ext cx="0" cy="1217209"/>
           </a:xfrm>
           <a:prstGeom prst="line">
@@ -17874,7 +17901,7 @@
         </p:nvCxnSpPr>
         <p:spPr>
           <a:xfrm flipH="1">
-            <a:off x="6683299" y="1428060"/>
+            <a:off x="6632499" y="1389960"/>
             <a:ext cx="1527749" cy="0"/>
           </a:xfrm>
           <a:prstGeom prst="line">
@@ -17920,7 +17947,7 @@
         </p:nvCxnSpPr>
         <p:spPr>
           <a:xfrm>
-            <a:off x="7861310" y="1014871"/>
+            <a:off x="7810510" y="976771"/>
             <a:ext cx="0" cy="1217209"/>
           </a:xfrm>
           <a:prstGeom prst="line">
@@ -17966,7 +17993,7 @@
             </p:nvSpPr>
             <p:spPr>
               <a:xfrm>
-                <a:off x="7935703" y="839977"/>
+                <a:off x="7884903" y="801877"/>
                 <a:ext cx="889731" cy="338554"/>
               </a:xfrm>
               <a:prstGeom prst="rect">
@@ -18071,14 +18098,14 @@
             </p:nvSpPr>
             <p:spPr>
               <a:xfrm>
-                <a:off x="7935703" y="839977"/>
+                <a:off x="7884903" y="801877"/>
                 <a:ext cx="889731" cy="338554"/>
               </a:xfrm>
               <a:prstGeom prst="rect">
                 <a:avLst/>
               </a:prstGeom>
               <a:blipFill>
-                <a:blip r:embed="rId5"/>
+                <a:blip r:embed="rId6"/>
                 <a:stretch>
                   <a:fillRect b="-14286"/>
                 </a:stretch>
@@ -18115,7 +18142,7 @@
             </p:nvSpPr>
             <p:spPr>
               <a:xfrm>
-                <a:off x="8214478" y="2040212"/>
+                <a:off x="8163678" y="2002112"/>
                 <a:ext cx="332976" cy="369332"/>
               </a:xfrm>
               <a:prstGeom prst="rect">
@@ -18169,14 +18196,14 @@
             </p:nvSpPr>
             <p:spPr>
               <a:xfrm>
-                <a:off x="8214478" y="2040212"/>
+                <a:off x="8163678" y="2002112"/>
                 <a:ext cx="332976" cy="369332"/>
               </a:xfrm>
               <a:prstGeom prst="rect">
                 <a:avLst/>
               </a:prstGeom>
               <a:blipFill>
-                <a:blip r:embed="rId6"/>
+                <a:blip r:embed="rId7"/>
                 <a:stretch>
                   <a:fillRect/>
                 </a:stretch>
@@ -18276,7 +18303,7 @@
             </p:nvSpPr>
             <p:spPr>
               <a:xfrm>
-                <a:off x="7673887" y="2174698"/>
+                <a:off x="7623087" y="2136598"/>
                 <a:ext cx="570413" cy="338554"/>
               </a:xfrm>
               <a:prstGeom prst="rect">
@@ -18355,14 +18382,14 @@
             </p:nvSpPr>
             <p:spPr>
               <a:xfrm>
-                <a:off x="7673887" y="2174698"/>
+                <a:off x="7623087" y="2136598"/>
                 <a:ext cx="570413" cy="338554"/>
               </a:xfrm>
               <a:prstGeom prst="rect">
                 <a:avLst/>
               </a:prstGeom>
               <a:blipFill>
-                <a:blip r:embed="rId7"/>
+                <a:blip r:embed="rId8"/>
                 <a:stretch>
                   <a:fillRect/>
                 </a:stretch>
@@ -18399,7 +18426,7 @@
             </p:nvSpPr>
             <p:spPr>
               <a:xfrm>
-                <a:off x="6521977" y="2174698"/>
+                <a:off x="6471177" y="2136598"/>
                 <a:ext cx="374846" cy="338554"/>
               </a:xfrm>
               <a:prstGeom prst="rect">
@@ -18472,14 +18499,14 @@
             </p:nvSpPr>
             <p:spPr>
               <a:xfrm>
-                <a:off x="6521977" y="2174698"/>
+                <a:off x="6471177" y="2136598"/>
                 <a:ext cx="374846" cy="338554"/>
               </a:xfrm>
               <a:prstGeom prst="rect">
                 <a:avLst/>
               </a:prstGeom>
               <a:blipFill>
-                <a:blip r:embed="rId8"/>
+                <a:blip r:embed="rId9"/>
                 <a:stretch>
                   <a:fillRect/>
                 </a:stretch>
@@ -18516,7 +18543,7 @@
         </p:nvCxnSpPr>
         <p:spPr>
           <a:xfrm>
-            <a:off x="6593787" y="1088263"/>
+            <a:off x="6542987" y="1050163"/>
             <a:ext cx="211708" cy="896729"/>
           </a:xfrm>
           <a:prstGeom prst="line">
@@ -18557,8 +18584,8 @@
             </p:nvSpPr>
             <p:spPr>
               <a:xfrm>
-                <a:off x="3300583" y="2103034"/>
-                <a:ext cx="1385764" cy="314189"/>
+                <a:off x="2733820" y="1964960"/>
+                <a:ext cx="1635897" cy="307777"/>
               </a:xfrm>
               <a:prstGeom prst="rect">
                 <a:avLst/>
@@ -18583,36 +18610,19 @@
                       </a:rPr>
                       <m:t>𝑉</m:t>
                     </m:r>
-                    <m:r>
-                      <a:rPr kumimoji="1" lang="en-US" altLang="ja-JP" sz="1400" i="1" smtClean="0">
-                        <a:solidFill>
-                          <a:schemeClr val="accent1"/>
-                        </a:solidFill>
-                        <a:latin typeface="Cambria Math" panose="02040503050406030204" pitchFamily="18" charset="0"/>
-                        <a:ea typeface="Cambria Math" panose="02040503050406030204" pitchFamily="18" charset="0"/>
-                      </a:rPr>
-                      <m:t>(</m:t>
-                    </m:r>
-                    <m:r>
-                      <a:rPr kumimoji="1" lang="en-US" altLang="ja-JP" sz="1400" i="1" smtClean="0">
-                        <a:solidFill>
-                          <a:schemeClr val="accent1"/>
-                        </a:solidFill>
-                        <a:latin typeface="Cambria Math" panose="02040503050406030204" pitchFamily="18" charset="0"/>
-                        <a:ea typeface="Cambria Math" panose="02040503050406030204" pitchFamily="18" charset="0"/>
-                      </a:rPr>
-                      <m:t>𝑠</m:t>
-                    </m:r>
-                    <m:r>
-                      <a:rPr kumimoji="1" lang="en-US" altLang="ja-JP" sz="1400" b="0" i="1" smtClean="0">
-                        <a:solidFill>
-                          <a:schemeClr val="accent1"/>
-                        </a:solidFill>
-                        <a:latin typeface="Cambria Math" panose="02040503050406030204" pitchFamily="18" charset="0"/>
-                        <a:ea typeface="Cambria Math" panose="02040503050406030204" pitchFamily="18" charset="0"/>
-                      </a:rPr>
-                      <m:t>(</m:t>
-                    </m:r>
+                  </m:oMath>
+                </a14:m>
+                <a:r>
+                  <a:rPr kumimoji="1" lang="ja-JP" altLang="en-US" sz="1400">
+                    <a:solidFill>
+                      <a:schemeClr val="accent1"/>
+                    </a:solidFill>
+                    <a:latin typeface="Cambria" panose="02040503050406030204" pitchFamily="18" charset="0"/>
+                  </a:rPr>
+                  <a:t>の</a:t>
+                </a:r>
+                <a14:m>
+                  <m:oMath xmlns:m="http://schemas.openxmlformats.org/officeDocument/2006/math">
                     <m:sSub>
                       <m:sSubPr>
                         <m:ctrlPr>
@@ -18626,6 +18636,26 @@
                         </m:ctrlPr>
                       </m:sSubPr>
                       <m:e>
+                        <m:r>
+                          <a:rPr kumimoji="1" lang="en-US" altLang="ja-JP" sz="1400" b="0" i="1" smtClean="0">
+                            <a:solidFill>
+                              <a:schemeClr val="accent1"/>
+                            </a:solidFill>
+                            <a:latin typeface="Cambria Math" panose="02040503050406030204" pitchFamily="18" charset="0"/>
+                            <a:ea typeface="Cambria Math" panose="02040503050406030204" pitchFamily="18" charset="0"/>
+                          </a:rPr>
+                          <m:t>𝑡</m:t>
+                        </m:r>
+                        <m:r>
+                          <a:rPr kumimoji="1" lang="en-US" altLang="ja-JP" sz="1400" b="0" i="1" smtClean="0">
+                            <a:solidFill>
+                              <a:schemeClr val="accent1"/>
+                            </a:solidFill>
+                            <a:latin typeface="Cambria Math" panose="02040503050406030204" pitchFamily="18" charset="0"/>
+                            <a:ea typeface="Cambria Math" panose="02040503050406030204" pitchFamily="18" charset="0"/>
+                          </a:rPr>
+                          <m:t>=</m:t>
+                        </m:r>
                         <m:r>
                           <a:rPr kumimoji="1" lang="en-US" altLang="ja-JP" sz="1400" i="1">
                             <a:solidFill>
@@ -18650,26 +18680,6 @@
                         </m:r>
                       </m:sub>
                     </m:sSub>
-                    <m:r>
-                      <a:rPr kumimoji="1" lang="en-US" altLang="ja-JP" sz="1400" b="0" i="1" smtClean="0">
-                        <a:solidFill>
-                          <a:schemeClr val="accent1"/>
-                        </a:solidFill>
-                        <a:latin typeface="Cambria Math" panose="02040503050406030204" pitchFamily="18" charset="0"/>
-                        <a:ea typeface="Cambria Math" panose="02040503050406030204" pitchFamily="18" charset="0"/>
-                      </a:rPr>
-                      <m:t>)</m:t>
-                    </m:r>
-                    <m:r>
-                      <a:rPr kumimoji="1" lang="en-US" altLang="ja-JP" sz="1400" i="1" smtClean="0">
-                        <a:solidFill>
-                          <a:schemeClr val="accent1"/>
-                        </a:solidFill>
-                        <a:latin typeface="Cambria Math" panose="02040503050406030204" pitchFamily="18" charset="0"/>
-                        <a:ea typeface="Cambria Math" panose="02040503050406030204" pitchFamily="18" charset="0"/>
-                      </a:rPr>
-                      <m:t>)</m:t>
-                    </m:r>
                   </m:oMath>
                 </a14:m>
                 <a:r>
@@ -18679,7 +18689,7 @@
                     </a:solidFill>
                     <a:latin typeface="Cambria" panose="02040503050406030204" pitchFamily="18" charset="0"/>
                   </a:rPr>
-                  <a:t>の傾き</a:t>
+                  <a:t>での傾き</a:t>
                 </a:r>
               </a:p>
             </p:txBody>
@@ -18702,14 +18712,14 @@
             </p:nvSpPr>
             <p:spPr>
               <a:xfrm>
-                <a:off x="3300583" y="2103034"/>
-                <a:ext cx="1385764" cy="314189"/>
+                <a:off x="2733820" y="1964960"/>
+                <a:ext cx="1635897" cy="307777"/>
               </a:xfrm>
               <a:prstGeom prst="rect">
                 <a:avLst/>
               </a:prstGeom>
               <a:blipFill>
-                <a:blip r:embed="rId9"/>
+                <a:blip r:embed="rId10"/>
                 <a:stretch>
                   <a:fillRect t="-4000" b="-16000"/>
                 </a:stretch>
@@ -18834,7 +18844,7 @@
         </p:nvSpPr>
         <p:spPr>
           <a:xfrm>
-            <a:off x="6437530" y="2480366"/>
+            <a:off x="6386730" y="2442266"/>
             <a:ext cx="543739" cy="307777"/>
           </a:xfrm>
           <a:prstGeom prst="rect">
@@ -18872,7 +18882,7 @@
         </p:nvSpPr>
         <p:spPr>
           <a:xfrm>
-            <a:off x="7673887" y="2460471"/>
+            <a:off x="7623087" y="2422371"/>
             <a:ext cx="543739" cy="307777"/>
           </a:xfrm>
           <a:prstGeom prst="rect">
